--- a/ClassMaterials/CohesionAndCoupling/Slides/Cohesion_And_Coupling.pptx
+++ b/ClassMaterials/CohesionAndCoupling/Slides/Cohesion_And_Coupling.pptx
@@ -5,7 +5,7 @@
     <p:sldMasterId id="2147483648" r:id="rId1"/>
   </p:sldMasterIdLst>
   <p:notesMasterIdLst>
-    <p:notesMasterId r:id="rId65"/>
+    <p:notesMasterId r:id="rId64"/>
   </p:notesMasterIdLst>
   <p:sldIdLst>
     <p:sldId id="284" r:id="rId2"/>
@@ -32,45 +32,44 @@
     <p:sldId id="364" r:id="rId23"/>
     <p:sldId id="332" r:id="rId24"/>
     <p:sldId id="333" r:id="rId25"/>
-    <p:sldId id="365" r:id="rId26"/>
-    <p:sldId id="311" r:id="rId27"/>
-    <p:sldId id="312" r:id="rId28"/>
-    <p:sldId id="310" r:id="rId29"/>
-    <p:sldId id="313" r:id="rId30"/>
-    <p:sldId id="366" r:id="rId31"/>
-    <p:sldId id="314" r:id="rId32"/>
-    <p:sldId id="320" r:id="rId33"/>
-    <p:sldId id="322" r:id="rId34"/>
-    <p:sldId id="344" r:id="rId35"/>
-    <p:sldId id="323" r:id="rId36"/>
-    <p:sldId id="324" r:id="rId37"/>
-    <p:sldId id="315" r:id="rId38"/>
-    <p:sldId id="285" r:id="rId39"/>
-    <p:sldId id="267" r:id="rId40"/>
-    <p:sldId id="269" r:id="rId41"/>
-    <p:sldId id="367" r:id="rId42"/>
-    <p:sldId id="271" r:id="rId43"/>
-    <p:sldId id="270" r:id="rId44"/>
-    <p:sldId id="272" r:id="rId45"/>
-    <p:sldId id="282" r:id="rId46"/>
-    <p:sldId id="368" r:id="rId47"/>
-    <p:sldId id="273" r:id="rId48"/>
-    <p:sldId id="274" r:id="rId49"/>
-    <p:sldId id="357" r:id="rId50"/>
-    <p:sldId id="361" r:id="rId51"/>
-    <p:sldId id="356" r:id="rId52"/>
-    <p:sldId id="360" r:id="rId53"/>
-    <p:sldId id="358" r:id="rId54"/>
-    <p:sldId id="359" r:id="rId55"/>
-    <p:sldId id="275" r:id="rId56"/>
-    <p:sldId id="297" r:id="rId57"/>
-    <p:sldId id="369" r:id="rId58"/>
-    <p:sldId id="370" r:id="rId59"/>
-    <p:sldId id="276" r:id="rId60"/>
-    <p:sldId id="278" r:id="rId61"/>
-    <p:sldId id="279" r:id="rId62"/>
-    <p:sldId id="293" r:id="rId63"/>
-    <p:sldId id="355" r:id="rId64"/>
+    <p:sldId id="311" r:id="rId26"/>
+    <p:sldId id="312" r:id="rId27"/>
+    <p:sldId id="310" r:id="rId28"/>
+    <p:sldId id="313" r:id="rId29"/>
+    <p:sldId id="366" r:id="rId30"/>
+    <p:sldId id="314" r:id="rId31"/>
+    <p:sldId id="320" r:id="rId32"/>
+    <p:sldId id="322" r:id="rId33"/>
+    <p:sldId id="344" r:id="rId34"/>
+    <p:sldId id="323" r:id="rId35"/>
+    <p:sldId id="324" r:id="rId36"/>
+    <p:sldId id="315" r:id="rId37"/>
+    <p:sldId id="285" r:id="rId38"/>
+    <p:sldId id="267" r:id="rId39"/>
+    <p:sldId id="269" r:id="rId40"/>
+    <p:sldId id="367" r:id="rId41"/>
+    <p:sldId id="271" r:id="rId42"/>
+    <p:sldId id="270" r:id="rId43"/>
+    <p:sldId id="272" r:id="rId44"/>
+    <p:sldId id="282" r:id="rId45"/>
+    <p:sldId id="368" r:id="rId46"/>
+    <p:sldId id="273" r:id="rId47"/>
+    <p:sldId id="274" r:id="rId48"/>
+    <p:sldId id="357" r:id="rId49"/>
+    <p:sldId id="361" r:id="rId50"/>
+    <p:sldId id="356" r:id="rId51"/>
+    <p:sldId id="360" r:id="rId52"/>
+    <p:sldId id="358" r:id="rId53"/>
+    <p:sldId id="359" r:id="rId54"/>
+    <p:sldId id="275" r:id="rId55"/>
+    <p:sldId id="297" r:id="rId56"/>
+    <p:sldId id="369" r:id="rId57"/>
+    <p:sldId id="370" r:id="rId58"/>
+    <p:sldId id="276" r:id="rId59"/>
+    <p:sldId id="278" r:id="rId60"/>
+    <p:sldId id="279" r:id="rId61"/>
+    <p:sldId id="293" r:id="rId62"/>
+    <p:sldId id="355" r:id="rId63"/>
   </p:sldIdLst>
   <p:sldSz cx="9144000" cy="6858000" type="screen4x3"/>
   <p:notesSz cx="6858000" cy="9144000"/>
@@ -1300,58 +1299,42 @@
           <a:bodyPr/>
           <a:lstStyle/>
           <a:p>
-            <a:pPr rtl="0"/>
-            <a:r>
-              <a:rPr lang="en-US" dirty="0"/>
-              <a:t>QUIZ QUESTION 3</a:t>
-            </a:r>
-          </a:p>
-          <a:p>
-            <a:pPr rtl="0"/>
+            <a:r>
+              <a:rPr lang="en-US" dirty="0"/>
+              <a:t>Note </a:t>
+            </a:r>
+            <a:r>
+              <a:rPr lang="en-US" dirty="0" err="1"/>
+              <a:t>CSSE_Freshmen</a:t>
+            </a:r>
+            <a:r>
+              <a:rPr lang="en-US" dirty="0"/>
+              <a:t> depends on Student</a:t>
+            </a:r>
+          </a:p>
+          <a:p>
+            <a:r>
+              <a:rPr lang="en-US" dirty="0"/>
+              <a:t>But Student</a:t>
+            </a:r>
+            <a:r>
+              <a:rPr lang="en-US" baseline="0" dirty="0"/>
+              <a:t> </a:t>
+            </a:r>
+            <a:r>
+              <a:rPr lang="en-US" dirty="0"/>
+              <a:t>does NOT depend on </a:t>
+            </a:r>
+            <a:r>
+              <a:rPr lang="en-US" dirty="0" err="1"/>
+              <a:t>CSSE_Freshmen</a:t>
+            </a:r>
             <a:endParaRPr lang="en-US" dirty="0"/>
           </a:p>
           <a:p>
-            <a:pPr rtl="0"/>
-            <a:r>
-              <a:rPr lang="en-US" dirty="0"/>
-              <a:t>Notice the removed dependency</a:t>
-            </a:r>
-            <a:r>
-              <a:rPr lang="en-US" baseline="0" dirty="0"/>
-              <a:t> (no line from Employee to Manager) this is possible since we don’t need to look up the manager to update its salary. We might want this for other reasons, but It is not strictly necessary here.</a:t>
-            </a:r>
-          </a:p>
-          <a:p>
-            <a:pPr rtl="0"/>
-            <a:endParaRPr lang="en-US" baseline="0" dirty="0"/>
-          </a:p>
-          <a:p>
-            <a:pPr rtl="0"/>
-            <a:r>
-              <a:rPr lang="en-US" baseline="0" dirty="0"/>
-              <a:t>Lazy evaluation </a:t>
-            </a:r>
-            <a:r>
-              <a:rPr lang="en-US" baseline="0" dirty="0">
-                <a:sym typeface="Wingdings" panose="05000000000000000000" pitchFamily="2" charset="2"/>
-              </a:rPr>
-              <a:t> pros and cons</a:t>
-            </a:r>
-          </a:p>
-          <a:p>
-            <a:pPr rtl="0"/>
-            <a:endParaRPr lang="en-US" baseline="0" dirty="0">
-              <a:sym typeface="Wingdings" panose="05000000000000000000" pitchFamily="2" charset="2"/>
-            </a:endParaRPr>
-          </a:p>
-          <a:p>
-            <a:pPr rtl="0"/>
-            <a:r>
-              <a:rPr lang="en-US" baseline="0" dirty="0">
-                <a:sym typeface="Wingdings" panose="05000000000000000000" pitchFamily="2" charset="2"/>
-              </a:rPr>
-              <a:t>Manager and Employee are flipped, might be worth re-creating</a:t>
-            </a:r>
+            <a:endParaRPr lang="en-US" dirty="0"/>
+          </a:p>
+          <a:p>
             <a:endParaRPr lang="en-US" dirty="0"/>
           </a:p>
         </p:txBody>
@@ -1371,9 +1354,15 @@
           <a:bodyPr/>
           <a:lstStyle/>
           <a:p>
-            <a:fld id="{AC522A93-4968-4B29-BB16-64A778254383}" type="slidenum">
+            <a:pPr>
+              <a:defRPr/>
+            </a:pPr>
+            <a:fld id="{8DFC2F88-2260-47C2-A0F1-192B4CA5C87E}" type="slidenum">
               <a:rPr lang="en-US" smtClean="0"/>
-              <a:t>25</a:t>
+              <a:pPr>
+                <a:defRPr/>
+              </a:pPr>
+              <a:t>26</a:t>
             </a:fld>
             <a:endParaRPr lang="en-US"/>
           </a:p>
@@ -1382,7 +1371,7 @@
     </p:spTree>
     <p:extLst>
       <p:ext uri="{BB962C8B-B14F-4D97-AF65-F5344CB8AC3E}">
-        <p14:creationId xmlns:p14="http://schemas.microsoft.com/office/powerpoint/2010/main" val="2174937674"/>
+        <p14:creationId xmlns:p14="http://schemas.microsoft.com/office/powerpoint/2010/main" val="3609533702"/>
       </p:ext>
     </p:extLst>
   </p:cSld>
@@ -1438,40 +1427,181 @@
           <a:p>
             <a:r>
               <a:rPr lang="en-US" dirty="0"/>
-              <a:t>Note </a:t>
+              <a:t>@</a:t>
             </a:r>
             <a:r>
               <a:rPr lang="en-US" dirty="0" err="1"/>
-              <a:t>CSSE_Freshmen</a:t>
-            </a:r>
-            <a:r>
-              <a:rPr lang="en-US" dirty="0"/>
-              <a:t> depends on Student</a:t>
-            </a:r>
-          </a:p>
-          <a:p>
-            <a:r>
-              <a:rPr lang="en-US" dirty="0"/>
-              <a:t>But Student</a:t>
-            </a:r>
-            <a:r>
-              <a:rPr lang="en-US" baseline="0" dirty="0"/>
-              <a:t> </a:t>
-            </a:r>
-            <a:r>
-              <a:rPr lang="en-US" dirty="0"/>
-              <a:t>does NOT depend on </a:t>
-            </a:r>
+              <a:t>startuml</a:t>
+            </a:r>
+            <a:endParaRPr lang="en-US" dirty="0"/>
+          </a:p>
+          <a:p>
             <a:r>
               <a:rPr lang="en-US" dirty="0" err="1"/>
-              <a:t>CSSE_Freshmen</a:t>
+              <a:t>skinparam</a:t>
+            </a:r>
+            <a:r>
+              <a:rPr lang="en-US" dirty="0"/>
+              <a:t> style </a:t>
+            </a:r>
+            <a:r>
+              <a:rPr lang="en-US" dirty="0" err="1"/>
+              <a:t>strictuml</a:t>
             </a:r>
             <a:endParaRPr lang="en-US" dirty="0"/>
           </a:p>
           <a:p>
+            <a:r>
+              <a:rPr lang="en-US" dirty="0"/>
+              <a:t>hide methods</a:t>
+            </a:r>
+          </a:p>
+          <a:p>
+            <a:r>
+              <a:rPr lang="en-US" dirty="0"/>
+              <a:t>hide fields</a:t>
+            </a:r>
+          </a:p>
+          <a:p>
             <a:endParaRPr lang="en-US" dirty="0"/>
           </a:p>
           <a:p>
+            <a:r>
+              <a:rPr lang="en-US" dirty="0"/>
+              <a:t>class </a:t>
+            </a:r>
+            <a:r>
+              <a:rPr lang="en-US" dirty="0" err="1"/>
+              <a:t>YourCode</a:t>
+            </a:r>
+            <a:r>
+              <a:rPr lang="en-US" dirty="0"/>
+              <a:t> {</a:t>
+            </a:r>
+          </a:p>
+          <a:p>
+            <a:r>
+              <a:rPr lang="en-US" dirty="0"/>
+              <a:t>}</a:t>
+            </a:r>
+          </a:p>
+          <a:p>
+            <a:endParaRPr lang="en-US" dirty="0"/>
+          </a:p>
+          <a:p>
+            <a:r>
+              <a:rPr lang="en-US" dirty="0" err="1"/>
+              <a:t>YourCode</a:t>
+            </a:r>
+            <a:r>
+              <a:rPr lang="en-US" dirty="0"/>
+              <a:t> -&gt; </a:t>
+            </a:r>
+            <a:r>
+              <a:rPr lang="en-US" dirty="0" err="1"/>
+              <a:t>JFrame</a:t>
+            </a:r>
+            <a:endParaRPr lang="en-US" dirty="0"/>
+          </a:p>
+          <a:p>
+            <a:r>
+              <a:rPr lang="en-US" dirty="0" err="1"/>
+              <a:t>JFrame</a:t>
+            </a:r>
+            <a:r>
+              <a:rPr lang="en-US" dirty="0"/>
+              <a:t> -&gt; </a:t>
+            </a:r>
+            <a:r>
+              <a:rPr lang="en-US" dirty="0" err="1"/>
+              <a:t>BufferStrategy</a:t>
+            </a:r>
+            <a:endParaRPr lang="en-US" dirty="0"/>
+          </a:p>
+          <a:p>
+            <a:r>
+              <a:rPr lang="en-US" dirty="0" err="1"/>
+              <a:t>BufferStrategy</a:t>
+            </a:r>
+            <a:r>
+              <a:rPr lang="en-US" dirty="0"/>
+              <a:t> -&gt; </a:t>
+            </a:r>
+            <a:r>
+              <a:rPr lang="en-US" dirty="0" err="1"/>
+              <a:t>BufferCapabilities</a:t>
+            </a:r>
+            <a:endParaRPr lang="en-US" dirty="0"/>
+          </a:p>
+          <a:p>
+            <a:r>
+              <a:rPr lang="en-US" dirty="0" err="1"/>
+              <a:t>BufferCapabilities</a:t>
+            </a:r>
+            <a:r>
+              <a:rPr lang="en-US" dirty="0"/>
+              <a:t> -&gt; </a:t>
+            </a:r>
+            <a:r>
+              <a:rPr lang="en-US" dirty="0" err="1"/>
+              <a:t>FlipContents</a:t>
+            </a:r>
+            <a:endParaRPr lang="en-US" dirty="0"/>
+          </a:p>
+          <a:p>
+            <a:r>
+              <a:rPr lang="en-US" dirty="0" err="1"/>
+              <a:t>YourCode</a:t>
+            </a:r>
+            <a:r>
+              <a:rPr lang="en-US" dirty="0"/>
+              <a:t> .&gt; </a:t>
+            </a:r>
+            <a:r>
+              <a:rPr lang="en-US" dirty="0" err="1"/>
+              <a:t>BufferStrategy</a:t>
+            </a:r>
+            <a:endParaRPr lang="en-US" dirty="0"/>
+          </a:p>
+          <a:p>
+            <a:r>
+              <a:rPr lang="en-US" dirty="0" err="1"/>
+              <a:t>YourCode</a:t>
+            </a:r>
+            <a:r>
+              <a:rPr lang="en-US" dirty="0"/>
+              <a:t> .&gt; </a:t>
+            </a:r>
+            <a:r>
+              <a:rPr lang="en-US" dirty="0" err="1"/>
+              <a:t>BufferCapabilities</a:t>
+            </a:r>
+            <a:endParaRPr lang="en-US" dirty="0"/>
+          </a:p>
+          <a:p>
+            <a:r>
+              <a:rPr lang="en-US" dirty="0" err="1"/>
+              <a:t>YourCode</a:t>
+            </a:r>
+            <a:r>
+              <a:rPr lang="en-US" dirty="0"/>
+              <a:t> .&gt; </a:t>
+            </a:r>
+            <a:r>
+              <a:rPr lang="en-US" dirty="0" err="1"/>
+              <a:t>FlipContents</a:t>
+            </a:r>
+            <a:endParaRPr lang="en-US" dirty="0"/>
+          </a:p>
+          <a:p>
+            <a:r>
+              <a:rPr lang="en-US" dirty="0"/>
+              <a:t>@</a:t>
+            </a:r>
+            <a:r>
+              <a:rPr lang="en-US" dirty="0" err="1"/>
+              <a:t>enduml</a:t>
+            </a:r>
             <a:endParaRPr lang="en-US" dirty="0"/>
           </a:p>
         </p:txBody>
@@ -1491,15 +1621,9 @@
           <a:bodyPr/>
           <a:lstStyle/>
           <a:p>
-            <a:pPr>
-              <a:defRPr/>
-            </a:pPr>
-            <a:fld id="{8DFC2F88-2260-47C2-A0F1-192B4CA5C87E}" type="slidenum">
+            <a:fld id="{AC522A93-4968-4B29-BB16-64A778254383}" type="slidenum">
               <a:rPr lang="en-US" smtClean="0"/>
-              <a:pPr>
-                <a:defRPr/>
-              </a:pPr>
-              <a:t>27</a:t>
+              <a:t>28</a:t>
             </a:fld>
             <a:endParaRPr lang="en-US"/>
           </a:p>
@@ -1508,7 +1632,7 @@
     </p:spTree>
     <p:extLst>
       <p:ext uri="{BB962C8B-B14F-4D97-AF65-F5344CB8AC3E}">
-        <p14:creationId xmlns:p14="http://schemas.microsoft.com/office/powerpoint/2010/main" val="3609533702"/>
+        <p14:creationId xmlns:p14="http://schemas.microsoft.com/office/powerpoint/2010/main" val="3630513291"/>
       </p:ext>
     </p:extLst>
   </p:cSld>
@@ -1769,7 +1893,7 @@
     </p:spTree>
     <p:extLst>
       <p:ext uri="{BB962C8B-B14F-4D97-AF65-F5344CB8AC3E}">
-        <p14:creationId xmlns:p14="http://schemas.microsoft.com/office/powerpoint/2010/main" val="3630513291"/>
+        <p14:creationId xmlns:p14="http://schemas.microsoft.com/office/powerpoint/2010/main" val="1613594358"/>
       </p:ext>
     </p:extLst>
   </p:cSld>
@@ -1825,6 +1949,23 @@
           <a:p>
             <a:r>
               <a:rPr lang="en-US" dirty="0"/>
+              <a:t>Unavoidable to</a:t>
+            </a:r>
+            <a:r>
+              <a:rPr lang="en-US" baseline="0" dirty="0"/>
+              <a:t> communicate somehow…</a:t>
+            </a:r>
+            <a:endParaRPr lang="en-US" dirty="0"/>
+          </a:p>
+          <a:p>
+            <a:endParaRPr lang="en-US" dirty="0"/>
+          </a:p>
+          <a:p>
+            <a:endParaRPr lang="en-US" dirty="0"/>
+          </a:p>
+          <a:p>
+            <a:r>
+              <a:rPr lang="en-US" dirty="0"/>
               <a:t>@</a:t>
             </a:r>
             <a:r>
@@ -1851,22 +1992,13 @@
           <a:p>
             <a:r>
               <a:rPr lang="en-US" dirty="0"/>
-              <a:t>hide methods</a:t>
-            </a:r>
-          </a:p>
-          <a:p>
-            <a:r>
-              <a:rPr lang="en-US" dirty="0"/>
               <a:t>hide fields</a:t>
             </a:r>
           </a:p>
           <a:p>
-            <a:endParaRPr lang="en-US" dirty="0"/>
-          </a:p>
-          <a:p>
-            <a:r>
-              <a:rPr lang="en-US" dirty="0"/>
-              <a:t>class </a:t>
+            <a:r>
+              <a:rPr lang="en-US" dirty="0"/>
+              <a:t>hide </a:t>
             </a:r>
             <a:r>
               <a:rPr lang="en-US" dirty="0" err="1"/>
@@ -1874,38 +2006,189 @@
             </a:r>
             <a:r>
               <a:rPr lang="en-US" dirty="0"/>
-              <a:t> {</a:t>
-            </a:r>
-          </a:p>
-          <a:p>
-            <a:r>
-              <a:rPr lang="en-US" dirty="0"/>
-              <a:t>}</a:t>
-            </a:r>
-          </a:p>
-          <a:p>
-            <a:endParaRPr lang="en-US" dirty="0"/>
-          </a:p>
-          <a:p>
+              <a:t> methods</a:t>
+            </a:r>
+          </a:p>
+          <a:p>
+            <a:r>
+              <a:rPr lang="en-US" dirty="0"/>
+              <a:t>class </a:t>
+            </a:r>
             <a:r>
               <a:rPr lang="en-US" dirty="0" err="1"/>
               <a:t>YourCode</a:t>
             </a:r>
             <a:r>
               <a:rPr lang="en-US" dirty="0"/>
-              <a:t> -&gt; </a:t>
+              <a:t> {</a:t>
+            </a:r>
+          </a:p>
+          <a:p>
+            <a:r>
+              <a:rPr lang="en-US" dirty="0"/>
+              <a:t>}</a:t>
+            </a:r>
+          </a:p>
+          <a:p>
+            <a:r>
+              <a:rPr lang="en-US" dirty="0"/>
+              <a:t>class </a:t>
             </a:r>
             <a:r>
               <a:rPr lang="en-US" dirty="0" err="1"/>
               <a:t>JFrame</a:t>
             </a:r>
+            <a:r>
+              <a:rPr lang="en-US" dirty="0"/>
+              <a:t> {</a:t>
+            </a:r>
+          </a:p>
+          <a:p>
+            <a:r>
+              <a:rPr lang="en-US" dirty="0"/>
+              <a:t>  </a:t>
+            </a:r>
+            <a:r>
+              <a:rPr lang="en-US" dirty="0" err="1"/>
+              <a:t>setFlipWait</a:t>
+            </a:r>
+            <a:r>
+              <a:rPr lang="en-US" dirty="0"/>
+              <a:t>(seconds)</a:t>
+            </a:r>
+          </a:p>
+          <a:p>
+            <a:r>
+              <a:rPr lang="en-US" dirty="0"/>
+              <a:t>}</a:t>
+            </a:r>
+          </a:p>
+          <a:p>
             <a:endParaRPr lang="en-US" dirty="0"/>
           </a:p>
           <a:p>
+            <a:r>
+              <a:rPr lang="en-US" dirty="0"/>
+              <a:t>class </a:t>
+            </a:r>
+            <a:r>
+              <a:rPr lang="en-US" dirty="0" err="1"/>
+              <a:t>BufferStrategy</a:t>
+            </a:r>
+            <a:r>
+              <a:rPr lang="en-US" dirty="0"/>
+              <a:t> {</a:t>
+            </a:r>
+          </a:p>
+          <a:p>
+            <a:r>
+              <a:rPr lang="en-US" dirty="0"/>
+              <a:t>  </a:t>
+            </a:r>
+            <a:r>
+              <a:rPr lang="en-US" dirty="0" err="1"/>
+              <a:t>setFlipWait</a:t>
+            </a:r>
+            <a:r>
+              <a:rPr lang="en-US" dirty="0"/>
+              <a:t>(seconds)</a:t>
+            </a:r>
+          </a:p>
+          <a:p>
+            <a:r>
+              <a:rPr lang="en-US" dirty="0"/>
+              <a:t>}</a:t>
+            </a:r>
+          </a:p>
+          <a:p>
+            <a:endParaRPr lang="en-US" dirty="0"/>
+          </a:p>
+          <a:p>
+            <a:r>
+              <a:rPr lang="en-US" dirty="0"/>
+              <a:t>class </a:t>
+            </a:r>
+            <a:r>
+              <a:rPr lang="en-US" dirty="0" err="1"/>
+              <a:t>BufferCapabilities</a:t>
+            </a:r>
+            <a:r>
+              <a:rPr lang="en-US" dirty="0"/>
+              <a:t> {</a:t>
+            </a:r>
+          </a:p>
+          <a:p>
+            <a:r>
+              <a:rPr lang="en-US" dirty="0"/>
+              <a:t>  </a:t>
+            </a:r>
+            <a:r>
+              <a:rPr lang="en-US" dirty="0" err="1"/>
+              <a:t>setFlipWait</a:t>
+            </a:r>
+            <a:r>
+              <a:rPr lang="en-US" dirty="0"/>
+              <a:t>(seconds)</a:t>
+            </a:r>
+          </a:p>
+          <a:p>
+            <a:r>
+              <a:rPr lang="en-US" dirty="0"/>
+              <a:t>}</a:t>
+            </a:r>
+          </a:p>
+          <a:p>
+            <a:endParaRPr lang="en-US" dirty="0"/>
+          </a:p>
+          <a:p>
+            <a:r>
+              <a:rPr lang="en-US" dirty="0"/>
+              <a:t>class </a:t>
+            </a:r>
+            <a:r>
+              <a:rPr lang="en-US" dirty="0" err="1"/>
+              <a:t>FlipContents</a:t>
+            </a:r>
+            <a:r>
+              <a:rPr lang="en-US" dirty="0"/>
+              <a:t> {</a:t>
+            </a:r>
+          </a:p>
+          <a:p>
+            <a:r>
+              <a:rPr lang="en-US" dirty="0"/>
+              <a:t>  wait(seconds)</a:t>
+            </a:r>
+          </a:p>
+          <a:p>
+            <a:r>
+              <a:rPr lang="en-US" dirty="0"/>
+              <a:t>}</a:t>
+            </a:r>
+          </a:p>
+          <a:p>
+            <a:endParaRPr lang="en-US" dirty="0"/>
+          </a:p>
+          <a:p>
+            <a:r>
+              <a:rPr lang="en-US" dirty="0" err="1"/>
+              <a:t>YourCode</a:t>
+            </a:r>
+            <a:r>
+              <a:rPr lang="en-US" dirty="0"/>
+              <a:t> -&gt; </a:t>
+            </a:r>
             <a:r>
               <a:rPr lang="en-US" dirty="0" err="1"/>
               <a:t>JFrame</a:t>
             </a:r>
+            <a:endParaRPr lang="en-US" dirty="0"/>
+          </a:p>
+          <a:p>
+            <a:r>
+              <a:rPr lang="en-US" dirty="0" err="1"/>
+              <a:t>JFrame</a:t>
+            </a:r>
             <a:r>
               <a:rPr lang="en-US" dirty="0"/>
               <a:t> -&gt; </a:t>
@@ -1939,51 +2222,6 @@
             <a:r>
               <a:rPr lang="en-US" dirty="0"/>
               <a:t> -&gt; </a:t>
-            </a:r>
-            <a:r>
-              <a:rPr lang="en-US" dirty="0" err="1"/>
-              <a:t>FlipContents</a:t>
-            </a:r>
-            <a:endParaRPr lang="en-US" dirty="0"/>
-          </a:p>
-          <a:p>
-            <a:r>
-              <a:rPr lang="en-US" dirty="0" err="1"/>
-              <a:t>YourCode</a:t>
-            </a:r>
-            <a:r>
-              <a:rPr lang="en-US" dirty="0"/>
-              <a:t> .&gt; </a:t>
-            </a:r>
-            <a:r>
-              <a:rPr lang="en-US" dirty="0" err="1"/>
-              <a:t>BufferStrategy</a:t>
-            </a:r>
-            <a:endParaRPr lang="en-US" dirty="0"/>
-          </a:p>
-          <a:p>
-            <a:r>
-              <a:rPr lang="en-US" dirty="0" err="1"/>
-              <a:t>YourCode</a:t>
-            </a:r>
-            <a:r>
-              <a:rPr lang="en-US" dirty="0"/>
-              <a:t> .&gt; </a:t>
-            </a:r>
-            <a:r>
-              <a:rPr lang="en-US" dirty="0" err="1"/>
-              <a:t>BufferCapabilities</a:t>
-            </a:r>
-            <a:endParaRPr lang="en-US" dirty="0"/>
-          </a:p>
-          <a:p>
-            <a:r>
-              <a:rPr lang="en-US" dirty="0" err="1"/>
-              <a:t>YourCode</a:t>
-            </a:r>
-            <a:r>
-              <a:rPr lang="en-US" dirty="0"/>
-              <a:t> .&gt; </a:t>
             </a:r>
             <a:r>
               <a:rPr lang="en-US" dirty="0" err="1"/>
@@ -2030,7 +2268,7 @@
     </p:spTree>
     <p:extLst>
       <p:ext uri="{BB962C8B-B14F-4D97-AF65-F5344CB8AC3E}">
-        <p14:creationId xmlns:p14="http://schemas.microsoft.com/office/powerpoint/2010/main" val="1613594358"/>
+        <p14:creationId xmlns:p14="http://schemas.microsoft.com/office/powerpoint/2010/main" val="3186044204"/>
       </p:ext>
     </p:extLst>
   </p:cSld>
@@ -2086,11 +2324,13 @@
           <a:p>
             <a:r>
               <a:rPr lang="en-US" dirty="0"/>
-              <a:t>Unavoidable to</a:t>
-            </a:r>
-            <a:r>
-              <a:rPr lang="en-US" baseline="0" dirty="0"/>
-              <a:t> communicate somehow…</a:t>
+              <a:t>8:55 </a:t>
+            </a:r>
+            <a:r>
+              <a:rPr lang="en-US" dirty="0">
+                <a:sym typeface="Wingdings" panose="05000000000000000000" pitchFamily="2" charset="2"/>
+              </a:rPr>
+              <a:t> 10:45</a:t>
             </a:r>
             <a:endParaRPr lang="en-US" dirty="0"/>
           </a:p>
@@ -2098,283 +2338,21 @@
             <a:endParaRPr lang="en-US" dirty="0"/>
           </a:p>
           <a:p>
+            <a:r>
+              <a:rPr lang="en-US" dirty="0"/>
+              <a:t>QUIZ QUESTION 4 and 5</a:t>
+            </a:r>
+          </a:p>
+          <a:p>
             <a:endParaRPr lang="en-US" dirty="0"/>
           </a:p>
           <a:p>
             <a:r>
               <a:rPr lang="en-US" dirty="0"/>
-              <a:t>@</a:t>
-            </a:r>
-            <a:r>
-              <a:rPr lang="en-US" dirty="0" err="1"/>
-              <a:t>startuml</a:t>
-            </a:r>
-            <a:endParaRPr lang="en-US" dirty="0"/>
-          </a:p>
-          <a:p>
-            <a:r>
-              <a:rPr lang="en-US" dirty="0" err="1"/>
-              <a:t>skinparam</a:t>
-            </a:r>
-            <a:r>
-              <a:rPr lang="en-US" dirty="0"/>
-              <a:t> style </a:t>
-            </a:r>
-            <a:r>
-              <a:rPr lang="en-US" dirty="0" err="1"/>
-              <a:t>strictuml</a:t>
-            </a:r>
-            <a:endParaRPr lang="en-US" dirty="0"/>
-          </a:p>
-          <a:p>
-            <a:r>
-              <a:rPr lang="en-US" dirty="0"/>
-              <a:t>hide fields</a:t>
-            </a:r>
-          </a:p>
-          <a:p>
-            <a:r>
-              <a:rPr lang="en-US" dirty="0"/>
-              <a:t>hide </a:t>
-            </a:r>
-            <a:r>
-              <a:rPr lang="en-US" dirty="0" err="1"/>
-              <a:t>YourCode</a:t>
-            </a:r>
-            <a:r>
-              <a:rPr lang="en-US" dirty="0"/>
-              <a:t> methods</a:t>
-            </a:r>
-          </a:p>
-          <a:p>
-            <a:r>
-              <a:rPr lang="en-US" dirty="0"/>
-              <a:t>class </a:t>
-            </a:r>
-            <a:r>
-              <a:rPr lang="en-US" dirty="0" err="1"/>
-              <a:t>YourCode</a:t>
-            </a:r>
-            <a:r>
-              <a:rPr lang="en-US" dirty="0"/>
-              <a:t> {</a:t>
-            </a:r>
-          </a:p>
-          <a:p>
-            <a:r>
-              <a:rPr lang="en-US" dirty="0"/>
-              <a:t>}</a:t>
-            </a:r>
-          </a:p>
-          <a:p>
-            <a:r>
-              <a:rPr lang="en-US" dirty="0"/>
-              <a:t>class </a:t>
-            </a:r>
-            <a:r>
-              <a:rPr lang="en-US" dirty="0" err="1"/>
-              <a:t>JFrame</a:t>
-            </a:r>
-            <a:r>
-              <a:rPr lang="en-US" dirty="0"/>
-              <a:t> {</a:t>
-            </a:r>
-          </a:p>
-          <a:p>
-            <a:r>
-              <a:rPr lang="en-US" dirty="0"/>
-              <a:t>  </a:t>
-            </a:r>
-            <a:r>
-              <a:rPr lang="en-US" dirty="0" err="1"/>
-              <a:t>setFlipWait</a:t>
-            </a:r>
-            <a:r>
-              <a:rPr lang="en-US" dirty="0"/>
-              <a:t>(seconds)</a:t>
-            </a:r>
-          </a:p>
-          <a:p>
-            <a:r>
-              <a:rPr lang="en-US" dirty="0"/>
-              <a:t>}</a:t>
-            </a:r>
-          </a:p>
-          <a:p>
-            <a:endParaRPr lang="en-US" dirty="0"/>
-          </a:p>
-          <a:p>
-            <a:r>
-              <a:rPr lang="en-US" dirty="0"/>
-              <a:t>class </a:t>
-            </a:r>
-            <a:r>
-              <a:rPr lang="en-US" dirty="0" err="1"/>
-              <a:t>BufferStrategy</a:t>
-            </a:r>
-            <a:r>
-              <a:rPr lang="en-US" dirty="0"/>
-              <a:t> {</a:t>
-            </a:r>
-          </a:p>
-          <a:p>
-            <a:r>
-              <a:rPr lang="en-US" dirty="0"/>
-              <a:t>  </a:t>
-            </a:r>
-            <a:r>
-              <a:rPr lang="en-US" dirty="0" err="1"/>
-              <a:t>setFlipWait</a:t>
-            </a:r>
-            <a:r>
-              <a:rPr lang="en-US" dirty="0"/>
-              <a:t>(seconds)</a:t>
-            </a:r>
-          </a:p>
-          <a:p>
-            <a:r>
-              <a:rPr lang="en-US" dirty="0"/>
-              <a:t>}</a:t>
-            </a:r>
-          </a:p>
-          <a:p>
-            <a:endParaRPr lang="en-US" dirty="0"/>
-          </a:p>
-          <a:p>
-            <a:r>
-              <a:rPr lang="en-US" dirty="0"/>
-              <a:t>class </a:t>
-            </a:r>
-            <a:r>
-              <a:rPr lang="en-US" dirty="0" err="1"/>
-              <a:t>BufferCapabilities</a:t>
-            </a:r>
-            <a:r>
-              <a:rPr lang="en-US" dirty="0"/>
-              <a:t> {</a:t>
-            </a:r>
-          </a:p>
-          <a:p>
-            <a:r>
-              <a:rPr lang="en-US" dirty="0"/>
-              <a:t>  </a:t>
-            </a:r>
-            <a:r>
-              <a:rPr lang="en-US" dirty="0" err="1"/>
-              <a:t>setFlipWait</a:t>
-            </a:r>
-            <a:r>
-              <a:rPr lang="en-US" dirty="0"/>
-              <a:t>(seconds)</a:t>
-            </a:r>
-          </a:p>
-          <a:p>
-            <a:r>
-              <a:rPr lang="en-US" dirty="0"/>
-              <a:t>}</a:t>
-            </a:r>
-          </a:p>
-          <a:p>
-            <a:endParaRPr lang="en-US" dirty="0"/>
-          </a:p>
-          <a:p>
-            <a:r>
-              <a:rPr lang="en-US" dirty="0"/>
-              <a:t>class </a:t>
-            </a:r>
-            <a:r>
-              <a:rPr lang="en-US" dirty="0" err="1"/>
-              <a:t>FlipContents</a:t>
-            </a:r>
-            <a:r>
-              <a:rPr lang="en-US" dirty="0"/>
-              <a:t> {</a:t>
-            </a:r>
-          </a:p>
-          <a:p>
-            <a:r>
-              <a:rPr lang="en-US" dirty="0"/>
-              <a:t>  wait(seconds)</a:t>
-            </a:r>
-          </a:p>
-          <a:p>
-            <a:r>
-              <a:rPr lang="en-US" dirty="0"/>
-              <a:t>}</a:t>
-            </a:r>
-          </a:p>
-          <a:p>
-            <a:endParaRPr lang="en-US" dirty="0"/>
-          </a:p>
-          <a:p>
-            <a:r>
-              <a:rPr lang="en-US" dirty="0" err="1"/>
-              <a:t>YourCode</a:t>
-            </a:r>
-            <a:r>
-              <a:rPr lang="en-US" dirty="0"/>
-              <a:t> -&gt; </a:t>
-            </a:r>
-            <a:r>
-              <a:rPr lang="en-US" dirty="0" err="1"/>
-              <a:t>JFrame</a:t>
-            </a:r>
-            <a:endParaRPr lang="en-US" dirty="0"/>
-          </a:p>
-          <a:p>
-            <a:r>
-              <a:rPr lang="en-US" dirty="0" err="1"/>
-              <a:t>JFrame</a:t>
-            </a:r>
-            <a:r>
-              <a:rPr lang="en-US" dirty="0"/>
-              <a:t> -&gt; </a:t>
-            </a:r>
-            <a:r>
-              <a:rPr lang="en-US" dirty="0" err="1"/>
-              <a:t>BufferStrategy</a:t>
-            </a:r>
-            <a:endParaRPr lang="en-US" dirty="0"/>
-          </a:p>
-          <a:p>
-            <a:r>
-              <a:rPr lang="en-US" dirty="0" err="1"/>
-              <a:t>BufferStrategy</a:t>
-            </a:r>
-            <a:r>
-              <a:rPr lang="en-US" dirty="0"/>
-              <a:t> -&gt; </a:t>
-            </a:r>
-            <a:r>
-              <a:rPr lang="en-US" dirty="0" err="1"/>
-              <a:t>BufferCapabilities</a:t>
-            </a:r>
-            <a:endParaRPr lang="en-US" dirty="0"/>
-          </a:p>
-          <a:p>
-            <a:r>
-              <a:rPr lang="en-US" dirty="0" err="1"/>
-              <a:t>BufferCapabilities</a:t>
-            </a:r>
-            <a:r>
-              <a:rPr lang="en-US" dirty="0"/>
-              <a:t> -&gt; </a:t>
-            </a:r>
-            <a:r>
-              <a:rPr lang="en-US" dirty="0" err="1"/>
-              <a:t>FlipContents</a:t>
-            </a:r>
-            <a:endParaRPr lang="en-US" dirty="0"/>
-          </a:p>
-          <a:p>
-            <a:r>
-              <a:rPr lang="en-US" dirty="0"/>
-              <a:t>@</a:t>
-            </a:r>
-            <a:r>
-              <a:rPr lang="en-US" dirty="0" err="1"/>
-              <a:t>enduml</a:t>
-            </a:r>
+              <a:t>Ask students to design a better version</a:t>
+            </a:r>
+          </a:p>
+          <a:p>
             <a:endParaRPr lang="en-US" dirty="0"/>
           </a:p>
         </p:txBody>
@@ -2405,7 +2383,7 @@
     </p:spTree>
     <p:extLst>
       <p:ext uri="{BB962C8B-B14F-4D97-AF65-F5344CB8AC3E}">
-        <p14:creationId xmlns:p14="http://schemas.microsoft.com/office/powerpoint/2010/main" val="3186044204"/>
+        <p14:creationId xmlns:p14="http://schemas.microsoft.com/office/powerpoint/2010/main" val="1355643571"/>
       </p:ext>
     </p:extLst>
   </p:cSld>
@@ -2580,37 +2558,6 @@
           <a:bodyPr/>
           <a:lstStyle/>
           <a:p>
-            <a:r>
-              <a:rPr lang="en-US" dirty="0"/>
-              <a:t>8:55 </a:t>
-            </a:r>
-            <a:r>
-              <a:rPr lang="en-US" dirty="0">
-                <a:sym typeface="Wingdings" panose="05000000000000000000" pitchFamily="2" charset="2"/>
-              </a:rPr>
-              <a:t> 10:45</a:t>
-            </a:r>
-            <a:endParaRPr lang="en-US" dirty="0"/>
-          </a:p>
-          <a:p>
-            <a:endParaRPr lang="en-US" dirty="0"/>
-          </a:p>
-          <a:p>
-            <a:r>
-              <a:rPr lang="en-US" dirty="0"/>
-              <a:t>QUIZ QUESTION 4 and 5</a:t>
-            </a:r>
-          </a:p>
-          <a:p>
-            <a:endParaRPr lang="en-US" dirty="0"/>
-          </a:p>
-          <a:p>
-            <a:r>
-              <a:rPr lang="en-US" dirty="0"/>
-              <a:t>Ask students to design a better version</a:t>
-            </a:r>
-          </a:p>
-          <a:p>
             <a:endParaRPr lang="en-US" dirty="0"/>
           </a:p>
         </p:txBody>
@@ -2641,7 +2588,7 @@
     </p:spTree>
     <p:extLst>
       <p:ext uri="{BB962C8B-B14F-4D97-AF65-F5344CB8AC3E}">
-        <p14:creationId xmlns:p14="http://schemas.microsoft.com/office/powerpoint/2010/main" val="1355643571"/>
+        <p14:creationId xmlns:p14="http://schemas.microsoft.com/office/powerpoint/2010/main" val="3871892435"/>
       </p:ext>
     </p:extLst>
   </p:cSld>
@@ -2725,7 +2672,7 @@
     </p:spTree>
     <p:extLst>
       <p:ext uri="{BB962C8B-B14F-4D97-AF65-F5344CB8AC3E}">
-        <p14:creationId xmlns:p14="http://schemas.microsoft.com/office/powerpoint/2010/main" val="3871892435"/>
+        <p14:creationId xmlns:p14="http://schemas.microsoft.com/office/powerpoint/2010/main" val="3390203206"/>
       </p:ext>
     </p:extLst>
   </p:cSld>
@@ -2779,6 +2726,52 @@
           <a:bodyPr/>
           <a:lstStyle/>
           <a:p>
+            <a:pPr marL="0" marR="0" lvl="0" indent="0" algn="l" defTabSz="914400" rtl="0" eaLnBrk="1" fontAlgn="auto" latinLnBrk="0" hangingPunct="1">
+              <a:lnSpc>
+                <a:spcPct val="100000"/>
+              </a:lnSpc>
+              <a:spcBef>
+                <a:spcPts val="0"/>
+              </a:spcBef>
+              <a:spcAft>
+                <a:spcPts val="0"/>
+              </a:spcAft>
+              <a:buClrTx/>
+              <a:buSzTx/>
+              <a:buFontTx/>
+              <a:buNone/>
+              <a:tabLst/>
+              <a:defRPr/>
+            </a:pPr>
+            <a:r>
+              <a:rPr lang="en-US" dirty="0"/>
+              <a:t>QUIZ QUESTION 6</a:t>
+            </a:r>
+          </a:p>
+          <a:p>
+            <a:endParaRPr lang="en-US" sz="1200" b="0" i="0" u="none" strike="noStrike" kern="1200" dirty="0">
+              <a:solidFill>
+                <a:schemeClr val="tx1"/>
+              </a:solidFill>
+              <a:effectLst/>
+              <a:latin typeface="+mn-lt"/>
+              <a:ea typeface="+mn-ea"/>
+              <a:cs typeface="+mn-cs"/>
+            </a:endParaRPr>
+          </a:p>
+          <a:p>
+            <a:r>
+              <a:rPr lang="en-US" sz="1200" b="0" i="0" u="none" strike="noStrike" kern="1200" dirty="0">
+                <a:solidFill>
+                  <a:schemeClr val="tx1"/>
+                </a:solidFill>
+                <a:effectLst/>
+                <a:latin typeface="+mn-lt"/>
+                <a:ea typeface="+mn-ea"/>
+                <a:cs typeface="+mn-cs"/>
+              </a:rPr>
+              <a:t>This is what you'll get if you mechanically follow our advice to propagate the method into the first class of the chain. </a:t>
+            </a:r>
             <a:endParaRPr lang="en-US" dirty="0"/>
           </a:p>
         </p:txBody>
@@ -2809,7 +2802,7 @@
     </p:spTree>
     <p:extLst>
       <p:ext uri="{BB962C8B-B14F-4D97-AF65-F5344CB8AC3E}">
-        <p14:creationId xmlns:p14="http://schemas.microsoft.com/office/powerpoint/2010/main" val="3390203206"/>
+        <p14:creationId xmlns:p14="http://schemas.microsoft.com/office/powerpoint/2010/main" val="1866655785"/>
       </p:ext>
     </p:extLst>
   </p:cSld>
@@ -2863,51 +2856,34 @@
           <a:bodyPr/>
           <a:lstStyle/>
           <a:p>
-            <a:pPr marL="0" marR="0" lvl="0" indent="0" algn="l" defTabSz="914400" rtl="0" eaLnBrk="1" fontAlgn="auto" latinLnBrk="0" hangingPunct="1">
-              <a:lnSpc>
-                <a:spcPct val="100000"/>
-              </a:lnSpc>
-              <a:spcBef>
-                <a:spcPts val="0"/>
-              </a:spcBef>
-              <a:spcAft>
-                <a:spcPts val="0"/>
-              </a:spcAft>
-              <a:buClrTx/>
-              <a:buSzTx/>
-              <a:buFontTx/>
-              <a:buNone/>
-              <a:tabLst/>
-              <a:defRPr/>
-            </a:pPr>
-            <a:r>
-              <a:rPr lang="en-US" dirty="0"/>
-              <a:t>QUIZ QUESTION 6</a:t>
-            </a:r>
-          </a:p>
-          <a:p>
-            <a:endParaRPr lang="en-US" sz="1200" b="0" i="0" u="none" strike="noStrike" kern="1200" dirty="0">
-              <a:solidFill>
-                <a:schemeClr val="tx1"/>
-              </a:solidFill>
-              <a:effectLst/>
-              <a:latin typeface="+mn-lt"/>
-              <a:ea typeface="+mn-ea"/>
-              <a:cs typeface="+mn-cs"/>
-            </a:endParaRPr>
-          </a:p>
-          <a:p>
-            <a:r>
-              <a:rPr lang="en-US" sz="1200" b="0" i="0" u="none" strike="noStrike" kern="1200" dirty="0">
-                <a:solidFill>
-                  <a:schemeClr val="tx1"/>
-                </a:solidFill>
-                <a:effectLst/>
-                <a:latin typeface="+mn-lt"/>
-                <a:ea typeface="+mn-ea"/>
-                <a:cs typeface="+mn-cs"/>
-              </a:rPr>
-              <a:t>This is what you'll get if you mechanically follow our advice to propagate the method into the first class of the chain. </a:t>
+            <a:r>
+              <a:rPr lang="en-US" dirty="0"/>
+              <a:t>Easy</a:t>
+            </a:r>
+            <a:r>
+              <a:rPr lang="en-US" baseline="0" dirty="0"/>
+              <a:t> way to remember: </a:t>
+            </a:r>
+          </a:p>
+          <a:p>
+            <a:r>
+              <a:rPr lang="en-US" baseline="0" dirty="0"/>
+              <a:t>H for High </a:t>
+            </a:r>
+            <a:r>
+              <a:rPr lang="en-US" baseline="0" dirty="0" err="1"/>
+              <a:t>coHesion</a:t>
+            </a:r>
+            <a:endParaRPr lang="en-US" baseline="0" dirty="0"/>
+          </a:p>
+          <a:p>
+            <a:r>
+              <a:rPr lang="en-US" baseline="0" dirty="0"/>
+              <a:t>L for Low </a:t>
+            </a:r>
+            <a:r>
+              <a:rPr lang="en-US" baseline="0" dirty="0" err="1"/>
+              <a:t>coupLing</a:t>
             </a:r>
             <a:endParaRPr lang="en-US" dirty="0"/>
           </a:p>
@@ -2930,7 +2906,7 @@
           <a:p>
             <a:fld id="{AC522A93-4968-4B29-BB16-64A778254383}" type="slidenum">
               <a:rPr lang="en-US" smtClean="0"/>
-              <a:t>35</a:t>
+              <a:t>38</a:t>
             </a:fld>
             <a:endParaRPr lang="en-US"/>
           </a:p>
@@ -2939,7 +2915,7 @@
     </p:spTree>
     <p:extLst>
       <p:ext uri="{BB962C8B-B14F-4D97-AF65-F5344CB8AC3E}">
-        <p14:creationId xmlns:p14="http://schemas.microsoft.com/office/powerpoint/2010/main" val="1866655785"/>
+        <p14:creationId xmlns:p14="http://schemas.microsoft.com/office/powerpoint/2010/main" val="1741342358"/>
       </p:ext>
     </p:extLst>
   </p:cSld>
@@ -2995,32 +2971,183 @@
           <a:p>
             <a:r>
               <a:rPr lang="en-US" dirty="0"/>
-              <a:t>Easy</a:t>
+              <a:t>Maybe these two object</a:t>
             </a:r>
             <a:r>
               <a:rPr lang="en-US" baseline="0" dirty="0"/>
-              <a:t> way to remember: </a:t>
+              <a:t> ought to be of same class?</a:t>
             </a:r>
           </a:p>
           <a:p>
             <a:r>
               <a:rPr lang="en-US" baseline="0" dirty="0"/>
-              <a:t>H for High </a:t>
+              <a:t>@</a:t>
             </a:r>
             <a:r>
               <a:rPr lang="en-US" baseline="0" dirty="0" err="1"/>
-              <a:t>coHesion</a:t>
+              <a:t>startuml</a:t>
             </a:r>
             <a:endParaRPr lang="en-US" baseline="0" dirty="0"/>
           </a:p>
           <a:p>
             <a:r>
+              <a:rPr lang="en-US" baseline="0" dirty="0" err="1"/>
+              <a:t>skinparam</a:t>
+            </a:r>
+            <a:r>
               <a:rPr lang="en-US" baseline="0" dirty="0"/>
-              <a:t>L for Low </a:t>
+              <a:t> style </a:t>
             </a:r>
             <a:r>
               <a:rPr lang="en-US" baseline="0" dirty="0" err="1"/>
-              <a:t>coupLing</a:t>
+              <a:t>strictuml</a:t>
+            </a:r>
+            <a:endParaRPr lang="en-US" baseline="0" dirty="0"/>
+          </a:p>
+          <a:p>
+            <a:endParaRPr lang="en-US" baseline="0" dirty="0"/>
+          </a:p>
+          <a:p>
+            <a:r>
+              <a:rPr lang="en-US" baseline="0" dirty="0"/>
+              <a:t>class A {</a:t>
+            </a:r>
+          </a:p>
+          <a:p>
+            <a:r>
+              <a:rPr lang="en-US" baseline="0" dirty="0"/>
+              <a:t>   name</a:t>
+            </a:r>
+          </a:p>
+          <a:p>
+            <a:r>
+              <a:rPr lang="en-US" baseline="0" dirty="0"/>
+              <a:t>   </a:t>
+            </a:r>
+            <a:r>
+              <a:rPr lang="en-US" baseline="0" dirty="0" err="1"/>
+              <a:t>computeDistanceForB</a:t>
+            </a:r>
+            <a:r>
+              <a:rPr lang="en-US" baseline="0" dirty="0"/>
+              <a:t>(</a:t>
+            </a:r>
+            <a:r>
+              <a:rPr lang="en-US" baseline="0" dirty="0" err="1"/>
+              <a:t>x,y,z</a:t>
+            </a:r>
+            <a:r>
+              <a:rPr lang="en-US" baseline="0" dirty="0"/>
+              <a:t>)</a:t>
+            </a:r>
+          </a:p>
+          <a:p>
+            <a:r>
+              <a:rPr lang="en-US" baseline="0" dirty="0"/>
+              <a:t>}</a:t>
+            </a:r>
+          </a:p>
+          <a:p>
+            <a:endParaRPr lang="en-US" baseline="0" dirty="0"/>
+          </a:p>
+          <a:p>
+            <a:r>
+              <a:rPr lang="en-US" baseline="0" dirty="0"/>
+              <a:t>class B {</a:t>
+            </a:r>
+          </a:p>
+          <a:p>
+            <a:r>
+              <a:rPr lang="en-US" baseline="0" dirty="0"/>
+              <a:t>  x</a:t>
+            </a:r>
+          </a:p>
+          <a:p>
+            <a:r>
+              <a:rPr lang="en-US" baseline="0" dirty="0"/>
+              <a:t>  y</a:t>
+            </a:r>
+          </a:p>
+          <a:p>
+            <a:r>
+              <a:rPr lang="en-US" baseline="0" dirty="0"/>
+              <a:t>  z</a:t>
+            </a:r>
+          </a:p>
+          <a:p>
+            <a:r>
+              <a:rPr lang="en-US" baseline="0" dirty="0"/>
+              <a:t>  distance</a:t>
+            </a:r>
+          </a:p>
+          <a:p>
+            <a:r>
+              <a:rPr lang="en-US" baseline="0" dirty="0"/>
+              <a:t>  </a:t>
+            </a:r>
+            <a:r>
+              <a:rPr lang="en-US" baseline="0" dirty="0" err="1"/>
+              <a:t>doSetup</a:t>
+            </a:r>
+            <a:r>
+              <a:rPr lang="en-US" baseline="0" dirty="0"/>
+              <a:t>(</a:t>
+            </a:r>
+            <a:r>
+              <a:rPr lang="en-US" baseline="0" dirty="0" err="1"/>
+              <a:t>x,y,z</a:t>
+            </a:r>
+            <a:r>
+              <a:rPr lang="en-US" baseline="0" dirty="0"/>
+              <a:t>)  </a:t>
+            </a:r>
+          </a:p>
+          <a:p>
+            <a:r>
+              <a:rPr lang="en-US" baseline="0" dirty="0"/>
+              <a:t>  </a:t>
+            </a:r>
+            <a:r>
+              <a:rPr lang="en-US" baseline="0" dirty="0" err="1"/>
+              <a:t>setDistance</a:t>
+            </a:r>
+            <a:r>
+              <a:rPr lang="en-US" baseline="0" dirty="0"/>
+              <a:t>(d)</a:t>
+            </a:r>
+          </a:p>
+          <a:p>
+            <a:r>
+              <a:rPr lang="en-US" baseline="0" dirty="0"/>
+              <a:t>  display()</a:t>
+            </a:r>
+          </a:p>
+          <a:p>
+            <a:r>
+              <a:rPr lang="en-US" baseline="0" dirty="0"/>
+              <a:t>}</a:t>
+            </a:r>
+          </a:p>
+          <a:p>
+            <a:endParaRPr lang="en-US" baseline="0" dirty="0"/>
+          </a:p>
+          <a:p>
+            <a:endParaRPr lang="en-US" baseline="0" dirty="0"/>
+          </a:p>
+          <a:p>
+            <a:r>
+              <a:rPr lang="en-US" baseline="0" dirty="0"/>
+              <a:t>A-&gt; B</a:t>
+            </a:r>
+          </a:p>
+          <a:p>
+            <a:r>
+              <a:rPr lang="en-US" baseline="0" dirty="0"/>
+              <a:t>@</a:t>
+            </a:r>
+            <a:r>
+              <a:rPr lang="en-US" baseline="0" dirty="0" err="1"/>
+              <a:t>enduml</a:t>
             </a:r>
             <a:endParaRPr lang="en-US" dirty="0"/>
           </a:p>
@@ -3043,7 +3170,7 @@
           <a:p>
             <a:fld id="{AC522A93-4968-4B29-BB16-64A778254383}" type="slidenum">
               <a:rPr lang="en-US" smtClean="0"/>
-              <a:t>39</a:t>
+              <a:t>42</a:t>
             </a:fld>
             <a:endParaRPr lang="en-US"/>
           </a:p>
@@ -3052,7 +3179,7 @@
     </p:spTree>
     <p:extLst>
       <p:ext uri="{BB962C8B-B14F-4D97-AF65-F5344CB8AC3E}">
-        <p14:creationId xmlns:p14="http://schemas.microsoft.com/office/powerpoint/2010/main" val="1741342358"/>
+        <p14:creationId xmlns:p14="http://schemas.microsoft.com/office/powerpoint/2010/main" val="3572027713"/>
       </p:ext>
     </p:extLst>
   </p:cSld>
@@ -3108,183 +3235,11 @@
           <a:p>
             <a:r>
               <a:rPr lang="en-US" dirty="0"/>
-              <a:t>Maybe these two object</a:t>
+              <a:t>Makes it easier</a:t>
             </a:r>
             <a:r>
               <a:rPr lang="en-US" baseline="0" dirty="0"/>
-              <a:t> ought to be of same class?</a:t>
-            </a:r>
-          </a:p>
-          <a:p>
-            <a:r>
-              <a:rPr lang="en-US" baseline="0" dirty="0"/>
-              <a:t>@</a:t>
-            </a:r>
-            <a:r>
-              <a:rPr lang="en-US" baseline="0" dirty="0" err="1"/>
-              <a:t>startuml</a:t>
-            </a:r>
-            <a:endParaRPr lang="en-US" baseline="0" dirty="0"/>
-          </a:p>
-          <a:p>
-            <a:r>
-              <a:rPr lang="en-US" baseline="0" dirty="0" err="1"/>
-              <a:t>skinparam</a:t>
-            </a:r>
-            <a:r>
-              <a:rPr lang="en-US" baseline="0" dirty="0"/>
-              <a:t> style </a:t>
-            </a:r>
-            <a:r>
-              <a:rPr lang="en-US" baseline="0" dirty="0" err="1"/>
-              <a:t>strictuml</a:t>
-            </a:r>
-            <a:endParaRPr lang="en-US" baseline="0" dirty="0"/>
-          </a:p>
-          <a:p>
-            <a:endParaRPr lang="en-US" baseline="0" dirty="0"/>
-          </a:p>
-          <a:p>
-            <a:r>
-              <a:rPr lang="en-US" baseline="0" dirty="0"/>
-              <a:t>class A {</a:t>
-            </a:r>
-          </a:p>
-          <a:p>
-            <a:r>
-              <a:rPr lang="en-US" baseline="0" dirty="0"/>
-              <a:t>   name</a:t>
-            </a:r>
-          </a:p>
-          <a:p>
-            <a:r>
-              <a:rPr lang="en-US" baseline="0" dirty="0"/>
-              <a:t>   </a:t>
-            </a:r>
-            <a:r>
-              <a:rPr lang="en-US" baseline="0" dirty="0" err="1"/>
-              <a:t>computeDistanceForB</a:t>
-            </a:r>
-            <a:r>
-              <a:rPr lang="en-US" baseline="0" dirty="0"/>
-              <a:t>(</a:t>
-            </a:r>
-            <a:r>
-              <a:rPr lang="en-US" baseline="0" dirty="0" err="1"/>
-              <a:t>x,y,z</a:t>
-            </a:r>
-            <a:r>
-              <a:rPr lang="en-US" baseline="0" dirty="0"/>
-              <a:t>)</a:t>
-            </a:r>
-          </a:p>
-          <a:p>
-            <a:r>
-              <a:rPr lang="en-US" baseline="0" dirty="0"/>
-              <a:t>}</a:t>
-            </a:r>
-          </a:p>
-          <a:p>
-            <a:endParaRPr lang="en-US" baseline="0" dirty="0"/>
-          </a:p>
-          <a:p>
-            <a:r>
-              <a:rPr lang="en-US" baseline="0" dirty="0"/>
-              <a:t>class B {</a:t>
-            </a:r>
-          </a:p>
-          <a:p>
-            <a:r>
-              <a:rPr lang="en-US" baseline="0" dirty="0"/>
-              <a:t>  x</a:t>
-            </a:r>
-          </a:p>
-          <a:p>
-            <a:r>
-              <a:rPr lang="en-US" baseline="0" dirty="0"/>
-              <a:t>  y</a:t>
-            </a:r>
-          </a:p>
-          <a:p>
-            <a:r>
-              <a:rPr lang="en-US" baseline="0" dirty="0"/>
-              <a:t>  z</a:t>
-            </a:r>
-          </a:p>
-          <a:p>
-            <a:r>
-              <a:rPr lang="en-US" baseline="0" dirty="0"/>
-              <a:t>  distance</a:t>
-            </a:r>
-          </a:p>
-          <a:p>
-            <a:r>
-              <a:rPr lang="en-US" baseline="0" dirty="0"/>
-              <a:t>  </a:t>
-            </a:r>
-            <a:r>
-              <a:rPr lang="en-US" baseline="0" dirty="0" err="1"/>
-              <a:t>doSetup</a:t>
-            </a:r>
-            <a:r>
-              <a:rPr lang="en-US" baseline="0" dirty="0"/>
-              <a:t>(</a:t>
-            </a:r>
-            <a:r>
-              <a:rPr lang="en-US" baseline="0" dirty="0" err="1"/>
-              <a:t>x,y,z</a:t>
-            </a:r>
-            <a:r>
-              <a:rPr lang="en-US" baseline="0" dirty="0"/>
-              <a:t>)  </a:t>
-            </a:r>
-          </a:p>
-          <a:p>
-            <a:r>
-              <a:rPr lang="en-US" baseline="0" dirty="0"/>
-              <a:t>  </a:t>
-            </a:r>
-            <a:r>
-              <a:rPr lang="en-US" baseline="0" dirty="0" err="1"/>
-              <a:t>setDistance</a:t>
-            </a:r>
-            <a:r>
-              <a:rPr lang="en-US" baseline="0" dirty="0"/>
-              <a:t>(d)</a:t>
-            </a:r>
-          </a:p>
-          <a:p>
-            <a:r>
-              <a:rPr lang="en-US" baseline="0" dirty="0"/>
-              <a:t>  display()</a:t>
-            </a:r>
-          </a:p>
-          <a:p>
-            <a:r>
-              <a:rPr lang="en-US" baseline="0" dirty="0"/>
-              <a:t>}</a:t>
-            </a:r>
-          </a:p>
-          <a:p>
-            <a:endParaRPr lang="en-US" baseline="0" dirty="0"/>
-          </a:p>
-          <a:p>
-            <a:endParaRPr lang="en-US" baseline="0" dirty="0"/>
-          </a:p>
-          <a:p>
-            <a:r>
-              <a:rPr lang="en-US" baseline="0" dirty="0"/>
-              <a:t>A-&gt; B</a:t>
-            </a:r>
-          </a:p>
-          <a:p>
-            <a:r>
-              <a:rPr lang="en-US" baseline="0" dirty="0"/>
-              <a:t>@</a:t>
-            </a:r>
-            <a:r>
-              <a:rPr lang="en-US" baseline="0" dirty="0" err="1"/>
-              <a:t>enduml</a:t>
+              <a:t> to swap out and replace a component when there are fewer lines going to and from it. Those represent places where code would need to change.</a:t>
             </a:r>
             <a:endParaRPr lang="en-US" dirty="0"/>
           </a:p>
@@ -3307,7 +3262,7 @@
           <a:p>
             <a:fld id="{AC522A93-4968-4B29-BB16-64A778254383}" type="slidenum">
               <a:rPr lang="en-US" smtClean="0"/>
-              <a:t>43</a:t>
+              <a:t>44</a:t>
             </a:fld>
             <a:endParaRPr lang="en-US"/>
           </a:p>
@@ -3316,7 +3271,7 @@
     </p:spTree>
     <p:extLst>
       <p:ext uri="{BB962C8B-B14F-4D97-AF65-F5344CB8AC3E}">
-        <p14:creationId xmlns:p14="http://schemas.microsoft.com/office/powerpoint/2010/main" val="3572027713"/>
+        <p14:creationId xmlns:p14="http://schemas.microsoft.com/office/powerpoint/2010/main" val="2704327886"/>
       </p:ext>
     </p:extLst>
   </p:cSld>
@@ -3408,7 +3363,7 @@
     </p:spTree>
     <p:extLst>
       <p:ext uri="{BB962C8B-B14F-4D97-AF65-F5344CB8AC3E}">
-        <p14:creationId xmlns:p14="http://schemas.microsoft.com/office/powerpoint/2010/main" val="2704327886"/>
+        <p14:creationId xmlns:p14="http://schemas.microsoft.com/office/powerpoint/2010/main" val="1729761702"/>
       </p:ext>
     </p:extLst>
   </p:cSld>
@@ -3463,14 +3418,130 @@
           <a:lstStyle/>
           <a:p>
             <a:r>
-              <a:rPr lang="en-US" dirty="0"/>
-              <a:t>Makes it easier</a:t>
-            </a:r>
-            <a:r>
-              <a:rPr lang="en-US" baseline="0" dirty="0"/>
-              <a:t> to swap out and replace a component when there are fewer lines going to and from it. Those represent places where code would need to change.</a:t>
-            </a:r>
-            <a:endParaRPr lang="en-US" dirty="0"/>
+              <a:rPr lang="en-US" sz="1200" b="0" i="0" kern="1200" dirty="0">
+                <a:solidFill>
+                  <a:schemeClr val="tx1"/>
+                </a:solidFill>
+                <a:effectLst/>
+                <a:latin typeface="+mn-lt"/>
+                <a:ea typeface="+mn-ea"/>
+                <a:cs typeface="+mn-cs"/>
+              </a:rPr>
+              <a:t>Give students 3-4 minutes to come up with a</a:t>
+            </a:r>
+            <a:r>
+              <a:rPr lang="en-US" sz="1200" b="0" i="0" kern="1200" baseline="0" dirty="0">
+                <a:solidFill>
+                  <a:schemeClr val="tx1"/>
+                </a:solidFill>
+                <a:effectLst/>
+                <a:latin typeface="+mn-lt"/>
+                <a:ea typeface="+mn-ea"/>
+                <a:cs typeface="+mn-cs"/>
+              </a:rPr>
+              <a:t> design with a group of 2-3</a:t>
+            </a:r>
+            <a:endParaRPr lang="en-US" sz="1200" b="0" i="0" kern="1200" dirty="0">
+              <a:solidFill>
+                <a:schemeClr val="tx1"/>
+              </a:solidFill>
+              <a:effectLst/>
+              <a:latin typeface="+mn-lt"/>
+              <a:ea typeface="+mn-ea"/>
+              <a:cs typeface="+mn-cs"/>
+            </a:endParaRPr>
+          </a:p>
+          <a:p>
+            <a:endParaRPr lang="en-US" sz="1200" b="0" i="0" kern="1200" dirty="0">
+              <a:solidFill>
+                <a:schemeClr val="tx1"/>
+              </a:solidFill>
+              <a:effectLst/>
+              <a:latin typeface="+mn-lt"/>
+              <a:ea typeface="+mn-ea"/>
+              <a:cs typeface="+mn-cs"/>
+            </a:endParaRPr>
+          </a:p>
+          <a:p>
+            <a:r>
+              <a:rPr lang="en-US" sz="1200" b="0" i="0" kern="1200" dirty="0">
+                <a:solidFill>
+                  <a:schemeClr val="tx1"/>
+                </a:solidFill>
+                <a:effectLst/>
+                <a:latin typeface="+mn-lt"/>
+                <a:ea typeface="+mn-ea"/>
+                <a:cs typeface="+mn-cs"/>
+              </a:rPr>
+              <a:t>Suggest to the students</a:t>
+            </a:r>
+            <a:r>
+              <a:rPr lang="en-US" sz="1200" b="0" i="0" kern="1200" baseline="0" dirty="0">
+                <a:solidFill>
+                  <a:schemeClr val="tx1"/>
+                </a:solidFill>
+                <a:effectLst/>
+                <a:latin typeface="+mn-lt"/>
+                <a:ea typeface="+mn-ea"/>
+                <a:cs typeface="+mn-cs"/>
+              </a:rPr>
+              <a:t> after they have one design, to try to do a different design with 1 more or 1 less class</a:t>
+            </a:r>
+            <a:endParaRPr lang="en-US" sz="1200" b="0" i="0" kern="1200" dirty="0">
+              <a:solidFill>
+                <a:schemeClr val="tx1"/>
+              </a:solidFill>
+              <a:effectLst/>
+              <a:latin typeface="+mn-lt"/>
+              <a:ea typeface="+mn-ea"/>
+              <a:cs typeface="+mn-cs"/>
+            </a:endParaRPr>
+          </a:p>
+          <a:p>
+            <a:endParaRPr lang="en-US" sz="1200" b="0" i="0" kern="1200" dirty="0">
+              <a:solidFill>
+                <a:schemeClr val="tx1"/>
+              </a:solidFill>
+              <a:effectLst/>
+              <a:latin typeface="+mn-lt"/>
+              <a:ea typeface="+mn-ea"/>
+              <a:cs typeface="+mn-cs"/>
+            </a:endParaRPr>
+          </a:p>
+          <a:p>
+            <a:r>
+              <a:rPr lang="en-US" sz="1200" b="0" i="0" kern="1200" dirty="0">
+                <a:solidFill>
+                  <a:schemeClr val="tx1"/>
+                </a:solidFill>
+                <a:effectLst/>
+                <a:latin typeface="+mn-lt"/>
+                <a:ea typeface="+mn-ea"/>
+                <a:cs typeface="+mn-cs"/>
+              </a:rPr>
+              <a:t>Then follow the slides to walk through examples of each design</a:t>
+            </a:r>
+            <a:r>
+              <a:rPr lang="en-US" sz="1200" b="0" i="0" kern="1200" baseline="0" dirty="0">
+                <a:solidFill>
+                  <a:schemeClr val="tx1"/>
+                </a:solidFill>
+                <a:effectLst/>
+                <a:latin typeface="+mn-lt"/>
+                <a:ea typeface="+mn-ea"/>
+                <a:cs typeface="+mn-cs"/>
+              </a:rPr>
+              <a:t> identifying coupling/cohesion levels</a:t>
+            </a:r>
+            <a:endParaRPr lang="en-US" sz="1200" b="0" i="0" kern="1200" dirty="0">
+              <a:solidFill>
+                <a:schemeClr val="tx1"/>
+              </a:solidFill>
+              <a:effectLst/>
+              <a:latin typeface="+mn-lt"/>
+              <a:ea typeface="+mn-ea"/>
+              <a:cs typeface="+mn-cs"/>
+            </a:endParaRPr>
           </a:p>
         </p:txBody>
       </p:sp>
@@ -3491,7 +3562,7 @@
           <a:p>
             <a:fld id="{AC522A93-4968-4B29-BB16-64A778254383}" type="slidenum">
               <a:rPr lang="en-US" smtClean="0"/>
-              <a:t>46</a:t>
+              <a:t>47</a:t>
             </a:fld>
             <a:endParaRPr lang="en-US"/>
           </a:p>
@@ -3500,7 +3571,7 @@
     </p:spTree>
     <p:extLst>
       <p:ext uri="{BB962C8B-B14F-4D97-AF65-F5344CB8AC3E}">
-        <p14:creationId xmlns:p14="http://schemas.microsoft.com/office/powerpoint/2010/main" val="1729761702"/>
+        <p14:creationId xmlns:p14="http://schemas.microsoft.com/office/powerpoint/2010/main" val="2613688401"/>
       </p:ext>
     </p:extLst>
   </p:cSld>
@@ -3555,130 +3626,200 @@
           <a:lstStyle/>
           <a:p>
             <a:r>
-              <a:rPr lang="en-US" sz="1200" b="0" i="0" kern="1200" dirty="0">
-                <a:solidFill>
-                  <a:schemeClr val="tx1"/>
-                </a:solidFill>
-                <a:effectLst/>
-                <a:latin typeface="+mn-lt"/>
-                <a:ea typeface="+mn-ea"/>
-                <a:cs typeface="+mn-cs"/>
-              </a:rPr>
-              <a:t>Give students 3-4 minutes to come up with a</a:t>
-            </a:r>
-            <a:r>
-              <a:rPr lang="en-US" sz="1200" b="0" i="0" kern="1200" baseline="0" dirty="0">
-                <a:solidFill>
-                  <a:schemeClr val="tx1"/>
-                </a:solidFill>
-                <a:effectLst/>
-                <a:latin typeface="+mn-lt"/>
-                <a:ea typeface="+mn-ea"/>
-                <a:cs typeface="+mn-cs"/>
-              </a:rPr>
-              <a:t> design with a group of 2-3</a:t>
-            </a:r>
-            <a:endParaRPr lang="en-US" sz="1200" b="0" i="0" kern="1200" dirty="0">
-              <a:solidFill>
-                <a:schemeClr val="tx1"/>
-              </a:solidFill>
-              <a:effectLst/>
-              <a:latin typeface="+mn-lt"/>
-              <a:ea typeface="+mn-ea"/>
-              <a:cs typeface="+mn-cs"/>
-            </a:endParaRPr>
-          </a:p>
-          <a:p>
-            <a:endParaRPr lang="en-US" sz="1200" b="0" i="0" kern="1200" dirty="0">
-              <a:solidFill>
-                <a:schemeClr val="tx1"/>
-              </a:solidFill>
-              <a:effectLst/>
-              <a:latin typeface="+mn-lt"/>
-              <a:ea typeface="+mn-ea"/>
-              <a:cs typeface="+mn-cs"/>
-            </a:endParaRPr>
-          </a:p>
-          <a:p>
-            <a:r>
-              <a:rPr lang="en-US" sz="1200" b="0" i="0" kern="1200" dirty="0">
-                <a:solidFill>
-                  <a:schemeClr val="tx1"/>
-                </a:solidFill>
-                <a:effectLst/>
-                <a:latin typeface="+mn-lt"/>
-                <a:ea typeface="+mn-ea"/>
-                <a:cs typeface="+mn-cs"/>
-              </a:rPr>
-              <a:t>Suggest to the students</a:t>
-            </a:r>
-            <a:r>
-              <a:rPr lang="en-US" sz="1200" b="0" i="0" kern="1200" baseline="0" dirty="0">
-                <a:solidFill>
-                  <a:schemeClr val="tx1"/>
-                </a:solidFill>
-                <a:effectLst/>
-                <a:latin typeface="+mn-lt"/>
-                <a:ea typeface="+mn-ea"/>
-                <a:cs typeface="+mn-cs"/>
-              </a:rPr>
-              <a:t> after they have one design, to try to do a different design with 1 more or 1 less class</a:t>
-            </a:r>
-            <a:endParaRPr lang="en-US" sz="1200" b="0" i="0" kern="1200" dirty="0">
-              <a:solidFill>
-                <a:schemeClr val="tx1"/>
-              </a:solidFill>
-              <a:effectLst/>
-              <a:latin typeface="+mn-lt"/>
-              <a:ea typeface="+mn-ea"/>
-              <a:cs typeface="+mn-cs"/>
-            </a:endParaRPr>
-          </a:p>
-          <a:p>
-            <a:endParaRPr lang="en-US" sz="1200" b="0" i="0" kern="1200" dirty="0">
-              <a:solidFill>
-                <a:schemeClr val="tx1"/>
-              </a:solidFill>
-              <a:effectLst/>
-              <a:latin typeface="+mn-lt"/>
-              <a:ea typeface="+mn-ea"/>
-              <a:cs typeface="+mn-cs"/>
-            </a:endParaRPr>
-          </a:p>
-          <a:p>
-            <a:r>
-              <a:rPr lang="en-US" sz="1200" b="0" i="0" kern="1200" dirty="0">
-                <a:solidFill>
-                  <a:schemeClr val="tx1"/>
-                </a:solidFill>
-                <a:effectLst/>
-                <a:latin typeface="+mn-lt"/>
-                <a:ea typeface="+mn-ea"/>
-                <a:cs typeface="+mn-cs"/>
-              </a:rPr>
-              <a:t>Then follow the slides to walk through examples of each design</a:t>
-            </a:r>
-            <a:r>
-              <a:rPr lang="en-US" sz="1200" b="0" i="0" kern="1200" baseline="0" dirty="0">
-                <a:solidFill>
-                  <a:schemeClr val="tx1"/>
-                </a:solidFill>
-                <a:effectLst/>
-                <a:latin typeface="+mn-lt"/>
-                <a:ea typeface="+mn-ea"/>
-                <a:cs typeface="+mn-cs"/>
-              </a:rPr>
-              <a:t> identifying coupling/cohesion levels</a:t>
-            </a:r>
-            <a:endParaRPr lang="en-US" sz="1200" b="0" i="0" kern="1200" dirty="0">
-              <a:solidFill>
-                <a:schemeClr val="tx1"/>
-              </a:solidFill>
-              <a:effectLst/>
-              <a:latin typeface="+mn-lt"/>
-              <a:ea typeface="+mn-ea"/>
-              <a:cs typeface="+mn-cs"/>
-            </a:endParaRPr>
+              <a:rPr lang="en-US" dirty="0"/>
+              <a:t>Coupling low (ZERO), cohesion low</a:t>
+            </a:r>
+          </a:p>
+          <a:p>
+            <a:endParaRPr lang="en-US" dirty="0"/>
+          </a:p>
+          <a:p>
+            <a:r>
+              <a:rPr lang="en-US" dirty="0"/>
+              <a:t>@</a:t>
+            </a:r>
+            <a:r>
+              <a:rPr lang="en-US" dirty="0" err="1"/>
+              <a:t>startuml</a:t>
+            </a:r>
+            <a:endParaRPr lang="en-US" dirty="0"/>
+          </a:p>
+          <a:p>
+            <a:r>
+              <a:rPr lang="en-US" dirty="0" err="1"/>
+              <a:t>skinparam</a:t>
+            </a:r>
+            <a:r>
+              <a:rPr lang="en-US" dirty="0"/>
+              <a:t> style </a:t>
+            </a:r>
+            <a:r>
+              <a:rPr lang="en-US" dirty="0" err="1"/>
+              <a:t>strictuml</a:t>
+            </a:r>
+            <a:endParaRPr lang="en-US" dirty="0"/>
+          </a:p>
+          <a:p>
+            <a:endParaRPr lang="en-US" dirty="0"/>
+          </a:p>
+          <a:p>
+            <a:r>
+              <a:rPr lang="en-US" dirty="0"/>
+              <a:t>class </a:t>
+            </a:r>
+            <a:r>
+              <a:rPr lang="en-US" dirty="0" err="1"/>
+              <a:t>SchoolMain</a:t>
+            </a:r>
+            <a:r>
+              <a:rPr lang="en-US" dirty="0"/>
+              <a:t> {</a:t>
+            </a:r>
+          </a:p>
+          <a:p>
+            <a:r>
+              <a:rPr lang="en-US" dirty="0"/>
+              <a:t>   </a:t>
+            </a:r>
+            <a:r>
+              <a:rPr lang="en-US" dirty="0" err="1"/>
+              <a:t>studentIdToName</a:t>
+            </a:r>
+            <a:r>
+              <a:rPr lang="en-US" dirty="0"/>
+              <a:t> : Map&lt;Integer, String&gt;</a:t>
+            </a:r>
+          </a:p>
+          <a:p>
+            <a:r>
+              <a:rPr lang="en-US" dirty="0"/>
+              <a:t>   </a:t>
+            </a:r>
+            <a:r>
+              <a:rPr lang="en-US" dirty="0" err="1"/>
+              <a:t>studentIdToPhone</a:t>
+            </a:r>
+            <a:r>
+              <a:rPr lang="en-US" dirty="0"/>
+              <a:t> : Map&lt;Integer, Integer&gt;</a:t>
+            </a:r>
+          </a:p>
+          <a:p>
+            <a:r>
+              <a:rPr lang="en-US" dirty="0"/>
+              <a:t>   </a:t>
+            </a:r>
+            <a:r>
+              <a:rPr lang="en-US" dirty="0" err="1"/>
+              <a:t>studentIdToGrades</a:t>
+            </a:r>
+            <a:r>
+              <a:rPr lang="en-US" dirty="0"/>
+              <a:t>: Map&lt;Integer, Map&lt;String, Double&gt; &gt;</a:t>
+            </a:r>
+          </a:p>
+          <a:p>
+            <a:r>
+              <a:rPr lang="en-US" dirty="0"/>
+              <a:t>   </a:t>
+            </a:r>
+            <a:r>
+              <a:rPr lang="en-US" dirty="0" err="1"/>
+              <a:t>handleAddStudent</a:t>
+            </a:r>
+            <a:r>
+              <a:rPr lang="en-US" dirty="0"/>
+              <a:t>(id, name, phone)</a:t>
+            </a:r>
+          </a:p>
+          <a:p>
+            <a:r>
+              <a:rPr lang="en-US" dirty="0"/>
+              <a:t>   </a:t>
+            </a:r>
+            <a:r>
+              <a:rPr lang="en-US" dirty="0" err="1"/>
+              <a:t>handleRemoveStudent</a:t>
+            </a:r>
+            <a:r>
+              <a:rPr lang="en-US" dirty="0"/>
+              <a:t>(id)</a:t>
+            </a:r>
+          </a:p>
+          <a:p>
+            <a:r>
+              <a:rPr lang="en-US" dirty="0"/>
+              <a:t>   </a:t>
+            </a:r>
+            <a:r>
+              <a:rPr lang="en-US" dirty="0" err="1"/>
+              <a:t>handleSetStudentGrade</a:t>
+            </a:r>
+            <a:r>
+              <a:rPr lang="en-US" dirty="0"/>
+              <a:t>(</a:t>
+            </a:r>
+            <a:r>
+              <a:rPr lang="en-US" dirty="0" err="1"/>
+              <a:t>studentId</a:t>
+            </a:r>
+            <a:r>
+              <a:rPr lang="en-US" dirty="0"/>
+              <a:t>, </a:t>
+            </a:r>
+            <a:r>
+              <a:rPr lang="en-US" dirty="0" err="1"/>
+              <a:t>courseId</a:t>
+            </a:r>
+            <a:r>
+              <a:rPr lang="en-US" dirty="0"/>
+              <a:t>, grade)</a:t>
+            </a:r>
+          </a:p>
+          <a:p>
+            <a:r>
+              <a:rPr lang="en-US" dirty="0"/>
+              <a:t>   </a:t>
+            </a:r>
+            <a:r>
+              <a:rPr lang="en-US" dirty="0" err="1"/>
+              <a:t>handleGetStudentGPA</a:t>
+            </a:r>
+            <a:r>
+              <a:rPr lang="en-US" dirty="0"/>
+              <a:t>( id )</a:t>
+            </a:r>
+          </a:p>
+          <a:p>
+            <a:r>
+              <a:rPr lang="en-US" dirty="0"/>
+              <a:t>   </a:t>
+            </a:r>
+            <a:r>
+              <a:rPr lang="en-US" dirty="0" err="1"/>
+              <a:t>handleReportAllGPA</a:t>
+            </a:r>
+            <a:r>
+              <a:rPr lang="en-US" dirty="0"/>
+              <a:t>()</a:t>
+            </a:r>
+          </a:p>
+          <a:p>
+            <a:r>
+              <a:rPr lang="en-US" dirty="0"/>
+              <a:t>}</a:t>
+            </a:r>
+          </a:p>
+          <a:p>
+            <a:r>
+              <a:rPr lang="en-US" dirty="0"/>
+              <a:t>@</a:t>
+            </a:r>
+            <a:r>
+              <a:rPr lang="en-US" dirty="0" err="1"/>
+              <a:t>enduml</a:t>
+            </a:r>
+            <a:endParaRPr lang="en-US" dirty="0"/>
           </a:p>
         </p:txBody>
       </p:sp>
@@ -3708,7 +3849,7 @@
     </p:spTree>
     <p:extLst>
       <p:ext uri="{BB962C8B-B14F-4D97-AF65-F5344CB8AC3E}">
-        <p14:creationId xmlns:p14="http://schemas.microsoft.com/office/powerpoint/2010/main" val="2613688401"/>
+        <p14:creationId xmlns:p14="http://schemas.microsoft.com/office/powerpoint/2010/main" val="1232021087"/>
       </p:ext>
     </p:extLst>
   </p:cSld>
@@ -3762,9 +3903,57 @@
           <a:bodyPr/>
           <a:lstStyle/>
           <a:p>
-            <a:r>
-              <a:rPr lang="en-US" dirty="0"/>
-              <a:t>Coupling low (ZERO), cohesion low</a:t>
+            <a:pPr marL="0" marR="0" lvl="0" indent="0" algn="l" defTabSz="914400" rtl="0" eaLnBrk="1" fontAlgn="auto" latinLnBrk="0" hangingPunct="1">
+              <a:lnSpc>
+                <a:spcPct val="100000"/>
+              </a:lnSpc>
+              <a:spcBef>
+                <a:spcPts val="0"/>
+              </a:spcBef>
+              <a:spcAft>
+                <a:spcPts val="0"/>
+              </a:spcAft>
+              <a:buClrTx/>
+              <a:buSzTx/>
+              <a:buFontTx/>
+              <a:buNone/>
+              <a:tabLst/>
+              <a:defRPr/>
+            </a:pPr>
+            <a:r>
+              <a:rPr lang="en-US" dirty="0"/>
+              <a:t>Coupling</a:t>
+            </a:r>
+            <a:r>
+              <a:rPr lang="en-US" baseline="0" dirty="0"/>
+              <a:t> HIGH,  cohesion </a:t>
+            </a:r>
+            <a:r>
+              <a:rPr lang="en-US" dirty="0"/>
+              <a:t>still somewhat low (better than before!)</a:t>
+            </a:r>
+          </a:p>
+          <a:p>
+            <a:endParaRPr lang="en-US" dirty="0"/>
+          </a:p>
+          <a:p>
+            <a:r>
+              <a:rPr lang="en-US" dirty="0"/>
+              <a:t>Ask students: IS EVERYTHING NEEDED HERE?</a:t>
+            </a:r>
+          </a:p>
+          <a:p>
+            <a:r>
+              <a:rPr lang="en-US" dirty="0"/>
+              <a:t>NO: Student does not need a </a:t>
+            </a:r>
+            <a:r>
+              <a:rPr lang="en-US" dirty="0" err="1"/>
+              <a:t>SchoolMain</a:t>
+            </a:r>
+            <a:r>
+              <a:rPr lang="en-US" dirty="0"/>
+              <a:t> to allow functionality</a:t>
             </a:r>
           </a:p>
           <a:p>
@@ -3820,48 +4009,6 @@
             </a:r>
             <a:r>
               <a:rPr lang="en-US" dirty="0" err="1"/>
-              <a:t>studentIdToName</a:t>
-            </a:r>
-            <a:r>
-              <a:rPr lang="en-US" dirty="0"/>
-              <a:t> : Map&lt;Integer, String&gt;</a:t>
-            </a:r>
-          </a:p>
-          <a:p>
-            <a:r>
-              <a:rPr lang="en-US" dirty="0"/>
-              <a:t>   </a:t>
-            </a:r>
-            <a:r>
-              <a:rPr lang="en-US" dirty="0" err="1"/>
-              <a:t>studentIdToPhone</a:t>
-            </a:r>
-            <a:r>
-              <a:rPr lang="en-US" dirty="0"/>
-              <a:t> : Map&lt;Integer, Integer&gt;</a:t>
-            </a:r>
-          </a:p>
-          <a:p>
-            <a:r>
-              <a:rPr lang="en-US" dirty="0"/>
-              <a:t>   </a:t>
-            </a:r>
-            <a:r>
-              <a:rPr lang="en-US" dirty="0" err="1"/>
-              <a:t>studentIdToGrades</a:t>
-            </a:r>
-            <a:r>
-              <a:rPr lang="en-US" dirty="0"/>
-              <a:t>: Map&lt;Integer, Map&lt;String, Double&gt; &gt;</a:t>
-            </a:r>
-          </a:p>
-          <a:p>
-            <a:r>
-              <a:rPr lang="en-US" dirty="0"/>
-              <a:t>   </a:t>
-            </a:r>
-            <a:r>
-              <a:rPr lang="en-US" dirty="0" err="1"/>
               <a:t>handleAddStudent</a:t>
             </a:r>
             <a:r>
@@ -3946,6 +4093,119 @@
               <a:rPr lang="en-US" dirty="0"/>
               <a:t>}</a:t>
             </a:r>
+          </a:p>
+          <a:p>
+            <a:endParaRPr lang="en-US" dirty="0"/>
+          </a:p>
+          <a:p>
+            <a:endParaRPr lang="en-US" dirty="0"/>
+          </a:p>
+          <a:p>
+            <a:r>
+              <a:rPr lang="en-US" dirty="0"/>
+              <a:t>class Student{</a:t>
+            </a:r>
+          </a:p>
+          <a:p>
+            <a:r>
+              <a:rPr lang="en-US" dirty="0"/>
+              <a:t>   id</a:t>
+            </a:r>
+          </a:p>
+          <a:p>
+            <a:r>
+              <a:rPr lang="en-US" dirty="0"/>
+              <a:t>   name</a:t>
+            </a:r>
+          </a:p>
+          <a:p>
+            <a:r>
+              <a:rPr lang="en-US" dirty="0"/>
+              <a:t>   phone</a:t>
+            </a:r>
+          </a:p>
+          <a:p>
+            <a:r>
+              <a:rPr lang="en-US" dirty="0"/>
+              <a:t>   </a:t>
+            </a:r>
+            <a:r>
+              <a:rPr lang="en-US" dirty="0" err="1"/>
+              <a:t>courseIdToGradeMap</a:t>
+            </a:r>
+            <a:r>
+              <a:rPr lang="en-US" dirty="0"/>
+              <a:t>: Map&lt;String, Double&gt;</a:t>
+            </a:r>
+          </a:p>
+          <a:p>
+            <a:r>
+              <a:rPr lang="en-US" dirty="0"/>
+              <a:t>   </a:t>
+            </a:r>
+            <a:r>
+              <a:rPr lang="en-US" dirty="0" err="1"/>
+              <a:t>calculateGPA</a:t>
+            </a:r>
+            <a:r>
+              <a:rPr lang="en-US" dirty="0"/>
+              <a:t>() : double</a:t>
+            </a:r>
+          </a:p>
+          <a:p>
+            <a:r>
+              <a:rPr lang="en-US" dirty="0"/>
+              <a:t>   </a:t>
+            </a:r>
+            <a:r>
+              <a:rPr lang="en-US" dirty="0" err="1"/>
+              <a:t>setGrade</a:t>
+            </a:r>
+            <a:r>
+              <a:rPr lang="en-US" dirty="0"/>
+              <a:t>(</a:t>
+            </a:r>
+            <a:r>
+              <a:rPr lang="en-US" dirty="0" err="1"/>
+              <a:t>courseId</a:t>
+            </a:r>
+            <a:r>
+              <a:rPr lang="en-US" dirty="0"/>
+              <a:t>, grade)</a:t>
+            </a:r>
+          </a:p>
+          <a:p>
+            <a:r>
+              <a:rPr lang="en-US" dirty="0"/>
+              <a:t>}</a:t>
+            </a:r>
+          </a:p>
+          <a:p>
+            <a:endParaRPr lang="en-US" dirty="0"/>
+          </a:p>
+          <a:p>
+            <a:endParaRPr lang="en-US" dirty="0"/>
+          </a:p>
+          <a:p>
+            <a:r>
+              <a:rPr lang="en-US" dirty="0" err="1"/>
+              <a:t>SchoolMain</a:t>
+            </a:r>
+            <a:r>
+              <a:rPr lang="en-US" dirty="0"/>
+              <a:t> -&gt; "*" Student</a:t>
+            </a:r>
+          </a:p>
+          <a:p>
+            <a:r>
+              <a:rPr lang="en-US" dirty="0"/>
+              <a:t>Student-&gt;  </a:t>
+            </a:r>
+            <a:r>
+              <a:rPr lang="en-US" dirty="0" err="1"/>
+              <a:t>SchoolMain</a:t>
+            </a:r>
+            <a:endParaRPr lang="en-US" dirty="0"/>
           </a:p>
           <a:p>
             <a:r>
@@ -3986,7 +4246,7 @@
     </p:spTree>
     <p:extLst>
       <p:ext uri="{BB962C8B-B14F-4D97-AF65-F5344CB8AC3E}">
-        <p14:creationId xmlns:p14="http://schemas.microsoft.com/office/powerpoint/2010/main" val="1232021087"/>
+        <p14:creationId xmlns:p14="http://schemas.microsoft.com/office/powerpoint/2010/main" val="3292263112"/>
       </p:ext>
     </p:extLst>
   </p:cSld>
@@ -4146,30 +4406,7 @@
             </a:pPr>
             <a:r>
               <a:rPr lang="en-US" dirty="0"/>
-              <a:t>Coupling</a:t>
-            </a:r>
-            <a:r>
-              <a:rPr lang="en-US" baseline="0" dirty="0"/>
-              <a:t> HIGH,  cohesion </a:t>
-            </a:r>
-            <a:r>
-              <a:rPr lang="en-US" dirty="0"/>
-              <a:t>still somewhat low (better than before!)</a:t>
-            </a:r>
-          </a:p>
-          <a:p>
-            <a:endParaRPr lang="en-US" dirty="0"/>
-          </a:p>
-          <a:p>
-            <a:r>
-              <a:rPr lang="en-US" dirty="0"/>
-              <a:t>Ask students: IS EVERYTHING NEEDED HERE?</a:t>
-            </a:r>
-          </a:p>
-          <a:p>
-            <a:r>
-              <a:rPr lang="en-US" dirty="0"/>
-              <a:t>NO: Student does not need a </a:t>
+              <a:t>Coupling OK (Better! At least Student doesn’t have a </a:t>
             </a:r>
             <a:r>
               <a:rPr lang="en-US" dirty="0" err="1"/>
@@ -4177,8 +4414,34 @@
             </a:r>
             <a:r>
               <a:rPr lang="en-US" dirty="0"/>
-              <a:t> to allow functionality</a:t>
-            </a:r>
+              <a:t>)</a:t>
+            </a:r>
+          </a:p>
+          <a:p>
+            <a:pPr marL="0" marR="0" lvl="0" indent="0" algn="l" defTabSz="914400" rtl="0" eaLnBrk="1" fontAlgn="auto" latinLnBrk="0" hangingPunct="1">
+              <a:lnSpc>
+                <a:spcPct val="100000"/>
+              </a:lnSpc>
+              <a:spcBef>
+                <a:spcPts val="0"/>
+              </a:spcBef>
+              <a:spcAft>
+                <a:spcPts val="0"/>
+              </a:spcAft>
+              <a:buClrTx/>
+              <a:buSzTx/>
+              <a:buFontTx/>
+              <a:buNone/>
+              <a:tabLst/>
+              <a:defRPr/>
+            </a:pPr>
+            <a:r>
+              <a:rPr lang="en-US" dirty="0"/>
+              <a:t>Cohesion OK somewhat low (higher than before)</a:t>
+            </a:r>
+          </a:p>
+          <a:p>
+            <a:endParaRPr lang="en-US" dirty="0"/>
           </a:p>
           <a:p>
             <a:endParaRPr lang="en-US" dirty="0"/>
@@ -4419,17 +4682,6 @@
               <a:rPr lang="en-US" dirty="0"/>
               <a:t> -&gt; "*" Student</a:t>
             </a:r>
-          </a:p>
-          <a:p>
-            <a:r>
-              <a:rPr lang="en-US" dirty="0"/>
-              <a:t>Student-&gt;  </a:t>
-            </a:r>
-            <a:r>
-              <a:rPr lang="en-US" dirty="0" err="1"/>
-              <a:t>SchoolMain</a:t>
-            </a:r>
-            <a:endParaRPr lang="en-US" dirty="0"/>
           </a:p>
           <a:p>
             <a:r>
@@ -4470,7 +4722,7 @@
     </p:spTree>
     <p:extLst>
       <p:ext uri="{BB962C8B-B14F-4D97-AF65-F5344CB8AC3E}">
-        <p14:creationId xmlns:p14="http://schemas.microsoft.com/office/powerpoint/2010/main" val="3292263112"/>
+        <p14:creationId xmlns:p14="http://schemas.microsoft.com/office/powerpoint/2010/main" val="155593673"/>
       </p:ext>
     </p:extLst>
   </p:cSld>
@@ -4543,7 +4795,48 @@
             </a:pPr>
             <a:r>
               <a:rPr lang="en-US" dirty="0"/>
-              <a:t>Coupling OK (Better! At least Student doesn’t have a </a:t>
+              <a:t>Coupling HIGH  (BAD), cohesion HIGH (GOOD)</a:t>
+            </a:r>
+          </a:p>
+          <a:p>
+            <a:endParaRPr lang="en-US" dirty="0"/>
+          </a:p>
+          <a:p>
+            <a:endParaRPr lang="en-US" dirty="0"/>
+          </a:p>
+          <a:p>
+            <a:r>
+              <a:rPr lang="en-US" dirty="0"/>
+              <a:t>@</a:t>
+            </a:r>
+            <a:r>
+              <a:rPr lang="en-US" dirty="0" err="1"/>
+              <a:t>startuml</a:t>
+            </a:r>
+            <a:endParaRPr lang="en-US" dirty="0"/>
+          </a:p>
+          <a:p>
+            <a:r>
+              <a:rPr lang="en-US" dirty="0" err="1"/>
+              <a:t>skinparam</a:t>
+            </a:r>
+            <a:r>
+              <a:rPr lang="en-US" dirty="0"/>
+              <a:t> style </a:t>
+            </a:r>
+            <a:r>
+              <a:rPr lang="en-US" dirty="0" err="1"/>
+              <a:t>strictuml</a:t>
+            </a:r>
+            <a:endParaRPr lang="en-US" dirty="0"/>
+          </a:p>
+          <a:p>
+            <a:endParaRPr lang="en-US" dirty="0"/>
+          </a:p>
+          <a:p>
+            <a:r>
+              <a:rPr lang="en-US" dirty="0"/>
+              <a:t>class </a:t>
             </a:r>
             <a:r>
               <a:rPr lang="en-US" dirty="0" err="1"/>
@@ -4551,263 +4844,276 @@
             </a:r>
             <a:r>
               <a:rPr lang="en-US" dirty="0"/>
-              <a:t>)</a:t>
-            </a:r>
-          </a:p>
-          <a:p>
-            <a:pPr marL="0" marR="0" lvl="0" indent="0" algn="l" defTabSz="914400" rtl="0" eaLnBrk="1" fontAlgn="auto" latinLnBrk="0" hangingPunct="1">
-              <a:lnSpc>
-                <a:spcPct val="100000"/>
-              </a:lnSpc>
-              <a:spcBef>
-                <a:spcPts val="0"/>
-              </a:spcBef>
-              <a:spcAft>
-                <a:spcPts val="0"/>
-              </a:spcAft>
-              <a:buClrTx/>
-              <a:buSzTx/>
-              <a:buFontTx/>
-              <a:buNone/>
-              <a:tabLst/>
-              <a:defRPr/>
-            </a:pPr>
-            <a:r>
-              <a:rPr lang="en-US" dirty="0"/>
-              <a:t>Cohesion OK somewhat low (higher than before)</a:t>
+              <a:t> {</a:t>
+            </a:r>
+          </a:p>
+          <a:p>
+            <a:r>
+              <a:rPr lang="en-US" dirty="0"/>
+              <a:t>   </a:t>
+            </a:r>
+            <a:r>
+              <a:rPr lang="en-US" dirty="0" err="1"/>
+              <a:t>studentIdToGradeRecordMap</a:t>
+            </a:r>
+            <a:r>
+              <a:rPr lang="en-US" dirty="0"/>
+              <a:t>: Map&lt;Integer, </a:t>
+            </a:r>
+            <a:r>
+              <a:rPr lang="en-US" dirty="0" err="1"/>
+              <a:t>GradeRecord</a:t>
+            </a:r>
+            <a:r>
+              <a:rPr lang="en-US" dirty="0"/>
+              <a:t> &gt;</a:t>
+            </a:r>
+          </a:p>
+          <a:p>
+            <a:r>
+              <a:rPr lang="en-US" dirty="0"/>
+              <a:t>   </a:t>
+            </a:r>
+            <a:r>
+              <a:rPr lang="en-US" dirty="0" err="1"/>
+              <a:t>handleAddStudent</a:t>
+            </a:r>
+            <a:r>
+              <a:rPr lang="en-US" dirty="0"/>
+              <a:t>(id, name, phone)</a:t>
+            </a:r>
+          </a:p>
+          <a:p>
+            <a:r>
+              <a:rPr lang="en-US" dirty="0"/>
+              <a:t>   </a:t>
+            </a:r>
+            <a:r>
+              <a:rPr lang="en-US" dirty="0" err="1"/>
+              <a:t>handleRemoveStudent</a:t>
+            </a:r>
+            <a:r>
+              <a:rPr lang="en-US" dirty="0"/>
+              <a:t>(id)</a:t>
+            </a:r>
+          </a:p>
+          <a:p>
+            <a:r>
+              <a:rPr lang="en-US" dirty="0"/>
+              <a:t>   </a:t>
+            </a:r>
+            <a:r>
+              <a:rPr lang="en-US" dirty="0" err="1"/>
+              <a:t>handleSetStudentGrade</a:t>
+            </a:r>
+            <a:r>
+              <a:rPr lang="en-US" dirty="0"/>
+              <a:t>(</a:t>
+            </a:r>
+            <a:r>
+              <a:rPr lang="en-US" dirty="0" err="1"/>
+              <a:t>studentId</a:t>
+            </a:r>
+            <a:r>
+              <a:rPr lang="en-US" dirty="0"/>
+              <a:t>, </a:t>
+            </a:r>
+            <a:r>
+              <a:rPr lang="en-US" dirty="0" err="1"/>
+              <a:t>courseId</a:t>
+            </a:r>
+            <a:r>
+              <a:rPr lang="en-US" dirty="0"/>
+              <a:t>, grade)</a:t>
+            </a:r>
+          </a:p>
+          <a:p>
+            <a:r>
+              <a:rPr lang="en-US" dirty="0"/>
+              <a:t>   </a:t>
+            </a:r>
+            <a:r>
+              <a:rPr lang="en-US" dirty="0" err="1"/>
+              <a:t>handleGetStudentGPA</a:t>
+            </a:r>
+            <a:r>
+              <a:rPr lang="en-US" dirty="0"/>
+              <a:t>( id )</a:t>
+            </a:r>
+          </a:p>
+          <a:p>
+            <a:r>
+              <a:rPr lang="en-US" dirty="0"/>
+              <a:t>   </a:t>
+            </a:r>
+            <a:r>
+              <a:rPr lang="en-US" dirty="0" err="1"/>
+              <a:t>handleReportAllGPA</a:t>
+            </a:r>
+            <a:r>
+              <a:rPr lang="en-US" dirty="0"/>
+              <a:t>()</a:t>
+            </a:r>
+          </a:p>
+          <a:p>
+            <a:r>
+              <a:rPr lang="en-US" dirty="0"/>
+              <a:t>}</a:t>
             </a:r>
           </a:p>
           <a:p>
             <a:endParaRPr lang="en-US" dirty="0"/>
           </a:p>
           <a:p>
+            <a:r>
+              <a:rPr lang="en-US" dirty="0"/>
+              <a:t>class Student{</a:t>
+            </a:r>
+          </a:p>
+          <a:p>
+            <a:r>
+              <a:rPr lang="en-US" dirty="0"/>
+              <a:t>   id</a:t>
+            </a:r>
+          </a:p>
+          <a:p>
+            <a:r>
+              <a:rPr lang="en-US" dirty="0"/>
+              <a:t>   name</a:t>
+            </a:r>
+          </a:p>
+          <a:p>
+            <a:r>
+              <a:rPr lang="en-US" dirty="0"/>
+              <a:t>   phone</a:t>
+            </a:r>
+          </a:p>
+          <a:p>
+            <a:r>
+              <a:rPr lang="en-US" dirty="0"/>
+              <a:t>   </a:t>
+            </a:r>
+            <a:r>
+              <a:rPr lang="en-US" dirty="0" err="1"/>
+              <a:t>getGPA</a:t>
+            </a:r>
+            <a:r>
+              <a:rPr lang="en-US" dirty="0"/>
+              <a:t>()</a:t>
+            </a:r>
+          </a:p>
+          <a:p>
+            <a:r>
+              <a:rPr lang="en-US" dirty="0"/>
+              <a:t>}</a:t>
+            </a:r>
+          </a:p>
+          <a:p>
             <a:endParaRPr lang="en-US" dirty="0"/>
           </a:p>
           <a:p>
             <a:r>
               <a:rPr lang="en-US" dirty="0"/>
-              <a:t>@</a:t>
+              <a:t>class </a:t>
             </a:r>
             <a:r>
               <a:rPr lang="en-US" dirty="0" err="1"/>
-              <a:t>startuml</a:t>
+              <a:t>GradeRecord</a:t>
+            </a:r>
+            <a:r>
+              <a:rPr lang="en-US" dirty="0"/>
+              <a:t> {</a:t>
+            </a:r>
+          </a:p>
+          <a:p>
+            <a:r>
+              <a:rPr lang="en-US" dirty="0"/>
+              <a:t>   </a:t>
+            </a:r>
+            <a:r>
+              <a:rPr lang="en-US" dirty="0" err="1"/>
+              <a:t>studentId</a:t>
             </a:r>
             <a:endParaRPr lang="en-US" dirty="0"/>
           </a:p>
           <a:p>
             <a:r>
+              <a:rPr lang="en-US" dirty="0"/>
+              <a:t>   </a:t>
+            </a:r>
+            <a:r>
               <a:rPr lang="en-US" dirty="0" err="1"/>
-              <a:t>skinparam</a:t>
-            </a:r>
-            <a:r>
-              <a:rPr lang="en-US" dirty="0"/>
-              <a:t> style </a:t>
+              <a:t>courseIdToGradeMap</a:t>
+            </a:r>
+            <a:r>
+              <a:rPr lang="en-US" dirty="0"/>
+              <a:t>: Map&lt;String, Double&gt;</a:t>
+            </a:r>
+          </a:p>
+          <a:p>
+            <a:r>
+              <a:rPr lang="en-US" dirty="0"/>
+              <a:t>   </a:t>
             </a:r>
             <a:r>
               <a:rPr lang="en-US" dirty="0" err="1"/>
-              <a:t>strictuml</a:t>
-            </a:r>
+              <a:t>calculateGPA</a:t>
+            </a:r>
+            <a:r>
+              <a:rPr lang="en-US" dirty="0"/>
+              <a:t>() : double</a:t>
+            </a:r>
+          </a:p>
+          <a:p>
+            <a:r>
+              <a:rPr lang="en-US" dirty="0"/>
+              <a:t>   </a:t>
+            </a:r>
+            <a:r>
+              <a:rPr lang="en-US" dirty="0" err="1"/>
+              <a:t>setGrade</a:t>
+            </a:r>
+            <a:r>
+              <a:rPr lang="en-US" dirty="0"/>
+              <a:t>(</a:t>
+            </a:r>
+            <a:r>
+              <a:rPr lang="en-US" dirty="0" err="1"/>
+              <a:t>courseId</a:t>
+            </a:r>
+            <a:r>
+              <a:rPr lang="en-US" dirty="0"/>
+              <a:t>, grade)</a:t>
+            </a:r>
+          </a:p>
+          <a:p>
+            <a:r>
+              <a:rPr lang="en-US" dirty="0"/>
+              <a:t>}</a:t>
+            </a:r>
+          </a:p>
+          <a:p>
             <a:endParaRPr lang="en-US" dirty="0"/>
           </a:p>
           <a:p>
-            <a:endParaRPr lang="en-US" dirty="0"/>
-          </a:p>
-          <a:p>
-            <a:r>
-              <a:rPr lang="en-US" dirty="0"/>
-              <a:t>class </a:t>
-            </a:r>
             <a:r>
               <a:rPr lang="en-US" dirty="0" err="1"/>
               <a:t>SchoolMain</a:t>
             </a:r>
             <a:r>
               <a:rPr lang="en-US" dirty="0"/>
-              <a:t> {</a:t>
-            </a:r>
-          </a:p>
-          <a:p>
-            <a:r>
-              <a:rPr lang="en-US" dirty="0"/>
-              <a:t>   </a:t>
+              <a:t> -&gt; "*" Student</a:t>
+            </a:r>
+          </a:p>
+          <a:p>
+            <a:r>
+              <a:rPr lang="en-US" dirty="0"/>
+              <a:t>Student -&gt; </a:t>
             </a:r>
             <a:r>
               <a:rPr lang="en-US" dirty="0" err="1"/>
-              <a:t>handleAddStudent</a:t>
-            </a:r>
-            <a:r>
-              <a:rPr lang="en-US" dirty="0"/>
-              <a:t>(id, name, phone)</a:t>
-            </a:r>
-          </a:p>
-          <a:p>
-            <a:r>
-              <a:rPr lang="en-US" dirty="0"/>
-              <a:t>   </a:t>
-            </a:r>
-            <a:r>
-              <a:rPr lang="en-US" dirty="0" err="1"/>
-              <a:t>handleRemoveStudent</a:t>
-            </a:r>
-            <a:r>
-              <a:rPr lang="en-US" dirty="0"/>
-              <a:t>(id)</a:t>
-            </a:r>
-          </a:p>
-          <a:p>
-            <a:r>
-              <a:rPr lang="en-US" dirty="0"/>
-              <a:t>   </a:t>
-            </a:r>
-            <a:r>
-              <a:rPr lang="en-US" dirty="0" err="1"/>
-              <a:t>handleSetStudentGrade</a:t>
-            </a:r>
-            <a:r>
-              <a:rPr lang="en-US" dirty="0"/>
-              <a:t>(</a:t>
-            </a:r>
-            <a:r>
-              <a:rPr lang="en-US" dirty="0" err="1"/>
-              <a:t>studentId</a:t>
-            </a:r>
-            <a:r>
-              <a:rPr lang="en-US" dirty="0"/>
-              <a:t>, </a:t>
-            </a:r>
-            <a:r>
-              <a:rPr lang="en-US" dirty="0" err="1"/>
-              <a:t>courseId</a:t>
-            </a:r>
-            <a:r>
-              <a:rPr lang="en-US" dirty="0"/>
-              <a:t>, grade)</a:t>
-            </a:r>
-          </a:p>
-          <a:p>
-            <a:r>
-              <a:rPr lang="en-US" dirty="0"/>
-              <a:t>   </a:t>
-            </a:r>
-            <a:r>
-              <a:rPr lang="en-US" dirty="0" err="1"/>
-              <a:t>handleGetStudentGPA</a:t>
-            </a:r>
-            <a:r>
-              <a:rPr lang="en-US" dirty="0"/>
-              <a:t>( id )</a:t>
-            </a:r>
-          </a:p>
-          <a:p>
-            <a:r>
-              <a:rPr lang="en-US" dirty="0"/>
-              <a:t>   </a:t>
-            </a:r>
-            <a:r>
-              <a:rPr lang="en-US" dirty="0" err="1"/>
-              <a:t>handleReportAllGPA</a:t>
-            </a:r>
-            <a:r>
-              <a:rPr lang="en-US" dirty="0"/>
-              <a:t>()</a:t>
-            </a:r>
-          </a:p>
-          <a:p>
-            <a:r>
-              <a:rPr lang="en-US" dirty="0"/>
-              <a:t>}</a:t>
-            </a:r>
-          </a:p>
-          <a:p>
-            <a:endParaRPr lang="en-US" dirty="0"/>
-          </a:p>
-          <a:p>
-            <a:endParaRPr lang="en-US" dirty="0"/>
-          </a:p>
-          <a:p>
-            <a:r>
-              <a:rPr lang="en-US" dirty="0"/>
-              <a:t>class Student{</a:t>
-            </a:r>
-          </a:p>
-          <a:p>
-            <a:r>
-              <a:rPr lang="en-US" dirty="0"/>
-              <a:t>   id</a:t>
-            </a:r>
-          </a:p>
-          <a:p>
-            <a:r>
-              <a:rPr lang="en-US" dirty="0"/>
-              <a:t>   name</a:t>
-            </a:r>
-          </a:p>
-          <a:p>
-            <a:r>
-              <a:rPr lang="en-US" dirty="0"/>
-              <a:t>   phone</a:t>
-            </a:r>
-          </a:p>
-          <a:p>
-            <a:r>
-              <a:rPr lang="en-US" dirty="0"/>
-              <a:t>   </a:t>
-            </a:r>
-            <a:r>
-              <a:rPr lang="en-US" dirty="0" err="1"/>
-              <a:t>courseIdToGradeMap</a:t>
-            </a:r>
-            <a:r>
-              <a:rPr lang="en-US" dirty="0"/>
-              <a:t>: Map&lt;String, Double&gt;</a:t>
-            </a:r>
-          </a:p>
-          <a:p>
-            <a:r>
-              <a:rPr lang="en-US" dirty="0"/>
-              <a:t>   </a:t>
-            </a:r>
-            <a:r>
-              <a:rPr lang="en-US" dirty="0" err="1"/>
-              <a:t>calculateGPA</a:t>
-            </a:r>
-            <a:r>
-              <a:rPr lang="en-US" dirty="0"/>
-              <a:t>() : double</a:t>
-            </a:r>
-          </a:p>
-          <a:p>
-            <a:r>
-              <a:rPr lang="en-US" dirty="0"/>
-              <a:t>   </a:t>
-            </a:r>
-            <a:r>
-              <a:rPr lang="en-US" dirty="0" err="1"/>
-              <a:t>setGrade</a:t>
-            </a:r>
-            <a:r>
-              <a:rPr lang="en-US" dirty="0"/>
-              <a:t>(</a:t>
-            </a:r>
-            <a:r>
-              <a:rPr lang="en-US" dirty="0" err="1"/>
-              <a:t>courseId</a:t>
-            </a:r>
-            <a:r>
-              <a:rPr lang="en-US" dirty="0"/>
-              <a:t>, grade)</a:t>
-            </a:r>
-          </a:p>
-          <a:p>
-            <a:r>
-              <a:rPr lang="en-US" dirty="0"/>
-              <a:t>}</a:t>
-            </a:r>
-          </a:p>
-          <a:p>
-            <a:endParaRPr lang="en-US" dirty="0"/>
-          </a:p>
-          <a:p>
+              <a:t>GradeRecord</a:t>
+            </a:r>
             <a:endParaRPr lang="en-US" dirty="0"/>
           </a:p>
           <a:p>
@@ -4817,8 +5123,13 @@
             </a:r>
             <a:r>
               <a:rPr lang="en-US" dirty="0"/>
-              <a:t> -&gt; "*" Student</a:t>
-            </a:r>
+              <a:t> -&gt; "*" </a:t>
+            </a:r>
+            <a:r>
+              <a:rPr lang="en-US" dirty="0" err="1"/>
+              <a:t>GradeRecord</a:t>
+            </a:r>
+            <a:endParaRPr lang="en-US" dirty="0"/>
           </a:p>
           <a:p>
             <a:r>
@@ -4859,7 +5170,7 @@
     </p:spTree>
     <p:extLst>
       <p:ext uri="{BB962C8B-B14F-4D97-AF65-F5344CB8AC3E}">
-        <p14:creationId xmlns:p14="http://schemas.microsoft.com/office/powerpoint/2010/main" val="155593673"/>
+        <p14:creationId xmlns:p14="http://schemas.microsoft.com/office/powerpoint/2010/main" val="899242605"/>
       </p:ext>
     </p:extLst>
   </p:cSld>
@@ -4932,7 +5243,30 @@
             </a:pPr>
             <a:r>
               <a:rPr lang="en-US" dirty="0"/>
-              <a:t>Coupling HIGH  (BAD), cohesion HIGH (GOOD)</a:t>
+              <a:t>Coupling LOW (higher), </a:t>
+            </a:r>
+          </a:p>
+          <a:p>
+            <a:pPr marL="0" marR="0" lvl="0" indent="0" algn="l" defTabSz="914400" rtl="0" eaLnBrk="1" fontAlgn="auto" latinLnBrk="0" hangingPunct="1">
+              <a:lnSpc>
+                <a:spcPct val="100000"/>
+              </a:lnSpc>
+              <a:spcBef>
+                <a:spcPts val="0"/>
+              </a:spcBef>
+              <a:spcAft>
+                <a:spcPts val="0"/>
+              </a:spcAft>
+              <a:buClrTx/>
+              <a:buSzTx/>
+              <a:buFontTx/>
+              <a:buNone/>
+              <a:tabLst/>
+              <a:defRPr/>
+            </a:pPr>
+            <a:r>
+              <a:rPr lang="en-US" dirty="0"/>
+              <a:t>cohesion HIGH (good!)</a:t>
             </a:r>
           </a:p>
           <a:p>
@@ -4991,11 +5325,170 @@
             </a:r>
             <a:r>
               <a:rPr lang="en-US" dirty="0" err="1"/>
-              <a:t>studentIdToGradeRecordMap</a:t>
-            </a:r>
-            <a:r>
-              <a:rPr lang="en-US" dirty="0"/>
-              <a:t>: Map&lt;Integer, </a:t>
+              <a:t>handleAddStudent</a:t>
+            </a:r>
+            <a:r>
+              <a:rPr lang="en-US" dirty="0"/>
+              <a:t>(id, name, phone)</a:t>
+            </a:r>
+          </a:p>
+          <a:p>
+            <a:r>
+              <a:rPr lang="en-US" dirty="0"/>
+              <a:t>   </a:t>
+            </a:r>
+            <a:r>
+              <a:rPr lang="en-US" dirty="0" err="1"/>
+              <a:t>handleRemoveStudent</a:t>
+            </a:r>
+            <a:r>
+              <a:rPr lang="en-US" dirty="0"/>
+              <a:t>(id)</a:t>
+            </a:r>
+          </a:p>
+          <a:p>
+            <a:r>
+              <a:rPr lang="en-US" dirty="0"/>
+              <a:t>   </a:t>
+            </a:r>
+            <a:r>
+              <a:rPr lang="en-US" dirty="0" err="1"/>
+              <a:t>handleSetStudentGrade</a:t>
+            </a:r>
+            <a:r>
+              <a:rPr lang="en-US" dirty="0"/>
+              <a:t>(</a:t>
+            </a:r>
+            <a:r>
+              <a:rPr lang="en-US" dirty="0" err="1"/>
+              <a:t>studentId</a:t>
+            </a:r>
+            <a:r>
+              <a:rPr lang="en-US" dirty="0"/>
+              <a:t>, </a:t>
+            </a:r>
+            <a:r>
+              <a:rPr lang="en-US" dirty="0" err="1"/>
+              <a:t>courseId</a:t>
+            </a:r>
+            <a:r>
+              <a:rPr lang="en-US" dirty="0"/>
+              <a:t>, grade)</a:t>
+            </a:r>
+          </a:p>
+          <a:p>
+            <a:r>
+              <a:rPr lang="en-US" dirty="0"/>
+              <a:t>   </a:t>
+            </a:r>
+            <a:r>
+              <a:rPr lang="en-US" dirty="0" err="1"/>
+              <a:t>handleGetStudentGPA</a:t>
+            </a:r>
+            <a:r>
+              <a:rPr lang="en-US" dirty="0"/>
+              <a:t>( id )</a:t>
+            </a:r>
+          </a:p>
+          <a:p>
+            <a:r>
+              <a:rPr lang="en-US" dirty="0"/>
+              <a:t>   </a:t>
+            </a:r>
+            <a:r>
+              <a:rPr lang="en-US" dirty="0" err="1"/>
+              <a:t>handleReportAllGPA</a:t>
+            </a:r>
+            <a:r>
+              <a:rPr lang="en-US" dirty="0"/>
+              <a:t>()</a:t>
+            </a:r>
+          </a:p>
+          <a:p>
+            <a:r>
+              <a:rPr lang="en-US" dirty="0"/>
+              <a:t>}</a:t>
+            </a:r>
+          </a:p>
+          <a:p>
+            <a:endParaRPr lang="en-US" dirty="0"/>
+          </a:p>
+          <a:p>
+            <a:endParaRPr lang="en-US" dirty="0"/>
+          </a:p>
+          <a:p>
+            <a:r>
+              <a:rPr lang="en-US" dirty="0"/>
+              <a:t>class Student{</a:t>
+            </a:r>
+          </a:p>
+          <a:p>
+            <a:r>
+              <a:rPr lang="en-US" dirty="0"/>
+              <a:t>   id</a:t>
+            </a:r>
+          </a:p>
+          <a:p>
+            <a:r>
+              <a:rPr lang="en-US" dirty="0"/>
+              <a:t>   name</a:t>
+            </a:r>
+          </a:p>
+          <a:p>
+            <a:r>
+              <a:rPr lang="en-US" dirty="0"/>
+              <a:t>   phone</a:t>
+            </a:r>
+          </a:p>
+          <a:p>
+            <a:r>
+              <a:rPr lang="en-US" dirty="0"/>
+              <a:t>   </a:t>
+            </a:r>
+            <a:r>
+              <a:rPr lang="en-US" dirty="0" err="1"/>
+              <a:t>getGPA</a:t>
+            </a:r>
+            <a:r>
+              <a:rPr lang="en-US" dirty="0"/>
+              <a:t>()</a:t>
+            </a:r>
+          </a:p>
+          <a:p>
+            <a:r>
+              <a:rPr lang="en-US" dirty="0"/>
+              <a:t>   </a:t>
+            </a:r>
+            <a:r>
+              <a:rPr lang="en-US" dirty="0" err="1"/>
+              <a:t>setGrade</a:t>
+            </a:r>
+            <a:r>
+              <a:rPr lang="en-US" dirty="0"/>
+              <a:t>(</a:t>
+            </a:r>
+            <a:r>
+              <a:rPr lang="en-US" dirty="0" err="1"/>
+              <a:t>courseId</a:t>
+            </a:r>
+            <a:r>
+              <a:rPr lang="en-US" dirty="0"/>
+              <a:t>, grade)</a:t>
+            </a:r>
+          </a:p>
+          <a:p>
+            <a:r>
+              <a:rPr lang="en-US" dirty="0"/>
+              <a:t>}</a:t>
+            </a:r>
+          </a:p>
+          <a:p>
+            <a:endParaRPr lang="en-US" dirty="0"/>
+          </a:p>
+          <a:p>
+            <a:r>
+              <a:rPr lang="en-US" dirty="0"/>
+              <a:t>class </a:t>
             </a:r>
             <a:r>
               <a:rPr lang="en-US" dirty="0" err="1"/>
@@ -5003,7 +5496,7 @@
             </a:r>
             <a:r>
               <a:rPr lang="en-US" dirty="0"/>
-              <a:t> &gt;</a:t>
+              <a:t> {</a:t>
             </a:r>
           </a:p>
           <a:p>
@@ -5013,11 +5506,11 @@
             </a:r>
             <a:r>
               <a:rPr lang="en-US" dirty="0" err="1"/>
-              <a:t>handleAddStudent</a:t>
-            </a:r>
-            <a:r>
-              <a:rPr lang="en-US" dirty="0"/>
-              <a:t>(id, name, phone)</a:t>
+              <a:t>courseIdToGradeMap</a:t>
+            </a:r>
+            <a:r>
+              <a:rPr lang="en-US" dirty="0"/>
+              <a:t>: Map&lt;String, Double&gt;</a:t>
             </a:r>
           </a:p>
           <a:p>
@@ -5027,11 +5520,11 @@
             </a:r>
             <a:r>
               <a:rPr lang="en-US" dirty="0" err="1"/>
-              <a:t>handleRemoveStudent</a:t>
-            </a:r>
-            <a:r>
-              <a:rPr lang="en-US" dirty="0"/>
-              <a:t>(id)</a:t>
+              <a:t>calculateGPA</a:t>
+            </a:r>
+            <a:r>
+              <a:rPr lang="en-US" dirty="0"/>
+              <a:t>() : double</a:t>
             </a:r>
           </a:p>
           <a:p>
@@ -5041,19 +5534,11 @@
             </a:r>
             <a:r>
               <a:rPr lang="en-US" dirty="0" err="1"/>
-              <a:t>handleSetStudentGrade</a:t>
+              <a:t>setGrade</a:t>
             </a:r>
             <a:r>
               <a:rPr lang="en-US" dirty="0"/>
               <a:t>(</a:t>
-            </a:r>
-            <a:r>
-              <a:rPr lang="en-US" dirty="0" err="1"/>
-              <a:t>studentId</a:t>
-            </a:r>
-            <a:r>
-              <a:rPr lang="en-US" dirty="0"/>
-              <a:t>, </a:t>
             </a:r>
             <a:r>
               <a:rPr lang="en-US" dirty="0" err="1"/>
@@ -5067,167 +5552,11 @@
           <a:p>
             <a:r>
               <a:rPr lang="en-US" dirty="0"/>
-              <a:t>   </a:t>
-            </a:r>
-            <a:r>
-              <a:rPr lang="en-US" dirty="0" err="1"/>
-              <a:t>handleGetStudentGPA</a:t>
-            </a:r>
-            <a:r>
-              <a:rPr lang="en-US" dirty="0"/>
-              <a:t>( id )</a:t>
-            </a:r>
-          </a:p>
-          <a:p>
-            <a:r>
-              <a:rPr lang="en-US" dirty="0"/>
-              <a:t>   </a:t>
-            </a:r>
-            <a:r>
-              <a:rPr lang="en-US" dirty="0" err="1"/>
-              <a:t>handleReportAllGPA</a:t>
-            </a:r>
-            <a:r>
-              <a:rPr lang="en-US" dirty="0"/>
-              <a:t>()</a:t>
-            </a:r>
-          </a:p>
-          <a:p>
-            <a:r>
-              <a:rPr lang="en-US" dirty="0"/>
               <a:t>}</a:t>
             </a:r>
           </a:p>
           <a:p>
             <a:endParaRPr lang="en-US" dirty="0"/>
-          </a:p>
-          <a:p>
-            <a:r>
-              <a:rPr lang="en-US" dirty="0"/>
-              <a:t>class Student{</a:t>
-            </a:r>
-          </a:p>
-          <a:p>
-            <a:r>
-              <a:rPr lang="en-US" dirty="0"/>
-              <a:t>   id</a:t>
-            </a:r>
-          </a:p>
-          <a:p>
-            <a:r>
-              <a:rPr lang="en-US" dirty="0"/>
-              <a:t>   name</a:t>
-            </a:r>
-          </a:p>
-          <a:p>
-            <a:r>
-              <a:rPr lang="en-US" dirty="0"/>
-              <a:t>   phone</a:t>
-            </a:r>
-          </a:p>
-          <a:p>
-            <a:r>
-              <a:rPr lang="en-US" dirty="0"/>
-              <a:t>   </a:t>
-            </a:r>
-            <a:r>
-              <a:rPr lang="en-US" dirty="0" err="1"/>
-              <a:t>getGPA</a:t>
-            </a:r>
-            <a:r>
-              <a:rPr lang="en-US" dirty="0"/>
-              <a:t>()</a:t>
-            </a:r>
-          </a:p>
-          <a:p>
-            <a:r>
-              <a:rPr lang="en-US" dirty="0"/>
-              <a:t>}</a:t>
-            </a:r>
-          </a:p>
-          <a:p>
-            <a:endParaRPr lang="en-US" dirty="0"/>
-          </a:p>
-          <a:p>
-            <a:r>
-              <a:rPr lang="en-US" dirty="0"/>
-              <a:t>class </a:t>
-            </a:r>
-            <a:r>
-              <a:rPr lang="en-US" dirty="0" err="1"/>
-              <a:t>GradeRecord</a:t>
-            </a:r>
-            <a:r>
-              <a:rPr lang="en-US" dirty="0"/>
-              <a:t> {</a:t>
-            </a:r>
-          </a:p>
-          <a:p>
-            <a:r>
-              <a:rPr lang="en-US" dirty="0"/>
-              <a:t>   </a:t>
-            </a:r>
-            <a:r>
-              <a:rPr lang="en-US" dirty="0" err="1"/>
-              <a:t>studentId</a:t>
-            </a:r>
-            <a:endParaRPr lang="en-US" dirty="0"/>
-          </a:p>
-          <a:p>
-            <a:r>
-              <a:rPr lang="en-US" dirty="0"/>
-              <a:t>   </a:t>
-            </a:r>
-            <a:r>
-              <a:rPr lang="en-US" dirty="0" err="1"/>
-              <a:t>courseIdToGradeMap</a:t>
-            </a:r>
-            <a:r>
-              <a:rPr lang="en-US" dirty="0"/>
-              <a:t>: Map&lt;String, Double&gt;</a:t>
-            </a:r>
-          </a:p>
-          <a:p>
-            <a:r>
-              <a:rPr lang="en-US" dirty="0"/>
-              <a:t>   </a:t>
-            </a:r>
-            <a:r>
-              <a:rPr lang="en-US" dirty="0" err="1"/>
-              <a:t>calculateGPA</a:t>
-            </a:r>
-            <a:r>
-              <a:rPr lang="en-US" dirty="0"/>
-              <a:t>() : double</a:t>
-            </a:r>
-          </a:p>
-          <a:p>
-            <a:r>
-              <a:rPr lang="en-US" dirty="0"/>
-              <a:t>   </a:t>
-            </a:r>
-            <a:r>
-              <a:rPr lang="en-US" dirty="0" err="1"/>
-              <a:t>setGrade</a:t>
-            </a:r>
-            <a:r>
-              <a:rPr lang="en-US" dirty="0"/>
-              <a:t>(</a:t>
-            </a:r>
-            <a:r>
-              <a:rPr lang="en-US" dirty="0" err="1"/>
-              <a:t>courseId</a:t>
-            </a:r>
-            <a:r>
-              <a:rPr lang="en-US" dirty="0"/>
-              <a:t>, grade)</a:t>
-            </a:r>
-          </a:p>
-          <a:p>
-            <a:r>
-              <a:rPr lang="en-US" dirty="0"/>
-              <a:t>}</a:t>
-            </a:r>
           </a:p>
           <a:p>
             <a:endParaRPr lang="en-US" dirty="0"/>
@@ -5245,22 +5574,7 @@
           <a:p>
             <a:r>
               <a:rPr lang="en-US" dirty="0"/>
-              <a:t>Student -&gt; </a:t>
-            </a:r>
-            <a:r>
-              <a:rPr lang="en-US" dirty="0" err="1"/>
-              <a:t>GradeRecord</a:t>
-            </a:r>
-            <a:endParaRPr lang="en-US" dirty="0"/>
-          </a:p>
-          <a:p>
-            <a:r>
-              <a:rPr lang="en-US" dirty="0" err="1"/>
-              <a:t>SchoolMain</a:t>
-            </a:r>
-            <a:r>
-              <a:rPr lang="en-US" dirty="0"/>
-              <a:t> -&gt; "*" </a:t>
+              <a:t>Student -&gt;  </a:t>
             </a:r>
             <a:r>
               <a:rPr lang="en-US" dirty="0" err="1"/>
@@ -5307,7 +5621,7 @@
     </p:spTree>
     <p:extLst>
       <p:ext uri="{BB962C8B-B14F-4D97-AF65-F5344CB8AC3E}">
-        <p14:creationId xmlns:p14="http://schemas.microsoft.com/office/powerpoint/2010/main" val="899242605"/>
+        <p14:creationId xmlns:p14="http://schemas.microsoft.com/office/powerpoint/2010/main" val="3059030691"/>
       </p:ext>
     </p:extLst>
   </p:cSld>
@@ -5380,8 +5694,13 @@
             </a:pPr>
             <a:r>
               <a:rPr lang="en-US" dirty="0"/>
-              <a:t>Coupling LOW (higher), </a:t>
-            </a:r>
+              <a:t>WOAH</a:t>
+            </a:r>
+            <a:r>
+              <a:rPr lang="en-US" baseline="0" dirty="0"/>
+              <a:t> – things out of control….   Student has very high coupling-if it changes everything breaks!</a:t>
+            </a:r>
+            <a:endParaRPr lang="en-US" dirty="0"/>
           </a:p>
           <a:p>
             <a:pPr marL="0" marR="0" lvl="0" indent="0" algn="l" defTabSz="914400" rtl="0" eaLnBrk="1" fontAlgn="auto" latinLnBrk="0" hangingPunct="1">
@@ -5403,11 +5722,8 @@
             </a:pPr>
             <a:r>
               <a:rPr lang="en-US" dirty="0"/>
-              <a:t>cohesion HIGH (good!)</a:t>
-            </a:r>
-          </a:p>
-          <a:p>
-            <a:endParaRPr lang="en-US" dirty="0"/>
+              <a:t>Coupling HIGH, cohesion HIGH</a:t>
+            </a:r>
           </a:p>
           <a:p>
             <a:endParaRPr lang="en-US" dirty="0"/>
@@ -5568,18 +5884,6 @@
           <a:p>
             <a:r>
               <a:rPr lang="en-US" dirty="0"/>
-              <a:t>   name</a:t>
-            </a:r>
-          </a:p>
-          <a:p>
-            <a:r>
-              <a:rPr lang="en-US" dirty="0"/>
-              <a:t>   phone</a:t>
-            </a:r>
-          </a:p>
-          <a:p>
-            <a:r>
-              <a:rPr lang="en-US" dirty="0"/>
               <a:t>   </a:t>
             </a:r>
             <a:r>
@@ -5643,20 +5947,6 @@
             </a:r>
             <a:r>
               <a:rPr lang="en-US" dirty="0" err="1"/>
-              <a:t>courseIdToGradeMap</a:t>
-            </a:r>
-            <a:r>
-              <a:rPr lang="en-US" dirty="0"/>
-              <a:t>: Map&lt;String, Double&gt;</a:t>
-            </a:r>
-          </a:p>
-          <a:p>
-            <a:r>
-              <a:rPr lang="en-US" dirty="0"/>
-              <a:t>   </a:t>
-            </a:r>
-            <a:r>
-              <a:rPr lang="en-US" dirty="0" err="1"/>
               <a:t>calculateGPA</a:t>
             </a:r>
             <a:r>
@@ -5696,7 +5986,157 @@
             <a:endParaRPr lang="en-US" dirty="0"/>
           </a:p>
           <a:p>
+            <a:r>
+              <a:rPr lang="en-US" dirty="0"/>
+              <a:t>class </a:t>
+            </a:r>
+            <a:r>
+              <a:rPr lang="en-US" dirty="0" err="1"/>
+              <a:t>CourseGrade</a:t>
+            </a:r>
+            <a:r>
+              <a:rPr lang="en-US" dirty="0"/>
+              <a:t> {</a:t>
+            </a:r>
+          </a:p>
+          <a:p>
+            <a:r>
+              <a:rPr lang="en-US" dirty="0"/>
+              <a:t>   </a:t>
+            </a:r>
+            <a:r>
+              <a:rPr lang="en-US" dirty="0" err="1"/>
+              <a:t>courseId</a:t>
+            </a:r>
             <a:endParaRPr lang="en-US" dirty="0"/>
+          </a:p>
+          <a:p>
+            <a:r>
+              <a:rPr lang="en-US" dirty="0"/>
+              <a:t>   grade</a:t>
+            </a:r>
+          </a:p>
+          <a:p>
+            <a:r>
+              <a:rPr lang="en-US" dirty="0"/>
+              <a:t>   </a:t>
+            </a:r>
+            <a:r>
+              <a:rPr lang="en-US" dirty="0" err="1"/>
+              <a:t>wasRetaken</a:t>
+            </a:r>
+            <a:endParaRPr lang="en-US" dirty="0"/>
+          </a:p>
+          <a:p>
+            <a:r>
+              <a:rPr lang="en-US" dirty="0"/>
+              <a:t>}</a:t>
+            </a:r>
+          </a:p>
+          <a:p>
+            <a:endParaRPr lang="en-US" dirty="0"/>
+          </a:p>
+          <a:p>
+            <a:endParaRPr lang="en-US" dirty="0"/>
+          </a:p>
+          <a:p>
+            <a:r>
+              <a:rPr lang="en-US" dirty="0"/>
+              <a:t>class </a:t>
+            </a:r>
+            <a:r>
+              <a:rPr lang="en-US" dirty="0" err="1"/>
+              <a:t>StudentNameRecord</a:t>
+            </a:r>
+            <a:r>
+              <a:rPr lang="en-US" dirty="0"/>
+              <a:t> {</a:t>
+            </a:r>
+          </a:p>
+          <a:p>
+            <a:r>
+              <a:rPr lang="en-US" dirty="0"/>
+              <a:t>first</a:t>
+            </a:r>
+          </a:p>
+          <a:p>
+            <a:r>
+              <a:rPr lang="en-US" dirty="0"/>
+              <a:t>middle</a:t>
+            </a:r>
+          </a:p>
+          <a:p>
+            <a:r>
+              <a:rPr lang="en-US" dirty="0"/>
+              <a:t>last</a:t>
+            </a:r>
+          </a:p>
+          <a:p>
+            <a:r>
+              <a:rPr lang="en-US" dirty="0"/>
+              <a:t>}</a:t>
+            </a:r>
+          </a:p>
+          <a:p>
+            <a:endParaRPr lang="en-US" dirty="0"/>
+          </a:p>
+          <a:p>
+            <a:r>
+              <a:rPr lang="en-US" dirty="0"/>
+              <a:t>class </a:t>
+            </a:r>
+            <a:r>
+              <a:rPr lang="en-US" dirty="0" err="1"/>
+              <a:t>StudentPhoneRecord</a:t>
+            </a:r>
+            <a:r>
+              <a:rPr lang="en-US" dirty="0"/>
+              <a:t> {</a:t>
+            </a:r>
+          </a:p>
+          <a:p>
+            <a:r>
+              <a:rPr lang="en-US" dirty="0" err="1"/>
+              <a:t>areaCode</a:t>
+            </a:r>
+            <a:endParaRPr lang="en-US" dirty="0"/>
+          </a:p>
+          <a:p>
+            <a:r>
+              <a:rPr lang="en-US" dirty="0" err="1"/>
+              <a:t>localNumber</a:t>
+            </a:r>
+            <a:endParaRPr lang="en-US" dirty="0"/>
+          </a:p>
+          <a:p>
+            <a:r>
+              <a:rPr lang="en-US" dirty="0"/>
+              <a:t>}</a:t>
+            </a:r>
+          </a:p>
+          <a:p>
+            <a:endParaRPr lang="en-US" dirty="0"/>
+          </a:p>
+          <a:p>
+            <a:endParaRPr lang="en-US" dirty="0"/>
+          </a:p>
+          <a:p>
+            <a:r>
+              <a:rPr lang="en-US" dirty="0" err="1"/>
+              <a:t>GradeRecord</a:t>
+            </a:r>
+            <a:r>
+              <a:rPr lang="en-US" dirty="0"/>
+              <a:t> -&gt; "*" </a:t>
+            </a:r>
+            <a:r>
+              <a:rPr lang="en-US" dirty="0" err="1"/>
+              <a:t>CourseGrade</a:t>
+            </a:r>
+            <a:r>
+              <a:rPr lang="en-US" dirty="0"/>
+              <a:t> </a:t>
+            </a:r>
           </a:p>
           <a:p>
             <a:r>
@@ -5716,6 +6156,31 @@
             <a:r>
               <a:rPr lang="en-US" dirty="0" err="1"/>
               <a:t>GradeRecord</a:t>
+            </a:r>
+            <a:endParaRPr lang="en-US" dirty="0"/>
+          </a:p>
+          <a:p>
+            <a:r>
+              <a:rPr lang="en-US" dirty="0"/>
+              <a:t>Student -&gt; </a:t>
+            </a:r>
+            <a:r>
+              <a:rPr lang="en-US" dirty="0" err="1"/>
+              <a:t>StudentNameRecord</a:t>
+            </a:r>
+            <a:r>
+              <a:rPr lang="en-US" dirty="0"/>
+              <a:t> </a:t>
+            </a:r>
+          </a:p>
+          <a:p>
+            <a:r>
+              <a:rPr lang="en-US" dirty="0"/>
+              <a:t>Student -&gt; </a:t>
+            </a:r>
+            <a:r>
+              <a:rPr lang="en-US" dirty="0" err="1"/>
+              <a:t>StudentPhoneRecord</a:t>
             </a:r>
             <a:endParaRPr lang="en-US" dirty="0"/>
           </a:p>
@@ -5758,7 +6223,7 @@
     </p:spTree>
     <p:extLst>
       <p:ext uri="{BB962C8B-B14F-4D97-AF65-F5344CB8AC3E}">
-        <p14:creationId xmlns:p14="http://schemas.microsoft.com/office/powerpoint/2010/main" val="3059030691"/>
+        <p14:creationId xmlns:p14="http://schemas.microsoft.com/office/powerpoint/2010/main" val="3241141951"/>
       </p:ext>
     </p:extLst>
   </p:cSld>
@@ -5787,19 +6252,38 @@
       </p:grpSpPr>
       <p:sp>
         <p:nvSpPr>
-          <p:cNvPr id="2" name="Slide Image Placeholder 1"/>
+          <p:cNvPr id="43010" name="Slide Image Placeholder 1"/>
           <p:cNvSpPr>
-            <a:spLocks noGrp="1" noRot="1" noChangeAspect="1"/>
+            <a:spLocks noGrp="1" noRot="1" noChangeAspect="1" noTextEdit="1"/>
           </p:cNvSpPr>
           <p:nvPr>
             <p:ph type="sldImg"/>
           </p:nvPr>
         </p:nvSpPr>
-        <p:spPr/>
-      </p:sp>
-      <p:sp>
-        <p:nvSpPr>
-          <p:cNvPr id="3" name="Notes Placeholder 2"/>
+        <p:spPr bwMode="auto">
+          <a:noFill/>
+          <a:ln>
+            <a:solidFill>
+              <a:srgbClr val="000000"/>
+            </a:solidFill>
+            <a:miter lim="800000"/>
+            <a:headEnd/>
+            <a:tailEnd/>
+          </a:ln>
+          <a:extLst>
+            <a:ext uri="{909E8E84-426E-40dd-AFC4-6F175D3DCCD1}">
+              <a14:hiddenFill xmlns:a14="http://schemas.microsoft.com/office/drawing/2010/main" xmlns="">
+                <a:solidFill>
+                  <a:srgbClr val="FFFFFF"/>
+                </a:solidFill>
+              </a14:hiddenFill>
+            </a:ext>
+          </a:extLst>
+        </p:spPr>
+      </p:sp>
+      <p:sp>
+        <p:nvSpPr>
+          <p:cNvPr id="43011" name="Notes Placeholder 2"/>
           <p:cNvSpPr>
             <a:spLocks noGrp="1"/>
           </p:cNvSpPr>
@@ -5807,560 +6291,239 @@
             <p:ph type="body" idx="1"/>
           </p:nvPr>
         </p:nvSpPr>
-        <p:spPr/>
+        <p:spPr>
+          <a:noFill/>
+          <a:ln/>
+          <a:extLst>
+            <a:ext uri="{909E8E84-426E-40dd-AFC4-6F175D3DCCD1}">
+              <a14:hiddenFill xmlns:a14="http://schemas.microsoft.com/office/drawing/2010/main" xmlns="">
+                <a:solidFill>
+                  <a:srgbClr val="FFFFFF"/>
+                </a:solidFill>
+              </a14:hiddenFill>
+            </a:ext>
+            <a:ext uri="{91240B29-F687-4f45-9708-019B960494DF}">
+              <a14:hiddenLine xmlns:a14="http://schemas.microsoft.com/office/drawing/2010/main" xmlns="" w="9525">
+                <a:solidFill>
+                  <a:srgbClr val="000000"/>
+                </a:solidFill>
+                <a:miter lim="800000"/>
+                <a:headEnd/>
+                <a:tailEnd/>
+              </a14:hiddenLine>
+            </a:ext>
+          </a:extLst>
+        </p:spPr>
         <p:txBody>
           <a:bodyPr/>
           <a:lstStyle/>
           <a:p>
-            <a:pPr marL="0" marR="0" lvl="0" indent="0" algn="l" defTabSz="914400" rtl="0" eaLnBrk="1" fontAlgn="auto" latinLnBrk="0" hangingPunct="1">
-              <a:lnSpc>
-                <a:spcPct val="100000"/>
-              </a:lnSpc>
-              <a:spcBef>
-                <a:spcPts val="0"/>
-              </a:spcBef>
-              <a:spcAft>
-                <a:spcPts val="0"/>
-              </a:spcAft>
-              <a:buClrTx/>
-              <a:buSzTx/>
-              <a:buFontTx/>
-              <a:buNone/>
-              <a:tabLst/>
-              <a:defRPr/>
-            </a:pPr>
-            <a:r>
-              <a:rPr lang="en-US" dirty="0"/>
-              <a:t>WOAH</a:t>
-            </a:r>
-            <a:r>
-              <a:rPr lang="en-US" baseline="0" dirty="0"/>
-              <a:t> – things out of control….   Student has very high coupling-if it changes everything breaks!</a:t>
+            <a:r>
+              <a:rPr lang="en-US" dirty="0"/>
+              <a:t>Scope refers to the lifetime and accessibility of a variable. </a:t>
+            </a:r>
+          </a:p>
+          <a:p>
+            <a:r>
+              <a:rPr lang="en-US" dirty="0"/>
+              <a:t>How large the scope is depends on where a variable is declared. For example, if a variable is declared at the top of a class then it will be accessible to all of the class methods. If it’s declared in a method then it can only be used in that method.</a:t>
+            </a:r>
+          </a:p>
+          <a:p>
+            <a:r>
+              <a:rPr lang="en-US" dirty="0"/>
+              <a:t>Show scope of:</a:t>
+            </a:r>
+          </a:p>
+          <a:p>
+            <a:r>
+              <a:rPr lang="en-US" dirty="0"/>
+              <a:t>- sum</a:t>
+            </a:r>
+          </a:p>
+          <a:p>
+            <a:r>
+              <a:rPr lang="en-US" dirty="0"/>
+              <a:t>- </a:t>
+            </a:r>
+            <a:r>
+              <a:rPr lang="en-US" dirty="0" err="1"/>
+              <a:t>prev</a:t>
             </a:r>
             <a:endParaRPr lang="en-US" dirty="0"/>
           </a:p>
           <a:p>
-            <a:pPr marL="0" marR="0" lvl="0" indent="0" algn="l" defTabSz="914400" rtl="0" eaLnBrk="1" fontAlgn="auto" latinLnBrk="0" hangingPunct="1">
-              <a:lnSpc>
-                <a:spcPct val="100000"/>
-              </a:lnSpc>
-              <a:spcBef>
-                <a:spcPts val="0"/>
-              </a:spcBef>
-              <a:spcAft>
-                <a:spcPts val="0"/>
-              </a:spcAft>
-              <a:buClrTx/>
-              <a:buSzTx/>
-              <a:buFontTx/>
-              <a:buNone/>
-              <a:tabLst/>
-              <a:defRPr/>
-            </a:pPr>
-            <a:r>
-              <a:rPr lang="en-US" dirty="0"/>
-              <a:t>Coupling HIGH, cohesion HIGH</a:t>
+            <a:r>
+              <a:rPr lang="en-US" dirty="0"/>
+              <a:t>- p</a:t>
             </a:r>
           </a:p>
           <a:p>
             <a:endParaRPr lang="en-US" dirty="0"/>
           </a:p>
-          <a:p>
-            <a:r>
-              <a:rPr lang="en-US" dirty="0"/>
-              <a:t>@</a:t>
-            </a:r>
-            <a:r>
-              <a:rPr lang="en-US" dirty="0" err="1"/>
-              <a:t>startuml</a:t>
-            </a:r>
-            <a:endParaRPr lang="en-US" dirty="0"/>
-          </a:p>
-          <a:p>
-            <a:r>
-              <a:rPr lang="en-US" dirty="0" err="1"/>
-              <a:t>skinparam</a:t>
-            </a:r>
-            <a:r>
-              <a:rPr lang="en-US" dirty="0"/>
-              <a:t> style </a:t>
-            </a:r>
-            <a:r>
-              <a:rPr lang="en-US" dirty="0" err="1"/>
-              <a:t>strictuml</a:t>
-            </a:r>
-            <a:endParaRPr lang="en-US" dirty="0"/>
-          </a:p>
-          <a:p>
-            <a:endParaRPr lang="en-US" dirty="0"/>
-          </a:p>
-          <a:p>
-            <a:r>
-              <a:rPr lang="en-US" dirty="0"/>
-              <a:t>class </a:t>
-            </a:r>
-            <a:r>
-              <a:rPr lang="en-US" dirty="0" err="1"/>
-              <a:t>SchoolMain</a:t>
-            </a:r>
-            <a:r>
-              <a:rPr lang="en-US" dirty="0"/>
-              <a:t> {</a:t>
-            </a:r>
-          </a:p>
-          <a:p>
-            <a:r>
-              <a:rPr lang="en-US" dirty="0"/>
-              <a:t>   </a:t>
-            </a:r>
-            <a:r>
-              <a:rPr lang="en-US" dirty="0" err="1"/>
-              <a:t>handleAddStudent</a:t>
-            </a:r>
-            <a:r>
-              <a:rPr lang="en-US" dirty="0"/>
-              <a:t>(id, name, phone)</a:t>
-            </a:r>
-          </a:p>
-          <a:p>
-            <a:r>
-              <a:rPr lang="en-US" dirty="0"/>
-              <a:t>   </a:t>
-            </a:r>
-            <a:r>
-              <a:rPr lang="en-US" dirty="0" err="1"/>
-              <a:t>handleRemoveStudent</a:t>
-            </a:r>
-            <a:r>
-              <a:rPr lang="en-US" dirty="0"/>
-              <a:t>(id)</a:t>
-            </a:r>
-          </a:p>
-          <a:p>
-            <a:r>
-              <a:rPr lang="en-US" dirty="0"/>
-              <a:t>   </a:t>
-            </a:r>
-            <a:r>
-              <a:rPr lang="en-US" dirty="0" err="1"/>
-              <a:t>handleSetStudentGrade</a:t>
-            </a:r>
-            <a:r>
-              <a:rPr lang="en-US" dirty="0"/>
-              <a:t>(</a:t>
-            </a:r>
-            <a:r>
-              <a:rPr lang="en-US" dirty="0" err="1"/>
-              <a:t>studentId</a:t>
-            </a:r>
-            <a:r>
-              <a:rPr lang="en-US" dirty="0"/>
-              <a:t>, </a:t>
-            </a:r>
-            <a:r>
-              <a:rPr lang="en-US" dirty="0" err="1"/>
-              <a:t>courseId</a:t>
-            </a:r>
-            <a:r>
-              <a:rPr lang="en-US" dirty="0"/>
-              <a:t>, grade)</a:t>
-            </a:r>
-          </a:p>
-          <a:p>
-            <a:r>
-              <a:rPr lang="en-US" dirty="0"/>
-              <a:t>   </a:t>
-            </a:r>
-            <a:r>
-              <a:rPr lang="en-US" dirty="0" err="1"/>
-              <a:t>handleGetStudentGPA</a:t>
-            </a:r>
-            <a:r>
-              <a:rPr lang="en-US" dirty="0"/>
-              <a:t>( id )</a:t>
-            </a:r>
-          </a:p>
-          <a:p>
-            <a:r>
-              <a:rPr lang="en-US" dirty="0"/>
-              <a:t>   </a:t>
-            </a:r>
-            <a:r>
-              <a:rPr lang="en-US" dirty="0" err="1"/>
-              <a:t>handleReportAllGPA</a:t>
-            </a:r>
-            <a:r>
-              <a:rPr lang="en-US" dirty="0"/>
-              <a:t>()</a:t>
-            </a:r>
-          </a:p>
-          <a:p>
-            <a:r>
-              <a:rPr lang="en-US" dirty="0"/>
-              <a:t>}</a:t>
-            </a:r>
-          </a:p>
-          <a:p>
-            <a:endParaRPr lang="en-US" dirty="0"/>
-          </a:p>
-          <a:p>
-            <a:endParaRPr lang="en-US" dirty="0"/>
-          </a:p>
-          <a:p>
-            <a:r>
-              <a:rPr lang="en-US" dirty="0"/>
-              <a:t>class Student{</a:t>
-            </a:r>
-          </a:p>
-          <a:p>
-            <a:r>
-              <a:rPr lang="en-US" dirty="0"/>
-              <a:t>   id</a:t>
-            </a:r>
-          </a:p>
-          <a:p>
-            <a:r>
-              <a:rPr lang="en-US" dirty="0"/>
-              <a:t>   </a:t>
-            </a:r>
-            <a:r>
-              <a:rPr lang="en-US" dirty="0" err="1"/>
-              <a:t>getGPA</a:t>
-            </a:r>
-            <a:r>
-              <a:rPr lang="en-US" dirty="0"/>
-              <a:t>()</a:t>
-            </a:r>
-          </a:p>
-          <a:p>
-            <a:r>
-              <a:rPr lang="en-US" dirty="0"/>
-              <a:t>   </a:t>
-            </a:r>
-            <a:r>
-              <a:rPr lang="en-US" dirty="0" err="1"/>
-              <a:t>setGrade</a:t>
-            </a:r>
-            <a:r>
-              <a:rPr lang="en-US" dirty="0"/>
-              <a:t>(</a:t>
-            </a:r>
-            <a:r>
-              <a:rPr lang="en-US" dirty="0" err="1"/>
-              <a:t>courseId</a:t>
-            </a:r>
-            <a:r>
-              <a:rPr lang="en-US" dirty="0"/>
-              <a:t>, grade)</a:t>
-            </a:r>
-          </a:p>
-          <a:p>
-            <a:r>
-              <a:rPr lang="en-US" dirty="0"/>
-              <a:t>}</a:t>
-            </a:r>
-          </a:p>
-          <a:p>
-            <a:endParaRPr lang="en-US" dirty="0"/>
-          </a:p>
-          <a:p>
-            <a:r>
-              <a:rPr lang="en-US" dirty="0"/>
-              <a:t>class </a:t>
-            </a:r>
-            <a:r>
-              <a:rPr lang="en-US" dirty="0" err="1"/>
-              <a:t>GradeRecord</a:t>
-            </a:r>
-            <a:r>
-              <a:rPr lang="en-US" dirty="0"/>
-              <a:t> {</a:t>
-            </a:r>
-          </a:p>
-          <a:p>
-            <a:r>
-              <a:rPr lang="en-US" dirty="0"/>
-              <a:t>   </a:t>
-            </a:r>
-            <a:r>
-              <a:rPr lang="en-US" dirty="0" err="1"/>
-              <a:t>calculateGPA</a:t>
-            </a:r>
-            <a:r>
-              <a:rPr lang="en-US" dirty="0"/>
-              <a:t>() : double</a:t>
-            </a:r>
-          </a:p>
-          <a:p>
-            <a:r>
-              <a:rPr lang="en-US" dirty="0"/>
-              <a:t>   </a:t>
-            </a:r>
-            <a:r>
-              <a:rPr lang="en-US" dirty="0" err="1"/>
-              <a:t>setGrade</a:t>
-            </a:r>
-            <a:r>
-              <a:rPr lang="en-US" dirty="0"/>
-              <a:t>(</a:t>
-            </a:r>
-            <a:r>
-              <a:rPr lang="en-US" dirty="0" err="1"/>
-              <a:t>courseId</a:t>
-            </a:r>
-            <a:r>
-              <a:rPr lang="en-US" dirty="0"/>
-              <a:t>, grade)</a:t>
-            </a:r>
-          </a:p>
-          <a:p>
-            <a:r>
-              <a:rPr lang="en-US" dirty="0"/>
-              <a:t>}</a:t>
-            </a:r>
-          </a:p>
-          <a:p>
-            <a:endParaRPr lang="en-US" dirty="0"/>
-          </a:p>
-          <a:p>
-            <a:r>
-              <a:rPr lang="en-US" dirty="0"/>
-              <a:t>class </a:t>
-            </a:r>
-            <a:r>
-              <a:rPr lang="en-US" dirty="0" err="1"/>
-              <a:t>CourseGrade</a:t>
-            </a:r>
-            <a:r>
-              <a:rPr lang="en-US" dirty="0"/>
-              <a:t> {</a:t>
-            </a:r>
-          </a:p>
-          <a:p>
-            <a:r>
-              <a:rPr lang="en-US" dirty="0"/>
-              <a:t>   </a:t>
-            </a:r>
-            <a:r>
-              <a:rPr lang="en-US" dirty="0" err="1"/>
-              <a:t>courseId</a:t>
-            </a:r>
-            <a:endParaRPr lang="en-US" dirty="0"/>
-          </a:p>
-          <a:p>
-            <a:r>
-              <a:rPr lang="en-US" dirty="0"/>
-              <a:t>   grade</a:t>
-            </a:r>
-          </a:p>
-          <a:p>
-            <a:r>
-              <a:rPr lang="en-US" dirty="0"/>
-              <a:t>   </a:t>
-            </a:r>
-            <a:r>
-              <a:rPr lang="en-US" dirty="0" err="1"/>
-              <a:t>wasRetaken</a:t>
-            </a:r>
-            <a:endParaRPr lang="en-US" dirty="0"/>
-          </a:p>
-          <a:p>
-            <a:r>
-              <a:rPr lang="en-US" dirty="0"/>
-              <a:t>}</a:t>
-            </a:r>
-          </a:p>
-          <a:p>
-            <a:endParaRPr lang="en-US" dirty="0"/>
-          </a:p>
-          <a:p>
-            <a:endParaRPr lang="en-US" dirty="0"/>
-          </a:p>
-          <a:p>
-            <a:r>
-              <a:rPr lang="en-US" dirty="0"/>
-              <a:t>class </a:t>
-            </a:r>
-            <a:r>
-              <a:rPr lang="en-US" dirty="0" err="1"/>
-              <a:t>StudentNameRecord</a:t>
-            </a:r>
-            <a:r>
-              <a:rPr lang="en-US" dirty="0"/>
-              <a:t> {</a:t>
-            </a:r>
-          </a:p>
-          <a:p>
-            <a:r>
-              <a:rPr lang="en-US" dirty="0"/>
-              <a:t>first</a:t>
-            </a:r>
-          </a:p>
-          <a:p>
-            <a:r>
-              <a:rPr lang="en-US" dirty="0"/>
-              <a:t>middle</a:t>
-            </a:r>
-          </a:p>
-          <a:p>
-            <a:r>
-              <a:rPr lang="en-US" dirty="0"/>
-              <a:t>last</a:t>
-            </a:r>
-          </a:p>
-          <a:p>
-            <a:r>
-              <a:rPr lang="en-US" dirty="0"/>
-              <a:t>}</a:t>
-            </a:r>
-          </a:p>
-          <a:p>
-            <a:endParaRPr lang="en-US" dirty="0"/>
-          </a:p>
-          <a:p>
-            <a:r>
-              <a:rPr lang="en-US" dirty="0"/>
-              <a:t>class </a:t>
-            </a:r>
-            <a:r>
-              <a:rPr lang="en-US" dirty="0" err="1"/>
-              <a:t>StudentPhoneRecord</a:t>
-            </a:r>
-            <a:r>
-              <a:rPr lang="en-US" dirty="0"/>
-              <a:t> {</a:t>
-            </a:r>
-          </a:p>
-          <a:p>
-            <a:r>
-              <a:rPr lang="en-US" dirty="0" err="1"/>
-              <a:t>areaCode</a:t>
-            </a:r>
-            <a:endParaRPr lang="en-US" dirty="0"/>
-          </a:p>
-          <a:p>
-            <a:r>
-              <a:rPr lang="en-US" dirty="0" err="1"/>
-              <a:t>localNumber</a:t>
-            </a:r>
-            <a:endParaRPr lang="en-US" dirty="0"/>
-          </a:p>
-          <a:p>
-            <a:r>
-              <a:rPr lang="en-US" dirty="0"/>
-              <a:t>}</a:t>
-            </a:r>
-          </a:p>
-          <a:p>
-            <a:endParaRPr lang="en-US" dirty="0"/>
-          </a:p>
-          <a:p>
-            <a:endParaRPr lang="en-US" dirty="0"/>
-          </a:p>
-          <a:p>
-            <a:r>
-              <a:rPr lang="en-US" dirty="0" err="1"/>
-              <a:t>GradeRecord</a:t>
-            </a:r>
-            <a:r>
-              <a:rPr lang="en-US" dirty="0"/>
-              <a:t> -&gt; "*" </a:t>
-            </a:r>
-            <a:r>
-              <a:rPr lang="en-US" dirty="0" err="1"/>
-              <a:t>CourseGrade</a:t>
-            </a:r>
-            <a:r>
-              <a:rPr lang="en-US" dirty="0"/>
-              <a:t> </a:t>
-            </a:r>
-          </a:p>
-          <a:p>
-            <a:r>
-              <a:rPr lang="en-US" dirty="0" err="1"/>
-              <a:t>SchoolMain</a:t>
-            </a:r>
-            <a:r>
-              <a:rPr lang="en-US" dirty="0"/>
-              <a:t> -&gt; "*" Student</a:t>
-            </a:r>
-          </a:p>
-          <a:p>
-            <a:r>
-              <a:rPr lang="en-US" dirty="0"/>
-              <a:t>Student -&gt;  </a:t>
-            </a:r>
-            <a:r>
-              <a:rPr lang="en-US" dirty="0" err="1"/>
-              <a:t>GradeRecord</a:t>
-            </a:r>
-            <a:endParaRPr lang="en-US" dirty="0"/>
-          </a:p>
-          <a:p>
-            <a:r>
-              <a:rPr lang="en-US" dirty="0"/>
-              <a:t>Student -&gt; </a:t>
-            </a:r>
-            <a:r>
-              <a:rPr lang="en-US" dirty="0" err="1"/>
-              <a:t>StudentNameRecord</a:t>
-            </a:r>
-            <a:r>
-              <a:rPr lang="en-US" dirty="0"/>
-              <a:t> </a:t>
-            </a:r>
-          </a:p>
-          <a:p>
-            <a:r>
-              <a:rPr lang="en-US" dirty="0"/>
-              <a:t>Student -&gt; </a:t>
-            </a:r>
-            <a:r>
-              <a:rPr lang="en-US" dirty="0" err="1"/>
-              <a:t>StudentPhoneRecord</a:t>
-            </a:r>
-            <a:endParaRPr lang="en-US" dirty="0"/>
-          </a:p>
-          <a:p>
-            <a:r>
-              <a:rPr lang="en-US" dirty="0"/>
-              <a:t>@</a:t>
-            </a:r>
-            <a:r>
-              <a:rPr lang="en-US" dirty="0" err="1"/>
-              <a:t>enduml</a:t>
-            </a:r>
-            <a:endParaRPr lang="en-US" dirty="0"/>
-          </a:p>
         </p:txBody>
       </p:sp>
       <p:sp>
         <p:nvSpPr>
-          <p:cNvPr id="4" name="Slide Number Placeholder 3"/>
+          <p:cNvPr id="43012" name="Slide Number Placeholder 3"/>
           <p:cNvSpPr>
             <a:spLocks noGrp="1"/>
           </p:cNvSpPr>
           <p:nvPr>
-            <p:ph type="sldNum" sz="quarter" idx="10"/>
+            <p:ph type="sldNum" sz="quarter" idx="5"/>
           </p:nvPr>
         </p:nvSpPr>
-        <p:spPr/>
+        <p:spPr>
+          <a:noFill/>
+          <a:ln/>
+          <a:extLst>
+            <a:ext uri="{909E8E84-426E-40dd-AFC4-6F175D3DCCD1}">
+              <a14:hiddenFill xmlns:a14="http://schemas.microsoft.com/office/drawing/2010/main" xmlns="">
+                <a:solidFill>
+                  <a:srgbClr val="FFFFFF"/>
+                </a:solidFill>
+              </a14:hiddenFill>
+            </a:ext>
+            <a:ext uri="{91240B29-F687-4f45-9708-019B960494DF}">
+              <a14:hiddenLine xmlns:a14="http://schemas.microsoft.com/office/drawing/2010/main" xmlns="" w="9525">
+                <a:solidFill>
+                  <a:srgbClr val="000000"/>
+                </a:solidFill>
+                <a:miter lim="800000"/>
+                <a:headEnd/>
+                <a:tailEnd/>
+              </a14:hiddenLine>
+            </a:ext>
+          </a:extLst>
+        </p:spPr>
         <p:txBody>
           <a:bodyPr/>
-          <a:lstStyle/>
-          <a:p>
-            <a:fld id="{AC522A93-4968-4B29-BB16-64A778254383}" type="slidenum">
-              <a:rPr lang="en-US" smtClean="0"/>
-              <a:t>54</a:t>
+          <a:lstStyle>
+            <a:lvl1pPr defTabSz="896442" eaLnBrk="0" hangingPunct="0">
+              <a:defRPr>
+                <a:solidFill>
+                  <a:schemeClr val="tx1"/>
+                </a:solidFill>
+                <a:latin typeface="Arial" charset="0"/>
+                <a:cs typeface="Arial" charset="0"/>
+              </a:defRPr>
+            </a:lvl1pPr>
+            <a:lvl2pPr marL="702738" indent="-270283" defTabSz="896442" eaLnBrk="0" hangingPunct="0">
+              <a:defRPr>
+                <a:solidFill>
+                  <a:schemeClr val="tx1"/>
+                </a:solidFill>
+                <a:latin typeface="Arial" charset="0"/>
+                <a:cs typeface="Arial" charset="0"/>
+              </a:defRPr>
+            </a:lvl2pPr>
+            <a:lvl3pPr marL="1081135" indent="-216227" defTabSz="896442" eaLnBrk="0" hangingPunct="0">
+              <a:defRPr>
+                <a:solidFill>
+                  <a:schemeClr val="tx1"/>
+                </a:solidFill>
+                <a:latin typeface="Arial" charset="0"/>
+                <a:cs typeface="Arial" charset="0"/>
+              </a:defRPr>
+            </a:lvl3pPr>
+            <a:lvl4pPr marL="1513590" indent="-216227" defTabSz="896442" eaLnBrk="0" hangingPunct="0">
+              <a:defRPr>
+                <a:solidFill>
+                  <a:schemeClr val="tx1"/>
+                </a:solidFill>
+                <a:latin typeface="Arial" charset="0"/>
+                <a:cs typeface="Arial" charset="0"/>
+              </a:defRPr>
+            </a:lvl4pPr>
+            <a:lvl5pPr marL="1946044" indent="-216227" defTabSz="896442" eaLnBrk="0" hangingPunct="0">
+              <a:defRPr>
+                <a:solidFill>
+                  <a:schemeClr val="tx1"/>
+                </a:solidFill>
+                <a:latin typeface="Arial" charset="0"/>
+                <a:cs typeface="Arial" charset="0"/>
+              </a:defRPr>
+            </a:lvl5pPr>
+            <a:lvl6pPr marL="2378498" indent="-216227" defTabSz="896442" eaLnBrk="0" fontAlgn="base" hangingPunct="0">
+              <a:spcBef>
+                <a:spcPct val="0"/>
+              </a:spcBef>
+              <a:spcAft>
+                <a:spcPct val="0"/>
+              </a:spcAft>
+              <a:defRPr>
+                <a:solidFill>
+                  <a:schemeClr val="tx1"/>
+                </a:solidFill>
+                <a:latin typeface="Arial" charset="0"/>
+                <a:cs typeface="Arial" charset="0"/>
+              </a:defRPr>
+            </a:lvl6pPr>
+            <a:lvl7pPr marL="2810952" indent="-216227" defTabSz="896442" eaLnBrk="0" fontAlgn="base" hangingPunct="0">
+              <a:spcBef>
+                <a:spcPct val="0"/>
+              </a:spcBef>
+              <a:spcAft>
+                <a:spcPct val="0"/>
+              </a:spcAft>
+              <a:defRPr>
+                <a:solidFill>
+                  <a:schemeClr val="tx1"/>
+                </a:solidFill>
+                <a:latin typeface="Arial" charset="0"/>
+                <a:cs typeface="Arial" charset="0"/>
+              </a:defRPr>
+            </a:lvl7pPr>
+            <a:lvl8pPr marL="3243406" indent="-216227" defTabSz="896442" eaLnBrk="0" fontAlgn="base" hangingPunct="0">
+              <a:spcBef>
+                <a:spcPct val="0"/>
+              </a:spcBef>
+              <a:spcAft>
+                <a:spcPct val="0"/>
+              </a:spcAft>
+              <a:defRPr>
+                <a:solidFill>
+                  <a:schemeClr val="tx1"/>
+                </a:solidFill>
+                <a:latin typeface="Arial" charset="0"/>
+                <a:cs typeface="Arial" charset="0"/>
+              </a:defRPr>
+            </a:lvl8pPr>
+            <a:lvl9pPr marL="3675860" indent="-216227" defTabSz="896442" eaLnBrk="0" fontAlgn="base" hangingPunct="0">
+              <a:spcBef>
+                <a:spcPct val="0"/>
+              </a:spcBef>
+              <a:spcAft>
+                <a:spcPct val="0"/>
+              </a:spcAft>
+              <a:defRPr>
+                <a:solidFill>
+                  <a:schemeClr val="tx1"/>
+                </a:solidFill>
+                <a:latin typeface="Arial" charset="0"/>
+                <a:cs typeface="Arial" charset="0"/>
+              </a:defRPr>
+            </a:lvl9pPr>
+          </a:lstStyle>
+          <a:p>
+            <a:pPr eaLnBrk="1" hangingPunct="1"/>
+            <a:fld id="{28EA5453-CCAC-4335-A793-9CD8F74FF1E9}" type="slidenum">
+              <a:rPr lang="en-US" smtClean="0">
+                <a:latin typeface="Calibri" pitchFamily="34" charset="0"/>
+              </a:rPr>
+              <a:pPr eaLnBrk="1" hangingPunct="1"/>
+              <a:t>58</a:t>
             </a:fld>
-            <a:endParaRPr lang="en-US"/>
+            <a:endParaRPr lang="en-US">
+              <a:latin typeface="Calibri" pitchFamily="34" charset="0"/>
+            </a:endParaRPr>
           </a:p>
         </p:txBody>
       </p:sp>
     </p:spTree>
     <p:extLst>
       <p:ext uri="{BB962C8B-B14F-4D97-AF65-F5344CB8AC3E}">
-        <p14:creationId xmlns:p14="http://schemas.microsoft.com/office/powerpoint/2010/main" val="3241141951"/>
+        <p14:creationId xmlns:p14="http://schemas.microsoft.com/office/powerpoint/2010/main" val="3036732224"/>
       </p:ext>
     </p:extLst>
   </p:cSld>
@@ -6389,7 +6552,7 @@
       </p:grpSpPr>
       <p:sp>
         <p:nvSpPr>
-          <p:cNvPr id="43010" name="Slide Image Placeholder 1"/>
+          <p:cNvPr id="45058" name="Slide Image Placeholder 1"/>
           <p:cNvSpPr>
             <a:spLocks noGrp="1" noRot="1" noChangeAspect="1" noTextEdit="1"/>
           </p:cNvSpPr>
@@ -6409,7 +6572,7 @@
           </a:ln>
           <a:extLst>
             <a:ext uri="{909E8E84-426E-40dd-AFC4-6F175D3DCCD1}">
-              <a14:hiddenFill xmlns="" xmlns:a14="http://schemas.microsoft.com/office/drawing/2010/main">
+              <a14:hiddenFill xmlns:a14="http://schemas.microsoft.com/office/drawing/2010/main" xmlns="">
                 <a:solidFill>
                   <a:srgbClr val="FFFFFF"/>
                 </a:solidFill>
@@ -6420,7 +6583,7 @@
       </p:sp>
       <p:sp>
         <p:nvSpPr>
-          <p:cNvPr id="43011" name="Notes Placeholder 2"/>
+          <p:cNvPr id="45059" name="Notes Placeholder 2"/>
           <p:cNvSpPr>
             <a:spLocks noGrp="1"/>
           </p:cNvSpPr>
@@ -6433,14 +6596,14 @@
           <a:ln/>
           <a:extLst>
             <a:ext uri="{909E8E84-426E-40dd-AFC4-6F175D3DCCD1}">
-              <a14:hiddenFill xmlns="" xmlns:a14="http://schemas.microsoft.com/office/drawing/2010/main">
+              <a14:hiddenFill xmlns:a14="http://schemas.microsoft.com/office/drawing/2010/main" xmlns="">
                 <a:solidFill>
                   <a:srgbClr val="FFFFFF"/>
                 </a:solidFill>
               </a14:hiddenFill>
             </a:ext>
             <a:ext uri="{91240B29-F687-4f45-9708-019B960494DF}">
-              <a14:hiddenLine xmlns="" xmlns:a14="http://schemas.microsoft.com/office/drawing/2010/main" w="9525">
+              <a14:hiddenLine xmlns:a14="http://schemas.microsoft.com/office/drawing/2010/main" xmlns="" w="9525">
                 <a:solidFill>
                   <a:srgbClr val="000000"/>
                 </a:solidFill>
@@ -6455,54 +6618,106 @@
           <a:bodyPr/>
           <a:lstStyle/>
           <a:p>
-            <a:r>
-              <a:rPr lang="en-US" dirty="0"/>
-              <a:t>Scope refers to the lifetime and accessibility of a variable. </a:t>
-            </a:r>
-          </a:p>
-          <a:p>
-            <a:r>
-              <a:rPr lang="en-US" dirty="0"/>
-              <a:t>How large the scope is depends on where a variable is declared. For example, if a variable is declared at the top of a class then it will be accessible to all of the class methods. If it’s declared in a method then it can only be used in that method.</a:t>
-            </a:r>
-          </a:p>
-          <a:p>
-            <a:r>
-              <a:rPr lang="en-US" dirty="0"/>
-              <a:t>Show scope of:</a:t>
-            </a:r>
-          </a:p>
-          <a:p>
-            <a:r>
-              <a:rPr lang="en-US" dirty="0"/>
-              <a:t>- sum</a:t>
-            </a:r>
-          </a:p>
-          <a:p>
-            <a:r>
-              <a:rPr lang="en-US" dirty="0"/>
-              <a:t>- </a:t>
-            </a:r>
+            <a:pPr>
+              <a:buFontTx/>
+              <a:buChar char="-"/>
+            </a:pPr>
             <a:r>
               <a:rPr lang="en-US" dirty="0" err="1"/>
-              <a:t>prev</a:t>
+              <a:t>this.temp</a:t>
+            </a:r>
+            <a:r>
+              <a:rPr lang="en-US" dirty="0"/>
+              <a:t> = temp; line is animated</a:t>
+            </a:r>
+          </a:p>
+          <a:p>
+            <a:pPr>
+              <a:buFontTx/>
+              <a:buChar char="-"/>
+            </a:pPr>
+            <a:r>
+              <a:rPr lang="en-US" dirty="0"/>
+              <a:t>The scope of </a:t>
+            </a:r>
+            <a:r>
+              <a:rPr lang="en-US" dirty="0" err="1"/>
+              <a:t>this.temp</a:t>
+            </a:r>
+            <a:r>
+              <a:rPr lang="en-US" dirty="0"/>
+              <a:t> overlaps with the scope of the parameter temp.  </a:t>
+            </a:r>
+          </a:p>
+          <a:p>
+            <a:pPr>
+              <a:buFontTx/>
+              <a:buChar char="-"/>
+            </a:pPr>
+            <a:r>
+              <a:rPr lang="en-US" dirty="0"/>
+              <a:t>In Java,</a:t>
+            </a:r>
+            <a:r>
+              <a:rPr lang="en-US" baseline="0" dirty="0"/>
+              <a:t> if you do not quality the field with “this”, the local variable shadows the  instance field with the same name (local variable wins!)</a:t>
             </a:r>
             <a:endParaRPr lang="en-US" dirty="0"/>
           </a:p>
           <a:p>
-            <a:r>
-              <a:rPr lang="en-US" dirty="0"/>
-              <a:t>- p</a:t>
-            </a:r>
-          </a:p>
-          <a:p>
+            <a:pPr>
+              <a:buFontTx/>
+              <a:buNone/>
+            </a:pPr>
             <a:endParaRPr lang="en-US" dirty="0"/>
           </a:p>
+          <a:p>
+            <a:pPr>
+              <a:buFontTx/>
+              <a:buChar char="-"/>
+            </a:pPr>
+            <a:r>
+              <a:rPr lang="en-US" dirty="0"/>
+              <a:t>Always… callout is animated</a:t>
+            </a:r>
+          </a:p>
+          <a:p>
+            <a:pPr>
+              <a:buFontTx/>
+              <a:buChar char="-"/>
+            </a:pPr>
+            <a:r>
+              <a:rPr lang="en-US" dirty="0"/>
+              <a:t>this</a:t>
+            </a:r>
+            <a:r>
+              <a:rPr lang="en-US" baseline="0" dirty="0"/>
+              <a:t>  will always recover the instance variable.</a:t>
+            </a:r>
+          </a:p>
+          <a:p>
+            <a:pPr>
+              <a:buFontTx/>
+              <a:buChar char="-"/>
+            </a:pPr>
+            <a:endParaRPr lang="en-US" baseline="0" dirty="0"/>
+          </a:p>
+          <a:p>
+            <a:pPr>
+              <a:buFontTx/>
+              <a:buChar char="-"/>
+            </a:pPr>
+            <a:r>
+              <a:rPr lang="en-US" baseline="0" dirty="0"/>
+              <a:t>Shadowing is hiding a variable by defining another variable with the same name.</a:t>
+            </a:r>
+            <a:endParaRPr lang="en-US" dirty="0"/>
+          </a:p>
         </p:txBody>
       </p:sp>
       <p:sp>
         <p:nvSpPr>
-          <p:cNvPr id="43012" name="Slide Number Placeholder 3"/>
+          <p:cNvPr id="45060" name="Slide Number Placeholder 3"/>
           <p:cNvSpPr>
             <a:spLocks noGrp="1"/>
           </p:cNvSpPr>
@@ -6515,14 +6730,14 @@
           <a:ln/>
           <a:extLst>
             <a:ext uri="{909E8E84-426E-40dd-AFC4-6F175D3DCCD1}">
-              <a14:hiddenFill xmlns="" xmlns:a14="http://schemas.microsoft.com/office/drawing/2010/main">
+              <a14:hiddenFill xmlns:a14="http://schemas.microsoft.com/office/drawing/2010/main" xmlns="">
                 <a:solidFill>
                   <a:srgbClr val="FFFFFF"/>
                 </a:solidFill>
               </a14:hiddenFill>
             </a:ext>
             <a:ext uri="{91240B29-F687-4f45-9708-019B960494DF}">
-              <a14:hiddenLine xmlns="" xmlns:a14="http://schemas.microsoft.com/office/drawing/2010/main" w="9525">
+              <a14:hiddenLine xmlns:a14="http://schemas.microsoft.com/office/drawing/2010/main" xmlns="" w="9525">
                 <a:solidFill>
                   <a:srgbClr val="000000"/>
                 </a:solidFill>
@@ -6644,12 +6859,12 @@
           </a:lstStyle>
           <a:p>
             <a:pPr eaLnBrk="1" hangingPunct="1"/>
-            <a:fld id="{28EA5453-CCAC-4335-A793-9CD8F74FF1E9}" type="slidenum">
+            <a:fld id="{F20168F8-F7A1-4FBA-B834-4B84551BC123}" type="slidenum">
               <a:rPr lang="en-US" smtClean="0">
                 <a:latin typeface="Calibri" pitchFamily="34" charset="0"/>
               </a:rPr>
               <a:pPr eaLnBrk="1" hangingPunct="1"/>
-              <a:t>59</a:t>
+              <a:t>60</a:t>
             </a:fld>
             <a:endParaRPr lang="en-US">
               <a:latin typeface="Calibri" pitchFamily="34" charset="0"/>
@@ -6660,7 +6875,7 @@
     </p:spTree>
     <p:extLst>
       <p:ext uri="{BB962C8B-B14F-4D97-AF65-F5344CB8AC3E}">
-        <p14:creationId xmlns:p14="http://schemas.microsoft.com/office/powerpoint/2010/main" val="3036732224"/>
+        <p14:creationId xmlns:p14="http://schemas.microsoft.com/office/powerpoint/2010/main" val="615341163"/>
       </p:ext>
     </p:extLst>
   </p:cSld>
@@ -6689,38 +6904,19 @@
       </p:grpSpPr>
       <p:sp>
         <p:nvSpPr>
-          <p:cNvPr id="45058" name="Slide Image Placeholder 1"/>
+          <p:cNvPr id="2" name="Slide Image Placeholder 1"/>
           <p:cNvSpPr>
-            <a:spLocks noGrp="1" noRot="1" noChangeAspect="1" noTextEdit="1"/>
+            <a:spLocks noGrp="1" noRot="1" noChangeAspect="1"/>
           </p:cNvSpPr>
           <p:nvPr>
             <p:ph type="sldImg"/>
           </p:nvPr>
         </p:nvSpPr>
-        <p:spPr bwMode="auto">
-          <a:noFill/>
-          <a:ln>
-            <a:solidFill>
-              <a:srgbClr val="000000"/>
-            </a:solidFill>
-            <a:miter lim="800000"/>
-            <a:headEnd/>
-            <a:tailEnd/>
-          </a:ln>
-          <a:extLst>
-            <a:ext uri="{909E8E84-426E-40dd-AFC4-6F175D3DCCD1}">
-              <a14:hiddenFill xmlns="" xmlns:a14="http://schemas.microsoft.com/office/drawing/2010/main">
-                <a:solidFill>
-                  <a:srgbClr val="FFFFFF"/>
-                </a:solidFill>
-              </a14:hiddenFill>
-            </a:ext>
-          </a:extLst>
-        </p:spPr>
-      </p:sp>
-      <p:sp>
-        <p:nvSpPr>
-          <p:cNvPr id="45059" name="Notes Placeholder 2"/>
+        <p:spPr/>
+      </p:sp>
+      <p:sp>
+        <p:nvSpPr>
+          <p:cNvPr id="3" name="Notes Placeholder 2"/>
           <p:cNvSpPr>
             <a:spLocks noGrp="1"/>
           </p:cNvSpPr>
@@ -6728,291 +6924,43 @@
             <p:ph type="body" idx="1"/>
           </p:nvPr>
         </p:nvSpPr>
-        <p:spPr>
-          <a:noFill/>
-          <a:ln/>
-          <a:extLst>
-            <a:ext uri="{909E8E84-426E-40dd-AFC4-6F175D3DCCD1}">
-              <a14:hiddenFill xmlns="" xmlns:a14="http://schemas.microsoft.com/office/drawing/2010/main">
-                <a:solidFill>
-                  <a:srgbClr val="FFFFFF"/>
-                </a:solidFill>
-              </a14:hiddenFill>
-            </a:ext>
-            <a:ext uri="{91240B29-F687-4f45-9708-019B960494DF}">
-              <a14:hiddenLine xmlns="" xmlns:a14="http://schemas.microsoft.com/office/drawing/2010/main" w="9525">
-                <a:solidFill>
-                  <a:srgbClr val="000000"/>
-                </a:solidFill>
-                <a:miter lim="800000"/>
-                <a:headEnd/>
-                <a:tailEnd/>
-              </a14:hiddenLine>
-            </a:ext>
-          </a:extLst>
-        </p:spPr>
+        <p:spPr/>
         <p:txBody>
           <a:bodyPr/>
           <a:lstStyle/>
           <a:p>
-            <a:pPr>
-              <a:buFontTx/>
-              <a:buChar char="-"/>
-            </a:pPr>
-            <a:r>
-              <a:rPr lang="en-US" dirty="0" err="1"/>
-              <a:t>this.temp</a:t>
-            </a:r>
-            <a:r>
-              <a:rPr lang="en-US" dirty="0"/>
-              <a:t> = temp; line is animated</a:t>
-            </a:r>
-          </a:p>
-          <a:p>
-            <a:pPr>
-              <a:buFontTx/>
-              <a:buChar char="-"/>
-            </a:pPr>
-            <a:r>
-              <a:rPr lang="en-US" dirty="0"/>
-              <a:t>The scope of </a:t>
-            </a:r>
-            <a:r>
-              <a:rPr lang="en-US" dirty="0" err="1"/>
-              <a:t>this.temp</a:t>
-            </a:r>
-            <a:r>
-              <a:rPr lang="en-US" dirty="0"/>
-              <a:t> overlaps with the scope of the parameter temp.  </a:t>
-            </a:r>
-          </a:p>
-          <a:p>
-            <a:pPr>
-              <a:buFontTx/>
-              <a:buChar char="-"/>
-            </a:pPr>
-            <a:r>
-              <a:rPr lang="en-US" dirty="0"/>
-              <a:t>In Java,</a:t>
-            </a:r>
-            <a:r>
-              <a:rPr lang="en-US" baseline="0" dirty="0"/>
-              <a:t> if you do not quality the field with “this”, the local variable shadows the  instance field with the same name (local variable wins!)</a:t>
-            </a:r>
-            <a:endParaRPr lang="en-US" dirty="0"/>
-          </a:p>
-          <a:p>
-            <a:pPr>
-              <a:buFontTx/>
-              <a:buNone/>
-            </a:pPr>
-            <a:endParaRPr lang="en-US" dirty="0"/>
-          </a:p>
-          <a:p>
-            <a:pPr>
-              <a:buFontTx/>
-              <a:buChar char="-"/>
-            </a:pPr>
-            <a:r>
-              <a:rPr lang="en-US" dirty="0"/>
-              <a:t>Always… callout is animated</a:t>
-            </a:r>
-          </a:p>
-          <a:p>
-            <a:pPr>
-              <a:buFontTx/>
-              <a:buChar char="-"/>
-            </a:pPr>
-            <a:r>
-              <a:rPr lang="en-US" dirty="0"/>
-              <a:t>this</a:t>
-            </a:r>
-            <a:r>
-              <a:rPr lang="en-US" baseline="0" dirty="0"/>
-              <a:t>  will always recover the instance variable.</a:t>
-            </a:r>
-          </a:p>
-          <a:p>
-            <a:pPr>
-              <a:buFontTx/>
-              <a:buChar char="-"/>
-            </a:pPr>
-            <a:endParaRPr lang="en-US" baseline="0" dirty="0"/>
-          </a:p>
-          <a:p>
-            <a:pPr>
-              <a:buFontTx/>
-              <a:buChar char="-"/>
-            </a:pPr>
-            <a:r>
-              <a:rPr lang="en-US" baseline="0" dirty="0"/>
-              <a:t>Shadowing is hiding a variable by defining another variable with the same name.</a:t>
-            </a:r>
-            <a:endParaRPr lang="en-US" dirty="0"/>
+            <a:endParaRPr lang="en-US"/>
           </a:p>
         </p:txBody>
       </p:sp>
       <p:sp>
         <p:nvSpPr>
-          <p:cNvPr id="45060" name="Slide Number Placeholder 3"/>
+          <p:cNvPr id="4" name="Slide Number Placeholder 3"/>
           <p:cNvSpPr>
             <a:spLocks noGrp="1"/>
           </p:cNvSpPr>
           <p:nvPr>
-            <p:ph type="sldNum" sz="quarter" idx="5"/>
+            <p:ph type="sldNum" sz="quarter" idx="10"/>
           </p:nvPr>
         </p:nvSpPr>
-        <p:spPr>
-          <a:noFill/>
-          <a:ln/>
-          <a:extLst>
-            <a:ext uri="{909E8E84-426E-40dd-AFC4-6F175D3DCCD1}">
-              <a14:hiddenFill xmlns="" xmlns:a14="http://schemas.microsoft.com/office/drawing/2010/main">
-                <a:solidFill>
-                  <a:srgbClr val="FFFFFF"/>
-                </a:solidFill>
-              </a14:hiddenFill>
-            </a:ext>
-            <a:ext uri="{91240B29-F687-4f45-9708-019B960494DF}">
-              <a14:hiddenLine xmlns="" xmlns:a14="http://schemas.microsoft.com/office/drawing/2010/main" w="9525">
-                <a:solidFill>
-                  <a:srgbClr val="000000"/>
-                </a:solidFill>
-                <a:miter lim="800000"/>
-                <a:headEnd/>
-                <a:tailEnd/>
-              </a14:hiddenLine>
-            </a:ext>
-          </a:extLst>
-        </p:spPr>
+        <p:spPr/>
         <p:txBody>
           <a:bodyPr/>
-          <a:lstStyle>
-            <a:lvl1pPr defTabSz="896442" eaLnBrk="0" hangingPunct="0">
-              <a:defRPr>
-                <a:solidFill>
-                  <a:schemeClr val="tx1"/>
-                </a:solidFill>
-                <a:latin typeface="Arial" charset="0"/>
-                <a:cs typeface="Arial" charset="0"/>
-              </a:defRPr>
-            </a:lvl1pPr>
-            <a:lvl2pPr marL="702738" indent="-270283" defTabSz="896442" eaLnBrk="0" hangingPunct="0">
-              <a:defRPr>
-                <a:solidFill>
-                  <a:schemeClr val="tx1"/>
-                </a:solidFill>
-                <a:latin typeface="Arial" charset="0"/>
-                <a:cs typeface="Arial" charset="0"/>
-              </a:defRPr>
-            </a:lvl2pPr>
-            <a:lvl3pPr marL="1081135" indent="-216227" defTabSz="896442" eaLnBrk="0" hangingPunct="0">
-              <a:defRPr>
-                <a:solidFill>
-                  <a:schemeClr val="tx1"/>
-                </a:solidFill>
-                <a:latin typeface="Arial" charset="0"/>
-                <a:cs typeface="Arial" charset="0"/>
-              </a:defRPr>
-            </a:lvl3pPr>
-            <a:lvl4pPr marL="1513590" indent="-216227" defTabSz="896442" eaLnBrk="0" hangingPunct="0">
-              <a:defRPr>
-                <a:solidFill>
-                  <a:schemeClr val="tx1"/>
-                </a:solidFill>
-                <a:latin typeface="Arial" charset="0"/>
-                <a:cs typeface="Arial" charset="0"/>
-              </a:defRPr>
-            </a:lvl4pPr>
-            <a:lvl5pPr marL="1946044" indent="-216227" defTabSz="896442" eaLnBrk="0" hangingPunct="0">
-              <a:defRPr>
-                <a:solidFill>
-                  <a:schemeClr val="tx1"/>
-                </a:solidFill>
-                <a:latin typeface="Arial" charset="0"/>
-                <a:cs typeface="Arial" charset="0"/>
-              </a:defRPr>
-            </a:lvl5pPr>
-            <a:lvl6pPr marL="2378498" indent="-216227" defTabSz="896442" eaLnBrk="0" fontAlgn="base" hangingPunct="0">
-              <a:spcBef>
-                <a:spcPct val="0"/>
-              </a:spcBef>
-              <a:spcAft>
-                <a:spcPct val="0"/>
-              </a:spcAft>
-              <a:defRPr>
-                <a:solidFill>
-                  <a:schemeClr val="tx1"/>
-                </a:solidFill>
-                <a:latin typeface="Arial" charset="0"/>
-                <a:cs typeface="Arial" charset="0"/>
-              </a:defRPr>
-            </a:lvl6pPr>
-            <a:lvl7pPr marL="2810952" indent="-216227" defTabSz="896442" eaLnBrk="0" fontAlgn="base" hangingPunct="0">
-              <a:spcBef>
-                <a:spcPct val="0"/>
-              </a:spcBef>
-              <a:spcAft>
-                <a:spcPct val="0"/>
-              </a:spcAft>
-              <a:defRPr>
-                <a:solidFill>
-                  <a:schemeClr val="tx1"/>
-                </a:solidFill>
-                <a:latin typeface="Arial" charset="0"/>
-                <a:cs typeface="Arial" charset="0"/>
-              </a:defRPr>
-            </a:lvl7pPr>
-            <a:lvl8pPr marL="3243406" indent="-216227" defTabSz="896442" eaLnBrk="0" fontAlgn="base" hangingPunct="0">
-              <a:spcBef>
-                <a:spcPct val="0"/>
-              </a:spcBef>
-              <a:spcAft>
-                <a:spcPct val="0"/>
-              </a:spcAft>
-              <a:defRPr>
-                <a:solidFill>
-                  <a:schemeClr val="tx1"/>
-                </a:solidFill>
-                <a:latin typeface="Arial" charset="0"/>
-                <a:cs typeface="Arial" charset="0"/>
-              </a:defRPr>
-            </a:lvl8pPr>
-            <a:lvl9pPr marL="3675860" indent="-216227" defTabSz="896442" eaLnBrk="0" fontAlgn="base" hangingPunct="0">
-              <a:spcBef>
-                <a:spcPct val="0"/>
-              </a:spcBef>
-              <a:spcAft>
-                <a:spcPct val="0"/>
-              </a:spcAft>
-              <a:defRPr>
-                <a:solidFill>
-                  <a:schemeClr val="tx1"/>
-                </a:solidFill>
-                <a:latin typeface="Arial" charset="0"/>
-                <a:cs typeface="Arial" charset="0"/>
-              </a:defRPr>
-            </a:lvl9pPr>
-          </a:lstStyle>
-          <a:p>
-            <a:pPr eaLnBrk="1" hangingPunct="1"/>
-            <a:fld id="{F20168F8-F7A1-4FBA-B834-4B84551BC123}" type="slidenum">
-              <a:rPr lang="en-US" smtClean="0">
-                <a:latin typeface="Calibri" pitchFamily="34" charset="0"/>
-              </a:rPr>
-              <a:pPr eaLnBrk="1" hangingPunct="1"/>
+          <a:lstStyle/>
+          <a:p>
+            <a:fld id="{90F40EB9-23B9-4493-982B-C964CDB367DE}" type="slidenum">
+              <a:rPr lang="en-US" smtClean="0"/>
+              <a:pPr/>
               <a:t>61</a:t>
             </a:fld>
-            <a:endParaRPr lang="en-US">
-              <a:latin typeface="Calibri" pitchFamily="34" charset="0"/>
-            </a:endParaRPr>
+            <a:endParaRPr lang="en-US"/>
           </a:p>
         </p:txBody>
       </p:sp>
     </p:spTree>
     <p:extLst>
       <p:ext uri="{BB962C8B-B14F-4D97-AF65-F5344CB8AC3E}">
-        <p14:creationId xmlns:p14="http://schemas.microsoft.com/office/powerpoint/2010/main" val="615341163"/>
+        <p14:creationId xmlns:p14="http://schemas.microsoft.com/office/powerpoint/2010/main" val="1510813848"/>
       </p:ext>
     </p:extLst>
   </p:cSld>
@@ -7066,7 +7014,7 @@
           <a:bodyPr/>
           <a:lstStyle/>
           <a:p>
-            <a:endParaRPr lang="en-US"/>
+            <a:endParaRPr lang="en-US" dirty="0"/>
           </a:p>
         </p:txBody>
       </p:sp>
@@ -7085,94 +7033,9 @@
           <a:bodyPr/>
           <a:lstStyle/>
           <a:p>
-            <a:fld id="{90F40EB9-23B9-4493-982B-C964CDB367DE}" type="slidenum">
-              <a:rPr lang="en-US" smtClean="0"/>
-              <a:pPr/>
-              <a:t>62</a:t>
-            </a:fld>
-            <a:endParaRPr lang="en-US"/>
-          </a:p>
-        </p:txBody>
-      </p:sp>
-    </p:spTree>
-    <p:extLst>
-      <p:ext uri="{BB962C8B-B14F-4D97-AF65-F5344CB8AC3E}">
-        <p14:creationId xmlns:p14="http://schemas.microsoft.com/office/powerpoint/2010/main" val="1510813848"/>
-      </p:ext>
-    </p:extLst>
-  </p:cSld>
-  <p:clrMapOvr>
-    <a:masterClrMapping/>
-  </p:clrMapOvr>
-</p:notes>
-</file>
-
-<file path=ppt/notesSlides/notesSlide38.xml><?xml version="1.0" encoding="utf-8"?>
-<p:notes xmlns:a="http://schemas.openxmlformats.org/drawingml/2006/main" xmlns:r="http://schemas.openxmlformats.org/officeDocument/2006/relationships" xmlns:p="http://schemas.openxmlformats.org/presentationml/2006/main">
-  <p:cSld>
-    <p:spTree>
-      <p:nvGrpSpPr>
-        <p:cNvPr id="1" name=""/>
-        <p:cNvGrpSpPr/>
-        <p:nvPr/>
-      </p:nvGrpSpPr>
-      <p:grpSpPr>
-        <a:xfrm>
-          <a:off x="0" y="0"/>
-          <a:ext cx="0" cy="0"/>
-          <a:chOff x="0" y="0"/>
-          <a:chExt cx="0" cy="0"/>
-        </a:xfrm>
-      </p:grpSpPr>
-      <p:sp>
-        <p:nvSpPr>
-          <p:cNvPr id="2" name="Slide Image Placeholder 1"/>
-          <p:cNvSpPr>
-            <a:spLocks noGrp="1" noRot="1" noChangeAspect="1"/>
-          </p:cNvSpPr>
-          <p:nvPr>
-            <p:ph type="sldImg"/>
-          </p:nvPr>
-        </p:nvSpPr>
-        <p:spPr/>
-      </p:sp>
-      <p:sp>
-        <p:nvSpPr>
-          <p:cNvPr id="3" name="Notes Placeholder 2"/>
-          <p:cNvSpPr>
-            <a:spLocks noGrp="1"/>
-          </p:cNvSpPr>
-          <p:nvPr>
-            <p:ph type="body" idx="1"/>
-          </p:nvPr>
-        </p:nvSpPr>
-        <p:spPr/>
-        <p:txBody>
-          <a:bodyPr/>
-          <a:lstStyle/>
-          <a:p>
-            <a:endParaRPr lang="en-US" dirty="0"/>
-          </a:p>
-        </p:txBody>
-      </p:sp>
-      <p:sp>
-        <p:nvSpPr>
-          <p:cNvPr id="4" name="Slide Number Placeholder 3"/>
-          <p:cNvSpPr>
-            <a:spLocks noGrp="1"/>
-          </p:cNvSpPr>
-          <p:nvPr>
-            <p:ph type="sldNum" sz="quarter" idx="10"/>
-          </p:nvPr>
-        </p:nvSpPr>
-        <p:spPr/>
-        <p:txBody>
-          <a:bodyPr/>
-          <a:lstStyle/>
-          <a:p>
             <a:fld id="{AC522A93-4968-4B29-BB16-64A778254383}" type="slidenum">
               <a:rPr lang="en-US" smtClean="0"/>
-              <a:t>63</a:t>
+              <a:t>62</a:t>
             </a:fld>
             <a:endParaRPr lang="en-US"/>
           </a:p>
@@ -15718,192 +15581,6 @@
           <a:p>
             <a:r>
               <a:rPr lang="en-US" dirty="0"/>
-              <a:t>Eliminate manager </a:t>
-            </a:r>
-            <a:r>
-              <a:rPr lang="en-US" dirty="0">
-                <a:highlight>
-                  <a:srgbClr val="FFFF00"/>
-                </a:highlight>
-              </a:rPr>
-              <a:t>name</a:t>
-            </a:r>
-            <a:r>
-              <a:rPr lang="en-US" dirty="0"/>
-              <a:t> field!</a:t>
-            </a:r>
-          </a:p>
-        </p:txBody>
-      </p:sp>
-      <p:sp>
-        <p:nvSpPr>
-          <p:cNvPr id="4" name="TextBox 3"/>
-          <p:cNvSpPr txBox="1"/>
-          <p:nvPr/>
-        </p:nvSpPr>
-        <p:spPr>
-          <a:xfrm>
-            <a:off x="838200" y="3657600"/>
-            <a:ext cx="7620000" cy="1815882"/>
-          </a:xfrm>
-          <a:prstGeom prst="rect">
-            <a:avLst/>
-          </a:prstGeom>
-          <a:noFill/>
-        </p:spPr>
-        <p:txBody>
-          <a:bodyPr wrap="square" rtlCol="0">
-            <a:spAutoFit/>
-          </a:bodyPr>
-          <a:lstStyle/>
-          <a:p>
-            <a:r>
-              <a:rPr lang="en-US" sz="2800" dirty="0"/>
-              <a:t>In fact, we don’t even need the “name” field in the Manager class – the Manager is an Employee</a:t>
-            </a:r>
-          </a:p>
-          <a:p>
-            <a:endParaRPr lang="en-US" sz="2800" dirty="0"/>
-          </a:p>
-          <a:p>
-            <a:r>
-              <a:rPr lang="en-US" sz="2800" dirty="0">
-                <a:highlight>
-                  <a:srgbClr val="FFFF00"/>
-                </a:highlight>
-              </a:rPr>
-              <a:t>Basic data principle: Avoid duplication of data</a:t>
-            </a:r>
-          </a:p>
-        </p:txBody>
-      </p:sp>
-      <p:pic>
-        <p:nvPicPr>
-          <p:cNvPr id="3" name="Picture 2" descr="https://lh6.googleusercontent.com/RDfrU9GrvrHp9Xi4AUeFnx1Id0j9Eu8KsvyLcYfC3MaO1TMzis95pHYmzJGZ7Gbl4BkgBlF2dGfjBbgtjz0vZ41bdg22d8pLoBuisa9Ilkq2vpDtRHdXQOtMXW-SbrJzauCHYumm">
-            <a:hlinkClick r:id="rId3"/>
-          </p:cNvPr>
-          <p:cNvPicPr>
-            <a:picLocks noChangeAspect="1" noChangeArrowheads="1"/>
-          </p:cNvPicPr>
-          <p:nvPr/>
-        </p:nvPicPr>
-        <p:blipFill>
-          <a:blip r:embed="rId4">
-            <a:extLst>
-              <a:ext uri="{28A0092B-C50C-407E-A947-70E740481C1C}">
-                <a14:useLocalDpi xmlns:a14="http://schemas.microsoft.com/office/drawing/2010/main" val="0"/>
-              </a:ext>
-            </a:extLst>
-          </a:blip>
-          <a:srcRect/>
-          <a:stretch>
-            <a:fillRect/>
-          </a:stretch>
-        </p:blipFill>
-        <p:spPr bwMode="auto">
-          <a:xfrm>
-            <a:off x="505312" y="1417638"/>
-            <a:ext cx="8151217" cy="1828800"/>
-          </a:xfrm>
-          <a:prstGeom prst="rect">
-            <a:avLst/>
-          </a:prstGeom>
-          <a:noFill/>
-          <a:extLst>
-            <a:ext uri="{909E8E84-426E-40DD-AFC4-6F175D3DCCD1}">
-              <a14:hiddenFill xmlns:a14="http://schemas.microsoft.com/office/drawing/2010/main">
-                <a:solidFill>
-                  <a:srgbClr val="FFFFFF"/>
-                </a:solidFill>
-              </a14:hiddenFill>
-            </a:ext>
-          </a:extLst>
-        </p:spPr>
-      </p:pic>
-      <p:cxnSp>
-        <p:nvCxnSpPr>
-          <p:cNvPr id="6" name="Straight Connector 5">
-            <a:extLst>
-              <a:ext uri="{FF2B5EF4-FFF2-40B4-BE49-F238E27FC236}">
-                <a16:creationId xmlns:a16="http://schemas.microsoft.com/office/drawing/2014/main" id="{8408680B-88B0-4B86-A761-AF6A613CF6BC}"/>
-              </a:ext>
-            </a:extLst>
-          </p:cNvPr>
-          <p:cNvCxnSpPr/>
-          <p:nvPr/>
-        </p:nvCxnSpPr>
-        <p:spPr>
-          <a:xfrm>
-            <a:off x="4419600" y="2590800"/>
-            <a:ext cx="914400" cy="0"/>
-          </a:xfrm>
-          <a:prstGeom prst="line">
-            <a:avLst/>
-          </a:prstGeom>
-          <a:ln w="25400"/>
-        </p:spPr>
-        <p:style>
-          <a:lnRef idx="1">
-            <a:schemeClr val="accent2"/>
-          </a:lnRef>
-          <a:fillRef idx="0">
-            <a:schemeClr val="accent2"/>
-          </a:fillRef>
-          <a:effectRef idx="0">
-            <a:schemeClr val="accent2"/>
-          </a:effectRef>
-          <a:fontRef idx="minor">
-            <a:schemeClr val="tx1"/>
-          </a:fontRef>
-        </p:style>
-      </p:cxnSp>
-    </p:spTree>
-    <p:extLst>
-      <p:ext uri="{BB962C8B-B14F-4D97-AF65-F5344CB8AC3E}">
-        <p14:creationId xmlns:p14="http://schemas.microsoft.com/office/powerpoint/2010/main" val="3420265918"/>
-      </p:ext>
-    </p:extLst>
-  </p:cSld>
-  <p:clrMapOvr>
-    <a:masterClrMapping/>
-  </p:clrMapOvr>
-</p:sld>
-</file>
-
-<file path=ppt/slides/slide26.xml><?xml version="1.0" encoding="utf-8"?>
-<p:sld xmlns:a="http://schemas.openxmlformats.org/drawingml/2006/main" xmlns:r="http://schemas.openxmlformats.org/officeDocument/2006/relationships" xmlns:p="http://schemas.openxmlformats.org/presentationml/2006/main">
-  <p:cSld>
-    <p:spTree>
-      <p:nvGrpSpPr>
-        <p:cNvPr id="1" name=""/>
-        <p:cNvGrpSpPr/>
-        <p:nvPr/>
-      </p:nvGrpSpPr>
-      <p:grpSpPr>
-        <a:xfrm>
-          <a:off x="0" y="0"/>
-          <a:ext cx="0" cy="0"/>
-          <a:chOff x="0" y="0"/>
-          <a:chExt cx="0" cy="0"/>
-        </a:xfrm>
-      </p:grpSpPr>
-      <p:sp>
-        <p:nvSpPr>
-          <p:cNvPr id="2" name="Title 1"/>
-          <p:cNvSpPr>
-            <a:spLocks noGrp="1"/>
-          </p:cNvSpPr>
-          <p:nvPr>
-            <p:ph type="title"/>
-          </p:nvPr>
-        </p:nvSpPr>
-        <p:spPr/>
-        <p:txBody>
-          <a:bodyPr/>
-          <a:lstStyle/>
-          <a:p>
-            <a:r>
-              <a:rPr lang="en-US" dirty="0"/>
               <a:t>Today’s topic - #2</a:t>
             </a:r>
           </a:p>
@@ -15992,7 +15669,7 @@
 </p:sld>
 </file>
 
-<file path=ppt/slides/slide27.xml><?xml version="1.0" encoding="utf-8"?>
+<file path=ppt/slides/slide26.xml><?xml version="1.0" encoding="utf-8"?>
 <p:sld xmlns:a="http://schemas.openxmlformats.org/drawingml/2006/main" xmlns:r="http://schemas.openxmlformats.org/officeDocument/2006/relationships" xmlns:p="http://schemas.openxmlformats.org/presentationml/2006/main">
   <p:cSld>
     <p:spTree>
@@ -16394,7 +16071,7 @@
 </p:sld>
 </file>
 
-<file path=ppt/slides/slide28.xml><?xml version="1.0" encoding="utf-8"?>
+<file path=ppt/slides/slide27.xml><?xml version="1.0" encoding="utf-8"?>
 <p:sld xmlns:a="http://schemas.openxmlformats.org/drawingml/2006/main" xmlns:r="http://schemas.openxmlformats.org/officeDocument/2006/relationships" xmlns:p="http://schemas.openxmlformats.org/presentationml/2006/main">
   <p:cSld>
     <p:spTree>
@@ -16690,7 +16367,7 @@
 </p:sld>
 </file>
 
-<file path=ppt/slides/slide29.xml><?xml version="1.0" encoding="utf-8"?>
+<file path=ppt/slides/slide28.xml><?xml version="1.0" encoding="utf-8"?>
 <p:sld xmlns:a="http://schemas.openxmlformats.org/drawingml/2006/main" xmlns:r="http://schemas.openxmlformats.org/officeDocument/2006/relationships" xmlns:p="http://schemas.openxmlformats.org/presentationml/2006/main">
   <p:cSld>
     <p:spTree>
@@ -17124,111 +16801,7 @@
 </p:sld>
 </file>
 
-<file path=ppt/slides/slide3.xml><?xml version="1.0" encoding="utf-8"?>
-<p:sld xmlns:a="http://schemas.openxmlformats.org/drawingml/2006/main" xmlns:r="http://schemas.openxmlformats.org/officeDocument/2006/relationships" xmlns:p="http://schemas.openxmlformats.org/presentationml/2006/main">
-  <p:cSld>
-    <p:spTree>
-      <p:nvGrpSpPr>
-        <p:cNvPr id="1" name=""/>
-        <p:cNvGrpSpPr/>
-        <p:nvPr/>
-      </p:nvGrpSpPr>
-      <p:grpSpPr>
-        <a:xfrm>
-          <a:off x="0" y="0"/>
-          <a:ext cx="0" cy="0"/>
-          <a:chOff x="0" y="0"/>
-          <a:chExt cx="0" cy="0"/>
-        </a:xfrm>
-      </p:grpSpPr>
-      <p:sp>
-        <p:nvSpPr>
-          <p:cNvPr id="2" name="Title 1"/>
-          <p:cNvSpPr>
-            <a:spLocks noGrp="1"/>
-          </p:cNvSpPr>
-          <p:nvPr>
-            <p:ph type="title"/>
-          </p:nvPr>
-        </p:nvSpPr>
-        <p:spPr/>
-        <p:txBody>
-          <a:bodyPr/>
-          <a:lstStyle/>
-          <a:p>
-            <a:r>
-              <a:rPr lang="en-US" dirty="0"/>
-              <a:t>Today’s topic</a:t>
-            </a:r>
-          </a:p>
-        </p:txBody>
-      </p:sp>
-      <p:sp>
-        <p:nvSpPr>
-          <p:cNvPr id="3" name="Content Placeholder 2"/>
-          <p:cNvSpPr>
-            <a:spLocks noGrp="1"/>
-          </p:cNvSpPr>
-          <p:nvPr>
-            <p:ph idx="1"/>
-          </p:nvPr>
-        </p:nvSpPr>
-        <p:spPr/>
-        <p:txBody>
-          <a:bodyPr/>
-          <a:lstStyle/>
-          <a:p>
-            <a:pPr fontAlgn="base"/>
-            <a:r>
-              <a:rPr lang="en-US" sz="2400" b="1" dirty="0"/>
-              <a:t>Minimize dependencies</a:t>
-            </a:r>
-            <a:r>
-              <a:rPr lang="en-US" sz="2400" dirty="0"/>
-              <a:t> between objects when it does not disrupt usability or </a:t>
-            </a:r>
-            <a:r>
-              <a:rPr lang="en-US" sz="2400" dirty="0" err="1"/>
-              <a:t>extendability</a:t>
-            </a:r>
-            <a:endParaRPr lang="en-US" sz="2400" dirty="0"/>
-          </a:p>
-          <a:p>
-            <a:pPr lvl="1" fontAlgn="base"/>
-            <a:r>
-              <a:rPr lang="en-US" dirty="0"/>
-              <a:t>Tell don't ask</a:t>
-            </a:r>
-          </a:p>
-          <a:p>
-            <a:pPr lvl="1" fontAlgn="base"/>
-            <a:r>
-              <a:rPr lang="en-US" dirty="0"/>
-              <a:t>Don't have message chains</a:t>
-            </a:r>
-          </a:p>
-          <a:p>
-            <a:pPr marL="0" indent="0">
-              <a:buNone/>
-            </a:pPr>
-            <a:endParaRPr lang="en-US" dirty="0"/>
-          </a:p>
-        </p:txBody>
-      </p:sp>
-    </p:spTree>
-    <p:extLst>
-      <p:ext uri="{BB962C8B-B14F-4D97-AF65-F5344CB8AC3E}">
-        <p14:creationId xmlns:p14="http://schemas.microsoft.com/office/powerpoint/2010/main" val="4103721323"/>
-      </p:ext>
-    </p:extLst>
-  </p:cSld>
-  <p:clrMapOvr>
-    <a:masterClrMapping/>
-  </p:clrMapOvr>
-</p:sld>
-</file>
-
-<file path=ppt/slides/slide30.xml><?xml version="1.0" encoding="utf-8"?>
+<file path=ppt/slides/slide29.xml><?xml version="1.0" encoding="utf-8"?>
 <p:sld xmlns:a="http://schemas.openxmlformats.org/drawingml/2006/main" xmlns:r="http://schemas.openxmlformats.org/officeDocument/2006/relationships" xmlns:p="http://schemas.openxmlformats.org/presentationml/2006/main">
   <p:cSld>
     <p:spTree>
@@ -17582,7 +17155,111 @@
 </p:sld>
 </file>
 
-<file path=ppt/slides/slide31.xml><?xml version="1.0" encoding="utf-8"?>
+<file path=ppt/slides/slide3.xml><?xml version="1.0" encoding="utf-8"?>
+<p:sld xmlns:a="http://schemas.openxmlformats.org/drawingml/2006/main" xmlns:r="http://schemas.openxmlformats.org/officeDocument/2006/relationships" xmlns:p="http://schemas.openxmlformats.org/presentationml/2006/main">
+  <p:cSld>
+    <p:spTree>
+      <p:nvGrpSpPr>
+        <p:cNvPr id="1" name=""/>
+        <p:cNvGrpSpPr/>
+        <p:nvPr/>
+      </p:nvGrpSpPr>
+      <p:grpSpPr>
+        <a:xfrm>
+          <a:off x="0" y="0"/>
+          <a:ext cx="0" cy="0"/>
+          <a:chOff x="0" y="0"/>
+          <a:chExt cx="0" cy="0"/>
+        </a:xfrm>
+      </p:grpSpPr>
+      <p:sp>
+        <p:nvSpPr>
+          <p:cNvPr id="2" name="Title 1"/>
+          <p:cNvSpPr>
+            <a:spLocks noGrp="1"/>
+          </p:cNvSpPr>
+          <p:nvPr>
+            <p:ph type="title"/>
+          </p:nvPr>
+        </p:nvSpPr>
+        <p:spPr/>
+        <p:txBody>
+          <a:bodyPr/>
+          <a:lstStyle/>
+          <a:p>
+            <a:r>
+              <a:rPr lang="en-US" dirty="0"/>
+              <a:t>Today’s topic</a:t>
+            </a:r>
+          </a:p>
+        </p:txBody>
+      </p:sp>
+      <p:sp>
+        <p:nvSpPr>
+          <p:cNvPr id="3" name="Content Placeholder 2"/>
+          <p:cNvSpPr>
+            <a:spLocks noGrp="1"/>
+          </p:cNvSpPr>
+          <p:nvPr>
+            <p:ph idx="1"/>
+          </p:nvPr>
+        </p:nvSpPr>
+        <p:spPr/>
+        <p:txBody>
+          <a:bodyPr/>
+          <a:lstStyle/>
+          <a:p>
+            <a:pPr fontAlgn="base"/>
+            <a:r>
+              <a:rPr lang="en-US" sz="2400" b="1" dirty="0"/>
+              <a:t>Minimize dependencies</a:t>
+            </a:r>
+            <a:r>
+              <a:rPr lang="en-US" sz="2400" dirty="0"/>
+              <a:t> between objects when it does not disrupt usability or </a:t>
+            </a:r>
+            <a:r>
+              <a:rPr lang="en-US" sz="2400" dirty="0" err="1"/>
+              <a:t>extendability</a:t>
+            </a:r>
+            <a:endParaRPr lang="en-US" sz="2400" dirty="0"/>
+          </a:p>
+          <a:p>
+            <a:pPr lvl="1" fontAlgn="base"/>
+            <a:r>
+              <a:rPr lang="en-US" dirty="0"/>
+              <a:t>Tell don't ask</a:t>
+            </a:r>
+          </a:p>
+          <a:p>
+            <a:pPr lvl="1" fontAlgn="base"/>
+            <a:r>
+              <a:rPr lang="en-US" dirty="0"/>
+              <a:t>Don't have message chains</a:t>
+            </a:r>
+          </a:p>
+          <a:p>
+            <a:pPr marL="0" indent="0">
+              <a:buNone/>
+            </a:pPr>
+            <a:endParaRPr lang="en-US" dirty="0"/>
+          </a:p>
+        </p:txBody>
+      </p:sp>
+    </p:spTree>
+    <p:extLst>
+      <p:ext uri="{BB962C8B-B14F-4D97-AF65-F5344CB8AC3E}">
+        <p14:creationId xmlns:p14="http://schemas.microsoft.com/office/powerpoint/2010/main" val="4103721323"/>
+      </p:ext>
+    </p:extLst>
+  </p:cSld>
+  <p:clrMapOvr>
+    <a:masterClrMapping/>
+  </p:clrMapOvr>
+</p:sld>
+</file>
+
+<file path=ppt/slides/slide30.xml><?xml version="1.0" encoding="utf-8"?>
 <p:sld xmlns:a="http://schemas.openxmlformats.org/drawingml/2006/main" xmlns:r="http://schemas.openxmlformats.org/officeDocument/2006/relationships" xmlns:p="http://schemas.openxmlformats.org/presentationml/2006/main">
   <p:cSld>
     <p:spTree>
@@ -18618,7 +18295,7 @@
 </p:sld>
 </file>
 
-<file path=ppt/slides/slide32.xml><?xml version="1.0" encoding="utf-8"?>
+<file path=ppt/slides/slide31.xml><?xml version="1.0" encoding="utf-8"?>
 <p:sld xmlns:a="http://schemas.openxmlformats.org/drawingml/2006/main" xmlns:r="http://schemas.openxmlformats.org/officeDocument/2006/relationships" xmlns:p="http://schemas.openxmlformats.org/presentationml/2006/main">
   <p:cSld>
     <p:spTree>
@@ -18759,7 +18436,7 @@
 </p:sld>
 </file>
 
-<file path=ppt/slides/slide33.xml><?xml version="1.0" encoding="utf-8"?>
+<file path=ppt/slides/slide32.xml><?xml version="1.0" encoding="utf-8"?>
 <p:sld xmlns:a="http://schemas.openxmlformats.org/drawingml/2006/main" xmlns:r="http://schemas.openxmlformats.org/officeDocument/2006/relationships" xmlns:p="http://schemas.openxmlformats.org/presentationml/2006/main">
   <p:cSld>
     <p:spTree>
@@ -18861,7 +18538,7 @@
 </p:sld>
 </file>
 
-<file path=ppt/slides/slide34.xml><?xml version="1.0" encoding="utf-8"?>
+<file path=ppt/slides/slide33.xml><?xml version="1.0" encoding="utf-8"?>
 <p:sld xmlns:a="http://schemas.openxmlformats.org/drawingml/2006/main" xmlns:r="http://schemas.openxmlformats.org/officeDocument/2006/relationships" xmlns:p="http://schemas.openxmlformats.org/presentationml/2006/main">
   <p:cSld>
     <p:spTree>
@@ -19417,7 +19094,7 @@
 </p:sld>
 </file>
 
-<file path=ppt/slides/slide35.xml><?xml version="1.0" encoding="utf-8"?>
+<file path=ppt/slides/slide34.xml><?xml version="1.0" encoding="utf-8"?>
 <p:sld xmlns:a="http://schemas.openxmlformats.org/drawingml/2006/main" xmlns:r="http://schemas.openxmlformats.org/officeDocument/2006/relationships" xmlns:p="http://schemas.openxmlformats.org/presentationml/2006/main">
   <p:cSld>
     <p:spTree>
@@ -19512,7 +19189,7 @@
 </p:sld>
 </file>
 
-<file path=ppt/slides/slide36.xml><?xml version="1.0" encoding="utf-8"?>
+<file path=ppt/slides/slide35.xml><?xml version="1.0" encoding="utf-8"?>
 <p:sld xmlns:a="http://schemas.openxmlformats.org/drawingml/2006/main" xmlns:r="http://schemas.openxmlformats.org/officeDocument/2006/relationships" xmlns:p="http://schemas.openxmlformats.org/presentationml/2006/main">
   <p:cSld>
     <p:spTree>
@@ -19620,7 +19297,7 @@
 </p:sld>
 </file>
 
-<file path=ppt/slides/slide37.xml><?xml version="1.0" encoding="utf-8"?>
+<file path=ppt/slides/slide36.xml><?xml version="1.0" encoding="utf-8"?>
 <p:sld xmlns:a="http://schemas.openxmlformats.org/drawingml/2006/main" xmlns:r="http://schemas.openxmlformats.org/officeDocument/2006/relationships" xmlns:p="http://schemas.openxmlformats.org/presentationml/2006/main">
   <p:cSld>
     <p:spTree>
@@ -19817,6 +19494,107 @@
 </p:sld>
 </file>
 
+<file path=ppt/slides/slide37.xml><?xml version="1.0" encoding="utf-8"?>
+<p:sld xmlns:a="http://schemas.openxmlformats.org/drawingml/2006/main" xmlns:r="http://schemas.openxmlformats.org/officeDocument/2006/relationships" xmlns:p="http://schemas.openxmlformats.org/presentationml/2006/main">
+  <p:cSld>
+    <p:spTree>
+      <p:nvGrpSpPr>
+        <p:cNvPr id="1" name=""/>
+        <p:cNvGrpSpPr/>
+        <p:nvPr/>
+      </p:nvGrpSpPr>
+      <p:grpSpPr>
+        <a:xfrm>
+          <a:off x="0" y="0"/>
+          <a:ext cx="0" cy="0"/>
+          <a:chOff x="0" y="0"/>
+          <a:chExt cx="0" cy="0"/>
+        </a:xfrm>
+      </p:grpSpPr>
+      <p:sp>
+        <p:nvSpPr>
+          <p:cNvPr id="2" name="Title 1"/>
+          <p:cNvSpPr>
+            <a:spLocks noGrp="1"/>
+          </p:cNvSpPr>
+          <p:nvPr>
+            <p:ph type="title"/>
+          </p:nvPr>
+        </p:nvSpPr>
+        <p:spPr/>
+        <p:txBody>
+          <a:bodyPr/>
+          <a:lstStyle/>
+          <a:p>
+            <a:r>
+              <a:rPr lang="en-US" dirty="0"/>
+              <a:t>The plan</a:t>
+            </a:r>
+          </a:p>
+        </p:txBody>
+      </p:sp>
+      <p:sp>
+        <p:nvSpPr>
+          <p:cNvPr id="3" name="Content Placeholder 2"/>
+          <p:cNvSpPr>
+            <a:spLocks noGrp="1"/>
+          </p:cNvSpPr>
+          <p:nvPr>
+            <p:ph idx="1"/>
+          </p:nvPr>
+        </p:nvSpPr>
+        <p:spPr/>
+        <p:txBody>
+          <a:bodyPr/>
+          <a:lstStyle/>
+          <a:p>
+            <a:r>
+              <a:rPr lang="en-US" dirty="0"/>
+              <a:t>Learn 3 essential object oriented design terms:</a:t>
+            </a:r>
+          </a:p>
+          <a:p>
+            <a:pPr lvl="1"/>
+            <a:r>
+              <a:rPr lang="en-US" dirty="0"/>
+              <a:t>Encapsulation  (done- yesterday)</a:t>
+            </a:r>
+          </a:p>
+          <a:p>
+            <a:pPr lvl="1"/>
+            <a:r>
+              <a:rPr lang="en-US" dirty="0"/>
+              <a:t>Coupling</a:t>
+            </a:r>
+          </a:p>
+          <a:p>
+            <a:pPr lvl="1"/>
+            <a:r>
+              <a:rPr lang="en-US" dirty="0"/>
+              <a:t>Cohesion</a:t>
+            </a:r>
+          </a:p>
+          <a:p>
+            <a:r>
+              <a:rPr lang="en-US" dirty="0"/>
+              <a:t>Scope (if we have time)</a:t>
+            </a:r>
+          </a:p>
+        </p:txBody>
+      </p:sp>
+    </p:spTree>
+    <p:extLst>
+      <p:ext uri="{BB962C8B-B14F-4D97-AF65-F5344CB8AC3E}">
+        <p14:creationId xmlns:p14="http://schemas.microsoft.com/office/powerpoint/2010/main" val="475844562"/>
+      </p:ext>
+    </p:extLst>
+  </p:cSld>
+  <p:clrMapOvr>
+    <a:masterClrMapping/>
+  </p:clrMapOvr>
+</p:sld>
+</file>
+
 <file path=ppt/slides/slide38.xml><?xml version="1.0" encoding="utf-8"?>
 <p:sld xmlns:a="http://schemas.openxmlformats.org/drawingml/2006/main" xmlns:r="http://schemas.openxmlformats.org/officeDocument/2006/relationships" xmlns:p="http://schemas.openxmlformats.org/presentationml/2006/main">
   <p:cSld>
@@ -19851,107 +19629,6 @@
           <a:p>
             <a:r>
               <a:rPr lang="en-US" dirty="0"/>
-              <a:t>The plan</a:t>
-            </a:r>
-          </a:p>
-        </p:txBody>
-      </p:sp>
-      <p:sp>
-        <p:nvSpPr>
-          <p:cNvPr id="3" name="Content Placeholder 2"/>
-          <p:cNvSpPr>
-            <a:spLocks noGrp="1"/>
-          </p:cNvSpPr>
-          <p:nvPr>
-            <p:ph idx="1"/>
-          </p:nvPr>
-        </p:nvSpPr>
-        <p:spPr/>
-        <p:txBody>
-          <a:bodyPr/>
-          <a:lstStyle/>
-          <a:p>
-            <a:r>
-              <a:rPr lang="en-US" dirty="0"/>
-              <a:t>Learn 3 essential object oriented design terms:</a:t>
-            </a:r>
-          </a:p>
-          <a:p>
-            <a:pPr lvl="1"/>
-            <a:r>
-              <a:rPr lang="en-US" dirty="0"/>
-              <a:t>Encapsulation  (done- yesterday)</a:t>
-            </a:r>
-          </a:p>
-          <a:p>
-            <a:pPr lvl="1"/>
-            <a:r>
-              <a:rPr lang="en-US" dirty="0"/>
-              <a:t>Coupling</a:t>
-            </a:r>
-          </a:p>
-          <a:p>
-            <a:pPr lvl="1"/>
-            <a:r>
-              <a:rPr lang="en-US" dirty="0"/>
-              <a:t>Cohesion</a:t>
-            </a:r>
-          </a:p>
-          <a:p>
-            <a:r>
-              <a:rPr lang="en-US" dirty="0"/>
-              <a:t>Scope (if we have time)</a:t>
-            </a:r>
-          </a:p>
-        </p:txBody>
-      </p:sp>
-    </p:spTree>
-    <p:extLst>
-      <p:ext uri="{BB962C8B-B14F-4D97-AF65-F5344CB8AC3E}">
-        <p14:creationId xmlns:p14="http://schemas.microsoft.com/office/powerpoint/2010/main" val="475844562"/>
-      </p:ext>
-    </p:extLst>
-  </p:cSld>
-  <p:clrMapOvr>
-    <a:masterClrMapping/>
-  </p:clrMapOvr>
-</p:sld>
-</file>
-
-<file path=ppt/slides/slide39.xml><?xml version="1.0" encoding="utf-8"?>
-<p:sld xmlns:a="http://schemas.openxmlformats.org/drawingml/2006/main" xmlns:r="http://schemas.openxmlformats.org/officeDocument/2006/relationships" xmlns:p="http://schemas.openxmlformats.org/presentationml/2006/main">
-  <p:cSld>
-    <p:spTree>
-      <p:nvGrpSpPr>
-        <p:cNvPr id="1" name=""/>
-        <p:cNvGrpSpPr/>
-        <p:nvPr/>
-      </p:nvGrpSpPr>
-      <p:grpSpPr>
-        <a:xfrm>
-          <a:off x="0" y="0"/>
-          <a:ext cx="0" cy="0"/>
-          <a:chOff x="0" y="0"/>
-          <a:chExt cx="0" cy="0"/>
-        </a:xfrm>
-      </p:grpSpPr>
-      <p:sp>
-        <p:nvSpPr>
-          <p:cNvPr id="2" name="Title 1"/>
-          <p:cNvSpPr>
-            <a:spLocks noGrp="1"/>
-          </p:cNvSpPr>
-          <p:nvPr>
-            <p:ph type="title"/>
-          </p:nvPr>
-        </p:nvSpPr>
-        <p:spPr/>
-        <p:txBody>
-          <a:bodyPr/>
-          <a:lstStyle/>
-          <a:p>
-            <a:r>
-              <a:rPr lang="en-US" dirty="0"/>
               <a:t>Coupling and Cohesion</a:t>
             </a:r>
           </a:p>
@@ -20165,314 +19842,7 @@
 </p:sld>
 </file>
 
-<file path=ppt/slides/slide4.xml><?xml version="1.0" encoding="utf-8"?>
-<p:sld xmlns:a="http://schemas.openxmlformats.org/drawingml/2006/main" xmlns:r="http://schemas.openxmlformats.org/officeDocument/2006/relationships" xmlns:p="http://schemas.openxmlformats.org/presentationml/2006/main">
-  <p:cSld>
-    <p:spTree>
-      <p:nvGrpSpPr>
-        <p:cNvPr id="1" name=""/>
-        <p:cNvGrpSpPr/>
-        <p:nvPr/>
-      </p:nvGrpSpPr>
-      <p:grpSpPr>
-        <a:xfrm>
-          <a:off x="0" y="0"/>
-          <a:ext cx="0" cy="0"/>
-          <a:chOff x="0" y="0"/>
-          <a:chExt cx="0" cy="0"/>
-        </a:xfrm>
-      </p:grpSpPr>
-      <p:sp>
-        <p:nvSpPr>
-          <p:cNvPr id="2" name="Title 1"/>
-          <p:cNvSpPr>
-            <a:spLocks noGrp="1"/>
-          </p:cNvSpPr>
-          <p:nvPr>
-            <p:ph type="title"/>
-          </p:nvPr>
-        </p:nvSpPr>
-        <p:spPr>
-          <a:xfrm>
-            <a:off x="628650" y="365127"/>
-            <a:ext cx="7886700" cy="922498"/>
-          </a:xfrm>
-        </p:spPr>
-        <p:txBody>
-          <a:bodyPr/>
-          <a:lstStyle/>
-          <a:p>
-            <a:r>
-              <a:rPr lang="en-US" dirty="0"/>
-              <a:t>Principles of Design (for CSSE220)</a:t>
-            </a:r>
-          </a:p>
-        </p:txBody>
-      </p:sp>
-      <p:sp>
-        <p:nvSpPr>
-          <p:cNvPr id="3" name="Content Placeholder 2"/>
-          <p:cNvSpPr>
-            <a:spLocks noGrp="1"/>
-          </p:cNvSpPr>
-          <p:nvPr>
-            <p:ph idx="1"/>
-          </p:nvPr>
-        </p:nvSpPr>
-        <p:spPr>
-          <a:xfrm>
-            <a:off x="335901" y="1287625"/>
-            <a:ext cx="8546841" cy="5570375"/>
-          </a:xfrm>
-        </p:spPr>
-        <p:txBody>
-          <a:bodyPr>
-            <a:normAutofit fontScale="62500" lnSpcReduction="20000"/>
-          </a:bodyPr>
-          <a:lstStyle/>
-          <a:p>
-            <a:pPr fontAlgn="base"/>
-            <a:r>
-              <a:rPr lang="en-US" sz="2400" dirty="0"/>
-              <a:t>Make sure your design </a:t>
-            </a:r>
-            <a:r>
-              <a:rPr lang="en-US" sz="2400" b="1" dirty="0"/>
-              <a:t>allows proper functionality</a:t>
-            </a:r>
-            <a:endParaRPr lang="en-US" sz="2400" dirty="0"/>
-          </a:p>
-          <a:p>
-            <a:pPr lvl="1" fontAlgn="base"/>
-            <a:r>
-              <a:rPr lang="en-US" dirty="0"/>
-              <a:t>Must be able to </a:t>
-            </a:r>
-            <a:r>
-              <a:rPr lang="en-US" b="1" dirty="0"/>
-              <a:t>store required information</a:t>
-            </a:r>
-            <a:r>
-              <a:rPr lang="en-US" dirty="0"/>
-              <a:t> (one/many to one/many relationships)</a:t>
-            </a:r>
-          </a:p>
-          <a:p>
-            <a:pPr lvl="1" fontAlgn="base"/>
-            <a:r>
-              <a:rPr lang="en-US" dirty="0"/>
-              <a:t>Must be able to </a:t>
-            </a:r>
-            <a:r>
-              <a:rPr lang="en-US" b="1" dirty="0"/>
-              <a:t>access the required information</a:t>
-            </a:r>
-            <a:r>
-              <a:rPr lang="en-US" dirty="0"/>
-              <a:t> to accomplish tasks</a:t>
-            </a:r>
-          </a:p>
-          <a:p>
-            <a:pPr lvl="1" fontAlgn="base"/>
-            <a:r>
-              <a:rPr lang="en-US" dirty="0"/>
-              <a:t>Data should </a:t>
-            </a:r>
-            <a:r>
-              <a:rPr lang="en-US" b="1" dirty="0"/>
-              <a:t>not be duplicated</a:t>
-            </a:r>
-            <a:r>
-              <a:rPr lang="en-US" dirty="0"/>
-              <a:t> (id/identifiers are OK!)</a:t>
-            </a:r>
-            <a:endParaRPr lang="en-US" sz="2400" dirty="0"/>
-          </a:p>
-          <a:p>
-            <a:r>
-              <a:rPr lang="en-US" sz="2400" dirty="0"/>
-              <a:t>Structure design </a:t>
-            </a:r>
-            <a:r>
-              <a:rPr lang="en-US" sz="2400" b="1" dirty="0"/>
-              <a:t>around the data</a:t>
-            </a:r>
-            <a:r>
-              <a:rPr lang="en-US" sz="2400" dirty="0"/>
-              <a:t> to be stored</a:t>
-            </a:r>
-          </a:p>
-          <a:p>
-            <a:pPr lvl="1" fontAlgn="base"/>
-            <a:r>
-              <a:rPr lang="en-US" b="1" dirty="0"/>
-              <a:t>Nouns should become classes</a:t>
-            </a:r>
-            <a:endParaRPr lang="en-US" dirty="0"/>
-          </a:p>
-          <a:p>
-            <a:pPr lvl="1" fontAlgn="base"/>
-            <a:r>
-              <a:rPr lang="en-US" b="1" dirty="0"/>
-              <a:t>Classes should have intelligent behaviors</a:t>
-            </a:r>
-            <a:r>
-              <a:rPr lang="en-US" dirty="0"/>
-              <a:t> (methods) </a:t>
-            </a:r>
-            <a:r>
-              <a:rPr lang="en-US" b="1" dirty="0"/>
-              <a:t>that may operate on their data</a:t>
-            </a:r>
-            <a:endParaRPr lang="en-US" dirty="0"/>
-          </a:p>
-          <a:p>
-            <a:pPr fontAlgn="base"/>
-            <a:r>
-              <a:rPr lang="en-US" sz="2400" dirty="0"/>
-              <a:t>Functionality should be </a:t>
-            </a:r>
-            <a:r>
-              <a:rPr lang="en-US" sz="2400" b="1" dirty="0"/>
-              <a:t>distributed efficiently</a:t>
-            </a:r>
-            <a:endParaRPr lang="en-US" sz="2400" dirty="0"/>
-          </a:p>
-          <a:p>
-            <a:pPr lvl="1" fontAlgn="base"/>
-            <a:r>
-              <a:rPr lang="en-US" b="1" dirty="0"/>
-              <a:t>No class/part should get too large</a:t>
-            </a:r>
-          </a:p>
-          <a:p>
-            <a:pPr lvl="1" fontAlgn="base"/>
-            <a:r>
-              <a:rPr lang="en-US" b="1" dirty="0"/>
-              <a:t>Each class should have a single responsibility</a:t>
-            </a:r>
-            <a:r>
-              <a:rPr lang="en-US" dirty="0"/>
-              <a:t> it accomplishes</a:t>
-            </a:r>
-          </a:p>
-          <a:p>
-            <a:pPr fontAlgn="base"/>
-            <a:r>
-              <a:rPr lang="en-US" sz="2400" b="1" dirty="0">
-                <a:solidFill>
-                  <a:srgbClr val="FF0000"/>
-                </a:solidFill>
-              </a:rPr>
-              <a:t>Minimize dependencies</a:t>
-            </a:r>
-            <a:r>
-              <a:rPr lang="en-US" sz="2400" dirty="0">
-                <a:solidFill>
-                  <a:srgbClr val="FF0000"/>
-                </a:solidFill>
-              </a:rPr>
-              <a:t> between objects when it does not disrupt usability or </a:t>
-            </a:r>
-            <a:r>
-              <a:rPr lang="en-US" sz="2400" dirty="0" err="1">
-                <a:solidFill>
-                  <a:srgbClr val="FF0000"/>
-                </a:solidFill>
-              </a:rPr>
-              <a:t>extendability</a:t>
-            </a:r>
-            <a:endParaRPr lang="en-US" sz="2400" dirty="0">
-              <a:solidFill>
-                <a:srgbClr val="FF0000"/>
-              </a:solidFill>
-            </a:endParaRPr>
-          </a:p>
-          <a:p>
-            <a:pPr lvl="1" fontAlgn="base"/>
-            <a:r>
-              <a:rPr lang="en-US" dirty="0">
-                <a:solidFill>
-                  <a:srgbClr val="FF0000"/>
-                </a:solidFill>
-              </a:rPr>
-              <a:t>Tell don't ask</a:t>
-            </a:r>
-          </a:p>
-          <a:p>
-            <a:pPr lvl="1" fontAlgn="base"/>
-            <a:r>
-              <a:rPr lang="en-US" dirty="0">
-                <a:solidFill>
-                  <a:srgbClr val="FF0000"/>
-                </a:solidFill>
-              </a:rPr>
-              <a:t>Don't have message chains</a:t>
-            </a:r>
-          </a:p>
-          <a:p>
-            <a:pPr fontAlgn="base"/>
-            <a:r>
-              <a:rPr lang="en-US" sz="2400" b="1" dirty="0"/>
-              <a:t>Don't duplicate</a:t>
-            </a:r>
-            <a:r>
-              <a:rPr lang="en-US" sz="2400" dirty="0"/>
-              <a:t> code</a:t>
-            </a:r>
-          </a:p>
-          <a:p>
-            <a:pPr lvl="1" fontAlgn="base"/>
-            <a:r>
-              <a:rPr lang="en-US" dirty="0"/>
-              <a:t>Similar "chunks" of code should be </a:t>
-            </a:r>
-            <a:r>
-              <a:rPr lang="en-US" b="1" dirty="0"/>
-              <a:t>unified into functions</a:t>
-            </a:r>
-            <a:endParaRPr lang="en-US" dirty="0"/>
-          </a:p>
-          <a:p>
-            <a:pPr lvl="1" fontAlgn="base"/>
-            <a:r>
-              <a:rPr lang="en-US" dirty="0"/>
-              <a:t>Classes with similar features should be given </a:t>
-            </a:r>
-            <a:r>
-              <a:rPr lang="en-US" b="1" dirty="0"/>
-              <a:t>common interfaces</a:t>
-            </a:r>
-            <a:endParaRPr lang="en-US" dirty="0"/>
-          </a:p>
-          <a:p>
-            <a:pPr lvl="1"/>
-            <a:r>
-              <a:rPr lang="en-US" dirty="0"/>
-              <a:t>Classes with similar internals should be simplified using </a:t>
-            </a:r>
-            <a:r>
-              <a:rPr lang="en-US" b="1" dirty="0"/>
-              <a:t>inheritance</a:t>
-            </a:r>
-            <a:endParaRPr lang="en-US" dirty="0"/>
-          </a:p>
-        </p:txBody>
-      </p:sp>
-    </p:spTree>
-    <p:extLst>
-      <p:ext uri="{BB962C8B-B14F-4D97-AF65-F5344CB8AC3E}">
-        <p14:creationId xmlns:p14="http://schemas.microsoft.com/office/powerpoint/2010/main" val="193360639"/>
-      </p:ext>
-    </p:extLst>
-  </p:cSld>
-  <p:clrMapOvr>
-    <a:masterClrMapping/>
-  </p:clrMapOvr>
-</p:sld>
-</file>
-
-<file path=ppt/slides/slide40.xml><?xml version="1.0" encoding="utf-8"?>
+<file path=ppt/slides/slide39.xml><?xml version="1.0" encoding="utf-8"?>
 <p:sld xmlns:a="http://schemas.openxmlformats.org/drawingml/2006/main" xmlns:r="http://schemas.openxmlformats.org/officeDocument/2006/relationships" xmlns:p="http://schemas.openxmlformats.org/presentationml/2006/main">
   <p:cSld>
     <p:spTree>
@@ -20922,7 +20292,314 @@
 </p:sld>
 </file>
 
-<file path=ppt/slides/slide41.xml><?xml version="1.0" encoding="utf-8"?>
+<file path=ppt/slides/slide4.xml><?xml version="1.0" encoding="utf-8"?>
+<p:sld xmlns:a="http://schemas.openxmlformats.org/drawingml/2006/main" xmlns:r="http://schemas.openxmlformats.org/officeDocument/2006/relationships" xmlns:p="http://schemas.openxmlformats.org/presentationml/2006/main">
+  <p:cSld>
+    <p:spTree>
+      <p:nvGrpSpPr>
+        <p:cNvPr id="1" name=""/>
+        <p:cNvGrpSpPr/>
+        <p:nvPr/>
+      </p:nvGrpSpPr>
+      <p:grpSpPr>
+        <a:xfrm>
+          <a:off x="0" y="0"/>
+          <a:ext cx="0" cy="0"/>
+          <a:chOff x="0" y="0"/>
+          <a:chExt cx="0" cy="0"/>
+        </a:xfrm>
+      </p:grpSpPr>
+      <p:sp>
+        <p:nvSpPr>
+          <p:cNvPr id="2" name="Title 1"/>
+          <p:cNvSpPr>
+            <a:spLocks noGrp="1"/>
+          </p:cNvSpPr>
+          <p:nvPr>
+            <p:ph type="title"/>
+          </p:nvPr>
+        </p:nvSpPr>
+        <p:spPr>
+          <a:xfrm>
+            <a:off x="628650" y="365127"/>
+            <a:ext cx="7886700" cy="922498"/>
+          </a:xfrm>
+        </p:spPr>
+        <p:txBody>
+          <a:bodyPr/>
+          <a:lstStyle/>
+          <a:p>
+            <a:r>
+              <a:rPr lang="en-US" dirty="0"/>
+              <a:t>Principles of Design (for CSSE220)</a:t>
+            </a:r>
+          </a:p>
+        </p:txBody>
+      </p:sp>
+      <p:sp>
+        <p:nvSpPr>
+          <p:cNvPr id="3" name="Content Placeholder 2"/>
+          <p:cNvSpPr>
+            <a:spLocks noGrp="1"/>
+          </p:cNvSpPr>
+          <p:nvPr>
+            <p:ph idx="1"/>
+          </p:nvPr>
+        </p:nvSpPr>
+        <p:spPr>
+          <a:xfrm>
+            <a:off x="335901" y="1287625"/>
+            <a:ext cx="8546841" cy="5570375"/>
+          </a:xfrm>
+        </p:spPr>
+        <p:txBody>
+          <a:bodyPr>
+            <a:normAutofit fontScale="62500" lnSpcReduction="20000"/>
+          </a:bodyPr>
+          <a:lstStyle/>
+          <a:p>
+            <a:pPr fontAlgn="base"/>
+            <a:r>
+              <a:rPr lang="en-US" sz="2400" dirty="0"/>
+              <a:t>Make sure your design </a:t>
+            </a:r>
+            <a:r>
+              <a:rPr lang="en-US" sz="2400" b="1" dirty="0"/>
+              <a:t>allows proper functionality</a:t>
+            </a:r>
+            <a:endParaRPr lang="en-US" sz="2400" dirty="0"/>
+          </a:p>
+          <a:p>
+            <a:pPr lvl="1" fontAlgn="base"/>
+            <a:r>
+              <a:rPr lang="en-US" dirty="0"/>
+              <a:t>Must be able to </a:t>
+            </a:r>
+            <a:r>
+              <a:rPr lang="en-US" b="1" dirty="0"/>
+              <a:t>store required information</a:t>
+            </a:r>
+            <a:r>
+              <a:rPr lang="en-US" dirty="0"/>
+              <a:t> (one/many to one/many relationships)</a:t>
+            </a:r>
+          </a:p>
+          <a:p>
+            <a:pPr lvl="1" fontAlgn="base"/>
+            <a:r>
+              <a:rPr lang="en-US" dirty="0"/>
+              <a:t>Must be able to </a:t>
+            </a:r>
+            <a:r>
+              <a:rPr lang="en-US" b="1" dirty="0"/>
+              <a:t>access the required information</a:t>
+            </a:r>
+            <a:r>
+              <a:rPr lang="en-US" dirty="0"/>
+              <a:t> to accomplish tasks</a:t>
+            </a:r>
+          </a:p>
+          <a:p>
+            <a:pPr lvl="1" fontAlgn="base"/>
+            <a:r>
+              <a:rPr lang="en-US" dirty="0"/>
+              <a:t>Data should </a:t>
+            </a:r>
+            <a:r>
+              <a:rPr lang="en-US" b="1" dirty="0"/>
+              <a:t>not be duplicated</a:t>
+            </a:r>
+            <a:r>
+              <a:rPr lang="en-US" dirty="0"/>
+              <a:t> (id/identifiers are OK!)</a:t>
+            </a:r>
+            <a:endParaRPr lang="en-US" sz="2400" dirty="0"/>
+          </a:p>
+          <a:p>
+            <a:r>
+              <a:rPr lang="en-US" sz="2400" dirty="0"/>
+              <a:t>Structure design </a:t>
+            </a:r>
+            <a:r>
+              <a:rPr lang="en-US" sz="2400" b="1" dirty="0"/>
+              <a:t>around the data</a:t>
+            </a:r>
+            <a:r>
+              <a:rPr lang="en-US" sz="2400" dirty="0"/>
+              <a:t> to be stored</a:t>
+            </a:r>
+          </a:p>
+          <a:p>
+            <a:pPr lvl="1" fontAlgn="base"/>
+            <a:r>
+              <a:rPr lang="en-US" b="1" dirty="0"/>
+              <a:t>Nouns should become classes</a:t>
+            </a:r>
+            <a:endParaRPr lang="en-US" dirty="0"/>
+          </a:p>
+          <a:p>
+            <a:pPr lvl="1" fontAlgn="base"/>
+            <a:r>
+              <a:rPr lang="en-US" b="1" dirty="0"/>
+              <a:t>Classes should have intelligent behaviors</a:t>
+            </a:r>
+            <a:r>
+              <a:rPr lang="en-US" dirty="0"/>
+              <a:t> (methods) </a:t>
+            </a:r>
+            <a:r>
+              <a:rPr lang="en-US" b="1" dirty="0"/>
+              <a:t>that may operate on their data</a:t>
+            </a:r>
+            <a:endParaRPr lang="en-US" dirty="0"/>
+          </a:p>
+          <a:p>
+            <a:pPr fontAlgn="base"/>
+            <a:r>
+              <a:rPr lang="en-US" sz="2400" dirty="0"/>
+              <a:t>Functionality should be </a:t>
+            </a:r>
+            <a:r>
+              <a:rPr lang="en-US" sz="2400" b="1" dirty="0"/>
+              <a:t>distributed efficiently</a:t>
+            </a:r>
+            <a:endParaRPr lang="en-US" sz="2400" dirty="0"/>
+          </a:p>
+          <a:p>
+            <a:pPr lvl="1" fontAlgn="base"/>
+            <a:r>
+              <a:rPr lang="en-US" b="1" dirty="0"/>
+              <a:t>No class/part should get too large</a:t>
+            </a:r>
+          </a:p>
+          <a:p>
+            <a:pPr lvl="1" fontAlgn="base"/>
+            <a:r>
+              <a:rPr lang="en-US" b="1" dirty="0"/>
+              <a:t>Each class should have a single responsibility</a:t>
+            </a:r>
+            <a:r>
+              <a:rPr lang="en-US" dirty="0"/>
+              <a:t> it accomplishes</a:t>
+            </a:r>
+          </a:p>
+          <a:p>
+            <a:pPr fontAlgn="base"/>
+            <a:r>
+              <a:rPr lang="en-US" sz="2400" b="1" dirty="0">
+                <a:solidFill>
+                  <a:srgbClr val="FF0000"/>
+                </a:solidFill>
+              </a:rPr>
+              <a:t>Minimize dependencies</a:t>
+            </a:r>
+            <a:r>
+              <a:rPr lang="en-US" sz="2400" dirty="0">
+                <a:solidFill>
+                  <a:srgbClr val="FF0000"/>
+                </a:solidFill>
+              </a:rPr>
+              <a:t> between objects when it does not disrupt usability or </a:t>
+            </a:r>
+            <a:r>
+              <a:rPr lang="en-US" sz="2400" dirty="0" err="1">
+                <a:solidFill>
+                  <a:srgbClr val="FF0000"/>
+                </a:solidFill>
+              </a:rPr>
+              <a:t>extendability</a:t>
+            </a:r>
+            <a:endParaRPr lang="en-US" sz="2400" dirty="0">
+              <a:solidFill>
+                <a:srgbClr val="FF0000"/>
+              </a:solidFill>
+            </a:endParaRPr>
+          </a:p>
+          <a:p>
+            <a:pPr lvl="1" fontAlgn="base"/>
+            <a:r>
+              <a:rPr lang="en-US" dirty="0">
+                <a:solidFill>
+                  <a:srgbClr val="FF0000"/>
+                </a:solidFill>
+              </a:rPr>
+              <a:t>Tell don't ask</a:t>
+            </a:r>
+          </a:p>
+          <a:p>
+            <a:pPr lvl="1" fontAlgn="base"/>
+            <a:r>
+              <a:rPr lang="en-US" dirty="0">
+                <a:solidFill>
+                  <a:srgbClr val="FF0000"/>
+                </a:solidFill>
+              </a:rPr>
+              <a:t>Don't have message chains</a:t>
+            </a:r>
+          </a:p>
+          <a:p>
+            <a:pPr fontAlgn="base"/>
+            <a:r>
+              <a:rPr lang="en-US" sz="2400" b="1" dirty="0"/>
+              <a:t>Don't duplicate</a:t>
+            </a:r>
+            <a:r>
+              <a:rPr lang="en-US" sz="2400" dirty="0"/>
+              <a:t> code</a:t>
+            </a:r>
+          </a:p>
+          <a:p>
+            <a:pPr lvl="1" fontAlgn="base"/>
+            <a:r>
+              <a:rPr lang="en-US" dirty="0"/>
+              <a:t>Similar "chunks" of code should be </a:t>
+            </a:r>
+            <a:r>
+              <a:rPr lang="en-US" b="1" dirty="0"/>
+              <a:t>unified into functions</a:t>
+            </a:r>
+            <a:endParaRPr lang="en-US" dirty="0"/>
+          </a:p>
+          <a:p>
+            <a:pPr lvl="1" fontAlgn="base"/>
+            <a:r>
+              <a:rPr lang="en-US" dirty="0"/>
+              <a:t>Classes with similar features should be given </a:t>
+            </a:r>
+            <a:r>
+              <a:rPr lang="en-US" b="1" dirty="0"/>
+              <a:t>common interfaces</a:t>
+            </a:r>
+            <a:endParaRPr lang="en-US" dirty="0"/>
+          </a:p>
+          <a:p>
+            <a:pPr lvl="1"/>
+            <a:r>
+              <a:rPr lang="en-US" dirty="0"/>
+              <a:t>Classes with similar internals should be simplified using </a:t>
+            </a:r>
+            <a:r>
+              <a:rPr lang="en-US" b="1" dirty="0"/>
+              <a:t>inheritance</a:t>
+            </a:r>
+            <a:endParaRPr lang="en-US" dirty="0"/>
+          </a:p>
+        </p:txBody>
+      </p:sp>
+    </p:spTree>
+    <p:extLst>
+      <p:ext uri="{BB962C8B-B14F-4D97-AF65-F5344CB8AC3E}">
+        <p14:creationId xmlns:p14="http://schemas.microsoft.com/office/powerpoint/2010/main" val="193360639"/>
+      </p:ext>
+    </p:extLst>
+  </p:cSld>
+  <p:clrMapOvr>
+    <a:masterClrMapping/>
+  </p:clrMapOvr>
+</p:sld>
+</file>
+
+<file path=ppt/slides/slide40.xml><?xml version="1.0" encoding="utf-8"?>
 <p:sld xmlns:a="http://schemas.openxmlformats.org/drawingml/2006/main" xmlns:r="http://schemas.openxmlformats.org/officeDocument/2006/relationships" xmlns:p="http://schemas.openxmlformats.org/presentationml/2006/main">
   <p:cSld>
     <p:spTree>
@@ -21555,7 +21232,7 @@
 </p:sld>
 </file>
 
-<file path=ppt/slides/slide42.xml><?xml version="1.0" encoding="utf-8"?>
+<file path=ppt/slides/slide41.xml><?xml version="1.0" encoding="utf-8"?>
 <p:sld xmlns:a="http://schemas.openxmlformats.org/drawingml/2006/main" xmlns:r="http://schemas.openxmlformats.org/officeDocument/2006/relationships" xmlns:p="http://schemas.openxmlformats.org/presentationml/2006/main">
   <p:cSld>
     <p:spTree>
@@ -21667,7 +21344,7 @@
 </p:sld>
 </file>
 
-<file path=ppt/slides/slide43.xml><?xml version="1.0" encoding="utf-8"?>
+<file path=ppt/slides/slide42.xml><?xml version="1.0" encoding="utf-8"?>
 <p:sld xmlns:a="http://schemas.openxmlformats.org/drawingml/2006/main" xmlns:r="http://schemas.openxmlformats.org/officeDocument/2006/relationships" xmlns:p="http://schemas.openxmlformats.org/presentationml/2006/main">
   <p:cSld>
     <p:spTree>
@@ -21991,7 +21668,7 @@
 </p:sld>
 </file>
 
-<file path=ppt/slides/slide44.xml><?xml version="1.0" encoding="utf-8"?>
+<file path=ppt/slides/slide43.xml><?xml version="1.0" encoding="utf-8"?>
 <p:sld xmlns:a="http://schemas.openxmlformats.org/drawingml/2006/main" xmlns:r="http://schemas.openxmlformats.org/officeDocument/2006/relationships" xmlns:p="http://schemas.openxmlformats.org/presentationml/2006/main">
   <p:cSld>
     <p:spTree>
@@ -22478,7 +22155,7 @@
 </p:sld>
 </file>
 
-<file path=ppt/slides/slide45.xml><?xml version="1.0" encoding="utf-8"?>
+<file path=ppt/slides/slide44.xml><?xml version="1.0" encoding="utf-8"?>
 <p:sld xmlns:a="http://schemas.openxmlformats.org/drawingml/2006/main" xmlns:r="http://schemas.openxmlformats.org/officeDocument/2006/relationships" xmlns:p="http://schemas.openxmlformats.org/presentationml/2006/main">
   <p:cSld>
     <p:spTree>
@@ -23910,7 +23587,7 @@
 </p:sld>
 </file>
 
-<file path=ppt/slides/slide46.xml><?xml version="1.0" encoding="utf-8"?>
+<file path=ppt/slides/slide45.xml><?xml version="1.0" encoding="utf-8"?>
 <p:sld xmlns:a="http://schemas.openxmlformats.org/drawingml/2006/main" xmlns:r="http://schemas.openxmlformats.org/officeDocument/2006/relationships" xmlns:p="http://schemas.openxmlformats.org/presentationml/2006/main">
   <p:cSld>
     <p:spTree>
@@ -25309,6 +24986,116 @@
 </p:sld>
 </file>
 
+<file path=ppt/slides/slide46.xml><?xml version="1.0" encoding="utf-8"?>
+<p:sld xmlns:a="http://schemas.openxmlformats.org/drawingml/2006/main" xmlns:r="http://schemas.openxmlformats.org/officeDocument/2006/relationships" xmlns:p="http://schemas.openxmlformats.org/presentationml/2006/main">
+  <p:cSld>
+    <p:spTree>
+      <p:nvGrpSpPr>
+        <p:cNvPr id="1" name=""/>
+        <p:cNvGrpSpPr/>
+        <p:nvPr/>
+      </p:nvGrpSpPr>
+      <p:grpSpPr>
+        <a:xfrm>
+          <a:off x="0" y="0"/>
+          <a:ext cx="0" cy="0"/>
+          <a:chOff x="0" y="0"/>
+          <a:chExt cx="0" cy="0"/>
+        </a:xfrm>
+      </p:grpSpPr>
+      <p:sp>
+        <p:nvSpPr>
+          <p:cNvPr id="5" name="Title 4"/>
+          <p:cNvSpPr>
+            <a:spLocks noGrp="1"/>
+          </p:cNvSpPr>
+          <p:nvPr>
+            <p:ph type="title"/>
+          </p:nvPr>
+        </p:nvSpPr>
+        <p:spPr/>
+        <p:txBody>
+          <a:bodyPr/>
+          <a:lstStyle/>
+          <a:p>
+            <a:r>
+              <a:rPr lang="en-US" dirty="0"/>
+              <a:t>If we do our design job carefully</a:t>
+            </a:r>
+          </a:p>
+        </p:txBody>
+      </p:sp>
+      <p:sp>
+        <p:nvSpPr>
+          <p:cNvPr id="6" name="Content Placeholder 5"/>
+          <p:cNvSpPr>
+            <a:spLocks noGrp="1"/>
+          </p:cNvSpPr>
+          <p:nvPr>
+            <p:ph idx="1"/>
+          </p:nvPr>
+        </p:nvSpPr>
+        <p:spPr/>
+        <p:txBody>
+          <a:bodyPr>
+            <a:normAutofit lnSpcReduction="10000"/>
+          </a:bodyPr>
+          <a:lstStyle/>
+          <a:p>
+            <a:r>
+              <a:rPr lang="en-US" dirty="0"/>
+              <a:t>Divide &amp; Conquer - Break our larger problem into several classes</a:t>
+            </a:r>
+          </a:p>
+          <a:p>
+            <a:r>
+              <a:rPr lang="en-US" dirty="0"/>
+              <a:t>Each of these classes will do one thing well (i.e. they will have </a:t>
+            </a:r>
+            <a:r>
+              <a:rPr lang="en-US" i="1" dirty="0"/>
+              <a:t>high cohesion</a:t>
+            </a:r>
+            <a:r>
+              <a:rPr lang="en-US" dirty="0"/>
+              <a:t>)</a:t>
+            </a:r>
+          </a:p>
+          <a:p>
+            <a:r>
+              <a:rPr lang="en-US" dirty="0"/>
+              <a:t>Our classes will only need to depend on each other in specific, highly limited  essential ways (i.e. they will have </a:t>
+            </a:r>
+            <a:r>
+              <a:rPr lang="en-US" i="1" dirty="0"/>
+              <a:t>low coupling</a:t>
+            </a:r>
+            <a:r>
+              <a:rPr lang="en-US" dirty="0"/>
+              <a:t>).  </a:t>
+            </a:r>
+          </a:p>
+          <a:p>
+            <a:r>
+              <a:rPr lang="en-US" dirty="0"/>
+              <a:t>Many classes won’t even be “know” of most of the other classes in the system</a:t>
+            </a:r>
+          </a:p>
+        </p:txBody>
+      </p:sp>
+    </p:spTree>
+    <p:extLst>
+      <p:ext uri="{BB962C8B-B14F-4D97-AF65-F5344CB8AC3E}">
+        <p14:creationId xmlns:p14="http://schemas.microsoft.com/office/powerpoint/2010/main" val="2266690363"/>
+      </p:ext>
+    </p:extLst>
+  </p:cSld>
+  <p:clrMapOvr>
+    <a:masterClrMapping/>
+  </p:clrMapOvr>
+</p:sld>
+</file>
+
 <file path=ppt/slides/slide47.xml><?xml version="1.0" encoding="utf-8"?>
 <p:sld xmlns:a="http://schemas.openxmlformats.org/drawingml/2006/main" xmlns:r="http://schemas.openxmlformats.org/officeDocument/2006/relationships" xmlns:p="http://schemas.openxmlformats.org/presentationml/2006/main">
   <p:cSld>
@@ -25328,116 +25115,6 @@
       </p:grpSpPr>
       <p:sp>
         <p:nvSpPr>
-          <p:cNvPr id="5" name="Title 4"/>
-          <p:cNvSpPr>
-            <a:spLocks noGrp="1"/>
-          </p:cNvSpPr>
-          <p:nvPr>
-            <p:ph type="title"/>
-          </p:nvPr>
-        </p:nvSpPr>
-        <p:spPr/>
-        <p:txBody>
-          <a:bodyPr/>
-          <a:lstStyle/>
-          <a:p>
-            <a:r>
-              <a:rPr lang="en-US" dirty="0"/>
-              <a:t>If we do our design job carefully</a:t>
-            </a:r>
-          </a:p>
-        </p:txBody>
-      </p:sp>
-      <p:sp>
-        <p:nvSpPr>
-          <p:cNvPr id="6" name="Content Placeholder 5"/>
-          <p:cNvSpPr>
-            <a:spLocks noGrp="1"/>
-          </p:cNvSpPr>
-          <p:nvPr>
-            <p:ph idx="1"/>
-          </p:nvPr>
-        </p:nvSpPr>
-        <p:spPr/>
-        <p:txBody>
-          <a:bodyPr>
-            <a:normAutofit lnSpcReduction="10000"/>
-          </a:bodyPr>
-          <a:lstStyle/>
-          <a:p>
-            <a:r>
-              <a:rPr lang="en-US" dirty="0"/>
-              <a:t>Divide &amp; Conquer - Break our larger problem into several classes</a:t>
-            </a:r>
-          </a:p>
-          <a:p>
-            <a:r>
-              <a:rPr lang="en-US" dirty="0"/>
-              <a:t>Each of these classes will do one thing well (i.e. they will have </a:t>
-            </a:r>
-            <a:r>
-              <a:rPr lang="en-US" i="1" dirty="0"/>
-              <a:t>high cohesion</a:t>
-            </a:r>
-            <a:r>
-              <a:rPr lang="en-US" dirty="0"/>
-              <a:t>)</a:t>
-            </a:r>
-          </a:p>
-          <a:p>
-            <a:r>
-              <a:rPr lang="en-US" dirty="0"/>
-              <a:t>Our classes will only need to depend on each other in specific, highly limited  essential ways (i.e. they will have </a:t>
-            </a:r>
-            <a:r>
-              <a:rPr lang="en-US" i="1" dirty="0"/>
-              <a:t>low coupling</a:t>
-            </a:r>
-            <a:r>
-              <a:rPr lang="en-US" dirty="0"/>
-              <a:t>).  </a:t>
-            </a:r>
-          </a:p>
-          <a:p>
-            <a:r>
-              <a:rPr lang="en-US" dirty="0"/>
-              <a:t>Many classes won’t even be “know” of most of the other classes in the system</a:t>
-            </a:r>
-          </a:p>
-        </p:txBody>
-      </p:sp>
-    </p:spTree>
-    <p:extLst>
-      <p:ext uri="{BB962C8B-B14F-4D97-AF65-F5344CB8AC3E}">
-        <p14:creationId xmlns:p14="http://schemas.microsoft.com/office/powerpoint/2010/main" val="2266690363"/>
-      </p:ext>
-    </p:extLst>
-  </p:cSld>
-  <p:clrMapOvr>
-    <a:masterClrMapping/>
-  </p:clrMapOvr>
-</p:sld>
-</file>
-
-<file path=ppt/slides/slide48.xml><?xml version="1.0" encoding="utf-8"?>
-<p:sld xmlns:a="http://schemas.openxmlformats.org/drawingml/2006/main" xmlns:r="http://schemas.openxmlformats.org/officeDocument/2006/relationships" xmlns:p="http://schemas.openxmlformats.org/presentationml/2006/main">
-  <p:cSld>
-    <p:spTree>
-      <p:nvGrpSpPr>
-        <p:cNvPr id="1" name=""/>
-        <p:cNvGrpSpPr/>
-        <p:nvPr/>
-      </p:nvGrpSpPr>
-      <p:grpSpPr>
-        <a:xfrm>
-          <a:off x="0" y="0"/>
-          <a:ext cx="0" cy="0"/>
-          <a:chOff x="0" y="0"/>
-          <a:chExt cx="0" cy="0"/>
-        </a:xfrm>
-      </p:grpSpPr>
-      <p:sp>
-        <p:nvSpPr>
           <p:cNvPr id="2" name="Title 1"/>
           <p:cNvSpPr>
             <a:spLocks noGrp="1"/>
@@ -25550,6 +25227,61 @@
           </a:p>
           <a:p>
             <a:endParaRPr lang="en-US" dirty="0"/>
+          </a:p>
+        </p:txBody>
+      </p:sp>
+      <p:sp>
+        <p:nvSpPr>
+          <p:cNvPr id="4" name="Title 1">
+            <a:extLst>
+              <a:ext uri="{FF2B5EF4-FFF2-40B4-BE49-F238E27FC236}">
+                <a16:creationId xmlns:a16="http://schemas.microsoft.com/office/drawing/2014/main" id="{997D82B6-CE1F-409B-8157-933E5E91186A}"/>
+              </a:ext>
+            </a:extLst>
+          </p:cNvPr>
+          <p:cNvSpPr txBox="1">
+            <a:spLocks/>
+          </p:cNvSpPr>
+          <p:nvPr/>
+        </p:nvSpPr>
+        <p:spPr>
+          <a:xfrm rot="19195729">
+            <a:off x="216365" y="2522703"/>
+            <a:ext cx="8305800" cy="1096962"/>
+          </a:xfrm>
+          <a:prstGeom prst="rect">
+            <a:avLst/>
+          </a:prstGeom>
+        </p:spPr>
+        <p:txBody>
+          <a:bodyPr vert="horz" lIns="91440" tIns="45720" rIns="91440" bIns="45720" rtlCol="0" anchor="ctr">
+            <a:noAutofit/>
+          </a:bodyPr>
+          <a:lstStyle>
+            <a:lvl1pPr algn="ctr" defTabSz="914400" rtl="0" eaLnBrk="1" latinLnBrk="0" hangingPunct="1">
+              <a:spcBef>
+                <a:spcPct val="0"/>
+              </a:spcBef>
+              <a:buNone/>
+              <a:defRPr sz="4400" kern="1200">
+                <a:solidFill>
+                  <a:schemeClr val="tx1"/>
+                </a:solidFill>
+                <a:latin typeface="+mj-lt"/>
+                <a:ea typeface="+mj-ea"/>
+                <a:cs typeface="+mj-cs"/>
+              </a:defRPr>
+            </a:lvl1pPr>
+          </a:lstStyle>
+          <a:p>
+            <a:r>
+              <a:rPr lang="en-US" sz="8800" dirty="0">
+                <a:solidFill>
+                  <a:srgbClr val="FF0000"/>
+                </a:solidFill>
+              </a:rPr>
+              <a:t>Skip</a:t>
+            </a:r>
           </a:p>
         </p:txBody>
       </p:sp>
@@ -25566,7 +25298,7 @@
 </p:sld>
 </file>
 
-<file path=ppt/slides/slide49.xml><?xml version="1.0" encoding="utf-8"?>
+<file path=ppt/slides/slide48.xml><?xml version="1.0" encoding="utf-8"?>
 <p:sld xmlns:a="http://schemas.openxmlformats.org/drawingml/2006/main" xmlns:r="http://schemas.openxmlformats.org/officeDocument/2006/relationships" xmlns:p="http://schemas.openxmlformats.org/presentationml/2006/main">
   <p:cSld>
     <p:spTree>
@@ -25738,6 +25470,329 @@
     <p:extLst>
       <p:ext uri="{BB962C8B-B14F-4D97-AF65-F5344CB8AC3E}">
         <p14:creationId xmlns:p14="http://schemas.microsoft.com/office/powerpoint/2010/main" val="115065428"/>
+      </p:ext>
+    </p:extLst>
+  </p:cSld>
+  <p:clrMapOvr>
+    <a:masterClrMapping/>
+  </p:clrMapOvr>
+</p:sld>
+</file>
+
+<file path=ppt/slides/slide49.xml><?xml version="1.0" encoding="utf-8"?>
+<p:sld xmlns:a="http://schemas.openxmlformats.org/drawingml/2006/main" xmlns:r="http://schemas.openxmlformats.org/officeDocument/2006/relationships" xmlns:p="http://schemas.openxmlformats.org/presentationml/2006/main">
+  <p:cSld>
+    <p:spTree>
+      <p:nvGrpSpPr>
+        <p:cNvPr id="1" name=""/>
+        <p:cNvGrpSpPr/>
+        <p:nvPr/>
+      </p:nvGrpSpPr>
+      <p:grpSpPr>
+        <a:xfrm>
+          <a:off x="0" y="0"/>
+          <a:ext cx="0" cy="0"/>
+          <a:chOff x="0" y="0"/>
+          <a:chExt cx="0" cy="0"/>
+        </a:xfrm>
+      </p:grpSpPr>
+      <p:sp>
+        <p:nvSpPr>
+          <p:cNvPr id="2" name="Title 1"/>
+          <p:cNvSpPr>
+            <a:spLocks noGrp="1"/>
+          </p:cNvSpPr>
+          <p:nvPr>
+            <p:ph type="title"/>
+          </p:nvPr>
+        </p:nvSpPr>
+        <p:spPr/>
+        <p:txBody>
+          <a:bodyPr/>
+          <a:lstStyle/>
+          <a:p>
+            <a:r>
+              <a:rPr lang="en-US" dirty="0"/>
+              <a:t>2 class solution</a:t>
+            </a:r>
+          </a:p>
+        </p:txBody>
+      </p:sp>
+      <p:sp>
+        <p:nvSpPr>
+          <p:cNvPr id="5" name="Content Placeholder 3"/>
+          <p:cNvSpPr txBox="1">
+            <a:spLocks/>
+          </p:cNvSpPr>
+          <p:nvPr/>
+        </p:nvSpPr>
+        <p:spPr>
+          <a:xfrm>
+            <a:off x="457200" y="4953000"/>
+            <a:ext cx="8229600" cy="1706563"/>
+          </a:xfrm>
+          <a:prstGeom prst="rect">
+            <a:avLst/>
+          </a:prstGeom>
+        </p:spPr>
+        <p:txBody>
+          <a:bodyPr vert="horz" lIns="91440" tIns="45720" rIns="91440" bIns="45720" rtlCol="0">
+            <a:normAutofit/>
+          </a:bodyPr>
+          <a:lstStyle>
+            <a:lvl1pPr marL="342900" indent="-342900" algn="l" defTabSz="914400" rtl="0" eaLnBrk="1" latinLnBrk="0" hangingPunct="1">
+              <a:spcBef>
+                <a:spcPct val="20000"/>
+              </a:spcBef>
+              <a:buFont typeface="Arial" panose="020B0604020202020204" pitchFamily="34" charset="0"/>
+              <a:buChar char="•"/>
+              <a:defRPr sz="3200" kern="1200">
+                <a:solidFill>
+                  <a:schemeClr val="tx1"/>
+                </a:solidFill>
+                <a:latin typeface="+mn-lt"/>
+                <a:ea typeface="+mn-ea"/>
+                <a:cs typeface="+mn-cs"/>
+              </a:defRPr>
+            </a:lvl1pPr>
+            <a:lvl2pPr marL="742950" indent="-285750" algn="l" defTabSz="914400" rtl="0" eaLnBrk="1" latinLnBrk="0" hangingPunct="1">
+              <a:spcBef>
+                <a:spcPct val="20000"/>
+              </a:spcBef>
+              <a:buFont typeface="Arial" panose="020B0604020202020204" pitchFamily="34" charset="0"/>
+              <a:buChar char="–"/>
+              <a:defRPr sz="2800" kern="1200">
+                <a:solidFill>
+                  <a:schemeClr val="tx1"/>
+                </a:solidFill>
+                <a:latin typeface="+mn-lt"/>
+                <a:ea typeface="+mn-ea"/>
+                <a:cs typeface="+mn-cs"/>
+              </a:defRPr>
+            </a:lvl2pPr>
+            <a:lvl3pPr marL="1143000" indent="-228600" algn="l" defTabSz="914400" rtl="0" eaLnBrk="1" latinLnBrk="0" hangingPunct="1">
+              <a:spcBef>
+                <a:spcPct val="20000"/>
+              </a:spcBef>
+              <a:buFont typeface="Arial" panose="020B0604020202020204" pitchFamily="34" charset="0"/>
+              <a:buChar char="•"/>
+              <a:defRPr sz="2400" kern="1200">
+                <a:solidFill>
+                  <a:schemeClr val="tx1"/>
+                </a:solidFill>
+                <a:latin typeface="+mn-lt"/>
+                <a:ea typeface="+mn-ea"/>
+                <a:cs typeface="+mn-cs"/>
+              </a:defRPr>
+            </a:lvl3pPr>
+            <a:lvl4pPr marL="1600200" indent="-228600" algn="l" defTabSz="914400" rtl="0" eaLnBrk="1" latinLnBrk="0" hangingPunct="1">
+              <a:spcBef>
+                <a:spcPct val="20000"/>
+              </a:spcBef>
+              <a:buFont typeface="Arial" panose="020B0604020202020204" pitchFamily="34" charset="0"/>
+              <a:buChar char="–"/>
+              <a:defRPr sz="2000" kern="1200">
+                <a:solidFill>
+                  <a:schemeClr val="tx1"/>
+                </a:solidFill>
+                <a:latin typeface="+mn-lt"/>
+                <a:ea typeface="+mn-ea"/>
+                <a:cs typeface="+mn-cs"/>
+              </a:defRPr>
+            </a:lvl4pPr>
+            <a:lvl5pPr marL="2057400" indent="-228600" algn="l" defTabSz="914400" rtl="0" eaLnBrk="1" latinLnBrk="0" hangingPunct="1">
+              <a:spcBef>
+                <a:spcPct val="20000"/>
+              </a:spcBef>
+              <a:buFont typeface="Arial" panose="020B0604020202020204" pitchFamily="34" charset="0"/>
+              <a:buChar char="»"/>
+              <a:defRPr sz="2000" kern="1200">
+                <a:solidFill>
+                  <a:schemeClr val="tx1"/>
+                </a:solidFill>
+                <a:latin typeface="+mn-lt"/>
+                <a:ea typeface="+mn-ea"/>
+                <a:cs typeface="+mn-cs"/>
+              </a:defRPr>
+            </a:lvl5pPr>
+            <a:lvl6pPr marL="2514600" indent="-228600" algn="l" defTabSz="914400" rtl="0" eaLnBrk="1" latinLnBrk="0" hangingPunct="1">
+              <a:spcBef>
+                <a:spcPct val="20000"/>
+              </a:spcBef>
+              <a:buFont typeface="Arial" panose="020B0604020202020204" pitchFamily="34" charset="0"/>
+              <a:buChar char="•"/>
+              <a:defRPr sz="2000" kern="1200">
+                <a:solidFill>
+                  <a:schemeClr val="tx1"/>
+                </a:solidFill>
+                <a:latin typeface="+mn-lt"/>
+                <a:ea typeface="+mn-ea"/>
+                <a:cs typeface="+mn-cs"/>
+              </a:defRPr>
+            </a:lvl6pPr>
+            <a:lvl7pPr marL="2971800" indent="-228600" algn="l" defTabSz="914400" rtl="0" eaLnBrk="1" latinLnBrk="0" hangingPunct="1">
+              <a:spcBef>
+                <a:spcPct val="20000"/>
+              </a:spcBef>
+              <a:buFont typeface="Arial" panose="020B0604020202020204" pitchFamily="34" charset="0"/>
+              <a:buChar char="•"/>
+              <a:defRPr sz="2000" kern="1200">
+                <a:solidFill>
+                  <a:schemeClr val="tx1"/>
+                </a:solidFill>
+                <a:latin typeface="+mn-lt"/>
+                <a:ea typeface="+mn-ea"/>
+                <a:cs typeface="+mn-cs"/>
+              </a:defRPr>
+            </a:lvl7pPr>
+            <a:lvl8pPr marL="3429000" indent="-228600" algn="l" defTabSz="914400" rtl="0" eaLnBrk="1" latinLnBrk="0" hangingPunct="1">
+              <a:spcBef>
+                <a:spcPct val="20000"/>
+              </a:spcBef>
+              <a:buFont typeface="Arial" panose="020B0604020202020204" pitchFamily="34" charset="0"/>
+              <a:buChar char="•"/>
+              <a:defRPr sz="2000" kern="1200">
+                <a:solidFill>
+                  <a:schemeClr val="tx1"/>
+                </a:solidFill>
+                <a:latin typeface="+mn-lt"/>
+                <a:ea typeface="+mn-ea"/>
+                <a:cs typeface="+mn-cs"/>
+              </a:defRPr>
+            </a:lvl8pPr>
+            <a:lvl9pPr marL="3886200" indent="-228600" algn="l" defTabSz="914400" rtl="0" eaLnBrk="1" latinLnBrk="0" hangingPunct="1">
+              <a:spcBef>
+                <a:spcPct val="20000"/>
+              </a:spcBef>
+              <a:buFont typeface="Arial" panose="020B0604020202020204" pitchFamily="34" charset="0"/>
+              <a:buChar char="•"/>
+              <a:defRPr sz="2000" kern="1200">
+                <a:solidFill>
+                  <a:schemeClr val="tx1"/>
+                </a:solidFill>
+                <a:latin typeface="+mn-lt"/>
+                <a:ea typeface="+mn-ea"/>
+                <a:cs typeface="+mn-cs"/>
+              </a:defRPr>
+            </a:lvl9pPr>
+          </a:lstStyle>
+          <a:p>
+            <a:r>
+              <a:rPr lang="en-US"/>
+              <a:t>Coupling?</a:t>
+            </a:r>
+          </a:p>
+          <a:p>
+            <a:r>
+              <a:rPr lang="en-US"/>
+              <a:t>Cohesion?</a:t>
+            </a:r>
+            <a:endParaRPr lang="en-US" dirty="0"/>
+          </a:p>
+        </p:txBody>
+      </p:sp>
+      <p:pic>
+        <p:nvPicPr>
+          <p:cNvPr id="2050" name="Picture 2" descr="PlantUML diagram"/>
+          <p:cNvPicPr>
+            <a:picLocks noGrp="1" noChangeAspect="1" noChangeArrowheads="1"/>
+          </p:cNvPicPr>
+          <p:nvPr>
+            <p:ph idx="1"/>
+          </p:nvPr>
+        </p:nvPicPr>
+        <p:blipFill>
+          <a:blip r:embed="rId3">
+            <a:extLst>
+              <a:ext uri="{28A0092B-C50C-407E-A947-70E740481C1C}">
+                <a14:useLocalDpi xmlns:a14="http://schemas.microsoft.com/office/drawing/2010/main" val="0"/>
+              </a:ext>
+            </a:extLst>
+          </a:blip>
+          <a:srcRect/>
+          <a:stretch>
+            <a:fillRect/>
+          </a:stretch>
+        </p:blipFill>
+        <p:spPr bwMode="auto">
+          <a:xfrm>
+            <a:off x="161126" y="2209800"/>
+            <a:ext cx="8525674" cy="1839678"/>
+          </a:xfrm>
+          <a:prstGeom prst="rect">
+            <a:avLst/>
+          </a:prstGeom>
+          <a:noFill/>
+          <a:extLst>
+            <a:ext uri="{909E8E84-426E-40DD-AFC4-6F175D3DCCD1}">
+              <a14:hiddenFill xmlns:a14="http://schemas.microsoft.com/office/drawing/2010/main">
+                <a:solidFill>
+                  <a:srgbClr val="FFFFFF"/>
+                </a:solidFill>
+              </a14:hiddenFill>
+            </a:ext>
+          </a:extLst>
+        </p:spPr>
+      </p:pic>
+      <p:sp>
+        <p:nvSpPr>
+          <p:cNvPr id="6" name="Title 1">
+            <a:extLst>
+              <a:ext uri="{FF2B5EF4-FFF2-40B4-BE49-F238E27FC236}">
+                <a16:creationId xmlns:a16="http://schemas.microsoft.com/office/drawing/2014/main" id="{8F7F1764-5D32-4B33-A779-1C8C97AA91DC}"/>
+              </a:ext>
+            </a:extLst>
+          </p:cNvPr>
+          <p:cNvSpPr txBox="1">
+            <a:spLocks/>
+          </p:cNvSpPr>
+          <p:nvPr/>
+        </p:nvSpPr>
+        <p:spPr>
+          <a:xfrm rot="19195729">
+            <a:off x="216365" y="2522703"/>
+            <a:ext cx="8305800" cy="1096962"/>
+          </a:xfrm>
+          <a:prstGeom prst="rect">
+            <a:avLst/>
+          </a:prstGeom>
+        </p:spPr>
+        <p:txBody>
+          <a:bodyPr vert="horz" lIns="91440" tIns="45720" rIns="91440" bIns="45720" rtlCol="0" anchor="ctr">
+            <a:noAutofit/>
+          </a:bodyPr>
+          <a:lstStyle>
+            <a:lvl1pPr algn="ctr" defTabSz="914400" rtl="0" eaLnBrk="1" latinLnBrk="0" hangingPunct="1">
+              <a:spcBef>
+                <a:spcPct val="0"/>
+              </a:spcBef>
+              <a:buNone/>
+              <a:defRPr sz="4400" kern="1200">
+                <a:solidFill>
+                  <a:schemeClr val="tx1"/>
+                </a:solidFill>
+                <a:latin typeface="+mj-lt"/>
+                <a:ea typeface="+mj-ea"/>
+                <a:cs typeface="+mj-cs"/>
+              </a:defRPr>
+            </a:lvl1pPr>
+          </a:lstStyle>
+          <a:p>
+            <a:r>
+              <a:rPr lang="en-US" sz="8800" dirty="0">
+                <a:solidFill>
+                  <a:srgbClr val="FF0000"/>
+                </a:solidFill>
+              </a:rPr>
+              <a:t>Skip</a:t>
+            </a:r>
+          </a:p>
+        </p:txBody>
+      </p:sp>
+    </p:spTree>
+    <p:extLst>
+      <p:ext uri="{BB962C8B-B14F-4D97-AF65-F5344CB8AC3E}">
+        <p14:creationId xmlns:p14="http://schemas.microsoft.com/office/powerpoint/2010/main" val="3160664285"/>
       </p:ext>
     </p:extLst>
   </p:cSld>
@@ -26002,329 +26057,6 @@
       </p:sp>
       <p:sp>
         <p:nvSpPr>
-          <p:cNvPr id="5" name="Content Placeholder 3"/>
-          <p:cNvSpPr txBox="1">
-            <a:spLocks/>
-          </p:cNvSpPr>
-          <p:nvPr/>
-        </p:nvSpPr>
-        <p:spPr>
-          <a:xfrm>
-            <a:off x="457200" y="4953000"/>
-            <a:ext cx="8229600" cy="1706563"/>
-          </a:xfrm>
-          <a:prstGeom prst="rect">
-            <a:avLst/>
-          </a:prstGeom>
-        </p:spPr>
-        <p:txBody>
-          <a:bodyPr vert="horz" lIns="91440" tIns="45720" rIns="91440" bIns="45720" rtlCol="0">
-            <a:normAutofit/>
-          </a:bodyPr>
-          <a:lstStyle>
-            <a:lvl1pPr marL="342900" indent="-342900" algn="l" defTabSz="914400" rtl="0" eaLnBrk="1" latinLnBrk="0" hangingPunct="1">
-              <a:spcBef>
-                <a:spcPct val="20000"/>
-              </a:spcBef>
-              <a:buFont typeface="Arial" panose="020B0604020202020204" pitchFamily="34" charset="0"/>
-              <a:buChar char="•"/>
-              <a:defRPr sz="3200" kern="1200">
-                <a:solidFill>
-                  <a:schemeClr val="tx1"/>
-                </a:solidFill>
-                <a:latin typeface="+mn-lt"/>
-                <a:ea typeface="+mn-ea"/>
-                <a:cs typeface="+mn-cs"/>
-              </a:defRPr>
-            </a:lvl1pPr>
-            <a:lvl2pPr marL="742950" indent="-285750" algn="l" defTabSz="914400" rtl="0" eaLnBrk="1" latinLnBrk="0" hangingPunct="1">
-              <a:spcBef>
-                <a:spcPct val="20000"/>
-              </a:spcBef>
-              <a:buFont typeface="Arial" panose="020B0604020202020204" pitchFamily="34" charset="0"/>
-              <a:buChar char="–"/>
-              <a:defRPr sz="2800" kern="1200">
-                <a:solidFill>
-                  <a:schemeClr val="tx1"/>
-                </a:solidFill>
-                <a:latin typeface="+mn-lt"/>
-                <a:ea typeface="+mn-ea"/>
-                <a:cs typeface="+mn-cs"/>
-              </a:defRPr>
-            </a:lvl2pPr>
-            <a:lvl3pPr marL="1143000" indent="-228600" algn="l" defTabSz="914400" rtl="0" eaLnBrk="1" latinLnBrk="0" hangingPunct="1">
-              <a:spcBef>
-                <a:spcPct val="20000"/>
-              </a:spcBef>
-              <a:buFont typeface="Arial" panose="020B0604020202020204" pitchFamily="34" charset="0"/>
-              <a:buChar char="•"/>
-              <a:defRPr sz="2400" kern="1200">
-                <a:solidFill>
-                  <a:schemeClr val="tx1"/>
-                </a:solidFill>
-                <a:latin typeface="+mn-lt"/>
-                <a:ea typeface="+mn-ea"/>
-                <a:cs typeface="+mn-cs"/>
-              </a:defRPr>
-            </a:lvl3pPr>
-            <a:lvl4pPr marL="1600200" indent="-228600" algn="l" defTabSz="914400" rtl="0" eaLnBrk="1" latinLnBrk="0" hangingPunct="1">
-              <a:spcBef>
-                <a:spcPct val="20000"/>
-              </a:spcBef>
-              <a:buFont typeface="Arial" panose="020B0604020202020204" pitchFamily="34" charset="0"/>
-              <a:buChar char="–"/>
-              <a:defRPr sz="2000" kern="1200">
-                <a:solidFill>
-                  <a:schemeClr val="tx1"/>
-                </a:solidFill>
-                <a:latin typeface="+mn-lt"/>
-                <a:ea typeface="+mn-ea"/>
-                <a:cs typeface="+mn-cs"/>
-              </a:defRPr>
-            </a:lvl4pPr>
-            <a:lvl5pPr marL="2057400" indent="-228600" algn="l" defTabSz="914400" rtl="0" eaLnBrk="1" latinLnBrk="0" hangingPunct="1">
-              <a:spcBef>
-                <a:spcPct val="20000"/>
-              </a:spcBef>
-              <a:buFont typeface="Arial" panose="020B0604020202020204" pitchFamily="34" charset="0"/>
-              <a:buChar char="»"/>
-              <a:defRPr sz="2000" kern="1200">
-                <a:solidFill>
-                  <a:schemeClr val="tx1"/>
-                </a:solidFill>
-                <a:latin typeface="+mn-lt"/>
-                <a:ea typeface="+mn-ea"/>
-                <a:cs typeface="+mn-cs"/>
-              </a:defRPr>
-            </a:lvl5pPr>
-            <a:lvl6pPr marL="2514600" indent="-228600" algn="l" defTabSz="914400" rtl="0" eaLnBrk="1" latinLnBrk="0" hangingPunct="1">
-              <a:spcBef>
-                <a:spcPct val="20000"/>
-              </a:spcBef>
-              <a:buFont typeface="Arial" panose="020B0604020202020204" pitchFamily="34" charset="0"/>
-              <a:buChar char="•"/>
-              <a:defRPr sz="2000" kern="1200">
-                <a:solidFill>
-                  <a:schemeClr val="tx1"/>
-                </a:solidFill>
-                <a:latin typeface="+mn-lt"/>
-                <a:ea typeface="+mn-ea"/>
-                <a:cs typeface="+mn-cs"/>
-              </a:defRPr>
-            </a:lvl6pPr>
-            <a:lvl7pPr marL="2971800" indent="-228600" algn="l" defTabSz="914400" rtl="0" eaLnBrk="1" latinLnBrk="0" hangingPunct="1">
-              <a:spcBef>
-                <a:spcPct val="20000"/>
-              </a:spcBef>
-              <a:buFont typeface="Arial" panose="020B0604020202020204" pitchFamily="34" charset="0"/>
-              <a:buChar char="•"/>
-              <a:defRPr sz="2000" kern="1200">
-                <a:solidFill>
-                  <a:schemeClr val="tx1"/>
-                </a:solidFill>
-                <a:latin typeface="+mn-lt"/>
-                <a:ea typeface="+mn-ea"/>
-                <a:cs typeface="+mn-cs"/>
-              </a:defRPr>
-            </a:lvl7pPr>
-            <a:lvl8pPr marL="3429000" indent="-228600" algn="l" defTabSz="914400" rtl="0" eaLnBrk="1" latinLnBrk="0" hangingPunct="1">
-              <a:spcBef>
-                <a:spcPct val="20000"/>
-              </a:spcBef>
-              <a:buFont typeface="Arial" panose="020B0604020202020204" pitchFamily="34" charset="0"/>
-              <a:buChar char="•"/>
-              <a:defRPr sz="2000" kern="1200">
-                <a:solidFill>
-                  <a:schemeClr val="tx1"/>
-                </a:solidFill>
-                <a:latin typeface="+mn-lt"/>
-                <a:ea typeface="+mn-ea"/>
-                <a:cs typeface="+mn-cs"/>
-              </a:defRPr>
-            </a:lvl8pPr>
-            <a:lvl9pPr marL="3886200" indent="-228600" algn="l" defTabSz="914400" rtl="0" eaLnBrk="1" latinLnBrk="0" hangingPunct="1">
-              <a:spcBef>
-                <a:spcPct val="20000"/>
-              </a:spcBef>
-              <a:buFont typeface="Arial" panose="020B0604020202020204" pitchFamily="34" charset="0"/>
-              <a:buChar char="•"/>
-              <a:defRPr sz="2000" kern="1200">
-                <a:solidFill>
-                  <a:schemeClr val="tx1"/>
-                </a:solidFill>
-                <a:latin typeface="+mn-lt"/>
-                <a:ea typeface="+mn-ea"/>
-                <a:cs typeface="+mn-cs"/>
-              </a:defRPr>
-            </a:lvl9pPr>
-          </a:lstStyle>
-          <a:p>
-            <a:r>
-              <a:rPr lang="en-US"/>
-              <a:t>Coupling?</a:t>
-            </a:r>
-          </a:p>
-          <a:p>
-            <a:r>
-              <a:rPr lang="en-US"/>
-              <a:t>Cohesion?</a:t>
-            </a:r>
-            <a:endParaRPr lang="en-US" dirty="0"/>
-          </a:p>
-        </p:txBody>
-      </p:sp>
-      <p:pic>
-        <p:nvPicPr>
-          <p:cNvPr id="2050" name="Picture 2" descr="PlantUML diagram"/>
-          <p:cNvPicPr>
-            <a:picLocks noGrp="1" noChangeAspect="1" noChangeArrowheads="1"/>
-          </p:cNvPicPr>
-          <p:nvPr>
-            <p:ph idx="1"/>
-          </p:nvPr>
-        </p:nvPicPr>
-        <p:blipFill>
-          <a:blip r:embed="rId3">
-            <a:extLst>
-              <a:ext uri="{28A0092B-C50C-407E-A947-70E740481C1C}">
-                <a14:useLocalDpi xmlns:a14="http://schemas.microsoft.com/office/drawing/2010/main" val="0"/>
-              </a:ext>
-            </a:extLst>
-          </a:blip>
-          <a:srcRect/>
-          <a:stretch>
-            <a:fillRect/>
-          </a:stretch>
-        </p:blipFill>
-        <p:spPr bwMode="auto">
-          <a:xfrm>
-            <a:off x="161126" y="2209800"/>
-            <a:ext cx="8525674" cy="1839678"/>
-          </a:xfrm>
-          <a:prstGeom prst="rect">
-            <a:avLst/>
-          </a:prstGeom>
-          <a:noFill/>
-          <a:extLst>
-            <a:ext uri="{909E8E84-426E-40DD-AFC4-6F175D3DCCD1}">
-              <a14:hiddenFill xmlns:a14="http://schemas.microsoft.com/office/drawing/2010/main">
-                <a:solidFill>
-                  <a:srgbClr val="FFFFFF"/>
-                </a:solidFill>
-              </a14:hiddenFill>
-            </a:ext>
-          </a:extLst>
-        </p:spPr>
-      </p:pic>
-      <p:sp>
-        <p:nvSpPr>
-          <p:cNvPr id="6" name="Title 1">
-            <a:extLst>
-              <a:ext uri="{FF2B5EF4-FFF2-40B4-BE49-F238E27FC236}">
-                <a16:creationId xmlns:a16="http://schemas.microsoft.com/office/drawing/2014/main" id="{8F7F1764-5D32-4B33-A779-1C8C97AA91DC}"/>
-              </a:ext>
-            </a:extLst>
-          </p:cNvPr>
-          <p:cNvSpPr txBox="1">
-            <a:spLocks/>
-          </p:cNvSpPr>
-          <p:nvPr/>
-        </p:nvSpPr>
-        <p:spPr>
-          <a:xfrm rot="19195729">
-            <a:off x="216365" y="2522703"/>
-            <a:ext cx="8305800" cy="1096962"/>
-          </a:xfrm>
-          <a:prstGeom prst="rect">
-            <a:avLst/>
-          </a:prstGeom>
-        </p:spPr>
-        <p:txBody>
-          <a:bodyPr vert="horz" lIns="91440" tIns="45720" rIns="91440" bIns="45720" rtlCol="0" anchor="ctr">
-            <a:noAutofit/>
-          </a:bodyPr>
-          <a:lstStyle>
-            <a:lvl1pPr algn="ctr" defTabSz="914400" rtl="0" eaLnBrk="1" latinLnBrk="0" hangingPunct="1">
-              <a:spcBef>
-                <a:spcPct val="0"/>
-              </a:spcBef>
-              <a:buNone/>
-              <a:defRPr sz="4400" kern="1200">
-                <a:solidFill>
-                  <a:schemeClr val="tx1"/>
-                </a:solidFill>
-                <a:latin typeface="+mj-lt"/>
-                <a:ea typeface="+mj-ea"/>
-                <a:cs typeface="+mj-cs"/>
-              </a:defRPr>
-            </a:lvl1pPr>
-          </a:lstStyle>
-          <a:p>
-            <a:r>
-              <a:rPr lang="en-US" sz="8800" dirty="0">
-                <a:solidFill>
-                  <a:srgbClr val="FF0000"/>
-                </a:solidFill>
-              </a:rPr>
-              <a:t>Skip</a:t>
-            </a:r>
-          </a:p>
-        </p:txBody>
-      </p:sp>
-    </p:spTree>
-    <p:extLst>
-      <p:ext uri="{BB962C8B-B14F-4D97-AF65-F5344CB8AC3E}">
-        <p14:creationId xmlns:p14="http://schemas.microsoft.com/office/powerpoint/2010/main" val="3160664285"/>
-      </p:ext>
-    </p:extLst>
-  </p:cSld>
-  <p:clrMapOvr>
-    <a:masterClrMapping/>
-  </p:clrMapOvr>
-</p:sld>
-</file>
-
-<file path=ppt/slides/slide51.xml><?xml version="1.0" encoding="utf-8"?>
-<p:sld xmlns:a="http://schemas.openxmlformats.org/drawingml/2006/main" xmlns:r="http://schemas.openxmlformats.org/officeDocument/2006/relationships" xmlns:p="http://schemas.openxmlformats.org/presentationml/2006/main">
-  <p:cSld>
-    <p:spTree>
-      <p:nvGrpSpPr>
-        <p:cNvPr id="1" name=""/>
-        <p:cNvGrpSpPr/>
-        <p:nvPr/>
-      </p:nvGrpSpPr>
-      <p:grpSpPr>
-        <a:xfrm>
-          <a:off x="0" y="0"/>
-          <a:ext cx="0" cy="0"/>
-          <a:chOff x="0" y="0"/>
-          <a:chExt cx="0" cy="0"/>
-        </a:xfrm>
-      </p:grpSpPr>
-      <p:sp>
-        <p:nvSpPr>
-          <p:cNvPr id="2" name="Title 1"/>
-          <p:cNvSpPr>
-            <a:spLocks noGrp="1"/>
-          </p:cNvSpPr>
-          <p:nvPr>
-            <p:ph type="title"/>
-          </p:nvPr>
-        </p:nvSpPr>
-        <p:spPr/>
-        <p:txBody>
-          <a:bodyPr/>
-          <a:lstStyle/>
-          <a:p>
-            <a:r>
-              <a:rPr lang="en-US" dirty="0"/>
-              <a:t>2 class solution</a:t>
-            </a:r>
-          </a:p>
-        </p:txBody>
-      </p:sp>
-      <p:sp>
-        <p:nvSpPr>
           <p:cNvPr id="7" name="Content Placeholder 3"/>
           <p:cNvSpPr>
             <a:spLocks noGrp="1"/>
@@ -26465,7 +26197,7 @@
 </p:sld>
 </file>
 
-<file path=ppt/slides/slide52.xml><?xml version="1.0" encoding="utf-8"?>
+<file path=ppt/slides/slide51.xml><?xml version="1.0" encoding="utf-8"?>
 <p:sld xmlns:a="http://schemas.openxmlformats.org/drawingml/2006/main" xmlns:r="http://schemas.openxmlformats.org/officeDocument/2006/relationships" xmlns:p="http://schemas.openxmlformats.org/presentationml/2006/main">
   <p:cSld>
     <p:spTree>
@@ -26786,7 +26518,7 @@
 </p:sld>
 </file>
 
-<file path=ppt/slides/slide53.xml><?xml version="1.0" encoding="utf-8"?>
+<file path=ppt/slides/slide52.xml><?xml version="1.0" encoding="utf-8"?>
 <p:sld xmlns:a="http://schemas.openxmlformats.org/drawingml/2006/main" xmlns:r="http://schemas.openxmlformats.org/officeDocument/2006/relationships" xmlns:p="http://schemas.openxmlformats.org/presentationml/2006/main">
   <p:cSld>
     <p:spTree>
@@ -26967,7 +26699,7 @@
 </p:sld>
 </file>
 
-<file path=ppt/slides/slide54.xml><?xml version="1.0" encoding="utf-8"?>
+<file path=ppt/slides/slide53.xml><?xml version="1.0" encoding="utf-8"?>
 <p:sld xmlns:a="http://schemas.openxmlformats.org/drawingml/2006/main" xmlns:r="http://schemas.openxmlformats.org/officeDocument/2006/relationships" xmlns:p="http://schemas.openxmlformats.org/presentationml/2006/main">
   <p:cSld>
     <p:spTree>
@@ -27290,6 +27022,120 @@
 </p:sld>
 </file>
 
+<file path=ppt/slides/slide54.xml><?xml version="1.0" encoding="utf-8"?>
+<p:sld xmlns:a="http://schemas.openxmlformats.org/drawingml/2006/main" xmlns:r="http://schemas.openxmlformats.org/officeDocument/2006/relationships" xmlns:p="http://schemas.openxmlformats.org/presentationml/2006/main">
+  <p:cSld>
+    <p:spTree>
+      <p:nvGrpSpPr>
+        <p:cNvPr id="1" name=""/>
+        <p:cNvGrpSpPr/>
+        <p:nvPr/>
+      </p:nvGrpSpPr>
+      <p:grpSpPr>
+        <a:xfrm>
+          <a:off x="0" y="0"/>
+          <a:ext cx="0" cy="0"/>
+          <a:chOff x="0" y="0"/>
+          <a:chExt cx="0" cy="0"/>
+        </a:xfrm>
+      </p:grpSpPr>
+      <p:sp>
+        <p:nvSpPr>
+          <p:cNvPr id="2" name="Title 1"/>
+          <p:cNvSpPr>
+            <a:spLocks noGrp="1"/>
+          </p:cNvSpPr>
+          <p:nvPr>
+            <p:ph type="title"/>
+          </p:nvPr>
+        </p:nvSpPr>
+        <p:spPr/>
+        <p:txBody>
+          <a:bodyPr/>
+          <a:lstStyle/>
+          <a:p>
+            <a:r>
+              <a:rPr lang="en-US" dirty="0"/>
+              <a:t>Note that</a:t>
+            </a:r>
+          </a:p>
+        </p:txBody>
+      </p:sp>
+      <p:sp>
+        <p:nvSpPr>
+          <p:cNvPr id="3" name="Content Placeholder 2"/>
+          <p:cNvSpPr>
+            <a:spLocks noGrp="1"/>
+          </p:cNvSpPr>
+          <p:nvPr>
+            <p:ph idx="1"/>
+          </p:nvPr>
+        </p:nvSpPr>
+        <p:spPr/>
+        <p:txBody>
+          <a:bodyPr/>
+          <a:lstStyle/>
+          <a:p>
+            <a:r>
+              <a:rPr lang="en-US" dirty="0"/>
+              <a:t>Cohesion makes us want: </a:t>
+            </a:r>
+          </a:p>
+          <a:p>
+            <a:pPr lvl="1"/>
+            <a:r>
+              <a:rPr lang="en-US" dirty="0"/>
+              <a:t>Many smaller classes</a:t>
+            </a:r>
+          </a:p>
+          <a:p>
+            <a:pPr lvl="1"/>
+            <a:r>
+              <a:rPr lang="en-US" dirty="0"/>
+              <a:t>Classes that do only one thing well</a:t>
+            </a:r>
+          </a:p>
+          <a:p>
+            <a:r>
+              <a:rPr lang="en-US" dirty="0"/>
+              <a:t>If classes are too small</a:t>
+            </a:r>
+          </a:p>
+          <a:p>
+            <a:pPr lvl="1"/>
+            <a:r>
+              <a:rPr lang="en-US" dirty="0"/>
+              <a:t>Tend to need to depend on each other</a:t>
+            </a:r>
+          </a:p>
+          <a:p>
+            <a:pPr lvl="1"/>
+            <a:r>
+              <a:rPr lang="en-US" dirty="0"/>
+              <a:t>Coupling rises</a:t>
+            </a:r>
+          </a:p>
+          <a:p>
+            <a:r>
+              <a:rPr lang="en-US" dirty="0"/>
+              <a:t>Want “Goldilocks” design</a:t>
+            </a:r>
+          </a:p>
+        </p:txBody>
+      </p:sp>
+    </p:spTree>
+    <p:extLst>
+      <p:ext uri="{BB962C8B-B14F-4D97-AF65-F5344CB8AC3E}">
+        <p14:creationId xmlns:p14="http://schemas.microsoft.com/office/powerpoint/2010/main" val="2484767416"/>
+      </p:ext>
+    </p:extLst>
+  </p:cSld>
+  <p:clrMapOvr>
+    <a:masterClrMapping/>
+  </p:clrMapOvr>
+</p:sld>
+</file>
+
 <file path=ppt/slides/slide55.xml><?xml version="1.0" encoding="utf-8"?>
 <p:sld xmlns:a="http://schemas.openxmlformats.org/drawingml/2006/main" xmlns:r="http://schemas.openxmlformats.org/officeDocument/2006/relationships" xmlns:p="http://schemas.openxmlformats.org/presentationml/2006/main">
   <p:cSld>
@@ -27324,7 +27170,7 @@
           <a:p>
             <a:r>
               <a:rPr lang="en-US" dirty="0"/>
-              <a:t>Note that</a:t>
+              <a:t>Rule of Thumb: No Global Variables</a:t>
             </a:r>
           </a:p>
         </p:txBody>
@@ -27346,55 +27192,38 @@
           <a:p>
             <a:r>
               <a:rPr lang="en-US" dirty="0"/>
-              <a:t>Cohesion makes us want: </a:t>
-            </a:r>
-          </a:p>
-          <a:p>
-            <a:pPr lvl="1"/>
-            <a:r>
-              <a:rPr lang="en-US" dirty="0"/>
-              <a:t>Many smaller classes</a:t>
-            </a:r>
-          </a:p>
-          <a:p>
-            <a:pPr lvl="1"/>
-            <a:r>
-              <a:rPr lang="en-US" dirty="0"/>
-              <a:t>Classes that do only one thing well</a:t>
-            </a:r>
-          </a:p>
-          <a:p>
-            <a:r>
-              <a:rPr lang="en-US" dirty="0"/>
-              <a:t>If classes are too small</a:t>
-            </a:r>
-          </a:p>
-          <a:p>
-            <a:pPr lvl="1"/>
-            <a:r>
-              <a:rPr lang="en-US" dirty="0"/>
-              <a:t>Tend to need to depend on each other</a:t>
-            </a:r>
-          </a:p>
-          <a:p>
-            <a:pPr lvl="1"/>
-            <a:r>
-              <a:rPr lang="en-US" dirty="0"/>
-              <a:t>Coupling rises</a:t>
-            </a:r>
-          </a:p>
-          <a:p>
-            <a:r>
-              <a:rPr lang="en-US" dirty="0"/>
-              <a:t>Want “Goldilocks” design</a:t>
-            </a:r>
+              <a:t>Or static variables that are used like </a:t>
+            </a:r>
+            <a:r>
+              <a:rPr lang="en-US" dirty="0" err="1"/>
+              <a:t>globals</a:t>
+            </a:r>
+            <a:endParaRPr lang="en-US" dirty="0"/>
+          </a:p>
+          <a:p>
+            <a:r>
+              <a:rPr lang="en-US" dirty="0"/>
+              <a:t>A static variable can be accessed/modified in any function at any time</a:t>
+            </a:r>
+          </a:p>
+          <a:p>
+            <a:r>
+              <a:rPr lang="en-US" dirty="0"/>
+              <a:t>As a result many parts of the code can be coupled to a single class</a:t>
+            </a:r>
+          </a:p>
+          <a:p>
+            <a:endParaRPr lang="en-US" dirty="0"/>
+          </a:p>
+          <a:p>
+            <a:endParaRPr lang="en-US" dirty="0"/>
           </a:p>
         </p:txBody>
       </p:sp>
     </p:spTree>
     <p:extLst>
       <p:ext uri="{BB962C8B-B14F-4D97-AF65-F5344CB8AC3E}">
-        <p14:creationId xmlns:p14="http://schemas.microsoft.com/office/powerpoint/2010/main" val="2484767416"/>
+        <p14:creationId xmlns:p14="http://schemas.microsoft.com/office/powerpoint/2010/main" val="3696196850"/>
       </p:ext>
     </p:extLst>
   </p:cSld>
@@ -27455,7 +27284,9 @@
         </p:nvSpPr>
         <p:spPr/>
         <p:txBody>
-          <a:bodyPr/>
+          <a:bodyPr>
+            <a:normAutofit fontScale="92500" lnSpcReduction="10000"/>
+          </a:bodyPr>
           <a:lstStyle/>
           <a:p>
             <a:r>
@@ -27482,6 +27313,26 @@
           </a:p>
           <a:p>
             <a:endParaRPr lang="en-US" dirty="0"/>
+          </a:p>
+          <a:p>
+            <a:r>
+              <a:rPr lang="en-US" dirty="0">
+                <a:highlight>
+                  <a:srgbClr val="FFFF00"/>
+                </a:highlight>
+              </a:rPr>
+              <a:t>Why? </a:t>
+            </a:r>
+          </a:p>
+          <a:p>
+            <a:r>
+              <a:rPr lang="en-US" dirty="0">
+                <a:highlight>
+                  <a:srgbClr val="FFFF00"/>
+                </a:highlight>
+              </a:rPr>
+              <a:t>Increases coupling among all the clients that get or change value of the global variable</a:t>
+            </a:r>
           </a:p>
           <a:p>
             <a:endParaRPr lang="en-US" dirty="0"/>
@@ -27491,7 +27342,7 @@
     </p:spTree>
     <p:extLst>
       <p:ext uri="{BB962C8B-B14F-4D97-AF65-F5344CB8AC3E}">
-        <p14:creationId xmlns:p14="http://schemas.microsoft.com/office/powerpoint/2010/main" val="3696196850"/>
+        <p14:creationId xmlns:p14="http://schemas.microsoft.com/office/powerpoint/2010/main" val="1243921667"/>
       </p:ext>
     </p:extLst>
   </p:cSld>
@@ -27534,125 +27385,6 @@
           <a:lstStyle/>
           <a:p>
             <a:r>
-              <a:rPr lang="en-US" dirty="0"/>
-              <a:t>Rule of Thumb: No Global Variables</a:t>
-            </a:r>
-          </a:p>
-        </p:txBody>
-      </p:sp>
-      <p:sp>
-        <p:nvSpPr>
-          <p:cNvPr id="3" name="Content Placeholder 2"/>
-          <p:cNvSpPr>
-            <a:spLocks noGrp="1"/>
-          </p:cNvSpPr>
-          <p:nvPr>
-            <p:ph idx="1"/>
-          </p:nvPr>
-        </p:nvSpPr>
-        <p:spPr/>
-        <p:txBody>
-          <a:bodyPr>
-            <a:normAutofit fontScale="92500" lnSpcReduction="10000"/>
-          </a:bodyPr>
-          <a:lstStyle/>
-          <a:p>
-            <a:r>
-              <a:rPr lang="en-US" dirty="0"/>
-              <a:t>Or static variables that are used like </a:t>
-            </a:r>
-            <a:r>
-              <a:rPr lang="en-US" dirty="0" err="1"/>
-              <a:t>globals</a:t>
-            </a:r>
-            <a:endParaRPr lang="en-US" dirty="0"/>
-          </a:p>
-          <a:p>
-            <a:r>
-              <a:rPr lang="en-US" dirty="0"/>
-              <a:t>A static variable can be accessed/modified in any function at any time</a:t>
-            </a:r>
-          </a:p>
-          <a:p>
-            <a:r>
-              <a:rPr lang="en-US" dirty="0"/>
-              <a:t>As a result many parts of the code can be coupled to a single class</a:t>
-            </a:r>
-          </a:p>
-          <a:p>
-            <a:endParaRPr lang="en-US" dirty="0"/>
-          </a:p>
-          <a:p>
-            <a:r>
-              <a:rPr lang="en-US" dirty="0">
-                <a:highlight>
-                  <a:srgbClr val="FFFF00"/>
-                </a:highlight>
-              </a:rPr>
-              <a:t>Why? </a:t>
-            </a:r>
-          </a:p>
-          <a:p>
-            <a:r>
-              <a:rPr lang="en-US" dirty="0">
-                <a:highlight>
-                  <a:srgbClr val="FFFF00"/>
-                </a:highlight>
-              </a:rPr>
-              <a:t>Increases coupling among all the clients that get or change value of the global variable</a:t>
-            </a:r>
-          </a:p>
-          <a:p>
-            <a:endParaRPr lang="en-US" dirty="0"/>
-          </a:p>
-        </p:txBody>
-      </p:sp>
-    </p:spTree>
-    <p:extLst>
-      <p:ext uri="{BB962C8B-B14F-4D97-AF65-F5344CB8AC3E}">
-        <p14:creationId xmlns:p14="http://schemas.microsoft.com/office/powerpoint/2010/main" val="1243921667"/>
-      </p:ext>
-    </p:extLst>
-  </p:cSld>
-  <p:clrMapOvr>
-    <a:masterClrMapping/>
-  </p:clrMapOvr>
-</p:sld>
-</file>
-
-<file path=ppt/slides/slide58.xml><?xml version="1.0" encoding="utf-8"?>
-<p:sld xmlns:a="http://schemas.openxmlformats.org/drawingml/2006/main" xmlns:r="http://schemas.openxmlformats.org/officeDocument/2006/relationships" xmlns:p="http://schemas.openxmlformats.org/presentationml/2006/main">
-  <p:cSld>
-    <p:spTree>
-      <p:nvGrpSpPr>
-        <p:cNvPr id="1" name=""/>
-        <p:cNvGrpSpPr/>
-        <p:nvPr/>
-      </p:nvGrpSpPr>
-      <p:grpSpPr>
-        <a:xfrm>
-          <a:off x="0" y="0"/>
-          <a:ext cx="0" cy="0"/>
-          <a:chOff x="0" y="0"/>
-          <a:chExt cx="0" cy="0"/>
-        </a:xfrm>
-      </p:grpSpPr>
-      <p:sp>
-        <p:nvSpPr>
-          <p:cNvPr id="2" name="Title 1"/>
-          <p:cNvSpPr>
-            <a:spLocks noGrp="1"/>
-          </p:cNvSpPr>
-          <p:nvPr>
-            <p:ph type="title"/>
-          </p:nvPr>
-        </p:nvSpPr>
-        <p:spPr/>
-        <p:txBody>
-          <a:bodyPr/>
-          <a:lstStyle/>
-          <a:p>
-            <a:r>
               <a:rPr lang="en-US"/>
               <a:t>Stop Here Today</a:t>
             </a:r>
@@ -27694,7 +27426,7 @@
 </p:sld>
 </file>
 
-<file path=ppt/slides/slide59.xml><?xml version="1.0" encoding="utf-8"?>
+<file path=ppt/slides/slide58.xml><?xml version="1.0" encoding="utf-8"?>
 <p:sld xmlns:a="http://schemas.openxmlformats.org/drawingml/2006/main" xmlns:r="http://schemas.openxmlformats.org/officeDocument/2006/relationships" xmlns:p="http://schemas.openxmlformats.org/presentationml/2006/main">
   <p:cSld>
     <p:spTree>
@@ -27747,14 +27479,14 @@
           <a:effectLst/>
           <a:extLst>
             <a:ext uri="{909E8E84-426E-40dd-AFC4-6F175D3DCCD1}">
-              <a14:hiddenFill xmlns="" xmlns:a14="http://schemas.microsoft.com/office/drawing/2010/main">
+              <a14:hiddenFill xmlns:a14="http://schemas.microsoft.com/office/drawing/2010/main" xmlns="">
                 <a:solidFill>
                   <a:schemeClr val="accent1"/>
                 </a:solidFill>
               </a14:hiddenFill>
             </a:ext>
             <a:ext uri="{91240B29-F687-4f45-9708-019B960494DF}">
-              <a14:hiddenLine xmlns="" xmlns:a14="http://schemas.microsoft.com/office/drawing/2010/main" w="9525">
+              <a14:hiddenLine xmlns:a14="http://schemas.microsoft.com/office/drawing/2010/main" xmlns="" w="9525">
                 <a:solidFill>
                   <a:schemeClr val="tx1"/>
                 </a:solidFill>
@@ -27764,7 +27496,7 @@
               </a14:hiddenLine>
             </a:ext>
             <a:ext uri="{AF507438-7753-43e0-B8FC-AC1667EBCBE1}">
-              <a14:hiddenEffects xmlns="" xmlns:a14="http://schemas.microsoft.com/office/drawing/2010/main">
+              <a14:hiddenEffects xmlns:a14="http://schemas.microsoft.com/office/drawing/2010/main" xmlns="">
                 <a:effectLst>
                   <a:outerShdw dist="35921" dir="2700000" algn="ctr" rotWithShape="0">
                     <a:schemeClr val="bg2"/>
@@ -28320,484 +28052,7 @@
 </p:sld>
 </file>
 
-<file path=ppt/slides/slide6.xml><?xml version="1.0" encoding="utf-8"?>
-<p:sld xmlns:a="http://schemas.openxmlformats.org/drawingml/2006/main" xmlns:r="http://schemas.openxmlformats.org/officeDocument/2006/relationships" xmlns:p="http://schemas.openxmlformats.org/presentationml/2006/main">
-  <p:cSld>
-    <p:spTree>
-      <p:nvGrpSpPr>
-        <p:cNvPr id="1" name=""/>
-        <p:cNvGrpSpPr/>
-        <p:nvPr/>
-      </p:nvGrpSpPr>
-      <p:grpSpPr>
-        <a:xfrm>
-          <a:off x="0" y="0"/>
-          <a:ext cx="0" cy="0"/>
-          <a:chOff x="0" y="0"/>
-          <a:chExt cx="0" cy="0"/>
-        </a:xfrm>
-      </p:grpSpPr>
-      <p:sp>
-        <p:nvSpPr>
-          <p:cNvPr id="5" name="Rectangle 4"/>
-          <p:cNvSpPr/>
-          <p:nvPr/>
-        </p:nvSpPr>
-        <p:spPr>
-          <a:xfrm>
-            <a:off x="76200" y="152400"/>
-            <a:ext cx="8839200" cy="2308324"/>
-          </a:xfrm>
-          <a:prstGeom prst="rect">
-            <a:avLst/>
-          </a:prstGeom>
-        </p:spPr>
-        <p:txBody>
-          <a:bodyPr wrap="square">
-            <a:spAutoFit/>
-          </a:bodyPr>
-          <a:lstStyle/>
-          <a:p>
-            <a:r>
-              <a:rPr lang="en-US" dirty="0">
-                <a:solidFill>
-                  <a:srgbClr val="000000"/>
-                </a:solidFill>
-                <a:latin typeface="Arial" panose="020B0604020202020204" pitchFamily="34" charset="0"/>
-              </a:rPr>
-              <a:t>In less dependencies, Employee “insulates” </a:t>
-            </a:r>
-            <a:r>
-              <a:rPr lang="en-US" dirty="0" err="1">
-                <a:solidFill>
-                  <a:srgbClr val="000000"/>
-                </a:solidFill>
-                <a:latin typeface="Arial" panose="020B0604020202020204" pitchFamily="34" charset="0"/>
-              </a:rPr>
-              <a:t>HourTrackerMain</a:t>
-            </a:r>
-            <a:r>
-              <a:rPr lang="en-US" dirty="0">
-                <a:solidFill>
-                  <a:srgbClr val="000000"/>
-                </a:solidFill>
-                <a:latin typeface="Arial" panose="020B0604020202020204" pitchFamily="34" charset="0"/>
-              </a:rPr>
-              <a:t> from the existence of the </a:t>
-            </a:r>
-            <a:r>
-              <a:rPr lang="en-US" dirty="0" err="1">
-                <a:solidFill>
-                  <a:srgbClr val="000000"/>
-                </a:solidFill>
-                <a:latin typeface="Arial" panose="020B0604020202020204" pitchFamily="34" charset="0"/>
-              </a:rPr>
-              <a:t>WorkLog</a:t>
-            </a:r>
-            <a:r>
-              <a:rPr lang="en-US" dirty="0">
-                <a:solidFill>
-                  <a:srgbClr val="000000"/>
-                </a:solidFill>
-                <a:latin typeface="Arial" panose="020B0604020202020204" pitchFamily="34" charset="0"/>
-              </a:rPr>
-              <a:t> class.  This means changes in the way </a:t>
-            </a:r>
-            <a:r>
-              <a:rPr lang="en-US" dirty="0" err="1">
-                <a:solidFill>
-                  <a:srgbClr val="000000"/>
-                </a:solidFill>
-                <a:latin typeface="Arial" panose="020B0604020202020204" pitchFamily="34" charset="0"/>
-              </a:rPr>
-              <a:t>WorkLog</a:t>
-            </a:r>
-            <a:r>
-              <a:rPr lang="en-US" dirty="0">
-                <a:solidFill>
-                  <a:srgbClr val="000000"/>
-                </a:solidFill>
-                <a:latin typeface="Arial" panose="020B0604020202020204" pitchFamily="34" charset="0"/>
-              </a:rPr>
-              <a:t> works cannot affect Employee.  Similarly, changes in Employee cannot affect </a:t>
-            </a:r>
-            <a:r>
-              <a:rPr lang="en-US" dirty="0" err="1">
-                <a:solidFill>
-                  <a:srgbClr val="000000"/>
-                </a:solidFill>
-                <a:latin typeface="Arial" panose="020B0604020202020204" pitchFamily="34" charset="0"/>
-              </a:rPr>
-              <a:t>WorkLog</a:t>
-            </a:r>
-            <a:r>
-              <a:rPr lang="en-US" dirty="0">
-                <a:solidFill>
-                  <a:srgbClr val="000000"/>
-                </a:solidFill>
-                <a:latin typeface="Arial" panose="020B0604020202020204" pitchFamily="34" charset="0"/>
-              </a:rPr>
-              <a:t>.</a:t>
-            </a:r>
-          </a:p>
-          <a:p>
-            <a:endParaRPr lang="en-US" dirty="0">
-              <a:solidFill>
-                <a:srgbClr val="000000"/>
-              </a:solidFill>
-              <a:latin typeface="Arial" panose="020B0604020202020204" pitchFamily="34" charset="0"/>
-            </a:endParaRPr>
-          </a:p>
-          <a:p>
-            <a:r>
-              <a:rPr lang="en-US" dirty="0">
-                <a:solidFill>
-                  <a:srgbClr val="000000"/>
-                </a:solidFill>
-                <a:latin typeface="Arial" panose="020B0604020202020204" pitchFamily="34" charset="0"/>
-              </a:rPr>
-              <a:t>The less dependencies solution is also simpler.  Employee fully “owns” all it’s own data.  In more dependencies, the </a:t>
-            </a:r>
-            <a:r>
-              <a:rPr lang="en-US" dirty="0" err="1">
-                <a:solidFill>
-                  <a:srgbClr val="000000"/>
-                </a:solidFill>
-                <a:latin typeface="Arial" panose="020B0604020202020204" pitchFamily="34" charset="0"/>
-              </a:rPr>
-              <a:t>worklog</a:t>
-            </a:r>
-            <a:r>
-              <a:rPr lang="en-US" dirty="0">
-                <a:solidFill>
-                  <a:srgbClr val="000000"/>
-                </a:solidFill>
-                <a:latin typeface="Arial" panose="020B0604020202020204" pitchFamily="34" charset="0"/>
-              </a:rPr>
-              <a:t> is edited without employee’s knowledge.</a:t>
-            </a:r>
-            <a:endParaRPr lang="en-US" dirty="0"/>
-          </a:p>
-          <a:p>
-            <a:br>
-              <a:rPr lang="en-US" dirty="0"/>
-            </a:br>
-            <a:endParaRPr lang="en-US" dirty="0"/>
-          </a:p>
-        </p:txBody>
-      </p:sp>
-      <p:pic>
-        <p:nvPicPr>
-          <p:cNvPr id="1028" name="Picture 4" descr="https://lh6.googleusercontent.com/I386rjyYmFDd_Ln3ujOTcIgnlVxeH-rcie-CGlD1glhMmS0MDbjaT8HkyidiqwQ58i2uJm3QXFrnQK3A22_U6tE23ErPwclKKyfNyeMwjR-kLOV7yGW7YBn8DxD21xrF2IBk1vAo">
-            <a:hlinkClick r:id="rId2"/>
-          </p:cNvPr>
-          <p:cNvPicPr>
-            <a:picLocks noChangeAspect="1" noChangeArrowheads="1"/>
-          </p:cNvPicPr>
-          <p:nvPr/>
-        </p:nvPicPr>
-        <p:blipFill>
-          <a:blip r:embed="rId3">
-            <a:extLst>
-              <a:ext uri="{28A0092B-C50C-407E-A947-70E740481C1C}">
-                <a14:useLocalDpi xmlns:a14="http://schemas.microsoft.com/office/drawing/2010/main" val="0"/>
-              </a:ext>
-            </a:extLst>
-          </a:blip>
-          <a:srcRect/>
-          <a:stretch>
-            <a:fillRect/>
-          </a:stretch>
-        </p:blipFill>
-        <p:spPr bwMode="auto">
-          <a:xfrm>
-            <a:off x="228600" y="2509776"/>
-            <a:ext cx="8305800" cy="1876793"/>
-          </a:xfrm>
-          <a:prstGeom prst="rect">
-            <a:avLst/>
-          </a:prstGeom>
-          <a:noFill/>
-          <a:extLst>
-            <a:ext uri="{909E8E84-426E-40DD-AFC4-6F175D3DCCD1}">
-              <a14:hiddenFill xmlns:a14="http://schemas.microsoft.com/office/drawing/2010/main">
-                <a:solidFill>
-                  <a:srgbClr val="FFFFFF"/>
-                </a:solidFill>
-              </a14:hiddenFill>
-            </a:ext>
-          </a:extLst>
-        </p:spPr>
-      </p:pic>
-      <p:pic>
-        <p:nvPicPr>
-          <p:cNvPr id="1032" name="Picture 8" descr="https://lh5.googleusercontent.com/FnI619sPRC6cODebnhDmq3aB3FmsphAKH4jOVgyoZTsMudHgQ_NG-yTnPJicwH-dv7k0nr0h1_qyYaacZGwRWVtY5qyw5wcQ5jx_MkvhRnHPPHMivCbjqIFs2kuifWVpRG-5-uLh">
-            <a:hlinkClick r:id="rId4"/>
-          </p:cNvPr>
-          <p:cNvPicPr>
-            <a:picLocks noChangeAspect="1" noChangeArrowheads="1"/>
-          </p:cNvPicPr>
-          <p:nvPr/>
-        </p:nvPicPr>
-        <p:blipFill>
-          <a:blip r:embed="rId5">
-            <a:extLst>
-              <a:ext uri="{28A0092B-C50C-407E-A947-70E740481C1C}">
-                <a14:useLocalDpi xmlns:a14="http://schemas.microsoft.com/office/drawing/2010/main" val="0"/>
-              </a:ext>
-            </a:extLst>
-          </a:blip>
-          <a:srcRect/>
-          <a:stretch>
-            <a:fillRect/>
-          </a:stretch>
-        </p:blipFill>
-        <p:spPr bwMode="auto">
-          <a:xfrm>
-            <a:off x="206649" y="4572000"/>
-            <a:ext cx="8327751" cy="2362200"/>
-          </a:xfrm>
-          <a:prstGeom prst="rect">
-            <a:avLst/>
-          </a:prstGeom>
-          <a:noFill/>
-          <a:extLst>
-            <a:ext uri="{909E8E84-426E-40DD-AFC4-6F175D3DCCD1}">
-              <a14:hiddenFill xmlns:a14="http://schemas.microsoft.com/office/drawing/2010/main">
-                <a:solidFill>
-                  <a:srgbClr val="FFFFFF"/>
-                </a:solidFill>
-              </a14:hiddenFill>
-            </a:ext>
-          </a:extLst>
-        </p:spPr>
-      </p:pic>
-      <p:sp>
-        <p:nvSpPr>
-          <p:cNvPr id="6" name="TextBox 5"/>
-          <p:cNvSpPr txBox="1"/>
-          <p:nvPr/>
-        </p:nvSpPr>
-        <p:spPr>
-          <a:xfrm>
-            <a:off x="228600" y="1798128"/>
-            <a:ext cx="2826415" cy="369332"/>
-          </a:xfrm>
-          <a:prstGeom prst="rect">
-            <a:avLst/>
-          </a:prstGeom>
-          <a:noFill/>
-        </p:spPr>
-        <p:txBody>
-          <a:bodyPr wrap="none" rtlCol="0">
-            <a:spAutoFit/>
-          </a:bodyPr>
-          <a:lstStyle/>
-          <a:p>
-            <a:r>
-              <a:rPr lang="en-US" b="1" dirty="0"/>
-              <a:t>Less Dependencies Solution</a:t>
-            </a:r>
-          </a:p>
-        </p:txBody>
-      </p:sp>
-      <p:sp>
-        <p:nvSpPr>
-          <p:cNvPr id="11" name="TextBox 10"/>
-          <p:cNvSpPr txBox="1"/>
-          <p:nvPr/>
-        </p:nvSpPr>
-        <p:spPr>
-          <a:xfrm>
-            <a:off x="234696" y="4583668"/>
-            <a:ext cx="2950488" cy="369332"/>
-          </a:xfrm>
-          <a:prstGeom prst="rect">
-            <a:avLst/>
-          </a:prstGeom>
-          <a:noFill/>
-        </p:spPr>
-        <p:txBody>
-          <a:bodyPr wrap="none" rtlCol="0">
-            <a:spAutoFit/>
-          </a:bodyPr>
-          <a:lstStyle/>
-          <a:p>
-            <a:r>
-              <a:rPr lang="en-US" b="1" dirty="0"/>
-              <a:t>More Dependencies Solution</a:t>
-            </a:r>
-          </a:p>
-        </p:txBody>
-      </p:sp>
-      <p:sp>
-        <p:nvSpPr>
-          <p:cNvPr id="2" name="Rectangle: Rounded Corners 1">
-            <a:extLst>
-              <a:ext uri="{FF2B5EF4-FFF2-40B4-BE49-F238E27FC236}">
-                <a16:creationId xmlns:a16="http://schemas.microsoft.com/office/drawing/2014/main" id="{D2DF736C-E80A-4645-A122-4CEF5178C895}"/>
-              </a:ext>
-            </a:extLst>
-          </p:cNvPr>
-          <p:cNvSpPr/>
-          <p:nvPr/>
-        </p:nvSpPr>
-        <p:spPr>
-          <a:xfrm>
-            <a:off x="76200" y="1845431"/>
-            <a:ext cx="8839200" cy="2551846"/>
-          </a:xfrm>
-          <a:prstGeom prst="roundRect">
-            <a:avLst/>
-          </a:prstGeom>
-          <a:noFill/>
-        </p:spPr>
-        <p:style>
-          <a:lnRef idx="2">
-            <a:schemeClr val="accent2">
-              <a:shade val="50000"/>
-            </a:schemeClr>
-          </a:lnRef>
-          <a:fillRef idx="1">
-            <a:schemeClr val="accent2"/>
-          </a:fillRef>
-          <a:effectRef idx="0">
-            <a:schemeClr val="accent2"/>
-          </a:effectRef>
-          <a:fontRef idx="minor">
-            <a:schemeClr val="lt1"/>
-          </a:fontRef>
-        </p:style>
-        <p:txBody>
-          <a:bodyPr rtlCol="0" anchor="ctr"/>
-          <a:lstStyle/>
-          <a:p>
-            <a:pPr algn="ctr"/>
-            <a:endParaRPr lang="en-US"/>
-          </a:p>
-        </p:txBody>
-      </p:sp>
-      <p:sp>
-        <p:nvSpPr>
-          <p:cNvPr id="8" name="TextBox 7">
-            <a:extLst>
-              <a:ext uri="{FF2B5EF4-FFF2-40B4-BE49-F238E27FC236}">
-                <a16:creationId xmlns:a16="http://schemas.microsoft.com/office/drawing/2014/main" id="{9CE0AEFF-86C6-4D9F-BEF3-E66209C6500E}"/>
-              </a:ext>
-            </a:extLst>
-          </p:cNvPr>
-          <p:cNvSpPr txBox="1"/>
-          <p:nvPr/>
-        </p:nvSpPr>
-        <p:spPr>
-          <a:xfrm>
-            <a:off x="7208839" y="4362271"/>
-            <a:ext cx="2329164" cy="1200329"/>
-          </a:xfrm>
-          <a:prstGeom prst="rect">
-            <a:avLst/>
-          </a:prstGeom>
-          <a:noFill/>
-        </p:spPr>
-        <p:txBody>
-          <a:bodyPr wrap="none" rtlCol="0">
-            <a:spAutoFit/>
-          </a:bodyPr>
-          <a:lstStyle/>
-          <a:p>
-            <a:r>
-              <a:rPr lang="en-US" dirty="0" err="1"/>
-              <a:t>HourTrackerMain</a:t>
-            </a:r>
-            <a:r>
-              <a:rPr lang="en-US" dirty="0"/>
-              <a:t> </a:t>
-            </a:r>
-          </a:p>
-          <a:p>
-            <a:r>
-              <a:rPr lang="en-US" dirty="0"/>
-              <a:t>“knows” about </a:t>
-            </a:r>
-          </a:p>
-          <a:p>
-            <a:r>
-              <a:rPr lang="en-US" dirty="0" err="1"/>
-              <a:t>WorkLog</a:t>
-            </a:r>
-            <a:r>
-              <a:rPr lang="en-US" dirty="0"/>
-              <a:t>, creates one, </a:t>
-            </a:r>
-          </a:p>
-          <a:p>
-            <a:r>
-              <a:rPr lang="en-US" dirty="0"/>
-              <a:t>then calls </a:t>
-            </a:r>
-            <a:r>
-              <a:rPr lang="en-US" dirty="0" err="1"/>
-              <a:t>addWorkLog</a:t>
-            </a:r>
-            <a:endParaRPr lang="en-US" dirty="0"/>
-          </a:p>
-        </p:txBody>
-      </p:sp>
-      <p:cxnSp>
-        <p:nvCxnSpPr>
-          <p:cNvPr id="9" name="Straight Arrow Connector 8">
-            <a:extLst>
-              <a:ext uri="{FF2B5EF4-FFF2-40B4-BE49-F238E27FC236}">
-                <a16:creationId xmlns:a16="http://schemas.microsoft.com/office/drawing/2014/main" id="{EE319336-E7D0-48F4-AF24-403D207BDC69}"/>
-              </a:ext>
-            </a:extLst>
-          </p:cNvPr>
-          <p:cNvCxnSpPr>
-            <a:cxnSpLocks/>
-          </p:cNvCxnSpPr>
-          <p:nvPr/>
-        </p:nvCxnSpPr>
-        <p:spPr>
-          <a:xfrm>
-            <a:off x="4152900" y="6123978"/>
-            <a:ext cx="457200" cy="457200"/>
-          </a:xfrm>
-          <a:prstGeom prst="straightConnector1">
-            <a:avLst/>
-          </a:prstGeom>
-          <a:ln w="34925">
-            <a:tailEnd type="triangle"/>
-          </a:ln>
-        </p:spPr>
-        <p:style>
-          <a:lnRef idx="1">
-            <a:schemeClr val="accent1"/>
-          </a:lnRef>
-          <a:fillRef idx="0">
-            <a:schemeClr val="accent1"/>
-          </a:fillRef>
-          <a:effectRef idx="0">
-            <a:schemeClr val="accent1"/>
-          </a:effectRef>
-          <a:fontRef idx="minor">
-            <a:schemeClr val="tx1"/>
-          </a:fontRef>
-        </p:style>
-      </p:cxnSp>
-    </p:spTree>
-    <p:extLst>
-      <p:ext uri="{BB962C8B-B14F-4D97-AF65-F5344CB8AC3E}">
-        <p14:creationId xmlns:p14="http://schemas.microsoft.com/office/powerpoint/2010/main" val="882866124"/>
-      </p:ext>
-    </p:extLst>
-  </p:cSld>
-  <p:clrMapOvr>
-    <a:masterClrMapping/>
-  </p:clrMapOvr>
-</p:sld>
-</file>
-
-<file path=ppt/slides/slide60.xml><?xml version="1.0" encoding="utf-8"?>
+<file path=ppt/slides/slide59.xml><?xml version="1.0" encoding="utf-8"?>
 <p:sld xmlns:a="http://schemas.openxmlformats.org/drawingml/2006/main" xmlns:r="http://schemas.openxmlformats.org/officeDocument/2006/relationships" xmlns:p="http://schemas.openxmlformats.org/presentationml/2006/main">
   <p:cSld>
     <p:spTree>
@@ -30074,7 +29329,484 @@
 </p:sld>
 </file>
 
-<file path=ppt/slides/slide61.xml><?xml version="1.0" encoding="utf-8"?>
+<file path=ppt/slides/slide6.xml><?xml version="1.0" encoding="utf-8"?>
+<p:sld xmlns:a="http://schemas.openxmlformats.org/drawingml/2006/main" xmlns:r="http://schemas.openxmlformats.org/officeDocument/2006/relationships" xmlns:p="http://schemas.openxmlformats.org/presentationml/2006/main">
+  <p:cSld>
+    <p:spTree>
+      <p:nvGrpSpPr>
+        <p:cNvPr id="1" name=""/>
+        <p:cNvGrpSpPr/>
+        <p:nvPr/>
+      </p:nvGrpSpPr>
+      <p:grpSpPr>
+        <a:xfrm>
+          <a:off x="0" y="0"/>
+          <a:ext cx="0" cy="0"/>
+          <a:chOff x="0" y="0"/>
+          <a:chExt cx="0" cy="0"/>
+        </a:xfrm>
+      </p:grpSpPr>
+      <p:sp>
+        <p:nvSpPr>
+          <p:cNvPr id="5" name="Rectangle 4"/>
+          <p:cNvSpPr/>
+          <p:nvPr/>
+        </p:nvSpPr>
+        <p:spPr>
+          <a:xfrm>
+            <a:off x="76200" y="152400"/>
+            <a:ext cx="8839200" cy="2308324"/>
+          </a:xfrm>
+          <a:prstGeom prst="rect">
+            <a:avLst/>
+          </a:prstGeom>
+        </p:spPr>
+        <p:txBody>
+          <a:bodyPr wrap="square">
+            <a:spAutoFit/>
+          </a:bodyPr>
+          <a:lstStyle/>
+          <a:p>
+            <a:r>
+              <a:rPr lang="en-US" dirty="0">
+                <a:solidFill>
+                  <a:srgbClr val="000000"/>
+                </a:solidFill>
+                <a:latin typeface="Arial" panose="020B0604020202020204" pitchFamily="34" charset="0"/>
+              </a:rPr>
+              <a:t>In less dependencies, Employee “insulates” </a:t>
+            </a:r>
+            <a:r>
+              <a:rPr lang="en-US" dirty="0" err="1">
+                <a:solidFill>
+                  <a:srgbClr val="000000"/>
+                </a:solidFill>
+                <a:latin typeface="Arial" panose="020B0604020202020204" pitchFamily="34" charset="0"/>
+              </a:rPr>
+              <a:t>HourTrackerMain</a:t>
+            </a:r>
+            <a:r>
+              <a:rPr lang="en-US" dirty="0">
+                <a:solidFill>
+                  <a:srgbClr val="000000"/>
+                </a:solidFill>
+                <a:latin typeface="Arial" panose="020B0604020202020204" pitchFamily="34" charset="0"/>
+              </a:rPr>
+              <a:t> from the existence of the </a:t>
+            </a:r>
+            <a:r>
+              <a:rPr lang="en-US" dirty="0" err="1">
+                <a:solidFill>
+                  <a:srgbClr val="000000"/>
+                </a:solidFill>
+                <a:latin typeface="Arial" panose="020B0604020202020204" pitchFamily="34" charset="0"/>
+              </a:rPr>
+              <a:t>WorkLog</a:t>
+            </a:r>
+            <a:r>
+              <a:rPr lang="en-US" dirty="0">
+                <a:solidFill>
+                  <a:srgbClr val="000000"/>
+                </a:solidFill>
+                <a:latin typeface="Arial" panose="020B0604020202020204" pitchFamily="34" charset="0"/>
+              </a:rPr>
+              <a:t> class.  This means changes in the way </a:t>
+            </a:r>
+            <a:r>
+              <a:rPr lang="en-US" dirty="0" err="1">
+                <a:solidFill>
+                  <a:srgbClr val="000000"/>
+                </a:solidFill>
+                <a:latin typeface="Arial" panose="020B0604020202020204" pitchFamily="34" charset="0"/>
+              </a:rPr>
+              <a:t>WorkLog</a:t>
+            </a:r>
+            <a:r>
+              <a:rPr lang="en-US" dirty="0">
+                <a:solidFill>
+                  <a:srgbClr val="000000"/>
+                </a:solidFill>
+                <a:latin typeface="Arial" panose="020B0604020202020204" pitchFamily="34" charset="0"/>
+              </a:rPr>
+              <a:t> works cannot affect Employee.  Similarly, changes in Employee cannot affect </a:t>
+            </a:r>
+            <a:r>
+              <a:rPr lang="en-US" dirty="0" err="1">
+                <a:solidFill>
+                  <a:srgbClr val="000000"/>
+                </a:solidFill>
+                <a:latin typeface="Arial" panose="020B0604020202020204" pitchFamily="34" charset="0"/>
+              </a:rPr>
+              <a:t>WorkLog</a:t>
+            </a:r>
+            <a:r>
+              <a:rPr lang="en-US" dirty="0">
+                <a:solidFill>
+                  <a:srgbClr val="000000"/>
+                </a:solidFill>
+                <a:latin typeface="Arial" panose="020B0604020202020204" pitchFamily="34" charset="0"/>
+              </a:rPr>
+              <a:t>.</a:t>
+            </a:r>
+          </a:p>
+          <a:p>
+            <a:endParaRPr lang="en-US" dirty="0">
+              <a:solidFill>
+                <a:srgbClr val="000000"/>
+              </a:solidFill>
+              <a:latin typeface="Arial" panose="020B0604020202020204" pitchFamily="34" charset="0"/>
+            </a:endParaRPr>
+          </a:p>
+          <a:p>
+            <a:r>
+              <a:rPr lang="en-US" dirty="0">
+                <a:solidFill>
+                  <a:srgbClr val="000000"/>
+                </a:solidFill>
+                <a:latin typeface="Arial" panose="020B0604020202020204" pitchFamily="34" charset="0"/>
+              </a:rPr>
+              <a:t>The less dependencies solution is also simpler.  Employee fully “owns” all it’s own data.  In more dependencies, the </a:t>
+            </a:r>
+            <a:r>
+              <a:rPr lang="en-US" dirty="0" err="1">
+                <a:solidFill>
+                  <a:srgbClr val="000000"/>
+                </a:solidFill>
+                <a:latin typeface="Arial" panose="020B0604020202020204" pitchFamily="34" charset="0"/>
+              </a:rPr>
+              <a:t>worklog</a:t>
+            </a:r>
+            <a:r>
+              <a:rPr lang="en-US" dirty="0">
+                <a:solidFill>
+                  <a:srgbClr val="000000"/>
+                </a:solidFill>
+                <a:latin typeface="Arial" panose="020B0604020202020204" pitchFamily="34" charset="0"/>
+              </a:rPr>
+              <a:t> is edited without employee’s knowledge.</a:t>
+            </a:r>
+            <a:endParaRPr lang="en-US" dirty="0"/>
+          </a:p>
+          <a:p>
+            <a:br>
+              <a:rPr lang="en-US" dirty="0"/>
+            </a:br>
+            <a:endParaRPr lang="en-US" dirty="0"/>
+          </a:p>
+        </p:txBody>
+      </p:sp>
+      <p:pic>
+        <p:nvPicPr>
+          <p:cNvPr id="1028" name="Picture 4" descr="https://lh6.googleusercontent.com/I386rjyYmFDd_Ln3ujOTcIgnlVxeH-rcie-CGlD1glhMmS0MDbjaT8HkyidiqwQ58i2uJm3QXFrnQK3A22_U6tE23ErPwclKKyfNyeMwjR-kLOV7yGW7YBn8DxD21xrF2IBk1vAo">
+            <a:hlinkClick r:id="rId2"/>
+          </p:cNvPr>
+          <p:cNvPicPr>
+            <a:picLocks noChangeAspect="1" noChangeArrowheads="1"/>
+          </p:cNvPicPr>
+          <p:nvPr/>
+        </p:nvPicPr>
+        <p:blipFill>
+          <a:blip r:embed="rId3">
+            <a:extLst>
+              <a:ext uri="{28A0092B-C50C-407E-A947-70E740481C1C}">
+                <a14:useLocalDpi xmlns:a14="http://schemas.microsoft.com/office/drawing/2010/main" val="0"/>
+              </a:ext>
+            </a:extLst>
+          </a:blip>
+          <a:srcRect/>
+          <a:stretch>
+            <a:fillRect/>
+          </a:stretch>
+        </p:blipFill>
+        <p:spPr bwMode="auto">
+          <a:xfrm>
+            <a:off x="228600" y="2509776"/>
+            <a:ext cx="8305800" cy="1876793"/>
+          </a:xfrm>
+          <a:prstGeom prst="rect">
+            <a:avLst/>
+          </a:prstGeom>
+          <a:noFill/>
+          <a:extLst>
+            <a:ext uri="{909E8E84-426E-40DD-AFC4-6F175D3DCCD1}">
+              <a14:hiddenFill xmlns:a14="http://schemas.microsoft.com/office/drawing/2010/main">
+                <a:solidFill>
+                  <a:srgbClr val="FFFFFF"/>
+                </a:solidFill>
+              </a14:hiddenFill>
+            </a:ext>
+          </a:extLst>
+        </p:spPr>
+      </p:pic>
+      <p:pic>
+        <p:nvPicPr>
+          <p:cNvPr id="1032" name="Picture 8" descr="https://lh5.googleusercontent.com/FnI619sPRC6cODebnhDmq3aB3FmsphAKH4jOVgyoZTsMudHgQ_NG-yTnPJicwH-dv7k0nr0h1_qyYaacZGwRWVtY5qyw5wcQ5jx_MkvhRnHPPHMivCbjqIFs2kuifWVpRG-5-uLh">
+            <a:hlinkClick r:id="rId4"/>
+          </p:cNvPr>
+          <p:cNvPicPr>
+            <a:picLocks noChangeAspect="1" noChangeArrowheads="1"/>
+          </p:cNvPicPr>
+          <p:nvPr/>
+        </p:nvPicPr>
+        <p:blipFill>
+          <a:blip r:embed="rId5">
+            <a:extLst>
+              <a:ext uri="{28A0092B-C50C-407E-A947-70E740481C1C}">
+                <a14:useLocalDpi xmlns:a14="http://schemas.microsoft.com/office/drawing/2010/main" val="0"/>
+              </a:ext>
+            </a:extLst>
+          </a:blip>
+          <a:srcRect/>
+          <a:stretch>
+            <a:fillRect/>
+          </a:stretch>
+        </p:blipFill>
+        <p:spPr bwMode="auto">
+          <a:xfrm>
+            <a:off x="206649" y="4572000"/>
+            <a:ext cx="8327751" cy="2362200"/>
+          </a:xfrm>
+          <a:prstGeom prst="rect">
+            <a:avLst/>
+          </a:prstGeom>
+          <a:noFill/>
+          <a:extLst>
+            <a:ext uri="{909E8E84-426E-40DD-AFC4-6F175D3DCCD1}">
+              <a14:hiddenFill xmlns:a14="http://schemas.microsoft.com/office/drawing/2010/main">
+                <a:solidFill>
+                  <a:srgbClr val="FFFFFF"/>
+                </a:solidFill>
+              </a14:hiddenFill>
+            </a:ext>
+          </a:extLst>
+        </p:spPr>
+      </p:pic>
+      <p:sp>
+        <p:nvSpPr>
+          <p:cNvPr id="6" name="TextBox 5"/>
+          <p:cNvSpPr txBox="1"/>
+          <p:nvPr/>
+        </p:nvSpPr>
+        <p:spPr>
+          <a:xfrm>
+            <a:off x="228600" y="1798128"/>
+            <a:ext cx="2826415" cy="369332"/>
+          </a:xfrm>
+          <a:prstGeom prst="rect">
+            <a:avLst/>
+          </a:prstGeom>
+          <a:noFill/>
+        </p:spPr>
+        <p:txBody>
+          <a:bodyPr wrap="none" rtlCol="0">
+            <a:spAutoFit/>
+          </a:bodyPr>
+          <a:lstStyle/>
+          <a:p>
+            <a:r>
+              <a:rPr lang="en-US" b="1" dirty="0"/>
+              <a:t>Less Dependencies Solution</a:t>
+            </a:r>
+          </a:p>
+        </p:txBody>
+      </p:sp>
+      <p:sp>
+        <p:nvSpPr>
+          <p:cNvPr id="11" name="TextBox 10"/>
+          <p:cNvSpPr txBox="1"/>
+          <p:nvPr/>
+        </p:nvSpPr>
+        <p:spPr>
+          <a:xfrm>
+            <a:off x="234696" y="4583668"/>
+            <a:ext cx="2950488" cy="369332"/>
+          </a:xfrm>
+          <a:prstGeom prst="rect">
+            <a:avLst/>
+          </a:prstGeom>
+          <a:noFill/>
+        </p:spPr>
+        <p:txBody>
+          <a:bodyPr wrap="none" rtlCol="0">
+            <a:spAutoFit/>
+          </a:bodyPr>
+          <a:lstStyle/>
+          <a:p>
+            <a:r>
+              <a:rPr lang="en-US" b="1" dirty="0"/>
+              <a:t>More Dependencies Solution</a:t>
+            </a:r>
+          </a:p>
+        </p:txBody>
+      </p:sp>
+      <p:sp>
+        <p:nvSpPr>
+          <p:cNvPr id="2" name="Rectangle: Rounded Corners 1">
+            <a:extLst>
+              <a:ext uri="{FF2B5EF4-FFF2-40B4-BE49-F238E27FC236}">
+                <a16:creationId xmlns:a16="http://schemas.microsoft.com/office/drawing/2014/main" id="{D2DF736C-E80A-4645-A122-4CEF5178C895}"/>
+              </a:ext>
+            </a:extLst>
+          </p:cNvPr>
+          <p:cNvSpPr/>
+          <p:nvPr/>
+        </p:nvSpPr>
+        <p:spPr>
+          <a:xfrm>
+            <a:off x="76200" y="1845431"/>
+            <a:ext cx="8839200" cy="2551846"/>
+          </a:xfrm>
+          <a:prstGeom prst="roundRect">
+            <a:avLst/>
+          </a:prstGeom>
+          <a:noFill/>
+        </p:spPr>
+        <p:style>
+          <a:lnRef idx="2">
+            <a:schemeClr val="accent2">
+              <a:shade val="50000"/>
+            </a:schemeClr>
+          </a:lnRef>
+          <a:fillRef idx="1">
+            <a:schemeClr val="accent2"/>
+          </a:fillRef>
+          <a:effectRef idx="0">
+            <a:schemeClr val="accent2"/>
+          </a:effectRef>
+          <a:fontRef idx="minor">
+            <a:schemeClr val="lt1"/>
+          </a:fontRef>
+        </p:style>
+        <p:txBody>
+          <a:bodyPr rtlCol="0" anchor="ctr"/>
+          <a:lstStyle/>
+          <a:p>
+            <a:pPr algn="ctr"/>
+            <a:endParaRPr lang="en-US"/>
+          </a:p>
+        </p:txBody>
+      </p:sp>
+      <p:sp>
+        <p:nvSpPr>
+          <p:cNvPr id="8" name="TextBox 7">
+            <a:extLst>
+              <a:ext uri="{FF2B5EF4-FFF2-40B4-BE49-F238E27FC236}">
+                <a16:creationId xmlns:a16="http://schemas.microsoft.com/office/drawing/2014/main" id="{9CE0AEFF-86C6-4D9F-BEF3-E66209C6500E}"/>
+              </a:ext>
+            </a:extLst>
+          </p:cNvPr>
+          <p:cNvSpPr txBox="1"/>
+          <p:nvPr/>
+        </p:nvSpPr>
+        <p:spPr>
+          <a:xfrm>
+            <a:off x="7208839" y="4362271"/>
+            <a:ext cx="2329164" cy="1200329"/>
+          </a:xfrm>
+          <a:prstGeom prst="rect">
+            <a:avLst/>
+          </a:prstGeom>
+          <a:noFill/>
+        </p:spPr>
+        <p:txBody>
+          <a:bodyPr wrap="none" rtlCol="0">
+            <a:spAutoFit/>
+          </a:bodyPr>
+          <a:lstStyle/>
+          <a:p>
+            <a:r>
+              <a:rPr lang="en-US" dirty="0" err="1"/>
+              <a:t>HourTrackerMain</a:t>
+            </a:r>
+            <a:r>
+              <a:rPr lang="en-US" dirty="0"/>
+              <a:t> </a:t>
+            </a:r>
+          </a:p>
+          <a:p>
+            <a:r>
+              <a:rPr lang="en-US" dirty="0"/>
+              <a:t>“knows” about </a:t>
+            </a:r>
+          </a:p>
+          <a:p>
+            <a:r>
+              <a:rPr lang="en-US" dirty="0" err="1"/>
+              <a:t>WorkLog</a:t>
+            </a:r>
+            <a:r>
+              <a:rPr lang="en-US" dirty="0"/>
+              <a:t>, creates one, </a:t>
+            </a:r>
+          </a:p>
+          <a:p>
+            <a:r>
+              <a:rPr lang="en-US" dirty="0"/>
+              <a:t>then calls </a:t>
+            </a:r>
+            <a:r>
+              <a:rPr lang="en-US" dirty="0" err="1"/>
+              <a:t>addWorkLog</a:t>
+            </a:r>
+            <a:endParaRPr lang="en-US" dirty="0"/>
+          </a:p>
+        </p:txBody>
+      </p:sp>
+      <p:cxnSp>
+        <p:nvCxnSpPr>
+          <p:cNvPr id="9" name="Straight Arrow Connector 8">
+            <a:extLst>
+              <a:ext uri="{FF2B5EF4-FFF2-40B4-BE49-F238E27FC236}">
+                <a16:creationId xmlns:a16="http://schemas.microsoft.com/office/drawing/2014/main" id="{EE319336-E7D0-48F4-AF24-403D207BDC69}"/>
+              </a:ext>
+            </a:extLst>
+          </p:cNvPr>
+          <p:cNvCxnSpPr>
+            <a:cxnSpLocks/>
+          </p:cNvCxnSpPr>
+          <p:nvPr/>
+        </p:nvCxnSpPr>
+        <p:spPr>
+          <a:xfrm>
+            <a:off x="4152900" y="6123978"/>
+            <a:ext cx="457200" cy="457200"/>
+          </a:xfrm>
+          <a:prstGeom prst="straightConnector1">
+            <a:avLst/>
+          </a:prstGeom>
+          <a:ln w="34925">
+            <a:tailEnd type="triangle"/>
+          </a:ln>
+        </p:spPr>
+        <p:style>
+          <a:lnRef idx="1">
+            <a:schemeClr val="accent1"/>
+          </a:lnRef>
+          <a:fillRef idx="0">
+            <a:schemeClr val="accent1"/>
+          </a:fillRef>
+          <a:effectRef idx="0">
+            <a:schemeClr val="accent1"/>
+          </a:effectRef>
+          <a:fontRef idx="minor">
+            <a:schemeClr val="tx1"/>
+          </a:fontRef>
+        </p:style>
+      </p:cxnSp>
+    </p:spTree>
+    <p:extLst>
+      <p:ext uri="{BB962C8B-B14F-4D97-AF65-F5344CB8AC3E}">
+        <p14:creationId xmlns:p14="http://schemas.microsoft.com/office/powerpoint/2010/main" val="882866124"/>
+      </p:ext>
+    </p:extLst>
+  </p:cSld>
+  <p:clrMapOvr>
+    <a:masterClrMapping/>
+  </p:clrMapOvr>
+</p:sld>
+</file>
+
+<file path=ppt/slides/slide60.xml><?xml version="1.0" encoding="utf-8"?>
 <p:sld xmlns:a="http://schemas.openxmlformats.org/drawingml/2006/main" xmlns:r="http://schemas.openxmlformats.org/officeDocument/2006/relationships" xmlns:p="http://schemas.openxmlformats.org/presentationml/2006/main">
   <p:cSld>
     <p:spTree>
@@ -30614,7 +30346,7 @@
 </p:sld>
 </file>
 
-<file path=ppt/slides/slide62.xml><?xml version="1.0" encoding="utf-8"?>
+<file path=ppt/slides/slide61.xml><?xml version="1.0" encoding="utf-8"?>
 <p:sld xmlns:a="http://schemas.openxmlformats.org/drawingml/2006/main" xmlns:r="http://schemas.openxmlformats.org/officeDocument/2006/relationships" xmlns:p="http://schemas.openxmlformats.org/presentationml/2006/main">
   <p:cSld>
     <p:spTree>
@@ -30712,7 +30444,7 @@
 </p:sld>
 </file>
 
-<file path=ppt/slides/slide63.xml><?xml version="1.0" encoding="utf-8"?>
+<file path=ppt/slides/slide62.xml><?xml version="1.0" encoding="utf-8"?>
 <p:sld xmlns:a="http://schemas.openxmlformats.org/drawingml/2006/main" xmlns:r="http://schemas.openxmlformats.org/officeDocument/2006/relationships" xmlns:p="http://schemas.openxmlformats.org/presentationml/2006/main">
   <p:cSld>
     <p:spTree>

--- a/ClassMaterials/CohesionAndCoupling/Slides/Cohesion_And_Coupling.pptx
+++ b/ClassMaterials/CohesionAndCoupling/Slides/Cohesion_And_Coupling.pptx
@@ -262,7 +262,7 @@
           <a:p>
             <a:fld id="{11374350-B736-4AC1-A1E7-19777DF1B0E1}" type="datetimeFigureOut">
               <a:rPr lang="en-US" smtClean="0"/>
-              <a:t>3/31/2020</a:t>
+              <a:t>4/2/2020</a:t>
             </a:fld>
             <a:endParaRPr lang="en-US"/>
           </a:p>
@@ -8700,7 +8700,7 @@
           <a:p>
             <a:fld id="{50A519B0-864F-436F-AD10-563B5AD2C023}" type="datetimeFigureOut">
               <a:rPr lang="en-US" smtClean="0"/>
-              <a:t>3/31/2020</a:t>
+              <a:t>4/2/2020</a:t>
             </a:fld>
             <a:endParaRPr lang="en-US"/>
           </a:p>
@@ -8868,7 +8868,7 @@
           <a:p>
             <a:fld id="{50A519B0-864F-436F-AD10-563B5AD2C023}" type="datetimeFigureOut">
               <a:rPr lang="en-US" smtClean="0"/>
-              <a:t>3/31/2020</a:t>
+              <a:t>4/2/2020</a:t>
             </a:fld>
             <a:endParaRPr lang="en-US"/>
           </a:p>
@@ -9046,7 +9046,7 @@
           <a:p>
             <a:fld id="{50A519B0-864F-436F-AD10-563B5AD2C023}" type="datetimeFigureOut">
               <a:rPr lang="en-US" smtClean="0"/>
-              <a:t>3/31/2020</a:t>
+              <a:t>4/2/2020</a:t>
             </a:fld>
             <a:endParaRPr lang="en-US"/>
           </a:p>
@@ -9214,7 +9214,7 @@
           <a:p>
             <a:fld id="{50A519B0-864F-436F-AD10-563B5AD2C023}" type="datetimeFigureOut">
               <a:rPr lang="en-US" smtClean="0"/>
-              <a:t>3/31/2020</a:t>
+              <a:t>4/2/2020</a:t>
             </a:fld>
             <a:endParaRPr lang="en-US"/>
           </a:p>
@@ -9459,7 +9459,7 @@
           <a:p>
             <a:fld id="{50A519B0-864F-436F-AD10-563B5AD2C023}" type="datetimeFigureOut">
               <a:rPr lang="en-US" smtClean="0"/>
-              <a:t>3/31/2020</a:t>
+              <a:t>4/2/2020</a:t>
             </a:fld>
             <a:endParaRPr lang="en-US"/>
           </a:p>
@@ -9744,7 +9744,7 @@
           <a:p>
             <a:fld id="{50A519B0-864F-436F-AD10-563B5AD2C023}" type="datetimeFigureOut">
               <a:rPr lang="en-US" smtClean="0"/>
-              <a:t>3/31/2020</a:t>
+              <a:t>4/2/2020</a:t>
             </a:fld>
             <a:endParaRPr lang="en-US"/>
           </a:p>
@@ -10163,7 +10163,7 @@
           <a:p>
             <a:fld id="{50A519B0-864F-436F-AD10-563B5AD2C023}" type="datetimeFigureOut">
               <a:rPr lang="en-US" smtClean="0"/>
-              <a:t>3/31/2020</a:t>
+              <a:t>4/2/2020</a:t>
             </a:fld>
             <a:endParaRPr lang="en-US"/>
           </a:p>
@@ -10280,7 +10280,7 @@
           <a:p>
             <a:fld id="{50A519B0-864F-436F-AD10-563B5AD2C023}" type="datetimeFigureOut">
               <a:rPr lang="en-US" smtClean="0"/>
-              <a:t>3/31/2020</a:t>
+              <a:t>4/2/2020</a:t>
             </a:fld>
             <a:endParaRPr lang="en-US"/>
           </a:p>
@@ -10375,7 +10375,7 @@
           <a:p>
             <a:fld id="{50A519B0-864F-436F-AD10-563B5AD2C023}" type="datetimeFigureOut">
               <a:rPr lang="en-US" smtClean="0"/>
-              <a:t>3/31/2020</a:t>
+              <a:t>4/2/2020</a:t>
             </a:fld>
             <a:endParaRPr lang="en-US"/>
           </a:p>
@@ -10650,7 +10650,7 @@
           <a:p>
             <a:fld id="{50A519B0-864F-436F-AD10-563B5AD2C023}" type="datetimeFigureOut">
               <a:rPr lang="en-US" smtClean="0"/>
-              <a:t>3/31/2020</a:t>
+              <a:t>4/2/2020</a:t>
             </a:fld>
             <a:endParaRPr lang="en-US"/>
           </a:p>
@@ -10902,7 +10902,7 @@
           <a:p>
             <a:fld id="{50A519B0-864F-436F-AD10-563B5AD2C023}" type="datetimeFigureOut">
               <a:rPr lang="en-US" smtClean="0"/>
-              <a:t>3/31/2020</a:t>
+              <a:t>4/2/2020</a:t>
             </a:fld>
             <a:endParaRPr lang="en-US"/>
           </a:p>
@@ -11113,7 +11113,7 @@
           <a:p>
             <a:fld id="{50A519B0-864F-436F-AD10-563B5AD2C023}" type="datetimeFigureOut">
               <a:rPr lang="en-US" smtClean="0"/>
-              <a:t>3/31/2020</a:t>
+              <a:t>4/2/2020</a:t>
             </a:fld>
             <a:endParaRPr lang="en-US"/>
           </a:p>
@@ -11539,7 +11539,7 @@
         </p:spPr>
         <p:txBody>
           <a:bodyPr>
-            <a:normAutofit fontScale="62500" lnSpcReduction="20000"/>
+            <a:normAutofit fontScale="47500" lnSpcReduction="20000"/>
           </a:bodyPr>
           <a:lstStyle/>
           <a:p>
@@ -11558,9 +11558,23 @@
             </a:pPr>
             <a:r>
               <a:rPr lang="en-US" sz="6000" dirty="0" smtClean="0"/>
-              <a:t>Minimizing Dependencies</a:t>
-            </a:r>
-            <a:endParaRPr lang="en-US" sz="6000" dirty="0" smtClean="0"/>
+              <a:t>Object Oriented Design Principle #4:</a:t>
+            </a:r>
+          </a:p>
+          <a:p>
+            <a:pPr marR="0" eaLnBrk="1" hangingPunct="1">
+              <a:lnSpc>
+                <a:spcPct val="90000"/>
+              </a:lnSpc>
+            </a:pPr>
+            <a:r>
+              <a:rPr lang="en-US" sz="6000" dirty="0" smtClean="0"/>
+              <a:t>Minimizing </a:t>
+            </a:r>
+            <a:r>
+              <a:rPr lang="en-US" sz="6000" dirty="0" smtClean="0"/>
+              <a:t>Dependencies</a:t>
+            </a:r>
           </a:p>
           <a:p>
             <a:pPr marR="0" eaLnBrk="1" hangingPunct="1">
@@ -11601,6 +11615,13 @@
   <p:clrMapOvr>
     <a:masterClrMapping/>
   </p:clrMapOvr>
+  <p:timing>
+    <p:tnLst>
+      <p:par>
+        <p:cTn id="1" dur="indefinite" restart="never" nodeType="tmRoot"/>
+      </p:par>
+    </p:tnLst>
+  </p:timing>
 </p:sld>
 </file>
 
@@ -12264,6 +12285,13 @@
   <p:clrMapOvr>
     <a:masterClrMapping/>
   </p:clrMapOvr>
+  <p:timing>
+    <p:tnLst>
+      <p:par>
+        <p:cTn id="1" dur="indefinite" restart="never" nodeType="tmRoot"/>
+      </p:par>
+    </p:tnLst>
+  </p:timing>
 </p:sld>
 </file>
 
@@ -12350,6 +12378,13 @@
   <p:clrMapOvr>
     <a:masterClrMapping/>
   </p:clrMapOvr>
+  <p:timing>
+    <p:tnLst>
+      <p:par>
+        <p:cTn id="1" dur="indefinite" restart="never" nodeType="tmRoot"/>
+      </p:par>
+    </p:tnLst>
+  </p:timing>
 </p:sld>
 </file>
 
@@ -12493,6 +12528,13 @@
   <p:clrMapOvr>
     <a:masterClrMapping/>
   </p:clrMapOvr>
+  <p:timing>
+    <p:tnLst>
+      <p:par>
+        <p:cTn id="1" dur="indefinite" restart="never" nodeType="tmRoot"/>
+      </p:par>
+    </p:tnLst>
+  </p:timing>
 </p:sld>
 </file>
 
@@ -12687,6 +12729,13 @@
   <p:clrMapOvr>
     <a:masterClrMapping/>
   </p:clrMapOvr>
+  <p:timing>
+    <p:tnLst>
+      <p:par>
+        <p:cTn id="1" dur="indefinite" restart="never" nodeType="tmRoot"/>
+      </p:par>
+    </p:tnLst>
+  </p:timing>
 </p:sld>
 </file>
 
@@ -12906,6 +12955,13 @@
   <p:clrMapOvr>
     <a:masterClrMapping/>
   </p:clrMapOvr>
+  <p:timing>
+    <p:tnLst>
+      <p:par>
+        <p:cTn id="1" dur="indefinite" restart="never" nodeType="tmRoot"/>
+      </p:par>
+    </p:tnLst>
+  </p:timing>
 </p:sld>
 </file>
 
@@ -13044,6 +13100,13 @@
   <p:clrMapOvr>
     <a:masterClrMapping/>
   </p:clrMapOvr>
+  <p:timing>
+    <p:tnLst>
+      <p:par>
+        <p:cTn id="1" dur="indefinite" restart="never" nodeType="tmRoot"/>
+      </p:par>
+    </p:tnLst>
+  </p:timing>
 </p:sld>
 </file>
 
@@ -13125,6 +13188,13 @@
   <p:clrMapOvr>
     <a:masterClrMapping/>
   </p:clrMapOvr>
+  <p:timing>
+    <p:tnLst>
+      <p:par>
+        <p:cTn id="1" dur="indefinite" restart="never" nodeType="tmRoot"/>
+      </p:par>
+    </p:tnLst>
+  </p:timing>
 </p:sld>
 </file>
 
@@ -13594,6 +13664,13 @@
   <p:clrMapOvr>
     <a:masterClrMapping/>
   </p:clrMapOvr>
+  <p:timing>
+    <p:tnLst>
+      <p:par>
+        <p:cTn id="1" dur="indefinite" restart="never" nodeType="tmRoot"/>
+      </p:par>
+    </p:tnLst>
+  </p:timing>
 </p:sld>
 </file>
 
@@ -13952,6 +14029,13 @@
   <p:clrMapOvr>
     <a:masterClrMapping/>
   </p:clrMapOvr>
+  <p:timing>
+    <p:tnLst>
+      <p:par>
+        <p:cTn id="1" dur="indefinite" restart="never" nodeType="tmRoot"/>
+      </p:par>
+    </p:tnLst>
+  </p:timing>
 </p:sld>
 </file>
 
@@ -14063,6 +14147,13 @@
   <p:clrMapOvr>
     <a:masterClrMapping/>
   </p:clrMapOvr>
+  <p:timing>
+    <p:tnLst>
+      <p:par>
+        <p:cTn id="1" dur="indefinite" restart="never" nodeType="tmRoot"/>
+      </p:par>
+    </p:tnLst>
+  </p:timing>
 </p:sld>
 </file>
 
@@ -14231,7 +14322,6 @@
               <a:rPr lang="en-US" sz="2800" b="1" dirty="0"/>
               <a:t>cohesion</a:t>
             </a:r>
-            <a:endParaRPr lang="en-US" sz="2800" b="1" dirty="0"/>
           </a:p>
         </p:txBody>
       </p:sp>
@@ -14245,6 +14335,13 @@
   <p:clrMapOvr>
     <a:masterClrMapping/>
   </p:clrMapOvr>
+  <p:timing>
+    <p:tnLst>
+      <p:par>
+        <p:cTn id="1" dur="indefinite" restart="never" nodeType="tmRoot"/>
+      </p:par>
+    </p:tnLst>
+  </p:timing>
 </p:sld>
 </file>
 
@@ -14387,6 +14484,13 @@
   <p:clrMapOvr>
     <a:masterClrMapping/>
   </p:clrMapOvr>
+  <p:timing>
+    <p:tnLst>
+      <p:par>
+        <p:cTn id="1" dur="indefinite" restart="never" nodeType="tmRoot"/>
+      </p:par>
+    </p:tnLst>
+  </p:timing>
 </p:sld>
 </file>
 
@@ -14519,6 +14623,68 @@
           </a:prstGeom>
         </p:spPr>
       </p:pic>
+      <p:sp>
+        <p:nvSpPr>
+          <p:cNvPr id="5" name="Rounded Rectangle 4"/>
+          <p:cNvSpPr/>
+          <p:nvPr/>
+        </p:nvSpPr>
+        <p:spPr>
+          <a:xfrm>
+            <a:off x="685800" y="5422765"/>
+            <a:ext cx="4708479" cy="1009685"/>
+          </a:xfrm>
+          <a:prstGeom prst="roundRect">
+            <a:avLst/>
+          </a:prstGeom>
+          <a:solidFill>
+            <a:srgbClr val="FF0000"/>
+          </a:solidFill>
+        </p:spPr>
+        <p:style>
+          <a:lnRef idx="2">
+            <a:schemeClr val="accent1">
+              <a:shade val="50000"/>
+            </a:schemeClr>
+          </a:lnRef>
+          <a:fillRef idx="1">
+            <a:schemeClr val="accent1"/>
+          </a:fillRef>
+          <a:effectRef idx="0">
+            <a:schemeClr val="accent1"/>
+          </a:effectRef>
+          <a:fontRef idx="minor">
+            <a:schemeClr val="lt1"/>
+          </a:fontRef>
+        </p:style>
+        <p:txBody>
+          <a:bodyPr rtlCol="0" anchor="ctr"/>
+          <a:lstStyle/>
+          <a:p>
+            <a:r>
+              <a:rPr lang="en-US" b="1" dirty="0"/>
+              <a:t>PAUSE THIS </a:t>
+            </a:r>
+            <a:r>
+              <a:rPr lang="en-US" b="1" dirty="0" smtClean="0"/>
+              <a:t>VIDEO HERE for a couple minutes!</a:t>
+            </a:r>
+            <a:endParaRPr lang="en-US" b="1" dirty="0"/>
+          </a:p>
+          <a:p>
+            <a:r>
+              <a:rPr lang="en-US" dirty="0"/>
+              <a:t>Try to see what you can think might be wrong</a:t>
+            </a:r>
+          </a:p>
+          <a:p>
+            <a:r>
+              <a:rPr lang="en-US" dirty="0"/>
+              <a:t>When you have an idea, then continue</a:t>
+            </a:r>
+          </a:p>
+        </p:txBody>
+      </p:sp>
     </p:spTree>
     <p:extLst>
       <p:ext uri="{BB962C8B-B14F-4D97-AF65-F5344CB8AC3E}">
@@ -14529,6 +14695,130 @@
   <p:clrMapOvr>
     <a:masterClrMapping/>
   </p:clrMapOvr>
+  <p:timing>
+    <p:tnLst>
+      <p:par>
+        <p:cTn id="1" dur="indefinite" restart="never" nodeType="tmRoot">
+          <p:childTnLst>
+            <p:seq concurrent="1" nextAc="seek">
+              <p:cTn id="2" dur="indefinite" nodeType="mainSeq">
+                <p:childTnLst>
+                  <p:par>
+                    <p:cTn id="3" fill="hold">
+                      <p:stCondLst>
+                        <p:cond delay="indefinite"/>
+                      </p:stCondLst>
+                      <p:childTnLst>
+                        <p:par>
+                          <p:cTn id="4" fill="hold">
+                            <p:stCondLst>
+                              <p:cond delay="0"/>
+                            </p:stCondLst>
+                            <p:childTnLst>
+                              <p:par>
+                                <p:cTn id="5" presetID="2" presetClass="entr" presetSubtype="4" fill="hold" grpId="0" nodeType="clickEffect">
+                                  <p:stCondLst>
+                                    <p:cond delay="0"/>
+                                  </p:stCondLst>
+                                  <p:childTnLst>
+                                    <p:set>
+                                      <p:cBhvr>
+                                        <p:cTn id="6" dur="1" fill="hold">
+                                          <p:stCondLst>
+                                            <p:cond delay="0"/>
+                                          </p:stCondLst>
+                                        </p:cTn>
+                                        <p:tgtEl>
+                                          <p:spTgt spid="5"/>
+                                        </p:tgtEl>
+                                        <p:attrNameLst>
+                                          <p:attrName>style.visibility</p:attrName>
+                                        </p:attrNameLst>
+                                      </p:cBhvr>
+                                      <p:to>
+                                        <p:strVal val="visible"/>
+                                      </p:to>
+                                    </p:set>
+                                    <p:anim calcmode="lin" valueType="num">
+                                      <p:cBhvr additive="base">
+                                        <p:cTn id="7" dur="500" fill="hold"/>
+                                        <p:tgtEl>
+                                          <p:spTgt spid="5"/>
+                                        </p:tgtEl>
+                                        <p:attrNameLst>
+                                          <p:attrName>ppt_x</p:attrName>
+                                        </p:attrNameLst>
+                                      </p:cBhvr>
+                                      <p:tavLst>
+                                        <p:tav tm="0">
+                                          <p:val>
+                                            <p:strVal val="#ppt_x"/>
+                                          </p:val>
+                                        </p:tav>
+                                        <p:tav tm="100000">
+                                          <p:val>
+                                            <p:strVal val="#ppt_x"/>
+                                          </p:val>
+                                        </p:tav>
+                                      </p:tavLst>
+                                    </p:anim>
+                                    <p:anim calcmode="lin" valueType="num">
+                                      <p:cBhvr additive="base">
+                                        <p:cTn id="8" dur="500" fill="hold"/>
+                                        <p:tgtEl>
+                                          <p:spTgt spid="5"/>
+                                        </p:tgtEl>
+                                        <p:attrNameLst>
+                                          <p:attrName>ppt_y</p:attrName>
+                                        </p:attrNameLst>
+                                      </p:cBhvr>
+                                      <p:tavLst>
+                                        <p:tav tm="0">
+                                          <p:val>
+                                            <p:strVal val="1+#ppt_h/2"/>
+                                          </p:val>
+                                        </p:tav>
+                                        <p:tav tm="100000">
+                                          <p:val>
+                                            <p:strVal val="#ppt_y"/>
+                                          </p:val>
+                                        </p:tav>
+                                      </p:tavLst>
+                                    </p:anim>
+                                  </p:childTnLst>
+                                </p:cTn>
+                              </p:par>
+                            </p:childTnLst>
+                          </p:cTn>
+                        </p:par>
+                      </p:childTnLst>
+                    </p:cTn>
+                  </p:par>
+                </p:childTnLst>
+              </p:cTn>
+              <p:prevCondLst>
+                <p:cond evt="onPrev" delay="0">
+                  <p:tgtEl>
+                    <p:sldTgt/>
+                  </p:tgtEl>
+                </p:cond>
+              </p:prevCondLst>
+              <p:nextCondLst>
+                <p:cond evt="onNext" delay="0">
+                  <p:tgtEl>
+                    <p:sldTgt/>
+                  </p:tgtEl>
+                </p:cond>
+              </p:nextCondLst>
+            </p:seq>
+          </p:childTnLst>
+        </p:cTn>
+      </p:par>
+    </p:tnLst>
+    <p:bldLst>
+      <p:bldP spid="5" grpId="0" animBg="1"/>
+    </p:bldLst>
+  </p:timing>
 </p:sld>
 </file>
 
@@ -14647,6 +14937,78 @@
           </a:extLst>
         </p:spPr>
       </p:pic>
+      <p:sp>
+        <p:nvSpPr>
+          <p:cNvPr id="5" name="Rounded Rectangle 4"/>
+          <p:cNvSpPr/>
+          <p:nvPr/>
+        </p:nvSpPr>
+        <p:spPr>
+          <a:xfrm>
+            <a:off x="3429000" y="5486400"/>
+            <a:ext cx="4708479" cy="790701"/>
+          </a:xfrm>
+          <a:prstGeom prst="roundRect">
+            <a:avLst/>
+          </a:prstGeom>
+        </p:spPr>
+        <p:style>
+          <a:lnRef idx="2">
+            <a:schemeClr val="accent1">
+              <a:shade val="50000"/>
+            </a:schemeClr>
+          </a:lnRef>
+          <a:fillRef idx="1">
+            <a:schemeClr val="accent1"/>
+          </a:fillRef>
+          <a:effectRef idx="0">
+            <a:schemeClr val="accent1"/>
+          </a:effectRef>
+          <a:fontRef idx="minor">
+            <a:schemeClr val="lt1"/>
+          </a:fontRef>
+        </p:style>
+        <p:txBody>
+          <a:bodyPr rtlCol="0" anchor="ctr"/>
+          <a:lstStyle/>
+          <a:p>
+            <a:r>
+              <a:rPr lang="en-US" b="1" dirty="0"/>
+              <a:t>PAUSE THIS </a:t>
+            </a:r>
+            <a:r>
+              <a:rPr lang="en-US" b="1" dirty="0" smtClean="0"/>
+              <a:t>VIDEO HERE for 5-10 minutes!</a:t>
+            </a:r>
+            <a:endParaRPr lang="en-US" b="1" dirty="0"/>
+          </a:p>
+          <a:p>
+            <a:r>
+              <a:rPr lang="en-US" dirty="0"/>
+              <a:t>Try to </a:t>
+            </a:r>
+            <a:r>
+              <a:rPr lang="en-US" dirty="0" smtClean="0"/>
+              <a:t>make your own improved design </a:t>
+            </a:r>
+          </a:p>
+          <a:p>
+            <a:r>
+              <a:rPr lang="en-US" dirty="0" smtClean="0"/>
+              <a:t>Using </a:t>
+            </a:r>
+            <a:r>
+              <a:rPr lang="en-US" dirty="0" err="1" smtClean="0"/>
+              <a:t>plantuml</a:t>
+            </a:r>
+            <a:r>
+              <a:rPr lang="en-US" dirty="0" smtClean="0"/>
+              <a:t> is good practice!</a:t>
+            </a:r>
+            <a:endParaRPr lang="en-US" dirty="0"/>
+          </a:p>
+        </p:txBody>
+      </p:sp>
     </p:spTree>
     <p:extLst>
       <p:ext uri="{BB962C8B-B14F-4D97-AF65-F5344CB8AC3E}">
@@ -14657,6 +15019,130 @@
   <p:clrMapOvr>
     <a:masterClrMapping/>
   </p:clrMapOvr>
+  <p:timing>
+    <p:tnLst>
+      <p:par>
+        <p:cTn id="1" dur="indefinite" restart="never" nodeType="tmRoot">
+          <p:childTnLst>
+            <p:seq concurrent="1" nextAc="seek">
+              <p:cTn id="2" dur="indefinite" nodeType="mainSeq">
+                <p:childTnLst>
+                  <p:par>
+                    <p:cTn id="3" fill="hold">
+                      <p:stCondLst>
+                        <p:cond delay="indefinite"/>
+                      </p:stCondLst>
+                      <p:childTnLst>
+                        <p:par>
+                          <p:cTn id="4" fill="hold">
+                            <p:stCondLst>
+                              <p:cond delay="0"/>
+                            </p:stCondLst>
+                            <p:childTnLst>
+                              <p:par>
+                                <p:cTn id="5" presetID="2" presetClass="entr" presetSubtype="4" fill="hold" grpId="0" nodeType="clickEffect">
+                                  <p:stCondLst>
+                                    <p:cond delay="0"/>
+                                  </p:stCondLst>
+                                  <p:childTnLst>
+                                    <p:set>
+                                      <p:cBhvr>
+                                        <p:cTn id="6" dur="1" fill="hold">
+                                          <p:stCondLst>
+                                            <p:cond delay="0"/>
+                                          </p:stCondLst>
+                                        </p:cTn>
+                                        <p:tgtEl>
+                                          <p:spTgt spid="5"/>
+                                        </p:tgtEl>
+                                        <p:attrNameLst>
+                                          <p:attrName>style.visibility</p:attrName>
+                                        </p:attrNameLst>
+                                      </p:cBhvr>
+                                      <p:to>
+                                        <p:strVal val="visible"/>
+                                      </p:to>
+                                    </p:set>
+                                    <p:anim calcmode="lin" valueType="num">
+                                      <p:cBhvr additive="base">
+                                        <p:cTn id="7" dur="500" fill="hold"/>
+                                        <p:tgtEl>
+                                          <p:spTgt spid="5"/>
+                                        </p:tgtEl>
+                                        <p:attrNameLst>
+                                          <p:attrName>ppt_x</p:attrName>
+                                        </p:attrNameLst>
+                                      </p:cBhvr>
+                                      <p:tavLst>
+                                        <p:tav tm="0">
+                                          <p:val>
+                                            <p:strVal val="#ppt_x"/>
+                                          </p:val>
+                                        </p:tav>
+                                        <p:tav tm="100000">
+                                          <p:val>
+                                            <p:strVal val="#ppt_x"/>
+                                          </p:val>
+                                        </p:tav>
+                                      </p:tavLst>
+                                    </p:anim>
+                                    <p:anim calcmode="lin" valueType="num">
+                                      <p:cBhvr additive="base">
+                                        <p:cTn id="8" dur="500" fill="hold"/>
+                                        <p:tgtEl>
+                                          <p:spTgt spid="5"/>
+                                        </p:tgtEl>
+                                        <p:attrNameLst>
+                                          <p:attrName>ppt_y</p:attrName>
+                                        </p:attrNameLst>
+                                      </p:cBhvr>
+                                      <p:tavLst>
+                                        <p:tav tm="0">
+                                          <p:val>
+                                            <p:strVal val="1+#ppt_h/2"/>
+                                          </p:val>
+                                        </p:tav>
+                                        <p:tav tm="100000">
+                                          <p:val>
+                                            <p:strVal val="#ppt_y"/>
+                                          </p:val>
+                                        </p:tav>
+                                      </p:tavLst>
+                                    </p:anim>
+                                  </p:childTnLst>
+                                </p:cTn>
+                              </p:par>
+                            </p:childTnLst>
+                          </p:cTn>
+                        </p:par>
+                      </p:childTnLst>
+                    </p:cTn>
+                  </p:par>
+                </p:childTnLst>
+              </p:cTn>
+              <p:prevCondLst>
+                <p:cond evt="onPrev" delay="0">
+                  <p:tgtEl>
+                    <p:sldTgt/>
+                  </p:tgtEl>
+                </p:cond>
+              </p:prevCondLst>
+              <p:nextCondLst>
+                <p:cond evt="onNext" delay="0">
+                  <p:tgtEl>
+                    <p:sldTgt/>
+                  </p:tgtEl>
+                </p:cond>
+              </p:nextCondLst>
+            </p:seq>
+          </p:childTnLst>
+        </p:cTn>
+      </p:par>
+    </p:tnLst>
+    <p:bldLst>
+      <p:bldP spid="5" grpId="0" animBg="1"/>
+    </p:bldLst>
+  </p:timing>
 </p:sld>
 </file>
 
@@ -14805,6 +15291,13 @@
   <p:clrMapOvr>
     <a:masterClrMapping/>
   </p:clrMapOvr>
+  <p:timing>
+    <p:tnLst>
+      <p:par>
+        <p:cTn id="1" dur="indefinite" restart="never" nodeType="tmRoot"/>
+      </p:par>
+    </p:tnLst>
+  </p:timing>
 </p:sld>
 </file>
 
@@ -14941,6 +15434,13 @@
   <p:clrMapOvr>
     <a:masterClrMapping/>
   </p:clrMapOvr>
+  <p:timing>
+    <p:tnLst>
+      <p:par>
+        <p:cTn id="1" dur="indefinite" restart="never" nodeType="tmRoot"/>
+      </p:par>
+    </p:tnLst>
+  </p:timing>
 </p:sld>
 </file>
 
@@ -15343,6 +15843,13 @@
   <p:clrMapOvr>
     <a:masterClrMapping/>
   </p:clrMapOvr>
+  <p:timing>
+    <p:tnLst>
+      <p:par>
+        <p:cTn id="1" dur="indefinite" restart="never" nodeType="tmRoot"/>
+      </p:par>
+    </p:tnLst>
+  </p:timing>
 </p:sld>
 </file>
 
@@ -15639,6 +16146,13 @@
   <p:clrMapOvr>
     <a:masterClrMapping/>
   </p:clrMapOvr>
+  <p:timing>
+    <p:tnLst>
+      <p:par>
+        <p:cTn id="1" dur="indefinite" restart="never" nodeType="tmRoot"/>
+      </p:par>
+    </p:tnLst>
+  </p:timing>
 </p:sld>
 </file>
 
@@ -16073,6 +16587,13 @@
   <p:clrMapOvr>
     <a:masterClrMapping/>
   </p:clrMapOvr>
+  <p:timing>
+    <p:tnLst>
+      <p:par>
+        <p:cTn id="1" dur="indefinite" restart="never" nodeType="tmRoot"/>
+      </p:par>
+    </p:tnLst>
+  </p:timing>
 </p:sld>
 </file>
 
@@ -16427,6 +16948,13 @@
   <p:clrMapOvr>
     <a:masterClrMapping/>
   </p:clrMapOvr>
+  <p:timing>
+    <p:tnLst>
+      <p:par>
+        <p:cTn id="1" dur="indefinite" restart="never" nodeType="tmRoot"/>
+      </p:par>
+    </p:tnLst>
+  </p:timing>
 </p:sld>
 </file>
 
@@ -16649,12 +17177,12 @@
               </a:tabLst>
             </a:pPr>
             <a:r>
-              <a:rPr lang="en-US" sz="2800" dirty="0" err="1"/>
-              <a:t>Jframe</a:t>
+              <a:rPr lang="en-US" sz="2800" dirty="0" smtClean="0"/>
+              <a:t>JFrame </a:t>
             </a:r>
             <a:r>
               <a:rPr lang="en-US" sz="2800" dirty="0"/>
-              <a:t> from </a:t>
+              <a:t>from </a:t>
             </a:r>
             <a:r>
               <a:rPr lang="en-US" sz="2800" dirty="0" err="1"/>
@@ -17463,6 +17991,13 @@
   <p:clrMapOvr>
     <a:masterClrMapping/>
   </p:clrMapOvr>
+  <p:timing>
+    <p:tnLst>
+      <p:par>
+        <p:cTn id="1" dur="indefinite" restart="never" nodeType="tmRoot"/>
+      </p:par>
+    </p:tnLst>
+  </p:timing>
 </p:sld>
 </file>
 
@@ -17822,6 +18357,13 @@
   <p:clrMapOvr>
     <a:masterClrMapping/>
   </p:clrMapOvr>
+  <p:timing>
+    <p:tnLst>
+      <p:par>
+        <p:cTn id="1" dur="indefinite" restart="never" nodeType="tmRoot"/>
+      </p:par>
+    </p:tnLst>
+  </p:timing>
 </p:sld>
 </file>
 
@@ -17963,6 +18505,13 @@
   <p:clrMapOvr>
     <a:masterClrMapping/>
   </p:clrMapOvr>
+  <p:timing>
+    <p:tnLst>
+      <p:par>
+        <p:cTn id="1" dur="indefinite" restart="never" nodeType="tmRoot"/>
+      </p:par>
+    </p:tnLst>
+  </p:timing>
 </p:sld>
 </file>
 
@@ -18055,6 +18604,68 @@
           </a:extLst>
         </p:spPr>
       </p:pic>
+      <p:sp>
+        <p:nvSpPr>
+          <p:cNvPr id="4" name="Rounded Rectangle 3"/>
+          <p:cNvSpPr/>
+          <p:nvPr/>
+        </p:nvSpPr>
+        <p:spPr>
+          <a:xfrm>
+            <a:off x="2065360" y="4968081"/>
+            <a:ext cx="4708479" cy="1009685"/>
+          </a:xfrm>
+          <a:prstGeom prst="roundRect">
+            <a:avLst/>
+          </a:prstGeom>
+          <a:solidFill>
+            <a:srgbClr val="FF0000"/>
+          </a:solidFill>
+        </p:spPr>
+        <p:style>
+          <a:lnRef idx="2">
+            <a:schemeClr val="accent1">
+              <a:shade val="50000"/>
+            </a:schemeClr>
+          </a:lnRef>
+          <a:fillRef idx="1">
+            <a:schemeClr val="accent1"/>
+          </a:fillRef>
+          <a:effectRef idx="0">
+            <a:schemeClr val="accent1"/>
+          </a:effectRef>
+          <a:fontRef idx="minor">
+            <a:schemeClr val="lt1"/>
+          </a:fontRef>
+        </p:style>
+        <p:txBody>
+          <a:bodyPr rtlCol="0" anchor="ctr"/>
+          <a:lstStyle/>
+          <a:p>
+            <a:r>
+              <a:rPr lang="en-US" b="1" dirty="0"/>
+              <a:t>PAUSE THIS </a:t>
+            </a:r>
+            <a:r>
+              <a:rPr lang="en-US" b="1" dirty="0" smtClean="0"/>
+              <a:t>VIDEO HERE for a couple minutes!</a:t>
+            </a:r>
+            <a:endParaRPr lang="en-US" b="1" dirty="0"/>
+          </a:p>
+          <a:p>
+            <a:r>
+              <a:rPr lang="en-US" dirty="0"/>
+              <a:t>Try to see what you can think might be wrong</a:t>
+            </a:r>
+          </a:p>
+          <a:p>
+            <a:r>
+              <a:rPr lang="en-US" dirty="0"/>
+              <a:t>When you have an idea, then continue</a:t>
+            </a:r>
+          </a:p>
+        </p:txBody>
+      </p:sp>
     </p:spTree>
     <p:extLst>
       <p:ext uri="{BB962C8B-B14F-4D97-AF65-F5344CB8AC3E}">
@@ -18065,6 +18676,130 @@
   <p:clrMapOvr>
     <a:masterClrMapping/>
   </p:clrMapOvr>
+  <p:timing>
+    <p:tnLst>
+      <p:par>
+        <p:cTn id="1" dur="indefinite" restart="never" nodeType="tmRoot">
+          <p:childTnLst>
+            <p:seq concurrent="1" nextAc="seek">
+              <p:cTn id="2" dur="indefinite" nodeType="mainSeq">
+                <p:childTnLst>
+                  <p:par>
+                    <p:cTn id="3" fill="hold">
+                      <p:stCondLst>
+                        <p:cond delay="indefinite"/>
+                      </p:stCondLst>
+                      <p:childTnLst>
+                        <p:par>
+                          <p:cTn id="4" fill="hold">
+                            <p:stCondLst>
+                              <p:cond delay="0"/>
+                            </p:stCondLst>
+                            <p:childTnLst>
+                              <p:par>
+                                <p:cTn id="5" presetID="2" presetClass="entr" presetSubtype="4" fill="hold" grpId="0" nodeType="clickEffect">
+                                  <p:stCondLst>
+                                    <p:cond delay="0"/>
+                                  </p:stCondLst>
+                                  <p:childTnLst>
+                                    <p:set>
+                                      <p:cBhvr>
+                                        <p:cTn id="6" dur="1" fill="hold">
+                                          <p:stCondLst>
+                                            <p:cond delay="0"/>
+                                          </p:stCondLst>
+                                        </p:cTn>
+                                        <p:tgtEl>
+                                          <p:spTgt spid="4"/>
+                                        </p:tgtEl>
+                                        <p:attrNameLst>
+                                          <p:attrName>style.visibility</p:attrName>
+                                        </p:attrNameLst>
+                                      </p:cBhvr>
+                                      <p:to>
+                                        <p:strVal val="visible"/>
+                                      </p:to>
+                                    </p:set>
+                                    <p:anim calcmode="lin" valueType="num">
+                                      <p:cBhvr additive="base">
+                                        <p:cTn id="7" dur="500" fill="hold"/>
+                                        <p:tgtEl>
+                                          <p:spTgt spid="4"/>
+                                        </p:tgtEl>
+                                        <p:attrNameLst>
+                                          <p:attrName>ppt_x</p:attrName>
+                                        </p:attrNameLst>
+                                      </p:cBhvr>
+                                      <p:tavLst>
+                                        <p:tav tm="0">
+                                          <p:val>
+                                            <p:strVal val="#ppt_x"/>
+                                          </p:val>
+                                        </p:tav>
+                                        <p:tav tm="100000">
+                                          <p:val>
+                                            <p:strVal val="#ppt_x"/>
+                                          </p:val>
+                                        </p:tav>
+                                      </p:tavLst>
+                                    </p:anim>
+                                    <p:anim calcmode="lin" valueType="num">
+                                      <p:cBhvr additive="base">
+                                        <p:cTn id="8" dur="500" fill="hold"/>
+                                        <p:tgtEl>
+                                          <p:spTgt spid="4"/>
+                                        </p:tgtEl>
+                                        <p:attrNameLst>
+                                          <p:attrName>ppt_y</p:attrName>
+                                        </p:attrNameLst>
+                                      </p:cBhvr>
+                                      <p:tavLst>
+                                        <p:tav tm="0">
+                                          <p:val>
+                                            <p:strVal val="1+#ppt_h/2"/>
+                                          </p:val>
+                                        </p:tav>
+                                        <p:tav tm="100000">
+                                          <p:val>
+                                            <p:strVal val="#ppt_y"/>
+                                          </p:val>
+                                        </p:tav>
+                                      </p:tavLst>
+                                    </p:anim>
+                                  </p:childTnLst>
+                                </p:cTn>
+                              </p:par>
+                            </p:childTnLst>
+                          </p:cTn>
+                        </p:par>
+                      </p:childTnLst>
+                    </p:cTn>
+                  </p:par>
+                </p:childTnLst>
+              </p:cTn>
+              <p:prevCondLst>
+                <p:cond evt="onPrev" delay="0">
+                  <p:tgtEl>
+                    <p:sldTgt/>
+                  </p:tgtEl>
+                </p:cond>
+              </p:prevCondLst>
+              <p:nextCondLst>
+                <p:cond evt="onNext" delay="0">
+                  <p:tgtEl>
+                    <p:sldTgt/>
+                  </p:tgtEl>
+                </p:cond>
+              </p:nextCondLst>
+            </p:seq>
+          </p:childTnLst>
+        </p:cTn>
+      </p:par>
+    </p:tnLst>
+    <p:bldLst>
+      <p:bldP spid="4" grpId="0" animBg="1"/>
+    </p:bldLst>
+  </p:timing>
 </p:sld>
 </file>
 
@@ -18611,6 +19346,78 @@
           </a:p>
         </p:txBody>
       </p:sp>
+      <p:sp>
+        <p:nvSpPr>
+          <p:cNvPr id="8" name="Rounded Rectangle 7"/>
+          <p:cNvSpPr/>
+          <p:nvPr/>
+        </p:nvSpPr>
+        <p:spPr>
+          <a:xfrm>
+            <a:off x="2065360" y="5982114"/>
+            <a:ext cx="4708479" cy="790701"/>
+          </a:xfrm>
+          <a:prstGeom prst="roundRect">
+            <a:avLst/>
+          </a:prstGeom>
+        </p:spPr>
+        <p:style>
+          <a:lnRef idx="2">
+            <a:schemeClr val="accent1">
+              <a:shade val="50000"/>
+            </a:schemeClr>
+          </a:lnRef>
+          <a:fillRef idx="1">
+            <a:schemeClr val="accent1"/>
+          </a:fillRef>
+          <a:effectRef idx="0">
+            <a:schemeClr val="accent1"/>
+          </a:effectRef>
+          <a:fontRef idx="minor">
+            <a:schemeClr val="lt1"/>
+          </a:fontRef>
+        </p:style>
+        <p:txBody>
+          <a:bodyPr rtlCol="0" anchor="ctr"/>
+          <a:lstStyle/>
+          <a:p>
+            <a:r>
+              <a:rPr lang="en-US" b="1" dirty="0"/>
+              <a:t>PAUSE THIS </a:t>
+            </a:r>
+            <a:r>
+              <a:rPr lang="en-US" b="1" dirty="0" smtClean="0"/>
+              <a:t>VIDEO HERE for 5-10 minutes!</a:t>
+            </a:r>
+            <a:endParaRPr lang="en-US" b="1" dirty="0"/>
+          </a:p>
+          <a:p>
+            <a:r>
+              <a:rPr lang="en-US" dirty="0"/>
+              <a:t>Try to </a:t>
+            </a:r>
+            <a:r>
+              <a:rPr lang="en-US" dirty="0" smtClean="0"/>
+              <a:t>make your own improved design </a:t>
+            </a:r>
+          </a:p>
+          <a:p>
+            <a:r>
+              <a:rPr lang="en-US" dirty="0" smtClean="0"/>
+              <a:t>Using </a:t>
+            </a:r>
+            <a:r>
+              <a:rPr lang="en-US" dirty="0" err="1" smtClean="0"/>
+              <a:t>plantuml</a:t>
+            </a:r>
+            <a:r>
+              <a:rPr lang="en-US" dirty="0" smtClean="0"/>
+              <a:t> is good practice!</a:t>
+            </a:r>
+            <a:endParaRPr lang="en-US" dirty="0"/>
+          </a:p>
+        </p:txBody>
+      </p:sp>
     </p:spTree>
     <p:extLst>
       <p:ext uri="{BB962C8B-B14F-4D97-AF65-F5344CB8AC3E}">
@@ -18621,6 +19428,130 @@
   <p:clrMapOvr>
     <a:masterClrMapping/>
   </p:clrMapOvr>
+  <p:timing>
+    <p:tnLst>
+      <p:par>
+        <p:cTn id="1" dur="indefinite" restart="never" nodeType="tmRoot">
+          <p:childTnLst>
+            <p:seq concurrent="1" nextAc="seek">
+              <p:cTn id="2" dur="indefinite" nodeType="mainSeq">
+                <p:childTnLst>
+                  <p:par>
+                    <p:cTn id="3" fill="hold">
+                      <p:stCondLst>
+                        <p:cond delay="indefinite"/>
+                      </p:stCondLst>
+                      <p:childTnLst>
+                        <p:par>
+                          <p:cTn id="4" fill="hold">
+                            <p:stCondLst>
+                              <p:cond delay="0"/>
+                            </p:stCondLst>
+                            <p:childTnLst>
+                              <p:par>
+                                <p:cTn id="5" presetID="2" presetClass="entr" presetSubtype="4" fill="hold" grpId="0" nodeType="clickEffect">
+                                  <p:stCondLst>
+                                    <p:cond delay="0"/>
+                                  </p:stCondLst>
+                                  <p:childTnLst>
+                                    <p:set>
+                                      <p:cBhvr>
+                                        <p:cTn id="6" dur="1" fill="hold">
+                                          <p:stCondLst>
+                                            <p:cond delay="0"/>
+                                          </p:stCondLst>
+                                        </p:cTn>
+                                        <p:tgtEl>
+                                          <p:spTgt spid="8"/>
+                                        </p:tgtEl>
+                                        <p:attrNameLst>
+                                          <p:attrName>style.visibility</p:attrName>
+                                        </p:attrNameLst>
+                                      </p:cBhvr>
+                                      <p:to>
+                                        <p:strVal val="visible"/>
+                                      </p:to>
+                                    </p:set>
+                                    <p:anim calcmode="lin" valueType="num">
+                                      <p:cBhvr additive="base">
+                                        <p:cTn id="7" dur="500" fill="hold"/>
+                                        <p:tgtEl>
+                                          <p:spTgt spid="8"/>
+                                        </p:tgtEl>
+                                        <p:attrNameLst>
+                                          <p:attrName>ppt_x</p:attrName>
+                                        </p:attrNameLst>
+                                      </p:cBhvr>
+                                      <p:tavLst>
+                                        <p:tav tm="0">
+                                          <p:val>
+                                            <p:strVal val="#ppt_x"/>
+                                          </p:val>
+                                        </p:tav>
+                                        <p:tav tm="100000">
+                                          <p:val>
+                                            <p:strVal val="#ppt_x"/>
+                                          </p:val>
+                                        </p:tav>
+                                      </p:tavLst>
+                                    </p:anim>
+                                    <p:anim calcmode="lin" valueType="num">
+                                      <p:cBhvr additive="base">
+                                        <p:cTn id="8" dur="500" fill="hold"/>
+                                        <p:tgtEl>
+                                          <p:spTgt spid="8"/>
+                                        </p:tgtEl>
+                                        <p:attrNameLst>
+                                          <p:attrName>ppt_y</p:attrName>
+                                        </p:attrNameLst>
+                                      </p:cBhvr>
+                                      <p:tavLst>
+                                        <p:tav tm="0">
+                                          <p:val>
+                                            <p:strVal val="1+#ppt_h/2"/>
+                                          </p:val>
+                                        </p:tav>
+                                        <p:tav tm="100000">
+                                          <p:val>
+                                            <p:strVal val="#ppt_y"/>
+                                          </p:val>
+                                        </p:tav>
+                                      </p:tavLst>
+                                    </p:anim>
+                                  </p:childTnLst>
+                                </p:cTn>
+                              </p:par>
+                            </p:childTnLst>
+                          </p:cTn>
+                        </p:par>
+                      </p:childTnLst>
+                    </p:cTn>
+                  </p:par>
+                </p:childTnLst>
+              </p:cTn>
+              <p:prevCondLst>
+                <p:cond evt="onPrev" delay="0">
+                  <p:tgtEl>
+                    <p:sldTgt/>
+                  </p:tgtEl>
+                </p:cond>
+              </p:prevCondLst>
+              <p:nextCondLst>
+                <p:cond evt="onNext" delay="0">
+                  <p:tgtEl>
+                    <p:sldTgt/>
+                  </p:tgtEl>
+                </p:cond>
+              </p:nextCondLst>
+            </p:seq>
+          </p:childTnLst>
+        </p:cTn>
+      </p:par>
+    </p:tnLst>
+    <p:bldLst>
+      <p:bldP spid="8" grpId="0" animBg="1"/>
+    </p:bldLst>
+  </p:timing>
 </p:sld>
 </file>
 
@@ -18716,6 +19647,13 @@
   <p:clrMapOvr>
     <a:masterClrMapping/>
   </p:clrMapOvr>
+  <p:timing>
+    <p:tnLst>
+      <p:par>
+        <p:cTn id="1" dur="indefinite" restart="never" nodeType="tmRoot"/>
+      </p:par>
+    </p:tnLst>
+  </p:timing>
 </p:sld>
 </file>
 
@@ -18824,6 +19762,13 @@
   <p:clrMapOvr>
     <a:masterClrMapping/>
   </p:clrMapOvr>
+  <p:timing>
+    <p:tnLst>
+      <p:par>
+        <p:cTn id="1" dur="indefinite" restart="never" nodeType="tmRoot"/>
+      </p:par>
+    </p:tnLst>
+  </p:timing>
 </p:sld>
 </file>
 
@@ -19032,6 +19977,13 @@
   <p:clrMapOvr>
     <a:masterClrMapping/>
   </p:clrMapOvr>
+  <p:timing>
+    <p:tnLst>
+      <p:par>
+        <p:cTn id="1" dur="indefinite" restart="never" nodeType="tmRoot"/>
+      </p:par>
+    </p:tnLst>
+  </p:timing>
 </p:sld>
 </file>
 
@@ -19148,6 +20100,13 @@
   <p:clrMapOvr>
     <a:masterClrMapping/>
   </p:clrMapOvr>
+  <p:timing>
+    <p:tnLst>
+      <p:par>
+        <p:cTn id="1" dur="indefinite" restart="never" nodeType="tmRoot"/>
+      </p:par>
+    </p:tnLst>
+  </p:timing>
 </p:sld>
 </file>
 
@@ -19395,6 +20354,13 @@
   <p:clrMapOvr>
     <a:masterClrMapping/>
   </p:clrMapOvr>
+  <p:timing>
+    <p:tnLst>
+      <p:par>
+        <p:cTn id="1" dur="indefinite" restart="never" nodeType="tmRoot"/>
+      </p:par>
+    </p:tnLst>
+  </p:timing>
 </p:sld>
 </file>
 
@@ -19845,6 +20811,13 @@
   <p:clrMapOvr>
     <a:masterClrMapping/>
   </p:clrMapOvr>
+  <p:timing>
+    <p:tnLst>
+      <p:par>
+        <p:cTn id="1" dur="indefinite" restart="never" nodeType="tmRoot"/>
+      </p:par>
+    </p:tnLst>
+  </p:timing>
 </p:sld>
 </file>
 
@@ -20478,6 +21451,13 @@
   <p:clrMapOvr>
     <a:masterClrMapping/>
   </p:clrMapOvr>
+  <p:timing>
+    <p:tnLst>
+      <p:par>
+        <p:cTn id="1" dur="indefinite" restart="never" nodeType="tmRoot"/>
+      </p:par>
+    </p:tnLst>
+  </p:timing>
 </p:sld>
 </file>
 
@@ -20696,6 +21676,13 @@
   <p:clrMapOvr>
     <a:masterClrMapping/>
   </p:clrMapOvr>
+  <p:timing>
+    <p:tnLst>
+      <p:par>
+        <p:cTn id="1" dur="indefinite" restart="never" nodeType="tmRoot"/>
+      </p:par>
+    </p:tnLst>
+  </p:timing>
 </p:sld>
 </file>
 
@@ -20808,6 +21795,13 @@
   <p:clrMapOvr>
     <a:masterClrMapping/>
   </p:clrMapOvr>
+  <p:timing>
+    <p:tnLst>
+      <p:par>
+        <p:cTn id="1" dur="indefinite" restart="never" nodeType="tmRoot"/>
+      </p:par>
+    </p:tnLst>
+  </p:timing>
 </p:sld>
 </file>
 
@@ -21132,6 +22126,13 @@
   <p:clrMapOvr>
     <a:masterClrMapping/>
   </p:clrMapOvr>
+  <p:timing>
+    <p:tnLst>
+      <p:par>
+        <p:cTn id="1" dur="indefinite" restart="never" nodeType="tmRoot"/>
+      </p:par>
+    </p:tnLst>
+  </p:timing>
 </p:sld>
 </file>
 
@@ -21619,6 +22620,13 @@
   <p:clrMapOvr>
     <a:masterClrMapping/>
   </p:clrMapOvr>
+  <p:timing>
+    <p:tnLst>
+      <p:par>
+        <p:cTn id="1" dur="indefinite" restart="never" nodeType="tmRoot"/>
+      </p:par>
+    </p:tnLst>
+  </p:timing>
 </p:sld>
 </file>
 
@@ -23081,6 +24089,13 @@
   <p:clrMapOvr>
     <a:masterClrMapping/>
   </p:clrMapOvr>
+  <p:timing>
+    <p:tnLst>
+      <p:par>
+        <p:cTn id="1" dur="indefinite" restart="never" nodeType="tmRoot"/>
+      </p:par>
+    </p:tnLst>
+  </p:timing>
 </p:sld>
 </file>
 
@@ -24510,6 +25525,13 @@
   <p:clrMapOvr>
     <a:masterClrMapping/>
   </p:clrMapOvr>
+  <p:timing>
+    <p:tnLst>
+      <p:par>
+        <p:cTn id="1" dur="indefinite" restart="never" nodeType="tmRoot"/>
+      </p:par>
+    </p:tnLst>
+  </p:timing>
 </p:sld>
 </file>
 
@@ -24620,6 +25642,13 @@
   <p:clrMapOvr>
     <a:masterClrMapping/>
   </p:clrMapOvr>
+  <p:timing>
+    <p:tnLst>
+      <p:par>
+        <p:cTn id="1" dur="indefinite" restart="never" nodeType="tmRoot"/>
+      </p:par>
+    </p:tnLst>
+  </p:timing>
 </p:sld>
 </file>
 
@@ -24657,7 +25686,7 @@
           <a:p>
             <a:r>
               <a:rPr lang="en-US" dirty="0" smtClean="0"/>
-              <a:t>Time check</a:t>
+              <a:t>Final Example</a:t>
             </a:r>
             <a:endParaRPr lang="en-US" dirty="0"/>
           </a:p>
@@ -24678,19 +25707,13 @@
           <a:bodyPr/>
           <a:lstStyle/>
           <a:p>
-            <a:pPr marL="0" indent="0">
-              <a:buNone/>
-            </a:pPr>
             <a:r>
               <a:rPr lang="en-US" dirty="0" smtClean="0"/>
-              <a:t>If time allows:</a:t>
-            </a:r>
-            <a:endParaRPr lang="en-US" dirty="0"/>
-          </a:p>
-          <a:p>
+              <a:t>Coupling </a:t>
+            </a:r>
             <a:r>
               <a:rPr lang="en-US" dirty="0" smtClean="0"/>
-              <a:t>Coupling and Cohesion</a:t>
+              <a:t>and Cohesion</a:t>
             </a:r>
           </a:p>
           <a:p>
@@ -24704,21 +25727,8 @@
             <a:pPr lvl="1"/>
             <a:r>
               <a:rPr lang="en-US" dirty="0" smtClean="0"/>
-              <a:t>How do </a:t>
-            </a:r>
-            <a:r>
-              <a:rPr lang="en-US" dirty="0" smtClean="0"/>
-              <a:t>Coupling and Cohesion </a:t>
-            </a:r>
-            <a:r>
-              <a:rPr lang="en-US" dirty="0" smtClean="0"/>
-              <a:t>vary with increasing # of classes</a:t>
-            </a:r>
-            <a:r>
-              <a:rPr lang="en-US" dirty="0" smtClean="0"/>
-              <a:t>?</a:t>
-            </a:r>
-            <a:endParaRPr lang="en-US" dirty="0" smtClean="0"/>
+              <a:t>How do Coupling and Cohesion vary with increasing # of classes?</a:t>
+            </a:r>
           </a:p>
         </p:txBody>
       </p:sp>
@@ -24732,6 +25742,13 @@
   <p:clrMapOvr>
     <a:masterClrMapping/>
   </p:clrMapOvr>
+  <p:timing>
+    <p:tnLst>
+      <p:par>
+        <p:cTn id="1" dur="indefinite" restart="never" nodeType="tmRoot"/>
+      </p:par>
+    </p:tnLst>
+  </p:timing>
 </p:sld>
 </file>
 
@@ -24879,6 +25896,13 @@
   <p:clrMapOvr>
     <a:masterClrMapping/>
   </p:clrMapOvr>
+  <p:timing>
+    <p:tnLst>
+      <p:par>
+        <p:cTn id="1" dur="indefinite" restart="never" nodeType="tmRoot"/>
+      </p:par>
+    </p:tnLst>
+  </p:timing>
 </p:sld>
 </file>
 
@@ -25005,6 +26029,13 @@
   <p:clrMapOvr>
     <a:masterClrMapping/>
   </p:clrMapOvr>
+  <p:timing>
+    <p:tnLst>
+      <p:par>
+        <p:cTn id="1" dur="indefinite" restart="never" nodeType="tmRoot"/>
+      </p:par>
+    </p:tnLst>
+  </p:timing>
 </p:sld>
 </file>
 
@@ -25273,6 +26304,13 @@
   <p:clrMapOvr>
     <a:masterClrMapping/>
   </p:clrMapOvr>
+  <p:timing>
+    <p:tnLst>
+      <p:par>
+        <p:cTn id="1" dur="indefinite" restart="never" nodeType="tmRoot"/>
+      </p:par>
+    </p:tnLst>
+  </p:timing>
 </p:sld>
 </file>
 
@@ -25754,6 +26792,13 @@
   <p:clrMapOvr>
     <a:masterClrMapping/>
   </p:clrMapOvr>
+  <p:timing>
+    <p:tnLst>
+      <p:par>
+        <p:cTn id="1" dur="indefinite" restart="never" nodeType="tmRoot"/>
+      </p:par>
+    </p:tnLst>
+  </p:timing>
 </p:sld>
 </file>
 
@@ -25880,6 +26925,13 @@
   <p:clrMapOvr>
     <a:masterClrMapping/>
   </p:clrMapOvr>
+  <p:timing>
+    <p:tnLst>
+      <p:par>
+        <p:cTn id="1" dur="indefinite" restart="never" nodeType="tmRoot"/>
+      </p:par>
+    </p:tnLst>
+  </p:timing>
 </p:sld>
 </file>
 
@@ -26146,6 +27198,13 @@
   <p:clrMapOvr>
     <a:masterClrMapping/>
   </p:clrMapOvr>
+  <p:timing>
+    <p:tnLst>
+      <p:par>
+        <p:cTn id="1" dur="indefinite" restart="never" nodeType="tmRoot"/>
+      </p:par>
+    </p:tnLst>
+  </p:timing>
 </p:sld>
 </file>
 
@@ -26272,6 +27331,13 @@
   <p:clrMapOvr>
     <a:masterClrMapping/>
   </p:clrMapOvr>
+  <p:timing>
+    <p:tnLst>
+      <p:par>
+        <p:cTn id="1" dur="indefinite" restart="never" nodeType="tmRoot"/>
+      </p:par>
+    </p:tnLst>
+  </p:timing>
 </p:sld>
 </file>
 
@@ -26557,6 +27623,13 @@
   <p:clrMapOvr>
     <a:masterClrMapping/>
   </p:clrMapOvr>
+  <p:timing>
+    <p:tnLst>
+      <p:par>
+        <p:cTn id="1" dur="indefinite" restart="never" nodeType="tmRoot"/>
+      </p:par>
+    </p:tnLst>
+  </p:timing>
 </p:sld>
 </file>
 
@@ -26671,6 +27744,13 @@
   <p:clrMapOvr>
     <a:masterClrMapping/>
   </p:clrMapOvr>
+  <p:timing>
+    <p:tnLst>
+      <p:par>
+        <p:cTn id="1" dur="indefinite" restart="never" nodeType="tmRoot"/>
+      </p:par>
+    </p:tnLst>
+  </p:timing>
 </p:sld>
 </file>
 
@@ -26733,11 +27813,7 @@
           <a:p>
             <a:r>
               <a:rPr lang="en-US" dirty="0" smtClean="0"/>
-              <a:t>DesignProblems2 is due </a:t>
-            </a:r>
-            <a:r>
-              <a:rPr lang="en-US" dirty="0" smtClean="0"/>
-              <a:t>soon!</a:t>
+              <a:t>DesignProblems2 is due soon!</a:t>
             </a:r>
           </a:p>
           <a:p>
@@ -26746,7 +27822,6 @@
               <a:rPr lang="en-US" dirty="0" smtClean="0"/>
               <a:t>Check schedule page</a:t>
             </a:r>
-            <a:endParaRPr lang="en-US" dirty="0" smtClean="0"/>
           </a:p>
           <a:p>
             <a:r>
@@ -26773,7 +27848,19 @@
               <a:rPr lang="en-US" dirty="0">
                 <a:hlinkClick r:id="rId3"/>
               </a:rPr>
-              <a:t>Here are a set of four design problems for you to practice on your own</a:t>
+              <a:t>Here are a set of </a:t>
+            </a:r>
+            <a:r>
+              <a:rPr lang="en-US" dirty="0" smtClean="0">
+                <a:hlinkClick r:id="rId3"/>
+              </a:rPr>
+              <a:t>design </a:t>
+            </a:r>
+            <a:r>
+              <a:rPr lang="en-US" dirty="0">
+                <a:hlinkClick r:id="rId3"/>
+              </a:rPr>
+              <a:t>problems for you to practice on your own</a:t>
             </a:r>
             <a:r>
               <a:rPr lang="en-US" dirty="0"/>
@@ -26795,6 +27882,13 @@
   <p:clrMapOvr>
     <a:masterClrMapping/>
   </p:clrMapOvr>
+  <p:timing>
+    <p:tnLst>
+      <p:par>
+        <p:cTn id="1" dur="indefinite" restart="never" nodeType="tmRoot"/>
+      </p:par>
+    </p:tnLst>
+  </p:timing>
 </p:sld>
 </file>
 
@@ -26898,6 +27992,13 @@
   <p:clrMapOvr>
     <a:masterClrMapping/>
   </p:clrMapOvr>
+  <p:timing>
+    <p:tnLst>
+      <p:par>
+        <p:cTn id="1" dur="indefinite" restart="never" nodeType="tmRoot"/>
+      </p:par>
+    </p:tnLst>
+  </p:timing>
 </p:sld>
 </file>
 
@@ -27029,6 +28130,13 @@
   <p:clrMapOvr>
     <a:masterClrMapping/>
   </p:clrMapOvr>
+  <p:timing>
+    <p:tnLst>
+      <p:par>
+        <p:cTn id="1" dur="indefinite" restart="never" nodeType="tmRoot"/>
+      </p:par>
+    </p:tnLst>
+  </p:timing>
 </p:sld>
 </file>
 
@@ -27553,6 +28661,13 @@
   <p:clrMapOvr>
     <a:masterClrMapping/>
   </p:clrMapOvr>
+  <p:timing>
+    <p:tnLst>
+      <p:par>
+        <p:cTn id="1" dur="indefinite" restart="never" nodeType="tmRoot"/>
+      </p:par>
+    </p:tnLst>
+  </p:timing>
 </p:sld>
 </file>
 
@@ -27773,6 +28888,13 @@
   <p:clrMapOvr>
     <a:masterClrMapping/>
   </p:clrMapOvr>
+  <p:timing>
+    <p:tnLst>
+      <p:par>
+        <p:cTn id="1" dur="indefinite" restart="never" nodeType="tmRoot"/>
+      </p:par>
+    </p:tnLst>
+  </p:timing>
 </p:sld>
 </file>
 

--- a/ClassMaterials/CohesionAndCoupling/Slides/Cohesion_And_Coupling.pptx
+++ b/ClassMaterials/CohesionAndCoupling/Slides/Cohesion_And_Coupling.pptx
@@ -5,64 +5,65 @@
     <p:sldMasterId id="2147483648" r:id="rId1"/>
   </p:sldMasterIdLst>
   <p:notesMasterIdLst>
-    <p:notesMasterId r:id="rId57"/>
+    <p:notesMasterId r:id="rId58"/>
   </p:notesMasterIdLst>
   <p:sldIdLst>
     <p:sldId id="284" r:id="rId2"/>
     <p:sldId id="299" r:id="rId3"/>
-    <p:sldId id="345" r:id="rId4"/>
-    <p:sldId id="300" r:id="rId5"/>
-    <p:sldId id="301" r:id="rId6"/>
-    <p:sldId id="302" r:id="rId7"/>
-    <p:sldId id="303" r:id="rId8"/>
-    <p:sldId id="304" r:id="rId9"/>
-    <p:sldId id="305" r:id="rId10"/>
-    <p:sldId id="307" r:id="rId11"/>
-    <p:sldId id="309" r:id="rId12"/>
-    <p:sldId id="349" r:id="rId13"/>
-    <p:sldId id="362" r:id="rId14"/>
-    <p:sldId id="363" r:id="rId15"/>
-    <p:sldId id="350" r:id="rId16"/>
-    <p:sldId id="351" r:id="rId17"/>
-    <p:sldId id="352" r:id="rId18"/>
-    <p:sldId id="353" r:id="rId19"/>
-    <p:sldId id="354" r:id="rId20"/>
-    <p:sldId id="330" r:id="rId21"/>
-    <p:sldId id="364" r:id="rId22"/>
-    <p:sldId id="332" r:id="rId23"/>
-    <p:sldId id="333" r:id="rId24"/>
-    <p:sldId id="311" r:id="rId25"/>
-    <p:sldId id="312" r:id="rId26"/>
-    <p:sldId id="310" r:id="rId27"/>
-    <p:sldId id="313" r:id="rId28"/>
-    <p:sldId id="366" r:id="rId29"/>
-    <p:sldId id="314" r:id="rId30"/>
-    <p:sldId id="320" r:id="rId31"/>
-    <p:sldId id="322" r:id="rId32"/>
-    <p:sldId id="344" r:id="rId33"/>
-    <p:sldId id="323" r:id="rId34"/>
-    <p:sldId id="324" r:id="rId35"/>
-    <p:sldId id="315" r:id="rId36"/>
-    <p:sldId id="285" r:id="rId37"/>
-    <p:sldId id="267" r:id="rId38"/>
-    <p:sldId id="269" r:id="rId39"/>
-    <p:sldId id="367" r:id="rId40"/>
-    <p:sldId id="271" r:id="rId41"/>
-    <p:sldId id="270" r:id="rId42"/>
-    <p:sldId id="272" r:id="rId43"/>
-    <p:sldId id="282" r:id="rId44"/>
-    <p:sldId id="368" r:id="rId45"/>
-    <p:sldId id="273" r:id="rId46"/>
-    <p:sldId id="371" r:id="rId47"/>
-    <p:sldId id="274" r:id="rId48"/>
-    <p:sldId id="357" r:id="rId49"/>
-    <p:sldId id="361" r:id="rId50"/>
-    <p:sldId id="356" r:id="rId51"/>
-    <p:sldId id="360" r:id="rId52"/>
-    <p:sldId id="358" r:id="rId53"/>
-    <p:sldId id="359" r:id="rId54"/>
-    <p:sldId id="275" r:id="rId55"/>
-    <p:sldId id="372" r:id="rId56"/>
+    <p:sldId id="373" r:id="rId4"/>
+    <p:sldId id="374" r:id="rId5"/>
+    <p:sldId id="375" r:id="rId6"/>
+    <p:sldId id="376" r:id="rId7"/>
+    <p:sldId id="378" r:id="rId8"/>
+    <p:sldId id="303" r:id="rId9"/>
+    <p:sldId id="304" r:id="rId10"/>
+    <p:sldId id="305" r:id="rId11"/>
+    <p:sldId id="307" r:id="rId12"/>
+    <p:sldId id="309" r:id="rId13"/>
+    <p:sldId id="349" r:id="rId14"/>
+    <p:sldId id="379" r:id="rId15"/>
+    <p:sldId id="380" r:id="rId16"/>
+    <p:sldId id="350" r:id="rId17"/>
+    <p:sldId id="351" r:id="rId18"/>
+    <p:sldId id="352" r:id="rId19"/>
+    <p:sldId id="353" r:id="rId20"/>
+    <p:sldId id="354" r:id="rId21"/>
+    <p:sldId id="381" r:id="rId22"/>
+    <p:sldId id="364" r:id="rId23"/>
+    <p:sldId id="332" r:id="rId24"/>
+    <p:sldId id="333" r:id="rId25"/>
+    <p:sldId id="311" r:id="rId26"/>
+    <p:sldId id="312" r:id="rId27"/>
+    <p:sldId id="310" r:id="rId28"/>
+    <p:sldId id="313" r:id="rId29"/>
+    <p:sldId id="366" r:id="rId30"/>
+    <p:sldId id="314" r:id="rId31"/>
+    <p:sldId id="320" r:id="rId32"/>
+    <p:sldId id="322" r:id="rId33"/>
+    <p:sldId id="377" r:id="rId34"/>
+    <p:sldId id="323" r:id="rId35"/>
+    <p:sldId id="324" r:id="rId36"/>
+    <p:sldId id="315" r:id="rId37"/>
+    <p:sldId id="285" r:id="rId38"/>
+    <p:sldId id="267" r:id="rId39"/>
+    <p:sldId id="269" r:id="rId40"/>
+    <p:sldId id="367" r:id="rId41"/>
+    <p:sldId id="271" r:id="rId42"/>
+    <p:sldId id="270" r:id="rId43"/>
+    <p:sldId id="272" r:id="rId44"/>
+    <p:sldId id="282" r:id="rId45"/>
+    <p:sldId id="368" r:id="rId46"/>
+    <p:sldId id="382" r:id="rId47"/>
+    <p:sldId id="371" r:id="rId48"/>
+    <p:sldId id="274" r:id="rId49"/>
+    <p:sldId id="357" r:id="rId50"/>
+    <p:sldId id="361" r:id="rId51"/>
+    <p:sldId id="356" r:id="rId52"/>
+    <p:sldId id="360" r:id="rId53"/>
+    <p:sldId id="358" r:id="rId54"/>
+    <p:sldId id="359" r:id="rId55"/>
+    <p:sldId id="275" r:id="rId56"/>
+    <p:sldId id="372" r:id="rId57"/>
   </p:sldIdLst>
   <p:sldSz cx="9144000" cy="6858000" type="screen4x3"/>
   <p:notesSz cx="6858000" cy="9144000"/>
@@ -262,7 +263,7 @@
           <a:p>
             <a:fld id="{11374350-B736-4AC1-A1E7-19777DF1B0E1}" type="datetimeFigureOut">
               <a:rPr lang="en-US" smtClean="0"/>
-              <a:t>4/2/2020</a:t>
+              <a:t>3/1/22</a:t>
             </a:fld>
             <a:endParaRPr lang="en-US"/>
           </a:p>
@@ -731,7 +732,7 @@
           <a:p>
             <a:fld id="{AC522A93-4968-4B29-BB16-64A778254383}" type="slidenum">
               <a:rPr lang="en-US" smtClean="0"/>
-              <a:t>18</a:t>
+              <a:t>19</a:t>
             </a:fld>
             <a:endParaRPr lang="en-US"/>
           </a:p>
@@ -859,7 +860,7 @@
           <a:p>
             <a:fld id="{AC522A93-4968-4B29-BB16-64A778254383}" type="slidenum">
               <a:rPr lang="en-US" smtClean="0"/>
-              <a:t>20</a:t>
+              <a:t>21</a:t>
             </a:fld>
             <a:endParaRPr lang="en-US"/>
           </a:p>
@@ -987,7 +988,7 @@
           <a:p>
             <a:fld id="{AC522A93-4968-4B29-BB16-64A778254383}" type="slidenum">
               <a:rPr lang="en-US" smtClean="0"/>
-              <a:t>21</a:t>
+              <a:t>22</a:t>
             </a:fld>
             <a:endParaRPr lang="en-US"/>
           </a:p>
@@ -1093,7 +1094,7 @@
           <a:p>
             <a:fld id="{AC522A93-4968-4B29-BB16-64A778254383}" type="slidenum">
               <a:rPr lang="en-US" smtClean="0"/>
-              <a:t>22</a:t>
+              <a:t>23</a:t>
             </a:fld>
             <a:endParaRPr lang="en-US"/>
           </a:p>
@@ -1229,7 +1230,7 @@
           <a:p>
             <a:fld id="{AC522A93-4968-4B29-BB16-64A778254383}" type="slidenum">
               <a:rPr lang="en-US" smtClean="0"/>
-              <a:t>23</a:t>
+              <a:t>24</a:t>
             </a:fld>
             <a:endParaRPr lang="en-US"/>
           </a:p>
@@ -1355,7 +1356,7 @@
               <a:pPr>
                 <a:defRPr/>
               </a:pPr>
-              <a:t>25</a:t>
+              <a:t>26</a:t>
             </a:fld>
             <a:endParaRPr lang="en-US"/>
           </a:p>
@@ -1616,7 +1617,7 @@
           <a:p>
             <a:fld id="{AC522A93-4968-4B29-BB16-64A778254383}" type="slidenum">
               <a:rPr lang="en-US" smtClean="0"/>
-              <a:t>27</a:t>
+              <a:t>28</a:t>
             </a:fld>
             <a:endParaRPr lang="en-US"/>
           </a:p>
@@ -1877,7 +1878,7 @@
           <a:p>
             <a:fld id="{AC522A93-4968-4B29-BB16-64A778254383}" type="slidenum">
               <a:rPr lang="en-US" smtClean="0"/>
-              <a:t>28</a:t>
+              <a:t>29</a:t>
             </a:fld>
             <a:endParaRPr lang="en-US"/>
           </a:p>
@@ -2252,7 +2253,7 @@
           <a:p>
             <a:fld id="{AC522A93-4968-4B29-BB16-64A778254383}" type="slidenum">
               <a:rPr lang="en-US" smtClean="0"/>
-              <a:t>29</a:t>
+              <a:t>30</a:t>
             </a:fld>
             <a:endParaRPr lang="en-US"/>
           </a:p>
@@ -2367,7 +2368,7 @@
           <a:p>
             <a:fld id="{AC522A93-4968-4B29-BB16-64A778254383}" type="slidenum">
               <a:rPr lang="en-US" smtClean="0"/>
-              <a:t>30</a:t>
+              <a:t>31</a:t>
             </a:fld>
             <a:endParaRPr lang="en-US"/>
           </a:p>
@@ -2473,7 +2474,7 @@
           <a:p>
             <a:fld id="{AC522A93-4968-4B29-BB16-64A778254383}" type="slidenum">
               <a:rPr lang="en-US" smtClean="0"/>
-              <a:t>7</a:t>
+              <a:t>8</a:t>
             </a:fld>
             <a:endParaRPr lang="en-US"/>
           </a:p>
@@ -2557,7 +2558,7 @@
           <a:p>
             <a:fld id="{AC522A93-4968-4B29-BB16-64A778254383}" type="slidenum">
               <a:rPr lang="en-US" smtClean="0"/>
-              <a:t>31</a:t>
+              <a:t>32</a:t>
             </a:fld>
             <a:endParaRPr lang="en-US"/>
           </a:p>
@@ -2620,7 +2621,7 @@
           <a:bodyPr/>
           <a:lstStyle/>
           <a:p>
-            <a:endParaRPr lang="en-US" dirty="0"/>
+            <a:endParaRPr lang="en-US"/>
           </a:p>
         </p:txBody>
       </p:sp>
@@ -2641,7 +2642,7 @@
           <a:p>
             <a:fld id="{AC522A93-4968-4B29-BB16-64A778254383}" type="slidenum">
               <a:rPr lang="en-US" smtClean="0"/>
-              <a:t>32</a:t>
+              <a:t>33</a:t>
             </a:fld>
             <a:endParaRPr lang="en-US"/>
           </a:p>
@@ -2771,7 +2772,7 @@
           <a:p>
             <a:fld id="{AC522A93-4968-4B29-BB16-64A778254383}" type="slidenum">
               <a:rPr lang="en-US" smtClean="0"/>
-              <a:t>33</a:t>
+              <a:t>34</a:t>
             </a:fld>
             <a:endParaRPr lang="en-US"/>
           </a:p>
@@ -2884,7 +2885,7 @@
           <a:p>
             <a:fld id="{AC522A93-4968-4B29-BB16-64A778254383}" type="slidenum">
               <a:rPr lang="en-US" smtClean="0"/>
-              <a:t>37</a:t>
+              <a:t>38</a:t>
             </a:fld>
             <a:endParaRPr lang="en-US"/>
           </a:p>
@@ -3148,7 +3149,7 @@
           <a:p>
             <a:fld id="{AC522A93-4968-4B29-BB16-64A778254383}" type="slidenum">
               <a:rPr lang="en-US" smtClean="0"/>
-              <a:t>41</a:t>
+              <a:t>42</a:t>
             </a:fld>
             <a:endParaRPr lang="en-US"/>
           </a:p>
@@ -3240,7 +3241,7 @@
           <a:p>
             <a:fld id="{AC522A93-4968-4B29-BB16-64A778254383}" type="slidenum">
               <a:rPr lang="en-US" smtClean="0"/>
-              <a:t>43</a:t>
+              <a:t>44</a:t>
             </a:fld>
             <a:endParaRPr lang="en-US"/>
           </a:p>
@@ -3332,7 +3333,7 @@
           <a:p>
             <a:fld id="{AC522A93-4968-4B29-BB16-64A778254383}" type="slidenum">
               <a:rPr lang="en-US" smtClean="0"/>
-              <a:t>44</a:t>
+              <a:t>45</a:t>
             </a:fld>
             <a:endParaRPr lang="en-US"/>
           </a:p>
@@ -3540,7 +3541,7 @@
           <a:p>
             <a:fld id="{AC522A93-4968-4B29-BB16-64A778254383}" type="slidenum">
               <a:rPr lang="en-US" smtClean="0"/>
-              <a:t>47</a:t>
+              <a:t>48</a:t>
             </a:fld>
             <a:endParaRPr lang="en-US"/>
           </a:p>
@@ -3605,19 +3606,14 @@
           <a:p>
             <a:r>
               <a:rPr lang="en-US" dirty="0"/>
-              <a:t>Coupling low (ZERO), </a:t>
-            </a:r>
-            <a:r>
-              <a:rPr lang="en-US" dirty="0" smtClean="0"/>
-              <a:t>   (good!)</a:t>
-            </a:r>
-          </a:p>
-          <a:p>
-            <a:r>
-              <a:rPr lang="en-US" dirty="0" smtClean="0"/>
+              <a:t>Coupling low (ZERO),    (good!)</a:t>
+            </a:r>
+          </a:p>
+          <a:p>
+            <a:r>
+              <a:rPr lang="en-US" dirty="0"/>
               <a:t>Cohesion low                 (VERY BAD!)</a:t>
             </a:r>
-            <a:endParaRPr lang="en-US" dirty="0"/>
           </a:p>
           <a:p>
             <a:endParaRPr lang="en-US" dirty="0"/>
@@ -3829,7 +3825,7 @@
           <a:p>
             <a:fld id="{AC522A93-4968-4B29-BB16-64A778254383}" type="slidenum">
               <a:rPr lang="en-US" smtClean="0"/>
-              <a:t>48</a:t>
+              <a:t>49</a:t>
             </a:fld>
             <a:endParaRPr lang="en-US"/>
           </a:p>
@@ -3915,11 +3911,7 @@
             </a:r>
             <a:r>
               <a:rPr lang="en-US" baseline="0" dirty="0"/>
-              <a:t> </a:t>
-            </a:r>
-            <a:r>
-              <a:rPr lang="en-US" baseline="0" dirty="0" smtClean="0"/>
-              <a:t>HIGH  (BAD!)</a:t>
+              <a:t> HIGH  (BAD!)</a:t>
             </a:r>
           </a:p>
           <a:p>
@@ -3941,16 +3933,12 @@
               <a:defRPr/>
             </a:pPr>
             <a:r>
-              <a:rPr lang="en-US" baseline="0" dirty="0" smtClean="0"/>
+              <a:rPr lang="en-US" baseline="0" dirty="0"/>
               <a:t>Cohesion </a:t>
             </a:r>
             <a:r>
-              <a:rPr lang="en-US" dirty="0" smtClean="0"/>
-              <a:t>somewhat LOW  </a:t>
-            </a:r>
-            <a:r>
-              <a:rPr lang="en-US" dirty="0"/>
-              <a:t>(better than before!)</a:t>
+              <a:rPr lang="en-US" dirty="0"/>
+              <a:t>somewhat LOW  (better than before!)</a:t>
             </a:r>
           </a:p>
           <a:p>
@@ -4257,7 +4245,7 @@
           <a:p>
             <a:fld id="{AC522A93-4968-4B29-BB16-64A778254383}" type="slidenum">
               <a:rPr lang="en-US" smtClean="0"/>
-              <a:t>49</a:t>
+              <a:t>50</a:t>
             </a:fld>
             <a:endParaRPr lang="en-US"/>
           </a:p>
@@ -4344,7 +4332,7 @@
           <a:p>
             <a:fld id="{AC522A93-4968-4B29-BB16-64A778254383}" type="slidenum">
               <a:rPr lang="en-US" smtClean="0"/>
-              <a:t>8</a:t>
+              <a:t>9</a:t>
             </a:fld>
             <a:endParaRPr lang="en-US"/>
           </a:p>
@@ -4733,7 +4721,7 @@
           <a:p>
             <a:fld id="{AC522A93-4968-4B29-BB16-64A778254383}" type="slidenum">
               <a:rPr lang="en-US" smtClean="0"/>
-              <a:t>50</a:t>
+              <a:t>51</a:t>
             </a:fld>
             <a:endParaRPr lang="en-US"/>
           </a:p>
@@ -4815,11 +4803,7 @@
             </a:pPr>
             <a:r>
               <a:rPr lang="en-US" dirty="0"/>
-              <a:t>Coupling HIGH  (</a:t>
-            </a:r>
-            <a:r>
-              <a:rPr lang="en-US" dirty="0" smtClean="0"/>
-              <a:t>BAD)</a:t>
+              <a:t>Coupling HIGH  (BAD)</a:t>
             </a:r>
           </a:p>
           <a:p>
@@ -4841,16 +4825,8 @@
               <a:defRPr/>
             </a:pPr>
             <a:r>
-              <a:rPr lang="en-US" dirty="0" smtClean="0"/>
-              <a:t>Cohesion </a:t>
-            </a:r>
-            <a:r>
-              <a:rPr lang="en-US" dirty="0"/>
-              <a:t>HIGH (GOOD</a:t>
-            </a:r>
-            <a:r>
-              <a:rPr lang="en-US" dirty="0" smtClean="0"/>
-              <a:t>)</a:t>
+              <a:rPr lang="en-US" dirty="0"/>
+              <a:t>Cohesion HIGH (GOOD)</a:t>
             </a:r>
           </a:p>
           <a:p>
@@ -4871,7 +4847,7 @@
               <a:tabLst/>
               <a:defRPr/>
             </a:pPr>
-            <a:endParaRPr lang="en-US" dirty="0" smtClean="0"/>
+            <a:endParaRPr lang="en-US" dirty="0"/>
           </a:p>
           <a:p>
             <a:pPr marL="0" marR="0" lvl="0" indent="0" algn="l" defTabSz="914400" rtl="0" eaLnBrk="1" fontAlgn="auto" latinLnBrk="0" hangingPunct="1">
@@ -4892,10 +4868,9 @@
               <a:defRPr/>
             </a:pPr>
             <a:r>
-              <a:rPr lang="en-US" dirty="0" smtClean="0"/>
+              <a:rPr lang="en-US" dirty="0"/>
               <a:t>Student is data holder now</a:t>
             </a:r>
-            <a:endParaRPr lang="en-US" dirty="0"/>
           </a:p>
           <a:p>
             <a:endParaRPr lang="en-US" dirty="0"/>
@@ -5260,7 +5235,7 @@
           <a:p>
             <a:fld id="{AC522A93-4968-4B29-BB16-64A778254383}" type="slidenum">
               <a:rPr lang="en-US" smtClean="0"/>
-              <a:t>51</a:t>
+              <a:t>52</a:t>
             </a:fld>
             <a:endParaRPr lang="en-US"/>
           </a:p>
@@ -5365,11 +5340,7 @@
             </a:pPr>
             <a:r>
               <a:rPr lang="en-US" dirty="0"/>
-              <a:t>cohesion HIGH (good</a:t>
-            </a:r>
-            <a:r>
-              <a:rPr lang="en-US" dirty="0" smtClean="0"/>
-              <a:t>!)</a:t>
+              <a:t>cohesion HIGH (good!)</a:t>
             </a:r>
           </a:p>
           <a:p>
@@ -5390,7 +5361,7 @@
               <a:tabLst/>
               <a:defRPr/>
             </a:pPr>
-            <a:endParaRPr lang="en-US" dirty="0" smtClean="0"/>
+            <a:endParaRPr lang="en-US" dirty="0"/>
           </a:p>
           <a:p>
             <a:pPr marL="0" marR="0" lvl="0" indent="0" algn="l" defTabSz="914400" rtl="0" eaLnBrk="1" fontAlgn="auto" latinLnBrk="0" hangingPunct="1">
@@ -5411,11 +5382,11 @@
               <a:defRPr/>
             </a:pPr>
             <a:r>
-              <a:rPr lang="en-US" dirty="0" smtClean="0"/>
+              <a:rPr lang="en-US" dirty="0"/>
               <a:t>Student now has useful</a:t>
             </a:r>
             <a:r>
-              <a:rPr lang="en-US" baseline="0" dirty="0" smtClean="0"/>
+              <a:rPr lang="en-US" baseline="0" dirty="0"/>
               <a:t> behavior</a:t>
             </a:r>
             <a:endParaRPr lang="en-US" dirty="0"/>
@@ -5763,7 +5734,7 @@
           <a:p>
             <a:fld id="{AC522A93-4968-4B29-BB16-64A778254383}" type="slidenum">
               <a:rPr lang="en-US" smtClean="0"/>
-              <a:t>52</a:t>
+              <a:t>53</a:t>
             </a:fld>
             <a:endParaRPr lang="en-US"/>
           </a:p>
@@ -5873,11 +5844,7 @@
             </a:pPr>
             <a:r>
               <a:rPr lang="en-US" dirty="0"/>
-              <a:t>Coupling </a:t>
-            </a:r>
-            <a:r>
-              <a:rPr lang="en-US" dirty="0" smtClean="0"/>
-              <a:t>HIGH</a:t>
+              <a:t>Coupling HIGH</a:t>
             </a:r>
           </a:p>
           <a:p>
@@ -5899,12 +5866,8 @@
               <a:defRPr/>
             </a:pPr>
             <a:r>
-              <a:rPr lang="en-US" dirty="0" smtClean="0"/>
-              <a:t>Cohesion </a:t>
-            </a:r>
-            <a:r>
-              <a:rPr lang="en-US" dirty="0"/>
-              <a:t>HIGH</a:t>
+              <a:rPr lang="en-US" dirty="0"/>
+              <a:t>Cohesion HIGH</a:t>
             </a:r>
           </a:p>
           <a:p>
@@ -6396,7 +6359,7 @@
           <a:p>
             <a:fld id="{AC522A93-4968-4B29-BB16-64A778254383}" type="slidenum">
               <a:rPr lang="en-US" smtClean="0"/>
-              <a:t>53</a:t>
+              <a:t>54</a:t>
             </a:fld>
             <a:endParaRPr lang="en-US"/>
           </a:p>
@@ -6488,7 +6451,7 @@
           <a:p>
             <a:fld id="{AC522A93-4968-4B29-BB16-64A778254383}" type="slidenum">
               <a:rPr lang="en-US" smtClean="0"/>
-              <a:t>12</a:t>
+              <a:t>13</a:t>
             </a:fld>
             <a:endParaRPr lang="en-US"/>
           </a:p>
@@ -6580,7 +6543,7 @@
           <a:p>
             <a:fld id="{AC522A93-4968-4B29-BB16-64A778254383}" type="slidenum">
               <a:rPr lang="en-US" smtClean="0"/>
-              <a:t>13</a:t>
+              <a:t>14</a:t>
             </a:fld>
             <a:endParaRPr lang="en-US"/>
           </a:p>
@@ -6672,7 +6635,7 @@
           <a:p>
             <a:fld id="{AC522A93-4968-4B29-BB16-64A778254383}" type="slidenum">
               <a:rPr lang="en-US" smtClean="0"/>
-              <a:t>14</a:t>
+              <a:t>15</a:t>
             </a:fld>
             <a:endParaRPr lang="en-US"/>
           </a:p>
@@ -6808,12 +6771,6 @@
           </a:p>
           <a:p>
             <a:pPr rtl="0"/>
-            <a:r>
-              <a:rPr lang="en-US" b="0" dirty="0">
-                <a:effectLst/>
-              </a:rPr>
-              <a:t/>
-            </a:r>
             <a:br>
               <a:rPr lang="en-US" b="0" dirty="0">
                 <a:effectLst/>
@@ -7281,12 +7238,6 @@
           </a:p>
           <a:p>
             <a:pPr rtl="0"/>
-            <a:r>
-              <a:rPr lang="en-US" b="0" dirty="0">
-                <a:effectLst/>
-              </a:rPr>
-              <a:t/>
-            </a:r>
             <a:br>
               <a:rPr lang="en-US" b="0" dirty="0">
                 <a:effectLst/>
@@ -7495,10 +7446,6 @@
             </a:endParaRPr>
           </a:p>
           <a:p>
-            <a:r>
-              <a:rPr lang="en-US" dirty="0"/>
-              <a:t/>
-            </a:r>
             <a:br>
               <a:rPr lang="en-US" dirty="0"/>
             </a:br>
@@ -7584,12 +7531,6 @@
           </a:p>
           <a:p>
             <a:pPr rtl="0"/>
-            <a:r>
-              <a:rPr lang="en-US" b="0" dirty="0">
-                <a:effectLst/>
-              </a:rPr>
-              <a:t/>
-            </a:r>
             <a:br>
               <a:rPr lang="en-US" b="0" dirty="0">
                 <a:effectLst/>
@@ -8081,12 +8022,6 @@
           </a:p>
           <a:p>
             <a:pPr rtl="0"/>
-            <a:r>
-              <a:rPr lang="en-US" b="0" dirty="0">
-                <a:effectLst/>
-              </a:rPr>
-              <a:t/>
-            </a:r>
             <a:br>
               <a:rPr lang="en-US" b="0" dirty="0">
                 <a:effectLst/>
@@ -8295,10 +8230,6 @@
             </a:endParaRPr>
           </a:p>
           <a:p>
-            <a:r>
-              <a:rPr lang="en-US" dirty="0"/>
-              <a:t/>
-            </a:r>
             <a:br>
               <a:rPr lang="en-US" dirty="0"/>
             </a:br>
@@ -8326,7 +8257,7 @@
           <a:p>
             <a:fld id="{AC522A93-4968-4B29-BB16-64A778254383}" type="slidenum">
               <a:rPr lang="en-US" smtClean="0"/>
-              <a:t>15</a:t>
+              <a:t>16</a:t>
             </a:fld>
             <a:endParaRPr lang="en-US"/>
           </a:p>
@@ -8410,7 +8341,7 @@
           <a:p>
             <a:fld id="{AC522A93-4968-4B29-BB16-64A778254383}" type="slidenum">
               <a:rPr lang="en-US" smtClean="0"/>
-              <a:t>16</a:t>
+              <a:t>17</a:t>
             </a:fld>
             <a:endParaRPr lang="en-US"/>
           </a:p>
@@ -8502,7 +8433,7 @@
           <a:p>
             <a:fld id="{AC522A93-4968-4B29-BB16-64A778254383}" type="slidenum">
               <a:rPr lang="en-US" smtClean="0"/>
-              <a:t>17</a:t>
+              <a:t>18</a:t>
             </a:fld>
             <a:endParaRPr lang="en-US"/>
           </a:p>
@@ -8700,7 +8631,7 @@
           <a:p>
             <a:fld id="{50A519B0-864F-436F-AD10-563B5AD2C023}" type="datetimeFigureOut">
               <a:rPr lang="en-US" smtClean="0"/>
-              <a:t>4/2/2020</a:t>
+              <a:t>3/1/22</a:t>
             </a:fld>
             <a:endParaRPr lang="en-US"/>
           </a:p>
@@ -8868,7 +8799,7 @@
           <a:p>
             <a:fld id="{50A519B0-864F-436F-AD10-563B5AD2C023}" type="datetimeFigureOut">
               <a:rPr lang="en-US" smtClean="0"/>
-              <a:t>4/2/2020</a:t>
+              <a:t>3/1/22</a:t>
             </a:fld>
             <a:endParaRPr lang="en-US"/>
           </a:p>
@@ -9046,7 +8977,7 @@
           <a:p>
             <a:fld id="{50A519B0-864F-436F-AD10-563B5AD2C023}" type="datetimeFigureOut">
               <a:rPr lang="en-US" smtClean="0"/>
-              <a:t>4/2/2020</a:t>
+              <a:t>3/1/22</a:t>
             </a:fld>
             <a:endParaRPr lang="en-US"/>
           </a:p>
@@ -9214,7 +9145,7 @@
           <a:p>
             <a:fld id="{50A519B0-864F-436F-AD10-563B5AD2C023}" type="datetimeFigureOut">
               <a:rPr lang="en-US" smtClean="0"/>
-              <a:t>4/2/2020</a:t>
+              <a:t>3/1/22</a:t>
             </a:fld>
             <a:endParaRPr lang="en-US"/>
           </a:p>
@@ -9459,7 +9390,7 @@
           <a:p>
             <a:fld id="{50A519B0-864F-436F-AD10-563B5AD2C023}" type="datetimeFigureOut">
               <a:rPr lang="en-US" smtClean="0"/>
-              <a:t>4/2/2020</a:t>
+              <a:t>3/1/22</a:t>
             </a:fld>
             <a:endParaRPr lang="en-US"/>
           </a:p>
@@ -9744,7 +9675,7 @@
           <a:p>
             <a:fld id="{50A519B0-864F-436F-AD10-563B5AD2C023}" type="datetimeFigureOut">
               <a:rPr lang="en-US" smtClean="0"/>
-              <a:t>4/2/2020</a:t>
+              <a:t>3/1/22</a:t>
             </a:fld>
             <a:endParaRPr lang="en-US"/>
           </a:p>
@@ -10163,7 +10094,7 @@
           <a:p>
             <a:fld id="{50A519B0-864F-436F-AD10-563B5AD2C023}" type="datetimeFigureOut">
               <a:rPr lang="en-US" smtClean="0"/>
-              <a:t>4/2/2020</a:t>
+              <a:t>3/1/22</a:t>
             </a:fld>
             <a:endParaRPr lang="en-US"/>
           </a:p>
@@ -10280,7 +10211,7 @@
           <a:p>
             <a:fld id="{50A519B0-864F-436F-AD10-563B5AD2C023}" type="datetimeFigureOut">
               <a:rPr lang="en-US" smtClean="0"/>
-              <a:t>4/2/2020</a:t>
+              <a:t>3/1/22</a:t>
             </a:fld>
             <a:endParaRPr lang="en-US"/>
           </a:p>
@@ -10375,7 +10306,7 @@
           <a:p>
             <a:fld id="{50A519B0-864F-436F-AD10-563B5AD2C023}" type="datetimeFigureOut">
               <a:rPr lang="en-US" smtClean="0"/>
-              <a:t>4/2/2020</a:t>
+              <a:t>3/1/22</a:t>
             </a:fld>
             <a:endParaRPr lang="en-US"/>
           </a:p>
@@ -10650,7 +10581,7 @@
           <a:p>
             <a:fld id="{50A519B0-864F-436F-AD10-563B5AD2C023}" type="datetimeFigureOut">
               <a:rPr lang="en-US" smtClean="0"/>
-              <a:t>4/2/2020</a:t>
+              <a:t>3/1/22</a:t>
             </a:fld>
             <a:endParaRPr lang="en-US"/>
           </a:p>
@@ -10902,7 +10833,7 @@
           <a:p>
             <a:fld id="{50A519B0-864F-436F-AD10-563B5AD2C023}" type="datetimeFigureOut">
               <a:rPr lang="en-US" smtClean="0"/>
-              <a:t>4/2/2020</a:t>
+              <a:t>3/1/22</a:t>
             </a:fld>
             <a:endParaRPr lang="en-US"/>
           </a:p>
@@ -11113,7 +11044,7 @@
           <a:p>
             <a:fld id="{50A519B0-864F-436F-AD10-563B5AD2C023}" type="datetimeFigureOut">
               <a:rPr lang="en-US" smtClean="0"/>
-              <a:t>4/2/2020</a:t>
+              <a:t>3/1/22</a:t>
             </a:fld>
             <a:endParaRPr lang="en-US"/>
           </a:p>
@@ -11557,7 +11488,7 @@
               </a:lnSpc>
             </a:pPr>
             <a:r>
-              <a:rPr lang="en-US" sz="6000" dirty="0" smtClean="0"/>
+              <a:rPr lang="en-US" sz="6000" dirty="0"/>
               <a:t>Object Oriented Design Principle #4:</a:t>
             </a:r>
           </a:p>
@@ -11568,12 +11499,8 @@
               </a:lnSpc>
             </a:pPr>
             <a:r>
-              <a:rPr lang="en-US" sz="6000" dirty="0" smtClean="0"/>
-              <a:t>Minimizing </a:t>
-            </a:r>
-            <a:r>
-              <a:rPr lang="en-US" sz="6000" dirty="0" smtClean="0"/>
-              <a:t>Dependencies</a:t>
+              <a:rPr lang="en-US" sz="6000" dirty="0"/>
+              <a:t>Minimizing Dependencies</a:t>
             </a:r>
           </a:p>
           <a:p>
@@ -11583,20 +11510,8 @@
               </a:lnSpc>
             </a:pPr>
             <a:r>
-              <a:rPr lang="en-US" sz="6000" dirty="0" smtClean="0"/>
-              <a:t>Coupling </a:t>
-            </a:r>
-            <a:r>
               <a:rPr lang="en-US" sz="6000" dirty="0"/>
-              <a:t>and </a:t>
-            </a:r>
-            <a:r>
-              <a:rPr lang="en-US" sz="6000" dirty="0" smtClean="0"/>
-              <a:t>Cohesion</a:t>
-            </a:r>
-            <a:r>
-              <a:rPr lang="en-US" sz="2500" dirty="0"/>
-              <a:t/>
+              <a:t>Coupling and Cohesion</a:t>
             </a:r>
             <a:br>
               <a:rPr lang="en-US" sz="2500" dirty="0"/>
@@ -11615,17 +11530,230 @@
   <p:clrMapOvr>
     <a:masterClrMapping/>
   </p:clrMapOvr>
-  <p:timing>
-    <p:tnLst>
-      <p:par>
-        <p:cTn id="1" dur="indefinite" restart="never" nodeType="tmRoot"/>
-      </p:par>
-    </p:tnLst>
-  </p:timing>
 </p:sld>
 </file>
 
 <file path=ppt/slides/slide10.xml><?xml version="1.0" encoding="utf-8"?>
+<p:sld xmlns:a="http://schemas.openxmlformats.org/drawingml/2006/main" xmlns:r="http://schemas.openxmlformats.org/officeDocument/2006/relationships" xmlns:p="http://schemas.openxmlformats.org/presentationml/2006/main">
+  <p:cSld>
+    <p:spTree>
+      <p:nvGrpSpPr>
+        <p:cNvPr id="1" name=""/>
+        <p:cNvGrpSpPr/>
+        <p:nvPr/>
+      </p:nvGrpSpPr>
+      <p:grpSpPr>
+        <a:xfrm>
+          <a:off x="0" y="0"/>
+          <a:ext cx="0" cy="0"/>
+          <a:chOff x="0" y="0"/>
+          <a:chExt cx="0" cy="0"/>
+        </a:xfrm>
+      </p:grpSpPr>
+      <p:sp>
+        <p:nvSpPr>
+          <p:cNvPr id="2" name="Title 1"/>
+          <p:cNvSpPr>
+            <a:spLocks noGrp="1"/>
+          </p:cNvSpPr>
+          <p:nvPr>
+            <p:ph type="title"/>
+          </p:nvPr>
+        </p:nvSpPr>
+        <p:spPr/>
+        <p:txBody>
+          <a:bodyPr>
+            <a:normAutofit fontScale="90000"/>
+          </a:bodyPr>
+          <a:lstStyle/>
+          <a:p>
+            <a:r>
+              <a:rPr lang="en-US" dirty="0"/>
+              <a:t>Tell Don’t Ask </a:t>
+            </a:r>
+            <a:br>
+              <a:rPr lang="en-US" dirty="0"/>
+            </a:br>
+            <a:r>
+              <a:rPr lang="en-US" dirty="0"/>
+              <a:t>Use Procedural Abstraction</a:t>
+            </a:r>
+          </a:p>
+        </p:txBody>
+      </p:sp>
+      <p:sp>
+        <p:nvSpPr>
+          <p:cNvPr id="5" name="Rectangle 4"/>
+          <p:cNvSpPr/>
+          <p:nvPr/>
+        </p:nvSpPr>
+        <p:spPr>
+          <a:xfrm>
+            <a:off x="304800" y="1445388"/>
+            <a:ext cx="8534400" cy="461665"/>
+          </a:xfrm>
+          <a:prstGeom prst="rect">
+            <a:avLst/>
+          </a:prstGeom>
+        </p:spPr>
+        <p:txBody>
+          <a:bodyPr wrap="square">
+            <a:spAutoFit/>
+          </a:bodyPr>
+          <a:lstStyle/>
+          <a:p>
+            <a:r>
+              <a:rPr lang="en-US" sz="2400" dirty="0">
+                <a:solidFill>
+                  <a:srgbClr val="000000"/>
+                </a:solidFill>
+                <a:latin typeface="Consolas" panose="020B0609020204030204" pitchFamily="49" charset="0"/>
+              </a:rPr>
+              <a:t>region1.flagOverlappingWith(region2);</a:t>
+            </a:r>
+          </a:p>
+        </p:txBody>
+      </p:sp>
+      <p:sp>
+        <p:nvSpPr>
+          <p:cNvPr id="6" name="TextBox 5"/>
+          <p:cNvSpPr txBox="1"/>
+          <p:nvPr/>
+        </p:nvSpPr>
+        <p:spPr>
+          <a:xfrm>
+            <a:off x="297712" y="2255838"/>
+            <a:ext cx="8305800" cy="4154984"/>
+          </a:xfrm>
+          <a:prstGeom prst="rect">
+            <a:avLst/>
+          </a:prstGeom>
+          <a:noFill/>
+        </p:spPr>
+        <p:txBody>
+          <a:bodyPr wrap="square" rtlCol="0">
+            <a:spAutoFit/>
+          </a:bodyPr>
+          <a:lstStyle/>
+          <a:p>
+            <a:r>
+              <a:rPr lang="en-US" sz="2400" dirty="0">
+                <a:highlight>
+                  <a:srgbClr val="FFFF00"/>
+                </a:highlight>
+              </a:rPr>
+              <a:t>When client uses a collection of </a:t>
+            </a:r>
+            <a:r>
+              <a:rPr lang="en-US" sz="2400" i="1" dirty="0">
+                <a:highlight>
+                  <a:srgbClr val="FFFF00"/>
+                </a:highlight>
+              </a:rPr>
+              <a:t>getters</a:t>
+            </a:r>
+            <a:r>
+              <a:rPr lang="en-US" sz="2400" dirty="0">
+                <a:highlight>
+                  <a:srgbClr val="FFFF00"/>
+                </a:highlight>
+              </a:rPr>
+              <a:t> to do some computation, then that computation is a good candidate to become a new method in the called-upon class</a:t>
+            </a:r>
+          </a:p>
+          <a:p>
+            <a:endParaRPr lang="en-US" sz="2400" dirty="0"/>
+          </a:p>
+          <a:p>
+            <a:r>
+              <a:rPr lang="en-US" sz="2400" dirty="0"/>
+              <a:t>In this code, we’ve moved the center point and distance calculations into the Region class.  Now rather than </a:t>
+            </a:r>
+            <a:r>
+              <a:rPr lang="en-US" sz="2400" b="1" dirty="0"/>
+              <a:t>asking</a:t>
+            </a:r>
+            <a:r>
+              <a:rPr lang="en-US" sz="2400" dirty="0"/>
+              <a:t> the Region for all sorts of data we simply </a:t>
+            </a:r>
+            <a:r>
+              <a:rPr lang="en-US" sz="2400" b="1" dirty="0"/>
+              <a:t>tell</a:t>
+            </a:r>
+            <a:r>
+              <a:rPr lang="en-US" sz="2400" dirty="0"/>
+              <a:t> the region to handle the problem itself and rely on it to do it.</a:t>
+            </a:r>
+          </a:p>
+          <a:p>
+            <a:endParaRPr lang="en-US" sz="2400" dirty="0"/>
+          </a:p>
+          <a:p>
+            <a:r>
+              <a:rPr lang="en-US" sz="2400" dirty="0"/>
+              <a:t>Now, because we rely on the Region object to handle its own data, we have a weaker dependence on the region object.</a:t>
+            </a:r>
+          </a:p>
+        </p:txBody>
+      </p:sp>
+      <p:sp>
+        <p:nvSpPr>
+          <p:cNvPr id="3" name="Left Arrow 2"/>
+          <p:cNvSpPr/>
+          <p:nvPr/>
+        </p:nvSpPr>
+        <p:spPr>
+          <a:xfrm>
+            <a:off x="7010400" y="1356339"/>
+            <a:ext cx="1371600" cy="639762"/>
+          </a:xfrm>
+          <a:prstGeom prst="leftArrow">
+            <a:avLst/>
+          </a:prstGeom>
+        </p:spPr>
+        <p:style>
+          <a:lnRef idx="2">
+            <a:schemeClr val="accent1">
+              <a:shade val="50000"/>
+            </a:schemeClr>
+          </a:lnRef>
+          <a:fillRef idx="1">
+            <a:schemeClr val="accent1"/>
+          </a:fillRef>
+          <a:effectRef idx="0">
+            <a:schemeClr val="accent1"/>
+          </a:effectRef>
+          <a:fontRef idx="minor">
+            <a:schemeClr val="lt1"/>
+          </a:fontRef>
+        </p:style>
+        <p:txBody>
+          <a:bodyPr rtlCol="0" anchor="ctr"/>
+          <a:lstStyle/>
+          <a:p>
+            <a:pPr algn="ctr"/>
+            <a:r>
+              <a:rPr lang="en-US" dirty="0"/>
+              <a:t>TELL</a:t>
+            </a:r>
+          </a:p>
+        </p:txBody>
+      </p:sp>
+    </p:spTree>
+    <p:extLst>
+      <p:ext uri="{BB962C8B-B14F-4D97-AF65-F5344CB8AC3E}">
+        <p14:creationId xmlns:p14="http://schemas.microsoft.com/office/powerpoint/2010/main" val="2306808160"/>
+      </p:ext>
+    </p:extLst>
+  </p:cSld>
+  <p:clrMapOvr>
+    <a:masterClrMapping/>
+  </p:clrMapOvr>
+</p:sld>
+</file>
+
+<file path=ppt/slides/slide11.xml><?xml version="1.0" encoding="utf-8"?>
 <p:sld xmlns:a="http://schemas.openxmlformats.org/drawingml/2006/main" xmlns:r="http://schemas.openxmlformats.org/officeDocument/2006/relationships" xmlns:p="http://schemas.openxmlformats.org/presentationml/2006/main">
   <p:cSld>
     <p:spTree>
@@ -12285,106 +12413,6 @@
   <p:clrMapOvr>
     <a:masterClrMapping/>
   </p:clrMapOvr>
-  <p:timing>
-    <p:tnLst>
-      <p:par>
-        <p:cTn id="1" dur="indefinite" restart="never" nodeType="tmRoot"/>
-      </p:par>
-    </p:tnLst>
-  </p:timing>
-</p:sld>
-</file>
-
-<file path=ppt/slides/slide11.xml><?xml version="1.0" encoding="utf-8"?>
-<p:sld xmlns:a="http://schemas.openxmlformats.org/drawingml/2006/main" xmlns:r="http://schemas.openxmlformats.org/officeDocument/2006/relationships" xmlns:p="http://schemas.openxmlformats.org/presentationml/2006/main">
-  <p:cSld>
-    <p:spTree>
-      <p:nvGrpSpPr>
-        <p:cNvPr id="1" name=""/>
-        <p:cNvGrpSpPr/>
-        <p:nvPr/>
-      </p:nvGrpSpPr>
-      <p:grpSpPr>
-        <a:xfrm>
-          <a:off x="0" y="0"/>
-          <a:ext cx="0" cy="0"/>
-          <a:chOff x="0" y="0"/>
-          <a:chExt cx="0" cy="0"/>
-        </a:xfrm>
-      </p:grpSpPr>
-      <p:sp>
-        <p:nvSpPr>
-          <p:cNvPr id="2" name="Title 1"/>
-          <p:cNvSpPr>
-            <a:spLocks noGrp="1"/>
-          </p:cNvSpPr>
-          <p:nvPr>
-            <p:ph type="title"/>
-          </p:nvPr>
-        </p:nvSpPr>
-        <p:spPr/>
-        <p:txBody>
-          <a:bodyPr/>
-          <a:lstStyle/>
-          <a:p>
-            <a:r>
-              <a:rPr lang="en-US" dirty="0"/>
-              <a:t>Tell Don’t Ask</a:t>
-            </a:r>
-          </a:p>
-        </p:txBody>
-      </p:sp>
-      <p:sp>
-        <p:nvSpPr>
-          <p:cNvPr id="3" name="Content Placeholder 2"/>
-          <p:cNvSpPr>
-            <a:spLocks noGrp="1"/>
-          </p:cNvSpPr>
-          <p:nvPr>
-            <p:ph idx="1"/>
-          </p:nvPr>
-        </p:nvSpPr>
-        <p:spPr/>
-        <p:txBody>
-          <a:bodyPr/>
-          <a:lstStyle/>
-          <a:p>
-            <a:r>
-              <a:rPr lang="en-US" dirty="0"/>
-              <a:t>Be wary getter methods</a:t>
-            </a:r>
-          </a:p>
-          <a:p>
-            <a:r>
-              <a:rPr lang="en-US" dirty="0"/>
-              <a:t>Prefer methods that command (tell) a class to do something and be responsible for its own state and responsibilities</a:t>
-            </a:r>
-          </a:p>
-          <a:p>
-            <a:r>
-              <a:rPr lang="en-US" dirty="0"/>
-              <a:t>If client code accesses a lot of internal data of another class, consider if a tell method in that other class might improve the design</a:t>
-            </a:r>
-          </a:p>
-        </p:txBody>
-      </p:sp>
-    </p:spTree>
-    <p:extLst>
-      <p:ext uri="{BB962C8B-B14F-4D97-AF65-F5344CB8AC3E}">
-        <p14:creationId xmlns:p14="http://schemas.microsoft.com/office/powerpoint/2010/main" val="1554229630"/>
-      </p:ext>
-    </p:extLst>
-  </p:cSld>
-  <p:clrMapOvr>
-    <a:masterClrMapping/>
-  </p:clrMapOvr>
-  <p:timing>
-    <p:tnLst>
-      <p:par>
-        <p:cTn id="1" dur="indefinite" restart="never" nodeType="tmRoot"/>
-      </p:par>
-    </p:tnLst>
-  </p:timing>
 </p:sld>
 </file>
 
@@ -12417,14 +12445,12 @@
         </p:nvSpPr>
         <p:spPr/>
         <p:txBody>
-          <a:bodyPr>
-            <a:normAutofit/>
-          </a:bodyPr>
+          <a:bodyPr/>
           <a:lstStyle/>
           <a:p>
             <a:r>
               <a:rPr lang="en-US" dirty="0"/>
-              <a:t>A simple example of Tell Don’t Ask</a:t>
+              <a:t>Tell Don’t Ask</a:t>
             </a:r>
           </a:p>
         </p:txBody>
@@ -12441,100 +12467,38 @@
         </p:nvSpPr>
         <p:spPr/>
         <p:txBody>
-          <a:bodyPr>
-            <a:normAutofit/>
-          </a:bodyPr>
+          <a:bodyPr/>
           <a:lstStyle/>
           <a:p>
-            <a:pPr marL="0" indent="0">
-              <a:buNone/>
-            </a:pPr>
-            <a:r>
-              <a:rPr lang="en-US" dirty="0"/>
-              <a:t>In your </a:t>
-            </a:r>
-            <a:r>
-              <a:rPr lang="en-US" dirty="0" err="1"/>
-              <a:t>TeamGradebook</a:t>
-            </a:r>
-            <a:r>
-              <a:rPr lang="en-US" dirty="0"/>
-              <a:t> classes, you need to calculate a student’s average grade.  This could be accomplished by:</a:t>
-            </a:r>
-          </a:p>
-          <a:p>
-            <a:pPr marL="514350" indent="-514350">
-              <a:buAutoNum type="arabicParenR"/>
-            </a:pPr>
-            <a:r>
-              <a:rPr lang="en-US" dirty="0"/>
-              <a:t>Adding a </a:t>
-            </a:r>
-            <a:r>
-              <a:rPr lang="en-US" dirty="0" err="1"/>
-              <a:t>getAverage</a:t>
-            </a:r>
-            <a:r>
-              <a:rPr lang="en-US" dirty="0"/>
-              <a:t>() method to the Student class which calculates the average</a:t>
-            </a:r>
-          </a:p>
-          <a:p>
-            <a:pPr marL="514350" indent="-514350">
-              <a:buAutoNum type="arabicParenR"/>
-            </a:pPr>
-            <a:r>
-              <a:rPr lang="en-US" dirty="0"/>
-              <a:t>Adding a </a:t>
-            </a:r>
-            <a:r>
-              <a:rPr lang="en-US" dirty="0" err="1"/>
-              <a:t>getGrades</a:t>
-            </a:r>
-            <a:r>
-              <a:rPr lang="en-US" dirty="0"/>
-              <a:t>() method to the student class, which the </a:t>
-            </a:r>
-            <a:r>
-              <a:rPr lang="en-US" dirty="0" err="1"/>
-              <a:t>TeamGradebook</a:t>
-            </a:r>
-            <a:r>
-              <a:rPr lang="en-US" dirty="0"/>
-              <a:t> class could call, and then use to compute the average</a:t>
-            </a:r>
-          </a:p>
-          <a:p>
-            <a:pPr marL="514350" indent="-514350">
-              <a:buAutoNum type="arabicParenR"/>
-            </a:pPr>
-            <a:endParaRPr lang="en-US" dirty="0"/>
-          </a:p>
-          <a:p>
-            <a:pPr marL="514350" indent="-514350">
-              <a:buAutoNum type="alphaLcParenR"/>
-            </a:pPr>
-            <a:endParaRPr lang="en-US" dirty="0"/>
+            <a:r>
+              <a:rPr lang="en-US" dirty="0"/>
+              <a:t>Be wary getter methods</a:t>
+            </a:r>
+          </a:p>
+          <a:p>
+            <a:r>
+              <a:rPr lang="en-US" dirty="0"/>
+              <a:t>Prefer methods that command (tell) a class to do something and be responsible for its own state and responsibilities</a:t>
+            </a:r>
+          </a:p>
+          <a:p>
+            <a:r>
+              <a:rPr lang="en-US" dirty="0"/>
+              <a:t>If client code accesses a lot of internal data of another class, consider if a tell method in that other class might improve the design</a:t>
+            </a:r>
           </a:p>
         </p:txBody>
       </p:sp>
     </p:spTree>
     <p:extLst>
       <p:ext uri="{BB962C8B-B14F-4D97-AF65-F5344CB8AC3E}">
-        <p14:creationId xmlns:p14="http://schemas.microsoft.com/office/powerpoint/2010/main" val="3063415246"/>
+        <p14:creationId xmlns:p14="http://schemas.microsoft.com/office/powerpoint/2010/main" val="1554229630"/>
       </p:ext>
     </p:extLst>
   </p:cSld>
   <p:clrMapOvr>
     <a:masterClrMapping/>
   </p:clrMapOvr>
-  <p:timing>
-    <p:tnLst>
-      <p:par>
-        <p:cTn id="1" dur="indefinite" restart="never" nodeType="tmRoot"/>
-      </p:par>
-    </p:tnLst>
-  </p:timing>
 </p:sld>
 </file>
 
@@ -12630,6 +12594,141 @@
             </a:r>
           </a:p>
           <a:p>
+            <a:pPr marL="514350" indent="-514350">
+              <a:buAutoNum type="arabicParenR"/>
+            </a:pPr>
+            <a:r>
+              <a:rPr lang="en-US" dirty="0"/>
+              <a:t>Adding a </a:t>
+            </a:r>
+            <a:r>
+              <a:rPr lang="en-US" dirty="0" err="1"/>
+              <a:t>getGrades</a:t>
+            </a:r>
+            <a:r>
+              <a:rPr lang="en-US" dirty="0"/>
+              <a:t>() method to the student class, which the </a:t>
+            </a:r>
+            <a:r>
+              <a:rPr lang="en-US" dirty="0" err="1"/>
+              <a:t>TeamGradebook</a:t>
+            </a:r>
+            <a:r>
+              <a:rPr lang="en-US" dirty="0"/>
+              <a:t> class could call, and then use to compute the average</a:t>
+            </a:r>
+          </a:p>
+          <a:p>
+            <a:pPr marL="514350" indent="-514350">
+              <a:buAutoNum type="arabicParenR"/>
+            </a:pPr>
+            <a:endParaRPr lang="en-US" dirty="0"/>
+          </a:p>
+          <a:p>
+            <a:pPr marL="514350" indent="-514350">
+              <a:buAutoNum type="alphaLcParenR"/>
+            </a:pPr>
+            <a:endParaRPr lang="en-US" dirty="0"/>
+          </a:p>
+        </p:txBody>
+      </p:sp>
+    </p:spTree>
+    <p:extLst>
+      <p:ext uri="{BB962C8B-B14F-4D97-AF65-F5344CB8AC3E}">
+        <p14:creationId xmlns:p14="http://schemas.microsoft.com/office/powerpoint/2010/main" val="3063415246"/>
+      </p:ext>
+    </p:extLst>
+  </p:cSld>
+  <p:clrMapOvr>
+    <a:masterClrMapping/>
+  </p:clrMapOvr>
+</p:sld>
+</file>
+
+<file path=ppt/slides/slide14.xml><?xml version="1.0" encoding="utf-8"?>
+<p:sld xmlns:a="http://schemas.openxmlformats.org/drawingml/2006/main" xmlns:r="http://schemas.openxmlformats.org/officeDocument/2006/relationships" xmlns:p="http://schemas.openxmlformats.org/presentationml/2006/main">
+  <p:cSld>
+    <p:spTree>
+      <p:nvGrpSpPr>
+        <p:cNvPr id="1" name=""/>
+        <p:cNvGrpSpPr/>
+        <p:nvPr/>
+      </p:nvGrpSpPr>
+      <p:grpSpPr>
+        <a:xfrm>
+          <a:off x="0" y="0"/>
+          <a:ext cx="0" cy="0"/>
+          <a:chOff x="0" y="0"/>
+          <a:chExt cx="0" cy="0"/>
+        </a:xfrm>
+      </p:grpSpPr>
+      <p:sp>
+        <p:nvSpPr>
+          <p:cNvPr id="2" name="Title 1"/>
+          <p:cNvSpPr>
+            <a:spLocks noGrp="1"/>
+          </p:cNvSpPr>
+          <p:nvPr>
+            <p:ph type="title"/>
+          </p:nvPr>
+        </p:nvSpPr>
+        <p:spPr/>
+        <p:txBody>
+          <a:bodyPr>
+            <a:normAutofit/>
+          </a:bodyPr>
+          <a:lstStyle/>
+          <a:p>
+            <a:r>
+              <a:rPr lang="en-US" dirty="0"/>
+              <a:t>A simple example of Tell Don’t Ask</a:t>
+            </a:r>
+          </a:p>
+        </p:txBody>
+      </p:sp>
+      <p:sp>
+        <p:nvSpPr>
+          <p:cNvPr id="3" name="Content Placeholder 2"/>
+          <p:cNvSpPr>
+            <a:spLocks noGrp="1"/>
+          </p:cNvSpPr>
+          <p:nvPr>
+            <p:ph idx="1"/>
+          </p:nvPr>
+        </p:nvSpPr>
+        <p:spPr/>
+        <p:txBody>
+          <a:bodyPr>
+            <a:normAutofit/>
+          </a:bodyPr>
+          <a:lstStyle/>
+          <a:p>
+            <a:pPr marL="0" indent="0">
+              <a:buNone/>
+            </a:pPr>
+            <a:r>
+              <a:rPr lang="en-US" dirty="0"/>
+              <a:t>Approach #1:</a:t>
+            </a:r>
+          </a:p>
+          <a:p>
+            <a:pPr marL="514350" indent="-514350">
+              <a:buAutoNum type="arabicParenR"/>
+            </a:pPr>
+            <a:r>
+              <a:rPr lang="en-US" dirty="0"/>
+              <a:t>Adding a </a:t>
+            </a:r>
+            <a:r>
+              <a:rPr lang="en-US" i="1" dirty="0" err="1"/>
+              <a:t>getAverage</a:t>
+            </a:r>
+            <a:r>
+              <a:rPr lang="en-US" dirty="0"/>
+              <a:t>() method to the Student class which calculates the average</a:t>
+            </a:r>
+          </a:p>
+          <a:p>
             <a:pPr marL="0" indent="0">
               <a:buNone/>
             </a:pPr>
@@ -12686,7 +12785,7 @@
         </p:nvSpPr>
         <p:spPr>
           <a:xfrm>
-            <a:off x="304800" y="3124200"/>
+            <a:off x="304800" y="2133600"/>
             <a:ext cx="8382000" cy="1066800"/>
           </a:xfrm>
           <a:prstGeom prst="roundRect">
@@ -12722,24 +12821,17 @@
     </p:spTree>
     <p:extLst>
       <p:ext uri="{BB962C8B-B14F-4D97-AF65-F5344CB8AC3E}">
-        <p14:creationId xmlns:p14="http://schemas.microsoft.com/office/powerpoint/2010/main" val="3847481478"/>
+        <p14:creationId xmlns:p14="http://schemas.microsoft.com/office/powerpoint/2010/main" val="2227190882"/>
       </p:ext>
     </p:extLst>
   </p:cSld>
   <p:clrMapOvr>
     <a:masterClrMapping/>
   </p:clrMapOvr>
-  <p:timing>
-    <p:tnLst>
-      <p:par>
-        <p:cTn id="1" dur="indefinite" restart="never" nodeType="tmRoot"/>
-      </p:par>
-    </p:tnLst>
-  </p:timing>
 </p:sld>
 </file>
 
-<file path=ppt/slides/slide14.xml><?xml version="1.0" encoding="utf-8"?>
+<file path=ppt/slides/slide15.xml><?xml version="1.0" encoding="utf-8"?>
 <p:sld xmlns:a="http://schemas.openxmlformats.org/drawingml/2006/main" xmlns:r="http://schemas.openxmlformats.org/officeDocument/2006/relationships" xmlns:p="http://schemas.openxmlformats.org/presentationml/2006/main">
   <p:cSld>
     <p:spTree>
@@ -12793,7 +12885,7 @@
         <p:spPr/>
         <p:txBody>
           <a:bodyPr>
-            <a:normAutofit lnSpcReduction="10000"/>
+            <a:normAutofit/>
           </a:bodyPr>
           <a:lstStyle/>
           <a:p>
@@ -12802,15 +12894,7 @@
             </a:pPr>
             <a:r>
               <a:rPr lang="en-US" dirty="0"/>
-              <a:t>In your </a:t>
-            </a:r>
-            <a:r>
-              <a:rPr lang="en-US" dirty="0" err="1"/>
-              <a:t>TeamGradebook</a:t>
-            </a:r>
-            <a:r>
-              <a:rPr lang="en-US" dirty="0"/>
-              <a:t> classes, you need to calculate a student’s average grade.  This could be accomplished by:</a:t>
+              <a:t>Approach #2:</a:t>
             </a:r>
           </a:p>
           <a:p>
@@ -12868,7 +12952,7 @@
               <a:t>Adding a </a:t>
             </a:r>
             <a:r>
-              <a:rPr lang="en-US" dirty="0" err="1"/>
+              <a:rPr lang="en-US" i="1" dirty="0" err="1"/>
               <a:t>getGrades</a:t>
             </a:r>
             <a:r>
@@ -12912,7 +12996,7 @@
         </p:nvSpPr>
         <p:spPr>
           <a:xfrm>
-            <a:off x="304800" y="4457700"/>
+            <a:off x="381000" y="3733800"/>
             <a:ext cx="8382000" cy="1600200"/>
           </a:xfrm>
           <a:prstGeom prst="roundRect">
@@ -12948,24 +13032,17 @@
     </p:spTree>
     <p:extLst>
       <p:ext uri="{BB962C8B-B14F-4D97-AF65-F5344CB8AC3E}">
-        <p14:creationId xmlns:p14="http://schemas.microsoft.com/office/powerpoint/2010/main" val="4159493247"/>
+        <p14:creationId xmlns:p14="http://schemas.microsoft.com/office/powerpoint/2010/main" val="4281935527"/>
       </p:ext>
     </p:extLst>
   </p:cSld>
   <p:clrMapOvr>
     <a:masterClrMapping/>
   </p:clrMapOvr>
-  <p:timing>
-    <p:tnLst>
-      <p:par>
-        <p:cTn id="1" dur="indefinite" restart="never" nodeType="tmRoot"/>
-      </p:par>
-    </p:tnLst>
-  </p:timing>
 </p:sld>
 </file>
 
-<file path=ppt/slides/slide15.xml><?xml version="1.0" encoding="utf-8"?>
+<file path=ppt/slides/slide16.xml><?xml version="1.0" encoding="utf-8"?>
 <p:sld xmlns:a="http://schemas.openxmlformats.org/drawingml/2006/main" xmlns:r="http://schemas.openxmlformats.org/officeDocument/2006/relationships" xmlns:p="http://schemas.openxmlformats.org/presentationml/2006/main">
   <p:cSld>
     <p:spTree>
@@ -13100,101 +13177,6 @@
   <p:clrMapOvr>
     <a:masterClrMapping/>
   </p:clrMapOvr>
-  <p:timing>
-    <p:tnLst>
-      <p:par>
-        <p:cTn id="1" dur="indefinite" restart="never" nodeType="tmRoot"/>
-      </p:par>
-    </p:tnLst>
-  </p:timing>
-</p:sld>
-</file>
-
-<file path=ppt/slides/slide16.xml><?xml version="1.0" encoding="utf-8"?>
-<p:sld xmlns:a="http://schemas.openxmlformats.org/drawingml/2006/main" xmlns:r="http://schemas.openxmlformats.org/officeDocument/2006/relationships" xmlns:p="http://schemas.openxmlformats.org/presentationml/2006/main">
-  <p:cSld>
-    <p:spTree>
-      <p:nvGrpSpPr>
-        <p:cNvPr id="1" name=""/>
-        <p:cNvGrpSpPr/>
-        <p:nvPr/>
-      </p:nvGrpSpPr>
-      <p:grpSpPr>
-        <a:xfrm>
-          <a:off x="0" y="0"/>
-          <a:ext cx="0" cy="0"/>
-          <a:chOff x="0" y="0"/>
-          <a:chExt cx="0" cy="0"/>
-        </a:xfrm>
-      </p:grpSpPr>
-      <p:sp>
-        <p:nvSpPr>
-          <p:cNvPr id="2" name="Title 1"/>
-          <p:cNvSpPr>
-            <a:spLocks noGrp="1"/>
-          </p:cNvSpPr>
-          <p:nvPr>
-            <p:ph type="title"/>
-          </p:nvPr>
-        </p:nvSpPr>
-        <p:spPr/>
-        <p:txBody>
-          <a:bodyPr/>
-          <a:lstStyle/>
-          <a:p>
-            <a:r>
-              <a:rPr lang="en-US" dirty="0"/>
-              <a:t>Diagrams look similar!</a:t>
-            </a:r>
-          </a:p>
-        </p:txBody>
-      </p:sp>
-      <p:sp>
-        <p:nvSpPr>
-          <p:cNvPr id="3" name="TextBox 2"/>
-          <p:cNvSpPr txBox="1"/>
-          <p:nvPr/>
-        </p:nvSpPr>
-        <p:spPr>
-          <a:xfrm>
-            <a:off x="990600" y="1828800"/>
-            <a:ext cx="7239000" cy="2554545"/>
-          </a:xfrm>
-          <a:prstGeom prst="rect">
-            <a:avLst/>
-          </a:prstGeom>
-          <a:noFill/>
-        </p:spPr>
-        <p:txBody>
-          <a:bodyPr wrap="square" rtlCol="0">
-            <a:spAutoFit/>
-          </a:bodyPr>
-          <a:lstStyle/>
-          <a:p>
-            <a:r>
-              <a:rPr lang="en-US" sz="4000" dirty="0"/>
-              <a:t>How would the actual code compare when performing the stated task “calculate a student’s average grade”?</a:t>
-            </a:r>
-          </a:p>
-        </p:txBody>
-      </p:sp>
-    </p:spTree>
-    <p:extLst>
-      <p:ext uri="{BB962C8B-B14F-4D97-AF65-F5344CB8AC3E}">
-        <p14:creationId xmlns:p14="http://schemas.microsoft.com/office/powerpoint/2010/main" val="1796087521"/>
-      </p:ext>
-    </p:extLst>
-  </p:cSld>
-  <p:clrMapOvr>
-    <a:masterClrMapping/>
-  </p:clrMapOvr>
-  <p:timing>
-    <p:tnLst>
-      <p:par>
-        <p:cTn id="1" dur="indefinite" restart="never" nodeType="tmRoot"/>
-      </p:par>
-    </p:tnLst>
-  </p:timing>
 </p:sld>
 </file>
 
@@ -13231,6 +13213,87 @@
           <a:lstStyle/>
           <a:p>
             <a:r>
+              <a:rPr lang="en-US" dirty="0"/>
+              <a:t>Diagrams look similar!</a:t>
+            </a:r>
+          </a:p>
+        </p:txBody>
+      </p:sp>
+      <p:sp>
+        <p:nvSpPr>
+          <p:cNvPr id="3" name="TextBox 2"/>
+          <p:cNvSpPr txBox="1"/>
+          <p:nvPr/>
+        </p:nvSpPr>
+        <p:spPr>
+          <a:xfrm>
+            <a:off x="990600" y="1828800"/>
+            <a:ext cx="7239000" cy="2554545"/>
+          </a:xfrm>
+          <a:prstGeom prst="rect">
+            <a:avLst/>
+          </a:prstGeom>
+          <a:noFill/>
+        </p:spPr>
+        <p:txBody>
+          <a:bodyPr wrap="square" rtlCol="0">
+            <a:spAutoFit/>
+          </a:bodyPr>
+          <a:lstStyle/>
+          <a:p>
+            <a:r>
+              <a:rPr lang="en-US" sz="4000" dirty="0"/>
+              <a:t>How would the actual code compare when performing the stated task “calculate a student’s average grade”?</a:t>
+            </a:r>
+          </a:p>
+        </p:txBody>
+      </p:sp>
+    </p:spTree>
+    <p:extLst>
+      <p:ext uri="{BB962C8B-B14F-4D97-AF65-F5344CB8AC3E}">
+        <p14:creationId xmlns:p14="http://schemas.microsoft.com/office/powerpoint/2010/main" val="1796087521"/>
+      </p:ext>
+    </p:extLst>
+  </p:cSld>
+  <p:clrMapOvr>
+    <a:masterClrMapping/>
+  </p:clrMapOvr>
+</p:sld>
+</file>
+
+<file path=ppt/slides/slide18.xml><?xml version="1.0" encoding="utf-8"?>
+<p:sld xmlns:a="http://schemas.openxmlformats.org/drawingml/2006/main" xmlns:r="http://schemas.openxmlformats.org/officeDocument/2006/relationships" xmlns:p="http://schemas.openxmlformats.org/presentationml/2006/main">
+  <p:cSld>
+    <p:spTree>
+      <p:nvGrpSpPr>
+        <p:cNvPr id="1" name=""/>
+        <p:cNvGrpSpPr/>
+        <p:nvPr/>
+      </p:nvGrpSpPr>
+      <p:grpSpPr>
+        <a:xfrm>
+          <a:off x="0" y="0"/>
+          <a:ext cx="0" cy="0"/>
+          <a:chOff x="0" y="0"/>
+          <a:chExt cx="0" cy="0"/>
+        </a:xfrm>
+      </p:grpSpPr>
+      <p:sp>
+        <p:nvSpPr>
+          <p:cNvPr id="2" name="Title 1"/>
+          <p:cNvSpPr>
+            <a:spLocks noGrp="1"/>
+          </p:cNvSpPr>
+          <p:nvPr>
+            <p:ph type="title"/>
+          </p:nvPr>
+        </p:nvSpPr>
+        <p:spPr/>
+        <p:txBody>
+          <a:bodyPr/>
+          <a:lstStyle/>
+          <a:p>
+            <a:r>
               <a:rPr lang="en-US" dirty="0" err="1">
                 <a:latin typeface="Consolas" panose="020B0609020204030204" pitchFamily="49" charset="0"/>
               </a:rPr>
@@ -13664,17 +13727,10 @@
   <p:clrMapOvr>
     <a:masterClrMapping/>
   </p:clrMapOvr>
-  <p:timing>
-    <p:tnLst>
-      <p:par>
-        <p:cTn id="1" dur="indefinite" restart="never" nodeType="tmRoot"/>
-      </p:par>
-    </p:tnLst>
-  </p:timing>
 </p:sld>
 </file>
 
-<file path=ppt/slides/slide18.xml><?xml version="1.0" encoding="utf-8"?>
+<file path=ppt/slides/slide19.xml><?xml version="1.0" encoding="utf-8"?>
 <p:sld xmlns:a="http://schemas.openxmlformats.org/drawingml/2006/main" xmlns:r="http://schemas.openxmlformats.org/officeDocument/2006/relationships" xmlns:p="http://schemas.openxmlformats.org/presentationml/2006/main">
   <p:cSld>
     <p:spTree>
@@ -14029,131 +14085,6 @@
   <p:clrMapOvr>
     <a:masterClrMapping/>
   </p:clrMapOvr>
-  <p:timing>
-    <p:tnLst>
-      <p:par>
-        <p:cTn id="1" dur="indefinite" restart="never" nodeType="tmRoot"/>
-      </p:par>
-    </p:tnLst>
-  </p:timing>
-</p:sld>
-</file>
-
-<file path=ppt/slides/slide19.xml><?xml version="1.0" encoding="utf-8"?>
-<p:sld xmlns:a="http://schemas.openxmlformats.org/drawingml/2006/main" xmlns:r="http://schemas.openxmlformats.org/officeDocument/2006/relationships" xmlns:p="http://schemas.openxmlformats.org/presentationml/2006/main">
-  <p:cSld>
-    <p:spTree>
-      <p:nvGrpSpPr>
-        <p:cNvPr id="1" name=""/>
-        <p:cNvGrpSpPr/>
-        <p:nvPr/>
-      </p:nvGrpSpPr>
-      <p:grpSpPr>
-        <a:xfrm>
-          <a:off x="0" y="0"/>
-          <a:ext cx="0" cy="0"/>
-          <a:chOff x="0" y="0"/>
-          <a:chExt cx="0" cy="0"/>
-        </a:xfrm>
-      </p:grpSpPr>
-      <p:sp>
-        <p:nvSpPr>
-          <p:cNvPr id="2" name="Title 1"/>
-          <p:cNvSpPr>
-            <a:spLocks noGrp="1"/>
-          </p:cNvSpPr>
-          <p:nvPr>
-            <p:ph type="title"/>
-          </p:nvPr>
-        </p:nvSpPr>
-        <p:spPr/>
-        <p:txBody>
-          <a:bodyPr/>
-          <a:lstStyle/>
-          <a:p>
-            <a:r>
-              <a:rPr lang="en-US" dirty="0"/>
-              <a:t>Why does this improve the design?</a:t>
-            </a:r>
-          </a:p>
-        </p:txBody>
-      </p:sp>
-      <p:sp>
-        <p:nvSpPr>
-          <p:cNvPr id="3" name="Content Placeholder 2"/>
-          <p:cNvSpPr>
-            <a:spLocks noGrp="1"/>
-          </p:cNvSpPr>
-          <p:nvPr>
-            <p:ph idx="1"/>
-          </p:nvPr>
-        </p:nvSpPr>
-        <p:spPr/>
-        <p:txBody>
-          <a:bodyPr/>
-          <a:lstStyle/>
-          <a:p>
-            <a:pPr marL="0" indent="0">
-              <a:buNone/>
-            </a:pPr>
-            <a:r>
-              <a:rPr lang="en-US" dirty="0"/>
-              <a:t>Reduces coupling between two classes:</a:t>
-            </a:r>
-          </a:p>
-          <a:p>
-            <a:r>
-              <a:rPr lang="en-US" dirty="0"/>
-              <a:t>It makes the Student object more featureful, and puts the code in an expected place</a:t>
-            </a:r>
-          </a:p>
-          <a:p>
-            <a:r>
-              <a:rPr lang="en-US" dirty="0"/>
-              <a:t>Reduces the code in </a:t>
-            </a:r>
-            <a:r>
-              <a:rPr lang="en-US" dirty="0" err="1"/>
-              <a:t>TeamGradebook</a:t>
-            </a:r>
-            <a:r>
-              <a:rPr lang="en-US" dirty="0"/>
-              <a:t> which is already quite long</a:t>
-            </a:r>
-          </a:p>
-          <a:p>
-            <a:r>
-              <a:rPr lang="en-US" dirty="0"/>
-              <a:t>Allows you to change how the grades are represented in </a:t>
-            </a:r>
-            <a:r>
-              <a:rPr lang="en-US" dirty="0" err="1"/>
-              <a:t>TeamGradebook</a:t>
-            </a:r>
-            <a:r>
-              <a:rPr lang="en-US" dirty="0"/>
-              <a:t>, should you wish to (i.e. drop lowest score)</a:t>
-            </a:r>
-          </a:p>
-        </p:txBody>
-      </p:sp>
-    </p:spTree>
-    <p:extLst>
-      <p:ext uri="{BB962C8B-B14F-4D97-AF65-F5344CB8AC3E}">
-        <p14:creationId xmlns:p14="http://schemas.microsoft.com/office/powerpoint/2010/main" val="2581106324"/>
-      </p:ext>
-    </p:extLst>
-  </p:cSld>
-  <p:clrMapOvr>
-    <a:masterClrMapping/>
-  </p:clrMapOvr>
-  <p:timing>
-    <p:tnLst>
-      <p:par>
-        <p:cTn id="1" dur="indefinite" restart="never" nodeType="tmRoot"/>
-      </p:par>
-    </p:tnLst>
-  </p:timing>
 </p:sld>
 </file>
 
@@ -14191,13 +14122,8 @@
           <a:p>
             <a:r>
               <a:rPr lang="en-US" dirty="0"/>
-              <a:t>Today’s </a:t>
-            </a:r>
-            <a:r>
-              <a:rPr lang="en-US" dirty="0" smtClean="0"/>
-              <a:t>topics</a:t>
-            </a:r>
-            <a:endParaRPr lang="en-US" dirty="0"/>
+              <a:t>Today’s topics</a:t>
+            </a:r>
           </a:p>
         </p:txBody>
       </p:sp>
@@ -14285,28 +14211,16 @@
           <a:p>
             <a:pPr fontAlgn="base"/>
             <a:r>
-              <a:rPr lang="en-US" sz="2800" dirty="0" smtClean="0"/>
-              <a:t>Two </a:t>
-            </a:r>
-            <a:r>
               <a:rPr lang="en-US" sz="2800" dirty="0"/>
-              <a:t>related </a:t>
-            </a:r>
-            <a:r>
-              <a:rPr lang="en-US" sz="2800" dirty="0" smtClean="0"/>
-              <a:t>Object-Oriented </a:t>
-            </a:r>
-            <a:r>
-              <a:rPr lang="en-US" sz="2800" dirty="0" err="1" smtClean="0"/>
+              <a:t>Two related Object-Oriented </a:t>
+            </a:r>
+            <a:r>
+              <a:rPr lang="en-US" sz="2800" dirty="0" err="1"/>
               <a:t>Deisgn</a:t>
             </a:r>
             <a:r>
-              <a:rPr lang="en-US" sz="2800" dirty="0" smtClean="0"/>
-              <a:t> terms</a:t>
-            </a:r>
-            <a:r>
               <a:rPr lang="en-US" sz="2800" dirty="0"/>
-              <a:t>: </a:t>
+              <a:t> terms: </a:t>
             </a:r>
           </a:p>
           <a:p>
@@ -14335,13 +14249,6 @@
   <p:clrMapOvr>
     <a:masterClrMapping/>
   </p:clrMapOvr>
-  <p:timing>
-    <p:tnLst>
-      <p:par>
-        <p:cTn id="1" dur="indefinite" restart="never" nodeType="tmRoot"/>
-      </p:par>
-    </p:tnLst>
-  </p:timing>
 </p:sld>
 </file>
 
@@ -14372,6 +14279,117 @@
             <p:ph type="title"/>
           </p:nvPr>
         </p:nvSpPr>
+        <p:spPr/>
+        <p:txBody>
+          <a:bodyPr/>
+          <a:lstStyle/>
+          <a:p>
+            <a:r>
+              <a:rPr lang="en-US" dirty="0"/>
+              <a:t>Why does this improve the design?</a:t>
+            </a:r>
+          </a:p>
+        </p:txBody>
+      </p:sp>
+      <p:sp>
+        <p:nvSpPr>
+          <p:cNvPr id="3" name="Content Placeholder 2"/>
+          <p:cNvSpPr>
+            <a:spLocks noGrp="1"/>
+          </p:cNvSpPr>
+          <p:nvPr>
+            <p:ph idx="1"/>
+          </p:nvPr>
+        </p:nvSpPr>
+        <p:spPr/>
+        <p:txBody>
+          <a:bodyPr/>
+          <a:lstStyle/>
+          <a:p>
+            <a:pPr marL="0" indent="0">
+              <a:buNone/>
+            </a:pPr>
+            <a:r>
+              <a:rPr lang="en-US" dirty="0"/>
+              <a:t>Reduces coupling between two classes:</a:t>
+            </a:r>
+          </a:p>
+          <a:p>
+            <a:r>
+              <a:rPr lang="en-US" dirty="0"/>
+              <a:t>It makes the Student object more featureful, and puts the code in an expected place</a:t>
+            </a:r>
+          </a:p>
+          <a:p>
+            <a:r>
+              <a:rPr lang="en-US" dirty="0"/>
+              <a:t>Reduces the code in </a:t>
+            </a:r>
+            <a:r>
+              <a:rPr lang="en-US" dirty="0" err="1"/>
+              <a:t>TeamGradebook</a:t>
+            </a:r>
+            <a:r>
+              <a:rPr lang="en-US" dirty="0"/>
+              <a:t> which is already quite long</a:t>
+            </a:r>
+          </a:p>
+          <a:p>
+            <a:r>
+              <a:rPr lang="en-US" dirty="0"/>
+              <a:t>Allows you to change how the grades are represented in </a:t>
+            </a:r>
+            <a:r>
+              <a:rPr lang="en-US" dirty="0" err="1"/>
+              <a:t>TeamGradebook</a:t>
+            </a:r>
+            <a:r>
+              <a:rPr lang="en-US" dirty="0"/>
+              <a:t>, should you wish to (i.e. drop lowest score)</a:t>
+            </a:r>
+          </a:p>
+        </p:txBody>
+      </p:sp>
+    </p:spTree>
+    <p:extLst>
+      <p:ext uri="{BB962C8B-B14F-4D97-AF65-F5344CB8AC3E}">
+        <p14:creationId xmlns:p14="http://schemas.microsoft.com/office/powerpoint/2010/main" val="2581106324"/>
+      </p:ext>
+    </p:extLst>
+  </p:cSld>
+  <p:clrMapOvr>
+    <a:masterClrMapping/>
+  </p:clrMapOvr>
+</p:sld>
+</file>
+
+<file path=ppt/slides/slide21.xml><?xml version="1.0" encoding="utf-8"?>
+<p:sld xmlns:a="http://schemas.openxmlformats.org/drawingml/2006/main" xmlns:r="http://schemas.openxmlformats.org/officeDocument/2006/relationships" xmlns:p="http://schemas.openxmlformats.org/presentationml/2006/main">
+  <p:cSld>
+    <p:spTree>
+      <p:nvGrpSpPr>
+        <p:cNvPr id="1" name=""/>
+        <p:cNvGrpSpPr/>
+        <p:nvPr/>
+      </p:nvGrpSpPr>
+      <p:grpSpPr>
+        <a:xfrm>
+          <a:off x="0" y="0"/>
+          <a:ext cx="0" cy="0"/>
+          <a:chOff x="0" y="0"/>
+          <a:chExt cx="0" cy="0"/>
+        </a:xfrm>
+      </p:grpSpPr>
+      <p:sp>
+        <p:nvSpPr>
+          <p:cNvPr id="2" name="Title 1"/>
+          <p:cNvSpPr>
+            <a:spLocks noGrp="1"/>
+          </p:cNvSpPr>
+          <p:nvPr>
+            <p:ph type="title"/>
+          </p:nvPr>
+        </p:nvSpPr>
         <p:spPr>
           <a:xfrm>
             <a:off x="457200" y="0"/>
@@ -14380,17 +14398,10 @@
         </p:spPr>
         <p:txBody>
           <a:bodyPr>
-            <a:normAutofit fontScale="90000"/>
+            <a:normAutofit/>
           </a:bodyPr>
           <a:lstStyle/>
           <a:p>
-            <a:r>
-              <a:rPr lang="en-US" b="1" dirty="0"/>
-              <a:t>Employee Salary Problem</a:t>
-            </a:r>
-            <a:br>
-              <a:rPr lang="en-US" b="1" dirty="0"/>
-            </a:br>
             <a:r>
               <a:rPr lang="en-US" b="1" dirty="0"/>
               <a:t>In-Class Quiz Questions #1 &amp; #2</a:t>
@@ -14417,13 +14428,17 @@
         </p:spPr>
         <p:txBody>
           <a:bodyPr>
-            <a:normAutofit/>
+            <a:normAutofit lnSpcReduction="10000"/>
           </a:bodyPr>
           <a:lstStyle/>
           <a:p>
             <a:pPr marL="0" indent="0">
               <a:buNone/>
             </a:pPr>
+            <a:r>
+              <a:rPr lang="en-US" sz="2400" b="1" dirty="0"/>
+              <a:t>Employee Salary Problem: </a:t>
+            </a:r>
             <a:r>
               <a:rPr lang="en-US" sz="2400" dirty="0"/>
               <a:t>There is a company which has employees, each of which has a salary. There are managers which oversee other employees. Employees have salaries which can be updated from time to time. Unlike employees, a manager’s salary is always 10% more than the salary of their top paid employee. </a:t>
@@ -14477,24 +14492,17 @@
     </p:spTree>
     <p:extLst>
       <p:ext uri="{BB962C8B-B14F-4D97-AF65-F5344CB8AC3E}">
-        <p14:creationId xmlns:p14="http://schemas.microsoft.com/office/powerpoint/2010/main" val="2827345516"/>
+        <p14:creationId xmlns:p14="http://schemas.microsoft.com/office/powerpoint/2010/main" val="3377312769"/>
       </p:ext>
     </p:extLst>
   </p:cSld>
   <p:clrMapOvr>
     <a:masterClrMapping/>
   </p:clrMapOvr>
-  <p:timing>
-    <p:tnLst>
-      <p:par>
-        <p:cTn id="1" dur="indefinite" restart="never" nodeType="tmRoot"/>
-      </p:par>
-    </p:tnLst>
-  </p:timing>
 </p:sld>
 </file>
 
-<file path=ppt/slides/slide21.xml><?xml version="1.0" encoding="utf-8"?>
+<file path=ppt/slides/slide22.xml><?xml version="1.0" encoding="utf-8"?>
 <p:sld xmlns:a="http://schemas.openxmlformats.org/drawingml/2006/main" xmlns:r="http://schemas.openxmlformats.org/officeDocument/2006/relationships" xmlns:p="http://schemas.openxmlformats.org/presentationml/2006/main">
   <p:cSld>
     <p:spTree>
@@ -14663,13 +14671,8 @@
           <a:p>
             <a:r>
               <a:rPr lang="en-US" b="1" dirty="0"/>
-              <a:t>PAUSE THIS </a:t>
-            </a:r>
-            <a:r>
-              <a:rPr lang="en-US" b="1" dirty="0" smtClean="0"/>
-              <a:t>VIDEO HERE for a couple minutes!</a:t>
-            </a:r>
-            <a:endParaRPr lang="en-US" b="1" dirty="0"/>
+              <a:t>PAUSE THIS VIDEO HERE for a couple minutes!</a:t>
+            </a:r>
           </a:p>
           <a:p>
             <a:r>
@@ -14689,330 +14692,6 @@
     <p:extLst>
       <p:ext uri="{BB962C8B-B14F-4D97-AF65-F5344CB8AC3E}">
         <p14:creationId xmlns:p14="http://schemas.microsoft.com/office/powerpoint/2010/main" val="2077945161"/>
-      </p:ext>
-    </p:extLst>
-  </p:cSld>
-  <p:clrMapOvr>
-    <a:masterClrMapping/>
-  </p:clrMapOvr>
-  <p:timing>
-    <p:tnLst>
-      <p:par>
-        <p:cTn id="1" dur="indefinite" restart="never" nodeType="tmRoot">
-          <p:childTnLst>
-            <p:seq concurrent="1" nextAc="seek">
-              <p:cTn id="2" dur="indefinite" nodeType="mainSeq">
-                <p:childTnLst>
-                  <p:par>
-                    <p:cTn id="3" fill="hold">
-                      <p:stCondLst>
-                        <p:cond delay="indefinite"/>
-                      </p:stCondLst>
-                      <p:childTnLst>
-                        <p:par>
-                          <p:cTn id="4" fill="hold">
-                            <p:stCondLst>
-                              <p:cond delay="0"/>
-                            </p:stCondLst>
-                            <p:childTnLst>
-                              <p:par>
-                                <p:cTn id="5" presetID="2" presetClass="entr" presetSubtype="4" fill="hold" grpId="0" nodeType="clickEffect">
-                                  <p:stCondLst>
-                                    <p:cond delay="0"/>
-                                  </p:stCondLst>
-                                  <p:childTnLst>
-                                    <p:set>
-                                      <p:cBhvr>
-                                        <p:cTn id="6" dur="1" fill="hold">
-                                          <p:stCondLst>
-                                            <p:cond delay="0"/>
-                                          </p:stCondLst>
-                                        </p:cTn>
-                                        <p:tgtEl>
-                                          <p:spTgt spid="5"/>
-                                        </p:tgtEl>
-                                        <p:attrNameLst>
-                                          <p:attrName>style.visibility</p:attrName>
-                                        </p:attrNameLst>
-                                      </p:cBhvr>
-                                      <p:to>
-                                        <p:strVal val="visible"/>
-                                      </p:to>
-                                    </p:set>
-                                    <p:anim calcmode="lin" valueType="num">
-                                      <p:cBhvr additive="base">
-                                        <p:cTn id="7" dur="500" fill="hold"/>
-                                        <p:tgtEl>
-                                          <p:spTgt spid="5"/>
-                                        </p:tgtEl>
-                                        <p:attrNameLst>
-                                          <p:attrName>ppt_x</p:attrName>
-                                        </p:attrNameLst>
-                                      </p:cBhvr>
-                                      <p:tavLst>
-                                        <p:tav tm="0">
-                                          <p:val>
-                                            <p:strVal val="#ppt_x"/>
-                                          </p:val>
-                                        </p:tav>
-                                        <p:tav tm="100000">
-                                          <p:val>
-                                            <p:strVal val="#ppt_x"/>
-                                          </p:val>
-                                        </p:tav>
-                                      </p:tavLst>
-                                    </p:anim>
-                                    <p:anim calcmode="lin" valueType="num">
-                                      <p:cBhvr additive="base">
-                                        <p:cTn id="8" dur="500" fill="hold"/>
-                                        <p:tgtEl>
-                                          <p:spTgt spid="5"/>
-                                        </p:tgtEl>
-                                        <p:attrNameLst>
-                                          <p:attrName>ppt_y</p:attrName>
-                                        </p:attrNameLst>
-                                      </p:cBhvr>
-                                      <p:tavLst>
-                                        <p:tav tm="0">
-                                          <p:val>
-                                            <p:strVal val="1+#ppt_h/2"/>
-                                          </p:val>
-                                        </p:tav>
-                                        <p:tav tm="100000">
-                                          <p:val>
-                                            <p:strVal val="#ppt_y"/>
-                                          </p:val>
-                                        </p:tav>
-                                      </p:tavLst>
-                                    </p:anim>
-                                  </p:childTnLst>
-                                </p:cTn>
-                              </p:par>
-                            </p:childTnLst>
-                          </p:cTn>
-                        </p:par>
-                      </p:childTnLst>
-                    </p:cTn>
-                  </p:par>
-                </p:childTnLst>
-              </p:cTn>
-              <p:prevCondLst>
-                <p:cond evt="onPrev" delay="0">
-                  <p:tgtEl>
-                    <p:sldTgt/>
-                  </p:tgtEl>
-                </p:cond>
-              </p:prevCondLst>
-              <p:nextCondLst>
-                <p:cond evt="onNext" delay="0">
-                  <p:tgtEl>
-                    <p:sldTgt/>
-                  </p:tgtEl>
-                </p:cond>
-              </p:nextCondLst>
-            </p:seq>
-          </p:childTnLst>
-        </p:cTn>
-      </p:par>
-    </p:tnLst>
-    <p:bldLst>
-      <p:bldP spid="5" grpId="0" animBg="1"/>
-    </p:bldLst>
-  </p:timing>
-</p:sld>
-</file>
-
-<file path=ppt/slides/slide22.xml><?xml version="1.0" encoding="utf-8"?>
-<p:sld xmlns:a="http://schemas.openxmlformats.org/drawingml/2006/main" xmlns:r="http://schemas.openxmlformats.org/officeDocument/2006/relationships" xmlns:p="http://schemas.openxmlformats.org/presentationml/2006/main">
-  <p:cSld>
-    <p:spTree>
-      <p:nvGrpSpPr>
-        <p:cNvPr id="1" name=""/>
-        <p:cNvGrpSpPr/>
-        <p:nvPr/>
-      </p:nvGrpSpPr>
-      <p:grpSpPr>
-        <a:xfrm>
-          <a:off x="0" y="0"/>
-          <a:ext cx="0" cy="0"/>
-          <a:chOff x="0" y="0"/>
-          <a:chExt cx="0" cy="0"/>
-        </a:xfrm>
-      </p:grpSpPr>
-      <p:sp>
-        <p:nvSpPr>
-          <p:cNvPr id="2" name="Title 1"/>
-          <p:cNvSpPr>
-            <a:spLocks noGrp="1"/>
-          </p:cNvSpPr>
-          <p:nvPr>
-            <p:ph type="title"/>
-          </p:nvPr>
-        </p:nvSpPr>
-        <p:spPr/>
-        <p:txBody>
-          <a:bodyPr/>
-          <a:lstStyle/>
-          <a:p>
-            <a:r>
-              <a:rPr lang="en-US" dirty="0"/>
-              <a:t>Better Solution</a:t>
-            </a:r>
-          </a:p>
-        </p:txBody>
-      </p:sp>
-      <p:sp>
-        <p:nvSpPr>
-          <p:cNvPr id="3" name="Content Placeholder 2"/>
-          <p:cNvSpPr>
-            <a:spLocks noGrp="1"/>
-          </p:cNvSpPr>
-          <p:nvPr>
-            <p:ph idx="1"/>
-          </p:nvPr>
-        </p:nvSpPr>
-        <p:spPr>
-          <a:xfrm>
-            <a:off x="457200" y="3733800"/>
-            <a:ext cx="8229600" cy="2392363"/>
-          </a:xfrm>
-        </p:spPr>
-        <p:txBody>
-          <a:bodyPr/>
-          <a:lstStyle/>
-          <a:p>
-            <a:r>
-              <a:rPr lang="en-US" dirty="0"/>
-              <a:t>Anything wrong?</a:t>
-            </a:r>
-          </a:p>
-          <a:p>
-            <a:r>
-              <a:rPr lang="en-US" dirty="0"/>
-              <a:t>Room to improve?</a:t>
-            </a:r>
-          </a:p>
-        </p:txBody>
-      </p:sp>
-      <p:pic>
-        <p:nvPicPr>
-          <p:cNvPr id="1026" name="Picture 2" descr="https://lh6.googleusercontent.com/Zit-ktkBm5ZWMCvL6rES_UD88eR66fOoEvP74Xt4_wASKlHbHc3GsXQp0e-c09obwNaZJNVgEQE7G1lXlDgWKDU3Gwn6YaAIPHFNyfNJI2rdDxQFB-nfesCnnGpKdxksgLAczRxt">
-            <a:hlinkClick r:id="rId3"/>
-          </p:cNvPr>
-          <p:cNvPicPr>
-            <a:picLocks noChangeAspect="1" noChangeArrowheads="1"/>
-          </p:cNvPicPr>
-          <p:nvPr/>
-        </p:nvPicPr>
-        <p:blipFill>
-          <a:blip r:embed="rId4">
-            <a:extLst>
-              <a:ext uri="{28A0092B-C50C-407E-A947-70E740481C1C}">
-                <a14:useLocalDpi xmlns:a14="http://schemas.microsoft.com/office/drawing/2010/main" val="0"/>
-              </a:ext>
-            </a:extLst>
-          </a:blip>
-          <a:srcRect/>
-          <a:stretch>
-            <a:fillRect/>
-          </a:stretch>
-        </p:blipFill>
-        <p:spPr bwMode="auto">
-          <a:xfrm>
-            <a:off x="457199" y="1317901"/>
-            <a:ext cx="8229601" cy="1885950"/>
-          </a:xfrm>
-          <a:prstGeom prst="rect">
-            <a:avLst/>
-          </a:prstGeom>
-          <a:noFill/>
-          <a:extLst>
-            <a:ext uri="{909E8E84-426E-40DD-AFC4-6F175D3DCCD1}">
-              <a14:hiddenFill xmlns:a14="http://schemas.microsoft.com/office/drawing/2010/main">
-                <a:solidFill>
-                  <a:srgbClr val="FFFFFF"/>
-                </a:solidFill>
-              </a14:hiddenFill>
-            </a:ext>
-          </a:extLst>
-        </p:spPr>
-      </p:pic>
-      <p:sp>
-        <p:nvSpPr>
-          <p:cNvPr id="5" name="Rounded Rectangle 4"/>
-          <p:cNvSpPr/>
-          <p:nvPr/>
-        </p:nvSpPr>
-        <p:spPr>
-          <a:xfrm>
-            <a:off x="3429000" y="5486400"/>
-            <a:ext cx="4708479" cy="790701"/>
-          </a:xfrm>
-          <a:prstGeom prst="roundRect">
-            <a:avLst/>
-          </a:prstGeom>
-        </p:spPr>
-        <p:style>
-          <a:lnRef idx="2">
-            <a:schemeClr val="accent1">
-              <a:shade val="50000"/>
-            </a:schemeClr>
-          </a:lnRef>
-          <a:fillRef idx="1">
-            <a:schemeClr val="accent1"/>
-          </a:fillRef>
-          <a:effectRef idx="0">
-            <a:schemeClr val="accent1"/>
-          </a:effectRef>
-          <a:fontRef idx="minor">
-            <a:schemeClr val="lt1"/>
-          </a:fontRef>
-        </p:style>
-        <p:txBody>
-          <a:bodyPr rtlCol="0" anchor="ctr"/>
-          <a:lstStyle/>
-          <a:p>
-            <a:r>
-              <a:rPr lang="en-US" b="1" dirty="0"/>
-              <a:t>PAUSE THIS </a:t>
-            </a:r>
-            <a:r>
-              <a:rPr lang="en-US" b="1" dirty="0" smtClean="0"/>
-              <a:t>VIDEO HERE for 5-10 minutes!</a:t>
-            </a:r>
-            <a:endParaRPr lang="en-US" b="1" dirty="0"/>
-          </a:p>
-          <a:p>
-            <a:r>
-              <a:rPr lang="en-US" dirty="0"/>
-              <a:t>Try to </a:t>
-            </a:r>
-            <a:r>
-              <a:rPr lang="en-US" dirty="0" smtClean="0"/>
-              <a:t>make your own improved design </a:t>
-            </a:r>
-          </a:p>
-          <a:p>
-            <a:r>
-              <a:rPr lang="en-US" dirty="0" smtClean="0"/>
-              <a:t>Using </a:t>
-            </a:r>
-            <a:r>
-              <a:rPr lang="en-US" dirty="0" err="1" smtClean="0"/>
-              <a:t>plantuml</a:t>
-            </a:r>
-            <a:r>
-              <a:rPr lang="en-US" dirty="0" smtClean="0"/>
-              <a:t> is good practice!</a:t>
-            </a:r>
-            <a:endParaRPr lang="en-US" dirty="0"/>
-          </a:p>
-        </p:txBody>
-      </p:sp>
-    </p:spTree>
-    <p:extLst>
-      <p:ext uri="{BB962C8B-B14F-4D97-AF65-F5344CB8AC3E}">
-        <p14:creationId xmlns:p14="http://schemas.microsoft.com/office/powerpoint/2010/main" val="736114612"/>
       </p:ext>
     </p:extLst>
   </p:cSld>
@@ -15180,6 +14859,320 @@
           <a:p>
             <a:r>
               <a:rPr lang="en-US" dirty="0"/>
+              <a:t>Better Solution</a:t>
+            </a:r>
+          </a:p>
+        </p:txBody>
+      </p:sp>
+      <p:sp>
+        <p:nvSpPr>
+          <p:cNvPr id="3" name="Content Placeholder 2"/>
+          <p:cNvSpPr>
+            <a:spLocks noGrp="1"/>
+          </p:cNvSpPr>
+          <p:nvPr>
+            <p:ph idx="1"/>
+          </p:nvPr>
+        </p:nvSpPr>
+        <p:spPr>
+          <a:xfrm>
+            <a:off x="457200" y="3733800"/>
+            <a:ext cx="8229600" cy="2392363"/>
+          </a:xfrm>
+        </p:spPr>
+        <p:txBody>
+          <a:bodyPr/>
+          <a:lstStyle/>
+          <a:p>
+            <a:r>
+              <a:rPr lang="en-US" dirty="0"/>
+              <a:t>Anything wrong?</a:t>
+            </a:r>
+          </a:p>
+          <a:p>
+            <a:r>
+              <a:rPr lang="en-US" dirty="0"/>
+              <a:t>Room to improve?</a:t>
+            </a:r>
+          </a:p>
+        </p:txBody>
+      </p:sp>
+      <p:pic>
+        <p:nvPicPr>
+          <p:cNvPr id="1026" name="Picture 2" descr="https://lh6.googleusercontent.com/Zit-ktkBm5ZWMCvL6rES_UD88eR66fOoEvP74Xt4_wASKlHbHc3GsXQp0e-c09obwNaZJNVgEQE7G1lXlDgWKDU3Gwn6YaAIPHFNyfNJI2rdDxQFB-nfesCnnGpKdxksgLAczRxt">
+            <a:hlinkClick r:id="rId3"/>
+          </p:cNvPr>
+          <p:cNvPicPr>
+            <a:picLocks noChangeAspect="1" noChangeArrowheads="1"/>
+          </p:cNvPicPr>
+          <p:nvPr/>
+        </p:nvPicPr>
+        <p:blipFill>
+          <a:blip r:embed="rId4">
+            <a:extLst>
+              <a:ext uri="{28A0092B-C50C-407E-A947-70E740481C1C}">
+                <a14:useLocalDpi xmlns:a14="http://schemas.microsoft.com/office/drawing/2010/main" val="0"/>
+              </a:ext>
+            </a:extLst>
+          </a:blip>
+          <a:srcRect/>
+          <a:stretch>
+            <a:fillRect/>
+          </a:stretch>
+        </p:blipFill>
+        <p:spPr bwMode="auto">
+          <a:xfrm>
+            <a:off x="457199" y="1317901"/>
+            <a:ext cx="8229601" cy="1885950"/>
+          </a:xfrm>
+          <a:prstGeom prst="rect">
+            <a:avLst/>
+          </a:prstGeom>
+          <a:noFill/>
+          <a:extLst>
+            <a:ext uri="{909E8E84-426E-40DD-AFC4-6F175D3DCCD1}">
+              <a14:hiddenFill xmlns:a14="http://schemas.microsoft.com/office/drawing/2010/main">
+                <a:solidFill>
+                  <a:srgbClr val="FFFFFF"/>
+                </a:solidFill>
+              </a14:hiddenFill>
+            </a:ext>
+          </a:extLst>
+        </p:spPr>
+      </p:pic>
+      <p:sp>
+        <p:nvSpPr>
+          <p:cNvPr id="5" name="Rounded Rectangle 4"/>
+          <p:cNvSpPr/>
+          <p:nvPr/>
+        </p:nvSpPr>
+        <p:spPr>
+          <a:xfrm>
+            <a:off x="3429000" y="5486400"/>
+            <a:ext cx="4708479" cy="790701"/>
+          </a:xfrm>
+          <a:prstGeom prst="roundRect">
+            <a:avLst/>
+          </a:prstGeom>
+        </p:spPr>
+        <p:style>
+          <a:lnRef idx="2">
+            <a:schemeClr val="accent1">
+              <a:shade val="50000"/>
+            </a:schemeClr>
+          </a:lnRef>
+          <a:fillRef idx="1">
+            <a:schemeClr val="accent1"/>
+          </a:fillRef>
+          <a:effectRef idx="0">
+            <a:schemeClr val="accent1"/>
+          </a:effectRef>
+          <a:fontRef idx="minor">
+            <a:schemeClr val="lt1"/>
+          </a:fontRef>
+        </p:style>
+        <p:txBody>
+          <a:bodyPr rtlCol="0" anchor="ctr"/>
+          <a:lstStyle/>
+          <a:p>
+            <a:r>
+              <a:rPr lang="en-US" b="1" dirty="0"/>
+              <a:t>PAUSE THIS VIDEO HERE for 5-10 minutes!</a:t>
+            </a:r>
+          </a:p>
+          <a:p>
+            <a:r>
+              <a:rPr lang="en-US" dirty="0"/>
+              <a:t>Try to make your own improved design </a:t>
+            </a:r>
+          </a:p>
+          <a:p>
+            <a:r>
+              <a:rPr lang="en-US" dirty="0"/>
+              <a:t>Using </a:t>
+            </a:r>
+            <a:r>
+              <a:rPr lang="en-US" dirty="0" err="1"/>
+              <a:t>plantuml</a:t>
+            </a:r>
+            <a:r>
+              <a:rPr lang="en-US" dirty="0"/>
+              <a:t> is good practice!</a:t>
+            </a:r>
+          </a:p>
+        </p:txBody>
+      </p:sp>
+    </p:spTree>
+    <p:extLst>
+      <p:ext uri="{BB962C8B-B14F-4D97-AF65-F5344CB8AC3E}">
+        <p14:creationId xmlns:p14="http://schemas.microsoft.com/office/powerpoint/2010/main" val="736114612"/>
+      </p:ext>
+    </p:extLst>
+  </p:cSld>
+  <p:clrMapOvr>
+    <a:masterClrMapping/>
+  </p:clrMapOvr>
+  <p:timing>
+    <p:tnLst>
+      <p:par>
+        <p:cTn id="1" dur="indefinite" restart="never" nodeType="tmRoot">
+          <p:childTnLst>
+            <p:seq concurrent="1" nextAc="seek">
+              <p:cTn id="2" dur="indefinite" nodeType="mainSeq">
+                <p:childTnLst>
+                  <p:par>
+                    <p:cTn id="3" fill="hold">
+                      <p:stCondLst>
+                        <p:cond delay="indefinite"/>
+                      </p:stCondLst>
+                      <p:childTnLst>
+                        <p:par>
+                          <p:cTn id="4" fill="hold">
+                            <p:stCondLst>
+                              <p:cond delay="0"/>
+                            </p:stCondLst>
+                            <p:childTnLst>
+                              <p:par>
+                                <p:cTn id="5" presetID="2" presetClass="entr" presetSubtype="4" fill="hold" grpId="0" nodeType="clickEffect">
+                                  <p:stCondLst>
+                                    <p:cond delay="0"/>
+                                  </p:stCondLst>
+                                  <p:childTnLst>
+                                    <p:set>
+                                      <p:cBhvr>
+                                        <p:cTn id="6" dur="1" fill="hold">
+                                          <p:stCondLst>
+                                            <p:cond delay="0"/>
+                                          </p:stCondLst>
+                                        </p:cTn>
+                                        <p:tgtEl>
+                                          <p:spTgt spid="5"/>
+                                        </p:tgtEl>
+                                        <p:attrNameLst>
+                                          <p:attrName>style.visibility</p:attrName>
+                                        </p:attrNameLst>
+                                      </p:cBhvr>
+                                      <p:to>
+                                        <p:strVal val="visible"/>
+                                      </p:to>
+                                    </p:set>
+                                    <p:anim calcmode="lin" valueType="num">
+                                      <p:cBhvr additive="base">
+                                        <p:cTn id="7" dur="500" fill="hold"/>
+                                        <p:tgtEl>
+                                          <p:spTgt spid="5"/>
+                                        </p:tgtEl>
+                                        <p:attrNameLst>
+                                          <p:attrName>ppt_x</p:attrName>
+                                        </p:attrNameLst>
+                                      </p:cBhvr>
+                                      <p:tavLst>
+                                        <p:tav tm="0">
+                                          <p:val>
+                                            <p:strVal val="#ppt_x"/>
+                                          </p:val>
+                                        </p:tav>
+                                        <p:tav tm="100000">
+                                          <p:val>
+                                            <p:strVal val="#ppt_x"/>
+                                          </p:val>
+                                        </p:tav>
+                                      </p:tavLst>
+                                    </p:anim>
+                                    <p:anim calcmode="lin" valueType="num">
+                                      <p:cBhvr additive="base">
+                                        <p:cTn id="8" dur="500" fill="hold"/>
+                                        <p:tgtEl>
+                                          <p:spTgt spid="5"/>
+                                        </p:tgtEl>
+                                        <p:attrNameLst>
+                                          <p:attrName>ppt_y</p:attrName>
+                                        </p:attrNameLst>
+                                      </p:cBhvr>
+                                      <p:tavLst>
+                                        <p:tav tm="0">
+                                          <p:val>
+                                            <p:strVal val="1+#ppt_h/2"/>
+                                          </p:val>
+                                        </p:tav>
+                                        <p:tav tm="100000">
+                                          <p:val>
+                                            <p:strVal val="#ppt_y"/>
+                                          </p:val>
+                                        </p:tav>
+                                      </p:tavLst>
+                                    </p:anim>
+                                  </p:childTnLst>
+                                </p:cTn>
+                              </p:par>
+                            </p:childTnLst>
+                          </p:cTn>
+                        </p:par>
+                      </p:childTnLst>
+                    </p:cTn>
+                  </p:par>
+                </p:childTnLst>
+              </p:cTn>
+              <p:prevCondLst>
+                <p:cond evt="onPrev" delay="0">
+                  <p:tgtEl>
+                    <p:sldTgt/>
+                  </p:tgtEl>
+                </p:cond>
+              </p:prevCondLst>
+              <p:nextCondLst>
+                <p:cond evt="onNext" delay="0">
+                  <p:tgtEl>
+                    <p:sldTgt/>
+                  </p:tgtEl>
+                </p:cond>
+              </p:nextCondLst>
+            </p:seq>
+          </p:childTnLst>
+        </p:cTn>
+      </p:par>
+    </p:tnLst>
+    <p:bldLst>
+      <p:bldP spid="5" grpId="0" animBg="1"/>
+    </p:bldLst>
+  </p:timing>
+</p:sld>
+</file>
+
+<file path=ppt/slides/slide24.xml><?xml version="1.0" encoding="utf-8"?>
+<p:sld xmlns:a="http://schemas.openxmlformats.org/drawingml/2006/main" xmlns:r="http://schemas.openxmlformats.org/officeDocument/2006/relationships" xmlns:p="http://schemas.openxmlformats.org/presentationml/2006/main">
+  <p:cSld>
+    <p:spTree>
+      <p:nvGrpSpPr>
+        <p:cNvPr id="1" name=""/>
+        <p:cNvGrpSpPr/>
+        <p:nvPr/>
+      </p:nvGrpSpPr>
+      <p:grpSpPr>
+        <a:xfrm>
+          <a:off x="0" y="0"/>
+          <a:ext cx="0" cy="0"/>
+          <a:chOff x="0" y="0"/>
+          <a:chExt cx="0" cy="0"/>
+        </a:xfrm>
+      </p:grpSpPr>
+      <p:sp>
+        <p:nvSpPr>
+          <p:cNvPr id="2" name="Title 1"/>
+          <p:cNvSpPr>
+            <a:spLocks noGrp="1"/>
+          </p:cNvSpPr>
+          <p:nvPr>
+            <p:ph type="title"/>
+          </p:nvPr>
+        </p:nvSpPr>
+        <p:spPr/>
+        <p:txBody>
+          <a:bodyPr/>
+          <a:lstStyle/>
+          <a:p>
+            <a:r>
+              <a:rPr lang="en-US" dirty="0"/>
               <a:t>Eliminate manager </a:t>
             </a:r>
             <a:r>
@@ -15291,17 +15284,10 @@
   <p:clrMapOvr>
     <a:masterClrMapping/>
   </p:clrMapOvr>
-  <p:timing>
-    <p:tnLst>
-      <p:par>
-        <p:cTn id="1" dur="indefinite" restart="never" nodeType="tmRoot"/>
-      </p:par>
-    </p:tnLst>
-  </p:timing>
 </p:sld>
 </file>
 
-<file path=ppt/slides/slide24.xml><?xml version="1.0" encoding="utf-8"?>
+<file path=ppt/slides/slide25.xml><?xml version="1.0" encoding="utf-8"?>
 <p:sld xmlns:a="http://schemas.openxmlformats.org/drawingml/2006/main" xmlns:r="http://schemas.openxmlformats.org/officeDocument/2006/relationships" xmlns:p="http://schemas.openxmlformats.org/presentationml/2006/main">
   <p:cSld>
     <p:spTree>
@@ -15337,20 +15323,15 @@
           <a:p>
             <a:r>
               <a:rPr lang="en-US" dirty="0"/>
-              <a:t>Today’s topic </a:t>
-            </a:r>
-            <a:r>
-              <a:rPr lang="en-US" dirty="0" smtClean="0"/>
-              <a:t>– </a:t>
+              <a:t>Today’s topic – </a:t>
             </a:r>
             <a:br>
-              <a:rPr lang="en-US" dirty="0" smtClean="0"/>
+              <a:rPr lang="en-US" dirty="0"/>
             </a:br>
             <a:r>
-              <a:rPr lang="en-US" b="1" i="1" dirty="0" smtClean="0"/>
+              <a:rPr lang="en-US" b="1" i="1" dirty="0"/>
               <a:t>Don’t have message chains</a:t>
             </a:r>
-            <a:endParaRPr lang="en-US" b="1" i="1" dirty="0"/>
           </a:p>
         </p:txBody>
       </p:sp>
@@ -15434,17 +15415,10 @@
   <p:clrMapOvr>
     <a:masterClrMapping/>
   </p:clrMapOvr>
-  <p:timing>
-    <p:tnLst>
-      <p:par>
-        <p:cTn id="1" dur="indefinite" restart="never" nodeType="tmRoot"/>
-      </p:par>
-    </p:tnLst>
-  </p:timing>
 </p:sld>
 </file>
 
-<file path=ppt/slides/slide25.xml><?xml version="1.0" encoding="utf-8"?>
+<file path=ppt/slides/slide26.xml><?xml version="1.0" encoding="utf-8"?>
 <p:sld xmlns:a="http://schemas.openxmlformats.org/drawingml/2006/main" xmlns:r="http://schemas.openxmlformats.org/officeDocument/2006/relationships" xmlns:p="http://schemas.openxmlformats.org/presentationml/2006/main">
   <p:cSld>
     <p:spTree>
@@ -15843,17 +15817,10 @@
   <p:clrMapOvr>
     <a:masterClrMapping/>
   </p:clrMapOvr>
-  <p:timing>
-    <p:tnLst>
-      <p:par>
-        <p:cTn id="1" dur="indefinite" restart="never" nodeType="tmRoot"/>
-      </p:par>
-    </p:tnLst>
-  </p:timing>
 </p:sld>
 </file>
 
-<file path=ppt/slides/slide26.xml><?xml version="1.0" encoding="utf-8"?>
+<file path=ppt/slides/slide27.xml><?xml version="1.0" encoding="utf-8"?>
 <p:sld xmlns:a="http://schemas.openxmlformats.org/drawingml/2006/main" xmlns:r="http://schemas.openxmlformats.org/officeDocument/2006/relationships" xmlns:p="http://schemas.openxmlformats.org/presentationml/2006/main">
   <p:cSld>
     <p:spTree>
@@ -16146,17 +16113,10 @@
   <p:clrMapOvr>
     <a:masterClrMapping/>
   </p:clrMapOvr>
-  <p:timing>
-    <p:tnLst>
-      <p:par>
-        <p:cTn id="1" dur="indefinite" restart="never" nodeType="tmRoot"/>
-      </p:par>
-    </p:tnLst>
-  </p:timing>
 </p:sld>
 </file>
 
-<file path=ppt/slides/slide27.xml><?xml version="1.0" encoding="utf-8"?>
+<file path=ppt/slides/slide28.xml><?xml version="1.0" encoding="utf-8"?>
 <p:sld xmlns:a="http://schemas.openxmlformats.org/drawingml/2006/main" xmlns:r="http://schemas.openxmlformats.org/officeDocument/2006/relationships" xmlns:p="http://schemas.openxmlformats.org/presentationml/2006/main">
   <p:cSld>
     <p:spTree>
@@ -16587,17 +16547,10 @@
   <p:clrMapOvr>
     <a:masterClrMapping/>
   </p:clrMapOvr>
-  <p:timing>
-    <p:tnLst>
-      <p:par>
-        <p:cTn id="1" dur="indefinite" restart="never" nodeType="tmRoot"/>
-      </p:par>
-    </p:tnLst>
-  </p:timing>
 </p:sld>
 </file>
 
-<file path=ppt/slides/slide28.xml><?xml version="1.0" encoding="utf-8"?>
+<file path=ppt/slides/slide29.xml><?xml version="1.0" encoding="utf-8"?>
 <p:sld xmlns:a="http://schemas.openxmlformats.org/drawingml/2006/main" xmlns:r="http://schemas.openxmlformats.org/officeDocument/2006/relationships" xmlns:p="http://schemas.openxmlformats.org/presentationml/2006/main">
   <p:cSld>
     <p:spTree>
@@ -16948,17 +16901,397 @@
   <p:clrMapOvr>
     <a:masterClrMapping/>
   </p:clrMapOvr>
-  <p:timing>
-    <p:tnLst>
-      <p:par>
-        <p:cTn id="1" dur="indefinite" restart="never" nodeType="tmRoot"/>
-      </p:par>
-    </p:tnLst>
-  </p:timing>
 </p:sld>
 </file>
 
-<file path=ppt/slides/slide29.xml><?xml version="1.0" encoding="utf-8"?>
+<file path=ppt/slides/slide3.xml><?xml version="1.0" encoding="utf-8"?>
+<p:sld xmlns:a="http://schemas.openxmlformats.org/drawingml/2006/main" xmlns:r="http://schemas.openxmlformats.org/officeDocument/2006/relationships" xmlns:p="http://schemas.openxmlformats.org/presentationml/2006/main">
+  <p:cSld>
+    <p:spTree>
+      <p:nvGrpSpPr>
+        <p:cNvPr id="1" name=""/>
+        <p:cNvGrpSpPr/>
+        <p:nvPr/>
+      </p:nvGrpSpPr>
+      <p:grpSpPr>
+        <a:xfrm>
+          <a:off x="0" y="0"/>
+          <a:ext cx="0" cy="0"/>
+          <a:chOff x="0" y="0"/>
+          <a:chExt cx="0" cy="0"/>
+        </a:xfrm>
+      </p:grpSpPr>
+      <p:sp>
+        <p:nvSpPr>
+          <p:cNvPr id="2" name="Title 1"/>
+          <p:cNvSpPr>
+            <a:spLocks noGrp="1"/>
+          </p:cNvSpPr>
+          <p:nvPr>
+            <p:ph type="title"/>
+          </p:nvPr>
+        </p:nvSpPr>
+        <p:spPr>
+          <a:xfrm>
+            <a:off x="628650" y="365127"/>
+            <a:ext cx="7886700" cy="922498"/>
+          </a:xfrm>
+        </p:spPr>
+        <p:txBody>
+          <a:bodyPr/>
+          <a:lstStyle/>
+          <a:p>
+            <a:r>
+              <a:rPr lang="en-US"/>
+              <a:t>Principles of Design (for CSSE220)</a:t>
+            </a:r>
+          </a:p>
+        </p:txBody>
+      </p:sp>
+      <p:sp>
+        <p:nvSpPr>
+          <p:cNvPr id="3" name="Content Placeholder 2"/>
+          <p:cNvSpPr>
+            <a:spLocks noGrp="1"/>
+          </p:cNvSpPr>
+          <p:nvPr>
+            <p:ph idx="1"/>
+          </p:nvPr>
+        </p:nvSpPr>
+        <p:spPr>
+          <a:xfrm>
+            <a:off x="335901" y="1287625"/>
+            <a:ext cx="8546841" cy="5570375"/>
+          </a:xfrm>
+        </p:spPr>
+        <p:txBody>
+          <a:bodyPr>
+            <a:normAutofit fontScale="62500" lnSpcReduction="20000"/>
+          </a:bodyPr>
+          <a:lstStyle/>
+          <a:p>
+            <a:pPr marL="457200" indent="-457200" fontAlgn="base">
+              <a:buFont typeface="+mj-lt"/>
+              <a:buAutoNum type="arabicParenR"/>
+            </a:pPr>
+            <a:r>
+              <a:rPr lang="en-US" sz="2400"/>
+              <a:t>Make sure your design </a:t>
+            </a:r>
+            <a:r>
+              <a:rPr lang="en-US" sz="2400" b="1"/>
+              <a:t>allows proper functionality</a:t>
+            </a:r>
+            <a:endParaRPr lang="en-US" sz="2400"/>
+          </a:p>
+          <a:p>
+            <a:pPr marL="971550" lvl="1" indent="-514350" fontAlgn="base">
+              <a:buFont typeface="+mj-lt"/>
+              <a:buAutoNum type="alphaLcParenR"/>
+            </a:pPr>
+            <a:r>
+              <a:rPr lang="en-US"/>
+              <a:t>Must be able to </a:t>
+            </a:r>
+            <a:r>
+              <a:rPr lang="en-US" b="1"/>
+              <a:t>store required information</a:t>
+            </a:r>
+            <a:r>
+              <a:rPr lang="en-US"/>
+              <a:t> (one/many to one/many relationships)</a:t>
+            </a:r>
+          </a:p>
+          <a:p>
+            <a:pPr marL="971550" lvl="1" indent="-514350" fontAlgn="base">
+              <a:buFont typeface="+mj-lt"/>
+              <a:buAutoNum type="alphaLcParenR"/>
+            </a:pPr>
+            <a:r>
+              <a:rPr lang="en-US"/>
+              <a:t>Must be able to </a:t>
+            </a:r>
+            <a:r>
+              <a:rPr lang="en-US" b="1"/>
+              <a:t>access the required information</a:t>
+            </a:r>
+            <a:r>
+              <a:rPr lang="en-US"/>
+              <a:t> to accomplish tasks</a:t>
+            </a:r>
+          </a:p>
+          <a:p>
+            <a:pPr marL="971550" lvl="1" indent="-514350" fontAlgn="base">
+              <a:buFont typeface="+mj-lt"/>
+              <a:buAutoNum type="alphaLcParenR"/>
+            </a:pPr>
+            <a:r>
+              <a:rPr lang="en-US"/>
+              <a:t>Data should </a:t>
+            </a:r>
+            <a:r>
+              <a:rPr lang="en-US" b="1"/>
+              <a:t>not be duplicated</a:t>
+            </a:r>
+            <a:r>
+              <a:rPr lang="en-US"/>
+              <a:t> (id/identifiers are OK!)</a:t>
+            </a:r>
+            <a:endParaRPr lang="en-US" sz="2400"/>
+          </a:p>
+          <a:p>
+            <a:pPr marL="457200" indent="-457200">
+              <a:buFont typeface="+mj-lt"/>
+              <a:buAutoNum type="arabicParenR"/>
+            </a:pPr>
+            <a:r>
+              <a:rPr lang="en-US" sz="2400"/>
+              <a:t>Structure design </a:t>
+            </a:r>
+            <a:r>
+              <a:rPr lang="en-US" sz="2400" b="1"/>
+              <a:t>around the data</a:t>
+            </a:r>
+            <a:r>
+              <a:rPr lang="en-US" sz="2400"/>
+              <a:t> to be stored</a:t>
+            </a:r>
+          </a:p>
+          <a:p>
+            <a:pPr marL="971550" lvl="1" indent="-514350" fontAlgn="base">
+              <a:buFont typeface="+mj-lt"/>
+              <a:buAutoNum type="alphaLcParenR"/>
+            </a:pPr>
+            <a:r>
+              <a:rPr lang="en-US" b="1"/>
+              <a:t>Nouns should become classes</a:t>
+            </a:r>
+            <a:endParaRPr lang="en-US"/>
+          </a:p>
+          <a:p>
+            <a:pPr marL="971550" lvl="1" indent="-514350" fontAlgn="base">
+              <a:buFont typeface="+mj-lt"/>
+              <a:buAutoNum type="alphaLcParenR"/>
+            </a:pPr>
+            <a:r>
+              <a:rPr lang="en-US" b="1"/>
+              <a:t>Classes should have intelligent behaviors</a:t>
+            </a:r>
+            <a:r>
+              <a:rPr lang="en-US"/>
+              <a:t> (methods) </a:t>
+            </a:r>
+            <a:r>
+              <a:rPr lang="en-US" b="1"/>
+              <a:t>that may operate on their data</a:t>
+            </a:r>
+            <a:endParaRPr lang="en-US"/>
+          </a:p>
+          <a:p>
+            <a:pPr marL="457200" indent="-457200" fontAlgn="base">
+              <a:buFont typeface="+mj-lt"/>
+              <a:buAutoNum type="arabicParenR"/>
+            </a:pPr>
+            <a:r>
+              <a:rPr lang="en-US" sz="2400"/>
+              <a:t>Functionality should be </a:t>
+            </a:r>
+            <a:r>
+              <a:rPr lang="en-US" sz="2400" b="1"/>
+              <a:t>distributed efficiently</a:t>
+            </a:r>
+            <a:endParaRPr lang="en-US" sz="2400"/>
+          </a:p>
+          <a:p>
+            <a:pPr marL="971550" lvl="1" indent="-514350" fontAlgn="base">
+              <a:buFont typeface="+mj-lt"/>
+              <a:buAutoNum type="alphaLcParenR"/>
+            </a:pPr>
+            <a:r>
+              <a:rPr lang="en-US" b="1"/>
+              <a:t>No class/part should get too large</a:t>
+            </a:r>
+          </a:p>
+          <a:p>
+            <a:pPr marL="971550" lvl="1" indent="-514350" fontAlgn="base">
+              <a:buFont typeface="+mj-lt"/>
+              <a:buAutoNum type="alphaLcParenR"/>
+            </a:pPr>
+            <a:r>
+              <a:rPr lang="en-US" b="1"/>
+              <a:t>Each class should have a single responsibility</a:t>
+            </a:r>
+            <a:r>
+              <a:rPr lang="en-US"/>
+              <a:t> it accomplishes</a:t>
+            </a:r>
+          </a:p>
+          <a:p>
+            <a:pPr marL="457200" indent="-457200" fontAlgn="base">
+              <a:buFont typeface="+mj-lt"/>
+              <a:buAutoNum type="arabicParenR"/>
+            </a:pPr>
+            <a:r>
+              <a:rPr lang="en-US" sz="2400" b="1"/>
+              <a:t>Minimize dependencies</a:t>
+            </a:r>
+            <a:r>
+              <a:rPr lang="en-US" sz="2400"/>
+              <a:t> between objects when it does not disrupt usability or </a:t>
+            </a:r>
+            <a:r>
+              <a:rPr lang="en-US" sz="2400" err="1"/>
+              <a:t>extendability</a:t>
+            </a:r>
+            <a:endParaRPr lang="en-US" sz="2400"/>
+          </a:p>
+          <a:p>
+            <a:pPr marL="971550" lvl="1" indent="-514350" fontAlgn="base">
+              <a:buFont typeface="+mj-lt"/>
+              <a:buAutoNum type="alphaLcParenR"/>
+            </a:pPr>
+            <a:r>
+              <a:rPr lang="en-US"/>
+              <a:t>Tell don't ask</a:t>
+            </a:r>
+          </a:p>
+          <a:p>
+            <a:pPr marL="971550" lvl="1" indent="-514350" fontAlgn="base">
+              <a:buFont typeface="+mj-lt"/>
+              <a:buAutoNum type="alphaLcParenR"/>
+            </a:pPr>
+            <a:r>
+              <a:rPr lang="en-US"/>
+              <a:t>Don't have message chains</a:t>
+            </a:r>
+          </a:p>
+          <a:p>
+            <a:pPr marL="457200" indent="-457200" fontAlgn="base">
+              <a:buFont typeface="+mj-lt"/>
+              <a:buAutoNum type="arabicParenR"/>
+            </a:pPr>
+            <a:r>
+              <a:rPr lang="en-US" sz="2400" b="1"/>
+              <a:t>Don't duplicate</a:t>
+            </a:r>
+            <a:r>
+              <a:rPr lang="en-US" sz="2400"/>
+              <a:t> code</a:t>
+            </a:r>
+          </a:p>
+          <a:p>
+            <a:pPr marL="971550" lvl="1" indent="-514350" fontAlgn="base">
+              <a:buFont typeface="+mj-lt"/>
+              <a:buAutoNum type="alphaLcParenR"/>
+            </a:pPr>
+            <a:r>
+              <a:rPr lang="en-US"/>
+              <a:t>Similar "chunks" of code should be </a:t>
+            </a:r>
+            <a:r>
+              <a:rPr lang="en-US" b="1"/>
+              <a:t>unified into functions</a:t>
+            </a:r>
+            <a:endParaRPr lang="en-US"/>
+          </a:p>
+          <a:p>
+            <a:pPr marL="971550" lvl="1" indent="-514350" fontAlgn="base">
+              <a:buFont typeface="+mj-lt"/>
+              <a:buAutoNum type="alphaLcParenR"/>
+            </a:pPr>
+            <a:r>
+              <a:rPr lang="en-US"/>
+              <a:t>Classes with similar features should be given </a:t>
+            </a:r>
+            <a:r>
+              <a:rPr lang="en-US" b="1"/>
+              <a:t>common interfaces</a:t>
+            </a:r>
+            <a:endParaRPr lang="en-US"/>
+          </a:p>
+          <a:p>
+            <a:pPr marL="971550" lvl="1" indent="-514350">
+              <a:buFont typeface="+mj-lt"/>
+              <a:buAutoNum type="alphaLcParenR"/>
+            </a:pPr>
+            <a:r>
+              <a:rPr lang="en-US"/>
+              <a:t>Classes with similar internals should be simplified using </a:t>
+            </a:r>
+            <a:r>
+              <a:rPr lang="en-US" b="1"/>
+              <a:t>inheritance</a:t>
+            </a:r>
+            <a:endParaRPr lang="en-US"/>
+          </a:p>
+        </p:txBody>
+      </p:sp>
+      <p:sp>
+        <p:nvSpPr>
+          <p:cNvPr id="4" name="Rectangle: Rounded Corners 1">
+            <a:extLst>
+              <a:ext uri="{FF2B5EF4-FFF2-40B4-BE49-F238E27FC236}">
+                <a16:creationId xmlns:a16="http://schemas.microsoft.com/office/drawing/2014/main" id="{0B9C3EEE-A63E-BB46-81CA-4D6881BB3756}"/>
+              </a:ext>
+            </a:extLst>
+          </p:cNvPr>
+          <p:cNvSpPr/>
+          <p:nvPr/>
+        </p:nvSpPr>
+        <p:spPr>
+          <a:xfrm>
+            <a:off x="152400" y="4343401"/>
+            <a:ext cx="8839200" cy="762000"/>
+          </a:xfrm>
+          <a:prstGeom prst="roundRect">
+            <a:avLst/>
+          </a:prstGeom>
+          <a:noFill/>
+          <a:ln>
+            <a:solidFill>
+              <a:srgbClr val="FF0000"/>
+            </a:solidFill>
+          </a:ln>
+        </p:spPr>
+        <p:style>
+          <a:lnRef idx="2">
+            <a:schemeClr val="accent2">
+              <a:shade val="50000"/>
+            </a:schemeClr>
+          </a:lnRef>
+          <a:fillRef idx="1">
+            <a:schemeClr val="accent2"/>
+          </a:fillRef>
+          <a:effectRef idx="0">
+            <a:schemeClr val="accent2"/>
+          </a:effectRef>
+          <a:fontRef idx="minor">
+            <a:schemeClr val="lt1"/>
+          </a:fontRef>
+        </p:style>
+        <p:txBody>
+          <a:bodyPr rtlCol="0" anchor="ctr"/>
+          <a:lstStyle/>
+          <a:p>
+            <a:pPr algn="ctr"/>
+            <a:endParaRPr lang="en-US"/>
+          </a:p>
+        </p:txBody>
+      </p:sp>
+    </p:spTree>
+    <p:extLst>
+      <p:ext uri="{BB962C8B-B14F-4D97-AF65-F5344CB8AC3E}">
+        <p14:creationId xmlns:p14="http://schemas.microsoft.com/office/powerpoint/2010/main" val="1457509528"/>
+      </p:ext>
+    </p:extLst>
+  </p:cSld>
+  <p:clrMapOvr>
+    <a:masterClrMapping/>
+  </p:clrMapOvr>
+</p:sld>
+</file>
+
+<file path=ppt/slides/slide30.xml><?xml version="1.0" encoding="utf-8"?>
 <p:sld xmlns:a="http://schemas.openxmlformats.org/drawingml/2006/main" xmlns:r="http://schemas.openxmlformats.org/officeDocument/2006/relationships" xmlns:p="http://schemas.openxmlformats.org/presentationml/2006/main">
   <p:cSld>
     <p:spTree>
@@ -17177,12 +17510,8 @@
               </a:tabLst>
             </a:pPr>
             <a:r>
-              <a:rPr lang="en-US" sz="2800" dirty="0" smtClean="0"/>
-              <a:t>JFrame </a:t>
-            </a:r>
-            <a:r>
               <a:rPr lang="en-US" sz="2800" dirty="0"/>
-              <a:t>from </a:t>
+              <a:t>JFrame from </a:t>
             </a:r>
             <a:r>
               <a:rPr lang="en-US" sz="2800" dirty="0" err="1"/>
@@ -17991,17 +18320,10 @@
   <p:clrMapOvr>
     <a:masterClrMapping/>
   </p:clrMapOvr>
-  <p:timing>
-    <p:tnLst>
-      <p:par>
-        <p:cTn id="1" dur="indefinite" restart="never" nodeType="tmRoot"/>
-      </p:par>
-    </p:tnLst>
-  </p:timing>
 </p:sld>
 </file>
 
-<file path=ppt/slides/slide3.xml><?xml version="1.0" encoding="utf-8"?>
+<file path=ppt/slides/slide31.xml><?xml version="1.0" encoding="utf-8"?>
 <p:sld xmlns:a="http://schemas.openxmlformats.org/drawingml/2006/main" xmlns:r="http://schemas.openxmlformats.org/officeDocument/2006/relationships" xmlns:p="http://schemas.openxmlformats.org/presentationml/2006/main">
   <p:cSld>
     <p:spTree>
@@ -18030,389 +18352,16 @@
         </p:nvSpPr>
         <p:spPr>
           <a:xfrm>
-            <a:off x="628650" y="365127"/>
-            <a:ext cx="7886700" cy="922498"/>
-          </a:xfrm>
-        </p:spPr>
-        <p:txBody>
-          <a:bodyPr/>
-          <a:lstStyle/>
-          <a:p>
-            <a:r>
-              <a:rPr lang="en-US" dirty="0"/>
-              <a:t>Principles of Design (for CSSE220)</a:t>
-            </a:r>
-          </a:p>
-        </p:txBody>
-      </p:sp>
-      <p:sp>
-        <p:nvSpPr>
-          <p:cNvPr id="3" name="Content Placeholder 2"/>
-          <p:cNvSpPr>
-            <a:spLocks noGrp="1"/>
-          </p:cNvSpPr>
-          <p:nvPr>
-            <p:ph idx="1"/>
-          </p:nvPr>
-        </p:nvSpPr>
-        <p:spPr>
-          <a:xfrm>
-            <a:off x="335901" y="1287625"/>
-            <a:ext cx="8546841" cy="5570375"/>
-          </a:xfrm>
-        </p:spPr>
-        <p:txBody>
-          <a:bodyPr>
-            <a:normAutofit fontScale="62500" lnSpcReduction="20000"/>
-          </a:bodyPr>
-          <a:lstStyle/>
-          <a:p>
-            <a:pPr marL="457200" indent="-457200" fontAlgn="base">
-              <a:buFont typeface="+mj-lt"/>
-              <a:buAutoNum type="arabicParenR"/>
-            </a:pPr>
-            <a:r>
-              <a:rPr lang="en-US" sz="2400" dirty="0"/>
-              <a:t>Make sure your design </a:t>
-            </a:r>
-            <a:r>
-              <a:rPr lang="en-US" sz="2400" b="1" dirty="0"/>
-              <a:t>allows proper functionality</a:t>
-            </a:r>
-            <a:endParaRPr lang="en-US" sz="2400" dirty="0"/>
-          </a:p>
-          <a:p>
-            <a:pPr marL="971550" lvl="1" indent="-514350" fontAlgn="base">
-              <a:buFont typeface="+mj-lt"/>
-              <a:buAutoNum type="alphaLcParenR"/>
-            </a:pPr>
-            <a:r>
-              <a:rPr lang="en-US" dirty="0"/>
-              <a:t>Must be able to </a:t>
-            </a:r>
-            <a:r>
-              <a:rPr lang="en-US" b="1" dirty="0"/>
-              <a:t>store required information</a:t>
-            </a:r>
-            <a:r>
-              <a:rPr lang="en-US" dirty="0"/>
-              <a:t> (one/many to one/many relationships)</a:t>
-            </a:r>
-          </a:p>
-          <a:p>
-            <a:pPr marL="971550" lvl="1" indent="-514350" fontAlgn="base">
-              <a:buFont typeface="+mj-lt"/>
-              <a:buAutoNum type="alphaLcParenR"/>
-            </a:pPr>
-            <a:r>
-              <a:rPr lang="en-US" dirty="0"/>
-              <a:t>Must be able to </a:t>
-            </a:r>
-            <a:r>
-              <a:rPr lang="en-US" b="1" dirty="0"/>
-              <a:t>access the required information</a:t>
-            </a:r>
-            <a:r>
-              <a:rPr lang="en-US" dirty="0"/>
-              <a:t> to accomplish tasks</a:t>
-            </a:r>
-          </a:p>
-          <a:p>
-            <a:pPr marL="971550" lvl="1" indent="-514350" fontAlgn="base">
-              <a:buFont typeface="+mj-lt"/>
-              <a:buAutoNum type="alphaLcParenR"/>
-            </a:pPr>
-            <a:r>
-              <a:rPr lang="en-US" dirty="0"/>
-              <a:t>Data should </a:t>
-            </a:r>
-            <a:r>
-              <a:rPr lang="en-US" b="1" dirty="0"/>
-              <a:t>not be duplicated</a:t>
-            </a:r>
-            <a:r>
-              <a:rPr lang="en-US" dirty="0"/>
-              <a:t> (id/identifiers are OK!)</a:t>
-            </a:r>
-            <a:endParaRPr lang="en-US" sz="2400" dirty="0"/>
-          </a:p>
-          <a:p>
-            <a:pPr marL="457200" indent="-457200">
-              <a:buFont typeface="+mj-lt"/>
-              <a:buAutoNum type="arabicParenR"/>
-            </a:pPr>
-            <a:r>
-              <a:rPr lang="en-US" sz="2400" dirty="0"/>
-              <a:t>Structure design </a:t>
-            </a:r>
-            <a:r>
-              <a:rPr lang="en-US" sz="2400" b="1" dirty="0"/>
-              <a:t>around the data</a:t>
-            </a:r>
-            <a:r>
-              <a:rPr lang="en-US" sz="2400" dirty="0"/>
-              <a:t> to be stored</a:t>
-            </a:r>
-          </a:p>
-          <a:p>
-            <a:pPr marL="971550" lvl="1" indent="-514350" fontAlgn="base">
-              <a:buFont typeface="+mj-lt"/>
-              <a:buAutoNum type="alphaLcParenR"/>
-            </a:pPr>
-            <a:r>
-              <a:rPr lang="en-US" b="1" dirty="0"/>
-              <a:t>Nouns should become classes</a:t>
-            </a:r>
-            <a:endParaRPr lang="en-US" dirty="0"/>
-          </a:p>
-          <a:p>
-            <a:pPr marL="971550" lvl="1" indent="-514350" fontAlgn="base">
-              <a:buFont typeface="+mj-lt"/>
-              <a:buAutoNum type="alphaLcParenR"/>
-            </a:pPr>
-            <a:r>
-              <a:rPr lang="en-US" b="1" dirty="0"/>
-              <a:t>Classes should have intelligent behaviors</a:t>
-            </a:r>
-            <a:r>
-              <a:rPr lang="en-US" dirty="0"/>
-              <a:t> (methods) </a:t>
-            </a:r>
-            <a:r>
-              <a:rPr lang="en-US" b="1" dirty="0"/>
-              <a:t>that may operate on their data</a:t>
-            </a:r>
-            <a:endParaRPr lang="en-US" dirty="0"/>
-          </a:p>
-          <a:p>
-            <a:pPr marL="457200" indent="-457200" fontAlgn="base">
-              <a:buFont typeface="+mj-lt"/>
-              <a:buAutoNum type="arabicParenR"/>
-            </a:pPr>
-            <a:r>
-              <a:rPr lang="en-US" sz="2400" dirty="0"/>
-              <a:t>Functionality should be </a:t>
-            </a:r>
-            <a:r>
-              <a:rPr lang="en-US" sz="2400" b="1" dirty="0"/>
-              <a:t>distributed efficiently</a:t>
-            </a:r>
-            <a:endParaRPr lang="en-US" sz="2400" dirty="0"/>
-          </a:p>
-          <a:p>
-            <a:pPr marL="971550" lvl="1" indent="-514350" fontAlgn="base">
-              <a:buFont typeface="+mj-lt"/>
-              <a:buAutoNum type="alphaLcParenR"/>
-            </a:pPr>
-            <a:r>
-              <a:rPr lang="en-US" b="1" dirty="0"/>
-              <a:t>No class/part should get too large</a:t>
-            </a:r>
-          </a:p>
-          <a:p>
-            <a:pPr marL="971550" lvl="1" indent="-514350" fontAlgn="base">
-              <a:buFont typeface="+mj-lt"/>
-              <a:buAutoNum type="alphaLcParenR"/>
-            </a:pPr>
-            <a:r>
-              <a:rPr lang="en-US" b="1" dirty="0"/>
-              <a:t>Each class should have a single responsibility</a:t>
-            </a:r>
-            <a:r>
-              <a:rPr lang="en-US" dirty="0"/>
-              <a:t> it accomplishes</a:t>
-            </a:r>
-          </a:p>
-          <a:p>
-            <a:pPr marL="457200" indent="-457200" fontAlgn="base">
-              <a:buFont typeface="+mj-lt"/>
-              <a:buAutoNum type="arabicParenR"/>
-            </a:pPr>
-            <a:r>
-              <a:rPr lang="en-US" sz="2400" b="1" dirty="0">
-                <a:solidFill>
-                  <a:srgbClr val="FF0000"/>
-                </a:solidFill>
-              </a:rPr>
-              <a:t>Minimize dependencies</a:t>
-            </a:r>
-            <a:r>
-              <a:rPr lang="en-US" sz="2400" dirty="0">
-                <a:solidFill>
-                  <a:srgbClr val="FF0000"/>
-                </a:solidFill>
-              </a:rPr>
-              <a:t> between objects when it does not disrupt usability or </a:t>
-            </a:r>
-            <a:r>
-              <a:rPr lang="en-US" sz="2400" dirty="0" err="1">
-                <a:solidFill>
-                  <a:srgbClr val="FF0000"/>
-                </a:solidFill>
-              </a:rPr>
-              <a:t>extendability</a:t>
-            </a:r>
-            <a:endParaRPr lang="en-US" sz="2400" dirty="0">
-              <a:solidFill>
-                <a:srgbClr val="FF0000"/>
-              </a:solidFill>
-            </a:endParaRPr>
-          </a:p>
-          <a:p>
-            <a:pPr marL="971550" lvl="1" indent="-514350" fontAlgn="base">
-              <a:buFont typeface="+mj-lt"/>
-              <a:buAutoNum type="alphaLcParenR"/>
-            </a:pPr>
-            <a:r>
-              <a:rPr lang="en-US" dirty="0">
-                <a:solidFill>
-                  <a:srgbClr val="FF0000"/>
-                </a:solidFill>
-              </a:rPr>
-              <a:t>Tell don't ask</a:t>
-            </a:r>
-          </a:p>
-          <a:p>
-            <a:pPr marL="971550" lvl="1" indent="-514350" fontAlgn="base">
-              <a:buFont typeface="+mj-lt"/>
-              <a:buAutoNum type="alphaLcParenR"/>
-            </a:pPr>
-            <a:r>
-              <a:rPr lang="en-US" dirty="0">
-                <a:solidFill>
-                  <a:srgbClr val="FF0000"/>
-                </a:solidFill>
-              </a:rPr>
-              <a:t>Don't have message chains</a:t>
-            </a:r>
-          </a:p>
-          <a:p>
-            <a:pPr marL="457200" indent="-457200" fontAlgn="base">
-              <a:buFont typeface="+mj-lt"/>
-              <a:buAutoNum type="arabicParenR"/>
-            </a:pPr>
-            <a:r>
-              <a:rPr lang="en-US" sz="2400" b="1" dirty="0"/>
-              <a:t>Don't duplicate</a:t>
-            </a:r>
-            <a:r>
-              <a:rPr lang="en-US" sz="2400" dirty="0"/>
-              <a:t> code</a:t>
-            </a:r>
-          </a:p>
-          <a:p>
-            <a:pPr marL="971550" lvl="1" indent="-514350" fontAlgn="base">
-              <a:buFont typeface="+mj-lt"/>
-              <a:buAutoNum type="alphaLcParenR"/>
-            </a:pPr>
-            <a:r>
-              <a:rPr lang="en-US" dirty="0"/>
-              <a:t>Similar "chunks" of code should be </a:t>
-            </a:r>
-            <a:r>
-              <a:rPr lang="en-US" b="1" dirty="0"/>
-              <a:t>unified into functions</a:t>
-            </a:r>
-            <a:endParaRPr lang="en-US" dirty="0"/>
-          </a:p>
-          <a:p>
-            <a:pPr marL="971550" lvl="1" indent="-514350" fontAlgn="base">
-              <a:buFont typeface="+mj-lt"/>
-              <a:buAutoNum type="alphaLcParenR"/>
-            </a:pPr>
-            <a:r>
-              <a:rPr lang="en-US" dirty="0"/>
-              <a:t>Classes with similar features should be given </a:t>
-            </a:r>
-            <a:r>
-              <a:rPr lang="en-US" b="1" dirty="0"/>
-              <a:t>common interfaces</a:t>
-            </a:r>
-            <a:endParaRPr lang="en-US" dirty="0"/>
-          </a:p>
-          <a:p>
-            <a:pPr marL="971550" lvl="1" indent="-514350">
-              <a:buFont typeface="+mj-lt"/>
-              <a:buAutoNum type="alphaLcParenR"/>
-            </a:pPr>
-            <a:r>
-              <a:rPr lang="en-US" dirty="0"/>
-              <a:t>Classes with similar internals should be simplified using </a:t>
-            </a:r>
-            <a:r>
-              <a:rPr lang="en-US" b="1" dirty="0"/>
-              <a:t>inheritance</a:t>
-            </a:r>
-            <a:endParaRPr lang="en-US" dirty="0"/>
-          </a:p>
-        </p:txBody>
-      </p:sp>
-    </p:spTree>
-    <p:extLst>
-      <p:ext uri="{BB962C8B-B14F-4D97-AF65-F5344CB8AC3E}">
-        <p14:creationId xmlns:p14="http://schemas.microsoft.com/office/powerpoint/2010/main" val="193360639"/>
-      </p:ext>
-    </p:extLst>
-  </p:cSld>
-  <p:clrMapOvr>
-    <a:masterClrMapping/>
-  </p:clrMapOvr>
-  <p:timing>
-    <p:tnLst>
-      <p:par>
-        <p:cTn id="1" dur="indefinite" restart="never" nodeType="tmRoot"/>
-      </p:par>
-    </p:tnLst>
-  </p:timing>
-</p:sld>
-</file>
-
-<file path=ppt/slides/slide30.xml><?xml version="1.0" encoding="utf-8"?>
-<p:sld xmlns:a="http://schemas.openxmlformats.org/drawingml/2006/main" xmlns:r="http://schemas.openxmlformats.org/officeDocument/2006/relationships" xmlns:p="http://schemas.openxmlformats.org/presentationml/2006/main">
-  <p:cSld>
-    <p:spTree>
-      <p:nvGrpSpPr>
-        <p:cNvPr id="1" name=""/>
-        <p:cNvGrpSpPr/>
-        <p:nvPr/>
-      </p:nvGrpSpPr>
-      <p:grpSpPr>
-        <a:xfrm>
-          <a:off x="0" y="0"/>
-          <a:ext cx="0" cy="0"/>
-          <a:chOff x="0" y="0"/>
-          <a:chExt cx="0" cy="0"/>
-        </a:xfrm>
-      </p:grpSpPr>
-      <p:sp>
-        <p:nvSpPr>
-          <p:cNvPr id="2" name="Title 1"/>
-          <p:cNvSpPr>
-            <a:spLocks noGrp="1"/>
-          </p:cNvSpPr>
-          <p:nvPr>
-            <p:ph type="title"/>
-          </p:nvPr>
-        </p:nvSpPr>
-        <p:spPr>
-          <a:xfrm>
             <a:off x="304800" y="76200"/>
             <a:ext cx="8229600" cy="1143000"/>
           </a:xfrm>
         </p:spPr>
         <p:txBody>
           <a:bodyPr>
-            <a:normAutofit fontScale="90000"/>
+            <a:normAutofit/>
           </a:bodyPr>
           <a:lstStyle/>
           <a:p>
-            <a:r>
-              <a:rPr lang="en-US" dirty="0"/>
-              <a:t>Solar System Problem</a:t>
-            </a:r>
-            <a:br>
-              <a:rPr lang="en-US" dirty="0"/>
-            </a:br>
             <a:r>
               <a:rPr lang="en-US" dirty="0"/>
               <a:t>In-Class Quiz Questions #4 &amp; #5</a:t>
@@ -18438,7 +18387,7 @@
         </p:spPr>
         <p:txBody>
           <a:bodyPr>
-            <a:normAutofit/>
+            <a:normAutofit fontScale="92500"/>
           </a:bodyPr>
           <a:lstStyle/>
           <a:p>
@@ -18446,8 +18395,12 @@
               <a:buNone/>
             </a:pPr>
             <a:r>
+              <a:rPr lang="en-US" sz="2400" b="1" dirty="0"/>
+              <a:t>Solar System Problem: </a:t>
+            </a:r>
+            <a:r>
               <a:rPr lang="en-US" sz="2400" dirty="0"/>
-              <a:t>A java program draws a minute by minute updated diagram of the solar system including all planets and moons.  To update the moon's position, the moon's calculations must have the updated position of the planet it is orbiting.  The diagram is colored - all planets are drawn the same color and all moons are drawn the same color.  However, it needs to be possible to reset the planet color or the moon color and the diagram should reflect that.</a:t>
+              <a:t>A java program draws a minute-by-minute updated diagram of the solar system including all planets and moons.  To update the moon's position, the moon's calculations must have the updated position of the planet it is orbiting.  The diagram is colored - all planets are drawn the same color and all moons are drawn the same color.  However, it needs to be possible to reset the planet color or the moon color and the diagram should reflect that.</a:t>
             </a:r>
           </a:p>
         </p:txBody>
@@ -18505,17 +18458,10 @@
   <p:clrMapOvr>
     <a:masterClrMapping/>
   </p:clrMapOvr>
-  <p:timing>
-    <p:tnLst>
-      <p:par>
-        <p:cTn id="1" dur="indefinite" restart="never" nodeType="tmRoot"/>
-      </p:par>
-    </p:tnLst>
-  </p:timing>
 </p:sld>
 </file>
 
-<file path=ppt/slides/slide31.xml><?xml version="1.0" encoding="utf-8"?>
+<file path=ppt/slides/slide32.xml><?xml version="1.0" encoding="utf-8"?>
 <p:sld xmlns:a="http://schemas.openxmlformats.org/drawingml/2006/main" xmlns:r="http://schemas.openxmlformats.org/officeDocument/2006/relationships" xmlns:p="http://schemas.openxmlformats.org/presentationml/2006/main">
   <p:cSld>
     <p:spTree>
@@ -18644,13 +18590,8 @@
           <a:p>
             <a:r>
               <a:rPr lang="en-US" b="1" dirty="0"/>
-              <a:t>PAUSE THIS </a:t>
-            </a:r>
-            <a:r>
-              <a:rPr lang="en-US" b="1" dirty="0" smtClean="0"/>
-              <a:t>VIDEO HERE for a couple minutes!</a:t>
-            </a:r>
-            <a:endParaRPr lang="en-US" b="1" dirty="0"/>
+              <a:t>PAUSE THIS VIDEO HERE for a couple minutes!</a:t>
+            </a:r>
           </a:p>
           <a:p>
             <a:r>
@@ -18803,7 +18744,7 @@
 </p:sld>
 </file>
 
-<file path=ppt/slides/slide32.xml><?xml version="1.0" encoding="utf-8"?>
+<file path=ppt/slides/slide33.xml><?xml version="1.0" encoding="utf-8"?>
 <p:sld xmlns:a="http://schemas.openxmlformats.org/drawingml/2006/main" xmlns:r="http://schemas.openxmlformats.org/officeDocument/2006/relationships" xmlns:p="http://schemas.openxmlformats.org/presentationml/2006/main">
   <p:cSld>
     <p:spTree>
@@ -18838,12 +18779,12 @@
         </p:spPr>
         <p:txBody>
           <a:bodyPr>
-            <a:normAutofit lnSpcReduction="10000"/>
+            <a:normAutofit fontScale="92500"/>
           </a:bodyPr>
           <a:lstStyle/>
           <a:p>
             <a:r>
-              <a:rPr lang="en-US" dirty="0"/>
+              <a:rPr lang="en-US"/>
               <a:t>What is wrong here?</a:t>
             </a:r>
           </a:p>
@@ -18852,15 +18793,15 @@
               <a:buNone/>
             </a:pPr>
             <a:r>
-              <a:rPr lang="en-US" dirty="0"/>
-              <a:t>4b. </a:t>
-            </a:r>
-            <a:r>
-              <a:rPr lang="en-US" dirty="0" err="1"/>
+              <a:rPr lang="en-US"/>
+              <a:t>Violates 4b. There is a </a:t>
+            </a:r>
+            <a:r>
+              <a:rPr lang="en-US" err="1"/>
               <a:t>methodChain</a:t>
             </a:r>
             <a:r>
-              <a:rPr lang="en-US" dirty="0"/>
+              <a:rPr lang="en-US"/>
               <a:t> to update moon</a:t>
             </a:r>
           </a:p>
@@ -18868,18 +18809,18 @@
             <a:pPr marL="0" indent="0">
               <a:buNone/>
             </a:pPr>
-            <a:endParaRPr lang="en-US" dirty="0"/>
+            <a:endParaRPr lang="en-US"/>
           </a:p>
           <a:p>
             <a:pPr marL="0" indent="0">
               <a:buNone/>
             </a:pPr>
             <a:r>
-              <a:rPr lang="en-US" dirty="0"/>
+              <a:rPr lang="en-US"/>
               <a:t> </a:t>
             </a:r>
             <a:r>
-              <a:rPr lang="en-US" sz="2000" dirty="0" err="1">
+              <a:rPr lang="en-US" sz="2000" err="1">
                 <a:highlight>
                   <a:srgbClr val="FFFF00"/>
                 </a:highlight>
@@ -18888,7 +18829,7 @@
               <a:t>ss.getPlanets</a:t>
             </a:r>
             <a:r>
-              <a:rPr lang="en-US" sz="2000" dirty="0">
+              <a:rPr lang="en-US" sz="2000">
                 <a:highlight>
                   <a:srgbClr val="FFFF00"/>
                 </a:highlight>
@@ -18897,7 +18838,7 @@
               <a:t>().get(0).</a:t>
             </a:r>
             <a:r>
-              <a:rPr lang="en-US" sz="2000" dirty="0" err="1">
+              <a:rPr lang="en-US" sz="2000" err="1">
                 <a:highlight>
                   <a:srgbClr val="FFFF00"/>
                 </a:highlight>
@@ -18906,7 +18847,7 @@
               <a:t>getMoons</a:t>
             </a:r>
             <a:r>
-              <a:rPr lang="en-US" sz="2000" dirty="0">
+              <a:rPr lang="en-US" sz="2000">
                 <a:highlight>
                   <a:srgbClr val="FFFF00"/>
                 </a:highlight>
@@ -18915,7 +18856,7 @@
               <a:t>().get(0).</a:t>
             </a:r>
             <a:r>
-              <a:rPr lang="en-US" sz="2000" dirty="0" err="1">
+              <a:rPr lang="en-US" sz="2000" err="1">
                 <a:highlight>
                   <a:srgbClr val="FFFF00"/>
                 </a:highlight>
@@ -18924,7 +18865,7 @@
               <a:t>setColor</a:t>
             </a:r>
             <a:r>
-              <a:rPr lang="en-US" sz="2000" dirty="0">
+              <a:rPr lang="en-US" sz="2000">
                 <a:highlight>
                   <a:srgbClr val="FFFF00"/>
                 </a:highlight>
@@ -19355,7 +19296,7 @@
         <p:spPr>
           <a:xfrm>
             <a:off x="2065360" y="5982114"/>
-            <a:ext cx="4708479" cy="790701"/>
+            <a:ext cx="5402240" cy="790701"/>
           </a:xfrm>
           <a:prstGeom prst="roundRect">
             <a:avLst/>
@@ -19382,46 +19323,30 @@
           <a:lstStyle/>
           <a:p>
             <a:r>
-              <a:rPr lang="en-US" b="1" dirty="0"/>
-              <a:t>PAUSE THIS </a:t>
-            </a:r>
-            <a:r>
-              <a:rPr lang="en-US" b="1" dirty="0" smtClean="0"/>
-              <a:t>VIDEO HERE for 5-10 minutes!</a:t>
-            </a:r>
-            <a:endParaRPr lang="en-US" b="1" dirty="0"/>
-          </a:p>
-          <a:p>
-            <a:r>
-              <a:rPr lang="en-US" dirty="0"/>
-              <a:t>Try to </a:t>
-            </a:r>
-            <a:r>
-              <a:rPr lang="en-US" dirty="0" smtClean="0"/>
-              <a:t>make your own improved design </a:t>
-            </a:r>
-          </a:p>
-          <a:p>
-            <a:r>
-              <a:rPr lang="en-US" dirty="0" smtClean="0"/>
+              <a:rPr lang="en-US"/>
+              <a:t>Make your own improved design </a:t>
+            </a:r>
+          </a:p>
+          <a:p>
+            <a:r>
+              <a:rPr lang="en-US"/>
               <a:t>Using </a:t>
             </a:r>
             <a:r>
-              <a:rPr lang="en-US" dirty="0" err="1" smtClean="0"/>
+              <a:rPr lang="en-US" err="1"/>
               <a:t>plantuml</a:t>
             </a:r>
             <a:r>
-              <a:rPr lang="en-US" dirty="0" smtClean="0"/>
+              <a:rPr lang="en-US"/>
               <a:t> is good practice!</a:t>
             </a:r>
-            <a:endParaRPr lang="en-US" dirty="0"/>
           </a:p>
         </p:txBody>
       </p:sp>
     </p:spTree>
     <p:extLst>
       <p:ext uri="{BB962C8B-B14F-4D97-AF65-F5344CB8AC3E}">
-        <p14:creationId xmlns:p14="http://schemas.microsoft.com/office/powerpoint/2010/main" val="3900848430"/>
+        <p14:creationId xmlns:p14="http://schemas.microsoft.com/office/powerpoint/2010/main" val="2207622808"/>
       </p:ext>
     </p:extLst>
   </p:cSld>
@@ -19555,7 +19480,7 @@
 </p:sld>
 </file>
 
-<file path=ppt/slides/slide33.xml><?xml version="1.0" encoding="utf-8"?>
+<file path=ppt/slides/slide34.xml><?xml version="1.0" encoding="utf-8"?>
 <p:sld xmlns:a="http://schemas.openxmlformats.org/drawingml/2006/main" xmlns:r="http://schemas.openxmlformats.org/officeDocument/2006/relationships" xmlns:p="http://schemas.openxmlformats.org/presentationml/2006/main">
   <p:cSld>
     <p:spTree>
@@ -19647,17 +19572,10 @@
   <p:clrMapOvr>
     <a:masterClrMapping/>
   </p:clrMapOvr>
-  <p:timing>
-    <p:tnLst>
-      <p:par>
-        <p:cTn id="1" dur="indefinite" restart="never" nodeType="tmRoot"/>
-      </p:par>
-    </p:tnLst>
-  </p:timing>
 </p:sld>
 </file>
 
-<file path=ppt/slides/slide34.xml><?xml version="1.0" encoding="utf-8"?>
+<file path=ppt/slides/slide35.xml><?xml version="1.0" encoding="utf-8"?>
 <p:sld xmlns:a="http://schemas.openxmlformats.org/drawingml/2006/main" xmlns:r="http://schemas.openxmlformats.org/officeDocument/2006/relationships" xmlns:p="http://schemas.openxmlformats.org/presentationml/2006/main">
   <p:cSld>
     <p:spTree>
@@ -19762,17 +19680,10 @@
   <p:clrMapOvr>
     <a:masterClrMapping/>
   </p:clrMapOvr>
-  <p:timing>
-    <p:tnLst>
-      <p:par>
-        <p:cTn id="1" dur="indefinite" restart="never" nodeType="tmRoot"/>
-      </p:par>
-    </p:tnLst>
-  </p:timing>
 </p:sld>
 </file>
 
-<file path=ppt/slides/slide35.xml><?xml version="1.0" encoding="utf-8"?>
+<file path=ppt/slides/slide36.xml><?xml version="1.0" encoding="utf-8"?>
 <p:sld xmlns:a="http://schemas.openxmlformats.org/drawingml/2006/main" xmlns:r="http://schemas.openxmlformats.org/officeDocument/2006/relationships" xmlns:p="http://schemas.openxmlformats.org/presentationml/2006/main">
   <p:cSld>
     <p:spTree>
@@ -19808,14 +19719,10 @@
           <a:p>
             <a:r>
               <a:rPr lang="en-US" dirty="0"/>
-              <a:t>Today’s </a:t>
-            </a:r>
-            <a:r>
-              <a:rPr lang="en-US" dirty="0" smtClean="0"/>
-              <a:t>topic – </a:t>
-            </a:r>
-            <a:r>
-              <a:rPr lang="en-US" b="1" i="1" dirty="0" smtClean="0"/>
+              <a:t>Today’s topic – </a:t>
+            </a:r>
+            <a:r>
+              <a:rPr lang="en-US" b="1" i="1" dirty="0"/>
               <a:t>Coupling and Cohesion</a:t>
             </a:r>
             <a:endParaRPr lang="en-US" dirty="0"/>
@@ -19977,136 +19884,6 @@
   <p:clrMapOvr>
     <a:masterClrMapping/>
   </p:clrMapOvr>
-  <p:timing>
-    <p:tnLst>
-      <p:par>
-        <p:cTn id="1" dur="indefinite" restart="never" nodeType="tmRoot"/>
-      </p:par>
-    </p:tnLst>
-  </p:timing>
-</p:sld>
-</file>
-
-<file path=ppt/slides/slide36.xml><?xml version="1.0" encoding="utf-8"?>
-<p:sld xmlns:a="http://schemas.openxmlformats.org/drawingml/2006/main" xmlns:r="http://schemas.openxmlformats.org/officeDocument/2006/relationships" xmlns:p="http://schemas.openxmlformats.org/presentationml/2006/main">
-  <p:cSld>
-    <p:spTree>
-      <p:nvGrpSpPr>
-        <p:cNvPr id="1" name=""/>
-        <p:cNvGrpSpPr/>
-        <p:nvPr/>
-      </p:nvGrpSpPr>
-      <p:grpSpPr>
-        <a:xfrm>
-          <a:off x="0" y="0"/>
-          <a:ext cx="0" cy="0"/>
-          <a:chOff x="0" y="0"/>
-          <a:chExt cx="0" cy="0"/>
-        </a:xfrm>
-      </p:grpSpPr>
-      <p:sp>
-        <p:nvSpPr>
-          <p:cNvPr id="2" name="Title 1"/>
-          <p:cNvSpPr>
-            <a:spLocks noGrp="1"/>
-          </p:cNvSpPr>
-          <p:nvPr>
-            <p:ph type="title"/>
-          </p:nvPr>
-        </p:nvSpPr>
-        <p:spPr/>
-        <p:txBody>
-          <a:bodyPr/>
-          <a:lstStyle/>
-          <a:p>
-            <a:r>
-              <a:rPr lang="en-US" dirty="0" smtClean="0"/>
-              <a:t>Object Oriented Design Terms:</a:t>
-            </a:r>
-            <a:endParaRPr lang="en-US" dirty="0"/>
-          </a:p>
-        </p:txBody>
-      </p:sp>
-      <p:sp>
-        <p:nvSpPr>
-          <p:cNvPr id="3" name="Content Placeholder 2"/>
-          <p:cNvSpPr>
-            <a:spLocks noGrp="1"/>
-          </p:cNvSpPr>
-          <p:nvPr>
-            <p:ph idx="1"/>
-          </p:nvPr>
-        </p:nvSpPr>
-        <p:spPr>
-          <a:xfrm>
-            <a:off x="304800" y="1600200"/>
-            <a:ext cx="8382000" cy="4525963"/>
-          </a:xfrm>
-        </p:spPr>
-        <p:txBody>
-          <a:bodyPr/>
-          <a:lstStyle/>
-          <a:p>
-            <a:r>
-              <a:rPr lang="en-US" dirty="0" smtClean="0"/>
-              <a:t>3 </a:t>
-            </a:r>
-            <a:r>
-              <a:rPr lang="en-US" dirty="0"/>
-              <a:t>essential </a:t>
-            </a:r>
-            <a:r>
-              <a:rPr lang="en-US" dirty="0" smtClean="0"/>
-              <a:t>terms</a:t>
-            </a:r>
-            <a:endParaRPr lang="en-US" dirty="0"/>
-          </a:p>
-          <a:p>
-            <a:pPr lvl="1"/>
-            <a:r>
-              <a:rPr lang="en-US" dirty="0"/>
-              <a:t>Encapsulation  (done- </a:t>
-            </a:r>
-            <a:r>
-              <a:rPr lang="en-US" dirty="0" smtClean="0"/>
-              <a:t>previously covered)</a:t>
-            </a:r>
-            <a:endParaRPr lang="en-US" dirty="0"/>
-          </a:p>
-          <a:p>
-            <a:pPr lvl="1"/>
-            <a:r>
-              <a:rPr lang="en-US" dirty="0"/>
-              <a:t>Coupling</a:t>
-            </a:r>
-          </a:p>
-          <a:p>
-            <a:pPr lvl="1"/>
-            <a:r>
-              <a:rPr lang="en-US" dirty="0" smtClean="0"/>
-              <a:t>Cohesion</a:t>
-            </a:r>
-            <a:endParaRPr lang="en-US" dirty="0"/>
-          </a:p>
-        </p:txBody>
-      </p:sp>
-    </p:spTree>
-    <p:extLst>
-      <p:ext uri="{BB962C8B-B14F-4D97-AF65-F5344CB8AC3E}">
-        <p14:creationId xmlns:p14="http://schemas.microsoft.com/office/powerpoint/2010/main" val="475844562"/>
-      </p:ext>
-    </p:extLst>
-  </p:cSld>
-  <p:clrMapOvr>
-    <a:masterClrMapping/>
-  </p:clrMapOvr>
-  <p:timing>
-    <p:tnLst>
-      <p:par>
-        <p:cTn id="1" dur="indefinite" restart="never" nodeType="tmRoot"/>
-      </p:par>
-    </p:tnLst>
-  </p:timing>
 </p:sld>
 </file>
 
@@ -20144,6 +19921,106 @@
           <a:p>
             <a:r>
               <a:rPr lang="en-US" dirty="0"/>
+              <a:t>Object Oriented Design Terms:</a:t>
+            </a:r>
+          </a:p>
+        </p:txBody>
+      </p:sp>
+      <p:sp>
+        <p:nvSpPr>
+          <p:cNvPr id="3" name="Content Placeholder 2"/>
+          <p:cNvSpPr>
+            <a:spLocks noGrp="1"/>
+          </p:cNvSpPr>
+          <p:nvPr>
+            <p:ph idx="1"/>
+          </p:nvPr>
+        </p:nvSpPr>
+        <p:spPr>
+          <a:xfrm>
+            <a:off x="304800" y="1600200"/>
+            <a:ext cx="8382000" cy="4525963"/>
+          </a:xfrm>
+        </p:spPr>
+        <p:txBody>
+          <a:bodyPr/>
+          <a:lstStyle/>
+          <a:p>
+            <a:r>
+              <a:rPr lang="en-US" dirty="0"/>
+              <a:t>3 essential terms</a:t>
+            </a:r>
+          </a:p>
+          <a:p>
+            <a:pPr lvl="1"/>
+            <a:r>
+              <a:rPr lang="en-US" dirty="0"/>
+              <a:t>Encapsulation  (done- previously covered)</a:t>
+            </a:r>
+          </a:p>
+          <a:p>
+            <a:pPr lvl="1"/>
+            <a:r>
+              <a:rPr lang="en-US" dirty="0"/>
+              <a:t>Coupling</a:t>
+            </a:r>
+          </a:p>
+          <a:p>
+            <a:pPr lvl="1"/>
+            <a:r>
+              <a:rPr lang="en-US" dirty="0"/>
+              <a:t>Cohesion</a:t>
+            </a:r>
+          </a:p>
+        </p:txBody>
+      </p:sp>
+    </p:spTree>
+    <p:extLst>
+      <p:ext uri="{BB962C8B-B14F-4D97-AF65-F5344CB8AC3E}">
+        <p14:creationId xmlns:p14="http://schemas.microsoft.com/office/powerpoint/2010/main" val="475844562"/>
+      </p:ext>
+    </p:extLst>
+  </p:cSld>
+  <p:clrMapOvr>
+    <a:masterClrMapping/>
+  </p:clrMapOvr>
+</p:sld>
+</file>
+
+<file path=ppt/slides/slide38.xml><?xml version="1.0" encoding="utf-8"?>
+<p:sld xmlns:a="http://schemas.openxmlformats.org/drawingml/2006/main" xmlns:r="http://schemas.openxmlformats.org/officeDocument/2006/relationships" xmlns:p="http://schemas.openxmlformats.org/presentationml/2006/main">
+  <p:cSld>
+    <p:spTree>
+      <p:nvGrpSpPr>
+        <p:cNvPr id="1" name=""/>
+        <p:cNvGrpSpPr/>
+        <p:nvPr/>
+      </p:nvGrpSpPr>
+      <p:grpSpPr>
+        <a:xfrm>
+          <a:off x="0" y="0"/>
+          <a:ext cx="0" cy="0"/>
+          <a:chOff x="0" y="0"/>
+          <a:chExt cx="0" cy="0"/>
+        </a:xfrm>
+      </p:grpSpPr>
+      <p:sp>
+        <p:nvSpPr>
+          <p:cNvPr id="2" name="Title 1"/>
+          <p:cNvSpPr>
+            <a:spLocks noGrp="1"/>
+          </p:cNvSpPr>
+          <p:nvPr>
+            <p:ph type="title"/>
+          </p:nvPr>
+        </p:nvSpPr>
+        <p:spPr/>
+        <p:txBody>
+          <a:bodyPr/>
+          <a:lstStyle/>
+          <a:p>
+            <a:r>
+              <a:rPr lang="en-US" dirty="0"/>
               <a:t>Coupling and Cohesion</a:t>
             </a:r>
           </a:p>
@@ -20354,17 +20231,10 @@
   <p:clrMapOvr>
     <a:masterClrMapping/>
   </p:clrMapOvr>
-  <p:timing>
-    <p:tnLst>
-      <p:par>
-        <p:cTn id="1" dur="indefinite" restart="never" nodeType="tmRoot"/>
-      </p:par>
-    </p:tnLst>
-  </p:timing>
 </p:sld>
 </file>
 
-<file path=ppt/slides/slide38.xml><?xml version="1.0" encoding="utf-8"?>
+<file path=ppt/slides/slide39.xml><?xml version="1.0" encoding="utf-8"?>
 <p:sld xmlns:a="http://schemas.openxmlformats.org/drawingml/2006/main" xmlns:r="http://schemas.openxmlformats.org/officeDocument/2006/relationships" xmlns:p="http://schemas.openxmlformats.org/presentationml/2006/main">
   <p:cSld>
     <p:spTree>
@@ -20811,17 +20681,233 @@
   <p:clrMapOvr>
     <a:masterClrMapping/>
   </p:clrMapOvr>
-  <p:timing>
-    <p:tnLst>
-      <p:par>
-        <p:cTn id="1" dur="indefinite" restart="never" nodeType="tmRoot"/>
-      </p:par>
-    </p:tnLst>
-  </p:timing>
 </p:sld>
 </file>
 
-<file path=ppt/slides/slide39.xml><?xml version="1.0" encoding="utf-8"?>
+<file path=ppt/slides/slide4.xml><?xml version="1.0" encoding="utf-8"?>
+<p:sld xmlns:a="http://schemas.openxmlformats.org/drawingml/2006/main" xmlns:r="http://schemas.openxmlformats.org/officeDocument/2006/relationships" xmlns:p="http://schemas.openxmlformats.org/presentationml/2006/main">
+  <p:cSld>
+    <p:spTree>
+      <p:nvGrpSpPr>
+        <p:cNvPr id="1" name=""/>
+        <p:cNvGrpSpPr/>
+        <p:nvPr/>
+      </p:nvGrpSpPr>
+      <p:grpSpPr>
+        <a:xfrm>
+          <a:off x="0" y="0"/>
+          <a:ext cx="0" cy="0"/>
+          <a:chOff x="0" y="0"/>
+          <a:chExt cx="0" cy="0"/>
+        </a:xfrm>
+      </p:grpSpPr>
+      <p:sp>
+        <p:nvSpPr>
+          <p:cNvPr id="5" name="Rectangle 4"/>
+          <p:cNvSpPr/>
+          <p:nvPr/>
+        </p:nvSpPr>
+        <p:spPr>
+          <a:xfrm>
+            <a:off x="76200" y="152400"/>
+            <a:ext cx="8839200" cy="2308324"/>
+          </a:xfrm>
+          <a:prstGeom prst="rect">
+            <a:avLst/>
+          </a:prstGeom>
+        </p:spPr>
+        <p:txBody>
+          <a:bodyPr wrap="square">
+            <a:spAutoFit/>
+          </a:bodyPr>
+          <a:lstStyle/>
+          <a:p>
+            <a:r>
+              <a:rPr lang="en-US" b="1" dirty="0">
+                <a:solidFill>
+                  <a:srgbClr val="000000"/>
+                </a:solidFill>
+                <a:latin typeface="Arial" panose="020B0604020202020204" pitchFamily="34" charset="0"/>
+              </a:rPr>
+              <a:t>Employee Hour Tracker Problem</a:t>
+            </a:r>
+            <a:r>
+              <a:rPr lang="en-US" dirty="0">
+                <a:solidFill>
+                  <a:srgbClr val="000000"/>
+                </a:solidFill>
+                <a:latin typeface="Arial" panose="020B0604020202020204" pitchFamily="34" charset="0"/>
+              </a:rPr>
+              <a:t>: A system tracks employee hours at a particular company.  Every time any employee starts work and stops work, the system must log it so the employee can be paid correctly and so management knows who was working when.  The system must also print out a weekly pay report for each employee which includes total hours, the employee's name, social security number, and employee id.</a:t>
+            </a:r>
+            <a:endParaRPr lang="en-US" dirty="0"/>
+          </a:p>
+          <a:p>
+            <a:br>
+              <a:rPr lang="en-US" dirty="0"/>
+            </a:br>
+            <a:endParaRPr lang="en-US" dirty="0"/>
+          </a:p>
+        </p:txBody>
+      </p:sp>
+      <p:pic>
+        <p:nvPicPr>
+          <p:cNvPr id="1028" name="Picture 4" descr="https://lh6.googleusercontent.com/I386rjyYmFDd_Ln3ujOTcIgnlVxeH-rcie-CGlD1glhMmS0MDbjaT8HkyidiqwQ58i2uJm3QXFrnQK3A22_U6tE23ErPwclKKyfNyeMwjR-kLOV7yGW7YBn8DxD21xrF2IBk1vAo">
+            <a:hlinkClick r:id="rId2"/>
+          </p:cNvPr>
+          <p:cNvPicPr>
+            <a:picLocks noChangeAspect="1" noChangeArrowheads="1"/>
+          </p:cNvPicPr>
+          <p:nvPr/>
+        </p:nvPicPr>
+        <p:blipFill>
+          <a:blip r:embed="rId3">
+            <a:extLst>
+              <a:ext uri="{28A0092B-C50C-407E-A947-70E740481C1C}">
+                <a14:useLocalDpi xmlns:a14="http://schemas.microsoft.com/office/drawing/2010/main" val="0"/>
+              </a:ext>
+            </a:extLst>
+          </a:blip>
+          <a:srcRect/>
+          <a:stretch>
+            <a:fillRect/>
+          </a:stretch>
+        </p:blipFill>
+        <p:spPr bwMode="auto">
+          <a:xfrm>
+            <a:off x="228600" y="1981200"/>
+            <a:ext cx="8305800" cy="1876793"/>
+          </a:xfrm>
+          <a:prstGeom prst="rect">
+            <a:avLst/>
+          </a:prstGeom>
+          <a:noFill/>
+          <a:extLst>
+            <a:ext uri="{909E8E84-426E-40DD-AFC4-6F175D3DCCD1}">
+              <a14:hiddenFill xmlns:a14="http://schemas.microsoft.com/office/drawing/2010/main">
+                <a:solidFill>
+                  <a:srgbClr val="FFFFFF"/>
+                </a:solidFill>
+              </a14:hiddenFill>
+            </a:ext>
+          </a:extLst>
+        </p:spPr>
+      </p:pic>
+      <p:pic>
+        <p:nvPicPr>
+          <p:cNvPr id="1032" name="Picture 8" descr="https://lh5.googleusercontent.com/FnI619sPRC6cODebnhDmq3aB3FmsphAKH4jOVgyoZTsMudHgQ_NG-yTnPJicwH-dv7k0nr0h1_qyYaacZGwRWVtY5qyw5wcQ5jx_MkvhRnHPPHMivCbjqIFs2kuifWVpRG-5-uLh">
+            <a:hlinkClick r:id="rId4"/>
+          </p:cNvPr>
+          <p:cNvPicPr>
+            <a:picLocks noChangeAspect="1" noChangeArrowheads="1"/>
+          </p:cNvPicPr>
+          <p:nvPr/>
+        </p:nvPicPr>
+        <p:blipFill>
+          <a:blip r:embed="rId5">
+            <a:extLst>
+              <a:ext uri="{28A0092B-C50C-407E-A947-70E740481C1C}">
+                <a14:useLocalDpi xmlns:a14="http://schemas.microsoft.com/office/drawing/2010/main" val="0"/>
+              </a:ext>
+            </a:extLst>
+          </a:blip>
+          <a:srcRect/>
+          <a:stretch>
+            <a:fillRect/>
+          </a:stretch>
+        </p:blipFill>
+        <p:spPr bwMode="auto">
+          <a:xfrm>
+            <a:off x="228600" y="4210260"/>
+            <a:ext cx="8327751" cy="2362200"/>
+          </a:xfrm>
+          <a:prstGeom prst="rect">
+            <a:avLst/>
+          </a:prstGeom>
+          <a:noFill/>
+          <a:extLst>
+            <a:ext uri="{909E8E84-426E-40DD-AFC4-6F175D3DCCD1}">
+              <a14:hiddenFill xmlns:a14="http://schemas.microsoft.com/office/drawing/2010/main">
+                <a:solidFill>
+                  <a:srgbClr val="FFFFFF"/>
+                </a:solidFill>
+              </a14:hiddenFill>
+            </a:ext>
+          </a:extLst>
+        </p:spPr>
+      </p:pic>
+      <p:sp>
+        <p:nvSpPr>
+          <p:cNvPr id="6" name="TextBox 5"/>
+          <p:cNvSpPr txBox="1"/>
+          <p:nvPr/>
+        </p:nvSpPr>
+        <p:spPr>
+          <a:xfrm>
+            <a:off x="228600" y="1798128"/>
+            <a:ext cx="2826415" cy="369332"/>
+          </a:xfrm>
+          <a:prstGeom prst="rect">
+            <a:avLst/>
+          </a:prstGeom>
+          <a:noFill/>
+        </p:spPr>
+        <p:txBody>
+          <a:bodyPr wrap="none" rtlCol="0">
+            <a:spAutoFit/>
+          </a:bodyPr>
+          <a:lstStyle/>
+          <a:p>
+            <a:r>
+              <a:rPr lang="en-US" b="1"/>
+              <a:t>Less Dependencies Solution</a:t>
+            </a:r>
+          </a:p>
+        </p:txBody>
+      </p:sp>
+      <p:sp>
+        <p:nvSpPr>
+          <p:cNvPr id="11" name="TextBox 10"/>
+          <p:cNvSpPr txBox="1"/>
+          <p:nvPr/>
+        </p:nvSpPr>
+        <p:spPr>
+          <a:xfrm>
+            <a:off x="234696" y="4087309"/>
+            <a:ext cx="2950488" cy="369332"/>
+          </a:xfrm>
+          <a:prstGeom prst="rect">
+            <a:avLst/>
+          </a:prstGeom>
+          <a:noFill/>
+        </p:spPr>
+        <p:txBody>
+          <a:bodyPr wrap="none" rtlCol="0">
+            <a:spAutoFit/>
+          </a:bodyPr>
+          <a:lstStyle/>
+          <a:p>
+            <a:r>
+              <a:rPr lang="en-US" b="1"/>
+              <a:t>More Dependencies Solution</a:t>
+            </a:r>
+          </a:p>
+        </p:txBody>
+      </p:sp>
+    </p:spTree>
+    <p:extLst>
+      <p:ext uri="{BB962C8B-B14F-4D97-AF65-F5344CB8AC3E}">
+        <p14:creationId xmlns:p14="http://schemas.microsoft.com/office/powerpoint/2010/main" val="1528258860"/>
+      </p:ext>
+    </p:extLst>
+  </p:cSld>
+  <p:clrMapOvr>
+    <a:masterClrMapping/>
+  </p:clrMapOvr>
+</p:sld>
+</file>
+
+<file path=ppt/slides/slide40.xml><?xml version="1.0" encoding="utf-8"?>
 <p:sld xmlns:a="http://schemas.openxmlformats.org/drawingml/2006/main" xmlns:r="http://schemas.openxmlformats.org/officeDocument/2006/relationships" xmlns:p="http://schemas.openxmlformats.org/presentationml/2006/main">
   <p:cSld>
     <p:spTree>
@@ -21451,17 +21537,10 @@
   <p:clrMapOvr>
     <a:masterClrMapping/>
   </p:clrMapOvr>
-  <p:timing>
-    <p:tnLst>
-      <p:par>
-        <p:cTn id="1" dur="indefinite" restart="never" nodeType="tmRoot"/>
-      </p:par>
-    </p:tnLst>
-  </p:timing>
 </p:sld>
 </file>
 
-<file path=ppt/slides/slide4.xml><?xml version="1.0" encoding="utf-8"?>
+<file path=ppt/slides/slide41.xml><?xml version="1.0" encoding="utf-8"?>
 <p:sld xmlns:a="http://schemas.openxmlformats.org/drawingml/2006/main" xmlns:r="http://schemas.openxmlformats.org/officeDocument/2006/relationships" xmlns:p="http://schemas.openxmlformats.org/presentationml/2006/main">
   <p:cSld>
     <p:spTree>
@@ -21480,231 +21559,6 @@
       </p:grpSpPr>
       <p:sp>
         <p:nvSpPr>
-          <p:cNvPr id="5" name="Rectangle 4"/>
-          <p:cNvSpPr/>
-          <p:nvPr/>
-        </p:nvSpPr>
-        <p:spPr>
-          <a:xfrm>
-            <a:off x="76200" y="152400"/>
-            <a:ext cx="8839200" cy="2031325"/>
-          </a:xfrm>
-          <a:prstGeom prst="rect">
-            <a:avLst/>
-          </a:prstGeom>
-        </p:spPr>
-        <p:txBody>
-          <a:bodyPr wrap="square">
-            <a:spAutoFit/>
-          </a:bodyPr>
-          <a:lstStyle/>
-          <a:p>
-            <a:r>
-              <a:rPr lang="en-US" dirty="0">
-                <a:solidFill>
-                  <a:srgbClr val="000000"/>
-                </a:solidFill>
-                <a:latin typeface="Arial" panose="020B0604020202020204" pitchFamily="34" charset="0"/>
-              </a:rPr>
-              <a:t>A system tracks employee hours at a particular company.  Every time any employee starts work and stops work, the system must log it so the employee can be paid correctly and so management knows who was working when.  The system must also print out a weekly pay report for each employee which includes total hours, the employee's name, social security number, and employee id.</a:t>
-            </a:r>
-            <a:endParaRPr lang="en-US" dirty="0"/>
-          </a:p>
-          <a:p>
-            <a:r>
-              <a:rPr lang="en-US" dirty="0"/>
-              <a:t/>
-            </a:r>
-            <a:br>
-              <a:rPr lang="en-US" dirty="0"/>
-            </a:br>
-            <a:endParaRPr lang="en-US" dirty="0"/>
-          </a:p>
-        </p:txBody>
-      </p:sp>
-      <p:pic>
-        <p:nvPicPr>
-          <p:cNvPr id="1028" name="Picture 4" descr="https://lh6.googleusercontent.com/I386rjyYmFDd_Ln3ujOTcIgnlVxeH-rcie-CGlD1glhMmS0MDbjaT8HkyidiqwQ58i2uJm3QXFrnQK3A22_U6tE23ErPwclKKyfNyeMwjR-kLOV7yGW7YBn8DxD21xrF2IBk1vAo">
-            <a:hlinkClick r:id="rId2"/>
-          </p:cNvPr>
-          <p:cNvPicPr>
-            <a:picLocks noChangeAspect="1" noChangeArrowheads="1"/>
-          </p:cNvPicPr>
-          <p:nvPr/>
-        </p:nvPicPr>
-        <p:blipFill>
-          <a:blip r:embed="rId3">
-            <a:extLst>
-              <a:ext uri="{28A0092B-C50C-407E-A947-70E740481C1C}">
-                <a14:useLocalDpi xmlns:a14="http://schemas.microsoft.com/office/drawing/2010/main" val="0"/>
-              </a:ext>
-            </a:extLst>
-          </a:blip>
-          <a:srcRect/>
-          <a:stretch>
-            <a:fillRect/>
-          </a:stretch>
-        </p:blipFill>
-        <p:spPr bwMode="auto">
-          <a:xfrm>
-            <a:off x="228600" y="1981200"/>
-            <a:ext cx="8305800" cy="1876793"/>
-          </a:xfrm>
-          <a:prstGeom prst="rect">
-            <a:avLst/>
-          </a:prstGeom>
-          <a:noFill/>
-          <a:extLst>
-            <a:ext uri="{909E8E84-426E-40DD-AFC4-6F175D3DCCD1}">
-              <a14:hiddenFill xmlns:a14="http://schemas.microsoft.com/office/drawing/2010/main">
-                <a:solidFill>
-                  <a:srgbClr val="FFFFFF"/>
-                </a:solidFill>
-              </a14:hiddenFill>
-            </a:ext>
-          </a:extLst>
-        </p:spPr>
-      </p:pic>
-      <p:pic>
-        <p:nvPicPr>
-          <p:cNvPr id="1032" name="Picture 8" descr="https://lh5.googleusercontent.com/FnI619sPRC6cODebnhDmq3aB3FmsphAKH4jOVgyoZTsMudHgQ_NG-yTnPJicwH-dv7k0nr0h1_qyYaacZGwRWVtY5qyw5wcQ5jx_MkvhRnHPPHMivCbjqIFs2kuifWVpRG-5-uLh">
-            <a:hlinkClick r:id="rId4"/>
-          </p:cNvPr>
-          <p:cNvPicPr>
-            <a:picLocks noChangeAspect="1" noChangeArrowheads="1"/>
-          </p:cNvPicPr>
-          <p:nvPr/>
-        </p:nvPicPr>
-        <p:blipFill>
-          <a:blip r:embed="rId5">
-            <a:extLst>
-              <a:ext uri="{28A0092B-C50C-407E-A947-70E740481C1C}">
-                <a14:useLocalDpi xmlns:a14="http://schemas.microsoft.com/office/drawing/2010/main" val="0"/>
-              </a:ext>
-            </a:extLst>
-          </a:blip>
-          <a:srcRect/>
-          <a:stretch>
-            <a:fillRect/>
-          </a:stretch>
-        </p:blipFill>
-        <p:spPr bwMode="auto">
-          <a:xfrm>
-            <a:off x="228600" y="4200891"/>
-            <a:ext cx="8327751" cy="2362200"/>
-          </a:xfrm>
-          <a:prstGeom prst="rect">
-            <a:avLst/>
-          </a:prstGeom>
-          <a:noFill/>
-          <a:extLst>
-            <a:ext uri="{909E8E84-426E-40DD-AFC4-6F175D3DCCD1}">
-              <a14:hiddenFill xmlns:a14="http://schemas.microsoft.com/office/drawing/2010/main">
-                <a:solidFill>
-                  <a:srgbClr val="FFFFFF"/>
-                </a:solidFill>
-              </a14:hiddenFill>
-            </a:ext>
-          </a:extLst>
-        </p:spPr>
-      </p:pic>
-      <p:sp>
-        <p:nvSpPr>
-          <p:cNvPr id="6" name="TextBox 5"/>
-          <p:cNvSpPr txBox="1"/>
-          <p:nvPr/>
-        </p:nvSpPr>
-        <p:spPr>
-          <a:xfrm>
-            <a:off x="228600" y="1798128"/>
-            <a:ext cx="2826415" cy="369332"/>
-          </a:xfrm>
-          <a:prstGeom prst="rect">
-            <a:avLst/>
-          </a:prstGeom>
-          <a:noFill/>
-        </p:spPr>
-        <p:txBody>
-          <a:bodyPr wrap="none" rtlCol="0">
-            <a:spAutoFit/>
-          </a:bodyPr>
-          <a:lstStyle/>
-          <a:p>
-            <a:r>
-              <a:rPr lang="en-US" b="1" dirty="0"/>
-              <a:t>Less Dependencies Solution</a:t>
-            </a:r>
-          </a:p>
-        </p:txBody>
-      </p:sp>
-      <p:sp>
-        <p:nvSpPr>
-          <p:cNvPr id="11" name="TextBox 10"/>
-          <p:cNvSpPr txBox="1"/>
-          <p:nvPr/>
-        </p:nvSpPr>
-        <p:spPr>
-          <a:xfrm>
-            <a:off x="234696" y="4087309"/>
-            <a:ext cx="2950488" cy="369332"/>
-          </a:xfrm>
-          <a:prstGeom prst="rect">
-            <a:avLst/>
-          </a:prstGeom>
-          <a:noFill/>
-        </p:spPr>
-        <p:txBody>
-          <a:bodyPr wrap="none" rtlCol="0">
-            <a:spAutoFit/>
-          </a:bodyPr>
-          <a:lstStyle/>
-          <a:p>
-            <a:r>
-              <a:rPr lang="en-US" b="1" dirty="0"/>
-              <a:t>More Dependencies Solution</a:t>
-            </a:r>
-          </a:p>
-        </p:txBody>
-      </p:sp>
-    </p:spTree>
-    <p:extLst>
-      <p:ext uri="{BB962C8B-B14F-4D97-AF65-F5344CB8AC3E}">
-        <p14:creationId xmlns:p14="http://schemas.microsoft.com/office/powerpoint/2010/main" val="574302629"/>
-      </p:ext>
-    </p:extLst>
-  </p:cSld>
-  <p:clrMapOvr>
-    <a:masterClrMapping/>
-  </p:clrMapOvr>
-  <p:timing>
-    <p:tnLst>
-      <p:par>
-        <p:cTn id="1" dur="indefinite" restart="never" nodeType="tmRoot"/>
-      </p:par>
-    </p:tnLst>
-  </p:timing>
-</p:sld>
-</file>
-
-<file path=ppt/slides/slide40.xml><?xml version="1.0" encoding="utf-8"?>
-<p:sld xmlns:a="http://schemas.openxmlformats.org/drawingml/2006/main" xmlns:r="http://schemas.openxmlformats.org/officeDocument/2006/relationships" xmlns:p="http://schemas.openxmlformats.org/presentationml/2006/main">
-  <p:cSld>
-    <p:spTree>
-      <p:nvGrpSpPr>
-        <p:cNvPr id="1" name=""/>
-        <p:cNvGrpSpPr/>
-        <p:nvPr/>
-      </p:nvGrpSpPr>
-      <p:grpSpPr>
-        <a:xfrm>
-          <a:off x="0" y="0"/>
-          <a:ext cx="0" cy="0"/>
-          <a:chOff x="0" y="0"/>
-          <a:chExt cx="0" cy="0"/>
-        </a:xfrm>
-      </p:grpSpPr>
-      <p:sp>
-        <p:nvSpPr>
           <p:cNvPr id="2" name="Title 1"/>
           <p:cNvSpPr>
             <a:spLocks noGrp="1"/>
@@ -21795,17 +21649,10 @@
   <p:clrMapOvr>
     <a:masterClrMapping/>
   </p:clrMapOvr>
-  <p:timing>
-    <p:tnLst>
-      <p:par>
-        <p:cTn id="1" dur="indefinite" restart="never" nodeType="tmRoot"/>
-      </p:par>
-    </p:tnLst>
-  </p:timing>
 </p:sld>
 </file>
 
-<file path=ppt/slides/slide41.xml><?xml version="1.0" encoding="utf-8"?>
+<file path=ppt/slides/slide42.xml><?xml version="1.0" encoding="utf-8"?>
 <p:sld xmlns:a="http://schemas.openxmlformats.org/drawingml/2006/main" xmlns:r="http://schemas.openxmlformats.org/officeDocument/2006/relationships" xmlns:p="http://schemas.openxmlformats.org/presentationml/2006/main">
   <p:cSld>
     <p:spTree>
@@ -22126,17 +21973,10 @@
   <p:clrMapOvr>
     <a:masterClrMapping/>
   </p:clrMapOvr>
-  <p:timing>
-    <p:tnLst>
-      <p:par>
-        <p:cTn id="1" dur="indefinite" restart="never" nodeType="tmRoot"/>
-      </p:par>
-    </p:tnLst>
-  </p:timing>
 </p:sld>
 </file>
 
-<file path=ppt/slides/slide42.xml><?xml version="1.0" encoding="utf-8"?>
+<file path=ppt/slides/slide43.xml><?xml version="1.0" encoding="utf-8"?>
 <p:sld xmlns:a="http://schemas.openxmlformats.org/drawingml/2006/main" xmlns:r="http://schemas.openxmlformats.org/officeDocument/2006/relationships" xmlns:p="http://schemas.openxmlformats.org/presentationml/2006/main">
   <p:cSld>
     <p:spTree>
@@ -22620,17 +22460,10 @@
   <p:clrMapOvr>
     <a:masterClrMapping/>
   </p:clrMapOvr>
-  <p:timing>
-    <p:tnLst>
-      <p:par>
-        <p:cTn id="1" dur="indefinite" restart="never" nodeType="tmRoot"/>
-      </p:par>
-    </p:tnLst>
-  </p:timing>
 </p:sld>
 </file>
 
-<file path=ppt/slides/slide43.xml><?xml version="1.0" encoding="utf-8"?>
+<file path=ppt/slides/slide44.xml><?xml version="1.0" encoding="utf-8"?>
 <p:sld xmlns:a="http://schemas.openxmlformats.org/drawingml/2006/main" xmlns:r="http://schemas.openxmlformats.org/officeDocument/2006/relationships" xmlns:p="http://schemas.openxmlformats.org/presentationml/2006/main">
   <p:cSld>
     <p:spTree>
@@ -22693,56 +22526,26 @@
                 <a:sym typeface="Wingdings"/>
               </a:rPr>
             </a:br>
-            <a:r>
-              <a:rPr lang="en-US" dirty="0">
-                <a:sym typeface="Wingdings"/>
-              </a:rPr>
-              <a:t/>
-            </a:r>
             <a:br>
               <a:rPr lang="en-US" dirty="0">
                 <a:sym typeface="Wingdings"/>
               </a:rPr>
             </a:br>
-            <a:r>
-              <a:rPr lang="en-US" dirty="0">
-                <a:sym typeface="Wingdings"/>
-              </a:rPr>
-              <a:t/>
-            </a:r>
             <a:br>
               <a:rPr lang="en-US" dirty="0">
                 <a:sym typeface="Wingdings"/>
               </a:rPr>
             </a:br>
-            <a:r>
-              <a:rPr lang="en-US" dirty="0">
-                <a:sym typeface="Wingdings"/>
-              </a:rPr>
-              <a:t/>
-            </a:r>
             <a:br>
               <a:rPr lang="en-US" dirty="0">
                 <a:sym typeface="Wingdings"/>
               </a:rPr>
             </a:br>
-            <a:r>
-              <a:rPr lang="en-US" dirty="0">
-                <a:sym typeface="Wingdings"/>
-              </a:rPr>
-              <a:t/>
-            </a:r>
             <a:br>
               <a:rPr lang="en-US" dirty="0">
                 <a:sym typeface="Wingdings"/>
               </a:rPr>
             </a:br>
-            <a:r>
-              <a:rPr lang="en-US" dirty="0">
-                <a:sym typeface="Wingdings"/>
-              </a:rPr>
-              <a:t/>
-            </a:r>
             <a:br>
               <a:rPr lang="en-US" dirty="0">
                 <a:sym typeface="Wingdings"/>
@@ -24089,17 +23892,10 @@
   <p:clrMapOvr>
     <a:masterClrMapping/>
   </p:clrMapOvr>
-  <p:timing>
-    <p:tnLst>
-      <p:par>
-        <p:cTn id="1" dur="indefinite" restart="never" nodeType="tmRoot"/>
-      </p:par>
-    </p:tnLst>
-  </p:timing>
 </p:sld>
 </file>
 
-<file path=ppt/slides/slide44.xml><?xml version="1.0" encoding="utf-8"?>
+<file path=ppt/slides/slide45.xml><?xml version="1.0" encoding="utf-8"?>
 <p:sld xmlns:a="http://schemas.openxmlformats.org/drawingml/2006/main" xmlns:r="http://schemas.openxmlformats.org/officeDocument/2006/relationships" xmlns:p="http://schemas.openxmlformats.org/presentationml/2006/main">
   <p:cSld>
     <p:spTree>
@@ -24165,56 +23961,26 @@
                 <a:sym typeface="Wingdings"/>
               </a:rPr>
             </a:br>
-            <a:r>
-              <a:rPr lang="en-US" dirty="0">
-                <a:sym typeface="Wingdings"/>
-              </a:rPr>
-              <a:t/>
-            </a:r>
             <a:br>
               <a:rPr lang="en-US" dirty="0">
                 <a:sym typeface="Wingdings"/>
               </a:rPr>
             </a:br>
-            <a:r>
-              <a:rPr lang="en-US" dirty="0">
-                <a:sym typeface="Wingdings"/>
-              </a:rPr>
-              <a:t/>
-            </a:r>
             <a:br>
               <a:rPr lang="en-US" dirty="0">
                 <a:sym typeface="Wingdings"/>
               </a:rPr>
             </a:br>
-            <a:r>
-              <a:rPr lang="en-US" dirty="0">
-                <a:sym typeface="Wingdings"/>
-              </a:rPr>
-              <a:t/>
-            </a:r>
             <a:br>
               <a:rPr lang="en-US" dirty="0">
                 <a:sym typeface="Wingdings"/>
               </a:rPr>
             </a:br>
-            <a:r>
-              <a:rPr lang="en-US" dirty="0">
-                <a:sym typeface="Wingdings"/>
-              </a:rPr>
-              <a:t/>
-            </a:r>
             <a:br>
               <a:rPr lang="en-US" dirty="0">
                 <a:sym typeface="Wingdings"/>
               </a:rPr>
             </a:br>
-            <a:r>
-              <a:rPr lang="en-US" dirty="0">
-                <a:sym typeface="Wingdings"/>
-              </a:rPr>
-              <a:t/>
-            </a:r>
             <a:br>
               <a:rPr lang="en-US" dirty="0">
                 <a:sym typeface="Wingdings"/>
@@ -25525,130 +25291,6 @@
   <p:clrMapOvr>
     <a:masterClrMapping/>
   </p:clrMapOvr>
-  <p:timing>
-    <p:tnLst>
-      <p:par>
-        <p:cTn id="1" dur="indefinite" restart="never" nodeType="tmRoot"/>
-      </p:par>
-    </p:tnLst>
-  </p:timing>
-</p:sld>
-</file>
-
-<file path=ppt/slides/slide45.xml><?xml version="1.0" encoding="utf-8"?>
-<p:sld xmlns:a="http://schemas.openxmlformats.org/drawingml/2006/main" xmlns:r="http://schemas.openxmlformats.org/officeDocument/2006/relationships" xmlns:p="http://schemas.openxmlformats.org/presentationml/2006/main">
-  <p:cSld>
-    <p:spTree>
-      <p:nvGrpSpPr>
-        <p:cNvPr id="1" name=""/>
-        <p:cNvGrpSpPr/>
-        <p:nvPr/>
-      </p:nvGrpSpPr>
-      <p:grpSpPr>
-        <a:xfrm>
-          <a:off x="0" y="0"/>
-          <a:ext cx="0" cy="0"/>
-          <a:chOff x="0" y="0"/>
-          <a:chExt cx="0" cy="0"/>
-        </a:xfrm>
-      </p:grpSpPr>
-      <p:sp>
-        <p:nvSpPr>
-          <p:cNvPr id="5" name="Title 4"/>
-          <p:cNvSpPr>
-            <a:spLocks noGrp="1"/>
-          </p:cNvSpPr>
-          <p:nvPr>
-            <p:ph type="title"/>
-          </p:nvPr>
-        </p:nvSpPr>
-        <p:spPr/>
-        <p:txBody>
-          <a:bodyPr/>
-          <a:lstStyle/>
-          <a:p>
-            <a:r>
-              <a:rPr lang="en-US" dirty="0"/>
-              <a:t>If we do our design job carefully</a:t>
-            </a:r>
-          </a:p>
-        </p:txBody>
-      </p:sp>
-      <p:sp>
-        <p:nvSpPr>
-          <p:cNvPr id="6" name="Content Placeholder 5"/>
-          <p:cNvSpPr>
-            <a:spLocks noGrp="1"/>
-          </p:cNvSpPr>
-          <p:nvPr>
-            <p:ph idx="1"/>
-          </p:nvPr>
-        </p:nvSpPr>
-        <p:spPr/>
-        <p:txBody>
-          <a:bodyPr>
-            <a:normAutofit lnSpcReduction="10000"/>
-          </a:bodyPr>
-          <a:lstStyle/>
-          <a:p>
-            <a:r>
-              <a:rPr lang="en-US" dirty="0"/>
-              <a:t>Divide &amp; Conquer - Break our larger problem into several classes</a:t>
-            </a:r>
-          </a:p>
-          <a:p>
-            <a:r>
-              <a:rPr lang="en-US" dirty="0"/>
-              <a:t>Each of these classes will do one thing well (i.e. they will have </a:t>
-            </a:r>
-            <a:r>
-              <a:rPr lang="en-US" b="1" i="1" dirty="0"/>
-              <a:t>high cohesion</a:t>
-            </a:r>
-            <a:r>
-              <a:rPr lang="en-US" dirty="0"/>
-              <a:t>)</a:t>
-            </a:r>
-          </a:p>
-          <a:p>
-            <a:r>
-              <a:rPr lang="en-US" dirty="0"/>
-              <a:t>Our classes will only need to depend on each other in specific, highly limited  essential ways (i.e. they will have </a:t>
-            </a:r>
-            <a:r>
-              <a:rPr lang="en-US" b="1" i="1" dirty="0"/>
-              <a:t>low coupling</a:t>
-            </a:r>
-            <a:r>
-              <a:rPr lang="en-US" dirty="0"/>
-              <a:t>).  </a:t>
-            </a:r>
-          </a:p>
-          <a:p>
-            <a:r>
-              <a:rPr lang="en-US" dirty="0"/>
-              <a:t>Many classes won’t even be “know” of most of the other classes in the system</a:t>
-            </a:r>
-          </a:p>
-        </p:txBody>
-      </p:sp>
-    </p:spTree>
-    <p:extLst>
-      <p:ext uri="{BB962C8B-B14F-4D97-AF65-F5344CB8AC3E}">
-        <p14:creationId xmlns:p14="http://schemas.microsoft.com/office/powerpoint/2010/main" val="2266690363"/>
-      </p:ext>
-    </p:extLst>
-  </p:cSld>
-  <p:clrMapOvr>
-    <a:masterClrMapping/>
-  </p:clrMapOvr>
-  <p:timing>
-    <p:tnLst>
-      <p:par>
-        <p:cTn id="1" dur="indefinite" restart="never" nodeType="tmRoot"/>
-      </p:par>
-    </p:tnLst>
-  </p:timing>
 </p:sld>
 </file>
 
@@ -25671,7 +25313,7 @@
       </p:grpSpPr>
       <p:sp>
         <p:nvSpPr>
-          <p:cNvPr id="2" name="Title 1"/>
+          <p:cNvPr id="5" name="Title 4"/>
           <p:cNvSpPr>
             <a:spLocks noGrp="1"/>
           </p:cNvSpPr>
@@ -25685,16 +25327,15 @@
           <a:lstStyle/>
           <a:p>
             <a:r>
-              <a:rPr lang="en-US" dirty="0" smtClean="0"/>
-              <a:t>Final Example</a:t>
-            </a:r>
-            <a:endParaRPr lang="en-US" dirty="0"/>
+              <a:rPr lang="en-US" dirty="0"/>
+              <a:t>If we do our design job carefully</a:t>
+            </a:r>
           </a:p>
         </p:txBody>
       </p:sp>
       <p:sp>
         <p:nvSpPr>
-          <p:cNvPr id="3" name="Content Placeholder 2"/>
+          <p:cNvPr id="6" name="Content Placeholder 5"/>
           <p:cNvSpPr>
             <a:spLocks noGrp="1"/>
           </p:cNvSpPr>
@@ -25704,30 +25345,48 @@
         </p:nvSpPr>
         <p:spPr/>
         <p:txBody>
-          <a:bodyPr/>
+          <a:bodyPr>
+            <a:normAutofit lnSpcReduction="10000"/>
+          </a:bodyPr>
           <a:lstStyle/>
           <a:p>
             <a:r>
-              <a:rPr lang="en-US" dirty="0" smtClean="0"/>
-              <a:t>Coupling </a:t>
-            </a:r>
-            <a:r>
-              <a:rPr lang="en-US" dirty="0" smtClean="0"/>
-              <a:t>and Cohesion</a:t>
-            </a:r>
-          </a:p>
-          <a:p>
-            <a:pPr lvl="1"/>
-            <a:r>
-              <a:rPr lang="en-US" dirty="0" smtClean="0"/>
-              <a:t>School/Student Design problem example</a:t>
-            </a:r>
-          </a:p>
-          <a:p>
-            <a:pPr lvl="1"/>
-            <a:r>
-              <a:rPr lang="en-US" dirty="0" smtClean="0"/>
-              <a:t>How do Coupling and Cohesion vary with increasing # of classes?</a:t>
+              <a:rPr lang="en-US" dirty="0"/>
+              <a:t>Divide &amp; Conquer - Break our larger problem into several classes</a:t>
+            </a:r>
+          </a:p>
+          <a:p>
+            <a:r>
+              <a:rPr lang="en-US" dirty="0"/>
+              <a:t>Each of these classes will do one thing well (i.e., they will have </a:t>
+            </a:r>
+            <a:r>
+              <a:rPr lang="en-US" b="1" i="1" dirty="0"/>
+              <a:t>high cohesion</a:t>
+            </a:r>
+            <a:r>
+              <a:rPr lang="en-US" dirty="0"/>
+              <a:t>)</a:t>
+            </a:r>
+          </a:p>
+          <a:p>
+            <a:r>
+              <a:rPr lang="en-US" dirty="0"/>
+              <a:t>Our classes will only need to depend on each other in specific, highly limited  essential ways (i.e., they will have </a:t>
+            </a:r>
+            <a:r>
+              <a:rPr lang="en-US" b="1" i="1" dirty="0"/>
+              <a:t>low coupling</a:t>
+            </a:r>
+            <a:r>
+              <a:rPr lang="en-US" dirty="0"/>
+              <a:t>).  </a:t>
+            </a:r>
+          </a:p>
+          <a:p>
+            <a:r>
+              <a:rPr lang="en-US" dirty="0"/>
+              <a:t>Many classes won’t even “know” of most of the other classes in the system</a:t>
             </a:r>
           </a:p>
         </p:txBody>
@@ -25735,20 +25394,13 @@
     </p:spTree>
     <p:extLst>
       <p:ext uri="{BB962C8B-B14F-4D97-AF65-F5344CB8AC3E}">
-        <p14:creationId xmlns:p14="http://schemas.microsoft.com/office/powerpoint/2010/main" val="3444200753"/>
+        <p14:creationId xmlns:p14="http://schemas.microsoft.com/office/powerpoint/2010/main" val="2887235185"/>
       </p:ext>
     </p:extLst>
   </p:cSld>
   <p:clrMapOvr>
     <a:masterClrMapping/>
   </p:clrMapOvr>
-  <p:timing>
-    <p:tnLst>
-      <p:par>
-        <p:cTn id="1" dur="indefinite" restart="never" nodeType="tmRoot"/>
-      </p:par>
-    </p:tnLst>
-  </p:timing>
 </p:sld>
 </file>
 
@@ -25779,6 +25431,94 @@
             <p:ph type="title"/>
           </p:nvPr>
         </p:nvSpPr>
+        <p:spPr/>
+        <p:txBody>
+          <a:bodyPr/>
+          <a:lstStyle/>
+          <a:p>
+            <a:r>
+              <a:rPr lang="en-US" dirty="0"/>
+              <a:t>Final Example</a:t>
+            </a:r>
+          </a:p>
+        </p:txBody>
+      </p:sp>
+      <p:sp>
+        <p:nvSpPr>
+          <p:cNvPr id="3" name="Content Placeholder 2"/>
+          <p:cNvSpPr>
+            <a:spLocks noGrp="1"/>
+          </p:cNvSpPr>
+          <p:nvPr>
+            <p:ph idx="1"/>
+          </p:nvPr>
+        </p:nvSpPr>
+        <p:spPr/>
+        <p:txBody>
+          <a:bodyPr/>
+          <a:lstStyle/>
+          <a:p>
+            <a:r>
+              <a:rPr lang="en-US" dirty="0"/>
+              <a:t>Coupling and Cohesion</a:t>
+            </a:r>
+          </a:p>
+          <a:p>
+            <a:pPr lvl="1"/>
+            <a:r>
+              <a:rPr lang="en-US" dirty="0"/>
+              <a:t>School/Student Design problem example</a:t>
+            </a:r>
+          </a:p>
+          <a:p>
+            <a:pPr lvl="1"/>
+            <a:r>
+              <a:rPr lang="en-US" dirty="0"/>
+              <a:t>How do Coupling and Cohesion vary with increasing # of classes?</a:t>
+            </a:r>
+          </a:p>
+        </p:txBody>
+      </p:sp>
+    </p:spTree>
+    <p:extLst>
+      <p:ext uri="{BB962C8B-B14F-4D97-AF65-F5344CB8AC3E}">
+        <p14:creationId xmlns:p14="http://schemas.microsoft.com/office/powerpoint/2010/main" val="3444200753"/>
+      </p:ext>
+    </p:extLst>
+  </p:cSld>
+  <p:clrMapOvr>
+    <a:masterClrMapping/>
+  </p:clrMapOvr>
+</p:sld>
+</file>
+
+<file path=ppt/slides/slide48.xml><?xml version="1.0" encoding="utf-8"?>
+<p:sld xmlns:a="http://schemas.openxmlformats.org/drawingml/2006/main" xmlns:r="http://schemas.openxmlformats.org/officeDocument/2006/relationships" xmlns:p="http://schemas.openxmlformats.org/presentationml/2006/main">
+  <p:cSld>
+    <p:spTree>
+      <p:nvGrpSpPr>
+        <p:cNvPr id="1" name=""/>
+        <p:cNvGrpSpPr/>
+        <p:nvPr/>
+      </p:nvGrpSpPr>
+      <p:grpSpPr>
+        <a:xfrm>
+          <a:off x="0" y="0"/>
+          <a:ext cx="0" cy="0"/>
+          <a:chOff x="0" y="0"/>
+          <a:chExt cx="0" cy="0"/>
+        </a:xfrm>
+      </p:grpSpPr>
+      <p:sp>
+        <p:nvSpPr>
+          <p:cNvPr id="2" name="Title 1"/>
+          <p:cNvSpPr>
+            <a:spLocks noGrp="1"/>
+          </p:cNvSpPr>
+          <p:nvPr>
+            <p:ph type="title"/>
+          </p:nvPr>
+        </p:nvSpPr>
         <p:spPr>
           <a:xfrm>
             <a:off x="457200" y="274638"/>
@@ -25896,17 +25636,10 @@
   <p:clrMapOvr>
     <a:masterClrMapping/>
   </p:clrMapOvr>
-  <p:timing>
-    <p:tnLst>
-      <p:par>
-        <p:cTn id="1" dur="indefinite" restart="never" nodeType="tmRoot"/>
-      </p:par>
-    </p:tnLst>
-  </p:timing>
 </p:sld>
 </file>
 
-<file path=ppt/slides/slide48.xml><?xml version="1.0" encoding="utf-8"?>
+<file path=ppt/slides/slide49.xml><?xml version="1.0" encoding="utf-8"?>
 <p:sld xmlns:a="http://schemas.openxmlformats.org/drawingml/2006/main" xmlns:r="http://schemas.openxmlformats.org/officeDocument/2006/relationships" xmlns:p="http://schemas.openxmlformats.org/presentationml/2006/main">
   <p:cSld>
     <p:spTree>
@@ -26029,17 +25762,491 @@
   <p:clrMapOvr>
     <a:masterClrMapping/>
   </p:clrMapOvr>
-  <p:timing>
-    <p:tnLst>
-      <p:par>
-        <p:cTn id="1" dur="indefinite" restart="never" nodeType="tmRoot"/>
-      </p:par>
-    </p:tnLst>
-  </p:timing>
 </p:sld>
 </file>
 
-<file path=ppt/slides/slide49.xml><?xml version="1.0" encoding="utf-8"?>
+<file path=ppt/slides/slide5.xml><?xml version="1.0" encoding="utf-8"?>
+<p:sld xmlns:a="http://schemas.openxmlformats.org/drawingml/2006/main" xmlns:r="http://schemas.openxmlformats.org/officeDocument/2006/relationships" xmlns:p="http://schemas.openxmlformats.org/presentationml/2006/main">
+  <p:cSld>
+    <p:spTree>
+      <p:nvGrpSpPr>
+        <p:cNvPr id="1" name=""/>
+        <p:cNvGrpSpPr/>
+        <p:nvPr/>
+      </p:nvGrpSpPr>
+      <p:grpSpPr>
+        <a:xfrm>
+          <a:off x="0" y="0"/>
+          <a:ext cx="0" cy="0"/>
+          <a:chOff x="0" y="0"/>
+          <a:chExt cx="0" cy="0"/>
+        </a:xfrm>
+      </p:grpSpPr>
+      <p:sp>
+        <p:nvSpPr>
+          <p:cNvPr id="5" name="Rectangle 4"/>
+          <p:cNvSpPr/>
+          <p:nvPr/>
+        </p:nvSpPr>
+        <p:spPr>
+          <a:xfrm>
+            <a:off x="152400" y="76200"/>
+            <a:ext cx="8839200" cy="2308324"/>
+          </a:xfrm>
+          <a:prstGeom prst="rect">
+            <a:avLst/>
+          </a:prstGeom>
+        </p:spPr>
+        <p:txBody>
+          <a:bodyPr wrap="square">
+            <a:spAutoFit/>
+          </a:bodyPr>
+          <a:lstStyle/>
+          <a:p>
+            <a:r>
+              <a:rPr lang="en-US" dirty="0">
+                <a:solidFill>
+                  <a:srgbClr val="000000"/>
+                </a:solidFill>
+                <a:latin typeface="Arial" panose="020B0604020202020204" pitchFamily="34" charset="0"/>
+              </a:rPr>
+              <a:t>In </a:t>
+            </a:r>
+            <a:r>
+              <a:rPr lang="en-US" i="1" dirty="0">
+                <a:solidFill>
+                  <a:srgbClr val="000000"/>
+                </a:solidFill>
+                <a:latin typeface="Arial" panose="020B0604020202020204" pitchFamily="34" charset="0"/>
+              </a:rPr>
+              <a:t>less dependencies</a:t>
+            </a:r>
+            <a:r>
+              <a:rPr lang="en-US" dirty="0">
+                <a:solidFill>
+                  <a:srgbClr val="000000"/>
+                </a:solidFill>
+                <a:latin typeface="Arial" panose="020B0604020202020204" pitchFamily="34" charset="0"/>
+              </a:rPr>
+              <a:t>, Employee “insulates” </a:t>
+            </a:r>
+            <a:r>
+              <a:rPr lang="en-US" dirty="0" err="1">
+                <a:solidFill>
+                  <a:srgbClr val="000000"/>
+                </a:solidFill>
+                <a:latin typeface="Arial" panose="020B0604020202020204" pitchFamily="34" charset="0"/>
+              </a:rPr>
+              <a:t>HourTrackerMain</a:t>
+            </a:r>
+            <a:r>
+              <a:rPr lang="en-US" dirty="0">
+                <a:solidFill>
+                  <a:srgbClr val="000000"/>
+                </a:solidFill>
+                <a:latin typeface="Arial" panose="020B0604020202020204" pitchFamily="34" charset="0"/>
+              </a:rPr>
+              <a:t> from the existence of the </a:t>
+            </a:r>
+            <a:r>
+              <a:rPr lang="en-US" dirty="0" err="1">
+                <a:solidFill>
+                  <a:srgbClr val="000000"/>
+                </a:solidFill>
+                <a:latin typeface="Arial" panose="020B0604020202020204" pitchFamily="34" charset="0"/>
+              </a:rPr>
+              <a:t>WorkLog</a:t>
+            </a:r>
+            <a:r>
+              <a:rPr lang="en-US" dirty="0">
+                <a:solidFill>
+                  <a:srgbClr val="000000"/>
+                </a:solidFill>
+                <a:latin typeface="Arial" panose="020B0604020202020204" pitchFamily="34" charset="0"/>
+              </a:rPr>
+              <a:t> class.  This means changes in the way </a:t>
+            </a:r>
+            <a:r>
+              <a:rPr lang="en-US" dirty="0" err="1">
+                <a:solidFill>
+                  <a:srgbClr val="000000"/>
+                </a:solidFill>
+                <a:latin typeface="Arial" panose="020B0604020202020204" pitchFamily="34" charset="0"/>
+              </a:rPr>
+              <a:t>WorkLog</a:t>
+            </a:r>
+            <a:r>
+              <a:rPr lang="en-US" dirty="0">
+                <a:solidFill>
+                  <a:srgbClr val="000000"/>
+                </a:solidFill>
+                <a:latin typeface="Arial" panose="020B0604020202020204" pitchFamily="34" charset="0"/>
+              </a:rPr>
+              <a:t> works cannot affect Employee.  Similarly, changes in Employee cannot affect </a:t>
+            </a:r>
+            <a:r>
+              <a:rPr lang="en-US" dirty="0" err="1">
+                <a:solidFill>
+                  <a:srgbClr val="000000"/>
+                </a:solidFill>
+                <a:latin typeface="Arial" panose="020B0604020202020204" pitchFamily="34" charset="0"/>
+              </a:rPr>
+              <a:t>WorkLog</a:t>
+            </a:r>
+            <a:r>
+              <a:rPr lang="en-US" dirty="0">
+                <a:solidFill>
+                  <a:srgbClr val="000000"/>
+                </a:solidFill>
+                <a:latin typeface="Arial" panose="020B0604020202020204" pitchFamily="34" charset="0"/>
+              </a:rPr>
+              <a:t>.</a:t>
+            </a:r>
+          </a:p>
+          <a:p>
+            <a:endParaRPr lang="en-US" dirty="0">
+              <a:solidFill>
+                <a:srgbClr val="000000"/>
+              </a:solidFill>
+              <a:latin typeface="Arial" panose="020B0604020202020204" pitchFamily="34" charset="0"/>
+            </a:endParaRPr>
+          </a:p>
+          <a:p>
+            <a:r>
+              <a:rPr lang="en-US" dirty="0">
+                <a:solidFill>
+                  <a:srgbClr val="000000"/>
+                </a:solidFill>
+                <a:latin typeface="Arial" panose="020B0604020202020204" pitchFamily="34" charset="0"/>
+              </a:rPr>
+              <a:t>The </a:t>
+            </a:r>
+            <a:r>
+              <a:rPr lang="en-US" i="1" dirty="0">
+                <a:solidFill>
+                  <a:srgbClr val="000000"/>
+                </a:solidFill>
+                <a:latin typeface="Arial" panose="020B0604020202020204" pitchFamily="34" charset="0"/>
+              </a:rPr>
+              <a:t>less dependencies</a:t>
+            </a:r>
+            <a:r>
+              <a:rPr lang="en-US" dirty="0">
+                <a:solidFill>
+                  <a:srgbClr val="000000"/>
+                </a:solidFill>
+                <a:latin typeface="Arial" panose="020B0604020202020204" pitchFamily="34" charset="0"/>
+              </a:rPr>
+              <a:t> solution is also simpler.  Employee fully “owns” all its own data.  In more dependencies, the worklog is edited without employee’s knowledge.</a:t>
+            </a:r>
+            <a:endParaRPr lang="en-US" dirty="0"/>
+          </a:p>
+          <a:p>
+            <a:br>
+              <a:rPr lang="en-US" dirty="0"/>
+            </a:br>
+            <a:endParaRPr lang="en-US" dirty="0"/>
+          </a:p>
+        </p:txBody>
+      </p:sp>
+      <p:pic>
+        <p:nvPicPr>
+          <p:cNvPr id="1028" name="Picture 4" descr="https://lh6.googleusercontent.com/I386rjyYmFDd_Ln3ujOTcIgnlVxeH-rcie-CGlD1glhMmS0MDbjaT8HkyidiqwQ58i2uJm3QXFrnQK3A22_U6tE23ErPwclKKyfNyeMwjR-kLOV7yGW7YBn8DxD21xrF2IBk1vAo">
+            <a:hlinkClick r:id="rId2"/>
+          </p:cNvPr>
+          <p:cNvPicPr>
+            <a:picLocks noChangeAspect="1" noChangeArrowheads="1"/>
+          </p:cNvPicPr>
+          <p:nvPr/>
+        </p:nvPicPr>
+        <p:blipFill>
+          <a:blip r:embed="rId3">
+            <a:extLst>
+              <a:ext uri="{28A0092B-C50C-407E-A947-70E740481C1C}">
+                <a14:useLocalDpi xmlns:a14="http://schemas.microsoft.com/office/drawing/2010/main" val="0"/>
+              </a:ext>
+            </a:extLst>
+          </a:blip>
+          <a:srcRect/>
+          <a:stretch>
+            <a:fillRect/>
+          </a:stretch>
+        </p:blipFill>
+        <p:spPr bwMode="auto">
+          <a:xfrm>
+            <a:off x="228600" y="1828800"/>
+            <a:ext cx="8305800" cy="1905000"/>
+          </a:xfrm>
+          <a:prstGeom prst="rect">
+            <a:avLst/>
+          </a:prstGeom>
+          <a:noFill/>
+          <a:extLst>
+            <a:ext uri="{909E8E84-426E-40DD-AFC4-6F175D3DCCD1}">
+              <a14:hiddenFill xmlns:a14="http://schemas.microsoft.com/office/drawing/2010/main">
+                <a:solidFill>
+                  <a:srgbClr val="FFFFFF"/>
+                </a:solidFill>
+              </a14:hiddenFill>
+            </a:ext>
+          </a:extLst>
+        </p:spPr>
+      </p:pic>
+      <p:pic>
+        <p:nvPicPr>
+          <p:cNvPr id="1032" name="Picture 8" descr="https://lh5.googleusercontent.com/FnI619sPRC6cODebnhDmq3aB3FmsphAKH4jOVgyoZTsMudHgQ_NG-yTnPJicwH-dv7k0nr0h1_qyYaacZGwRWVtY5qyw5wcQ5jx_MkvhRnHPPHMivCbjqIFs2kuifWVpRG-5-uLh">
+            <a:hlinkClick r:id="rId4"/>
+          </p:cNvPr>
+          <p:cNvPicPr>
+            <a:picLocks noChangeAspect="1" noChangeArrowheads="1"/>
+          </p:cNvPicPr>
+          <p:nvPr/>
+        </p:nvPicPr>
+        <p:blipFill>
+          <a:blip r:embed="rId5">
+            <a:extLst>
+              <a:ext uri="{28A0092B-C50C-407E-A947-70E740481C1C}">
+                <a14:useLocalDpi xmlns:a14="http://schemas.microsoft.com/office/drawing/2010/main" val="0"/>
+              </a:ext>
+            </a:extLst>
+          </a:blip>
+          <a:srcRect/>
+          <a:stretch>
+            <a:fillRect/>
+          </a:stretch>
+        </p:blipFill>
+        <p:spPr bwMode="auto">
+          <a:xfrm>
+            <a:off x="228600" y="3657600"/>
+            <a:ext cx="8327751" cy="2362200"/>
+          </a:xfrm>
+          <a:prstGeom prst="rect">
+            <a:avLst/>
+          </a:prstGeom>
+          <a:noFill/>
+          <a:extLst>
+            <a:ext uri="{909E8E84-426E-40DD-AFC4-6F175D3DCCD1}">
+              <a14:hiddenFill xmlns:a14="http://schemas.microsoft.com/office/drawing/2010/main">
+                <a:solidFill>
+                  <a:srgbClr val="FFFFFF"/>
+                </a:solidFill>
+              </a14:hiddenFill>
+            </a:ext>
+          </a:extLst>
+        </p:spPr>
+      </p:pic>
+      <p:sp>
+        <p:nvSpPr>
+          <p:cNvPr id="6" name="TextBox 5"/>
+          <p:cNvSpPr txBox="1"/>
+          <p:nvPr/>
+        </p:nvSpPr>
+        <p:spPr>
+          <a:xfrm>
+            <a:off x="228600" y="1798128"/>
+            <a:ext cx="2826415" cy="369332"/>
+          </a:xfrm>
+          <a:prstGeom prst="rect">
+            <a:avLst/>
+          </a:prstGeom>
+          <a:noFill/>
+        </p:spPr>
+        <p:txBody>
+          <a:bodyPr wrap="none" rtlCol="0">
+            <a:spAutoFit/>
+          </a:bodyPr>
+          <a:lstStyle/>
+          <a:p>
+            <a:r>
+              <a:rPr lang="en-US" b="1"/>
+              <a:t>Less Dependencies Solution</a:t>
+            </a:r>
+          </a:p>
+        </p:txBody>
+      </p:sp>
+      <p:sp>
+        <p:nvSpPr>
+          <p:cNvPr id="11" name="TextBox 10"/>
+          <p:cNvSpPr txBox="1"/>
+          <p:nvPr/>
+        </p:nvSpPr>
+        <p:spPr>
+          <a:xfrm>
+            <a:off x="152400" y="3733800"/>
+            <a:ext cx="2950488" cy="369332"/>
+          </a:xfrm>
+          <a:prstGeom prst="rect">
+            <a:avLst/>
+          </a:prstGeom>
+          <a:noFill/>
+        </p:spPr>
+        <p:txBody>
+          <a:bodyPr wrap="none" rtlCol="0">
+            <a:spAutoFit/>
+          </a:bodyPr>
+          <a:lstStyle/>
+          <a:p>
+            <a:r>
+              <a:rPr lang="en-US" b="1"/>
+              <a:t>More Dependencies Solution</a:t>
+            </a:r>
+          </a:p>
+        </p:txBody>
+      </p:sp>
+      <p:sp>
+        <p:nvSpPr>
+          <p:cNvPr id="2" name="Rectangle: Rounded Corners 1">
+            <a:extLst>
+              <a:ext uri="{FF2B5EF4-FFF2-40B4-BE49-F238E27FC236}">
+                <a16:creationId xmlns:a16="http://schemas.microsoft.com/office/drawing/2014/main" id="{D2DF736C-E80A-4645-A122-4CEF5178C895}"/>
+              </a:ext>
+            </a:extLst>
+          </p:cNvPr>
+          <p:cNvSpPr/>
+          <p:nvPr/>
+        </p:nvSpPr>
+        <p:spPr>
+          <a:xfrm>
+            <a:off x="145580" y="1830752"/>
+            <a:ext cx="8839200" cy="1812169"/>
+          </a:xfrm>
+          <a:prstGeom prst="roundRect">
+            <a:avLst/>
+          </a:prstGeom>
+          <a:noFill/>
+        </p:spPr>
+        <p:style>
+          <a:lnRef idx="2">
+            <a:schemeClr val="accent2">
+              <a:shade val="50000"/>
+            </a:schemeClr>
+          </a:lnRef>
+          <a:fillRef idx="1">
+            <a:schemeClr val="accent2"/>
+          </a:fillRef>
+          <a:effectRef idx="0">
+            <a:schemeClr val="accent2"/>
+          </a:effectRef>
+          <a:fontRef idx="minor">
+            <a:schemeClr val="lt1"/>
+          </a:fontRef>
+        </p:style>
+        <p:txBody>
+          <a:bodyPr rtlCol="0" anchor="ctr"/>
+          <a:lstStyle/>
+          <a:p>
+            <a:pPr algn="ctr"/>
+            <a:endParaRPr lang="en-US"/>
+          </a:p>
+        </p:txBody>
+      </p:sp>
+      <p:sp>
+        <p:nvSpPr>
+          <p:cNvPr id="8" name="TextBox 7">
+            <a:extLst>
+              <a:ext uri="{FF2B5EF4-FFF2-40B4-BE49-F238E27FC236}">
+                <a16:creationId xmlns:a16="http://schemas.microsoft.com/office/drawing/2014/main" id="{9CE0AEFF-86C6-4D9F-BEF3-E66209C6500E}"/>
+              </a:ext>
+            </a:extLst>
+          </p:cNvPr>
+          <p:cNvSpPr txBox="1"/>
+          <p:nvPr/>
+        </p:nvSpPr>
+        <p:spPr>
+          <a:xfrm>
+            <a:off x="381000" y="5943600"/>
+            <a:ext cx="8229600" cy="369332"/>
+          </a:xfrm>
+          <a:prstGeom prst="rect">
+            <a:avLst/>
+          </a:prstGeom>
+          <a:noFill/>
+        </p:spPr>
+        <p:txBody>
+          <a:bodyPr wrap="square" rtlCol="0">
+            <a:spAutoFit/>
+          </a:bodyPr>
+          <a:lstStyle/>
+          <a:p>
+            <a:r>
+              <a:rPr lang="en-US" err="1"/>
+              <a:t>HourTrackerMain</a:t>
+            </a:r>
+            <a:r>
+              <a:rPr lang="en-US"/>
+              <a:t>  “knows” about </a:t>
+            </a:r>
+            <a:r>
+              <a:rPr lang="en-US" err="1"/>
+              <a:t>WorkLog</a:t>
+            </a:r>
+            <a:r>
+              <a:rPr lang="en-US"/>
+              <a:t>, creates one,  then calls </a:t>
+            </a:r>
+            <a:r>
+              <a:rPr lang="en-US" i="1" err="1"/>
+              <a:t>addWorkLog</a:t>
+            </a:r>
+            <a:endParaRPr lang="en-US" i="1"/>
+          </a:p>
+        </p:txBody>
+      </p:sp>
+      <p:cxnSp>
+        <p:nvCxnSpPr>
+          <p:cNvPr id="9" name="Straight Arrow Connector 8">
+            <a:extLst>
+              <a:ext uri="{FF2B5EF4-FFF2-40B4-BE49-F238E27FC236}">
+                <a16:creationId xmlns:a16="http://schemas.microsoft.com/office/drawing/2014/main" id="{EE319336-E7D0-48F4-AF24-403D207BDC69}"/>
+              </a:ext>
+            </a:extLst>
+          </p:cNvPr>
+          <p:cNvCxnSpPr>
+            <a:cxnSpLocks/>
+          </p:cNvCxnSpPr>
+          <p:nvPr/>
+        </p:nvCxnSpPr>
+        <p:spPr>
+          <a:xfrm>
+            <a:off x="4191000" y="5334000"/>
+            <a:ext cx="457200" cy="457200"/>
+          </a:xfrm>
+          <a:prstGeom prst="straightConnector1">
+            <a:avLst/>
+          </a:prstGeom>
+          <a:ln w="34925">
+            <a:tailEnd type="triangle"/>
+          </a:ln>
+        </p:spPr>
+        <p:style>
+          <a:lnRef idx="1">
+            <a:schemeClr val="accent1"/>
+          </a:lnRef>
+          <a:fillRef idx="0">
+            <a:schemeClr val="accent1"/>
+          </a:fillRef>
+          <a:effectRef idx="0">
+            <a:schemeClr val="accent1"/>
+          </a:effectRef>
+          <a:fontRef idx="minor">
+            <a:schemeClr val="tx1"/>
+          </a:fontRef>
+        </p:style>
+      </p:cxnSp>
+    </p:spTree>
+    <p:extLst>
+      <p:ext uri="{BB962C8B-B14F-4D97-AF65-F5344CB8AC3E}">
+        <p14:creationId xmlns:p14="http://schemas.microsoft.com/office/powerpoint/2010/main" val="1961830619"/>
+      </p:ext>
+    </p:extLst>
+  </p:cSld>
+  <p:clrMapOvr>
+    <a:masterClrMapping/>
+  </p:clrMapOvr>
+</p:sld>
+</file>
+
+<file path=ppt/slides/slide50.xml><?xml version="1.0" encoding="utf-8"?>
 <p:sld xmlns:a="http://schemas.openxmlformats.org/drawingml/2006/main" xmlns:r="http://schemas.openxmlformats.org/officeDocument/2006/relationships" xmlns:p="http://schemas.openxmlformats.org/presentationml/2006/main">
   <p:cSld>
     <p:spTree>
@@ -26304,505 +26511,10 @@
   <p:clrMapOvr>
     <a:masterClrMapping/>
   </p:clrMapOvr>
-  <p:timing>
-    <p:tnLst>
-      <p:par>
-        <p:cTn id="1" dur="indefinite" restart="never" nodeType="tmRoot"/>
-      </p:par>
-    </p:tnLst>
-  </p:timing>
 </p:sld>
 </file>
 
-<file path=ppt/slides/slide5.xml><?xml version="1.0" encoding="utf-8"?>
-<p:sld xmlns:a="http://schemas.openxmlformats.org/drawingml/2006/main" xmlns:r="http://schemas.openxmlformats.org/officeDocument/2006/relationships" xmlns:p="http://schemas.openxmlformats.org/presentationml/2006/main">
-  <p:cSld>
-    <p:spTree>
-      <p:nvGrpSpPr>
-        <p:cNvPr id="1" name=""/>
-        <p:cNvGrpSpPr/>
-        <p:nvPr/>
-      </p:nvGrpSpPr>
-      <p:grpSpPr>
-        <a:xfrm>
-          <a:off x="0" y="0"/>
-          <a:ext cx="0" cy="0"/>
-          <a:chOff x="0" y="0"/>
-          <a:chExt cx="0" cy="0"/>
-        </a:xfrm>
-      </p:grpSpPr>
-      <p:sp>
-        <p:nvSpPr>
-          <p:cNvPr id="5" name="Rectangle 4"/>
-          <p:cNvSpPr/>
-          <p:nvPr/>
-        </p:nvSpPr>
-        <p:spPr>
-          <a:xfrm>
-            <a:off x="76200" y="152400"/>
-            <a:ext cx="8839200" cy="2308324"/>
-          </a:xfrm>
-          <a:prstGeom prst="rect">
-            <a:avLst/>
-          </a:prstGeom>
-        </p:spPr>
-        <p:txBody>
-          <a:bodyPr wrap="square">
-            <a:spAutoFit/>
-          </a:bodyPr>
-          <a:lstStyle/>
-          <a:p>
-            <a:r>
-              <a:rPr lang="en-US" dirty="0">
-                <a:solidFill>
-                  <a:srgbClr val="000000"/>
-                </a:solidFill>
-                <a:latin typeface="Arial" panose="020B0604020202020204" pitchFamily="34" charset="0"/>
-              </a:rPr>
-              <a:t>In less dependencies, Employee “insulates” </a:t>
-            </a:r>
-            <a:r>
-              <a:rPr lang="en-US" dirty="0" err="1">
-                <a:solidFill>
-                  <a:srgbClr val="000000"/>
-                </a:solidFill>
-                <a:latin typeface="Arial" panose="020B0604020202020204" pitchFamily="34" charset="0"/>
-              </a:rPr>
-              <a:t>HourTrackerMain</a:t>
-            </a:r>
-            <a:r>
-              <a:rPr lang="en-US" dirty="0">
-                <a:solidFill>
-                  <a:srgbClr val="000000"/>
-                </a:solidFill>
-                <a:latin typeface="Arial" panose="020B0604020202020204" pitchFamily="34" charset="0"/>
-              </a:rPr>
-              <a:t> from the existence of the </a:t>
-            </a:r>
-            <a:r>
-              <a:rPr lang="en-US" dirty="0" err="1">
-                <a:solidFill>
-                  <a:srgbClr val="000000"/>
-                </a:solidFill>
-                <a:latin typeface="Arial" panose="020B0604020202020204" pitchFamily="34" charset="0"/>
-              </a:rPr>
-              <a:t>WorkLog</a:t>
-            </a:r>
-            <a:r>
-              <a:rPr lang="en-US" dirty="0">
-                <a:solidFill>
-                  <a:srgbClr val="000000"/>
-                </a:solidFill>
-                <a:latin typeface="Arial" panose="020B0604020202020204" pitchFamily="34" charset="0"/>
-              </a:rPr>
-              <a:t> class.  This means changes in the way </a:t>
-            </a:r>
-            <a:r>
-              <a:rPr lang="en-US" dirty="0" err="1">
-                <a:solidFill>
-                  <a:srgbClr val="000000"/>
-                </a:solidFill>
-                <a:latin typeface="Arial" panose="020B0604020202020204" pitchFamily="34" charset="0"/>
-              </a:rPr>
-              <a:t>WorkLog</a:t>
-            </a:r>
-            <a:r>
-              <a:rPr lang="en-US" dirty="0">
-                <a:solidFill>
-                  <a:srgbClr val="000000"/>
-                </a:solidFill>
-                <a:latin typeface="Arial" panose="020B0604020202020204" pitchFamily="34" charset="0"/>
-              </a:rPr>
-              <a:t> works cannot affect Employee.  Similarly, changes in Employee cannot affect </a:t>
-            </a:r>
-            <a:r>
-              <a:rPr lang="en-US" dirty="0" err="1">
-                <a:solidFill>
-                  <a:srgbClr val="000000"/>
-                </a:solidFill>
-                <a:latin typeface="Arial" panose="020B0604020202020204" pitchFamily="34" charset="0"/>
-              </a:rPr>
-              <a:t>WorkLog</a:t>
-            </a:r>
-            <a:r>
-              <a:rPr lang="en-US" dirty="0">
-                <a:solidFill>
-                  <a:srgbClr val="000000"/>
-                </a:solidFill>
-                <a:latin typeface="Arial" panose="020B0604020202020204" pitchFamily="34" charset="0"/>
-              </a:rPr>
-              <a:t>.</a:t>
-            </a:r>
-          </a:p>
-          <a:p>
-            <a:endParaRPr lang="en-US" dirty="0">
-              <a:solidFill>
-                <a:srgbClr val="000000"/>
-              </a:solidFill>
-              <a:latin typeface="Arial" panose="020B0604020202020204" pitchFamily="34" charset="0"/>
-            </a:endParaRPr>
-          </a:p>
-          <a:p>
-            <a:r>
-              <a:rPr lang="en-US" dirty="0">
-                <a:solidFill>
-                  <a:srgbClr val="000000"/>
-                </a:solidFill>
-                <a:latin typeface="Arial" panose="020B0604020202020204" pitchFamily="34" charset="0"/>
-              </a:rPr>
-              <a:t>The less dependencies solution is also simpler.  Employee fully “owns” all it’s own data.  In more dependencies, the </a:t>
-            </a:r>
-            <a:r>
-              <a:rPr lang="en-US" dirty="0" err="1">
-                <a:solidFill>
-                  <a:srgbClr val="000000"/>
-                </a:solidFill>
-                <a:latin typeface="Arial" panose="020B0604020202020204" pitchFamily="34" charset="0"/>
-              </a:rPr>
-              <a:t>worklog</a:t>
-            </a:r>
-            <a:r>
-              <a:rPr lang="en-US" dirty="0">
-                <a:solidFill>
-                  <a:srgbClr val="000000"/>
-                </a:solidFill>
-                <a:latin typeface="Arial" panose="020B0604020202020204" pitchFamily="34" charset="0"/>
-              </a:rPr>
-              <a:t> is edited without employee’s knowledge.</a:t>
-            </a:r>
-            <a:endParaRPr lang="en-US" dirty="0"/>
-          </a:p>
-          <a:p>
-            <a:r>
-              <a:rPr lang="en-US" dirty="0"/>
-              <a:t/>
-            </a:r>
-            <a:br>
-              <a:rPr lang="en-US" dirty="0"/>
-            </a:br>
-            <a:endParaRPr lang="en-US" dirty="0"/>
-          </a:p>
-        </p:txBody>
-      </p:sp>
-      <p:pic>
-        <p:nvPicPr>
-          <p:cNvPr id="1028" name="Picture 4" descr="https://lh6.googleusercontent.com/I386rjyYmFDd_Ln3ujOTcIgnlVxeH-rcie-CGlD1glhMmS0MDbjaT8HkyidiqwQ58i2uJm3QXFrnQK3A22_U6tE23ErPwclKKyfNyeMwjR-kLOV7yGW7YBn8DxD21xrF2IBk1vAo">
-            <a:hlinkClick r:id="rId2"/>
-          </p:cNvPr>
-          <p:cNvPicPr>
-            <a:picLocks noChangeAspect="1" noChangeArrowheads="1"/>
-          </p:cNvPicPr>
-          <p:nvPr/>
-        </p:nvPicPr>
-        <p:blipFill>
-          <a:blip r:embed="rId3">
-            <a:extLst>
-              <a:ext uri="{28A0092B-C50C-407E-A947-70E740481C1C}">
-                <a14:useLocalDpi xmlns:a14="http://schemas.microsoft.com/office/drawing/2010/main" val="0"/>
-              </a:ext>
-            </a:extLst>
-          </a:blip>
-          <a:srcRect/>
-          <a:stretch>
-            <a:fillRect/>
-          </a:stretch>
-        </p:blipFill>
-        <p:spPr bwMode="auto">
-          <a:xfrm>
-            <a:off x="228600" y="2509776"/>
-            <a:ext cx="8305800" cy="1876793"/>
-          </a:xfrm>
-          <a:prstGeom prst="rect">
-            <a:avLst/>
-          </a:prstGeom>
-          <a:noFill/>
-          <a:extLst>
-            <a:ext uri="{909E8E84-426E-40DD-AFC4-6F175D3DCCD1}">
-              <a14:hiddenFill xmlns:a14="http://schemas.microsoft.com/office/drawing/2010/main">
-                <a:solidFill>
-                  <a:srgbClr val="FFFFFF"/>
-                </a:solidFill>
-              </a14:hiddenFill>
-            </a:ext>
-          </a:extLst>
-        </p:spPr>
-      </p:pic>
-      <p:pic>
-        <p:nvPicPr>
-          <p:cNvPr id="1032" name="Picture 8" descr="https://lh5.googleusercontent.com/FnI619sPRC6cODebnhDmq3aB3FmsphAKH4jOVgyoZTsMudHgQ_NG-yTnPJicwH-dv7k0nr0h1_qyYaacZGwRWVtY5qyw5wcQ5jx_MkvhRnHPPHMivCbjqIFs2kuifWVpRG-5-uLh">
-            <a:hlinkClick r:id="rId4"/>
-          </p:cNvPr>
-          <p:cNvPicPr>
-            <a:picLocks noChangeAspect="1" noChangeArrowheads="1"/>
-          </p:cNvPicPr>
-          <p:nvPr/>
-        </p:nvPicPr>
-        <p:blipFill>
-          <a:blip r:embed="rId5">
-            <a:extLst>
-              <a:ext uri="{28A0092B-C50C-407E-A947-70E740481C1C}">
-                <a14:useLocalDpi xmlns:a14="http://schemas.microsoft.com/office/drawing/2010/main" val="0"/>
-              </a:ext>
-            </a:extLst>
-          </a:blip>
-          <a:srcRect/>
-          <a:stretch>
-            <a:fillRect/>
-          </a:stretch>
-        </p:blipFill>
-        <p:spPr bwMode="auto">
-          <a:xfrm>
-            <a:off x="206649" y="4572000"/>
-            <a:ext cx="8327751" cy="2362200"/>
-          </a:xfrm>
-          <a:prstGeom prst="rect">
-            <a:avLst/>
-          </a:prstGeom>
-          <a:noFill/>
-          <a:extLst>
-            <a:ext uri="{909E8E84-426E-40DD-AFC4-6F175D3DCCD1}">
-              <a14:hiddenFill xmlns:a14="http://schemas.microsoft.com/office/drawing/2010/main">
-                <a:solidFill>
-                  <a:srgbClr val="FFFFFF"/>
-                </a:solidFill>
-              </a14:hiddenFill>
-            </a:ext>
-          </a:extLst>
-        </p:spPr>
-      </p:pic>
-      <p:sp>
-        <p:nvSpPr>
-          <p:cNvPr id="6" name="TextBox 5"/>
-          <p:cNvSpPr txBox="1"/>
-          <p:nvPr/>
-        </p:nvSpPr>
-        <p:spPr>
-          <a:xfrm>
-            <a:off x="228600" y="1798128"/>
-            <a:ext cx="2826415" cy="369332"/>
-          </a:xfrm>
-          <a:prstGeom prst="rect">
-            <a:avLst/>
-          </a:prstGeom>
-          <a:noFill/>
-        </p:spPr>
-        <p:txBody>
-          <a:bodyPr wrap="none" rtlCol="0">
-            <a:spAutoFit/>
-          </a:bodyPr>
-          <a:lstStyle/>
-          <a:p>
-            <a:r>
-              <a:rPr lang="en-US" b="1" dirty="0"/>
-              <a:t>Less Dependencies Solution</a:t>
-            </a:r>
-          </a:p>
-        </p:txBody>
-      </p:sp>
-      <p:sp>
-        <p:nvSpPr>
-          <p:cNvPr id="11" name="TextBox 10"/>
-          <p:cNvSpPr txBox="1"/>
-          <p:nvPr/>
-        </p:nvSpPr>
-        <p:spPr>
-          <a:xfrm>
-            <a:off x="234696" y="4583668"/>
-            <a:ext cx="2950488" cy="369332"/>
-          </a:xfrm>
-          <a:prstGeom prst="rect">
-            <a:avLst/>
-          </a:prstGeom>
-          <a:noFill/>
-        </p:spPr>
-        <p:txBody>
-          <a:bodyPr wrap="none" rtlCol="0">
-            <a:spAutoFit/>
-          </a:bodyPr>
-          <a:lstStyle/>
-          <a:p>
-            <a:r>
-              <a:rPr lang="en-US" b="1" dirty="0"/>
-              <a:t>More Dependencies Solution</a:t>
-            </a:r>
-          </a:p>
-        </p:txBody>
-      </p:sp>
-      <p:sp>
-        <p:nvSpPr>
-          <p:cNvPr id="2" name="Rectangle: Rounded Corners 1">
-            <a:extLst>
-              <a:ext uri="{FF2B5EF4-FFF2-40B4-BE49-F238E27FC236}">
-                <a16:creationId xmlns:a16="http://schemas.microsoft.com/office/drawing/2014/main" id="{D2DF736C-E80A-4645-A122-4CEF5178C895}"/>
-              </a:ext>
-            </a:extLst>
-          </p:cNvPr>
-          <p:cNvSpPr/>
-          <p:nvPr/>
-        </p:nvSpPr>
-        <p:spPr>
-          <a:xfrm>
-            <a:off x="76200" y="1845431"/>
-            <a:ext cx="8839200" cy="2551846"/>
-          </a:xfrm>
-          <a:prstGeom prst="roundRect">
-            <a:avLst/>
-          </a:prstGeom>
-          <a:noFill/>
-        </p:spPr>
-        <p:style>
-          <a:lnRef idx="2">
-            <a:schemeClr val="accent2">
-              <a:shade val="50000"/>
-            </a:schemeClr>
-          </a:lnRef>
-          <a:fillRef idx="1">
-            <a:schemeClr val="accent2"/>
-          </a:fillRef>
-          <a:effectRef idx="0">
-            <a:schemeClr val="accent2"/>
-          </a:effectRef>
-          <a:fontRef idx="minor">
-            <a:schemeClr val="lt1"/>
-          </a:fontRef>
-        </p:style>
-        <p:txBody>
-          <a:bodyPr rtlCol="0" anchor="ctr"/>
-          <a:lstStyle/>
-          <a:p>
-            <a:pPr algn="ctr"/>
-            <a:endParaRPr lang="en-US"/>
-          </a:p>
-        </p:txBody>
-      </p:sp>
-      <p:sp>
-        <p:nvSpPr>
-          <p:cNvPr id="8" name="TextBox 7">
-            <a:extLst>
-              <a:ext uri="{FF2B5EF4-FFF2-40B4-BE49-F238E27FC236}">
-                <a16:creationId xmlns:a16="http://schemas.microsoft.com/office/drawing/2014/main" id="{9CE0AEFF-86C6-4D9F-BEF3-E66209C6500E}"/>
-              </a:ext>
-            </a:extLst>
-          </p:cNvPr>
-          <p:cNvSpPr txBox="1"/>
-          <p:nvPr/>
-        </p:nvSpPr>
-        <p:spPr>
-          <a:xfrm>
-            <a:off x="7208839" y="4362271"/>
-            <a:ext cx="2329164" cy="1200329"/>
-          </a:xfrm>
-          <a:prstGeom prst="rect">
-            <a:avLst/>
-          </a:prstGeom>
-          <a:noFill/>
-        </p:spPr>
-        <p:txBody>
-          <a:bodyPr wrap="none" rtlCol="0">
-            <a:spAutoFit/>
-          </a:bodyPr>
-          <a:lstStyle/>
-          <a:p>
-            <a:r>
-              <a:rPr lang="en-US" dirty="0" err="1"/>
-              <a:t>HourTrackerMain</a:t>
-            </a:r>
-            <a:r>
-              <a:rPr lang="en-US" dirty="0"/>
-              <a:t> </a:t>
-            </a:r>
-          </a:p>
-          <a:p>
-            <a:r>
-              <a:rPr lang="en-US" dirty="0"/>
-              <a:t>“knows” about </a:t>
-            </a:r>
-          </a:p>
-          <a:p>
-            <a:r>
-              <a:rPr lang="en-US" dirty="0" err="1"/>
-              <a:t>WorkLog</a:t>
-            </a:r>
-            <a:r>
-              <a:rPr lang="en-US" dirty="0"/>
-              <a:t>, creates one, </a:t>
-            </a:r>
-          </a:p>
-          <a:p>
-            <a:r>
-              <a:rPr lang="en-US" dirty="0"/>
-              <a:t>then calls </a:t>
-            </a:r>
-            <a:r>
-              <a:rPr lang="en-US" dirty="0" err="1"/>
-              <a:t>addWorkLog</a:t>
-            </a:r>
-            <a:endParaRPr lang="en-US" dirty="0"/>
-          </a:p>
-        </p:txBody>
-      </p:sp>
-      <p:cxnSp>
-        <p:nvCxnSpPr>
-          <p:cNvPr id="9" name="Straight Arrow Connector 8">
-            <a:extLst>
-              <a:ext uri="{FF2B5EF4-FFF2-40B4-BE49-F238E27FC236}">
-                <a16:creationId xmlns:a16="http://schemas.microsoft.com/office/drawing/2014/main" id="{EE319336-E7D0-48F4-AF24-403D207BDC69}"/>
-              </a:ext>
-            </a:extLst>
-          </p:cNvPr>
-          <p:cNvCxnSpPr>
-            <a:cxnSpLocks/>
-          </p:cNvCxnSpPr>
-          <p:nvPr/>
-        </p:nvCxnSpPr>
-        <p:spPr>
-          <a:xfrm>
-            <a:off x="4152900" y="6123978"/>
-            <a:ext cx="457200" cy="457200"/>
-          </a:xfrm>
-          <a:prstGeom prst="straightConnector1">
-            <a:avLst/>
-          </a:prstGeom>
-          <a:ln w="34925">
-            <a:tailEnd type="triangle"/>
-          </a:ln>
-        </p:spPr>
-        <p:style>
-          <a:lnRef idx="1">
-            <a:schemeClr val="accent1"/>
-          </a:lnRef>
-          <a:fillRef idx="0">
-            <a:schemeClr val="accent1"/>
-          </a:fillRef>
-          <a:effectRef idx="0">
-            <a:schemeClr val="accent1"/>
-          </a:effectRef>
-          <a:fontRef idx="minor">
-            <a:schemeClr val="tx1"/>
-          </a:fontRef>
-        </p:style>
-      </p:cxnSp>
-    </p:spTree>
-    <p:extLst>
-      <p:ext uri="{BB962C8B-B14F-4D97-AF65-F5344CB8AC3E}">
-        <p14:creationId xmlns:p14="http://schemas.microsoft.com/office/powerpoint/2010/main" val="882866124"/>
-      </p:ext>
-    </p:extLst>
-  </p:cSld>
-  <p:clrMapOvr>
-    <a:masterClrMapping/>
-  </p:clrMapOvr>
-  <p:timing>
-    <p:tnLst>
-      <p:par>
-        <p:cTn id="1" dur="indefinite" restart="never" nodeType="tmRoot"/>
-      </p:par>
-    </p:tnLst>
-  </p:timing>
-</p:sld>
-</file>
-
-<file path=ppt/slides/slide50.xml><?xml version="1.0" encoding="utf-8"?>
+<file path=ppt/slides/slide51.xml><?xml version="1.0" encoding="utf-8"?>
 <p:sld xmlns:a="http://schemas.openxmlformats.org/drawingml/2006/main" xmlns:r="http://schemas.openxmlformats.org/officeDocument/2006/relationships" xmlns:p="http://schemas.openxmlformats.org/presentationml/2006/main">
   <p:cSld>
     <p:spTree>
@@ -26925,17 +26637,10 @@
   <p:clrMapOvr>
     <a:masterClrMapping/>
   </p:clrMapOvr>
-  <p:timing>
-    <p:tnLst>
-      <p:par>
-        <p:cTn id="1" dur="indefinite" restart="never" nodeType="tmRoot"/>
-      </p:par>
-    </p:tnLst>
-  </p:timing>
 </p:sld>
 </file>
 
-<file path=ppt/slides/slide51.xml><?xml version="1.0" encoding="utf-8"?>
+<file path=ppt/slides/slide52.xml><?xml version="1.0" encoding="utf-8"?>
 <p:sld xmlns:a="http://schemas.openxmlformats.org/drawingml/2006/main" xmlns:r="http://schemas.openxmlformats.org/officeDocument/2006/relationships" xmlns:p="http://schemas.openxmlformats.org/presentationml/2006/main">
   <p:cSld>
     <p:spTree>
@@ -27198,17 +26903,10 @@
   <p:clrMapOvr>
     <a:masterClrMapping/>
   </p:clrMapOvr>
-  <p:timing>
-    <p:tnLst>
-      <p:par>
-        <p:cTn id="1" dur="indefinite" restart="never" nodeType="tmRoot"/>
-      </p:par>
-    </p:tnLst>
-  </p:timing>
 </p:sld>
 </file>
 
-<file path=ppt/slides/slide52.xml><?xml version="1.0" encoding="utf-8"?>
+<file path=ppt/slides/slide53.xml><?xml version="1.0" encoding="utf-8"?>
 <p:sld xmlns:a="http://schemas.openxmlformats.org/drawingml/2006/main" xmlns:r="http://schemas.openxmlformats.org/officeDocument/2006/relationships" xmlns:p="http://schemas.openxmlformats.org/presentationml/2006/main">
   <p:cSld>
     <p:spTree>
@@ -27331,17 +27029,10 @@
   <p:clrMapOvr>
     <a:masterClrMapping/>
   </p:clrMapOvr>
-  <p:timing>
-    <p:tnLst>
-      <p:par>
-        <p:cTn id="1" dur="indefinite" restart="never" nodeType="tmRoot"/>
-      </p:par>
-    </p:tnLst>
-  </p:timing>
 </p:sld>
 </file>
 
-<file path=ppt/slides/slide53.xml><?xml version="1.0" encoding="utf-8"?>
+<file path=ppt/slides/slide54.xml><?xml version="1.0" encoding="utf-8"?>
 <p:sld xmlns:a="http://schemas.openxmlformats.org/drawingml/2006/main" xmlns:r="http://schemas.openxmlformats.org/officeDocument/2006/relationships" xmlns:p="http://schemas.openxmlformats.org/presentationml/2006/main">
   <p:cSld>
     <p:spTree>
@@ -27623,134 +27314,6 @@
   <p:clrMapOvr>
     <a:masterClrMapping/>
   </p:clrMapOvr>
-  <p:timing>
-    <p:tnLst>
-      <p:par>
-        <p:cTn id="1" dur="indefinite" restart="never" nodeType="tmRoot"/>
-      </p:par>
-    </p:tnLst>
-  </p:timing>
-</p:sld>
-</file>
-
-<file path=ppt/slides/slide54.xml><?xml version="1.0" encoding="utf-8"?>
-<p:sld xmlns:a="http://schemas.openxmlformats.org/drawingml/2006/main" xmlns:r="http://schemas.openxmlformats.org/officeDocument/2006/relationships" xmlns:p="http://schemas.openxmlformats.org/presentationml/2006/main">
-  <p:cSld>
-    <p:spTree>
-      <p:nvGrpSpPr>
-        <p:cNvPr id="1" name=""/>
-        <p:cNvGrpSpPr/>
-        <p:nvPr/>
-      </p:nvGrpSpPr>
-      <p:grpSpPr>
-        <a:xfrm>
-          <a:off x="0" y="0"/>
-          <a:ext cx="0" cy="0"/>
-          <a:chOff x="0" y="0"/>
-          <a:chExt cx="0" cy="0"/>
-        </a:xfrm>
-      </p:grpSpPr>
-      <p:sp>
-        <p:nvSpPr>
-          <p:cNvPr id="2" name="Title 1"/>
-          <p:cNvSpPr>
-            <a:spLocks noGrp="1"/>
-          </p:cNvSpPr>
-          <p:nvPr>
-            <p:ph type="title"/>
-          </p:nvPr>
-        </p:nvSpPr>
-        <p:spPr/>
-        <p:txBody>
-          <a:bodyPr/>
-          <a:lstStyle/>
-          <a:p>
-            <a:r>
-              <a:rPr lang="en-US" dirty="0"/>
-              <a:t>Note that</a:t>
-            </a:r>
-          </a:p>
-        </p:txBody>
-      </p:sp>
-      <p:sp>
-        <p:nvSpPr>
-          <p:cNvPr id="3" name="Content Placeholder 2"/>
-          <p:cNvSpPr>
-            <a:spLocks noGrp="1"/>
-          </p:cNvSpPr>
-          <p:nvPr>
-            <p:ph idx="1"/>
-          </p:nvPr>
-        </p:nvSpPr>
-        <p:spPr/>
-        <p:txBody>
-          <a:bodyPr/>
-          <a:lstStyle/>
-          <a:p>
-            <a:r>
-              <a:rPr lang="en-US" dirty="0"/>
-              <a:t>Cohesion makes us want: </a:t>
-            </a:r>
-          </a:p>
-          <a:p>
-            <a:pPr lvl="1"/>
-            <a:r>
-              <a:rPr lang="en-US" dirty="0"/>
-              <a:t>Many smaller classes</a:t>
-            </a:r>
-          </a:p>
-          <a:p>
-            <a:pPr lvl="1"/>
-            <a:r>
-              <a:rPr lang="en-US" dirty="0"/>
-              <a:t>Classes that do only one thing well</a:t>
-            </a:r>
-          </a:p>
-          <a:p>
-            <a:r>
-              <a:rPr lang="en-US" dirty="0"/>
-              <a:t>If classes are too small</a:t>
-            </a:r>
-          </a:p>
-          <a:p>
-            <a:pPr lvl="1"/>
-            <a:r>
-              <a:rPr lang="en-US" dirty="0"/>
-              <a:t>Tend to need to depend on each other</a:t>
-            </a:r>
-          </a:p>
-          <a:p>
-            <a:pPr lvl="1"/>
-            <a:r>
-              <a:rPr lang="en-US" dirty="0"/>
-              <a:t>Coupling rises</a:t>
-            </a:r>
-          </a:p>
-          <a:p>
-            <a:r>
-              <a:rPr lang="en-US" dirty="0"/>
-              <a:t>Want “Goldilocks” design</a:t>
-            </a:r>
-          </a:p>
-        </p:txBody>
-      </p:sp>
-    </p:spTree>
-    <p:extLst>
-      <p:ext uri="{BB962C8B-B14F-4D97-AF65-F5344CB8AC3E}">
-        <p14:creationId xmlns:p14="http://schemas.microsoft.com/office/powerpoint/2010/main" val="2484767416"/>
-      </p:ext>
-    </p:extLst>
-  </p:cSld>
-  <p:clrMapOvr>
-    <a:masterClrMapping/>
-  </p:clrMapOvr>
-  <p:timing>
-    <p:tnLst>
-      <p:par>
-        <p:cTn id="1" dur="indefinite" restart="never" nodeType="tmRoot"/>
-      </p:par>
-    </p:tnLst>
-  </p:timing>
 </p:sld>
 </file>
 
@@ -27787,10 +27350,9 @@
           <a:lstStyle/>
           <a:p>
             <a:r>
-              <a:rPr lang="en-US" dirty="0" smtClean="0"/>
-              <a:t>Reminder</a:t>
-            </a:r>
-            <a:endParaRPr lang="en-US" dirty="0"/>
+              <a:rPr lang="en-US" dirty="0"/>
+              <a:t>Note that</a:t>
+            </a:r>
           </a:p>
         </p:txBody>
       </p:sp>
@@ -27806,35 +27368,148 @@
         </p:nvSpPr>
         <p:spPr/>
         <p:txBody>
+          <a:bodyPr/>
+          <a:lstStyle/>
+          <a:p>
+            <a:r>
+              <a:rPr lang="en-US" dirty="0"/>
+              <a:t>Cohesion makes us want: </a:t>
+            </a:r>
+          </a:p>
+          <a:p>
+            <a:pPr lvl="1"/>
+            <a:r>
+              <a:rPr lang="en-US" dirty="0"/>
+              <a:t>Many smaller classes</a:t>
+            </a:r>
+          </a:p>
+          <a:p>
+            <a:pPr lvl="1"/>
+            <a:r>
+              <a:rPr lang="en-US" dirty="0"/>
+              <a:t>Classes that do only one thing well</a:t>
+            </a:r>
+          </a:p>
+          <a:p>
+            <a:r>
+              <a:rPr lang="en-US" dirty="0"/>
+              <a:t>If classes are too small</a:t>
+            </a:r>
+          </a:p>
+          <a:p>
+            <a:pPr lvl="1"/>
+            <a:r>
+              <a:rPr lang="en-US" dirty="0"/>
+              <a:t>Tend to need to depend on each other</a:t>
+            </a:r>
+          </a:p>
+          <a:p>
+            <a:pPr lvl="1"/>
+            <a:r>
+              <a:rPr lang="en-US" dirty="0"/>
+              <a:t>Coupling rises</a:t>
+            </a:r>
+          </a:p>
+          <a:p>
+            <a:r>
+              <a:rPr lang="en-US" dirty="0"/>
+              <a:t>Want “Goldilocks” design</a:t>
+            </a:r>
+          </a:p>
+        </p:txBody>
+      </p:sp>
+    </p:spTree>
+    <p:extLst>
+      <p:ext uri="{BB962C8B-B14F-4D97-AF65-F5344CB8AC3E}">
+        <p14:creationId xmlns:p14="http://schemas.microsoft.com/office/powerpoint/2010/main" val="2484767416"/>
+      </p:ext>
+    </p:extLst>
+  </p:cSld>
+  <p:clrMapOvr>
+    <a:masterClrMapping/>
+  </p:clrMapOvr>
+</p:sld>
+</file>
+
+<file path=ppt/slides/slide56.xml><?xml version="1.0" encoding="utf-8"?>
+<p:sld xmlns:a="http://schemas.openxmlformats.org/drawingml/2006/main" xmlns:r="http://schemas.openxmlformats.org/officeDocument/2006/relationships" xmlns:p="http://schemas.openxmlformats.org/presentationml/2006/main">
+  <p:cSld>
+    <p:spTree>
+      <p:nvGrpSpPr>
+        <p:cNvPr id="1" name=""/>
+        <p:cNvGrpSpPr/>
+        <p:nvPr/>
+      </p:nvGrpSpPr>
+      <p:grpSpPr>
+        <a:xfrm>
+          <a:off x="0" y="0"/>
+          <a:ext cx="0" cy="0"/>
+          <a:chOff x="0" y="0"/>
+          <a:chExt cx="0" cy="0"/>
+        </a:xfrm>
+      </p:grpSpPr>
+      <p:sp>
+        <p:nvSpPr>
+          <p:cNvPr id="2" name="Title 1"/>
+          <p:cNvSpPr>
+            <a:spLocks noGrp="1"/>
+          </p:cNvSpPr>
+          <p:nvPr>
+            <p:ph type="title"/>
+          </p:nvPr>
+        </p:nvSpPr>
+        <p:spPr/>
+        <p:txBody>
+          <a:bodyPr/>
+          <a:lstStyle/>
+          <a:p>
+            <a:r>
+              <a:rPr lang="en-US" dirty="0"/>
+              <a:t>Reminder</a:t>
+            </a:r>
+          </a:p>
+        </p:txBody>
+      </p:sp>
+      <p:sp>
+        <p:nvSpPr>
+          <p:cNvPr id="3" name="Content Placeholder 2"/>
+          <p:cNvSpPr>
+            <a:spLocks noGrp="1"/>
+          </p:cNvSpPr>
+          <p:nvPr>
+            <p:ph idx="1"/>
+          </p:nvPr>
+        </p:nvSpPr>
+        <p:spPr/>
+        <p:txBody>
           <a:bodyPr>
             <a:normAutofit/>
           </a:bodyPr>
           <a:lstStyle/>
           <a:p>
             <a:r>
-              <a:rPr lang="en-US" dirty="0" smtClean="0"/>
+              <a:rPr lang="en-US" dirty="0"/>
               <a:t>DesignProblems2 is due soon!</a:t>
             </a:r>
           </a:p>
           <a:p>
             <a:pPr lvl="1"/>
             <a:r>
-              <a:rPr lang="en-US" dirty="0" smtClean="0"/>
+              <a:rPr lang="en-US" dirty="0"/>
               <a:t>Check schedule page</a:t>
             </a:r>
           </a:p>
           <a:p>
             <a:r>
-              <a:rPr lang="en-US" dirty="0" err="1" smtClean="0">
+              <a:rPr lang="en-US" dirty="0" err="1">
                 <a:hlinkClick r:id="rId2"/>
               </a:rPr>
               <a:t>DesignProblems</a:t>
             </a:r>
             <a:r>
-              <a:rPr lang="en-US" dirty="0" smtClean="0"/>
+              <a:rPr lang="en-US" dirty="0"/>
               <a:t> Homework Page</a:t>
             </a:r>
-            <a:endParaRPr lang="en-US" dirty="0"/>
           </a:p>
           <a:p>
             <a:r>
@@ -27848,19 +27523,7 @@
               <a:rPr lang="en-US" dirty="0">
                 <a:hlinkClick r:id="rId3"/>
               </a:rPr>
-              <a:t>Here are a set of </a:t>
-            </a:r>
-            <a:r>
-              <a:rPr lang="en-US" dirty="0" smtClean="0">
-                <a:hlinkClick r:id="rId3"/>
-              </a:rPr>
-              <a:t>design </a:t>
-            </a:r>
-            <a:r>
-              <a:rPr lang="en-US" dirty="0">
-                <a:hlinkClick r:id="rId3"/>
-              </a:rPr>
-              <a:t>problems for you to practice on your own</a:t>
+              <a:t>Here are a set of design problems for you to practice on your own</a:t>
             </a:r>
             <a:r>
               <a:rPr lang="en-US" dirty="0"/>
@@ -27882,13 +27545,6 @@
   <p:clrMapOvr>
     <a:masterClrMapping/>
   </p:clrMapOvr>
-  <p:timing>
-    <p:tnLst>
-      <p:par>
-        <p:cTn id="1" dur="indefinite" restart="never" nodeType="tmRoot"/>
-      </p:par>
-    </p:tnLst>
-  </p:timing>
 </p:sld>
 </file>
 
@@ -27933,7 +27589,7 @@
               <a:buNone/>
             </a:pPr>
             <a:r>
-              <a:rPr lang="en-US" dirty="0"/>
+              <a:rPr lang="en-US"/>
               <a:t>Oftentimes you cannot remove dependencies without breaking functionality though.</a:t>
             </a:r>
           </a:p>
@@ -27964,7 +27620,7 @@
         </p:blipFill>
         <p:spPr bwMode="auto">
           <a:xfrm>
-            <a:off x="152400" y="2286000"/>
+            <a:off x="685800" y="1447800"/>
             <a:ext cx="7772400" cy="1842789"/>
           </a:xfrm>
           <a:prstGeom prst="rect">
@@ -27982,23 +27638,234 @@
           </a:extLst>
         </p:spPr>
       </p:pic>
+      <p:sp>
+        <p:nvSpPr>
+          <p:cNvPr id="4" name="Content Placeholder 2">
+            <a:extLst>
+              <a:ext uri="{FF2B5EF4-FFF2-40B4-BE49-F238E27FC236}">
+                <a16:creationId xmlns:a16="http://schemas.microsoft.com/office/drawing/2014/main" id="{3CCC50A1-33D1-1B4C-AA53-F70359D907F6}"/>
+              </a:ext>
+            </a:extLst>
+          </p:cNvPr>
+          <p:cNvSpPr txBox="1">
+            <a:spLocks/>
+          </p:cNvSpPr>
+          <p:nvPr/>
+        </p:nvSpPr>
+        <p:spPr>
+          <a:xfrm>
+            <a:off x="457200" y="3657600"/>
+            <a:ext cx="8229600" cy="2468563"/>
+          </a:xfrm>
+          <a:prstGeom prst="rect">
+            <a:avLst/>
+          </a:prstGeom>
+        </p:spPr>
+        <p:txBody>
+          <a:bodyPr vert="horz" lIns="91440" tIns="45720" rIns="91440" bIns="45720" rtlCol="0">
+            <a:normAutofit lnSpcReduction="10000"/>
+          </a:bodyPr>
+          <a:lstStyle>
+            <a:lvl1pPr marL="342900" indent="-342900" algn="l" defTabSz="914400" rtl="0" eaLnBrk="1" latinLnBrk="0" hangingPunct="1">
+              <a:spcBef>
+                <a:spcPct val="20000"/>
+              </a:spcBef>
+              <a:buFont typeface="Arial" panose="020B0604020202020204" pitchFamily="34" charset="0"/>
+              <a:buChar char="•"/>
+              <a:defRPr sz="3200" kern="1200">
+                <a:solidFill>
+                  <a:schemeClr val="tx1"/>
+                </a:solidFill>
+                <a:latin typeface="+mn-lt"/>
+                <a:ea typeface="+mn-ea"/>
+                <a:cs typeface="+mn-cs"/>
+              </a:defRPr>
+            </a:lvl1pPr>
+            <a:lvl2pPr marL="742950" indent="-285750" algn="l" defTabSz="914400" rtl="0" eaLnBrk="1" latinLnBrk="0" hangingPunct="1">
+              <a:spcBef>
+                <a:spcPct val="20000"/>
+              </a:spcBef>
+              <a:buFont typeface="Arial" panose="020B0604020202020204" pitchFamily="34" charset="0"/>
+              <a:buChar char="–"/>
+              <a:defRPr sz="2800" kern="1200">
+                <a:solidFill>
+                  <a:schemeClr val="tx1"/>
+                </a:solidFill>
+                <a:latin typeface="+mn-lt"/>
+                <a:ea typeface="+mn-ea"/>
+                <a:cs typeface="+mn-cs"/>
+              </a:defRPr>
+            </a:lvl2pPr>
+            <a:lvl3pPr marL="1143000" indent="-228600" algn="l" defTabSz="914400" rtl="0" eaLnBrk="1" latinLnBrk="0" hangingPunct="1">
+              <a:spcBef>
+                <a:spcPct val="20000"/>
+              </a:spcBef>
+              <a:buFont typeface="Arial" panose="020B0604020202020204" pitchFamily="34" charset="0"/>
+              <a:buChar char="•"/>
+              <a:defRPr sz="2400" kern="1200">
+                <a:solidFill>
+                  <a:schemeClr val="tx1"/>
+                </a:solidFill>
+                <a:latin typeface="+mn-lt"/>
+                <a:ea typeface="+mn-ea"/>
+                <a:cs typeface="+mn-cs"/>
+              </a:defRPr>
+            </a:lvl3pPr>
+            <a:lvl4pPr marL="1600200" indent="-228600" algn="l" defTabSz="914400" rtl="0" eaLnBrk="1" latinLnBrk="0" hangingPunct="1">
+              <a:spcBef>
+                <a:spcPct val="20000"/>
+              </a:spcBef>
+              <a:buFont typeface="Arial" panose="020B0604020202020204" pitchFamily="34" charset="0"/>
+              <a:buChar char="–"/>
+              <a:defRPr sz="2000" kern="1200">
+                <a:solidFill>
+                  <a:schemeClr val="tx1"/>
+                </a:solidFill>
+                <a:latin typeface="+mn-lt"/>
+                <a:ea typeface="+mn-ea"/>
+                <a:cs typeface="+mn-cs"/>
+              </a:defRPr>
+            </a:lvl4pPr>
+            <a:lvl5pPr marL="2057400" indent="-228600" algn="l" defTabSz="914400" rtl="0" eaLnBrk="1" latinLnBrk="0" hangingPunct="1">
+              <a:spcBef>
+                <a:spcPct val="20000"/>
+              </a:spcBef>
+              <a:buFont typeface="Arial" panose="020B0604020202020204" pitchFamily="34" charset="0"/>
+              <a:buChar char="»"/>
+              <a:defRPr sz="2000" kern="1200">
+                <a:solidFill>
+                  <a:schemeClr val="tx1"/>
+                </a:solidFill>
+                <a:latin typeface="+mn-lt"/>
+                <a:ea typeface="+mn-ea"/>
+                <a:cs typeface="+mn-cs"/>
+              </a:defRPr>
+            </a:lvl5pPr>
+            <a:lvl6pPr marL="2514600" indent="-228600" algn="l" defTabSz="914400" rtl="0" eaLnBrk="1" latinLnBrk="0" hangingPunct="1">
+              <a:spcBef>
+                <a:spcPct val="20000"/>
+              </a:spcBef>
+              <a:buFont typeface="Arial" panose="020B0604020202020204" pitchFamily="34" charset="0"/>
+              <a:buChar char="•"/>
+              <a:defRPr sz="2000" kern="1200">
+                <a:solidFill>
+                  <a:schemeClr val="tx1"/>
+                </a:solidFill>
+                <a:latin typeface="+mn-lt"/>
+                <a:ea typeface="+mn-ea"/>
+                <a:cs typeface="+mn-cs"/>
+              </a:defRPr>
+            </a:lvl6pPr>
+            <a:lvl7pPr marL="2971800" indent="-228600" algn="l" defTabSz="914400" rtl="0" eaLnBrk="1" latinLnBrk="0" hangingPunct="1">
+              <a:spcBef>
+                <a:spcPct val="20000"/>
+              </a:spcBef>
+              <a:buFont typeface="Arial" panose="020B0604020202020204" pitchFamily="34" charset="0"/>
+              <a:buChar char="•"/>
+              <a:defRPr sz="2000" kern="1200">
+                <a:solidFill>
+                  <a:schemeClr val="tx1"/>
+                </a:solidFill>
+                <a:latin typeface="+mn-lt"/>
+                <a:ea typeface="+mn-ea"/>
+                <a:cs typeface="+mn-cs"/>
+              </a:defRPr>
+            </a:lvl7pPr>
+            <a:lvl8pPr marL="3429000" indent="-228600" algn="l" defTabSz="914400" rtl="0" eaLnBrk="1" latinLnBrk="0" hangingPunct="1">
+              <a:spcBef>
+                <a:spcPct val="20000"/>
+              </a:spcBef>
+              <a:buFont typeface="Arial" panose="020B0604020202020204" pitchFamily="34" charset="0"/>
+              <a:buChar char="•"/>
+              <a:defRPr sz="2000" kern="1200">
+                <a:solidFill>
+                  <a:schemeClr val="tx1"/>
+                </a:solidFill>
+                <a:latin typeface="+mn-lt"/>
+                <a:ea typeface="+mn-ea"/>
+                <a:cs typeface="+mn-cs"/>
+              </a:defRPr>
+            </a:lvl8pPr>
+            <a:lvl9pPr marL="3886200" indent="-228600" algn="l" defTabSz="914400" rtl="0" eaLnBrk="1" latinLnBrk="0" hangingPunct="1">
+              <a:spcBef>
+                <a:spcPct val="20000"/>
+              </a:spcBef>
+              <a:buFont typeface="Arial" panose="020B0604020202020204" pitchFamily="34" charset="0"/>
+              <a:buChar char="•"/>
+              <a:defRPr sz="2000" kern="1200">
+                <a:solidFill>
+                  <a:schemeClr val="tx1"/>
+                </a:solidFill>
+                <a:latin typeface="+mn-lt"/>
+                <a:ea typeface="+mn-ea"/>
+                <a:cs typeface="+mn-cs"/>
+              </a:defRPr>
+            </a:lvl9pPr>
+          </a:lstStyle>
+          <a:p>
+            <a:pPr fontAlgn="base"/>
+            <a:r>
+              <a:rPr lang="en-US"/>
+              <a:t>Here there are 3 dependencies</a:t>
+            </a:r>
+          </a:p>
+          <a:p>
+            <a:pPr marL="971550" lvl="1" indent="-514350" fontAlgn="base">
+              <a:buFont typeface="+mj-lt"/>
+              <a:buAutoNum type="arabicPeriod"/>
+            </a:pPr>
+            <a:r>
+              <a:rPr lang="en-US" err="1"/>
+              <a:t>QuizMain</a:t>
+            </a:r>
+            <a:r>
+              <a:rPr lang="en-US"/>
+              <a:t> to Question</a:t>
+            </a:r>
+          </a:p>
+          <a:p>
+            <a:pPr marL="971550" lvl="1" indent="-514350" fontAlgn="base">
+              <a:buFont typeface="+mj-lt"/>
+              <a:buAutoNum type="arabicPeriod"/>
+            </a:pPr>
+            <a:r>
+              <a:rPr lang="en-US" err="1"/>
+              <a:t>QuizMain</a:t>
+            </a:r>
+            <a:r>
+              <a:rPr lang="en-US"/>
+              <a:t> to Quiz</a:t>
+            </a:r>
+          </a:p>
+          <a:p>
+            <a:pPr marL="971550" lvl="1" indent="-514350" fontAlgn="base">
+              <a:buFont typeface="+mj-lt"/>
+              <a:buAutoNum type="arabicPeriod"/>
+            </a:pPr>
+            <a:r>
+              <a:rPr lang="en-US"/>
+              <a:t>Quiz to Question</a:t>
+            </a:r>
+          </a:p>
+          <a:p>
+            <a:pPr lvl="1" fontAlgn="base"/>
+            <a:r>
+              <a:rPr lang="en-US"/>
+              <a:t>None can be removed w/o breaking functionality</a:t>
+            </a:r>
+          </a:p>
+        </p:txBody>
+      </p:sp>
     </p:spTree>
     <p:extLst>
       <p:ext uri="{BB962C8B-B14F-4D97-AF65-F5344CB8AC3E}">
-        <p14:creationId xmlns:p14="http://schemas.microsoft.com/office/powerpoint/2010/main" val="868041478"/>
+        <p14:creationId xmlns:p14="http://schemas.microsoft.com/office/powerpoint/2010/main" val="2322880699"/>
       </p:ext>
     </p:extLst>
   </p:cSld>
   <p:clrMapOvr>
     <a:masterClrMapping/>
   </p:clrMapOvr>
-  <p:timing>
-    <p:tnLst>
-      <p:par>
-        <p:cTn id="1" dur="indefinite" restart="never" nodeType="tmRoot"/>
-      </p:par>
-    </p:tnLst>
-  </p:timing>
 </p:sld>
 </file>
 
@@ -28036,17 +27903,64 @@
           <a:p>
             <a:r>
               <a:rPr lang="en-US" dirty="0"/>
-              <a:t>Today’s topic </a:t>
-            </a:r>
-            <a:r>
-              <a:rPr lang="en-US" dirty="0" smtClean="0"/>
-              <a:t>– </a:t>
-            </a:r>
-            <a:r>
-              <a:rPr lang="en-US" b="1" i="1" dirty="0" smtClean="0"/>
               <a:t>Tell Don’t Ask</a:t>
             </a:r>
-            <a:endParaRPr lang="en-US" b="1" i="1" dirty="0"/>
+          </a:p>
+        </p:txBody>
+      </p:sp>
+    </p:spTree>
+    <p:extLst>
+      <p:ext uri="{BB962C8B-B14F-4D97-AF65-F5344CB8AC3E}">
+        <p14:creationId xmlns:p14="http://schemas.microsoft.com/office/powerpoint/2010/main" val="4151074467"/>
+      </p:ext>
+    </p:extLst>
+  </p:cSld>
+  <p:clrMapOvr>
+    <a:masterClrMapping/>
+  </p:clrMapOvr>
+</p:sld>
+</file>
+
+<file path=ppt/slides/slide8.xml><?xml version="1.0" encoding="utf-8"?>
+<p:sld xmlns:a="http://schemas.openxmlformats.org/drawingml/2006/main" xmlns:r="http://schemas.openxmlformats.org/officeDocument/2006/relationships" xmlns:p="http://schemas.openxmlformats.org/presentationml/2006/main">
+  <p:cSld>
+    <p:spTree>
+      <p:nvGrpSpPr>
+        <p:cNvPr id="1" name=""/>
+        <p:cNvGrpSpPr/>
+        <p:nvPr/>
+      </p:nvGrpSpPr>
+      <p:grpSpPr>
+        <a:xfrm>
+          <a:off x="0" y="0"/>
+          <a:ext cx="0" cy="0"/>
+          <a:chOff x="0" y="0"/>
+          <a:chExt cx="0" cy="0"/>
+        </a:xfrm>
+      </p:grpSpPr>
+      <p:sp>
+        <p:nvSpPr>
+          <p:cNvPr id="2" name="Title 1"/>
+          <p:cNvSpPr>
+            <a:spLocks noGrp="1"/>
+          </p:cNvSpPr>
+          <p:nvPr>
+            <p:ph type="title"/>
+          </p:nvPr>
+        </p:nvSpPr>
+        <p:spPr/>
+        <p:txBody>
+          <a:bodyPr/>
+          <a:lstStyle/>
+          <a:p>
+            <a:r>
+              <a:rPr lang="en-US" dirty="0"/>
+              <a:t>Today’s topic – </a:t>
+            </a:r>
+            <a:r>
+              <a:rPr lang="en-US" b="1" i="1" dirty="0"/>
+              <a:t>Tell Don’t Ask</a:t>
+            </a:r>
           </a:p>
         </p:txBody>
       </p:sp>
@@ -28130,17 +28044,10 @@
   <p:clrMapOvr>
     <a:masterClrMapping/>
   </p:clrMapOvr>
-  <p:timing>
-    <p:tnLst>
-      <p:par>
-        <p:cTn id="1" dur="indefinite" restart="never" nodeType="tmRoot"/>
-      </p:par>
-    </p:tnLst>
-  </p:timing>
 </p:sld>
 </file>
 
-<file path=ppt/slides/slide8.xml><?xml version="1.0" encoding="utf-8"?>
+<file path=ppt/slides/slide9.xml><?xml version="1.0" encoding="utf-8"?>
 <p:sld xmlns:a="http://schemas.openxmlformats.org/drawingml/2006/main" xmlns:r="http://schemas.openxmlformats.org/officeDocument/2006/relationships" xmlns:p="http://schemas.openxmlformats.org/presentationml/2006/main">
   <p:cSld>
     <p:spTree>
@@ -28661,240 +28568,6 @@
   <p:clrMapOvr>
     <a:masterClrMapping/>
   </p:clrMapOvr>
-  <p:timing>
-    <p:tnLst>
-      <p:par>
-        <p:cTn id="1" dur="indefinite" restart="never" nodeType="tmRoot"/>
-      </p:par>
-    </p:tnLst>
-  </p:timing>
-</p:sld>
-</file>
-
-<file path=ppt/slides/slide9.xml><?xml version="1.0" encoding="utf-8"?>
-<p:sld xmlns:a="http://schemas.openxmlformats.org/drawingml/2006/main" xmlns:r="http://schemas.openxmlformats.org/officeDocument/2006/relationships" xmlns:p="http://schemas.openxmlformats.org/presentationml/2006/main">
-  <p:cSld>
-    <p:spTree>
-      <p:nvGrpSpPr>
-        <p:cNvPr id="1" name=""/>
-        <p:cNvGrpSpPr/>
-        <p:nvPr/>
-      </p:nvGrpSpPr>
-      <p:grpSpPr>
-        <a:xfrm>
-          <a:off x="0" y="0"/>
-          <a:ext cx="0" cy="0"/>
-          <a:chOff x="0" y="0"/>
-          <a:chExt cx="0" cy="0"/>
-        </a:xfrm>
-      </p:grpSpPr>
-      <p:sp>
-        <p:nvSpPr>
-          <p:cNvPr id="2" name="Title 1"/>
-          <p:cNvSpPr>
-            <a:spLocks noGrp="1"/>
-          </p:cNvSpPr>
-          <p:nvPr>
-            <p:ph type="title"/>
-          </p:nvPr>
-        </p:nvSpPr>
-        <p:spPr/>
-        <p:txBody>
-          <a:bodyPr>
-            <a:normAutofit fontScale="90000"/>
-          </a:bodyPr>
-          <a:lstStyle/>
-          <a:p>
-            <a:r>
-              <a:rPr lang="en-US" dirty="0"/>
-              <a:t>Tell Don’t Ask </a:t>
-            </a:r>
-            <a:br>
-              <a:rPr lang="en-US" dirty="0"/>
-            </a:br>
-            <a:r>
-              <a:rPr lang="en-US" dirty="0"/>
-              <a:t>Use Procedural Abstraction</a:t>
-            </a:r>
-          </a:p>
-        </p:txBody>
-      </p:sp>
-      <p:sp>
-        <p:nvSpPr>
-          <p:cNvPr id="5" name="Rectangle 4"/>
-          <p:cNvSpPr/>
-          <p:nvPr/>
-        </p:nvSpPr>
-        <p:spPr>
-          <a:xfrm>
-            <a:off x="304800" y="1445388"/>
-            <a:ext cx="8534400" cy="461665"/>
-          </a:xfrm>
-          <a:prstGeom prst="rect">
-            <a:avLst/>
-          </a:prstGeom>
-        </p:spPr>
-        <p:txBody>
-          <a:bodyPr wrap="square">
-            <a:spAutoFit/>
-          </a:bodyPr>
-          <a:lstStyle/>
-          <a:p>
-            <a:r>
-              <a:rPr lang="en-US" sz="2400" dirty="0">
-                <a:solidFill>
-                  <a:srgbClr val="000000"/>
-                </a:solidFill>
-                <a:latin typeface="Consolas" panose="020B0609020204030204" pitchFamily="49" charset="0"/>
-              </a:rPr>
-              <a:t>region1.flagOverlappingWith(region2);</a:t>
-            </a:r>
-          </a:p>
-        </p:txBody>
-      </p:sp>
-      <p:sp>
-        <p:nvSpPr>
-          <p:cNvPr id="6" name="TextBox 5"/>
-          <p:cNvSpPr txBox="1"/>
-          <p:nvPr/>
-        </p:nvSpPr>
-        <p:spPr>
-          <a:xfrm>
-            <a:off x="297712" y="2255838"/>
-            <a:ext cx="8305800" cy="4154984"/>
-          </a:xfrm>
-          <a:prstGeom prst="rect">
-            <a:avLst/>
-          </a:prstGeom>
-          <a:noFill/>
-        </p:spPr>
-        <p:txBody>
-          <a:bodyPr wrap="square" rtlCol="0">
-            <a:spAutoFit/>
-          </a:bodyPr>
-          <a:lstStyle/>
-          <a:p>
-            <a:r>
-              <a:rPr lang="en-US" sz="2400" dirty="0">
-                <a:highlight>
-                  <a:srgbClr val="FFFF00"/>
-                </a:highlight>
-              </a:rPr>
-              <a:t>When client uses a collection of </a:t>
-            </a:r>
-            <a:r>
-              <a:rPr lang="en-US" sz="2400" i="1" dirty="0">
-                <a:highlight>
-                  <a:srgbClr val="FFFF00"/>
-                </a:highlight>
-              </a:rPr>
-              <a:t>getters</a:t>
-            </a:r>
-            <a:r>
-              <a:rPr lang="en-US" sz="2400" dirty="0">
-                <a:highlight>
-                  <a:srgbClr val="FFFF00"/>
-                </a:highlight>
-              </a:rPr>
-              <a:t> to do some computation, then that computation is a good candidate to become a new method in the called-upon class</a:t>
-            </a:r>
-          </a:p>
-          <a:p>
-            <a:endParaRPr lang="en-US" sz="2400" dirty="0"/>
-          </a:p>
-          <a:p>
-            <a:r>
-              <a:rPr lang="en-US" sz="2400" dirty="0"/>
-              <a:t>In this code, we’ve moved the center point and distance calculations into the Region class.  Now rather than </a:t>
-            </a:r>
-            <a:r>
-              <a:rPr lang="en-US" sz="2400" b="1" dirty="0"/>
-              <a:t>asking</a:t>
-            </a:r>
-            <a:r>
-              <a:rPr lang="en-US" sz="2400" dirty="0"/>
-              <a:t> the Region for all sorts of data we simply </a:t>
-            </a:r>
-            <a:r>
-              <a:rPr lang="en-US" sz="2400" b="1" dirty="0"/>
-              <a:t>tell</a:t>
-            </a:r>
-            <a:r>
-              <a:rPr lang="en-US" sz="2400" dirty="0"/>
-              <a:t> the region to handle the problem itself and rely on it to do it.</a:t>
-            </a:r>
-          </a:p>
-          <a:p>
-            <a:endParaRPr lang="en-US" sz="2400" dirty="0"/>
-          </a:p>
-          <a:p>
-            <a:r>
-              <a:rPr lang="en-US" sz="2400" dirty="0"/>
-              <a:t>Now, because we rely on the Region object to handle its own data, we have a weaker dependence on the region object.</a:t>
-            </a:r>
-          </a:p>
-        </p:txBody>
-      </p:sp>
-      <p:sp>
-        <p:nvSpPr>
-          <p:cNvPr id="3" name="Left Arrow 2"/>
-          <p:cNvSpPr/>
-          <p:nvPr/>
-        </p:nvSpPr>
-        <p:spPr>
-          <a:xfrm>
-            <a:off x="7010400" y="1356339"/>
-            <a:ext cx="1371600" cy="639762"/>
-          </a:xfrm>
-          <a:prstGeom prst="leftArrow">
-            <a:avLst/>
-          </a:prstGeom>
-        </p:spPr>
-        <p:style>
-          <a:lnRef idx="2">
-            <a:schemeClr val="accent1">
-              <a:shade val="50000"/>
-            </a:schemeClr>
-          </a:lnRef>
-          <a:fillRef idx="1">
-            <a:schemeClr val="accent1"/>
-          </a:fillRef>
-          <a:effectRef idx="0">
-            <a:schemeClr val="accent1"/>
-          </a:effectRef>
-          <a:fontRef idx="minor">
-            <a:schemeClr val="lt1"/>
-          </a:fontRef>
-        </p:style>
-        <p:txBody>
-          <a:bodyPr rtlCol="0" anchor="ctr"/>
-          <a:lstStyle/>
-          <a:p>
-            <a:pPr algn="ctr"/>
-            <a:r>
-              <a:rPr lang="en-US" dirty="0"/>
-              <a:t>TELL</a:t>
-            </a:r>
-          </a:p>
-        </p:txBody>
-      </p:sp>
-    </p:spTree>
-    <p:extLst>
-      <p:ext uri="{BB962C8B-B14F-4D97-AF65-F5344CB8AC3E}">
-        <p14:creationId xmlns:p14="http://schemas.microsoft.com/office/powerpoint/2010/main" val="2306808160"/>
-      </p:ext>
-    </p:extLst>
-  </p:cSld>
-  <p:clrMapOvr>
-    <a:masterClrMapping/>
-  </p:clrMapOvr>
-  <p:timing>
-    <p:tnLst>
-      <p:par>
-        <p:cTn id="1" dur="indefinite" restart="never" nodeType="tmRoot"/>
-      </p:par>
-    </p:tnLst>
-  </p:timing>
 </p:sld>
 </file>
 

--- a/ClassMaterials/CohesionAndCoupling/Slides/Cohesion_And_Coupling.pptx
+++ b/ClassMaterials/CohesionAndCoupling/Slides/Cohesion_And_Coupling.pptx
@@ -5,66 +5,67 @@
     <p:sldMasterId id="2147483648" r:id="rId1"/>
   </p:sldMasterIdLst>
   <p:notesMasterIdLst>
-    <p:notesMasterId r:id="rId59"/>
+    <p:notesMasterId r:id="rId60"/>
   </p:notesMasterIdLst>
   <p:sldIdLst>
     <p:sldId id="284" r:id="rId2"/>
     <p:sldId id="384" r:id="rId3"/>
-    <p:sldId id="299" r:id="rId4"/>
-    <p:sldId id="373" r:id="rId5"/>
-    <p:sldId id="374" r:id="rId6"/>
-    <p:sldId id="375" r:id="rId7"/>
-    <p:sldId id="376" r:id="rId8"/>
-    <p:sldId id="378" r:id="rId9"/>
-    <p:sldId id="303" r:id="rId10"/>
-    <p:sldId id="304" r:id="rId11"/>
-    <p:sldId id="305" r:id="rId12"/>
-    <p:sldId id="307" r:id="rId13"/>
-    <p:sldId id="309" r:id="rId14"/>
-    <p:sldId id="349" r:id="rId15"/>
-    <p:sldId id="379" r:id="rId16"/>
-    <p:sldId id="380" r:id="rId17"/>
-    <p:sldId id="350" r:id="rId18"/>
-    <p:sldId id="351" r:id="rId19"/>
-    <p:sldId id="352" r:id="rId20"/>
-    <p:sldId id="353" r:id="rId21"/>
-    <p:sldId id="354" r:id="rId22"/>
-    <p:sldId id="381" r:id="rId23"/>
-    <p:sldId id="332" r:id="rId24"/>
-    <p:sldId id="333" r:id="rId25"/>
-    <p:sldId id="311" r:id="rId26"/>
-    <p:sldId id="312" r:id="rId27"/>
-    <p:sldId id="310" r:id="rId28"/>
-    <p:sldId id="313" r:id="rId29"/>
-    <p:sldId id="366" r:id="rId30"/>
-    <p:sldId id="314" r:id="rId31"/>
-    <p:sldId id="320" r:id="rId32"/>
-    <p:sldId id="322" r:id="rId33"/>
-    <p:sldId id="377" r:id="rId34"/>
-    <p:sldId id="323" r:id="rId35"/>
-    <p:sldId id="324" r:id="rId36"/>
-    <p:sldId id="383" r:id="rId37"/>
-    <p:sldId id="315" r:id="rId38"/>
-    <p:sldId id="285" r:id="rId39"/>
-    <p:sldId id="267" r:id="rId40"/>
-    <p:sldId id="269" r:id="rId41"/>
-    <p:sldId id="367" r:id="rId42"/>
-    <p:sldId id="271" r:id="rId43"/>
-    <p:sldId id="270" r:id="rId44"/>
-    <p:sldId id="272" r:id="rId45"/>
-    <p:sldId id="282" r:id="rId46"/>
-    <p:sldId id="368" r:id="rId47"/>
-    <p:sldId id="382" r:id="rId48"/>
-    <p:sldId id="371" r:id="rId49"/>
-    <p:sldId id="274" r:id="rId50"/>
-    <p:sldId id="357" r:id="rId51"/>
-    <p:sldId id="361" r:id="rId52"/>
-    <p:sldId id="356" r:id="rId53"/>
-    <p:sldId id="360" r:id="rId54"/>
-    <p:sldId id="358" r:id="rId55"/>
-    <p:sldId id="359" r:id="rId56"/>
-    <p:sldId id="275" r:id="rId57"/>
-    <p:sldId id="372" r:id="rId58"/>
+    <p:sldId id="385" r:id="rId4"/>
+    <p:sldId id="299" r:id="rId5"/>
+    <p:sldId id="373" r:id="rId6"/>
+    <p:sldId id="374" r:id="rId7"/>
+    <p:sldId id="375" r:id="rId8"/>
+    <p:sldId id="376" r:id="rId9"/>
+    <p:sldId id="378" r:id="rId10"/>
+    <p:sldId id="303" r:id="rId11"/>
+    <p:sldId id="304" r:id="rId12"/>
+    <p:sldId id="305" r:id="rId13"/>
+    <p:sldId id="307" r:id="rId14"/>
+    <p:sldId id="309" r:id="rId15"/>
+    <p:sldId id="349" r:id="rId16"/>
+    <p:sldId id="379" r:id="rId17"/>
+    <p:sldId id="380" r:id="rId18"/>
+    <p:sldId id="350" r:id="rId19"/>
+    <p:sldId id="351" r:id="rId20"/>
+    <p:sldId id="352" r:id="rId21"/>
+    <p:sldId id="353" r:id="rId22"/>
+    <p:sldId id="354" r:id="rId23"/>
+    <p:sldId id="381" r:id="rId24"/>
+    <p:sldId id="332" r:id="rId25"/>
+    <p:sldId id="333" r:id="rId26"/>
+    <p:sldId id="311" r:id="rId27"/>
+    <p:sldId id="312" r:id="rId28"/>
+    <p:sldId id="310" r:id="rId29"/>
+    <p:sldId id="313" r:id="rId30"/>
+    <p:sldId id="366" r:id="rId31"/>
+    <p:sldId id="314" r:id="rId32"/>
+    <p:sldId id="320" r:id="rId33"/>
+    <p:sldId id="322" r:id="rId34"/>
+    <p:sldId id="377" r:id="rId35"/>
+    <p:sldId id="323" r:id="rId36"/>
+    <p:sldId id="324" r:id="rId37"/>
+    <p:sldId id="383" r:id="rId38"/>
+    <p:sldId id="315" r:id="rId39"/>
+    <p:sldId id="285" r:id="rId40"/>
+    <p:sldId id="267" r:id="rId41"/>
+    <p:sldId id="269" r:id="rId42"/>
+    <p:sldId id="367" r:id="rId43"/>
+    <p:sldId id="271" r:id="rId44"/>
+    <p:sldId id="270" r:id="rId45"/>
+    <p:sldId id="272" r:id="rId46"/>
+    <p:sldId id="282" r:id="rId47"/>
+    <p:sldId id="368" r:id="rId48"/>
+    <p:sldId id="382" r:id="rId49"/>
+    <p:sldId id="371" r:id="rId50"/>
+    <p:sldId id="274" r:id="rId51"/>
+    <p:sldId id="357" r:id="rId52"/>
+    <p:sldId id="361" r:id="rId53"/>
+    <p:sldId id="356" r:id="rId54"/>
+    <p:sldId id="360" r:id="rId55"/>
+    <p:sldId id="358" r:id="rId56"/>
+    <p:sldId id="359" r:id="rId57"/>
+    <p:sldId id="275" r:id="rId58"/>
+    <p:sldId id="372" r:id="rId59"/>
   </p:sldIdLst>
   <p:sldSz cx="9144000" cy="6858000" type="screen4x3"/>
   <p:notesSz cx="6858000" cy="9144000"/>
@@ -705,7 +706,7 @@
           <a:p>
             <a:fld id="{AC522A93-4968-4B29-BB16-64A778254383}" type="slidenum">
               <a:rPr lang="en-US" smtClean="0"/>
-              <a:t>18</a:t>
+              <a:t>19</a:t>
             </a:fld>
             <a:endParaRPr lang="en-US"/>
           </a:p>
@@ -797,7 +798,7 @@
           <a:p>
             <a:fld id="{AC522A93-4968-4B29-BB16-64A778254383}" type="slidenum">
               <a:rPr lang="en-US" smtClean="0"/>
-              <a:t>19</a:t>
+              <a:t>20</a:t>
             </a:fld>
             <a:endParaRPr lang="en-US"/>
           </a:p>
@@ -909,7 +910,7 @@
           <a:p>
             <a:fld id="{AC522A93-4968-4B29-BB16-64A778254383}" type="slidenum">
               <a:rPr lang="en-US" smtClean="0"/>
-              <a:t>20</a:t>
+              <a:t>21</a:t>
             </a:fld>
             <a:endParaRPr lang="en-US"/>
           </a:p>
@@ -1037,7 +1038,7 @@
           <a:p>
             <a:fld id="{AC522A93-4968-4B29-BB16-64A778254383}" type="slidenum">
               <a:rPr lang="en-US" smtClean="0"/>
-              <a:t>22</a:t>
+              <a:t>23</a:t>
             </a:fld>
             <a:endParaRPr lang="en-US"/>
           </a:p>
@@ -1143,7 +1144,7 @@
           <a:p>
             <a:fld id="{AC522A93-4968-4B29-BB16-64A778254383}" type="slidenum">
               <a:rPr lang="en-US" smtClean="0"/>
-              <a:t>23</a:t>
+              <a:t>24</a:t>
             </a:fld>
             <a:endParaRPr lang="en-US"/>
           </a:p>
@@ -1279,7 +1280,7 @@
           <a:p>
             <a:fld id="{AC522A93-4968-4B29-BB16-64A778254383}" type="slidenum">
               <a:rPr lang="en-US" smtClean="0"/>
-              <a:t>24</a:t>
+              <a:t>25</a:t>
             </a:fld>
             <a:endParaRPr lang="en-US"/>
           </a:p>
@@ -1482,7 +1483,7 @@
               <a:pPr>
                 <a:defRPr/>
               </a:pPr>
-              <a:t>26</a:t>
+              <a:t>27</a:t>
             </a:fld>
             <a:endParaRPr lang="en-US"/>
           </a:p>
@@ -1743,7 +1744,7 @@
           <a:p>
             <a:fld id="{AC522A93-4968-4B29-BB16-64A778254383}" type="slidenum">
               <a:rPr lang="en-US" smtClean="0"/>
-              <a:t>28</a:t>
+              <a:t>29</a:t>
             </a:fld>
             <a:endParaRPr lang="en-US"/>
           </a:p>
@@ -2004,7 +2005,7 @@
           <a:p>
             <a:fld id="{AC522A93-4968-4B29-BB16-64A778254383}" type="slidenum">
               <a:rPr lang="en-US" smtClean="0"/>
-              <a:t>29</a:t>
+              <a:t>30</a:t>
             </a:fld>
             <a:endParaRPr lang="en-US"/>
           </a:p>
@@ -2379,7 +2380,7 @@
           <a:p>
             <a:fld id="{AC522A93-4968-4B29-BB16-64A778254383}" type="slidenum">
               <a:rPr lang="en-US" smtClean="0"/>
-              <a:t>30</a:t>
+              <a:t>31</a:t>
             </a:fld>
             <a:endParaRPr lang="en-US"/>
           </a:p>
@@ -2593,7 +2594,7 @@
           <a:p>
             <a:fld id="{AC522A93-4968-4B29-BB16-64A778254383}" type="slidenum">
               <a:rPr lang="en-US" smtClean="0"/>
-              <a:t>31</a:t>
+              <a:t>32</a:t>
             </a:fld>
             <a:endParaRPr lang="en-US"/>
           </a:p>
@@ -2677,7 +2678,7 @@
           <a:p>
             <a:fld id="{AC522A93-4968-4B29-BB16-64A778254383}" type="slidenum">
               <a:rPr lang="en-US" smtClean="0"/>
-              <a:t>32</a:t>
+              <a:t>33</a:t>
             </a:fld>
             <a:endParaRPr lang="en-US"/>
           </a:p>
@@ -2761,7 +2762,7 @@
           <a:p>
             <a:fld id="{AC522A93-4968-4B29-BB16-64A778254383}" type="slidenum">
               <a:rPr lang="en-US" smtClean="0"/>
-              <a:t>33</a:t>
+              <a:t>34</a:t>
             </a:fld>
             <a:endParaRPr lang="en-US"/>
           </a:p>
@@ -2891,7 +2892,7 @@
           <a:p>
             <a:fld id="{AC522A93-4968-4B29-BB16-64A778254383}" type="slidenum">
               <a:rPr lang="en-US" smtClean="0"/>
-              <a:t>34</a:t>
+              <a:t>35</a:t>
             </a:fld>
             <a:endParaRPr lang="en-US"/>
           </a:p>
@@ -2999,7 +3000,7 @@
               <a:pPr>
                 <a:defRPr/>
               </a:pPr>
-              <a:t>36</a:t>
+              <a:t>37</a:t>
             </a:fld>
             <a:endParaRPr lang="en-US"/>
           </a:p>
@@ -3112,7 +3113,7 @@
           <a:p>
             <a:fld id="{AC522A93-4968-4B29-BB16-64A778254383}" type="slidenum">
               <a:rPr lang="en-US" smtClean="0"/>
-              <a:t>39</a:t>
+              <a:t>40</a:t>
             </a:fld>
             <a:endParaRPr lang="en-US"/>
           </a:p>
@@ -3376,7 +3377,7 @@
           <a:p>
             <a:fld id="{AC522A93-4968-4B29-BB16-64A778254383}" type="slidenum">
               <a:rPr lang="en-US" smtClean="0"/>
-              <a:t>43</a:t>
+              <a:t>44</a:t>
             </a:fld>
             <a:endParaRPr lang="en-US"/>
           </a:p>
@@ -3468,7 +3469,7 @@
           <a:p>
             <a:fld id="{AC522A93-4968-4B29-BB16-64A778254383}" type="slidenum">
               <a:rPr lang="en-US" smtClean="0"/>
-              <a:t>45</a:t>
+              <a:t>46</a:t>
             </a:fld>
             <a:endParaRPr lang="en-US"/>
           </a:p>
@@ -3560,7 +3561,7 @@
           <a:p>
             <a:fld id="{AC522A93-4968-4B29-BB16-64A778254383}" type="slidenum">
               <a:rPr lang="en-US" smtClean="0"/>
-              <a:t>46</a:t>
+              <a:t>47</a:t>
             </a:fld>
             <a:endParaRPr lang="en-US"/>
           </a:p>
@@ -3768,7 +3769,7 @@
           <a:p>
             <a:fld id="{AC522A93-4968-4B29-BB16-64A778254383}" type="slidenum">
               <a:rPr lang="en-US" smtClean="0"/>
-              <a:t>49</a:t>
+              <a:t>50</a:t>
             </a:fld>
             <a:endParaRPr lang="en-US"/>
           </a:p>
@@ -3858,7 +3859,7 @@
           <a:p>
             <a:fld id="{AC522A93-4968-4B29-BB16-64A778254383}" type="slidenum">
               <a:rPr lang="en-US" smtClean="0"/>
-              <a:t>8</a:t>
+              <a:t>9</a:t>
             </a:fld>
             <a:endParaRPr lang="en-US"/>
           </a:p>
@@ -4142,7 +4143,7 @@
           <a:p>
             <a:fld id="{AC522A93-4968-4B29-BB16-64A778254383}" type="slidenum">
               <a:rPr lang="en-US" smtClean="0"/>
-              <a:t>50</a:t>
+              <a:t>51</a:t>
             </a:fld>
             <a:endParaRPr lang="en-US"/>
           </a:p>
@@ -4562,7 +4563,7 @@
           <a:p>
             <a:fld id="{AC522A93-4968-4B29-BB16-64A778254383}" type="slidenum">
               <a:rPr lang="en-US" smtClean="0"/>
-              <a:t>51</a:t>
+              <a:t>52</a:t>
             </a:fld>
             <a:endParaRPr lang="en-US"/>
           </a:p>
@@ -4951,7 +4952,7 @@
           <a:p>
             <a:fld id="{AC522A93-4968-4B29-BB16-64A778254383}" type="slidenum">
               <a:rPr lang="en-US" smtClean="0"/>
-              <a:t>52</a:t>
+              <a:t>53</a:t>
             </a:fld>
             <a:endParaRPr lang="en-US"/>
           </a:p>
@@ -5465,7 +5466,7 @@
           <a:p>
             <a:fld id="{AC522A93-4968-4B29-BB16-64A778254383}" type="slidenum">
               <a:rPr lang="en-US" smtClean="0"/>
-              <a:t>53</a:t>
+              <a:t>54</a:t>
             </a:fld>
             <a:endParaRPr lang="en-US"/>
           </a:p>
@@ -5964,7 +5965,7 @@
           <a:p>
             <a:fld id="{AC522A93-4968-4B29-BB16-64A778254383}" type="slidenum">
               <a:rPr lang="en-US" smtClean="0"/>
-              <a:t>54</a:t>
+              <a:t>55</a:t>
             </a:fld>
             <a:endParaRPr lang="en-US"/>
           </a:p>
@@ -6589,7 +6590,7 @@
           <a:p>
             <a:fld id="{AC522A93-4968-4B29-BB16-64A778254383}" type="slidenum">
               <a:rPr lang="en-US" smtClean="0"/>
-              <a:t>55</a:t>
+              <a:t>56</a:t>
             </a:fld>
             <a:endParaRPr lang="en-US"/>
           </a:p>
@@ -6695,7 +6696,7 @@
           <a:p>
             <a:fld id="{AC522A93-4968-4B29-BB16-64A778254383}" type="slidenum">
               <a:rPr lang="en-US" smtClean="0"/>
-              <a:t>9</a:t>
+              <a:t>10</a:t>
             </a:fld>
             <a:endParaRPr lang="en-US"/>
           </a:p>
@@ -6782,7 +6783,7 @@
           <a:p>
             <a:fld id="{AC522A93-4968-4B29-BB16-64A778254383}" type="slidenum">
               <a:rPr lang="en-US" smtClean="0"/>
-              <a:t>10</a:t>
+              <a:t>11</a:t>
             </a:fld>
             <a:endParaRPr lang="en-US"/>
           </a:p>
@@ -6874,7 +6875,7 @@
           <a:p>
             <a:fld id="{AC522A93-4968-4B29-BB16-64A778254383}" type="slidenum">
               <a:rPr lang="en-US" smtClean="0"/>
-              <a:t>14</a:t>
+              <a:t>15</a:t>
             </a:fld>
             <a:endParaRPr lang="en-US"/>
           </a:p>
@@ -6966,7 +6967,7 @@
           <a:p>
             <a:fld id="{AC522A93-4968-4B29-BB16-64A778254383}" type="slidenum">
               <a:rPr lang="en-US" smtClean="0"/>
-              <a:t>15</a:t>
+              <a:t>16</a:t>
             </a:fld>
             <a:endParaRPr lang="en-US"/>
           </a:p>
@@ -7058,7 +7059,7 @@
           <a:p>
             <a:fld id="{AC522A93-4968-4B29-BB16-64A778254383}" type="slidenum">
               <a:rPr lang="en-US" smtClean="0"/>
-              <a:t>16</a:t>
+              <a:t>17</a:t>
             </a:fld>
             <a:endParaRPr lang="en-US"/>
           </a:p>
@@ -8680,7 +8681,7 @@
           <a:p>
             <a:fld id="{AC522A93-4968-4B29-BB16-64A778254383}" type="slidenum">
               <a:rPr lang="en-US" smtClean="0"/>
-              <a:t>17</a:t>
+              <a:t>18</a:t>
             </a:fld>
             <a:endParaRPr lang="en-US"/>
           </a:p>
@@ -11921,6 +11922,132 @@
           <a:p>
             <a:r>
               <a:rPr lang="en-US" dirty="0"/>
+              <a:t>Today’s topic – </a:t>
+            </a:r>
+            <a:r>
+              <a:rPr lang="en-US" b="1" i="1" dirty="0"/>
+              <a:t>Tell Don’t Ask</a:t>
+            </a:r>
+          </a:p>
+        </p:txBody>
+      </p:sp>
+      <p:sp>
+        <p:nvSpPr>
+          <p:cNvPr id="3" name="Content Placeholder 2"/>
+          <p:cNvSpPr>
+            <a:spLocks noGrp="1"/>
+          </p:cNvSpPr>
+          <p:nvPr>
+            <p:ph idx="1"/>
+          </p:nvPr>
+        </p:nvSpPr>
+        <p:spPr/>
+        <p:txBody>
+          <a:bodyPr/>
+          <a:lstStyle/>
+          <a:p>
+            <a:pPr fontAlgn="base"/>
+            <a:r>
+              <a:rPr lang="en-US" b="1" dirty="0"/>
+              <a:t>Minimize dependencies</a:t>
+            </a:r>
+            <a:r>
+              <a:rPr lang="en-US" dirty="0"/>
+              <a:t> between objects when it does not disrupt usability or </a:t>
+            </a:r>
+            <a:r>
+              <a:rPr lang="en-US" dirty="0" err="1"/>
+              <a:t>extendability</a:t>
+            </a:r>
+            <a:endParaRPr lang="en-US" dirty="0"/>
+          </a:p>
+          <a:p>
+            <a:pPr lvl="1" fontAlgn="base"/>
+            <a:r>
+              <a:rPr lang="en-US" dirty="0"/>
+              <a:t>If you can see a simpler design that works, use it</a:t>
+            </a:r>
+          </a:p>
+          <a:p>
+            <a:pPr lvl="1" fontAlgn="base"/>
+            <a:r>
+              <a:rPr lang="en-US" dirty="0"/>
+              <a:t>But if you can’t see a simpler design than the one that you have, at least ensure that you:</a:t>
+            </a:r>
+          </a:p>
+          <a:p>
+            <a:pPr lvl="2" fontAlgn="base"/>
+            <a:r>
+              <a:rPr lang="en-US" sz="2800" dirty="0">
+                <a:solidFill>
+                  <a:schemeClr val="accent2"/>
+                </a:solidFill>
+              </a:rPr>
+              <a:t>Tell don't ask</a:t>
+            </a:r>
+          </a:p>
+          <a:p>
+            <a:pPr lvl="2" fontAlgn="base"/>
+            <a:r>
+              <a:rPr lang="en-US" sz="2800" dirty="0"/>
+              <a:t>Don't have message chains</a:t>
+            </a:r>
+          </a:p>
+          <a:p>
+            <a:pPr marL="0" indent="0">
+              <a:buNone/>
+            </a:pPr>
+            <a:endParaRPr lang="en-US" dirty="0"/>
+          </a:p>
+        </p:txBody>
+      </p:sp>
+    </p:spTree>
+    <p:extLst>
+      <p:ext uri="{BB962C8B-B14F-4D97-AF65-F5344CB8AC3E}">
+        <p14:creationId xmlns:p14="http://schemas.microsoft.com/office/powerpoint/2010/main" val="2691170345"/>
+      </p:ext>
+    </p:extLst>
+  </p:cSld>
+  <p:clrMapOvr>
+    <a:masterClrMapping/>
+  </p:clrMapOvr>
+</p:sld>
+</file>
+
+<file path=ppt/slides/slide11.xml><?xml version="1.0" encoding="utf-8"?>
+<p:sld xmlns:a="http://schemas.openxmlformats.org/drawingml/2006/main" xmlns:r="http://schemas.openxmlformats.org/officeDocument/2006/relationships" xmlns:p="http://schemas.openxmlformats.org/presentationml/2006/main">
+  <p:cSld>
+    <p:spTree>
+      <p:nvGrpSpPr>
+        <p:cNvPr id="1" name=""/>
+        <p:cNvGrpSpPr/>
+        <p:nvPr/>
+      </p:nvGrpSpPr>
+      <p:grpSpPr>
+        <a:xfrm>
+          <a:off x="0" y="0"/>
+          <a:ext cx="0" cy="0"/>
+          <a:chOff x="0" y="0"/>
+          <a:chExt cx="0" cy="0"/>
+        </a:xfrm>
+      </p:grpSpPr>
+      <p:sp>
+        <p:nvSpPr>
+          <p:cNvPr id="2" name="Title 1"/>
+          <p:cNvSpPr>
+            <a:spLocks noGrp="1"/>
+          </p:cNvSpPr>
+          <p:nvPr>
+            <p:ph type="title"/>
+          </p:nvPr>
+        </p:nvSpPr>
+        <p:spPr/>
+        <p:txBody>
+          <a:bodyPr/>
+          <a:lstStyle/>
+          <a:p>
+            <a:r>
+              <a:rPr lang="en-US" dirty="0"/>
               <a:t>Tell Don’t Ask – getter methods</a:t>
             </a:r>
           </a:p>
@@ -12411,7 +12538,7 @@
 </p:sld>
 </file>
 
-<file path=ppt/slides/slide11.xml><?xml version="1.0" encoding="utf-8"?>
+<file path=ppt/slides/slide12.xml><?xml version="1.0" encoding="utf-8"?>
 <p:sld xmlns:a="http://schemas.openxmlformats.org/drawingml/2006/main" xmlns:r="http://schemas.openxmlformats.org/officeDocument/2006/relationships" xmlns:p="http://schemas.openxmlformats.org/presentationml/2006/main">
   <p:cSld>
     <p:spTree>
@@ -12631,7 +12758,7 @@
 </p:sld>
 </file>
 
-<file path=ppt/slides/slide12.xml><?xml version="1.0" encoding="utf-8"?>
+<file path=ppt/slides/slide13.xml><?xml version="1.0" encoding="utf-8"?>
 <p:sld xmlns:a="http://schemas.openxmlformats.org/drawingml/2006/main" xmlns:r="http://schemas.openxmlformats.org/officeDocument/2006/relationships" xmlns:p="http://schemas.openxmlformats.org/presentationml/2006/main">
   <p:cSld>
     <p:spTree>
@@ -13294,92 +13421,6 @@
 </p:sld>
 </file>
 
-<file path=ppt/slides/slide13.xml><?xml version="1.0" encoding="utf-8"?>
-<p:sld xmlns:a="http://schemas.openxmlformats.org/drawingml/2006/main" xmlns:r="http://schemas.openxmlformats.org/officeDocument/2006/relationships" xmlns:p="http://schemas.openxmlformats.org/presentationml/2006/main">
-  <p:cSld>
-    <p:spTree>
-      <p:nvGrpSpPr>
-        <p:cNvPr id="1" name=""/>
-        <p:cNvGrpSpPr/>
-        <p:nvPr/>
-      </p:nvGrpSpPr>
-      <p:grpSpPr>
-        <a:xfrm>
-          <a:off x="0" y="0"/>
-          <a:ext cx="0" cy="0"/>
-          <a:chOff x="0" y="0"/>
-          <a:chExt cx="0" cy="0"/>
-        </a:xfrm>
-      </p:grpSpPr>
-      <p:sp>
-        <p:nvSpPr>
-          <p:cNvPr id="2" name="Title 1"/>
-          <p:cNvSpPr>
-            <a:spLocks noGrp="1"/>
-          </p:cNvSpPr>
-          <p:nvPr>
-            <p:ph type="title"/>
-          </p:nvPr>
-        </p:nvSpPr>
-        <p:spPr/>
-        <p:txBody>
-          <a:bodyPr/>
-          <a:lstStyle/>
-          <a:p>
-            <a:r>
-              <a:rPr lang="en-US" dirty="0"/>
-              <a:t>Tell Don’t Ask</a:t>
-            </a:r>
-          </a:p>
-        </p:txBody>
-      </p:sp>
-      <p:sp>
-        <p:nvSpPr>
-          <p:cNvPr id="3" name="Content Placeholder 2"/>
-          <p:cNvSpPr>
-            <a:spLocks noGrp="1"/>
-          </p:cNvSpPr>
-          <p:nvPr>
-            <p:ph idx="1"/>
-          </p:nvPr>
-        </p:nvSpPr>
-        <p:spPr/>
-        <p:txBody>
-          <a:bodyPr/>
-          <a:lstStyle/>
-          <a:p>
-            <a:r>
-              <a:rPr lang="en-US" dirty="0"/>
-              <a:t>Be wary getter methods</a:t>
-            </a:r>
-          </a:p>
-          <a:p>
-            <a:r>
-              <a:rPr lang="en-US" dirty="0"/>
-              <a:t>Prefer methods that command (tell) a class to do something and be responsible for its own state and responsibilities</a:t>
-            </a:r>
-          </a:p>
-          <a:p>
-            <a:r>
-              <a:rPr lang="en-US" dirty="0"/>
-              <a:t>If client code accesses a lot of internal data of another class, consider if a tell method in that other class might improve the design</a:t>
-            </a:r>
-          </a:p>
-        </p:txBody>
-      </p:sp>
-    </p:spTree>
-    <p:extLst>
-      <p:ext uri="{BB962C8B-B14F-4D97-AF65-F5344CB8AC3E}">
-        <p14:creationId xmlns:p14="http://schemas.microsoft.com/office/powerpoint/2010/main" val="1554229630"/>
-      </p:ext>
-    </p:extLst>
-  </p:cSld>
-  <p:clrMapOvr>
-    <a:masterClrMapping/>
-  </p:clrMapOvr>
-</p:sld>
-</file>
-
 <file path=ppt/slides/slide14.xml><?xml version="1.0" encoding="utf-8"?>
 <p:sld xmlns:a="http://schemas.openxmlformats.org/drawingml/2006/main" xmlns:r="http://schemas.openxmlformats.org/officeDocument/2006/relationships" xmlns:p="http://schemas.openxmlformats.org/presentationml/2006/main">
   <p:cSld>
@@ -13409,6 +13450,92 @@
         </p:nvSpPr>
         <p:spPr/>
         <p:txBody>
+          <a:bodyPr/>
+          <a:lstStyle/>
+          <a:p>
+            <a:r>
+              <a:rPr lang="en-US" dirty="0"/>
+              <a:t>Tell Don’t Ask</a:t>
+            </a:r>
+          </a:p>
+        </p:txBody>
+      </p:sp>
+      <p:sp>
+        <p:nvSpPr>
+          <p:cNvPr id="3" name="Content Placeholder 2"/>
+          <p:cNvSpPr>
+            <a:spLocks noGrp="1"/>
+          </p:cNvSpPr>
+          <p:nvPr>
+            <p:ph idx="1"/>
+          </p:nvPr>
+        </p:nvSpPr>
+        <p:spPr/>
+        <p:txBody>
+          <a:bodyPr/>
+          <a:lstStyle/>
+          <a:p>
+            <a:r>
+              <a:rPr lang="en-US" dirty="0"/>
+              <a:t>Be wary getter methods</a:t>
+            </a:r>
+          </a:p>
+          <a:p>
+            <a:r>
+              <a:rPr lang="en-US" dirty="0"/>
+              <a:t>Prefer methods that command (tell) a class to do something and be responsible for its own state and responsibilities</a:t>
+            </a:r>
+          </a:p>
+          <a:p>
+            <a:r>
+              <a:rPr lang="en-US" dirty="0"/>
+              <a:t>If client code accesses a lot of internal data of another class, consider if a tell method in that other class might improve the design</a:t>
+            </a:r>
+          </a:p>
+        </p:txBody>
+      </p:sp>
+    </p:spTree>
+    <p:extLst>
+      <p:ext uri="{BB962C8B-B14F-4D97-AF65-F5344CB8AC3E}">
+        <p14:creationId xmlns:p14="http://schemas.microsoft.com/office/powerpoint/2010/main" val="1554229630"/>
+      </p:ext>
+    </p:extLst>
+  </p:cSld>
+  <p:clrMapOvr>
+    <a:masterClrMapping/>
+  </p:clrMapOvr>
+</p:sld>
+</file>
+
+<file path=ppt/slides/slide15.xml><?xml version="1.0" encoding="utf-8"?>
+<p:sld xmlns:a="http://schemas.openxmlformats.org/drawingml/2006/main" xmlns:r="http://schemas.openxmlformats.org/officeDocument/2006/relationships" xmlns:p="http://schemas.openxmlformats.org/presentationml/2006/main">
+  <p:cSld>
+    <p:spTree>
+      <p:nvGrpSpPr>
+        <p:cNvPr id="1" name=""/>
+        <p:cNvGrpSpPr/>
+        <p:nvPr/>
+      </p:nvGrpSpPr>
+      <p:grpSpPr>
+        <a:xfrm>
+          <a:off x="0" y="0"/>
+          <a:ext cx="0" cy="0"/>
+          <a:chOff x="0" y="0"/>
+          <a:chExt cx="0" cy="0"/>
+        </a:xfrm>
+      </p:grpSpPr>
+      <p:sp>
+        <p:nvSpPr>
+          <p:cNvPr id="2" name="Title 1"/>
+          <p:cNvSpPr>
+            <a:spLocks noGrp="1"/>
+          </p:cNvSpPr>
+          <p:nvPr>
+            <p:ph type="title"/>
+          </p:nvPr>
+        </p:nvSpPr>
+        <p:spPr/>
+        <p:txBody>
           <a:bodyPr>
             <a:normAutofit/>
           </a:bodyPr>
@@ -13523,7 +13650,7 @@
 </p:sld>
 </file>
 
-<file path=ppt/slides/slide15.xml><?xml version="1.0" encoding="utf-8"?>
+<file path=ppt/slides/slide16.xml><?xml version="1.0" encoding="utf-8"?>
 <p:sld xmlns:a="http://schemas.openxmlformats.org/drawingml/2006/main" xmlns:r="http://schemas.openxmlformats.org/officeDocument/2006/relationships" xmlns:p="http://schemas.openxmlformats.org/presentationml/2006/main">
   <p:cSld>
     <p:spTree>
@@ -13709,7 +13836,7 @@
 </p:sld>
 </file>
 
-<file path=ppt/slides/slide16.xml><?xml version="1.0" encoding="utf-8"?>
+<file path=ppt/slides/slide17.xml><?xml version="1.0" encoding="utf-8"?>
 <p:sld xmlns:a="http://schemas.openxmlformats.org/drawingml/2006/main" xmlns:r="http://schemas.openxmlformats.org/officeDocument/2006/relationships" xmlns:p="http://schemas.openxmlformats.org/presentationml/2006/main">
   <p:cSld>
     <p:spTree>
@@ -13809,7 +13936,7 @@
                   <a:srgbClr val="FFFF00"/>
                 </a:highlight>
               </a:rPr>
-              <a:t>TeamGradBook</a:t>
+              <a:t>TeamGradeBook</a:t>
             </a:r>
             <a:r>
               <a:rPr lang="en-US" dirty="0">
@@ -13920,7 +14047,7 @@
 </p:sld>
 </file>
 
-<file path=ppt/slides/slide17.xml><?xml version="1.0" encoding="utf-8"?>
+<file path=ppt/slides/slide18.xml><?xml version="1.0" encoding="utf-8"?>
 <p:sld xmlns:a="http://schemas.openxmlformats.org/drawingml/2006/main" xmlns:r="http://schemas.openxmlformats.org/officeDocument/2006/relationships" xmlns:p="http://schemas.openxmlformats.org/presentationml/2006/main">
   <p:cSld>
     <p:spTree>
@@ -14058,87 +14185,6 @@
 </p:sld>
 </file>
 
-<file path=ppt/slides/slide18.xml><?xml version="1.0" encoding="utf-8"?>
-<p:sld xmlns:a="http://schemas.openxmlformats.org/drawingml/2006/main" xmlns:r="http://schemas.openxmlformats.org/officeDocument/2006/relationships" xmlns:p="http://schemas.openxmlformats.org/presentationml/2006/main">
-  <p:cSld>
-    <p:spTree>
-      <p:nvGrpSpPr>
-        <p:cNvPr id="1" name=""/>
-        <p:cNvGrpSpPr/>
-        <p:nvPr/>
-      </p:nvGrpSpPr>
-      <p:grpSpPr>
-        <a:xfrm>
-          <a:off x="0" y="0"/>
-          <a:ext cx="0" cy="0"/>
-          <a:chOff x="0" y="0"/>
-          <a:chExt cx="0" cy="0"/>
-        </a:xfrm>
-      </p:grpSpPr>
-      <p:sp>
-        <p:nvSpPr>
-          <p:cNvPr id="2" name="Title 1"/>
-          <p:cNvSpPr>
-            <a:spLocks noGrp="1"/>
-          </p:cNvSpPr>
-          <p:nvPr>
-            <p:ph type="title"/>
-          </p:nvPr>
-        </p:nvSpPr>
-        <p:spPr/>
-        <p:txBody>
-          <a:bodyPr/>
-          <a:lstStyle/>
-          <a:p>
-            <a:r>
-              <a:rPr lang="en-US" dirty="0"/>
-              <a:t>Diagrams look similar!</a:t>
-            </a:r>
-          </a:p>
-        </p:txBody>
-      </p:sp>
-      <p:sp>
-        <p:nvSpPr>
-          <p:cNvPr id="3" name="TextBox 2"/>
-          <p:cNvSpPr txBox="1"/>
-          <p:nvPr/>
-        </p:nvSpPr>
-        <p:spPr>
-          <a:xfrm>
-            <a:off x="990600" y="1828800"/>
-            <a:ext cx="7239000" cy="2554545"/>
-          </a:xfrm>
-          <a:prstGeom prst="rect">
-            <a:avLst/>
-          </a:prstGeom>
-          <a:noFill/>
-        </p:spPr>
-        <p:txBody>
-          <a:bodyPr wrap="square" rtlCol="0">
-            <a:spAutoFit/>
-          </a:bodyPr>
-          <a:lstStyle/>
-          <a:p>
-            <a:r>
-              <a:rPr lang="en-US" sz="4000" dirty="0"/>
-              <a:t>How would the actual code compare when performing the stated task “calculate a student’s average grade”?</a:t>
-            </a:r>
-          </a:p>
-        </p:txBody>
-      </p:sp>
-    </p:spTree>
-    <p:extLst>
-      <p:ext uri="{BB962C8B-B14F-4D97-AF65-F5344CB8AC3E}">
-        <p14:creationId xmlns:p14="http://schemas.microsoft.com/office/powerpoint/2010/main" val="1796087521"/>
-      </p:ext>
-    </p:extLst>
-  </p:cSld>
-  <p:clrMapOvr>
-    <a:masterClrMapping/>
-  </p:clrMapOvr>
-</p:sld>
-</file>
-
 <file path=ppt/slides/slide19.xml><?xml version="1.0" encoding="utf-8"?>
 <p:sld xmlns:a="http://schemas.openxmlformats.org/drawingml/2006/main" xmlns:r="http://schemas.openxmlformats.org/officeDocument/2006/relationships" xmlns:p="http://schemas.openxmlformats.org/presentationml/2006/main">
   <p:cSld>
@@ -14172,407 +14218,27 @@
           <a:lstStyle/>
           <a:p>
             <a:r>
-              <a:rPr lang="en-US" dirty="0" err="1">
-                <a:latin typeface="Consolas" panose="020B0609020204030204" pitchFamily="49" charset="0"/>
-              </a:rPr>
-              <a:t>getGrades</a:t>
-            </a:r>
-            <a:r>
-              <a:rPr lang="en-US" dirty="0">
-                <a:latin typeface="Consolas" panose="020B0609020204030204" pitchFamily="49" charset="0"/>
-              </a:rPr>
-              <a:t>()</a:t>
+              <a:rPr lang="en-US" dirty="0"/>
+              <a:t>Diagrams look similar!</a:t>
             </a:r>
           </a:p>
         </p:txBody>
       </p:sp>
       <p:sp>
         <p:nvSpPr>
-          <p:cNvPr id="3" name="Content Placeholder 2"/>
-          <p:cNvSpPr>
-            <a:spLocks noGrp="1"/>
-          </p:cNvSpPr>
-          <p:nvPr>
-            <p:ph idx="1"/>
-          </p:nvPr>
+          <p:cNvPr id="3" name="TextBox 2"/>
+          <p:cNvSpPr txBox="1"/>
+          <p:nvPr/>
         </p:nvSpPr>
         <p:spPr>
           <a:xfrm>
-            <a:off x="457200" y="1600201"/>
-            <a:ext cx="8382000" cy="4114800"/>
-          </a:xfrm>
-        </p:spPr>
-        <p:txBody>
-          <a:bodyPr>
-            <a:noAutofit/>
-          </a:bodyPr>
-          <a:lstStyle/>
-          <a:p>
-            <a:pPr marL="0" indent="0">
-              <a:buNone/>
-            </a:pPr>
-            <a:r>
-              <a:rPr lang="en-US" sz="1800" dirty="0">
-                <a:latin typeface="Consolas" panose="020B0609020204030204" pitchFamily="49" charset="0"/>
-              </a:rPr>
-              <a:t>public class </a:t>
-            </a:r>
-            <a:r>
-              <a:rPr lang="en-US" sz="1800" dirty="0" err="1">
-                <a:latin typeface="Consolas" panose="020B0609020204030204" pitchFamily="49" charset="0"/>
-              </a:rPr>
-              <a:t>TeamGradebook</a:t>
-            </a:r>
-            <a:r>
-              <a:rPr lang="en-US" sz="1800" dirty="0">
-                <a:latin typeface="Consolas" panose="020B0609020204030204" pitchFamily="49" charset="0"/>
-              </a:rPr>
-              <a:t> {</a:t>
-            </a:r>
-          </a:p>
-          <a:p>
-            <a:pPr marL="0" indent="0">
-              <a:buNone/>
-            </a:pPr>
-            <a:r>
-              <a:rPr lang="en-US" sz="1800" dirty="0">
-                <a:latin typeface="Consolas" panose="020B0609020204030204" pitchFamily="49" charset="0"/>
-              </a:rPr>
-              <a:t>…</a:t>
-            </a:r>
-          </a:p>
-          <a:p>
-            <a:pPr marL="0" indent="0">
-              <a:buNone/>
-            </a:pPr>
-            <a:r>
-              <a:rPr lang="en-US" sz="1800" dirty="0">
-                <a:latin typeface="Consolas" panose="020B0609020204030204" pitchFamily="49" charset="0"/>
-              </a:rPr>
-              <a:t>private String </a:t>
-            </a:r>
-            <a:r>
-              <a:rPr lang="en-US" sz="1800" dirty="0" err="1">
-                <a:latin typeface="Consolas" panose="020B0609020204030204" pitchFamily="49" charset="0"/>
-              </a:rPr>
-              <a:t>handleGetAverage</a:t>
-            </a:r>
-            <a:r>
-              <a:rPr lang="en-US" sz="1800" dirty="0">
-                <a:latin typeface="Consolas" panose="020B0609020204030204" pitchFamily="49" charset="0"/>
-              </a:rPr>
-              <a:t>(String </a:t>
-            </a:r>
-            <a:r>
-              <a:rPr lang="en-US" sz="1800" dirty="0" err="1">
-                <a:latin typeface="Consolas" panose="020B0609020204030204" pitchFamily="49" charset="0"/>
-              </a:rPr>
-              <a:t>studentName</a:t>
-            </a:r>
-            <a:r>
-              <a:rPr lang="en-US" sz="1800" dirty="0">
-                <a:latin typeface="Consolas" panose="020B0609020204030204" pitchFamily="49" charset="0"/>
-              </a:rPr>
-              <a:t>) {</a:t>
-            </a:r>
-          </a:p>
-          <a:p>
-            <a:pPr marL="0" indent="0">
-              <a:buNone/>
-            </a:pPr>
-            <a:r>
-              <a:rPr lang="en-US" sz="1800" dirty="0">
-                <a:latin typeface="Consolas" panose="020B0609020204030204" pitchFamily="49" charset="0"/>
-              </a:rPr>
-              <a:t>	Student </a:t>
-            </a:r>
-            <a:r>
-              <a:rPr lang="en-US" sz="1800" dirty="0" err="1">
-                <a:latin typeface="Consolas" panose="020B0609020204030204" pitchFamily="49" charset="0"/>
-              </a:rPr>
-              <a:t>student</a:t>
-            </a:r>
-            <a:r>
-              <a:rPr lang="en-US" sz="1800" dirty="0">
-                <a:latin typeface="Consolas" panose="020B0609020204030204" pitchFamily="49" charset="0"/>
-              </a:rPr>
-              <a:t> = </a:t>
-            </a:r>
-            <a:r>
-              <a:rPr lang="en-US" sz="1800" dirty="0" err="1">
-                <a:latin typeface="Consolas" panose="020B0609020204030204" pitchFamily="49" charset="0"/>
-              </a:rPr>
-              <a:t>getStudentByName</a:t>
-            </a:r>
-            <a:r>
-              <a:rPr lang="en-US" sz="1800" dirty="0">
-                <a:latin typeface="Consolas" panose="020B0609020204030204" pitchFamily="49" charset="0"/>
-              </a:rPr>
-              <a:t>(</a:t>
-            </a:r>
-            <a:r>
-              <a:rPr lang="en-US" sz="1800" dirty="0" err="1">
-                <a:latin typeface="Consolas" panose="020B0609020204030204" pitchFamily="49" charset="0"/>
-              </a:rPr>
-              <a:t>studentName</a:t>
-            </a:r>
-            <a:r>
-              <a:rPr lang="en-US" sz="1800" dirty="0">
-                <a:latin typeface="Consolas" panose="020B0609020204030204" pitchFamily="49" charset="0"/>
-              </a:rPr>
-              <a:t>);</a:t>
-            </a:r>
-          </a:p>
-          <a:p>
-            <a:pPr marL="0" indent="0">
-              <a:buNone/>
-            </a:pPr>
-            <a:r>
-              <a:rPr lang="en-US" sz="1800" dirty="0">
-                <a:latin typeface="Consolas" panose="020B0609020204030204" pitchFamily="49" charset="0"/>
-              </a:rPr>
-              <a:t>	if (student == null) {</a:t>
-            </a:r>
-          </a:p>
-          <a:p>
-            <a:pPr marL="0" indent="0">
-              <a:buNone/>
-            </a:pPr>
-            <a:r>
-              <a:rPr lang="en-US" sz="1800" dirty="0">
-                <a:latin typeface="Consolas" panose="020B0609020204030204" pitchFamily="49" charset="0"/>
-              </a:rPr>
-              <a:t>		return "student " + student + " not found";</a:t>
-            </a:r>
-          </a:p>
-          <a:p>
-            <a:pPr marL="0" indent="0">
-              <a:buNone/>
-            </a:pPr>
-            <a:r>
-              <a:rPr lang="en-US" sz="1800" dirty="0">
-                <a:latin typeface="Consolas" panose="020B0609020204030204" pitchFamily="49" charset="0"/>
-              </a:rPr>
-              <a:t>	}</a:t>
-            </a:r>
-          </a:p>
-          <a:p>
-            <a:pPr marL="0" indent="0">
-              <a:buNone/>
-            </a:pPr>
-            <a:r>
-              <a:rPr lang="en-US" sz="1800" dirty="0">
-                <a:latin typeface="Consolas" panose="020B0609020204030204" pitchFamily="49" charset="0"/>
-              </a:rPr>
-              <a:t>	</a:t>
-            </a:r>
-            <a:r>
-              <a:rPr lang="en-US" sz="1800" dirty="0">
-                <a:solidFill>
-                  <a:srgbClr val="FF0000"/>
-                </a:solidFill>
-                <a:latin typeface="Consolas" panose="020B0609020204030204" pitchFamily="49" charset="0"/>
-              </a:rPr>
-              <a:t>double total = 0;</a:t>
-            </a:r>
-          </a:p>
-          <a:p>
-            <a:pPr marL="0" indent="0">
-              <a:buNone/>
-            </a:pPr>
-            <a:r>
-              <a:rPr lang="en-US" sz="1800" dirty="0">
-                <a:solidFill>
-                  <a:srgbClr val="FF0000"/>
-                </a:solidFill>
-                <a:latin typeface="Consolas" panose="020B0609020204030204" pitchFamily="49" charset="0"/>
-              </a:rPr>
-              <a:t>	for (double d: </a:t>
-            </a:r>
-            <a:r>
-              <a:rPr lang="en-US" sz="1800" dirty="0" err="1">
-                <a:solidFill>
-                  <a:srgbClr val="FF0000"/>
-                </a:solidFill>
-                <a:latin typeface="Consolas" panose="020B0609020204030204" pitchFamily="49" charset="0"/>
-              </a:rPr>
-              <a:t>student.getGrades</a:t>
-            </a:r>
-            <a:r>
-              <a:rPr lang="en-US" sz="1800" dirty="0">
-                <a:solidFill>
-                  <a:srgbClr val="FF0000"/>
-                </a:solidFill>
-                <a:latin typeface="Consolas" panose="020B0609020204030204" pitchFamily="49" charset="0"/>
-              </a:rPr>
-              <a:t>() ) {</a:t>
-            </a:r>
-          </a:p>
-          <a:p>
-            <a:pPr marL="0" indent="0">
-              <a:buNone/>
-            </a:pPr>
-            <a:r>
-              <a:rPr lang="en-US" sz="1800" dirty="0">
-                <a:solidFill>
-                  <a:srgbClr val="FF0000"/>
-                </a:solidFill>
-                <a:latin typeface="Consolas" panose="020B0609020204030204" pitchFamily="49" charset="0"/>
-              </a:rPr>
-              <a:t>		total += d;</a:t>
-            </a:r>
-          </a:p>
-          <a:p>
-            <a:pPr marL="0" indent="0">
-              <a:buNone/>
-            </a:pPr>
-            <a:r>
-              <a:rPr lang="en-US" sz="1800" dirty="0">
-                <a:solidFill>
-                  <a:srgbClr val="FF0000"/>
-                </a:solidFill>
-                <a:latin typeface="Consolas" panose="020B0609020204030204" pitchFamily="49" charset="0"/>
-              </a:rPr>
-              <a:t>	}</a:t>
-            </a:r>
-          </a:p>
-          <a:p>
-            <a:pPr marL="0" indent="0">
-              <a:buNone/>
-            </a:pPr>
-            <a:r>
-              <a:rPr lang="en-US" sz="1800" dirty="0">
-                <a:solidFill>
-                  <a:srgbClr val="FF0000"/>
-                </a:solidFill>
-                <a:latin typeface="Consolas" panose="020B0609020204030204" pitchFamily="49" charset="0"/>
-              </a:rPr>
-              <a:t>	double average = total / </a:t>
-            </a:r>
-            <a:r>
-              <a:rPr lang="en-US" sz="1800" dirty="0" err="1">
-                <a:solidFill>
-                  <a:srgbClr val="FF0000"/>
-                </a:solidFill>
-                <a:latin typeface="Consolas" panose="020B0609020204030204" pitchFamily="49" charset="0"/>
-              </a:rPr>
-              <a:t>student.getGrades</a:t>
-            </a:r>
-            <a:r>
-              <a:rPr lang="en-US" sz="1800" dirty="0">
-                <a:solidFill>
-                  <a:srgbClr val="FF0000"/>
-                </a:solidFill>
-                <a:latin typeface="Consolas" panose="020B0609020204030204" pitchFamily="49" charset="0"/>
-              </a:rPr>
-              <a:t>().size();</a:t>
-            </a:r>
-          </a:p>
-          <a:p>
-            <a:pPr marL="0" indent="0">
-              <a:buNone/>
-            </a:pPr>
-            <a:r>
-              <a:rPr lang="en-US" sz="1800" dirty="0">
-                <a:latin typeface="Consolas" panose="020B0609020204030204" pitchFamily="49" charset="0"/>
-              </a:rPr>
-              <a:t>	return </a:t>
-            </a:r>
-            <a:r>
-              <a:rPr lang="en-US" sz="1800" dirty="0" err="1">
-                <a:latin typeface="Consolas" panose="020B0609020204030204" pitchFamily="49" charset="0"/>
-              </a:rPr>
-              <a:t>Long.toString</a:t>
-            </a:r>
-            <a:r>
-              <a:rPr lang="en-US" sz="1800" dirty="0">
-                <a:latin typeface="Consolas" panose="020B0609020204030204" pitchFamily="49" charset="0"/>
-              </a:rPr>
-              <a:t>(</a:t>
-            </a:r>
-            <a:r>
-              <a:rPr lang="en-US" sz="1800" dirty="0" err="1">
-                <a:latin typeface="Consolas" panose="020B0609020204030204" pitchFamily="49" charset="0"/>
-              </a:rPr>
-              <a:t>Math.round</a:t>
-            </a:r>
-            <a:r>
-              <a:rPr lang="en-US" sz="1800" dirty="0">
-                <a:latin typeface="Consolas" panose="020B0609020204030204" pitchFamily="49" charset="0"/>
-              </a:rPr>
-              <a:t>(</a:t>
-            </a:r>
-            <a:r>
-              <a:rPr lang="en-US" sz="1800" dirty="0">
-                <a:solidFill>
-                  <a:srgbClr val="FF0000"/>
-                </a:solidFill>
-                <a:latin typeface="Consolas" panose="020B0609020204030204" pitchFamily="49" charset="0"/>
-              </a:rPr>
-              <a:t>average</a:t>
-            </a:r>
-            <a:r>
-              <a:rPr lang="en-US" sz="1800" dirty="0">
-                <a:latin typeface="Consolas" panose="020B0609020204030204" pitchFamily="49" charset="0"/>
-              </a:rPr>
-              <a:t>));</a:t>
-            </a:r>
-          </a:p>
-          <a:p>
-            <a:pPr marL="0" indent="0">
-              <a:buNone/>
-            </a:pPr>
-            <a:r>
-              <a:rPr lang="en-US" sz="1800" dirty="0">
-                <a:latin typeface="Consolas" panose="020B0609020204030204" pitchFamily="49" charset="0"/>
-              </a:rPr>
-              <a:t>}</a:t>
-            </a:r>
-          </a:p>
-          <a:p>
-            <a:pPr marL="0" indent="0">
-              <a:buNone/>
-            </a:pPr>
-            <a:r>
-              <a:rPr lang="en-US" sz="1800" dirty="0">
-                <a:latin typeface="Consolas" panose="020B0609020204030204" pitchFamily="49" charset="0"/>
-              </a:rPr>
-              <a:t>…</a:t>
-            </a:r>
-          </a:p>
-          <a:p>
-            <a:pPr marL="0" indent="0">
-              <a:buNone/>
-            </a:pPr>
-            <a:r>
-              <a:rPr lang="en-US" sz="1800" dirty="0">
-                <a:latin typeface="Consolas" panose="020B0609020204030204" pitchFamily="49" charset="0"/>
-              </a:rPr>
-              <a:t>}</a:t>
-            </a:r>
-          </a:p>
-        </p:txBody>
-      </p:sp>
-      <p:sp>
-        <p:nvSpPr>
-          <p:cNvPr id="4" name="TextBox 3"/>
-          <p:cNvSpPr txBox="1"/>
-          <p:nvPr/>
-        </p:nvSpPr>
-        <p:spPr>
-          <a:xfrm>
-            <a:off x="3810000" y="6019800"/>
-            <a:ext cx="4267200" cy="369332"/>
+            <a:off x="990600" y="1828800"/>
+            <a:ext cx="7239000" cy="2554545"/>
           </a:xfrm>
           <a:prstGeom prst="rect">
             <a:avLst/>
           </a:prstGeom>
           <a:noFill/>
-          <a:ln>
-            <a:solidFill>
-              <a:srgbClr val="FF0000"/>
-            </a:solidFill>
-          </a:ln>
         </p:spPr>
         <p:txBody>
           <a:bodyPr wrap="square" rtlCol="0">
@@ -14581,16 +14247,8 @@
           <a:lstStyle/>
           <a:p>
             <a:r>
-              <a:rPr lang="en-US" dirty="0"/>
-              <a:t>Calculation happening in </a:t>
-            </a:r>
-            <a:r>
-              <a:rPr lang="en-US" dirty="0" err="1"/>
-              <a:t>TeamGradebook</a:t>
-            </a:r>
-            <a:r>
-              <a:rPr lang="en-US" dirty="0"/>
-              <a:t>!</a:t>
+              <a:rPr lang="en-US" sz="4000" dirty="0"/>
+              <a:t>How would the actual code compare when performing the stated task “calculate a student’s average grade”?</a:t>
             </a:r>
           </a:p>
         </p:txBody>
@@ -14598,7 +14256,7 @@
     </p:spTree>
     <p:extLst>
       <p:ext uri="{BB962C8B-B14F-4D97-AF65-F5344CB8AC3E}">
-        <p14:creationId xmlns:p14="http://schemas.microsoft.com/office/powerpoint/2010/main" val="4277210476"/>
+        <p14:creationId xmlns:p14="http://schemas.microsoft.com/office/powerpoint/2010/main" val="1796087521"/>
       </p:ext>
     </p:extLst>
   </p:cSld>
@@ -14763,7 +14421,7 @@
               <a:rPr lang="en-US" dirty="0" err="1">
                 <a:latin typeface="Consolas" panose="020B0609020204030204" pitchFamily="49" charset="0"/>
               </a:rPr>
-              <a:t>getAverage</a:t>
+              <a:t>getGrades</a:t>
             </a:r>
             <a:r>
               <a:rPr lang="en-US" dirty="0">
@@ -14792,7 +14450,7 @@
         </p:spPr>
         <p:txBody>
           <a:bodyPr>
-            <a:normAutofit/>
+            <a:noAutofit/>
           </a:bodyPr>
           <a:lstStyle/>
           <a:p>
@@ -14952,31 +14610,30 @@
               <a:rPr lang="en-US" sz="1800" dirty="0">
                 <a:latin typeface="Consolas" panose="020B0609020204030204" pitchFamily="49" charset="0"/>
               </a:rPr>
-              <a:t>	return </a:t>
-            </a:r>
-            <a:r>
-              <a:rPr lang="en-US" sz="1800" dirty="0" err="1">
+              <a:t>	</a:t>
+            </a:r>
+            <a:r>
+              <a:rPr lang="en-US" sz="1800" dirty="0">
+                <a:solidFill>
+                  <a:srgbClr val="FF0000"/>
+                </a:solidFill>
                 <a:latin typeface="Consolas" panose="020B0609020204030204" pitchFamily="49" charset="0"/>
               </a:rPr>
-              <a:t>Long.toString</a:t>
-            </a:r>
+              <a:t>double total = 0;</a:t>
+            </a:r>
+          </a:p>
+          <a:p>
+            <a:pPr marL="0" indent="0">
+              <a:buNone/>
+            </a:pPr>
             <a:r>
               <a:rPr lang="en-US" sz="1800" dirty="0">
+                <a:solidFill>
+                  <a:srgbClr val="FF0000"/>
+                </a:solidFill>
                 <a:latin typeface="Consolas" panose="020B0609020204030204" pitchFamily="49" charset="0"/>
               </a:rPr>
-              <a:t>(</a:t>
-            </a:r>
-            <a:r>
-              <a:rPr lang="en-US" sz="1800" dirty="0" err="1">
-                <a:latin typeface="Consolas" panose="020B0609020204030204" pitchFamily="49" charset="0"/>
-              </a:rPr>
-              <a:t>Math.round</a:t>
-            </a:r>
-            <a:r>
-              <a:rPr lang="en-US" sz="1800" dirty="0">
-                <a:latin typeface="Consolas" panose="020B0609020204030204" pitchFamily="49" charset="0"/>
-              </a:rPr>
-              <a:t>(</a:t>
+              <a:t>	for (double d: </a:t>
             </a:r>
             <a:r>
               <a:rPr lang="en-US" sz="1800" dirty="0" err="1">
@@ -14985,7 +14642,7 @@
                 </a:solidFill>
                 <a:latin typeface="Consolas" panose="020B0609020204030204" pitchFamily="49" charset="0"/>
               </a:rPr>
-              <a:t>student.getAverage</a:t>
+              <a:t>student.getGrades</a:t>
             </a:r>
             <a:r>
               <a:rPr lang="en-US" sz="1800" dirty="0">
@@ -14994,13 +14651,7 @@
                 </a:solidFill>
                 <a:latin typeface="Consolas" panose="020B0609020204030204" pitchFamily="49" charset="0"/>
               </a:rPr>
-              <a:t>()</a:t>
-            </a:r>
-            <a:r>
-              <a:rPr lang="en-US" sz="1800" dirty="0">
-                <a:latin typeface="Consolas" panose="020B0609020204030204" pitchFamily="49" charset="0"/>
-              </a:rPr>
-              <a:t>));</a:t>
+              <a:t>() ) {</a:t>
             </a:r>
           </a:p>
           <a:p>
@@ -15009,9 +14660,12 @@
             </a:pPr>
             <a:r>
               <a:rPr lang="en-US" sz="1800" dirty="0">
+                <a:solidFill>
+                  <a:srgbClr val="FF0000"/>
+                </a:solidFill>
                 <a:latin typeface="Consolas" panose="020B0609020204030204" pitchFamily="49" charset="0"/>
               </a:rPr>
-              <a:t>}</a:t>
+              <a:t>		total += d;</a:t>
             </a:r>
           </a:p>
           <a:p>
@@ -15020,9 +14674,12 @@
             </a:pPr>
             <a:r>
               <a:rPr lang="en-US" sz="1800" dirty="0">
+                <a:solidFill>
+                  <a:srgbClr val="FF0000"/>
+                </a:solidFill>
                 <a:latin typeface="Consolas" panose="020B0609020204030204" pitchFamily="49" charset="0"/>
               </a:rPr>
-              <a:t>…</a:t>
+              <a:t>	}</a:t>
             </a:r>
           </a:p>
           <a:p>
@@ -15031,16 +14688,120 @@
             </a:pPr>
             <a:r>
               <a:rPr lang="en-US" sz="1800" dirty="0">
+                <a:solidFill>
+                  <a:srgbClr val="FF0000"/>
+                </a:solidFill>
                 <a:latin typeface="Consolas" panose="020B0609020204030204" pitchFamily="49" charset="0"/>
               </a:rPr>
+              <a:t>	double average = total / </a:t>
+            </a:r>
+            <a:r>
+              <a:rPr lang="en-US" sz="1800" dirty="0" err="1">
+                <a:solidFill>
+                  <a:srgbClr val="FF0000"/>
+                </a:solidFill>
+                <a:latin typeface="Consolas" panose="020B0609020204030204" pitchFamily="49" charset="0"/>
+              </a:rPr>
+              <a:t>student.getGrades</a:t>
+            </a:r>
+            <a:r>
+              <a:rPr lang="en-US" sz="1800" dirty="0">
+                <a:solidFill>
+                  <a:srgbClr val="FF0000"/>
+                </a:solidFill>
+                <a:latin typeface="Consolas" panose="020B0609020204030204" pitchFamily="49" charset="0"/>
+              </a:rPr>
+              <a:t>().size();</a:t>
+            </a:r>
+          </a:p>
+          <a:p>
+            <a:pPr marL="0" indent="0">
+              <a:buNone/>
+            </a:pPr>
+            <a:r>
+              <a:rPr lang="en-US" sz="1800" dirty="0">
+                <a:latin typeface="Consolas" panose="020B0609020204030204" pitchFamily="49" charset="0"/>
+              </a:rPr>
+              <a:t>	return </a:t>
+            </a:r>
+            <a:r>
+              <a:rPr lang="en-US" sz="1800" dirty="0" err="1">
+                <a:latin typeface="Consolas" panose="020B0609020204030204" pitchFamily="49" charset="0"/>
+              </a:rPr>
+              <a:t>Long.toString</a:t>
+            </a:r>
+            <a:r>
+              <a:rPr lang="en-US" sz="1800" dirty="0">
+                <a:latin typeface="Consolas" panose="020B0609020204030204" pitchFamily="49" charset="0"/>
+              </a:rPr>
+              <a:t>(</a:t>
+            </a:r>
+            <a:r>
+              <a:rPr lang="en-US" sz="1800" dirty="0" err="1">
+                <a:latin typeface="Consolas" panose="020B0609020204030204" pitchFamily="49" charset="0"/>
+              </a:rPr>
+              <a:t>Math.round</a:t>
+            </a:r>
+            <a:r>
+              <a:rPr lang="en-US" sz="1800" dirty="0">
+                <a:latin typeface="Consolas" panose="020B0609020204030204" pitchFamily="49" charset="0"/>
+              </a:rPr>
+              <a:t>(</a:t>
+            </a:r>
+            <a:r>
+              <a:rPr lang="en-US" sz="1800" dirty="0">
+                <a:solidFill>
+                  <a:srgbClr val="FF0000"/>
+                </a:solidFill>
+                <a:latin typeface="Consolas" panose="020B0609020204030204" pitchFamily="49" charset="0"/>
+              </a:rPr>
+              <a:t>average</a:t>
+            </a:r>
+            <a:r>
+              <a:rPr lang="en-US" sz="1800" dirty="0">
+                <a:latin typeface="Consolas" panose="020B0609020204030204" pitchFamily="49" charset="0"/>
+              </a:rPr>
+              <a:t>));</a:t>
+            </a:r>
+          </a:p>
+          <a:p>
+            <a:pPr marL="0" indent="0">
+              <a:buNone/>
+            </a:pPr>
+            <a:r>
+              <a:rPr lang="en-US" sz="1800" dirty="0">
+                <a:latin typeface="Consolas" panose="020B0609020204030204" pitchFamily="49" charset="0"/>
+              </a:rPr>
               <a:t>}</a:t>
             </a:r>
           </a:p>
+          <a:p>
+            <a:pPr marL="0" indent="0">
+              <a:buNone/>
+            </a:pPr>
+            <a:r>
+              <a:rPr lang="en-US" sz="1800" dirty="0">
+                <a:latin typeface="Consolas" panose="020B0609020204030204" pitchFamily="49" charset="0"/>
+              </a:rPr>
+              <a:t>…</a:t>
+            </a:r>
+          </a:p>
+          <a:p>
+            <a:pPr marL="0" indent="0">
+              <a:buNone/>
+            </a:pPr>
+            <a:r>
+              <a:rPr lang="en-US" sz="1800" dirty="0">
+                <a:latin typeface="Consolas" panose="020B0609020204030204" pitchFamily="49" charset="0"/>
+              </a:rPr>
+              <a:t>}</a:t>
+            </a:r>
+          </a:p>
         </p:txBody>
       </p:sp>
       <p:sp>
         <p:nvSpPr>
-          <p:cNvPr id="5" name="TextBox 4"/>
+          <p:cNvPr id="4" name="TextBox 3"/>
           <p:cNvSpPr txBox="1"/>
           <p:nvPr/>
         </p:nvSpPr>
@@ -15067,7 +14828,15 @@
           <a:p>
             <a:r>
               <a:rPr lang="en-US" dirty="0"/>
-              <a:t>Calculation happening in Student!</a:t>
+              <a:t>Calculation happening in </a:t>
+            </a:r>
+            <a:r>
+              <a:rPr lang="en-US" dirty="0" err="1"/>
+              <a:t>TeamGradebook</a:t>
+            </a:r>
+            <a:r>
+              <a:rPr lang="en-US" dirty="0"/>
+              <a:t>!</a:t>
             </a:r>
           </a:p>
         </p:txBody>
@@ -15075,7 +14844,7 @@
     </p:spTree>
     <p:extLst>
       <p:ext uri="{BB962C8B-B14F-4D97-AF65-F5344CB8AC3E}">
-        <p14:creationId xmlns:p14="http://schemas.microsoft.com/office/powerpoint/2010/main" val="2698250179"/>
+        <p14:creationId xmlns:p14="http://schemas.microsoft.com/office/powerpoint/2010/main" val="4277210476"/>
       </p:ext>
     </p:extLst>
   </p:cSld>
@@ -15118,6 +14887,364 @@
           <a:lstStyle/>
           <a:p>
             <a:r>
+              <a:rPr lang="en-US" dirty="0" err="1">
+                <a:latin typeface="Consolas" panose="020B0609020204030204" pitchFamily="49" charset="0"/>
+              </a:rPr>
+              <a:t>getAverage</a:t>
+            </a:r>
+            <a:r>
+              <a:rPr lang="en-US" dirty="0">
+                <a:latin typeface="Consolas" panose="020B0609020204030204" pitchFamily="49" charset="0"/>
+              </a:rPr>
+              <a:t>()</a:t>
+            </a:r>
+          </a:p>
+        </p:txBody>
+      </p:sp>
+      <p:sp>
+        <p:nvSpPr>
+          <p:cNvPr id="3" name="Content Placeholder 2"/>
+          <p:cNvSpPr>
+            <a:spLocks noGrp="1"/>
+          </p:cNvSpPr>
+          <p:nvPr>
+            <p:ph idx="1"/>
+          </p:nvPr>
+        </p:nvSpPr>
+        <p:spPr>
+          <a:xfrm>
+            <a:off x="457200" y="1600201"/>
+            <a:ext cx="8382000" cy="4114800"/>
+          </a:xfrm>
+        </p:spPr>
+        <p:txBody>
+          <a:bodyPr>
+            <a:normAutofit/>
+          </a:bodyPr>
+          <a:lstStyle/>
+          <a:p>
+            <a:pPr marL="0" indent="0">
+              <a:buNone/>
+            </a:pPr>
+            <a:r>
+              <a:rPr lang="en-US" sz="1800" dirty="0">
+                <a:latin typeface="Consolas" panose="020B0609020204030204" pitchFamily="49" charset="0"/>
+              </a:rPr>
+              <a:t>public class </a:t>
+            </a:r>
+            <a:r>
+              <a:rPr lang="en-US" sz="1800" dirty="0" err="1">
+                <a:latin typeface="Consolas" panose="020B0609020204030204" pitchFamily="49" charset="0"/>
+              </a:rPr>
+              <a:t>TeamGradebook</a:t>
+            </a:r>
+            <a:r>
+              <a:rPr lang="en-US" sz="1800" dirty="0">
+                <a:latin typeface="Consolas" panose="020B0609020204030204" pitchFamily="49" charset="0"/>
+              </a:rPr>
+              <a:t> {</a:t>
+            </a:r>
+          </a:p>
+          <a:p>
+            <a:pPr marL="0" indent="0">
+              <a:buNone/>
+            </a:pPr>
+            <a:r>
+              <a:rPr lang="en-US" sz="1800" dirty="0">
+                <a:latin typeface="Consolas" panose="020B0609020204030204" pitchFamily="49" charset="0"/>
+              </a:rPr>
+              <a:t>…</a:t>
+            </a:r>
+          </a:p>
+          <a:p>
+            <a:pPr marL="0" indent="0">
+              <a:buNone/>
+            </a:pPr>
+            <a:r>
+              <a:rPr lang="en-US" sz="1800" dirty="0">
+                <a:latin typeface="Consolas" panose="020B0609020204030204" pitchFamily="49" charset="0"/>
+              </a:rPr>
+              <a:t>private String </a:t>
+            </a:r>
+            <a:r>
+              <a:rPr lang="en-US" sz="1800" dirty="0" err="1">
+                <a:latin typeface="Consolas" panose="020B0609020204030204" pitchFamily="49" charset="0"/>
+              </a:rPr>
+              <a:t>handleGetAverage</a:t>
+            </a:r>
+            <a:r>
+              <a:rPr lang="en-US" sz="1800" dirty="0">
+                <a:latin typeface="Consolas" panose="020B0609020204030204" pitchFamily="49" charset="0"/>
+              </a:rPr>
+              <a:t>(String </a:t>
+            </a:r>
+            <a:r>
+              <a:rPr lang="en-US" sz="1800" dirty="0" err="1">
+                <a:latin typeface="Consolas" panose="020B0609020204030204" pitchFamily="49" charset="0"/>
+              </a:rPr>
+              <a:t>studentName</a:t>
+            </a:r>
+            <a:r>
+              <a:rPr lang="en-US" sz="1800" dirty="0">
+                <a:latin typeface="Consolas" panose="020B0609020204030204" pitchFamily="49" charset="0"/>
+              </a:rPr>
+              <a:t>) {</a:t>
+            </a:r>
+          </a:p>
+          <a:p>
+            <a:pPr marL="0" indent="0">
+              <a:buNone/>
+            </a:pPr>
+            <a:r>
+              <a:rPr lang="en-US" sz="1800" dirty="0">
+                <a:latin typeface="Consolas" panose="020B0609020204030204" pitchFamily="49" charset="0"/>
+              </a:rPr>
+              <a:t>	Student </a:t>
+            </a:r>
+            <a:r>
+              <a:rPr lang="en-US" sz="1800" dirty="0" err="1">
+                <a:latin typeface="Consolas" panose="020B0609020204030204" pitchFamily="49" charset="0"/>
+              </a:rPr>
+              <a:t>student</a:t>
+            </a:r>
+            <a:r>
+              <a:rPr lang="en-US" sz="1800" dirty="0">
+                <a:latin typeface="Consolas" panose="020B0609020204030204" pitchFamily="49" charset="0"/>
+              </a:rPr>
+              <a:t> = </a:t>
+            </a:r>
+            <a:r>
+              <a:rPr lang="en-US" sz="1800" dirty="0" err="1">
+                <a:latin typeface="Consolas" panose="020B0609020204030204" pitchFamily="49" charset="0"/>
+              </a:rPr>
+              <a:t>getStudentByName</a:t>
+            </a:r>
+            <a:r>
+              <a:rPr lang="en-US" sz="1800" dirty="0">
+                <a:latin typeface="Consolas" panose="020B0609020204030204" pitchFamily="49" charset="0"/>
+              </a:rPr>
+              <a:t>(</a:t>
+            </a:r>
+            <a:r>
+              <a:rPr lang="en-US" sz="1800" dirty="0" err="1">
+                <a:latin typeface="Consolas" panose="020B0609020204030204" pitchFamily="49" charset="0"/>
+              </a:rPr>
+              <a:t>studentName</a:t>
+            </a:r>
+            <a:r>
+              <a:rPr lang="en-US" sz="1800" dirty="0">
+                <a:latin typeface="Consolas" panose="020B0609020204030204" pitchFamily="49" charset="0"/>
+              </a:rPr>
+              <a:t>);</a:t>
+            </a:r>
+          </a:p>
+          <a:p>
+            <a:pPr marL="0" indent="0">
+              <a:buNone/>
+            </a:pPr>
+            <a:r>
+              <a:rPr lang="en-US" sz="1800" dirty="0">
+                <a:latin typeface="Consolas" panose="020B0609020204030204" pitchFamily="49" charset="0"/>
+              </a:rPr>
+              <a:t>	if (student == null) {</a:t>
+            </a:r>
+          </a:p>
+          <a:p>
+            <a:pPr marL="0" indent="0">
+              <a:buNone/>
+            </a:pPr>
+            <a:r>
+              <a:rPr lang="en-US" sz="1800" dirty="0">
+                <a:latin typeface="Consolas" panose="020B0609020204030204" pitchFamily="49" charset="0"/>
+              </a:rPr>
+              <a:t>		return "student " + student + " not found";</a:t>
+            </a:r>
+          </a:p>
+          <a:p>
+            <a:pPr marL="0" indent="0">
+              <a:buNone/>
+            </a:pPr>
+            <a:r>
+              <a:rPr lang="en-US" sz="1800" dirty="0">
+                <a:latin typeface="Consolas" panose="020B0609020204030204" pitchFamily="49" charset="0"/>
+              </a:rPr>
+              <a:t>	}</a:t>
+            </a:r>
+          </a:p>
+          <a:p>
+            <a:pPr marL="0" indent="0">
+              <a:buNone/>
+            </a:pPr>
+            <a:r>
+              <a:rPr lang="en-US" sz="1800" dirty="0">
+                <a:latin typeface="Consolas" panose="020B0609020204030204" pitchFamily="49" charset="0"/>
+              </a:rPr>
+              <a:t>	return </a:t>
+            </a:r>
+            <a:r>
+              <a:rPr lang="en-US" sz="1800" dirty="0" err="1">
+                <a:latin typeface="Consolas" panose="020B0609020204030204" pitchFamily="49" charset="0"/>
+              </a:rPr>
+              <a:t>Long.toString</a:t>
+            </a:r>
+            <a:r>
+              <a:rPr lang="en-US" sz="1800" dirty="0">
+                <a:latin typeface="Consolas" panose="020B0609020204030204" pitchFamily="49" charset="0"/>
+              </a:rPr>
+              <a:t>(</a:t>
+            </a:r>
+            <a:r>
+              <a:rPr lang="en-US" sz="1800" dirty="0" err="1">
+                <a:latin typeface="Consolas" panose="020B0609020204030204" pitchFamily="49" charset="0"/>
+              </a:rPr>
+              <a:t>Math.round</a:t>
+            </a:r>
+            <a:r>
+              <a:rPr lang="en-US" sz="1800" dirty="0">
+                <a:latin typeface="Consolas" panose="020B0609020204030204" pitchFamily="49" charset="0"/>
+              </a:rPr>
+              <a:t>(</a:t>
+            </a:r>
+            <a:r>
+              <a:rPr lang="en-US" sz="1800" dirty="0" err="1">
+                <a:solidFill>
+                  <a:srgbClr val="FF0000"/>
+                </a:solidFill>
+                <a:latin typeface="Consolas" panose="020B0609020204030204" pitchFamily="49" charset="0"/>
+              </a:rPr>
+              <a:t>student.getAverage</a:t>
+            </a:r>
+            <a:r>
+              <a:rPr lang="en-US" sz="1800" dirty="0">
+                <a:solidFill>
+                  <a:srgbClr val="FF0000"/>
+                </a:solidFill>
+                <a:latin typeface="Consolas" panose="020B0609020204030204" pitchFamily="49" charset="0"/>
+              </a:rPr>
+              <a:t>()</a:t>
+            </a:r>
+            <a:r>
+              <a:rPr lang="en-US" sz="1800" dirty="0">
+                <a:latin typeface="Consolas" panose="020B0609020204030204" pitchFamily="49" charset="0"/>
+              </a:rPr>
+              <a:t>));</a:t>
+            </a:r>
+          </a:p>
+          <a:p>
+            <a:pPr marL="0" indent="0">
+              <a:buNone/>
+            </a:pPr>
+            <a:r>
+              <a:rPr lang="en-US" sz="1800" dirty="0">
+                <a:latin typeface="Consolas" panose="020B0609020204030204" pitchFamily="49" charset="0"/>
+              </a:rPr>
+              <a:t>}</a:t>
+            </a:r>
+          </a:p>
+          <a:p>
+            <a:pPr marL="0" indent="0">
+              <a:buNone/>
+            </a:pPr>
+            <a:r>
+              <a:rPr lang="en-US" sz="1800" dirty="0">
+                <a:latin typeface="Consolas" panose="020B0609020204030204" pitchFamily="49" charset="0"/>
+              </a:rPr>
+              <a:t>…</a:t>
+            </a:r>
+          </a:p>
+          <a:p>
+            <a:pPr marL="0" indent="0">
+              <a:buNone/>
+            </a:pPr>
+            <a:r>
+              <a:rPr lang="en-US" sz="1800" dirty="0">
+                <a:latin typeface="Consolas" panose="020B0609020204030204" pitchFamily="49" charset="0"/>
+              </a:rPr>
+              <a:t>}</a:t>
+            </a:r>
+          </a:p>
+        </p:txBody>
+      </p:sp>
+      <p:sp>
+        <p:nvSpPr>
+          <p:cNvPr id="5" name="TextBox 4"/>
+          <p:cNvSpPr txBox="1"/>
+          <p:nvPr/>
+        </p:nvSpPr>
+        <p:spPr>
+          <a:xfrm>
+            <a:off x="3810000" y="6019800"/>
+            <a:ext cx="4267200" cy="369332"/>
+          </a:xfrm>
+          <a:prstGeom prst="rect">
+            <a:avLst/>
+          </a:prstGeom>
+          <a:noFill/>
+          <a:ln>
+            <a:solidFill>
+              <a:srgbClr val="FF0000"/>
+            </a:solidFill>
+          </a:ln>
+        </p:spPr>
+        <p:txBody>
+          <a:bodyPr wrap="square" rtlCol="0">
+            <a:spAutoFit/>
+          </a:bodyPr>
+          <a:lstStyle/>
+          <a:p>
+            <a:r>
+              <a:rPr lang="en-US" dirty="0"/>
+              <a:t>Calculation happening in Student!</a:t>
+            </a:r>
+          </a:p>
+        </p:txBody>
+      </p:sp>
+    </p:spTree>
+    <p:extLst>
+      <p:ext uri="{BB962C8B-B14F-4D97-AF65-F5344CB8AC3E}">
+        <p14:creationId xmlns:p14="http://schemas.microsoft.com/office/powerpoint/2010/main" val="2698250179"/>
+      </p:ext>
+    </p:extLst>
+  </p:cSld>
+  <p:clrMapOvr>
+    <a:masterClrMapping/>
+  </p:clrMapOvr>
+</p:sld>
+</file>
+
+<file path=ppt/slides/slide22.xml><?xml version="1.0" encoding="utf-8"?>
+<p:sld xmlns:a="http://schemas.openxmlformats.org/drawingml/2006/main" xmlns:r="http://schemas.openxmlformats.org/officeDocument/2006/relationships" xmlns:p="http://schemas.openxmlformats.org/presentationml/2006/main">
+  <p:cSld>
+    <p:spTree>
+      <p:nvGrpSpPr>
+        <p:cNvPr id="1" name=""/>
+        <p:cNvGrpSpPr/>
+        <p:nvPr/>
+      </p:nvGrpSpPr>
+      <p:grpSpPr>
+        <a:xfrm>
+          <a:off x="0" y="0"/>
+          <a:ext cx="0" cy="0"/>
+          <a:chOff x="0" y="0"/>
+          <a:chExt cx="0" cy="0"/>
+        </a:xfrm>
+      </p:grpSpPr>
+      <p:sp>
+        <p:nvSpPr>
+          <p:cNvPr id="2" name="Title 1"/>
+          <p:cNvSpPr>
+            <a:spLocks noGrp="1"/>
+          </p:cNvSpPr>
+          <p:nvPr>
+            <p:ph type="title"/>
+          </p:nvPr>
+        </p:nvSpPr>
+        <p:spPr/>
+        <p:txBody>
+          <a:bodyPr/>
+          <a:lstStyle/>
+          <a:p>
+            <a:r>
               <a:rPr lang="en-US" dirty="0"/>
               <a:t>Why does this improve the design?</a:t>
             </a:r>
@@ -15196,7 +15323,7 @@
 </p:sld>
 </file>
 
-<file path=ppt/slides/slide22.xml><?xml version="1.0" encoding="utf-8"?>
+<file path=ppt/slides/slide23.xml><?xml version="1.0" encoding="utf-8"?>
 <p:sld xmlns:a="http://schemas.openxmlformats.org/drawingml/2006/main" xmlns:r="http://schemas.openxmlformats.org/officeDocument/2006/relationships" xmlns:p="http://schemas.openxmlformats.org/presentationml/2006/main">
   <p:cSld>
     <p:spTree>
@@ -15599,7 +15726,7 @@
 </p:sld>
 </file>
 
-<file path=ppt/slides/slide23.xml><?xml version="1.0" encoding="utf-8"?>
+<file path=ppt/slides/slide24.xml><?xml version="1.0" encoding="utf-8"?>
 <p:sld xmlns:a="http://schemas.openxmlformats.org/drawingml/2006/main" xmlns:r="http://schemas.openxmlformats.org/officeDocument/2006/relationships" xmlns:p="http://schemas.openxmlformats.org/presentationml/2006/main">
   <p:cSld>
     <p:spTree>
@@ -15960,7 +16087,7 @@
 </p:sld>
 </file>
 
-<file path=ppt/slides/slide24.xml><?xml version="1.0" encoding="utf-8"?>
+<file path=ppt/slides/slide25.xml><?xml version="1.0" encoding="utf-8"?>
 <p:sld xmlns:a="http://schemas.openxmlformats.org/drawingml/2006/main" xmlns:r="http://schemas.openxmlformats.org/officeDocument/2006/relationships" xmlns:p="http://schemas.openxmlformats.org/presentationml/2006/main">
   <p:cSld>
     <p:spTree>
@@ -16108,7 +16235,7 @@
 </p:sld>
 </file>
 
-<file path=ppt/slides/slide25.xml><?xml version="1.0" encoding="utf-8"?>
+<file path=ppt/slides/slide26.xml><?xml version="1.0" encoding="utf-8"?>
 <p:sld xmlns:a="http://schemas.openxmlformats.org/drawingml/2006/main" xmlns:r="http://schemas.openxmlformats.org/officeDocument/2006/relationships" xmlns:p="http://schemas.openxmlformats.org/presentationml/2006/main">
   <p:cSld>
     <p:spTree>
@@ -16239,7 +16366,7 @@
 </p:sld>
 </file>
 
-<file path=ppt/slides/slide26.xml><?xml version="1.0" encoding="utf-8"?>
+<file path=ppt/slides/slide27.xml><?xml version="1.0" encoding="utf-8"?>
 <p:sld xmlns:a="http://schemas.openxmlformats.org/drawingml/2006/main" xmlns:r="http://schemas.openxmlformats.org/officeDocument/2006/relationships" xmlns:p="http://schemas.openxmlformats.org/presentationml/2006/main">
   <p:cSld>
     <p:spTree>
@@ -16400,7 +16527,7 @@
 </p:sld>
 </file>
 
-<file path=ppt/slides/slide27.xml><?xml version="1.0" encoding="utf-8"?>
+<file path=ppt/slides/slide28.xml><?xml version="1.0" encoding="utf-8"?>
 <p:sld xmlns:a="http://schemas.openxmlformats.org/drawingml/2006/main" xmlns:r="http://schemas.openxmlformats.org/officeDocument/2006/relationships" xmlns:p="http://schemas.openxmlformats.org/presentationml/2006/main">
   <p:cSld>
     <p:spTree>
@@ -16696,7 +16823,7 @@
 </p:sld>
 </file>
 
-<file path=ppt/slides/slide28.xml><?xml version="1.0" encoding="utf-8"?>
+<file path=ppt/slides/slide29.xml><?xml version="1.0" encoding="utf-8"?>
 <p:sld xmlns:a="http://schemas.openxmlformats.org/drawingml/2006/main" xmlns:r="http://schemas.openxmlformats.org/officeDocument/2006/relationships" xmlns:p="http://schemas.openxmlformats.org/presentationml/2006/main">
   <p:cSld>
     <p:spTree>
@@ -17130,7 +17257,142 @@
 </p:sld>
 </file>
 
-<file path=ppt/slides/slide29.xml><?xml version="1.0" encoding="utf-8"?>
+<file path=ppt/slides/slide3.xml><?xml version="1.0" encoding="utf-8"?>
+<p:sld xmlns:a="http://schemas.openxmlformats.org/drawingml/2006/main" xmlns:r="http://schemas.openxmlformats.org/officeDocument/2006/relationships" xmlns:p="http://schemas.openxmlformats.org/presentationml/2006/main">
+  <p:cSld>
+    <p:spTree>
+      <p:nvGrpSpPr>
+        <p:cNvPr id="1" name=""/>
+        <p:cNvGrpSpPr/>
+        <p:nvPr/>
+      </p:nvGrpSpPr>
+      <p:grpSpPr>
+        <a:xfrm>
+          <a:off x="0" y="0"/>
+          <a:ext cx="0" cy="0"/>
+          <a:chOff x="0" y="0"/>
+          <a:chExt cx="0" cy="0"/>
+        </a:xfrm>
+      </p:grpSpPr>
+      <p:sp>
+        <p:nvSpPr>
+          <p:cNvPr id="2" name="Title 1">
+            <a:extLst>
+              <a:ext uri="{FF2B5EF4-FFF2-40B4-BE49-F238E27FC236}">
+                <a16:creationId xmlns:a16="http://schemas.microsoft.com/office/drawing/2014/main" id="{F87FEA5E-029E-4F31-82CF-714FEDA124EE}"/>
+              </a:ext>
+            </a:extLst>
+          </p:cNvPr>
+          <p:cNvSpPr>
+            <a:spLocks noGrp="1"/>
+          </p:cNvSpPr>
+          <p:nvPr>
+            <p:ph type="title"/>
+          </p:nvPr>
+        </p:nvSpPr>
+        <p:spPr/>
+        <p:txBody>
+          <a:bodyPr/>
+          <a:lstStyle/>
+          <a:p>
+            <a:r>
+              <a:rPr lang="en-US" dirty="0"/>
+              <a:t>Partner for ID2</a:t>
+            </a:r>
+          </a:p>
+        </p:txBody>
+      </p:sp>
+      <p:sp>
+        <p:nvSpPr>
+          <p:cNvPr id="3" name="Content Placeholder 2">
+            <a:extLst>
+              <a:ext uri="{FF2B5EF4-FFF2-40B4-BE49-F238E27FC236}">
+                <a16:creationId xmlns:a16="http://schemas.microsoft.com/office/drawing/2014/main" id="{C4264715-2433-4C47-A499-F660D8A431BA}"/>
+              </a:ext>
+            </a:extLst>
+          </p:cNvPr>
+          <p:cNvSpPr>
+            <a:spLocks noGrp="1"/>
+          </p:cNvSpPr>
+          <p:nvPr>
+            <p:ph idx="1"/>
+          </p:nvPr>
+        </p:nvSpPr>
+        <p:spPr>
+          <a:xfrm>
+            <a:off x="457200" y="1600200"/>
+            <a:ext cx="8534400" cy="4525963"/>
+          </a:xfrm>
+        </p:spPr>
+        <p:txBody>
+          <a:bodyPr>
+            <a:normAutofit/>
+          </a:bodyPr>
+          <a:lstStyle/>
+          <a:p>
+            <a:pPr marL="0" indent="0">
+              <a:buNone/>
+            </a:pPr>
+            <a:r>
+              <a:rPr lang="en-US" dirty="0"/>
+              <a:t>If you would like to work with a partner for the “Paired” part of Implementing Design 2:</a:t>
+            </a:r>
+          </a:p>
+          <a:p>
+            <a:pPr marL="514350" indent="-514350">
+              <a:buFont typeface="+mj-lt"/>
+              <a:buAutoNum type="arabicPeriod"/>
+            </a:pPr>
+            <a:r>
+              <a:rPr lang="en-US" dirty="0"/>
+              <a:t>Decide how you plan to communicate with each other: email, Teams, txt, </a:t>
+            </a:r>
+            <a:r>
+              <a:rPr lang="en-US" dirty="0" err="1"/>
+              <a:t>etc</a:t>
+            </a:r>
+            <a:endParaRPr lang="en-US" dirty="0"/>
+          </a:p>
+          <a:p>
+            <a:pPr marL="514350" indent="-514350">
+              <a:buFont typeface="+mj-lt"/>
+              <a:buAutoNum type="arabicPeriod"/>
+            </a:pPr>
+            <a:r>
+              <a:rPr lang="en-US" dirty="0"/>
+              <a:t>Pick a time you both agree to complete the “Individual” part of Implementing Design 2 so that you can both be ready to work together</a:t>
+            </a:r>
+          </a:p>
+          <a:p>
+            <a:pPr marL="514350" indent="-514350">
+              <a:buFont typeface="+mj-lt"/>
+              <a:buAutoNum type="arabicPeriod"/>
+            </a:pPr>
+            <a:r>
+              <a:rPr lang="en-US"/>
+              <a:t>Find times you could work together </a:t>
+            </a:r>
+            <a:endParaRPr lang="en-US" dirty="0"/>
+          </a:p>
+          <a:p>
+            <a:endParaRPr lang="en-US" dirty="0"/>
+          </a:p>
+        </p:txBody>
+      </p:sp>
+    </p:spTree>
+    <p:extLst>
+      <p:ext uri="{BB962C8B-B14F-4D97-AF65-F5344CB8AC3E}">
+        <p14:creationId xmlns:p14="http://schemas.microsoft.com/office/powerpoint/2010/main" val="2509127813"/>
+      </p:ext>
+    </p:extLst>
+  </p:cSld>
+  <p:clrMapOvr>
+    <a:masterClrMapping/>
+  </p:clrMapOvr>
+</p:sld>
+</file>
+
+<file path=ppt/slides/slide30.xml><?xml version="1.0" encoding="utf-8"?>
 <p:sld xmlns:a="http://schemas.openxmlformats.org/drawingml/2006/main" xmlns:r="http://schemas.openxmlformats.org/officeDocument/2006/relationships" xmlns:p="http://schemas.openxmlformats.org/presentationml/2006/main">
   <p:cSld>
     <p:spTree>
@@ -17484,171 +17746,7 @@
 </p:sld>
 </file>
 
-<file path=ppt/slides/slide3.xml><?xml version="1.0" encoding="utf-8"?>
-<p:sld xmlns:a="http://schemas.openxmlformats.org/drawingml/2006/main" xmlns:r="http://schemas.openxmlformats.org/officeDocument/2006/relationships" xmlns:p="http://schemas.openxmlformats.org/presentationml/2006/main">
-  <p:cSld>
-    <p:spTree>
-      <p:nvGrpSpPr>
-        <p:cNvPr id="1" name=""/>
-        <p:cNvGrpSpPr/>
-        <p:nvPr/>
-      </p:nvGrpSpPr>
-      <p:grpSpPr>
-        <a:xfrm>
-          <a:off x="0" y="0"/>
-          <a:ext cx="0" cy="0"/>
-          <a:chOff x="0" y="0"/>
-          <a:chExt cx="0" cy="0"/>
-        </a:xfrm>
-      </p:grpSpPr>
-      <p:sp>
-        <p:nvSpPr>
-          <p:cNvPr id="2" name="Title 1"/>
-          <p:cNvSpPr>
-            <a:spLocks noGrp="1"/>
-          </p:cNvSpPr>
-          <p:nvPr>
-            <p:ph type="title"/>
-          </p:nvPr>
-        </p:nvSpPr>
-        <p:spPr/>
-        <p:txBody>
-          <a:bodyPr/>
-          <a:lstStyle/>
-          <a:p>
-            <a:r>
-              <a:rPr lang="en-US" dirty="0"/>
-              <a:t>Today’s topics</a:t>
-            </a:r>
-          </a:p>
-        </p:txBody>
-      </p:sp>
-      <p:sp>
-        <p:nvSpPr>
-          <p:cNvPr id="3" name="Content Placeholder 2"/>
-          <p:cNvSpPr>
-            <a:spLocks noGrp="1"/>
-          </p:cNvSpPr>
-          <p:nvPr>
-            <p:ph idx="1"/>
-          </p:nvPr>
-        </p:nvSpPr>
-        <p:spPr/>
-        <p:txBody>
-          <a:bodyPr/>
-          <a:lstStyle/>
-          <a:p>
-            <a:pPr marL="457200" indent="-457200" fontAlgn="base">
-              <a:buFont typeface="+mj-lt"/>
-              <a:buAutoNum type="arabicParenR" startAt="4"/>
-            </a:pPr>
-            <a:r>
-              <a:rPr lang="en-US" sz="2400" b="1" dirty="0"/>
-              <a:t>Minimize dependencies</a:t>
-            </a:r>
-            <a:r>
-              <a:rPr lang="en-US" sz="2400" dirty="0"/>
-              <a:t> between objects when it does not disrupt usability or </a:t>
-            </a:r>
-            <a:r>
-              <a:rPr lang="en-US" sz="2400" dirty="0" err="1"/>
-              <a:t>extendability</a:t>
-            </a:r>
-            <a:endParaRPr lang="en-US" sz="2400" dirty="0"/>
-          </a:p>
-          <a:p>
-            <a:pPr marL="971550" lvl="1" indent="-514350" fontAlgn="base">
-              <a:buFont typeface="+mj-lt"/>
-              <a:buAutoNum type="alphaLcParenR"/>
-            </a:pPr>
-            <a:r>
-              <a:rPr lang="en-US" dirty="0"/>
-              <a:t>Tell don't ask</a:t>
-            </a:r>
-          </a:p>
-          <a:p>
-            <a:pPr marL="971550" lvl="1" indent="-514350" fontAlgn="base">
-              <a:buFont typeface="+mj-lt"/>
-              <a:buAutoNum type="alphaLcParenR"/>
-            </a:pPr>
-            <a:r>
-              <a:rPr lang="en-US" dirty="0"/>
-              <a:t>Don't have message chains</a:t>
-            </a:r>
-          </a:p>
-          <a:p>
-            <a:pPr marL="0" indent="0">
-              <a:buNone/>
-            </a:pPr>
-            <a:endParaRPr lang="en-US" dirty="0"/>
-          </a:p>
-        </p:txBody>
-      </p:sp>
-      <p:sp>
-        <p:nvSpPr>
-          <p:cNvPr id="4" name="Rectangle 3"/>
-          <p:cNvSpPr/>
-          <p:nvPr/>
-        </p:nvSpPr>
-        <p:spPr>
-          <a:xfrm>
-            <a:off x="609600" y="4114800"/>
-            <a:ext cx="7010400" cy="1384995"/>
-          </a:xfrm>
-          <a:prstGeom prst="rect">
-            <a:avLst/>
-          </a:prstGeom>
-        </p:spPr>
-        <p:txBody>
-          <a:bodyPr wrap="square">
-            <a:spAutoFit/>
-          </a:bodyPr>
-          <a:lstStyle/>
-          <a:p>
-            <a:pPr fontAlgn="base"/>
-            <a:r>
-              <a:rPr lang="en-US" sz="2800" dirty="0"/>
-              <a:t>Two related Object-Oriented </a:t>
-            </a:r>
-            <a:r>
-              <a:rPr lang="en-US" sz="2800" dirty="0" err="1"/>
-              <a:t>Deisgn</a:t>
-            </a:r>
-            <a:r>
-              <a:rPr lang="en-US" sz="2800" dirty="0"/>
-              <a:t> terms: </a:t>
-            </a:r>
-          </a:p>
-          <a:p>
-            <a:pPr lvl="1" fontAlgn="base"/>
-            <a:r>
-              <a:rPr lang="en-US" sz="2800" b="1" dirty="0"/>
-              <a:t>coupling</a:t>
-            </a:r>
-          </a:p>
-          <a:p>
-            <a:pPr lvl="1" fontAlgn="base"/>
-            <a:r>
-              <a:rPr lang="en-US" sz="2800" b="1" dirty="0"/>
-              <a:t>cohesion</a:t>
-            </a:r>
-          </a:p>
-        </p:txBody>
-      </p:sp>
-    </p:spTree>
-    <p:extLst>
-      <p:ext uri="{BB962C8B-B14F-4D97-AF65-F5344CB8AC3E}">
-        <p14:creationId xmlns:p14="http://schemas.microsoft.com/office/powerpoint/2010/main" val="4103721323"/>
-      </p:ext>
-    </p:extLst>
-  </p:cSld>
-  <p:clrMapOvr>
-    <a:masterClrMapping/>
-  </p:clrMapOvr>
-</p:sld>
-</file>
-
-<file path=ppt/slides/slide30.xml><?xml version="1.0" encoding="utf-8"?>
+<file path=ppt/slides/slide31.xml><?xml version="1.0" encoding="utf-8"?>
 <p:sld xmlns:a="http://schemas.openxmlformats.org/drawingml/2006/main" xmlns:r="http://schemas.openxmlformats.org/officeDocument/2006/relationships" xmlns:p="http://schemas.openxmlformats.org/presentationml/2006/main">
   <p:cSld>
     <p:spTree>
@@ -18680,7 +18778,7 @@
 </p:sld>
 </file>
 
-<file path=ppt/slides/slide31.xml><?xml version="1.0" encoding="utf-8"?>
+<file path=ppt/slides/slide32.xml><?xml version="1.0" encoding="utf-8"?>
 <p:sld xmlns:a="http://schemas.openxmlformats.org/drawingml/2006/main" xmlns:r="http://schemas.openxmlformats.org/officeDocument/2006/relationships" xmlns:p="http://schemas.openxmlformats.org/presentationml/2006/main">
   <p:cSld>
     <p:spTree>
@@ -18900,7 +18998,7 @@
 </p:sld>
 </file>
 
-<file path=ppt/slides/slide32.xml><?xml version="1.0" encoding="utf-8"?>
+<file path=ppt/slides/slide33.xml><?xml version="1.0" encoding="utf-8"?>
 <p:sld xmlns:a="http://schemas.openxmlformats.org/drawingml/2006/main" xmlns:r="http://schemas.openxmlformats.org/officeDocument/2006/relationships" xmlns:p="http://schemas.openxmlformats.org/presentationml/2006/main">
   <p:cSld>
     <p:spTree>
@@ -19002,7 +19100,7 @@
 </p:sld>
 </file>
 
-<file path=ppt/slides/slide33.xml><?xml version="1.0" encoding="utf-8"?>
+<file path=ppt/slides/slide34.xml><?xml version="1.0" encoding="utf-8"?>
 <p:sld xmlns:a="http://schemas.openxmlformats.org/drawingml/2006/main" xmlns:r="http://schemas.openxmlformats.org/officeDocument/2006/relationships" xmlns:p="http://schemas.openxmlformats.org/presentationml/2006/main">
   <p:cSld>
     <p:spTree>
@@ -19785,7 +19883,7 @@
 </p:sld>
 </file>
 
-<file path=ppt/slides/slide34.xml><?xml version="1.0" encoding="utf-8"?>
+<file path=ppt/slides/slide35.xml><?xml version="1.0" encoding="utf-8"?>
 <p:sld xmlns:a="http://schemas.openxmlformats.org/drawingml/2006/main" xmlns:r="http://schemas.openxmlformats.org/officeDocument/2006/relationships" xmlns:p="http://schemas.openxmlformats.org/presentationml/2006/main">
   <p:cSld>
     <p:spTree>
@@ -19880,7 +19978,7 @@
 </p:sld>
 </file>
 
-<file path=ppt/slides/slide35.xml><?xml version="1.0" encoding="utf-8"?>
+<file path=ppt/slides/slide36.xml><?xml version="1.0" encoding="utf-8"?>
 <p:sld xmlns:a="http://schemas.openxmlformats.org/drawingml/2006/main" xmlns:r="http://schemas.openxmlformats.org/officeDocument/2006/relationships" xmlns:p="http://schemas.openxmlformats.org/presentationml/2006/main">
   <p:cSld>
     <p:spTree>
@@ -19988,7 +20086,7 @@
 </p:sld>
 </file>
 
-<file path=ppt/slides/slide36.xml><?xml version="1.0" encoding="utf-8"?>
+<file path=ppt/slides/slide37.xml><?xml version="1.0" encoding="utf-8"?>
 <p:sld xmlns:a="http://schemas.openxmlformats.org/drawingml/2006/main" xmlns:r="http://schemas.openxmlformats.org/officeDocument/2006/relationships" xmlns:p="http://schemas.openxmlformats.org/presentationml/2006/main">
   <p:cSld>
     <p:spTree>
@@ -20128,7 +20226,7 @@
 </p:sld>
 </file>
 
-<file path=ppt/slides/slide37.xml><?xml version="1.0" encoding="utf-8"?>
+<file path=ppt/slides/slide38.xml><?xml version="1.0" encoding="utf-8"?>
 <p:sld xmlns:a="http://schemas.openxmlformats.org/drawingml/2006/main" xmlns:r="http://schemas.openxmlformats.org/officeDocument/2006/relationships" xmlns:p="http://schemas.openxmlformats.org/presentationml/2006/main">
   <p:cSld>
     <p:spTree>
@@ -20332,106 +20430,6 @@
 </p:sld>
 </file>
 
-<file path=ppt/slides/slide38.xml><?xml version="1.0" encoding="utf-8"?>
-<p:sld xmlns:a="http://schemas.openxmlformats.org/drawingml/2006/main" xmlns:r="http://schemas.openxmlformats.org/officeDocument/2006/relationships" xmlns:p="http://schemas.openxmlformats.org/presentationml/2006/main">
-  <p:cSld>
-    <p:spTree>
-      <p:nvGrpSpPr>
-        <p:cNvPr id="1" name=""/>
-        <p:cNvGrpSpPr/>
-        <p:nvPr/>
-      </p:nvGrpSpPr>
-      <p:grpSpPr>
-        <a:xfrm>
-          <a:off x="0" y="0"/>
-          <a:ext cx="0" cy="0"/>
-          <a:chOff x="0" y="0"/>
-          <a:chExt cx="0" cy="0"/>
-        </a:xfrm>
-      </p:grpSpPr>
-      <p:sp>
-        <p:nvSpPr>
-          <p:cNvPr id="2" name="Title 1"/>
-          <p:cNvSpPr>
-            <a:spLocks noGrp="1"/>
-          </p:cNvSpPr>
-          <p:nvPr>
-            <p:ph type="title"/>
-          </p:nvPr>
-        </p:nvSpPr>
-        <p:spPr/>
-        <p:txBody>
-          <a:bodyPr/>
-          <a:lstStyle/>
-          <a:p>
-            <a:r>
-              <a:rPr lang="en-US" dirty="0"/>
-              <a:t>Object Oriented Design Terms:</a:t>
-            </a:r>
-          </a:p>
-        </p:txBody>
-      </p:sp>
-      <p:sp>
-        <p:nvSpPr>
-          <p:cNvPr id="3" name="Content Placeholder 2"/>
-          <p:cNvSpPr>
-            <a:spLocks noGrp="1"/>
-          </p:cNvSpPr>
-          <p:nvPr>
-            <p:ph idx="1"/>
-          </p:nvPr>
-        </p:nvSpPr>
-        <p:spPr>
-          <a:xfrm>
-            <a:off x="304800" y="1600200"/>
-            <a:ext cx="8382000" cy="4525963"/>
-          </a:xfrm>
-        </p:spPr>
-        <p:txBody>
-          <a:bodyPr/>
-          <a:lstStyle/>
-          <a:p>
-            <a:r>
-              <a:rPr lang="en-US" dirty="0"/>
-              <a:t>3 essential terms</a:t>
-            </a:r>
-          </a:p>
-          <a:p>
-            <a:pPr lvl="1"/>
-            <a:r>
-              <a:rPr lang="en-US" dirty="0"/>
-              <a:t>Encapsulation  (done- previously covered)</a:t>
-            </a:r>
-          </a:p>
-          <a:p>
-            <a:pPr lvl="1"/>
-            <a:r>
-              <a:rPr lang="en-US" dirty="0"/>
-              <a:t>Coupling</a:t>
-            </a:r>
-          </a:p>
-          <a:p>
-            <a:pPr lvl="1"/>
-            <a:r>
-              <a:rPr lang="en-US" dirty="0"/>
-              <a:t>Cohesion</a:t>
-            </a:r>
-          </a:p>
-        </p:txBody>
-      </p:sp>
-    </p:spTree>
-    <p:extLst>
-      <p:ext uri="{BB962C8B-B14F-4D97-AF65-F5344CB8AC3E}">
-        <p14:creationId xmlns:p14="http://schemas.microsoft.com/office/powerpoint/2010/main" val="475844562"/>
-      </p:ext>
-    </p:extLst>
-  </p:cSld>
-  <p:clrMapOvr>
-    <a:masterClrMapping/>
-  </p:clrMapOvr>
-</p:sld>
-</file>
-
 <file path=ppt/slides/slide39.xml><?xml version="1.0" encoding="utf-8"?>
 <p:sld xmlns:a="http://schemas.openxmlformats.org/drawingml/2006/main" xmlns:r="http://schemas.openxmlformats.org/officeDocument/2006/relationships" xmlns:p="http://schemas.openxmlformats.org/presentationml/2006/main">
   <p:cSld>
@@ -20466,7 +20464,7 @@
           <a:p>
             <a:r>
               <a:rPr lang="en-US" dirty="0"/>
-              <a:t>Coupling and Cohesion</a:t>
+              <a:t>Object Oriented Design Terms:</a:t>
             </a:r>
           </a:p>
         </p:txBody>
@@ -20483,185 +20481,38 @@
         </p:nvSpPr>
         <p:spPr>
           <a:xfrm>
-            <a:off x="457200" y="1600200"/>
-            <a:ext cx="8229600" cy="4800600"/>
+            <a:off x="304800" y="1600200"/>
+            <a:ext cx="8382000" cy="4525963"/>
           </a:xfrm>
         </p:spPr>
         <p:txBody>
-          <a:bodyPr>
-            <a:normAutofit fontScale="92500" lnSpcReduction="10000"/>
-          </a:bodyPr>
+          <a:bodyPr/>
           <a:lstStyle/>
           <a:p>
             <a:r>
               <a:rPr lang="en-US" dirty="0"/>
-              <a:t>Two terms you need to memorize</a:t>
-            </a:r>
-          </a:p>
-          <a:p>
-            <a:r>
-              <a:rPr lang="en-US" dirty="0"/>
-              <a:t>Good designs have: </a:t>
+              <a:t>3 essential terms</a:t>
             </a:r>
           </a:p>
           <a:p>
             <a:pPr lvl="1"/>
             <a:r>
-              <a:rPr lang="en-US" u="sng" dirty="0">
-                <a:solidFill>
-                  <a:schemeClr val="accent6"/>
-                </a:solidFill>
-              </a:rPr>
-              <a:t>H</a:t>
-            </a:r>
-            <a:r>
-              <a:rPr lang="en-US" dirty="0">
-                <a:solidFill>
-                  <a:schemeClr val="accent6"/>
-                </a:solidFill>
-              </a:rPr>
-              <a:t>igh </a:t>
-            </a:r>
-            <a:r>
-              <a:rPr lang="en-US" dirty="0" err="1">
-                <a:solidFill>
-                  <a:schemeClr val="accent6"/>
-                </a:solidFill>
-              </a:rPr>
-              <a:t>co</a:t>
-            </a:r>
-            <a:r>
-              <a:rPr lang="en-US" u="sng" dirty="0" err="1">
-                <a:solidFill>
-                  <a:schemeClr val="accent6"/>
-                </a:solidFill>
-              </a:rPr>
-              <a:t>H</a:t>
-            </a:r>
-            <a:r>
-              <a:rPr lang="en-US" dirty="0" err="1">
-                <a:solidFill>
-                  <a:schemeClr val="accent6"/>
-                </a:solidFill>
-              </a:rPr>
-              <a:t>esion</a:t>
-            </a:r>
-            <a:r>
-              <a:rPr lang="en-US" dirty="0">
-                <a:solidFill>
-                  <a:schemeClr val="accent6"/>
-                </a:solidFill>
-              </a:rPr>
-              <a:t> </a:t>
+              <a:rPr lang="en-US" dirty="0"/>
+              <a:t>Encapsulation  (done- previously covered)</a:t>
             </a:r>
           </a:p>
           <a:p>
             <a:pPr lvl="1"/>
             <a:r>
-              <a:rPr lang="en-US" u="sng" dirty="0">
-                <a:solidFill>
-                  <a:srgbClr val="F79646"/>
-                </a:solidFill>
-              </a:rPr>
-              <a:t>L</a:t>
-            </a:r>
-            <a:r>
-              <a:rPr lang="en-US" dirty="0">
-                <a:solidFill>
-                  <a:srgbClr val="F79646"/>
-                </a:solidFill>
-              </a:rPr>
-              <a:t>ow </a:t>
-            </a:r>
-            <a:r>
-              <a:rPr lang="en-US" dirty="0" err="1">
-                <a:solidFill>
-                  <a:srgbClr val="F79646"/>
-                </a:solidFill>
-              </a:rPr>
-              <a:t>coup</a:t>
-            </a:r>
-            <a:r>
-              <a:rPr lang="en-US" u="sng" dirty="0" err="1">
-                <a:solidFill>
-                  <a:srgbClr val="F79646"/>
-                </a:solidFill>
-              </a:rPr>
-              <a:t>L</a:t>
-            </a:r>
-            <a:r>
-              <a:rPr lang="en-US" dirty="0" err="1">
-                <a:solidFill>
-                  <a:srgbClr val="F79646"/>
-                </a:solidFill>
-              </a:rPr>
-              <a:t>ing</a:t>
-            </a:r>
-            <a:endParaRPr lang="en-US" dirty="0">
-              <a:solidFill>
-                <a:srgbClr val="F79646"/>
-              </a:solidFill>
-            </a:endParaRPr>
-          </a:p>
-          <a:p>
-            <a:pPr marL="0" indent="0">
-              <a:buNone/>
-            </a:pPr>
-            <a:r>
-              <a:rPr lang="en-US" dirty="0"/>
-              <a:t>Consider the opposite:</a:t>
-            </a:r>
-          </a:p>
-          <a:p>
-            <a:r>
-              <a:rPr lang="en-US" dirty="0">
-                <a:solidFill>
-                  <a:srgbClr val="FF0000"/>
-                </a:solidFill>
-              </a:rPr>
-              <a:t>Low cohesion </a:t>
-            </a:r>
-            <a:r>
-              <a:rPr lang="en-US" dirty="0"/>
-              <a:t>means that you have a small number of really large classes that do too much stuff (</a:t>
-            </a:r>
-            <a:r>
-              <a:rPr lang="en-US" dirty="0">
-                <a:highlight>
-                  <a:srgbClr val="FFFF00"/>
-                </a:highlight>
-              </a:rPr>
-              <a:t>i.e., do more than one thing</a:t>
-            </a:r>
-            <a:r>
-              <a:rPr lang="en-US" dirty="0"/>
-              <a:t>)</a:t>
-            </a:r>
-          </a:p>
-          <a:p>
-            <a:r>
-              <a:rPr lang="en-US" dirty="0">
-                <a:solidFill>
-                  <a:srgbClr val="FF0000"/>
-                </a:solidFill>
-              </a:rPr>
-              <a:t>High coupling </a:t>
-            </a:r>
-            <a:r>
-              <a:rPr lang="en-US" dirty="0"/>
-              <a:t>means you have many classes that depend (</a:t>
-            </a:r>
-            <a:r>
-              <a:rPr lang="en-US" dirty="0">
-                <a:highlight>
-                  <a:srgbClr val="FFFF00"/>
-                </a:highlight>
-              </a:rPr>
-              <a:t>“know”</a:t>
-            </a:r>
-            <a:r>
-              <a:rPr lang="en-US" dirty="0"/>
-              <a:t>) too much on each other</a:t>
+              <a:rPr lang="en-US" dirty="0"/>
+              <a:t>Coupling</a:t>
+            </a:r>
+          </a:p>
+          <a:p>
+            <a:pPr lvl="1"/>
+            <a:r>
+              <a:rPr lang="en-US" dirty="0"/>
+              <a:t>Cohesion</a:t>
             </a:r>
           </a:p>
         </p:txBody>
@@ -20669,7 +20520,7 @@
     </p:spTree>
     <p:extLst>
       <p:ext uri="{BB962C8B-B14F-4D97-AF65-F5344CB8AC3E}">
-        <p14:creationId xmlns:p14="http://schemas.microsoft.com/office/powerpoint/2010/main" val="906694337"/>
+        <p14:creationId xmlns:p14="http://schemas.microsoft.com/office/powerpoint/2010/main" val="475844562"/>
       </p:ext>
     </p:extLst>
   </p:cSld>
@@ -20706,19 +20557,14 @@
             <p:ph type="title"/>
           </p:nvPr>
         </p:nvSpPr>
-        <p:spPr>
-          <a:xfrm>
-            <a:off x="628650" y="365127"/>
-            <a:ext cx="7886700" cy="922498"/>
-          </a:xfrm>
-        </p:spPr>
+        <p:spPr/>
         <p:txBody>
           <a:bodyPr/>
           <a:lstStyle/>
           <a:p>
             <a:r>
-              <a:rPr lang="en-US"/>
-              <a:t>Principles of Design (for CSSE220)</a:t>
+              <a:rPr lang="en-US" dirty="0"/>
+              <a:t>Today’s topics</a:t>
             </a:r>
           </a:p>
         </p:txBody>
@@ -20733,29 +20579,26 @@
             <p:ph idx="1"/>
           </p:nvPr>
         </p:nvSpPr>
-        <p:spPr>
-          <a:xfrm>
-            <a:off x="335901" y="1287625"/>
-            <a:ext cx="8546841" cy="5570375"/>
-          </a:xfrm>
-        </p:spPr>
+        <p:spPr/>
         <p:txBody>
-          <a:bodyPr>
-            <a:normAutofit fontScale="62500" lnSpcReduction="20000"/>
-          </a:bodyPr>
+          <a:bodyPr/>
           <a:lstStyle/>
           <a:p>
             <a:pPr marL="457200" indent="-457200" fontAlgn="base">
               <a:buFont typeface="+mj-lt"/>
-              <a:buAutoNum type="arabicParenR"/>
+              <a:buAutoNum type="arabicParenR" startAt="4"/>
             </a:pPr>
             <a:r>
+              <a:rPr lang="en-US" sz="2400" b="1" dirty="0"/>
+              <a:t>Minimize dependencies</a:t>
+            </a:r>
+            <a:r>
               <a:rPr lang="en-US" sz="2400" dirty="0"/>
-              <a:t>Make sure your design </a:t>
-            </a:r>
-            <a:r>
-              <a:rPr lang="en-US" sz="2400" b="1" dirty="0"/>
-              <a:t>allows proper functionality</a:t>
+              <a:t> between objects when it does not disrupt usability or </a:t>
+            </a:r>
+            <a:r>
+              <a:rPr lang="en-US" sz="2400" dirty="0" err="1"/>
+              <a:t>extendability</a:t>
             </a:r>
             <a:endParaRPr lang="en-US" sz="2400" dirty="0"/>
           </a:p>
@@ -20766,15 +20609,7 @@
             </a:pPr>
             <a:r>
               <a:rPr lang="en-US" dirty="0"/>
-              <a:t>Must be able to </a:t>
-            </a:r>
-            <a:r>
-              <a:rPr lang="en-US" b="1" dirty="0"/>
-              <a:t>store required information</a:t>
-            </a:r>
-            <a:r>
-              <a:rPr lang="en-US" dirty="0"/>
-              <a:t> (one/many to one/many relationships)</a:t>
+              <a:t>Tell don't ask</a:t>
             </a:r>
           </a:p>
           <a:p>
@@ -20784,293 +20619,72 @@
             </a:pPr>
             <a:r>
               <a:rPr lang="en-US" dirty="0"/>
-              <a:t>Must be able to </a:t>
-            </a:r>
-            <a:r>
-              <a:rPr lang="en-US" b="1" dirty="0"/>
-              <a:t>access the required information</a:t>
-            </a:r>
-            <a:r>
-              <a:rPr lang="en-US" dirty="0"/>
-              <a:t> to accomplish tasks</a:t>
-            </a:r>
-          </a:p>
-          <a:p>
-            <a:pPr marL="971550" lvl="1" indent="-514350" fontAlgn="base">
-              <a:buFont typeface="+mj-lt"/>
-              <a:buAutoNum type="alphaLcParenR"/>
+              <a:t>Don't have message chains</a:t>
+            </a:r>
+          </a:p>
+          <a:p>
+            <a:pPr marL="0" indent="0">
+              <a:buNone/>
             </a:pPr>
-            <a:r>
-              <a:rPr lang="en-US" dirty="0"/>
-              <a:t>Data should </a:t>
-            </a:r>
-            <a:r>
-              <a:rPr lang="en-US" b="1" dirty="0"/>
-              <a:t>not be duplicated</a:t>
-            </a:r>
-            <a:r>
-              <a:rPr lang="en-US" dirty="0"/>
-              <a:t> (id/identifiers are OK!)</a:t>
-            </a:r>
-            <a:endParaRPr lang="en-US" sz="2400" dirty="0"/>
-          </a:p>
-          <a:p>
-            <a:pPr marL="457200" indent="-457200">
-              <a:buFont typeface="+mj-lt"/>
-              <a:buAutoNum type="arabicParenR"/>
-            </a:pPr>
-            <a:r>
-              <a:rPr lang="en-US" sz="2400" dirty="0"/>
-              <a:t>Structure design </a:t>
-            </a:r>
-            <a:r>
-              <a:rPr lang="en-US" sz="2400" b="1" dirty="0"/>
-              <a:t>around the data</a:t>
-            </a:r>
-            <a:r>
-              <a:rPr lang="en-US" sz="2400" dirty="0"/>
-              <a:t> to be stored</a:t>
-            </a:r>
-          </a:p>
-          <a:p>
-            <a:pPr marL="971550" lvl="1" indent="-514350" fontAlgn="base">
-              <a:buFont typeface="+mj-lt"/>
-              <a:buAutoNum type="alphaLcParenR"/>
-            </a:pPr>
-            <a:r>
-              <a:rPr lang="en-US" b="1" dirty="0"/>
-              <a:t>Nouns should become classes</a:t>
-            </a:r>
             <a:endParaRPr lang="en-US" dirty="0"/>
           </a:p>
-          <a:p>
-            <a:pPr marL="971550" lvl="1" indent="-514350" fontAlgn="base">
-              <a:buFont typeface="+mj-lt"/>
-              <a:buAutoNum type="alphaLcParenR"/>
-            </a:pPr>
-            <a:r>
-              <a:rPr lang="en-US" b="1" dirty="0"/>
-              <a:t>Classes should have intelligent behaviors</a:t>
-            </a:r>
-            <a:r>
-              <a:rPr lang="en-US" dirty="0"/>
-              <a:t> (methods) </a:t>
-            </a:r>
-            <a:r>
-              <a:rPr lang="en-US" b="1" dirty="0"/>
-              <a:t>that may operate on their data</a:t>
-            </a:r>
-            <a:endParaRPr lang="en-US" dirty="0"/>
-          </a:p>
-          <a:p>
-            <a:pPr marL="457200" indent="-457200" fontAlgn="base">
-              <a:buFont typeface="+mj-lt"/>
-              <a:buAutoNum type="arabicParenR"/>
-            </a:pPr>
-            <a:r>
-              <a:rPr lang="en-US" sz="2400" dirty="0"/>
-              <a:t>Functionality should be </a:t>
-            </a:r>
-            <a:r>
-              <a:rPr lang="en-US" sz="2400" b="1" dirty="0"/>
-              <a:t>distributed efficiently</a:t>
-            </a:r>
-            <a:endParaRPr lang="en-US" sz="2400" dirty="0"/>
-          </a:p>
-          <a:p>
-            <a:pPr marL="971550" lvl="1" indent="-514350" fontAlgn="base">
-              <a:buFont typeface="+mj-lt"/>
-              <a:buAutoNum type="alphaLcParenR"/>
-            </a:pPr>
-            <a:r>
-              <a:rPr lang="en-US" b="1" dirty="0"/>
-              <a:t>No class/part should get too large</a:t>
-            </a:r>
-          </a:p>
-          <a:p>
-            <a:pPr marL="971550" lvl="1" indent="-514350" fontAlgn="base">
-              <a:buFont typeface="+mj-lt"/>
-              <a:buAutoNum type="alphaLcParenR"/>
-            </a:pPr>
-            <a:r>
-              <a:rPr lang="en-US" b="1" dirty="0"/>
-              <a:t>Each class should have a single responsibility</a:t>
-            </a:r>
-            <a:r>
-              <a:rPr lang="en-US" dirty="0"/>
-              <a:t> it accomplishes</a:t>
-            </a:r>
-          </a:p>
-          <a:p>
-            <a:pPr marL="457200" indent="-457200" fontAlgn="base">
-              <a:buFont typeface="+mj-lt"/>
-              <a:buAutoNum type="arabicParenR"/>
-            </a:pPr>
-            <a:r>
-              <a:rPr lang="en-US" sz="2400" b="1" dirty="0"/>
-              <a:t>Minimize dependencies</a:t>
-            </a:r>
-            <a:r>
-              <a:rPr lang="en-US" sz="2400" dirty="0"/>
-              <a:t> between objects when it does not disrupt usability or </a:t>
-            </a:r>
-            <a:r>
-              <a:rPr lang="en-US" sz="2400" dirty="0" err="1"/>
-              <a:t>extendability</a:t>
-            </a:r>
-            <a:endParaRPr lang="en-US" sz="2400" dirty="0"/>
-          </a:p>
-          <a:p>
-            <a:pPr marL="971550" lvl="1" indent="-514350" fontAlgn="base">
-              <a:buFont typeface="+mj-lt"/>
-              <a:buAutoNum type="alphaLcParenR"/>
-            </a:pPr>
-            <a:r>
-              <a:rPr lang="en-US" dirty="0"/>
-              <a:t>Tell don't ask</a:t>
-            </a:r>
-          </a:p>
-          <a:p>
-            <a:pPr marL="971550" lvl="1" indent="-514350" fontAlgn="base">
-              <a:buFont typeface="+mj-lt"/>
-              <a:buAutoNum type="alphaLcParenR"/>
-            </a:pPr>
-            <a:r>
-              <a:rPr lang="en-US" dirty="0"/>
-              <a:t>Don't have message chains</a:t>
-            </a:r>
-          </a:p>
-          <a:p>
-            <a:pPr marL="457200" indent="-457200" fontAlgn="base">
-              <a:buFont typeface="+mj-lt"/>
-              <a:buAutoNum type="arabicParenR"/>
-            </a:pPr>
-            <a:r>
-              <a:rPr lang="en-US" sz="2400" b="1" dirty="0"/>
-              <a:t>Don't duplicate</a:t>
-            </a:r>
-            <a:r>
-              <a:rPr lang="en-US" sz="2400" dirty="0"/>
-              <a:t> code</a:t>
-            </a:r>
-          </a:p>
-          <a:p>
-            <a:pPr marL="971550" lvl="1" indent="-514350" fontAlgn="base">
-              <a:buFont typeface="+mj-lt"/>
-              <a:buAutoNum type="alphaLcParenR"/>
-            </a:pPr>
-            <a:r>
-              <a:rPr lang="en-US" dirty="0"/>
-              <a:t>Similar "chunks" of code should be </a:t>
-            </a:r>
-            <a:r>
-              <a:rPr lang="en-US" b="1" dirty="0"/>
-              <a:t>unified into functions</a:t>
-            </a:r>
-            <a:endParaRPr lang="en-US" dirty="0"/>
-          </a:p>
-          <a:p>
-            <a:pPr marL="971550" lvl="1" indent="-514350" fontAlgn="base">
-              <a:buFont typeface="+mj-lt"/>
-              <a:buAutoNum type="alphaLcParenR"/>
-            </a:pPr>
-            <a:r>
-              <a:rPr lang="en-US" dirty="0"/>
-              <a:t>Classes with similar features should be given </a:t>
-            </a:r>
-            <a:r>
-              <a:rPr lang="en-US" b="1" dirty="0"/>
-              <a:t>common interfaces</a:t>
-            </a:r>
-            <a:endParaRPr lang="en-US" dirty="0"/>
-          </a:p>
-          <a:p>
-            <a:pPr marL="971550" lvl="1" indent="-514350">
-              <a:buFont typeface="+mj-lt"/>
-              <a:buAutoNum type="alphaLcParenR"/>
-            </a:pPr>
-            <a:r>
-              <a:rPr lang="en-US" dirty="0"/>
-              <a:t>Classes with similar internals should be simplified using </a:t>
-            </a:r>
-            <a:r>
-              <a:rPr lang="en-US" b="1" dirty="0"/>
-              <a:t>inheritance</a:t>
-            </a:r>
-          </a:p>
-          <a:p>
-            <a:pPr marL="971550" lvl="1" indent="-514350">
-              <a:buFont typeface="+mj-lt"/>
-              <a:buAutoNum type="alphaLcParenR"/>
-            </a:pPr>
-            <a:r>
-              <a:rPr lang="en-US" dirty="0"/>
-              <a:t>Avoid all type-predicated code by using </a:t>
-            </a:r>
-            <a:r>
-              <a:rPr lang="en-US" b="1" dirty="0"/>
-              <a:t>inheritance</a:t>
-            </a:r>
-            <a:endParaRPr lang="en-US" dirty="0"/>
-          </a:p>
         </p:txBody>
       </p:sp>
       <p:sp>
         <p:nvSpPr>
-          <p:cNvPr id="4" name="Rectangle: Rounded Corners 1">
-            <a:extLst>
-              <a:ext uri="{FF2B5EF4-FFF2-40B4-BE49-F238E27FC236}">
-                <a16:creationId xmlns:a16="http://schemas.microsoft.com/office/drawing/2014/main" id="{0B9C3EEE-A63E-BB46-81CA-4D6881BB3756}"/>
-              </a:ext>
-            </a:extLst>
-          </p:cNvPr>
+          <p:cNvPr id="4" name="Rectangle 3"/>
           <p:cNvSpPr/>
           <p:nvPr/>
         </p:nvSpPr>
         <p:spPr>
           <a:xfrm>
-            <a:off x="152400" y="4343401"/>
-            <a:ext cx="8839200" cy="762000"/>
+            <a:off x="609600" y="4114800"/>
+            <a:ext cx="7010400" cy="1384995"/>
           </a:xfrm>
-          <a:prstGeom prst="roundRect">
+          <a:prstGeom prst="rect">
             <a:avLst/>
           </a:prstGeom>
-          <a:noFill/>
-          <a:ln>
-            <a:solidFill>
-              <a:srgbClr val="FF0000"/>
-            </a:solidFill>
-          </a:ln>
         </p:spPr>
-        <p:style>
-          <a:lnRef idx="2">
-            <a:schemeClr val="accent2">
-              <a:shade val="50000"/>
-            </a:schemeClr>
-          </a:lnRef>
-          <a:fillRef idx="1">
-            <a:schemeClr val="accent2"/>
-          </a:fillRef>
-          <a:effectRef idx="0">
-            <a:schemeClr val="accent2"/>
-          </a:effectRef>
-          <a:fontRef idx="minor">
-            <a:schemeClr val="lt1"/>
-          </a:fontRef>
-        </p:style>
         <p:txBody>
-          <a:bodyPr rtlCol="0" anchor="ctr"/>
+          <a:bodyPr wrap="square">
+            <a:spAutoFit/>
+          </a:bodyPr>
           <a:lstStyle/>
           <a:p>
-            <a:pPr algn="ctr"/>
-            <a:endParaRPr lang="en-US"/>
+            <a:pPr fontAlgn="base"/>
+            <a:r>
+              <a:rPr lang="en-US" sz="2800" dirty="0"/>
+              <a:t>Two related Object-Oriented </a:t>
+            </a:r>
+            <a:r>
+              <a:rPr lang="en-US" sz="2800" dirty="0" err="1"/>
+              <a:t>Deisgn</a:t>
+            </a:r>
+            <a:r>
+              <a:rPr lang="en-US" sz="2800" dirty="0"/>
+              <a:t> terms: </a:t>
+            </a:r>
+          </a:p>
+          <a:p>
+            <a:pPr lvl="1" fontAlgn="base"/>
+            <a:r>
+              <a:rPr lang="en-US" sz="2800" b="1" dirty="0"/>
+              <a:t>coupling</a:t>
+            </a:r>
+          </a:p>
+          <a:p>
+            <a:pPr lvl="1" fontAlgn="base"/>
+            <a:r>
+              <a:rPr lang="en-US" sz="2800" b="1" dirty="0"/>
+              <a:t>cohesion</a:t>
+            </a:r>
           </a:p>
         </p:txBody>
       </p:sp>
     </p:spTree>
     <p:extLst>
       <p:ext uri="{BB962C8B-B14F-4D97-AF65-F5344CB8AC3E}">
-        <p14:creationId xmlns:p14="http://schemas.microsoft.com/office/powerpoint/2010/main" val="1457509528"/>
+        <p14:creationId xmlns:p14="http://schemas.microsoft.com/office/powerpoint/2010/main" val="4103721323"/>
       </p:ext>
     </p:extLst>
   </p:cSld>
@@ -21081,6 +20695,253 @@
 </file>
 
 <file path=ppt/slides/slide40.xml><?xml version="1.0" encoding="utf-8"?>
+<p:sld xmlns:a="http://schemas.openxmlformats.org/drawingml/2006/main" xmlns:r="http://schemas.openxmlformats.org/officeDocument/2006/relationships" xmlns:p="http://schemas.openxmlformats.org/presentationml/2006/main">
+  <p:cSld>
+    <p:spTree>
+      <p:nvGrpSpPr>
+        <p:cNvPr id="1" name=""/>
+        <p:cNvGrpSpPr/>
+        <p:nvPr/>
+      </p:nvGrpSpPr>
+      <p:grpSpPr>
+        <a:xfrm>
+          <a:off x="0" y="0"/>
+          <a:ext cx="0" cy="0"/>
+          <a:chOff x="0" y="0"/>
+          <a:chExt cx="0" cy="0"/>
+        </a:xfrm>
+      </p:grpSpPr>
+      <p:sp>
+        <p:nvSpPr>
+          <p:cNvPr id="2" name="Title 1"/>
+          <p:cNvSpPr>
+            <a:spLocks noGrp="1"/>
+          </p:cNvSpPr>
+          <p:nvPr>
+            <p:ph type="title"/>
+          </p:nvPr>
+        </p:nvSpPr>
+        <p:spPr/>
+        <p:txBody>
+          <a:bodyPr/>
+          <a:lstStyle/>
+          <a:p>
+            <a:r>
+              <a:rPr lang="en-US" dirty="0"/>
+              <a:t>Coupling and Cohesion</a:t>
+            </a:r>
+          </a:p>
+        </p:txBody>
+      </p:sp>
+      <p:sp>
+        <p:nvSpPr>
+          <p:cNvPr id="3" name="Content Placeholder 2"/>
+          <p:cNvSpPr>
+            <a:spLocks noGrp="1"/>
+          </p:cNvSpPr>
+          <p:nvPr>
+            <p:ph idx="1"/>
+          </p:nvPr>
+        </p:nvSpPr>
+        <p:spPr>
+          <a:xfrm>
+            <a:off x="457200" y="1600200"/>
+            <a:ext cx="8229600" cy="4800600"/>
+          </a:xfrm>
+        </p:spPr>
+        <p:txBody>
+          <a:bodyPr>
+            <a:normAutofit fontScale="92500" lnSpcReduction="10000"/>
+          </a:bodyPr>
+          <a:lstStyle/>
+          <a:p>
+            <a:r>
+              <a:rPr lang="en-US" dirty="0"/>
+              <a:t>Two terms you need to memorize</a:t>
+            </a:r>
+          </a:p>
+          <a:p>
+            <a:r>
+              <a:rPr lang="en-US" dirty="0"/>
+              <a:t>Good designs have: </a:t>
+            </a:r>
+          </a:p>
+          <a:p>
+            <a:pPr lvl="1"/>
+            <a:r>
+              <a:rPr lang="en-US" u="sng" dirty="0">
+                <a:solidFill>
+                  <a:schemeClr val="accent6"/>
+                </a:solidFill>
+              </a:rPr>
+              <a:t>H</a:t>
+            </a:r>
+            <a:r>
+              <a:rPr lang="en-US" dirty="0">
+                <a:solidFill>
+                  <a:schemeClr val="accent6"/>
+                </a:solidFill>
+              </a:rPr>
+              <a:t>igh </a:t>
+            </a:r>
+            <a:r>
+              <a:rPr lang="en-US" dirty="0" err="1">
+                <a:solidFill>
+                  <a:schemeClr val="accent6"/>
+                </a:solidFill>
+              </a:rPr>
+              <a:t>co</a:t>
+            </a:r>
+            <a:r>
+              <a:rPr lang="en-US" u="sng" dirty="0" err="1">
+                <a:solidFill>
+                  <a:schemeClr val="accent6"/>
+                </a:solidFill>
+              </a:rPr>
+              <a:t>H</a:t>
+            </a:r>
+            <a:r>
+              <a:rPr lang="en-US" dirty="0" err="1">
+                <a:solidFill>
+                  <a:schemeClr val="accent6"/>
+                </a:solidFill>
+              </a:rPr>
+              <a:t>esion</a:t>
+            </a:r>
+            <a:r>
+              <a:rPr lang="en-US" dirty="0">
+                <a:solidFill>
+                  <a:schemeClr val="accent6"/>
+                </a:solidFill>
+              </a:rPr>
+              <a:t> </a:t>
+            </a:r>
+          </a:p>
+          <a:p>
+            <a:pPr lvl="1"/>
+            <a:r>
+              <a:rPr lang="en-US" u="sng" dirty="0">
+                <a:solidFill>
+                  <a:srgbClr val="F79646"/>
+                </a:solidFill>
+              </a:rPr>
+              <a:t>L</a:t>
+            </a:r>
+            <a:r>
+              <a:rPr lang="en-US" dirty="0">
+                <a:solidFill>
+                  <a:srgbClr val="F79646"/>
+                </a:solidFill>
+              </a:rPr>
+              <a:t>ow </a:t>
+            </a:r>
+            <a:r>
+              <a:rPr lang="en-US" dirty="0" err="1">
+                <a:solidFill>
+                  <a:srgbClr val="F79646"/>
+                </a:solidFill>
+              </a:rPr>
+              <a:t>coup</a:t>
+            </a:r>
+            <a:r>
+              <a:rPr lang="en-US" u="sng" dirty="0" err="1">
+                <a:solidFill>
+                  <a:srgbClr val="F79646"/>
+                </a:solidFill>
+              </a:rPr>
+              <a:t>L</a:t>
+            </a:r>
+            <a:r>
+              <a:rPr lang="en-US" dirty="0" err="1">
+                <a:solidFill>
+                  <a:srgbClr val="F79646"/>
+                </a:solidFill>
+              </a:rPr>
+              <a:t>ing</a:t>
+            </a:r>
+            <a:endParaRPr lang="en-US" dirty="0">
+              <a:solidFill>
+                <a:srgbClr val="F79646"/>
+              </a:solidFill>
+            </a:endParaRPr>
+          </a:p>
+          <a:p>
+            <a:pPr marL="0" indent="0">
+              <a:buNone/>
+            </a:pPr>
+            <a:r>
+              <a:rPr lang="en-US" dirty="0"/>
+              <a:t>Consider the opposite:</a:t>
+            </a:r>
+          </a:p>
+          <a:p>
+            <a:r>
+              <a:rPr lang="en-US" dirty="0">
+                <a:solidFill>
+                  <a:srgbClr val="FF0000"/>
+                </a:solidFill>
+              </a:rPr>
+              <a:t>Low cohesion </a:t>
+            </a:r>
+            <a:r>
+              <a:rPr lang="en-US" dirty="0"/>
+              <a:t>means that you have a small number of really large classes that do too much stuff (</a:t>
+            </a:r>
+            <a:r>
+              <a:rPr lang="en-US" dirty="0">
+                <a:highlight>
+                  <a:srgbClr val="FFFF00"/>
+                </a:highlight>
+              </a:rPr>
+              <a:t>i.e., do more than one thing</a:t>
+            </a:r>
+            <a:r>
+              <a:rPr lang="en-US" dirty="0"/>
+              <a:t>)</a:t>
+            </a:r>
+          </a:p>
+          <a:p>
+            <a:r>
+              <a:rPr lang="en-US" dirty="0">
+                <a:solidFill>
+                  <a:srgbClr val="FF0000"/>
+                </a:solidFill>
+              </a:rPr>
+              <a:t>High coupling </a:t>
+            </a:r>
+            <a:r>
+              <a:rPr lang="en-US" dirty="0"/>
+              <a:t>means you have many classes that depend (</a:t>
+            </a:r>
+            <a:r>
+              <a:rPr lang="en-US" dirty="0">
+                <a:highlight>
+                  <a:srgbClr val="FFFF00"/>
+                </a:highlight>
+              </a:rPr>
+              <a:t>“know”</a:t>
+            </a:r>
+            <a:r>
+              <a:rPr lang="en-US" dirty="0"/>
+              <a:t>) too much on each other</a:t>
+            </a:r>
+          </a:p>
+        </p:txBody>
+      </p:sp>
+    </p:spTree>
+    <p:extLst>
+      <p:ext uri="{BB962C8B-B14F-4D97-AF65-F5344CB8AC3E}">
+        <p14:creationId xmlns:p14="http://schemas.microsoft.com/office/powerpoint/2010/main" val="906694337"/>
+      </p:ext>
+    </p:extLst>
+  </p:cSld>
+  <p:clrMapOvr>
+    <a:masterClrMapping/>
+  </p:clrMapOvr>
+</p:sld>
+</file>
+
+<file path=ppt/slides/slide41.xml><?xml version="1.0" encoding="utf-8"?>
 <p:sld xmlns:a="http://schemas.openxmlformats.org/drawingml/2006/main" xmlns:r="http://schemas.openxmlformats.org/officeDocument/2006/relationships" xmlns:p="http://schemas.openxmlformats.org/presentationml/2006/main">
   <p:cSld>
     <p:spTree>
@@ -21530,7 +21391,7 @@
 </p:sld>
 </file>
 
-<file path=ppt/slides/slide41.xml><?xml version="1.0" encoding="utf-8"?>
+<file path=ppt/slides/slide42.xml><?xml version="1.0" encoding="utf-8"?>
 <p:sld xmlns:a="http://schemas.openxmlformats.org/drawingml/2006/main" xmlns:r="http://schemas.openxmlformats.org/officeDocument/2006/relationships" xmlns:p="http://schemas.openxmlformats.org/presentationml/2006/main">
   <p:cSld>
     <p:spTree>
@@ -22163,7 +22024,7 @@
 </p:sld>
 </file>
 
-<file path=ppt/slides/slide42.xml><?xml version="1.0" encoding="utf-8"?>
+<file path=ppt/slides/slide43.xml><?xml version="1.0" encoding="utf-8"?>
 <p:sld xmlns:a="http://schemas.openxmlformats.org/drawingml/2006/main" xmlns:r="http://schemas.openxmlformats.org/officeDocument/2006/relationships" xmlns:p="http://schemas.openxmlformats.org/presentationml/2006/main">
   <p:cSld>
     <p:spTree>
@@ -22275,7 +22136,7 @@
 </p:sld>
 </file>
 
-<file path=ppt/slides/slide43.xml><?xml version="1.0" encoding="utf-8"?>
+<file path=ppt/slides/slide44.xml><?xml version="1.0" encoding="utf-8"?>
 <p:sld xmlns:a="http://schemas.openxmlformats.org/drawingml/2006/main" xmlns:r="http://schemas.openxmlformats.org/officeDocument/2006/relationships" xmlns:p="http://schemas.openxmlformats.org/presentationml/2006/main">
   <p:cSld>
     <p:spTree>
@@ -22599,7 +22460,7 @@
 </p:sld>
 </file>
 
-<file path=ppt/slides/slide44.xml><?xml version="1.0" encoding="utf-8"?>
+<file path=ppt/slides/slide45.xml><?xml version="1.0" encoding="utf-8"?>
 <p:sld xmlns:a="http://schemas.openxmlformats.org/drawingml/2006/main" xmlns:r="http://schemas.openxmlformats.org/officeDocument/2006/relationships" xmlns:p="http://schemas.openxmlformats.org/presentationml/2006/main">
   <p:cSld>
     <p:spTree>
@@ -23086,7 +22947,7 @@
 </p:sld>
 </file>
 
-<file path=ppt/slides/slide45.xml><?xml version="1.0" encoding="utf-8"?>
+<file path=ppt/slides/slide46.xml><?xml version="1.0" encoding="utf-8"?>
 <p:sld xmlns:a="http://schemas.openxmlformats.org/drawingml/2006/main" xmlns:r="http://schemas.openxmlformats.org/officeDocument/2006/relationships" xmlns:p="http://schemas.openxmlformats.org/presentationml/2006/main">
   <p:cSld>
     <p:spTree>
@@ -24518,7 +24379,7 @@
 </p:sld>
 </file>
 
-<file path=ppt/slides/slide46.xml><?xml version="1.0" encoding="utf-8"?>
+<file path=ppt/slides/slide47.xml><?xml version="1.0" encoding="utf-8"?>
 <p:sld xmlns:a="http://schemas.openxmlformats.org/drawingml/2006/main" xmlns:r="http://schemas.openxmlformats.org/officeDocument/2006/relationships" xmlns:p="http://schemas.openxmlformats.org/presentationml/2006/main">
   <p:cSld>
     <p:spTree>
@@ -25917,116 +25778,6 @@
 </p:sld>
 </file>
 
-<file path=ppt/slides/slide47.xml><?xml version="1.0" encoding="utf-8"?>
-<p:sld xmlns:a="http://schemas.openxmlformats.org/drawingml/2006/main" xmlns:r="http://schemas.openxmlformats.org/officeDocument/2006/relationships" xmlns:p="http://schemas.openxmlformats.org/presentationml/2006/main">
-  <p:cSld>
-    <p:spTree>
-      <p:nvGrpSpPr>
-        <p:cNvPr id="1" name=""/>
-        <p:cNvGrpSpPr/>
-        <p:nvPr/>
-      </p:nvGrpSpPr>
-      <p:grpSpPr>
-        <a:xfrm>
-          <a:off x="0" y="0"/>
-          <a:ext cx="0" cy="0"/>
-          <a:chOff x="0" y="0"/>
-          <a:chExt cx="0" cy="0"/>
-        </a:xfrm>
-      </p:grpSpPr>
-      <p:sp>
-        <p:nvSpPr>
-          <p:cNvPr id="5" name="Title 4"/>
-          <p:cNvSpPr>
-            <a:spLocks noGrp="1"/>
-          </p:cNvSpPr>
-          <p:nvPr>
-            <p:ph type="title"/>
-          </p:nvPr>
-        </p:nvSpPr>
-        <p:spPr/>
-        <p:txBody>
-          <a:bodyPr/>
-          <a:lstStyle/>
-          <a:p>
-            <a:r>
-              <a:rPr lang="en-US" dirty="0"/>
-              <a:t>If we do our design job carefully</a:t>
-            </a:r>
-          </a:p>
-        </p:txBody>
-      </p:sp>
-      <p:sp>
-        <p:nvSpPr>
-          <p:cNvPr id="6" name="Content Placeholder 5"/>
-          <p:cNvSpPr>
-            <a:spLocks noGrp="1"/>
-          </p:cNvSpPr>
-          <p:nvPr>
-            <p:ph idx="1"/>
-          </p:nvPr>
-        </p:nvSpPr>
-        <p:spPr/>
-        <p:txBody>
-          <a:bodyPr>
-            <a:normAutofit lnSpcReduction="10000"/>
-          </a:bodyPr>
-          <a:lstStyle/>
-          <a:p>
-            <a:r>
-              <a:rPr lang="en-US" dirty="0"/>
-              <a:t>Divide &amp; Conquer - Break our larger problem into several classes</a:t>
-            </a:r>
-          </a:p>
-          <a:p>
-            <a:r>
-              <a:rPr lang="en-US" dirty="0"/>
-              <a:t>Each of these classes will do one thing well (i.e., they will have </a:t>
-            </a:r>
-            <a:r>
-              <a:rPr lang="en-US" b="1" i="1" dirty="0"/>
-              <a:t>high cohesion</a:t>
-            </a:r>
-            <a:r>
-              <a:rPr lang="en-US" dirty="0"/>
-              <a:t>)</a:t>
-            </a:r>
-          </a:p>
-          <a:p>
-            <a:r>
-              <a:rPr lang="en-US" dirty="0"/>
-              <a:t>Our classes will only need to depend on each other in specific, highly limited  essential ways (i.e., they will have </a:t>
-            </a:r>
-            <a:r>
-              <a:rPr lang="en-US" b="1" i="1" dirty="0"/>
-              <a:t>low coupling</a:t>
-            </a:r>
-            <a:r>
-              <a:rPr lang="en-US" dirty="0"/>
-              <a:t>).  </a:t>
-            </a:r>
-          </a:p>
-          <a:p>
-            <a:r>
-              <a:rPr lang="en-US" dirty="0"/>
-              <a:t>Many classes won’t even “know” of most of the other classes in the system</a:t>
-            </a:r>
-          </a:p>
-        </p:txBody>
-      </p:sp>
-    </p:spTree>
-    <p:extLst>
-      <p:ext uri="{BB962C8B-B14F-4D97-AF65-F5344CB8AC3E}">
-        <p14:creationId xmlns:p14="http://schemas.microsoft.com/office/powerpoint/2010/main" val="2887235185"/>
-      </p:ext>
-    </p:extLst>
-  </p:cSld>
-  <p:clrMapOvr>
-    <a:masterClrMapping/>
-  </p:clrMapOvr>
-</p:sld>
-</file>
-
 <file path=ppt/slides/slide48.xml><?xml version="1.0" encoding="utf-8"?>
 <p:sld xmlns:a="http://schemas.openxmlformats.org/drawingml/2006/main" xmlns:r="http://schemas.openxmlformats.org/officeDocument/2006/relationships" xmlns:p="http://schemas.openxmlformats.org/presentationml/2006/main">
   <p:cSld>
@@ -26046,6 +25797,116 @@
       </p:grpSpPr>
       <p:sp>
         <p:nvSpPr>
+          <p:cNvPr id="5" name="Title 4"/>
+          <p:cNvSpPr>
+            <a:spLocks noGrp="1"/>
+          </p:cNvSpPr>
+          <p:nvPr>
+            <p:ph type="title"/>
+          </p:nvPr>
+        </p:nvSpPr>
+        <p:spPr/>
+        <p:txBody>
+          <a:bodyPr/>
+          <a:lstStyle/>
+          <a:p>
+            <a:r>
+              <a:rPr lang="en-US" dirty="0"/>
+              <a:t>If we do our design job carefully</a:t>
+            </a:r>
+          </a:p>
+        </p:txBody>
+      </p:sp>
+      <p:sp>
+        <p:nvSpPr>
+          <p:cNvPr id="6" name="Content Placeholder 5"/>
+          <p:cNvSpPr>
+            <a:spLocks noGrp="1"/>
+          </p:cNvSpPr>
+          <p:nvPr>
+            <p:ph idx="1"/>
+          </p:nvPr>
+        </p:nvSpPr>
+        <p:spPr/>
+        <p:txBody>
+          <a:bodyPr>
+            <a:normAutofit lnSpcReduction="10000"/>
+          </a:bodyPr>
+          <a:lstStyle/>
+          <a:p>
+            <a:r>
+              <a:rPr lang="en-US" dirty="0"/>
+              <a:t>Divide &amp; Conquer - Break our larger problem into several classes</a:t>
+            </a:r>
+          </a:p>
+          <a:p>
+            <a:r>
+              <a:rPr lang="en-US" dirty="0"/>
+              <a:t>Each of these classes will do one thing well (i.e., they will have </a:t>
+            </a:r>
+            <a:r>
+              <a:rPr lang="en-US" b="1" i="1" dirty="0"/>
+              <a:t>high cohesion</a:t>
+            </a:r>
+            <a:r>
+              <a:rPr lang="en-US" dirty="0"/>
+              <a:t>)</a:t>
+            </a:r>
+          </a:p>
+          <a:p>
+            <a:r>
+              <a:rPr lang="en-US" dirty="0"/>
+              <a:t>Our classes will only need to depend on each other in specific, highly limited  essential ways (i.e., they will have </a:t>
+            </a:r>
+            <a:r>
+              <a:rPr lang="en-US" b="1" i="1" dirty="0"/>
+              <a:t>low coupling</a:t>
+            </a:r>
+            <a:r>
+              <a:rPr lang="en-US" dirty="0"/>
+              <a:t>).  </a:t>
+            </a:r>
+          </a:p>
+          <a:p>
+            <a:r>
+              <a:rPr lang="en-US" dirty="0"/>
+              <a:t>Many classes won’t even “know” of most of the other classes in the system</a:t>
+            </a:r>
+          </a:p>
+        </p:txBody>
+      </p:sp>
+    </p:spTree>
+    <p:extLst>
+      <p:ext uri="{BB962C8B-B14F-4D97-AF65-F5344CB8AC3E}">
+        <p14:creationId xmlns:p14="http://schemas.microsoft.com/office/powerpoint/2010/main" val="2887235185"/>
+      </p:ext>
+    </p:extLst>
+  </p:cSld>
+  <p:clrMapOvr>
+    <a:masterClrMapping/>
+  </p:clrMapOvr>
+</p:sld>
+</file>
+
+<file path=ppt/slides/slide49.xml><?xml version="1.0" encoding="utf-8"?>
+<p:sld xmlns:a="http://schemas.openxmlformats.org/drawingml/2006/main" xmlns:r="http://schemas.openxmlformats.org/officeDocument/2006/relationships" xmlns:p="http://schemas.openxmlformats.org/presentationml/2006/main">
+  <p:cSld>
+    <p:spTree>
+      <p:nvGrpSpPr>
+        <p:cNvPr id="1" name=""/>
+        <p:cNvGrpSpPr/>
+        <p:nvPr/>
+      </p:nvGrpSpPr>
+      <p:grpSpPr>
+        <a:xfrm>
+          <a:off x="0" y="0"/>
+          <a:ext cx="0" cy="0"/>
+          <a:chOff x="0" y="0"/>
+          <a:chExt cx="0" cy="0"/>
+        </a:xfrm>
+      </p:grpSpPr>
+      <p:sp>
+        <p:nvSpPr>
           <p:cNvPr id="2" name="Title 1"/>
           <p:cNvSpPr>
             <a:spLocks noGrp="1"/>
@@ -26115,7 +25976,408 @@
 </p:sld>
 </file>
 
-<file path=ppt/slides/slide49.xml><?xml version="1.0" encoding="utf-8"?>
+<file path=ppt/slides/slide5.xml><?xml version="1.0" encoding="utf-8"?>
+<p:sld xmlns:a="http://schemas.openxmlformats.org/drawingml/2006/main" xmlns:r="http://schemas.openxmlformats.org/officeDocument/2006/relationships" xmlns:p="http://schemas.openxmlformats.org/presentationml/2006/main">
+  <p:cSld>
+    <p:spTree>
+      <p:nvGrpSpPr>
+        <p:cNvPr id="1" name=""/>
+        <p:cNvGrpSpPr/>
+        <p:nvPr/>
+      </p:nvGrpSpPr>
+      <p:grpSpPr>
+        <a:xfrm>
+          <a:off x="0" y="0"/>
+          <a:ext cx="0" cy="0"/>
+          <a:chOff x="0" y="0"/>
+          <a:chExt cx="0" cy="0"/>
+        </a:xfrm>
+      </p:grpSpPr>
+      <p:sp>
+        <p:nvSpPr>
+          <p:cNvPr id="2" name="Title 1"/>
+          <p:cNvSpPr>
+            <a:spLocks noGrp="1"/>
+          </p:cNvSpPr>
+          <p:nvPr>
+            <p:ph type="title"/>
+          </p:nvPr>
+        </p:nvSpPr>
+        <p:spPr>
+          <a:xfrm>
+            <a:off x="628650" y="365127"/>
+            <a:ext cx="7886700" cy="922498"/>
+          </a:xfrm>
+        </p:spPr>
+        <p:txBody>
+          <a:bodyPr/>
+          <a:lstStyle/>
+          <a:p>
+            <a:r>
+              <a:rPr lang="en-US"/>
+              <a:t>Principles of Design (for CSSE220)</a:t>
+            </a:r>
+          </a:p>
+        </p:txBody>
+      </p:sp>
+      <p:sp>
+        <p:nvSpPr>
+          <p:cNvPr id="3" name="Content Placeholder 2"/>
+          <p:cNvSpPr>
+            <a:spLocks noGrp="1"/>
+          </p:cNvSpPr>
+          <p:nvPr>
+            <p:ph idx="1"/>
+          </p:nvPr>
+        </p:nvSpPr>
+        <p:spPr>
+          <a:xfrm>
+            <a:off x="335901" y="1287625"/>
+            <a:ext cx="8546841" cy="5570375"/>
+          </a:xfrm>
+        </p:spPr>
+        <p:txBody>
+          <a:bodyPr>
+            <a:normAutofit fontScale="62500" lnSpcReduction="20000"/>
+          </a:bodyPr>
+          <a:lstStyle/>
+          <a:p>
+            <a:pPr marL="457200" indent="-457200" fontAlgn="base">
+              <a:buFont typeface="+mj-lt"/>
+              <a:buAutoNum type="arabicParenR"/>
+            </a:pPr>
+            <a:r>
+              <a:rPr lang="en-US" sz="2400" dirty="0"/>
+              <a:t>Make sure your design </a:t>
+            </a:r>
+            <a:r>
+              <a:rPr lang="en-US" sz="2400" b="1" dirty="0"/>
+              <a:t>allows proper functionality</a:t>
+            </a:r>
+            <a:endParaRPr lang="en-US" sz="2400" dirty="0"/>
+          </a:p>
+          <a:p>
+            <a:pPr marL="971550" lvl="1" indent="-514350" fontAlgn="base">
+              <a:buFont typeface="+mj-lt"/>
+              <a:buAutoNum type="alphaLcParenR"/>
+            </a:pPr>
+            <a:r>
+              <a:rPr lang="en-US" dirty="0"/>
+              <a:t>Must be able to </a:t>
+            </a:r>
+            <a:r>
+              <a:rPr lang="en-US" b="1" dirty="0"/>
+              <a:t>store required information</a:t>
+            </a:r>
+            <a:r>
+              <a:rPr lang="en-US" dirty="0"/>
+              <a:t> (one/many to one/many relationships)</a:t>
+            </a:r>
+          </a:p>
+          <a:p>
+            <a:pPr marL="971550" lvl="1" indent="-514350" fontAlgn="base">
+              <a:buFont typeface="+mj-lt"/>
+              <a:buAutoNum type="alphaLcParenR"/>
+            </a:pPr>
+            <a:r>
+              <a:rPr lang="en-US" dirty="0"/>
+              <a:t>Must be able to </a:t>
+            </a:r>
+            <a:r>
+              <a:rPr lang="en-US" b="1" dirty="0"/>
+              <a:t>access the required information</a:t>
+            </a:r>
+            <a:r>
+              <a:rPr lang="en-US" dirty="0"/>
+              <a:t> to accomplish tasks</a:t>
+            </a:r>
+          </a:p>
+          <a:p>
+            <a:pPr marL="971550" lvl="1" indent="-514350" fontAlgn="base">
+              <a:buFont typeface="+mj-lt"/>
+              <a:buAutoNum type="alphaLcParenR"/>
+            </a:pPr>
+            <a:r>
+              <a:rPr lang="en-US" dirty="0"/>
+              <a:t>Data should </a:t>
+            </a:r>
+            <a:r>
+              <a:rPr lang="en-US" b="1" dirty="0"/>
+              <a:t>not be duplicated</a:t>
+            </a:r>
+            <a:r>
+              <a:rPr lang="en-US" dirty="0"/>
+              <a:t> (id/identifiers are OK!)</a:t>
+            </a:r>
+            <a:endParaRPr lang="en-US" sz="2400" dirty="0"/>
+          </a:p>
+          <a:p>
+            <a:pPr marL="457200" indent="-457200">
+              <a:buFont typeface="+mj-lt"/>
+              <a:buAutoNum type="arabicParenR"/>
+            </a:pPr>
+            <a:r>
+              <a:rPr lang="en-US" sz="2400" dirty="0"/>
+              <a:t>Structure design </a:t>
+            </a:r>
+            <a:r>
+              <a:rPr lang="en-US" sz="2400" b="1" dirty="0"/>
+              <a:t>around the data</a:t>
+            </a:r>
+            <a:r>
+              <a:rPr lang="en-US" sz="2400" dirty="0"/>
+              <a:t> to be stored</a:t>
+            </a:r>
+          </a:p>
+          <a:p>
+            <a:pPr marL="971550" lvl="1" indent="-514350" fontAlgn="base">
+              <a:buFont typeface="+mj-lt"/>
+              <a:buAutoNum type="alphaLcParenR"/>
+            </a:pPr>
+            <a:r>
+              <a:rPr lang="en-US" b="1" dirty="0"/>
+              <a:t>Nouns should become classes</a:t>
+            </a:r>
+            <a:endParaRPr lang="en-US" dirty="0"/>
+          </a:p>
+          <a:p>
+            <a:pPr marL="971550" lvl="1" indent="-514350" fontAlgn="base">
+              <a:buFont typeface="+mj-lt"/>
+              <a:buAutoNum type="alphaLcParenR"/>
+            </a:pPr>
+            <a:r>
+              <a:rPr lang="en-US" b="1" dirty="0"/>
+              <a:t>Classes should have intelligent behaviors</a:t>
+            </a:r>
+            <a:r>
+              <a:rPr lang="en-US" dirty="0"/>
+              <a:t> (methods) </a:t>
+            </a:r>
+            <a:r>
+              <a:rPr lang="en-US" b="1" dirty="0"/>
+              <a:t>that may operate on their data</a:t>
+            </a:r>
+            <a:endParaRPr lang="en-US" dirty="0"/>
+          </a:p>
+          <a:p>
+            <a:pPr marL="457200" indent="-457200" fontAlgn="base">
+              <a:buFont typeface="+mj-lt"/>
+              <a:buAutoNum type="arabicParenR"/>
+            </a:pPr>
+            <a:r>
+              <a:rPr lang="en-US" sz="2400" dirty="0"/>
+              <a:t>Functionality should be </a:t>
+            </a:r>
+            <a:r>
+              <a:rPr lang="en-US" sz="2400" b="1" dirty="0"/>
+              <a:t>distributed efficiently</a:t>
+            </a:r>
+            <a:endParaRPr lang="en-US" sz="2400" dirty="0"/>
+          </a:p>
+          <a:p>
+            <a:pPr marL="971550" lvl="1" indent="-514350" fontAlgn="base">
+              <a:buFont typeface="+mj-lt"/>
+              <a:buAutoNum type="alphaLcParenR"/>
+            </a:pPr>
+            <a:r>
+              <a:rPr lang="en-US" b="1" dirty="0"/>
+              <a:t>No class/part should get too large</a:t>
+            </a:r>
+          </a:p>
+          <a:p>
+            <a:pPr marL="971550" lvl="1" indent="-514350" fontAlgn="base">
+              <a:buFont typeface="+mj-lt"/>
+              <a:buAutoNum type="alphaLcParenR"/>
+            </a:pPr>
+            <a:r>
+              <a:rPr lang="en-US" b="1" dirty="0"/>
+              <a:t>Each class should have a single responsibility</a:t>
+            </a:r>
+            <a:r>
+              <a:rPr lang="en-US" dirty="0"/>
+              <a:t> it accomplishes</a:t>
+            </a:r>
+          </a:p>
+          <a:p>
+            <a:pPr marL="457200" indent="-457200" fontAlgn="base">
+              <a:buFont typeface="+mj-lt"/>
+              <a:buAutoNum type="arabicParenR"/>
+            </a:pPr>
+            <a:r>
+              <a:rPr lang="en-US" sz="2400" b="1" dirty="0"/>
+              <a:t>Minimize dependencies</a:t>
+            </a:r>
+            <a:r>
+              <a:rPr lang="en-US" sz="2400" dirty="0"/>
+              <a:t> between objects when it does not disrupt usability or </a:t>
+            </a:r>
+            <a:r>
+              <a:rPr lang="en-US" sz="2400" dirty="0" err="1"/>
+              <a:t>extendability</a:t>
+            </a:r>
+            <a:endParaRPr lang="en-US" sz="2400" dirty="0"/>
+          </a:p>
+          <a:p>
+            <a:pPr marL="971550" lvl="1" indent="-514350" fontAlgn="base">
+              <a:buFont typeface="+mj-lt"/>
+              <a:buAutoNum type="alphaLcParenR"/>
+            </a:pPr>
+            <a:r>
+              <a:rPr lang="en-US" dirty="0"/>
+              <a:t>Tell don't ask</a:t>
+            </a:r>
+          </a:p>
+          <a:p>
+            <a:pPr marL="971550" lvl="1" indent="-514350" fontAlgn="base">
+              <a:buFont typeface="+mj-lt"/>
+              <a:buAutoNum type="alphaLcParenR"/>
+            </a:pPr>
+            <a:r>
+              <a:rPr lang="en-US" dirty="0"/>
+              <a:t>Don't have message chains</a:t>
+            </a:r>
+          </a:p>
+          <a:p>
+            <a:pPr marL="457200" indent="-457200" fontAlgn="base">
+              <a:buFont typeface="+mj-lt"/>
+              <a:buAutoNum type="arabicParenR"/>
+            </a:pPr>
+            <a:r>
+              <a:rPr lang="en-US" sz="2400" b="1" dirty="0"/>
+              <a:t>Don't duplicate</a:t>
+            </a:r>
+            <a:r>
+              <a:rPr lang="en-US" sz="2400" dirty="0"/>
+              <a:t> code</a:t>
+            </a:r>
+          </a:p>
+          <a:p>
+            <a:pPr marL="971550" lvl="1" indent="-514350" fontAlgn="base">
+              <a:buFont typeface="+mj-lt"/>
+              <a:buAutoNum type="alphaLcParenR"/>
+            </a:pPr>
+            <a:r>
+              <a:rPr lang="en-US" dirty="0"/>
+              <a:t>Similar "chunks" of code should be </a:t>
+            </a:r>
+            <a:r>
+              <a:rPr lang="en-US" b="1" dirty="0"/>
+              <a:t>unified into functions</a:t>
+            </a:r>
+            <a:endParaRPr lang="en-US" dirty="0"/>
+          </a:p>
+          <a:p>
+            <a:pPr marL="971550" lvl="1" indent="-514350" fontAlgn="base">
+              <a:buFont typeface="+mj-lt"/>
+              <a:buAutoNum type="alphaLcParenR"/>
+            </a:pPr>
+            <a:r>
+              <a:rPr lang="en-US" dirty="0"/>
+              <a:t>Classes with similar features should be given </a:t>
+            </a:r>
+            <a:r>
+              <a:rPr lang="en-US" b="1" dirty="0"/>
+              <a:t>common interfaces</a:t>
+            </a:r>
+            <a:endParaRPr lang="en-US" dirty="0"/>
+          </a:p>
+          <a:p>
+            <a:pPr marL="971550" lvl="1" indent="-514350">
+              <a:buFont typeface="+mj-lt"/>
+              <a:buAutoNum type="alphaLcParenR"/>
+            </a:pPr>
+            <a:r>
+              <a:rPr lang="en-US" dirty="0"/>
+              <a:t>Classes with similar internals should be simplified using </a:t>
+            </a:r>
+            <a:r>
+              <a:rPr lang="en-US" b="1" dirty="0"/>
+              <a:t>inheritance</a:t>
+            </a:r>
+          </a:p>
+          <a:p>
+            <a:pPr marL="971550" lvl="1" indent="-514350">
+              <a:buFont typeface="+mj-lt"/>
+              <a:buAutoNum type="alphaLcParenR"/>
+            </a:pPr>
+            <a:r>
+              <a:rPr lang="en-US" dirty="0"/>
+              <a:t>Avoid all type-predicated code by using </a:t>
+            </a:r>
+            <a:r>
+              <a:rPr lang="en-US" b="1" dirty="0"/>
+              <a:t>inheritance</a:t>
+            </a:r>
+            <a:endParaRPr lang="en-US" dirty="0"/>
+          </a:p>
+        </p:txBody>
+      </p:sp>
+      <p:sp>
+        <p:nvSpPr>
+          <p:cNvPr id="4" name="Rectangle: Rounded Corners 1">
+            <a:extLst>
+              <a:ext uri="{FF2B5EF4-FFF2-40B4-BE49-F238E27FC236}">
+                <a16:creationId xmlns:a16="http://schemas.microsoft.com/office/drawing/2014/main" id="{0B9C3EEE-A63E-BB46-81CA-4D6881BB3756}"/>
+              </a:ext>
+            </a:extLst>
+          </p:cNvPr>
+          <p:cNvSpPr/>
+          <p:nvPr/>
+        </p:nvSpPr>
+        <p:spPr>
+          <a:xfrm>
+            <a:off x="152400" y="4343401"/>
+            <a:ext cx="8839200" cy="762000"/>
+          </a:xfrm>
+          <a:prstGeom prst="roundRect">
+            <a:avLst/>
+          </a:prstGeom>
+          <a:noFill/>
+          <a:ln>
+            <a:solidFill>
+              <a:srgbClr val="FF0000"/>
+            </a:solidFill>
+          </a:ln>
+        </p:spPr>
+        <p:style>
+          <a:lnRef idx="2">
+            <a:schemeClr val="accent2">
+              <a:shade val="50000"/>
+            </a:schemeClr>
+          </a:lnRef>
+          <a:fillRef idx="1">
+            <a:schemeClr val="accent2"/>
+          </a:fillRef>
+          <a:effectRef idx="0">
+            <a:schemeClr val="accent2"/>
+          </a:effectRef>
+          <a:fontRef idx="minor">
+            <a:schemeClr val="lt1"/>
+          </a:fontRef>
+        </p:style>
+        <p:txBody>
+          <a:bodyPr rtlCol="0" anchor="ctr"/>
+          <a:lstStyle/>
+          <a:p>
+            <a:pPr algn="ctr"/>
+            <a:endParaRPr lang="en-US"/>
+          </a:p>
+        </p:txBody>
+      </p:sp>
+    </p:spTree>
+    <p:extLst>
+      <p:ext uri="{BB962C8B-B14F-4D97-AF65-F5344CB8AC3E}">
+        <p14:creationId xmlns:p14="http://schemas.microsoft.com/office/powerpoint/2010/main" val="1457509528"/>
+      </p:ext>
+    </p:extLst>
+  </p:cSld>
+  <p:clrMapOvr>
+    <a:masterClrMapping/>
+  </p:clrMapOvr>
+</p:sld>
+</file>
+
+<file path=ppt/slides/slide50.xml><?xml version="1.0" encoding="utf-8"?>
 <p:sld xmlns:a="http://schemas.openxmlformats.org/drawingml/2006/main" xmlns:r="http://schemas.openxmlformats.org/officeDocument/2006/relationships" xmlns:p="http://schemas.openxmlformats.org/presentationml/2006/main">
   <p:cSld>
     <p:spTree>
@@ -26309,230 +26571,7 @@
 </p:sld>
 </file>
 
-<file path=ppt/slides/slide5.xml><?xml version="1.0" encoding="utf-8"?>
-<p:sld xmlns:a="http://schemas.openxmlformats.org/drawingml/2006/main" xmlns:r="http://schemas.openxmlformats.org/officeDocument/2006/relationships" xmlns:p="http://schemas.openxmlformats.org/presentationml/2006/main">
-  <p:cSld>
-    <p:spTree>
-      <p:nvGrpSpPr>
-        <p:cNvPr id="1" name=""/>
-        <p:cNvGrpSpPr/>
-        <p:nvPr/>
-      </p:nvGrpSpPr>
-      <p:grpSpPr>
-        <a:xfrm>
-          <a:off x="0" y="0"/>
-          <a:ext cx="0" cy="0"/>
-          <a:chOff x="0" y="0"/>
-          <a:chExt cx="0" cy="0"/>
-        </a:xfrm>
-      </p:grpSpPr>
-      <p:sp>
-        <p:nvSpPr>
-          <p:cNvPr id="5" name="Rectangle 4"/>
-          <p:cNvSpPr/>
-          <p:nvPr/>
-        </p:nvSpPr>
-        <p:spPr>
-          <a:xfrm>
-            <a:off x="76200" y="152400"/>
-            <a:ext cx="8839200" cy="2308324"/>
-          </a:xfrm>
-          <a:prstGeom prst="rect">
-            <a:avLst/>
-          </a:prstGeom>
-        </p:spPr>
-        <p:txBody>
-          <a:bodyPr wrap="square">
-            <a:spAutoFit/>
-          </a:bodyPr>
-          <a:lstStyle/>
-          <a:p>
-            <a:r>
-              <a:rPr lang="en-US" b="1" dirty="0">
-                <a:solidFill>
-                  <a:srgbClr val="000000"/>
-                </a:solidFill>
-                <a:latin typeface="Arial" panose="020B0604020202020204" pitchFamily="34" charset="0"/>
-              </a:rPr>
-              <a:t>Employee Hour Tracker Problem</a:t>
-            </a:r>
-            <a:r>
-              <a:rPr lang="en-US" dirty="0">
-                <a:solidFill>
-                  <a:srgbClr val="000000"/>
-                </a:solidFill>
-                <a:latin typeface="Arial" panose="020B0604020202020204" pitchFamily="34" charset="0"/>
-              </a:rPr>
-              <a:t>: A system tracks employee hours at a particular company.  Every time any employee starts work and stops work, the system must log it so the employee can be paid correctly and so management knows who was working when.  The system must also print out a weekly pay report for each employee which includes total hours, the employee's name, social security number, and employee id.</a:t>
-            </a:r>
-            <a:endParaRPr lang="en-US" dirty="0"/>
-          </a:p>
-          <a:p>
-            <a:br>
-              <a:rPr lang="en-US" dirty="0"/>
-            </a:br>
-            <a:endParaRPr lang="en-US" dirty="0"/>
-          </a:p>
-        </p:txBody>
-      </p:sp>
-      <p:pic>
-        <p:nvPicPr>
-          <p:cNvPr id="1028" name="Picture 4" descr="https://lh6.googleusercontent.com/I386rjyYmFDd_Ln3ujOTcIgnlVxeH-rcie-CGlD1glhMmS0MDbjaT8HkyidiqwQ58i2uJm3QXFrnQK3A22_U6tE23ErPwclKKyfNyeMwjR-kLOV7yGW7YBn8DxD21xrF2IBk1vAo">
-            <a:hlinkClick r:id="rId2"/>
-          </p:cNvPr>
-          <p:cNvPicPr>
-            <a:picLocks noChangeAspect="1" noChangeArrowheads="1"/>
-          </p:cNvPicPr>
-          <p:nvPr/>
-        </p:nvPicPr>
-        <p:blipFill>
-          <a:blip r:embed="rId3">
-            <a:extLst>
-              <a:ext uri="{28A0092B-C50C-407E-A947-70E740481C1C}">
-                <a14:useLocalDpi xmlns:a14="http://schemas.microsoft.com/office/drawing/2010/main" val="0"/>
-              </a:ext>
-            </a:extLst>
-          </a:blip>
-          <a:srcRect/>
-          <a:stretch>
-            <a:fillRect/>
-          </a:stretch>
-        </p:blipFill>
-        <p:spPr bwMode="auto">
-          <a:xfrm>
-            <a:off x="228600" y="1981200"/>
-            <a:ext cx="8305800" cy="1876793"/>
-          </a:xfrm>
-          <a:prstGeom prst="rect">
-            <a:avLst/>
-          </a:prstGeom>
-          <a:noFill/>
-          <a:extLst>
-            <a:ext uri="{909E8E84-426E-40DD-AFC4-6F175D3DCCD1}">
-              <a14:hiddenFill xmlns:a14="http://schemas.microsoft.com/office/drawing/2010/main">
-                <a:solidFill>
-                  <a:srgbClr val="FFFFFF"/>
-                </a:solidFill>
-              </a14:hiddenFill>
-            </a:ext>
-          </a:extLst>
-        </p:spPr>
-      </p:pic>
-      <p:pic>
-        <p:nvPicPr>
-          <p:cNvPr id="1032" name="Picture 8" descr="https://lh5.googleusercontent.com/FnI619sPRC6cODebnhDmq3aB3FmsphAKH4jOVgyoZTsMudHgQ_NG-yTnPJicwH-dv7k0nr0h1_qyYaacZGwRWVtY5qyw5wcQ5jx_MkvhRnHPPHMivCbjqIFs2kuifWVpRG-5-uLh">
-            <a:hlinkClick r:id="rId4"/>
-          </p:cNvPr>
-          <p:cNvPicPr>
-            <a:picLocks noChangeAspect="1" noChangeArrowheads="1"/>
-          </p:cNvPicPr>
-          <p:nvPr/>
-        </p:nvPicPr>
-        <p:blipFill>
-          <a:blip r:embed="rId5">
-            <a:extLst>
-              <a:ext uri="{28A0092B-C50C-407E-A947-70E740481C1C}">
-                <a14:useLocalDpi xmlns:a14="http://schemas.microsoft.com/office/drawing/2010/main" val="0"/>
-              </a:ext>
-            </a:extLst>
-          </a:blip>
-          <a:srcRect/>
-          <a:stretch>
-            <a:fillRect/>
-          </a:stretch>
-        </p:blipFill>
-        <p:spPr bwMode="auto">
-          <a:xfrm>
-            <a:off x="228600" y="4210260"/>
-            <a:ext cx="8327751" cy="2362200"/>
-          </a:xfrm>
-          <a:prstGeom prst="rect">
-            <a:avLst/>
-          </a:prstGeom>
-          <a:noFill/>
-          <a:extLst>
-            <a:ext uri="{909E8E84-426E-40DD-AFC4-6F175D3DCCD1}">
-              <a14:hiddenFill xmlns:a14="http://schemas.microsoft.com/office/drawing/2010/main">
-                <a:solidFill>
-                  <a:srgbClr val="FFFFFF"/>
-                </a:solidFill>
-              </a14:hiddenFill>
-            </a:ext>
-          </a:extLst>
-        </p:spPr>
-      </p:pic>
-      <p:sp>
-        <p:nvSpPr>
-          <p:cNvPr id="6" name="TextBox 5"/>
-          <p:cNvSpPr txBox="1"/>
-          <p:nvPr/>
-        </p:nvSpPr>
-        <p:spPr>
-          <a:xfrm>
-            <a:off x="228600" y="1798128"/>
-            <a:ext cx="2826415" cy="369332"/>
-          </a:xfrm>
-          <a:prstGeom prst="rect">
-            <a:avLst/>
-          </a:prstGeom>
-          <a:noFill/>
-        </p:spPr>
-        <p:txBody>
-          <a:bodyPr wrap="none" rtlCol="0">
-            <a:spAutoFit/>
-          </a:bodyPr>
-          <a:lstStyle/>
-          <a:p>
-            <a:r>
-              <a:rPr lang="en-US" b="1"/>
-              <a:t>Less Dependencies Solution</a:t>
-            </a:r>
-          </a:p>
-        </p:txBody>
-      </p:sp>
-      <p:sp>
-        <p:nvSpPr>
-          <p:cNvPr id="11" name="TextBox 10"/>
-          <p:cNvSpPr txBox="1"/>
-          <p:nvPr/>
-        </p:nvSpPr>
-        <p:spPr>
-          <a:xfrm>
-            <a:off x="234696" y="4087309"/>
-            <a:ext cx="2950488" cy="369332"/>
-          </a:xfrm>
-          <a:prstGeom prst="rect">
-            <a:avLst/>
-          </a:prstGeom>
-          <a:noFill/>
-        </p:spPr>
-        <p:txBody>
-          <a:bodyPr wrap="none" rtlCol="0">
-            <a:spAutoFit/>
-          </a:bodyPr>
-          <a:lstStyle/>
-          <a:p>
-            <a:r>
-              <a:rPr lang="en-US" b="1"/>
-              <a:t>More Dependencies Solution</a:t>
-            </a:r>
-          </a:p>
-        </p:txBody>
-      </p:sp>
-    </p:spTree>
-    <p:extLst>
-      <p:ext uri="{BB962C8B-B14F-4D97-AF65-F5344CB8AC3E}">
-        <p14:creationId xmlns:p14="http://schemas.microsoft.com/office/powerpoint/2010/main" val="1528258860"/>
-      </p:ext>
-    </p:extLst>
-  </p:cSld>
-  <p:clrMapOvr>
-    <a:masterClrMapping/>
-  </p:clrMapOvr>
-</p:sld>
-</file>
-
-<file path=ppt/slides/slide50.xml><?xml version="1.0" encoding="utf-8"?>
+<file path=ppt/slides/slide51.xml><?xml version="1.0" encoding="utf-8"?>
 <p:sld xmlns:a="http://schemas.openxmlformats.org/drawingml/2006/main" xmlns:r="http://schemas.openxmlformats.org/officeDocument/2006/relationships" xmlns:p="http://schemas.openxmlformats.org/presentationml/2006/main">
   <p:cSld>
     <p:spTree>
@@ -26645,6 +26684,260 @@
           </a:extLst>
         </p:spPr>
       </p:pic>
+      <p:graphicFrame>
+        <p:nvGraphicFramePr>
+          <p:cNvPr id="3" name="Table 4">
+            <a:extLst>
+              <a:ext uri="{FF2B5EF4-FFF2-40B4-BE49-F238E27FC236}">
+                <a16:creationId xmlns:a16="http://schemas.microsoft.com/office/drawing/2014/main" id="{DEEEECD7-8AE0-40FA-A854-976213D8B63B}"/>
+              </a:ext>
+            </a:extLst>
+          </p:cNvPr>
+          <p:cNvGraphicFramePr>
+            <a:graphicFrameLocks noGrp="1"/>
+          </p:cNvGraphicFramePr>
+          <p:nvPr>
+            <p:extLst>
+              <p:ext uri="{D42A27DB-BD31-4B8C-83A1-F6EECF244321}">
+                <p14:modId xmlns:p14="http://schemas.microsoft.com/office/powerpoint/2010/main" val="1819995567"/>
+              </p:ext>
+            </p:extLst>
+          </p:nvPr>
+        </p:nvGraphicFramePr>
+        <p:xfrm>
+          <a:off x="5181600" y="4739536"/>
+          <a:ext cx="3657600" cy="1854200"/>
+        </p:xfrm>
+        <a:graphic>
+          <a:graphicData uri="http://schemas.openxmlformats.org/drawingml/2006/table">
+            <a:tbl>
+              <a:tblPr firstRow="1" bandRow="1">
+                <a:tableStyleId>{5C22544A-7EE6-4342-B048-85BDC9FD1C3A}</a:tableStyleId>
+              </a:tblPr>
+              <a:tblGrid>
+                <a:gridCol w="1143000">
+                  <a:extLst>
+                    <a:ext uri="{9D8B030D-6E8A-4147-A177-3AD203B41FA5}">
+                      <a16:colId xmlns:a16="http://schemas.microsoft.com/office/drawing/2014/main" val="179180197"/>
+                    </a:ext>
+                  </a:extLst>
+                </a:gridCol>
+                <a:gridCol w="1066800">
+                  <a:extLst>
+                    <a:ext uri="{9D8B030D-6E8A-4147-A177-3AD203B41FA5}">
+                      <a16:colId xmlns:a16="http://schemas.microsoft.com/office/drawing/2014/main" val="1809103759"/>
+                    </a:ext>
+                  </a:extLst>
+                </a:gridCol>
+                <a:gridCol w="1447800">
+                  <a:extLst>
+                    <a:ext uri="{9D8B030D-6E8A-4147-A177-3AD203B41FA5}">
+                      <a16:colId xmlns:a16="http://schemas.microsoft.com/office/drawing/2014/main" val="927569678"/>
+                    </a:ext>
+                  </a:extLst>
+                </a:gridCol>
+              </a:tblGrid>
+              <a:tr h="370840">
+                <a:tc>
+                  <a:txBody>
+                    <a:bodyPr/>
+                    <a:lstStyle/>
+                    <a:p>
+                      <a:r>
+                        <a:rPr lang="en-US" dirty="0"/>
+                        <a:t># classes</a:t>
+                      </a:r>
+                    </a:p>
+                  </a:txBody>
+                  <a:tcPr/>
+                </a:tc>
+                <a:tc>
+                  <a:txBody>
+                    <a:bodyPr/>
+                    <a:lstStyle/>
+                    <a:p>
+                      <a:r>
+                        <a:rPr lang="en-US" dirty="0"/>
+                        <a:t>coupling</a:t>
+                      </a:r>
+                    </a:p>
+                  </a:txBody>
+                  <a:tcPr/>
+                </a:tc>
+                <a:tc>
+                  <a:txBody>
+                    <a:bodyPr/>
+                    <a:lstStyle/>
+                    <a:p>
+                      <a:r>
+                        <a:rPr lang="en-US" dirty="0"/>
+                        <a:t>cohesion</a:t>
+                      </a:r>
+                    </a:p>
+                  </a:txBody>
+                  <a:tcPr/>
+                </a:tc>
+                <a:extLst>
+                  <a:ext uri="{0D108BD9-81ED-4DB2-BD59-A6C34878D82A}">
+                    <a16:rowId xmlns:a16="http://schemas.microsoft.com/office/drawing/2014/main" val="770469869"/>
+                  </a:ext>
+                </a:extLst>
+              </a:tr>
+              <a:tr h="370840">
+                <a:tc>
+                  <a:txBody>
+                    <a:bodyPr/>
+                    <a:lstStyle/>
+                    <a:p>
+                      <a:r>
+                        <a:rPr lang="en-US" dirty="0"/>
+                        <a:t>1</a:t>
+                      </a:r>
+                    </a:p>
+                  </a:txBody>
+                  <a:tcPr/>
+                </a:tc>
+                <a:tc>
+                  <a:txBody>
+                    <a:bodyPr/>
+                    <a:lstStyle/>
+                    <a:p>
+                      <a:endParaRPr lang="en-US"/>
+                    </a:p>
+                  </a:txBody>
+                  <a:tcPr/>
+                </a:tc>
+                <a:tc>
+                  <a:txBody>
+                    <a:bodyPr/>
+                    <a:lstStyle/>
+                    <a:p>
+                      <a:endParaRPr lang="en-US"/>
+                    </a:p>
+                  </a:txBody>
+                  <a:tcPr/>
+                </a:tc>
+                <a:extLst>
+                  <a:ext uri="{0D108BD9-81ED-4DB2-BD59-A6C34878D82A}">
+                    <a16:rowId xmlns:a16="http://schemas.microsoft.com/office/drawing/2014/main" val="316164352"/>
+                  </a:ext>
+                </a:extLst>
+              </a:tr>
+              <a:tr h="370840">
+                <a:tc>
+                  <a:txBody>
+                    <a:bodyPr/>
+                    <a:lstStyle/>
+                    <a:p>
+                      <a:endParaRPr lang="en-US"/>
+                    </a:p>
+                  </a:txBody>
+                  <a:tcPr/>
+                </a:tc>
+                <a:tc>
+                  <a:txBody>
+                    <a:bodyPr/>
+                    <a:lstStyle/>
+                    <a:p>
+                      <a:endParaRPr lang="en-US"/>
+                    </a:p>
+                  </a:txBody>
+                  <a:tcPr/>
+                </a:tc>
+                <a:tc>
+                  <a:txBody>
+                    <a:bodyPr/>
+                    <a:lstStyle/>
+                    <a:p>
+                      <a:endParaRPr lang="en-US"/>
+                    </a:p>
+                  </a:txBody>
+                  <a:tcPr/>
+                </a:tc>
+                <a:extLst>
+                  <a:ext uri="{0D108BD9-81ED-4DB2-BD59-A6C34878D82A}">
+                    <a16:rowId xmlns:a16="http://schemas.microsoft.com/office/drawing/2014/main" val="3430008300"/>
+                  </a:ext>
+                </a:extLst>
+              </a:tr>
+              <a:tr h="370840">
+                <a:tc>
+                  <a:txBody>
+                    <a:bodyPr/>
+                    <a:lstStyle/>
+                    <a:p>
+                      <a:endParaRPr lang="en-US"/>
+                    </a:p>
+                  </a:txBody>
+                  <a:tcPr/>
+                </a:tc>
+                <a:tc>
+                  <a:txBody>
+                    <a:bodyPr/>
+                    <a:lstStyle/>
+                    <a:p>
+                      <a:endParaRPr lang="en-US"/>
+                    </a:p>
+                  </a:txBody>
+                  <a:tcPr/>
+                </a:tc>
+                <a:tc>
+                  <a:txBody>
+                    <a:bodyPr/>
+                    <a:lstStyle/>
+                    <a:p>
+                      <a:endParaRPr lang="en-US"/>
+                    </a:p>
+                  </a:txBody>
+                  <a:tcPr/>
+                </a:tc>
+                <a:extLst>
+                  <a:ext uri="{0D108BD9-81ED-4DB2-BD59-A6C34878D82A}">
+                    <a16:rowId xmlns:a16="http://schemas.microsoft.com/office/drawing/2014/main" val="2694787773"/>
+                  </a:ext>
+                </a:extLst>
+              </a:tr>
+              <a:tr h="370840">
+                <a:tc>
+                  <a:txBody>
+                    <a:bodyPr/>
+                    <a:lstStyle/>
+                    <a:p>
+                      <a:endParaRPr lang="en-US"/>
+                    </a:p>
+                  </a:txBody>
+                  <a:tcPr/>
+                </a:tc>
+                <a:tc>
+                  <a:txBody>
+                    <a:bodyPr/>
+                    <a:lstStyle/>
+                    <a:p>
+                      <a:endParaRPr lang="en-US"/>
+                    </a:p>
+                  </a:txBody>
+                  <a:tcPr/>
+                </a:tc>
+                <a:tc>
+                  <a:txBody>
+                    <a:bodyPr/>
+                    <a:lstStyle/>
+                    <a:p>
+                      <a:endParaRPr lang="en-US" dirty="0"/>
+                    </a:p>
+                  </a:txBody>
+                  <a:tcPr/>
+                </a:tc>
+                <a:extLst>
+                  <a:ext uri="{0D108BD9-81ED-4DB2-BD59-A6C34878D82A}">
+                    <a16:rowId xmlns:a16="http://schemas.microsoft.com/office/drawing/2014/main" val="1542663843"/>
+                  </a:ext>
+                </a:extLst>
+              </a:tr>
+            </a:tbl>
+          </a:graphicData>
+        </a:graphic>
+      </p:graphicFrame>
     </p:spTree>
     <p:extLst>
       <p:ext uri="{BB962C8B-B14F-4D97-AF65-F5344CB8AC3E}">
@@ -26658,7 +26951,7 @@
 </p:sld>
 </file>
 
-<file path=ppt/slides/slide51.xml><?xml version="1.0" encoding="utf-8"?>
+<file path=ppt/slides/slide52.xml><?xml version="1.0" encoding="utf-8"?>
 <p:sld xmlns:a="http://schemas.openxmlformats.org/drawingml/2006/main" xmlns:r="http://schemas.openxmlformats.org/officeDocument/2006/relationships" xmlns:p="http://schemas.openxmlformats.org/presentationml/2006/main">
   <p:cSld>
     <p:spTree>
@@ -26913,6 +27206,269 @@
           </a:extLst>
         </p:spPr>
       </p:pic>
+      <p:graphicFrame>
+        <p:nvGraphicFramePr>
+          <p:cNvPr id="6" name="Table 4">
+            <a:extLst>
+              <a:ext uri="{FF2B5EF4-FFF2-40B4-BE49-F238E27FC236}">
+                <a16:creationId xmlns:a16="http://schemas.microsoft.com/office/drawing/2014/main" id="{25B85081-F48E-4CDE-B701-6A15ED0C2D3B}"/>
+              </a:ext>
+            </a:extLst>
+          </p:cNvPr>
+          <p:cNvGraphicFramePr>
+            <a:graphicFrameLocks noGrp="1"/>
+          </p:cNvGraphicFramePr>
+          <p:nvPr>
+            <p:extLst>
+              <p:ext uri="{D42A27DB-BD31-4B8C-83A1-F6EECF244321}">
+                <p14:modId xmlns:p14="http://schemas.microsoft.com/office/powerpoint/2010/main" val="1639934538"/>
+              </p:ext>
+            </p:extLst>
+          </p:nvPr>
+        </p:nvGraphicFramePr>
+        <p:xfrm>
+          <a:off x="5181600" y="4739536"/>
+          <a:ext cx="3657600" cy="1854200"/>
+        </p:xfrm>
+        <a:graphic>
+          <a:graphicData uri="http://schemas.openxmlformats.org/drawingml/2006/table">
+            <a:tbl>
+              <a:tblPr firstRow="1" bandRow="1">
+                <a:tableStyleId>{5C22544A-7EE6-4342-B048-85BDC9FD1C3A}</a:tableStyleId>
+              </a:tblPr>
+              <a:tblGrid>
+                <a:gridCol w="1143000">
+                  <a:extLst>
+                    <a:ext uri="{9D8B030D-6E8A-4147-A177-3AD203B41FA5}">
+                      <a16:colId xmlns:a16="http://schemas.microsoft.com/office/drawing/2014/main" val="179180197"/>
+                    </a:ext>
+                  </a:extLst>
+                </a:gridCol>
+                <a:gridCol w="1066800">
+                  <a:extLst>
+                    <a:ext uri="{9D8B030D-6E8A-4147-A177-3AD203B41FA5}">
+                      <a16:colId xmlns:a16="http://schemas.microsoft.com/office/drawing/2014/main" val="1809103759"/>
+                    </a:ext>
+                  </a:extLst>
+                </a:gridCol>
+                <a:gridCol w="1447800">
+                  <a:extLst>
+                    <a:ext uri="{9D8B030D-6E8A-4147-A177-3AD203B41FA5}">
+                      <a16:colId xmlns:a16="http://schemas.microsoft.com/office/drawing/2014/main" val="927569678"/>
+                    </a:ext>
+                  </a:extLst>
+                </a:gridCol>
+              </a:tblGrid>
+              <a:tr h="370840">
+                <a:tc>
+                  <a:txBody>
+                    <a:bodyPr/>
+                    <a:lstStyle/>
+                    <a:p>
+                      <a:r>
+                        <a:rPr lang="en-US" dirty="0"/>
+                        <a:t># classes</a:t>
+                      </a:r>
+                    </a:p>
+                  </a:txBody>
+                  <a:tcPr/>
+                </a:tc>
+                <a:tc>
+                  <a:txBody>
+                    <a:bodyPr/>
+                    <a:lstStyle/>
+                    <a:p>
+                      <a:r>
+                        <a:rPr lang="en-US" dirty="0"/>
+                        <a:t>coupling</a:t>
+                      </a:r>
+                    </a:p>
+                  </a:txBody>
+                  <a:tcPr/>
+                </a:tc>
+                <a:tc>
+                  <a:txBody>
+                    <a:bodyPr/>
+                    <a:lstStyle/>
+                    <a:p>
+                      <a:r>
+                        <a:rPr lang="en-US" dirty="0"/>
+                        <a:t>cohesion</a:t>
+                      </a:r>
+                    </a:p>
+                  </a:txBody>
+                  <a:tcPr/>
+                </a:tc>
+                <a:extLst>
+                  <a:ext uri="{0D108BD9-81ED-4DB2-BD59-A6C34878D82A}">
+                    <a16:rowId xmlns:a16="http://schemas.microsoft.com/office/drawing/2014/main" val="770469869"/>
+                  </a:ext>
+                </a:extLst>
+              </a:tr>
+              <a:tr h="370840">
+                <a:tc>
+                  <a:txBody>
+                    <a:bodyPr/>
+                    <a:lstStyle/>
+                    <a:p>
+                      <a:r>
+                        <a:rPr lang="en-US" dirty="0"/>
+                        <a:t>1</a:t>
+                      </a:r>
+                    </a:p>
+                  </a:txBody>
+                  <a:tcPr/>
+                </a:tc>
+                <a:tc>
+                  <a:txBody>
+                    <a:bodyPr/>
+                    <a:lstStyle/>
+                    <a:p>
+                      <a:r>
+                        <a:rPr lang="en-US" dirty="0"/>
+                        <a:t>ZERO</a:t>
+                      </a:r>
+                    </a:p>
+                  </a:txBody>
+                  <a:tcPr/>
+                </a:tc>
+                <a:tc>
+                  <a:txBody>
+                    <a:bodyPr/>
+                    <a:lstStyle/>
+                    <a:p>
+                      <a:r>
+                        <a:rPr lang="en-US" dirty="0"/>
+                        <a:t>LOW</a:t>
+                      </a:r>
+                    </a:p>
+                  </a:txBody>
+                  <a:tcPr/>
+                </a:tc>
+                <a:extLst>
+                  <a:ext uri="{0D108BD9-81ED-4DB2-BD59-A6C34878D82A}">
+                    <a16:rowId xmlns:a16="http://schemas.microsoft.com/office/drawing/2014/main" val="316164352"/>
+                  </a:ext>
+                </a:extLst>
+              </a:tr>
+              <a:tr h="370840">
+                <a:tc>
+                  <a:txBody>
+                    <a:bodyPr/>
+                    <a:lstStyle/>
+                    <a:p>
+                      <a:r>
+                        <a:rPr lang="en-US" dirty="0"/>
+                        <a:t>2</a:t>
+                      </a:r>
+                    </a:p>
+                  </a:txBody>
+                  <a:tcPr/>
+                </a:tc>
+                <a:tc>
+                  <a:txBody>
+                    <a:bodyPr/>
+                    <a:lstStyle/>
+                    <a:p>
+                      <a:endParaRPr lang="en-US"/>
+                    </a:p>
+                  </a:txBody>
+                  <a:tcPr/>
+                </a:tc>
+                <a:tc>
+                  <a:txBody>
+                    <a:bodyPr/>
+                    <a:lstStyle/>
+                    <a:p>
+                      <a:endParaRPr lang="en-US"/>
+                    </a:p>
+                  </a:txBody>
+                  <a:tcPr/>
+                </a:tc>
+                <a:extLst>
+                  <a:ext uri="{0D108BD9-81ED-4DB2-BD59-A6C34878D82A}">
+                    <a16:rowId xmlns:a16="http://schemas.microsoft.com/office/drawing/2014/main" val="3430008300"/>
+                  </a:ext>
+                </a:extLst>
+              </a:tr>
+              <a:tr h="370840">
+                <a:tc>
+                  <a:txBody>
+                    <a:bodyPr/>
+                    <a:lstStyle/>
+                    <a:p>
+                      <a:endParaRPr lang="en-US"/>
+                    </a:p>
+                  </a:txBody>
+                  <a:tcPr/>
+                </a:tc>
+                <a:tc>
+                  <a:txBody>
+                    <a:bodyPr/>
+                    <a:lstStyle/>
+                    <a:p>
+                      <a:endParaRPr lang="en-US"/>
+                    </a:p>
+                  </a:txBody>
+                  <a:tcPr/>
+                </a:tc>
+                <a:tc>
+                  <a:txBody>
+                    <a:bodyPr/>
+                    <a:lstStyle/>
+                    <a:p>
+                      <a:endParaRPr lang="en-US"/>
+                    </a:p>
+                  </a:txBody>
+                  <a:tcPr/>
+                </a:tc>
+                <a:extLst>
+                  <a:ext uri="{0D108BD9-81ED-4DB2-BD59-A6C34878D82A}">
+                    <a16:rowId xmlns:a16="http://schemas.microsoft.com/office/drawing/2014/main" val="2694787773"/>
+                  </a:ext>
+                </a:extLst>
+              </a:tr>
+              <a:tr h="370840">
+                <a:tc>
+                  <a:txBody>
+                    <a:bodyPr/>
+                    <a:lstStyle/>
+                    <a:p>
+                      <a:endParaRPr lang="en-US"/>
+                    </a:p>
+                  </a:txBody>
+                  <a:tcPr/>
+                </a:tc>
+                <a:tc>
+                  <a:txBody>
+                    <a:bodyPr/>
+                    <a:lstStyle/>
+                    <a:p>
+                      <a:endParaRPr lang="en-US"/>
+                    </a:p>
+                  </a:txBody>
+                  <a:tcPr/>
+                </a:tc>
+                <a:tc>
+                  <a:txBody>
+                    <a:bodyPr/>
+                    <a:lstStyle/>
+                    <a:p>
+                      <a:endParaRPr lang="en-US" dirty="0"/>
+                    </a:p>
+                  </a:txBody>
+                  <a:tcPr/>
+                </a:tc>
+                <a:extLst>
+                  <a:ext uri="{0D108BD9-81ED-4DB2-BD59-A6C34878D82A}">
+                    <a16:rowId xmlns:a16="http://schemas.microsoft.com/office/drawing/2014/main" val="1542663843"/>
+                  </a:ext>
+                </a:extLst>
+              </a:tr>
+            </a:tbl>
+          </a:graphicData>
+        </a:graphic>
+      </p:graphicFrame>
     </p:spTree>
     <p:extLst>
       <p:ext uri="{BB962C8B-B14F-4D97-AF65-F5344CB8AC3E}">
@@ -26926,7 +27482,7 @@
 </p:sld>
 </file>
 
-<file path=ppt/slides/slide52.xml><?xml version="1.0" encoding="utf-8"?>
+<file path=ppt/slides/slide53.xml><?xml version="1.0" encoding="utf-8"?>
 <p:sld xmlns:a="http://schemas.openxmlformats.org/drawingml/2006/main" xmlns:r="http://schemas.openxmlformats.org/officeDocument/2006/relationships" xmlns:p="http://schemas.openxmlformats.org/presentationml/2006/main">
   <p:cSld>
     <p:spTree>
@@ -27039,6 +27595,269 @@
           </a:extLst>
         </p:spPr>
       </p:pic>
+      <p:graphicFrame>
+        <p:nvGraphicFramePr>
+          <p:cNvPr id="5" name="Table 4">
+            <a:extLst>
+              <a:ext uri="{FF2B5EF4-FFF2-40B4-BE49-F238E27FC236}">
+                <a16:creationId xmlns:a16="http://schemas.microsoft.com/office/drawing/2014/main" id="{A640DC79-6BB1-4D79-A42C-BA0C815A1D87}"/>
+              </a:ext>
+            </a:extLst>
+          </p:cNvPr>
+          <p:cNvGraphicFramePr>
+            <a:graphicFrameLocks noGrp="1"/>
+          </p:cNvGraphicFramePr>
+          <p:nvPr>
+            <p:extLst>
+              <p:ext uri="{D42A27DB-BD31-4B8C-83A1-F6EECF244321}">
+                <p14:modId xmlns:p14="http://schemas.microsoft.com/office/powerpoint/2010/main" val="2769968566"/>
+              </p:ext>
+            </p:extLst>
+          </p:nvPr>
+        </p:nvGraphicFramePr>
+        <p:xfrm>
+          <a:off x="5181600" y="4739536"/>
+          <a:ext cx="3657600" cy="1854200"/>
+        </p:xfrm>
+        <a:graphic>
+          <a:graphicData uri="http://schemas.openxmlformats.org/drawingml/2006/table">
+            <a:tbl>
+              <a:tblPr firstRow="1" bandRow="1">
+                <a:tableStyleId>{5C22544A-7EE6-4342-B048-85BDC9FD1C3A}</a:tableStyleId>
+              </a:tblPr>
+              <a:tblGrid>
+                <a:gridCol w="1143000">
+                  <a:extLst>
+                    <a:ext uri="{9D8B030D-6E8A-4147-A177-3AD203B41FA5}">
+                      <a16:colId xmlns:a16="http://schemas.microsoft.com/office/drawing/2014/main" val="179180197"/>
+                    </a:ext>
+                  </a:extLst>
+                </a:gridCol>
+                <a:gridCol w="1066800">
+                  <a:extLst>
+                    <a:ext uri="{9D8B030D-6E8A-4147-A177-3AD203B41FA5}">
+                      <a16:colId xmlns:a16="http://schemas.microsoft.com/office/drawing/2014/main" val="1809103759"/>
+                    </a:ext>
+                  </a:extLst>
+                </a:gridCol>
+                <a:gridCol w="1447800">
+                  <a:extLst>
+                    <a:ext uri="{9D8B030D-6E8A-4147-A177-3AD203B41FA5}">
+                      <a16:colId xmlns:a16="http://schemas.microsoft.com/office/drawing/2014/main" val="927569678"/>
+                    </a:ext>
+                  </a:extLst>
+                </a:gridCol>
+              </a:tblGrid>
+              <a:tr h="370840">
+                <a:tc>
+                  <a:txBody>
+                    <a:bodyPr/>
+                    <a:lstStyle/>
+                    <a:p>
+                      <a:r>
+                        <a:rPr lang="en-US" dirty="0"/>
+                        <a:t># classes</a:t>
+                      </a:r>
+                    </a:p>
+                  </a:txBody>
+                  <a:tcPr/>
+                </a:tc>
+                <a:tc>
+                  <a:txBody>
+                    <a:bodyPr/>
+                    <a:lstStyle/>
+                    <a:p>
+                      <a:r>
+                        <a:rPr lang="en-US" dirty="0"/>
+                        <a:t>coupling</a:t>
+                      </a:r>
+                    </a:p>
+                  </a:txBody>
+                  <a:tcPr/>
+                </a:tc>
+                <a:tc>
+                  <a:txBody>
+                    <a:bodyPr/>
+                    <a:lstStyle/>
+                    <a:p>
+                      <a:r>
+                        <a:rPr lang="en-US" dirty="0"/>
+                        <a:t>cohesion</a:t>
+                      </a:r>
+                    </a:p>
+                  </a:txBody>
+                  <a:tcPr/>
+                </a:tc>
+                <a:extLst>
+                  <a:ext uri="{0D108BD9-81ED-4DB2-BD59-A6C34878D82A}">
+                    <a16:rowId xmlns:a16="http://schemas.microsoft.com/office/drawing/2014/main" val="770469869"/>
+                  </a:ext>
+                </a:extLst>
+              </a:tr>
+              <a:tr h="370840">
+                <a:tc>
+                  <a:txBody>
+                    <a:bodyPr/>
+                    <a:lstStyle/>
+                    <a:p>
+                      <a:r>
+                        <a:rPr lang="en-US" dirty="0"/>
+                        <a:t>1</a:t>
+                      </a:r>
+                    </a:p>
+                  </a:txBody>
+                  <a:tcPr/>
+                </a:tc>
+                <a:tc>
+                  <a:txBody>
+                    <a:bodyPr/>
+                    <a:lstStyle/>
+                    <a:p>
+                      <a:r>
+                        <a:rPr lang="en-US" dirty="0"/>
+                        <a:t>ZERO</a:t>
+                      </a:r>
+                    </a:p>
+                  </a:txBody>
+                  <a:tcPr/>
+                </a:tc>
+                <a:tc>
+                  <a:txBody>
+                    <a:bodyPr/>
+                    <a:lstStyle/>
+                    <a:p>
+                      <a:r>
+                        <a:rPr lang="en-US" dirty="0"/>
+                        <a:t>LOW</a:t>
+                      </a:r>
+                    </a:p>
+                  </a:txBody>
+                  <a:tcPr/>
+                </a:tc>
+                <a:extLst>
+                  <a:ext uri="{0D108BD9-81ED-4DB2-BD59-A6C34878D82A}">
+                    <a16:rowId xmlns:a16="http://schemas.microsoft.com/office/drawing/2014/main" val="316164352"/>
+                  </a:ext>
+                </a:extLst>
+              </a:tr>
+              <a:tr h="370840">
+                <a:tc>
+                  <a:txBody>
+                    <a:bodyPr/>
+                    <a:lstStyle/>
+                    <a:p>
+                      <a:r>
+                        <a:rPr lang="en-US" dirty="0"/>
+                        <a:t>2</a:t>
+                      </a:r>
+                    </a:p>
+                  </a:txBody>
+                  <a:tcPr/>
+                </a:tc>
+                <a:tc>
+                  <a:txBody>
+                    <a:bodyPr/>
+                    <a:lstStyle/>
+                    <a:p>
+                      <a:endParaRPr lang="en-US" dirty="0"/>
+                    </a:p>
+                  </a:txBody>
+                  <a:tcPr/>
+                </a:tc>
+                <a:tc>
+                  <a:txBody>
+                    <a:bodyPr/>
+                    <a:lstStyle/>
+                    <a:p>
+                      <a:endParaRPr lang="en-US"/>
+                    </a:p>
+                  </a:txBody>
+                  <a:tcPr/>
+                </a:tc>
+                <a:extLst>
+                  <a:ext uri="{0D108BD9-81ED-4DB2-BD59-A6C34878D82A}">
+                    <a16:rowId xmlns:a16="http://schemas.microsoft.com/office/drawing/2014/main" val="3430008300"/>
+                  </a:ext>
+                </a:extLst>
+              </a:tr>
+              <a:tr h="370840">
+                <a:tc>
+                  <a:txBody>
+                    <a:bodyPr/>
+                    <a:lstStyle/>
+                    <a:p>
+                      <a:endParaRPr lang="en-US"/>
+                    </a:p>
+                  </a:txBody>
+                  <a:tcPr/>
+                </a:tc>
+                <a:tc>
+                  <a:txBody>
+                    <a:bodyPr/>
+                    <a:lstStyle/>
+                    <a:p>
+                      <a:endParaRPr lang="en-US"/>
+                    </a:p>
+                  </a:txBody>
+                  <a:tcPr/>
+                </a:tc>
+                <a:tc>
+                  <a:txBody>
+                    <a:bodyPr/>
+                    <a:lstStyle/>
+                    <a:p>
+                      <a:endParaRPr lang="en-US"/>
+                    </a:p>
+                  </a:txBody>
+                  <a:tcPr/>
+                </a:tc>
+                <a:extLst>
+                  <a:ext uri="{0D108BD9-81ED-4DB2-BD59-A6C34878D82A}">
+                    <a16:rowId xmlns:a16="http://schemas.microsoft.com/office/drawing/2014/main" val="2694787773"/>
+                  </a:ext>
+                </a:extLst>
+              </a:tr>
+              <a:tr h="370840">
+                <a:tc>
+                  <a:txBody>
+                    <a:bodyPr/>
+                    <a:lstStyle/>
+                    <a:p>
+                      <a:endParaRPr lang="en-US"/>
+                    </a:p>
+                  </a:txBody>
+                  <a:tcPr/>
+                </a:tc>
+                <a:tc>
+                  <a:txBody>
+                    <a:bodyPr/>
+                    <a:lstStyle/>
+                    <a:p>
+                      <a:endParaRPr lang="en-US"/>
+                    </a:p>
+                  </a:txBody>
+                  <a:tcPr/>
+                </a:tc>
+                <a:tc>
+                  <a:txBody>
+                    <a:bodyPr/>
+                    <a:lstStyle/>
+                    <a:p>
+                      <a:endParaRPr lang="en-US" dirty="0"/>
+                    </a:p>
+                  </a:txBody>
+                  <a:tcPr/>
+                </a:tc>
+                <a:extLst>
+                  <a:ext uri="{0D108BD9-81ED-4DB2-BD59-A6C34878D82A}">
+                    <a16:rowId xmlns:a16="http://schemas.microsoft.com/office/drawing/2014/main" val="1542663843"/>
+                  </a:ext>
+                </a:extLst>
+              </a:tr>
+            </a:tbl>
+          </a:graphicData>
+        </a:graphic>
+      </p:graphicFrame>
     </p:spTree>
     <p:extLst>
       <p:ext uri="{BB962C8B-B14F-4D97-AF65-F5344CB8AC3E}">
@@ -27052,7 +27871,7 @@
 </p:sld>
 </file>
 
-<file path=ppt/slides/slide53.xml><?xml version="1.0" encoding="utf-8"?>
+<file path=ppt/slides/slide54.xml><?xml version="1.0" encoding="utf-8"?>
 <p:sld xmlns:a="http://schemas.openxmlformats.org/drawingml/2006/main" xmlns:r="http://schemas.openxmlformats.org/officeDocument/2006/relationships" xmlns:p="http://schemas.openxmlformats.org/presentationml/2006/main">
   <p:cSld>
     <p:spTree>
@@ -27305,6 +28124,278 @@
           </a:extLst>
         </p:spPr>
       </p:pic>
+      <p:graphicFrame>
+        <p:nvGraphicFramePr>
+          <p:cNvPr id="6" name="Table 4">
+            <a:extLst>
+              <a:ext uri="{FF2B5EF4-FFF2-40B4-BE49-F238E27FC236}">
+                <a16:creationId xmlns:a16="http://schemas.microsoft.com/office/drawing/2014/main" id="{09797BD1-D142-4E9B-ACFE-4BF85D1A5D3B}"/>
+              </a:ext>
+            </a:extLst>
+          </p:cNvPr>
+          <p:cNvGraphicFramePr>
+            <a:graphicFrameLocks noGrp="1"/>
+          </p:cNvGraphicFramePr>
+          <p:nvPr>
+            <p:extLst>
+              <p:ext uri="{D42A27DB-BD31-4B8C-83A1-F6EECF244321}">
+                <p14:modId xmlns:p14="http://schemas.microsoft.com/office/powerpoint/2010/main" val="2189614865"/>
+              </p:ext>
+            </p:extLst>
+          </p:nvPr>
+        </p:nvGraphicFramePr>
+        <p:xfrm>
+          <a:off x="5181600" y="4739536"/>
+          <a:ext cx="3657600" cy="1854200"/>
+        </p:xfrm>
+        <a:graphic>
+          <a:graphicData uri="http://schemas.openxmlformats.org/drawingml/2006/table">
+            <a:tbl>
+              <a:tblPr firstRow="1" bandRow="1">
+                <a:tableStyleId>{5C22544A-7EE6-4342-B048-85BDC9FD1C3A}</a:tableStyleId>
+              </a:tblPr>
+              <a:tblGrid>
+                <a:gridCol w="1143000">
+                  <a:extLst>
+                    <a:ext uri="{9D8B030D-6E8A-4147-A177-3AD203B41FA5}">
+                      <a16:colId xmlns:a16="http://schemas.microsoft.com/office/drawing/2014/main" val="179180197"/>
+                    </a:ext>
+                  </a:extLst>
+                </a:gridCol>
+                <a:gridCol w="1066800">
+                  <a:extLst>
+                    <a:ext uri="{9D8B030D-6E8A-4147-A177-3AD203B41FA5}">
+                      <a16:colId xmlns:a16="http://schemas.microsoft.com/office/drawing/2014/main" val="1809103759"/>
+                    </a:ext>
+                  </a:extLst>
+                </a:gridCol>
+                <a:gridCol w="1447800">
+                  <a:extLst>
+                    <a:ext uri="{9D8B030D-6E8A-4147-A177-3AD203B41FA5}">
+                      <a16:colId xmlns:a16="http://schemas.microsoft.com/office/drawing/2014/main" val="927569678"/>
+                    </a:ext>
+                  </a:extLst>
+                </a:gridCol>
+              </a:tblGrid>
+              <a:tr h="370840">
+                <a:tc>
+                  <a:txBody>
+                    <a:bodyPr/>
+                    <a:lstStyle/>
+                    <a:p>
+                      <a:r>
+                        <a:rPr lang="en-US" dirty="0"/>
+                        <a:t># classes</a:t>
+                      </a:r>
+                    </a:p>
+                  </a:txBody>
+                  <a:tcPr/>
+                </a:tc>
+                <a:tc>
+                  <a:txBody>
+                    <a:bodyPr/>
+                    <a:lstStyle/>
+                    <a:p>
+                      <a:r>
+                        <a:rPr lang="en-US" dirty="0"/>
+                        <a:t>coupling</a:t>
+                      </a:r>
+                    </a:p>
+                  </a:txBody>
+                  <a:tcPr/>
+                </a:tc>
+                <a:tc>
+                  <a:txBody>
+                    <a:bodyPr/>
+                    <a:lstStyle/>
+                    <a:p>
+                      <a:r>
+                        <a:rPr lang="en-US" dirty="0"/>
+                        <a:t>cohesion</a:t>
+                      </a:r>
+                    </a:p>
+                  </a:txBody>
+                  <a:tcPr/>
+                </a:tc>
+                <a:extLst>
+                  <a:ext uri="{0D108BD9-81ED-4DB2-BD59-A6C34878D82A}">
+                    <a16:rowId xmlns:a16="http://schemas.microsoft.com/office/drawing/2014/main" val="770469869"/>
+                  </a:ext>
+                </a:extLst>
+              </a:tr>
+              <a:tr h="370840">
+                <a:tc>
+                  <a:txBody>
+                    <a:bodyPr/>
+                    <a:lstStyle/>
+                    <a:p>
+                      <a:r>
+                        <a:rPr lang="en-US" dirty="0"/>
+                        <a:t>1</a:t>
+                      </a:r>
+                    </a:p>
+                  </a:txBody>
+                  <a:tcPr/>
+                </a:tc>
+                <a:tc>
+                  <a:txBody>
+                    <a:bodyPr/>
+                    <a:lstStyle/>
+                    <a:p>
+                      <a:r>
+                        <a:rPr lang="en-US" dirty="0"/>
+                        <a:t>ZERO</a:t>
+                      </a:r>
+                    </a:p>
+                  </a:txBody>
+                  <a:tcPr/>
+                </a:tc>
+                <a:tc>
+                  <a:txBody>
+                    <a:bodyPr/>
+                    <a:lstStyle/>
+                    <a:p>
+                      <a:r>
+                        <a:rPr lang="en-US" dirty="0"/>
+                        <a:t>LOW</a:t>
+                      </a:r>
+                    </a:p>
+                  </a:txBody>
+                  <a:tcPr/>
+                </a:tc>
+                <a:extLst>
+                  <a:ext uri="{0D108BD9-81ED-4DB2-BD59-A6C34878D82A}">
+                    <a16:rowId xmlns:a16="http://schemas.microsoft.com/office/drawing/2014/main" val="316164352"/>
+                  </a:ext>
+                </a:extLst>
+              </a:tr>
+              <a:tr h="370840">
+                <a:tc>
+                  <a:txBody>
+                    <a:bodyPr/>
+                    <a:lstStyle/>
+                    <a:p>
+                      <a:r>
+                        <a:rPr lang="en-US" dirty="0"/>
+                        <a:t>2</a:t>
+                      </a:r>
+                    </a:p>
+                  </a:txBody>
+                  <a:tcPr/>
+                </a:tc>
+                <a:tc>
+                  <a:txBody>
+                    <a:bodyPr/>
+                    <a:lstStyle/>
+                    <a:p>
+                      <a:r>
+                        <a:rPr lang="en-US" dirty="0"/>
+                        <a:t>LOW</a:t>
+                      </a:r>
+                    </a:p>
+                  </a:txBody>
+                  <a:tcPr/>
+                </a:tc>
+                <a:tc>
+                  <a:txBody>
+                    <a:bodyPr/>
+                    <a:lstStyle/>
+                    <a:p>
+                      <a:r>
+                        <a:rPr lang="en-US" dirty="0"/>
+                        <a:t>medium</a:t>
+                      </a:r>
+                    </a:p>
+                  </a:txBody>
+                  <a:tcPr/>
+                </a:tc>
+                <a:extLst>
+                  <a:ext uri="{0D108BD9-81ED-4DB2-BD59-A6C34878D82A}">
+                    <a16:rowId xmlns:a16="http://schemas.microsoft.com/office/drawing/2014/main" val="3430008300"/>
+                  </a:ext>
+                </a:extLst>
+              </a:tr>
+              <a:tr h="370840">
+                <a:tc>
+                  <a:txBody>
+                    <a:bodyPr/>
+                    <a:lstStyle/>
+                    <a:p>
+                      <a:r>
+                        <a:rPr lang="en-US" dirty="0"/>
+                        <a:t>3</a:t>
+                      </a:r>
+                    </a:p>
+                  </a:txBody>
+                  <a:tcPr/>
+                </a:tc>
+                <a:tc>
+                  <a:txBody>
+                    <a:bodyPr/>
+                    <a:lstStyle/>
+                    <a:p>
+                      <a:endParaRPr lang="en-US"/>
+                    </a:p>
+                  </a:txBody>
+                  <a:tcPr/>
+                </a:tc>
+                <a:tc>
+                  <a:txBody>
+                    <a:bodyPr/>
+                    <a:lstStyle/>
+                    <a:p>
+                      <a:endParaRPr lang="en-US"/>
+                    </a:p>
+                  </a:txBody>
+                  <a:tcPr/>
+                </a:tc>
+                <a:extLst>
+                  <a:ext uri="{0D108BD9-81ED-4DB2-BD59-A6C34878D82A}">
+                    <a16:rowId xmlns:a16="http://schemas.microsoft.com/office/drawing/2014/main" val="2694787773"/>
+                  </a:ext>
+                </a:extLst>
+              </a:tr>
+              <a:tr h="370840">
+                <a:tc>
+                  <a:txBody>
+                    <a:bodyPr/>
+                    <a:lstStyle/>
+                    <a:p>
+                      <a:endParaRPr lang="en-US"/>
+                    </a:p>
+                  </a:txBody>
+                  <a:tcPr/>
+                </a:tc>
+                <a:tc>
+                  <a:txBody>
+                    <a:bodyPr/>
+                    <a:lstStyle/>
+                    <a:p>
+                      <a:endParaRPr lang="en-US"/>
+                    </a:p>
+                  </a:txBody>
+                  <a:tcPr/>
+                </a:tc>
+                <a:tc>
+                  <a:txBody>
+                    <a:bodyPr/>
+                    <a:lstStyle/>
+                    <a:p>
+                      <a:endParaRPr lang="en-US" dirty="0"/>
+                    </a:p>
+                  </a:txBody>
+                  <a:tcPr/>
+                </a:tc>
+                <a:extLst>
+                  <a:ext uri="{0D108BD9-81ED-4DB2-BD59-A6C34878D82A}">
+                    <a16:rowId xmlns:a16="http://schemas.microsoft.com/office/drawing/2014/main" val="1542663843"/>
+                  </a:ext>
+                </a:extLst>
+              </a:tr>
+            </a:tbl>
+          </a:graphicData>
+        </a:graphic>
+      </p:graphicFrame>
     </p:spTree>
     <p:extLst>
       <p:ext uri="{BB962C8B-B14F-4D97-AF65-F5344CB8AC3E}">
@@ -27318,7 +28409,7 @@
 </p:sld>
 </file>
 
-<file path=ppt/slides/slide54.xml><?xml version="1.0" encoding="utf-8"?>
+<file path=ppt/slides/slide55.xml><?xml version="1.0" encoding="utf-8"?>
 <p:sld xmlns:a="http://schemas.openxmlformats.org/drawingml/2006/main" xmlns:r="http://schemas.openxmlformats.org/officeDocument/2006/relationships" xmlns:p="http://schemas.openxmlformats.org/presentationml/2006/main">
   <p:cSld>
     <p:spTree>
@@ -27431,6 +28522,278 @@
           </a:extLst>
         </p:spPr>
       </p:pic>
+      <p:graphicFrame>
+        <p:nvGraphicFramePr>
+          <p:cNvPr id="6" name="Table 4">
+            <a:extLst>
+              <a:ext uri="{FF2B5EF4-FFF2-40B4-BE49-F238E27FC236}">
+                <a16:creationId xmlns:a16="http://schemas.microsoft.com/office/drawing/2014/main" id="{8FCB5FE8-C8A0-469F-8068-D94EAE993C59}"/>
+              </a:ext>
+            </a:extLst>
+          </p:cNvPr>
+          <p:cNvGraphicFramePr>
+            <a:graphicFrameLocks noGrp="1"/>
+          </p:cNvGraphicFramePr>
+          <p:nvPr>
+            <p:extLst>
+              <p:ext uri="{D42A27DB-BD31-4B8C-83A1-F6EECF244321}">
+                <p14:modId xmlns:p14="http://schemas.microsoft.com/office/powerpoint/2010/main" val="3821957508"/>
+              </p:ext>
+            </p:extLst>
+          </p:nvPr>
+        </p:nvGraphicFramePr>
+        <p:xfrm>
+          <a:off x="5181600" y="4739536"/>
+          <a:ext cx="3657600" cy="1854200"/>
+        </p:xfrm>
+        <a:graphic>
+          <a:graphicData uri="http://schemas.openxmlformats.org/drawingml/2006/table">
+            <a:tbl>
+              <a:tblPr firstRow="1" bandRow="1">
+                <a:tableStyleId>{5C22544A-7EE6-4342-B048-85BDC9FD1C3A}</a:tableStyleId>
+              </a:tblPr>
+              <a:tblGrid>
+                <a:gridCol w="1143000">
+                  <a:extLst>
+                    <a:ext uri="{9D8B030D-6E8A-4147-A177-3AD203B41FA5}">
+                      <a16:colId xmlns:a16="http://schemas.microsoft.com/office/drawing/2014/main" val="179180197"/>
+                    </a:ext>
+                  </a:extLst>
+                </a:gridCol>
+                <a:gridCol w="1066800">
+                  <a:extLst>
+                    <a:ext uri="{9D8B030D-6E8A-4147-A177-3AD203B41FA5}">
+                      <a16:colId xmlns:a16="http://schemas.microsoft.com/office/drawing/2014/main" val="1809103759"/>
+                    </a:ext>
+                  </a:extLst>
+                </a:gridCol>
+                <a:gridCol w="1447800">
+                  <a:extLst>
+                    <a:ext uri="{9D8B030D-6E8A-4147-A177-3AD203B41FA5}">
+                      <a16:colId xmlns:a16="http://schemas.microsoft.com/office/drawing/2014/main" val="927569678"/>
+                    </a:ext>
+                  </a:extLst>
+                </a:gridCol>
+              </a:tblGrid>
+              <a:tr h="370840">
+                <a:tc>
+                  <a:txBody>
+                    <a:bodyPr/>
+                    <a:lstStyle/>
+                    <a:p>
+                      <a:r>
+                        <a:rPr lang="en-US" dirty="0"/>
+                        <a:t># classes</a:t>
+                      </a:r>
+                    </a:p>
+                  </a:txBody>
+                  <a:tcPr/>
+                </a:tc>
+                <a:tc>
+                  <a:txBody>
+                    <a:bodyPr/>
+                    <a:lstStyle/>
+                    <a:p>
+                      <a:r>
+                        <a:rPr lang="en-US" dirty="0"/>
+                        <a:t>coupling</a:t>
+                      </a:r>
+                    </a:p>
+                  </a:txBody>
+                  <a:tcPr/>
+                </a:tc>
+                <a:tc>
+                  <a:txBody>
+                    <a:bodyPr/>
+                    <a:lstStyle/>
+                    <a:p>
+                      <a:r>
+                        <a:rPr lang="en-US" dirty="0"/>
+                        <a:t>cohesion</a:t>
+                      </a:r>
+                    </a:p>
+                  </a:txBody>
+                  <a:tcPr/>
+                </a:tc>
+                <a:extLst>
+                  <a:ext uri="{0D108BD9-81ED-4DB2-BD59-A6C34878D82A}">
+                    <a16:rowId xmlns:a16="http://schemas.microsoft.com/office/drawing/2014/main" val="770469869"/>
+                  </a:ext>
+                </a:extLst>
+              </a:tr>
+              <a:tr h="370840">
+                <a:tc>
+                  <a:txBody>
+                    <a:bodyPr/>
+                    <a:lstStyle/>
+                    <a:p>
+                      <a:r>
+                        <a:rPr lang="en-US" dirty="0"/>
+                        <a:t>1</a:t>
+                      </a:r>
+                    </a:p>
+                  </a:txBody>
+                  <a:tcPr/>
+                </a:tc>
+                <a:tc>
+                  <a:txBody>
+                    <a:bodyPr/>
+                    <a:lstStyle/>
+                    <a:p>
+                      <a:r>
+                        <a:rPr lang="en-US" dirty="0"/>
+                        <a:t>ZERO</a:t>
+                      </a:r>
+                    </a:p>
+                  </a:txBody>
+                  <a:tcPr/>
+                </a:tc>
+                <a:tc>
+                  <a:txBody>
+                    <a:bodyPr/>
+                    <a:lstStyle/>
+                    <a:p>
+                      <a:r>
+                        <a:rPr lang="en-US" dirty="0"/>
+                        <a:t>LOW</a:t>
+                      </a:r>
+                    </a:p>
+                  </a:txBody>
+                  <a:tcPr/>
+                </a:tc>
+                <a:extLst>
+                  <a:ext uri="{0D108BD9-81ED-4DB2-BD59-A6C34878D82A}">
+                    <a16:rowId xmlns:a16="http://schemas.microsoft.com/office/drawing/2014/main" val="316164352"/>
+                  </a:ext>
+                </a:extLst>
+              </a:tr>
+              <a:tr h="370840">
+                <a:tc>
+                  <a:txBody>
+                    <a:bodyPr/>
+                    <a:lstStyle/>
+                    <a:p>
+                      <a:r>
+                        <a:rPr lang="en-US" dirty="0"/>
+                        <a:t>2</a:t>
+                      </a:r>
+                    </a:p>
+                  </a:txBody>
+                  <a:tcPr/>
+                </a:tc>
+                <a:tc>
+                  <a:txBody>
+                    <a:bodyPr/>
+                    <a:lstStyle/>
+                    <a:p>
+                      <a:r>
+                        <a:rPr lang="en-US" dirty="0"/>
+                        <a:t>LOW</a:t>
+                      </a:r>
+                    </a:p>
+                  </a:txBody>
+                  <a:tcPr/>
+                </a:tc>
+                <a:tc>
+                  <a:txBody>
+                    <a:bodyPr/>
+                    <a:lstStyle/>
+                    <a:p>
+                      <a:r>
+                        <a:rPr lang="en-US" dirty="0"/>
+                        <a:t>medium</a:t>
+                      </a:r>
+                    </a:p>
+                  </a:txBody>
+                  <a:tcPr/>
+                </a:tc>
+                <a:extLst>
+                  <a:ext uri="{0D108BD9-81ED-4DB2-BD59-A6C34878D82A}">
+                    <a16:rowId xmlns:a16="http://schemas.microsoft.com/office/drawing/2014/main" val="3430008300"/>
+                  </a:ext>
+                </a:extLst>
+              </a:tr>
+              <a:tr h="370840">
+                <a:tc>
+                  <a:txBody>
+                    <a:bodyPr/>
+                    <a:lstStyle/>
+                    <a:p>
+                      <a:r>
+                        <a:rPr lang="en-US" dirty="0"/>
+                        <a:t>3</a:t>
+                      </a:r>
+                    </a:p>
+                  </a:txBody>
+                  <a:tcPr/>
+                </a:tc>
+                <a:tc>
+                  <a:txBody>
+                    <a:bodyPr/>
+                    <a:lstStyle/>
+                    <a:p>
+                      <a:endParaRPr lang="en-US" dirty="0"/>
+                    </a:p>
+                  </a:txBody>
+                  <a:tcPr/>
+                </a:tc>
+                <a:tc>
+                  <a:txBody>
+                    <a:bodyPr/>
+                    <a:lstStyle/>
+                    <a:p>
+                      <a:endParaRPr lang="en-US"/>
+                    </a:p>
+                  </a:txBody>
+                  <a:tcPr/>
+                </a:tc>
+                <a:extLst>
+                  <a:ext uri="{0D108BD9-81ED-4DB2-BD59-A6C34878D82A}">
+                    <a16:rowId xmlns:a16="http://schemas.microsoft.com/office/drawing/2014/main" val="2694787773"/>
+                  </a:ext>
+                </a:extLst>
+              </a:tr>
+              <a:tr h="370840">
+                <a:tc>
+                  <a:txBody>
+                    <a:bodyPr/>
+                    <a:lstStyle/>
+                    <a:p>
+                      <a:endParaRPr lang="en-US"/>
+                    </a:p>
+                  </a:txBody>
+                  <a:tcPr/>
+                </a:tc>
+                <a:tc>
+                  <a:txBody>
+                    <a:bodyPr/>
+                    <a:lstStyle/>
+                    <a:p>
+                      <a:endParaRPr lang="en-US"/>
+                    </a:p>
+                  </a:txBody>
+                  <a:tcPr/>
+                </a:tc>
+                <a:tc>
+                  <a:txBody>
+                    <a:bodyPr/>
+                    <a:lstStyle/>
+                    <a:p>
+                      <a:endParaRPr lang="en-US" dirty="0"/>
+                    </a:p>
+                  </a:txBody>
+                  <a:tcPr/>
+                </a:tc>
+                <a:extLst>
+                  <a:ext uri="{0D108BD9-81ED-4DB2-BD59-A6C34878D82A}">
+                    <a16:rowId xmlns:a16="http://schemas.microsoft.com/office/drawing/2014/main" val="1542663843"/>
+                  </a:ext>
+                </a:extLst>
+              </a:tr>
+            </a:tbl>
+          </a:graphicData>
+        </a:graphic>
+      </p:graphicFrame>
     </p:spTree>
     <p:extLst>
       <p:ext uri="{BB962C8B-B14F-4D97-AF65-F5344CB8AC3E}">
@@ -27444,7 +28807,7 @@
 </p:sld>
 </file>
 
-<file path=ppt/slides/slide55.xml><?xml version="1.0" encoding="utf-8"?>
+<file path=ppt/slides/slide56.xml><?xml version="1.0" encoding="utf-8"?>
 <p:sld xmlns:a="http://schemas.openxmlformats.org/drawingml/2006/main" xmlns:r="http://schemas.openxmlformats.org/officeDocument/2006/relationships" xmlns:p="http://schemas.openxmlformats.org/presentationml/2006/main">
   <p:cSld>
     <p:spTree>
@@ -27716,124 +29079,291 @@
           </a:p>
         </p:txBody>
       </p:sp>
+      <p:graphicFrame>
+        <p:nvGraphicFramePr>
+          <p:cNvPr id="6" name="Table 4">
+            <a:extLst>
+              <a:ext uri="{FF2B5EF4-FFF2-40B4-BE49-F238E27FC236}">
+                <a16:creationId xmlns:a16="http://schemas.microsoft.com/office/drawing/2014/main" id="{FA6F0462-8419-47F0-8D76-B5184F835F26}"/>
+              </a:ext>
+            </a:extLst>
+          </p:cNvPr>
+          <p:cNvGraphicFramePr>
+            <a:graphicFrameLocks noGrp="1"/>
+          </p:cNvGraphicFramePr>
+          <p:nvPr>
+            <p:extLst>
+              <p:ext uri="{D42A27DB-BD31-4B8C-83A1-F6EECF244321}">
+                <p14:modId xmlns:p14="http://schemas.microsoft.com/office/powerpoint/2010/main" val="525884481"/>
+              </p:ext>
+            </p:extLst>
+          </p:nvPr>
+        </p:nvGraphicFramePr>
+        <p:xfrm>
+          <a:off x="5181600" y="4739536"/>
+          <a:ext cx="3657600" cy="1854200"/>
+        </p:xfrm>
+        <a:graphic>
+          <a:graphicData uri="http://schemas.openxmlformats.org/drawingml/2006/table">
+            <a:tbl>
+              <a:tblPr firstRow="1" bandRow="1">
+                <a:tableStyleId>{5C22544A-7EE6-4342-B048-85BDC9FD1C3A}</a:tableStyleId>
+              </a:tblPr>
+              <a:tblGrid>
+                <a:gridCol w="1143000">
+                  <a:extLst>
+                    <a:ext uri="{9D8B030D-6E8A-4147-A177-3AD203B41FA5}">
+                      <a16:colId xmlns:a16="http://schemas.microsoft.com/office/drawing/2014/main" val="179180197"/>
+                    </a:ext>
+                  </a:extLst>
+                </a:gridCol>
+                <a:gridCol w="1066800">
+                  <a:extLst>
+                    <a:ext uri="{9D8B030D-6E8A-4147-A177-3AD203B41FA5}">
+                      <a16:colId xmlns:a16="http://schemas.microsoft.com/office/drawing/2014/main" val="1809103759"/>
+                    </a:ext>
+                  </a:extLst>
+                </a:gridCol>
+                <a:gridCol w="1447800">
+                  <a:extLst>
+                    <a:ext uri="{9D8B030D-6E8A-4147-A177-3AD203B41FA5}">
+                      <a16:colId xmlns:a16="http://schemas.microsoft.com/office/drawing/2014/main" val="927569678"/>
+                    </a:ext>
+                  </a:extLst>
+                </a:gridCol>
+              </a:tblGrid>
+              <a:tr h="370840">
+                <a:tc>
+                  <a:txBody>
+                    <a:bodyPr/>
+                    <a:lstStyle/>
+                    <a:p>
+                      <a:r>
+                        <a:rPr lang="en-US" dirty="0"/>
+                        <a:t># classes</a:t>
+                      </a:r>
+                    </a:p>
+                  </a:txBody>
+                  <a:tcPr/>
+                </a:tc>
+                <a:tc>
+                  <a:txBody>
+                    <a:bodyPr/>
+                    <a:lstStyle/>
+                    <a:p>
+                      <a:r>
+                        <a:rPr lang="en-US" dirty="0"/>
+                        <a:t>coupling</a:t>
+                      </a:r>
+                    </a:p>
+                  </a:txBody>
+                  <a:tcPr/>
+                </a:tc>
+                <a:tc>
+                  <a:txBody>
+                    <a:bodyPr/>
+                    <a:lstStyle/>
+                    <a:p>
+                      <a:r>
+                        <a:rPr lang="en-US" dirty="0"/>
+                        <a:t>cohesion</a:t>
+                      </a:r>
+                    </a:p>
+                  </a:txBody>
+                  <a:tcPr/>
+                </a:tc>
+                <a:extLst>
+                  <a:ext uri="{0D108BD9-81ED-4DB2-BD59-A6C34878D82A}">
+                    <a16:rowId xmlns:a16="http://schemas.microsoft.com/office/drawing/2014/main" val="770469869"/>
+                  </a:ext>
+                </a:extLst>
+              </a:tr>
+              <a:tr h="370840">
+                <a:tc>
+                  <a:txBody>
+                    <a:bodyPr/>
+                    <a:lstStyle/>
+                    <a:p>
+                      <a:r>
+                        <a:rPr lang="en-US" dirty="0"/>
+                        <a:t>1</a:t>
+                      </a:r>
+                    </a:p>
+                  </a:txBody>
+                  <a:tcPr/>
+                </a:tc>
+                <a:tc>
+                  <a:txBody>
+                    <a:bodyPr/>
+                    <a:lstStyle/>
+                    <a:p>
+                      <a:r>
+                        <a:rPr lang="en-US" dirty="0"/>
+                        <a:t>ZERO</a:t>
+                      </a:r>
+                    </a:p>
+                  </a:txBody>
+                  <a:tcPr/>
+                </a:tc>
+                <a:tc>
+                  <a:txBody>
+                    <a:bodyPr/>
+                    <a:lstStyle/>
+                    <a:p>
+                      <a:r>
+                        <a:rPr lang="en-US" dirty="0"/>
+                        <a:t>LOW</a:t>
+                      </a:r>
+                    </a:p>
+                  </a:txBody>
+                  <a:tcPr/>
+                </a:tc>
+                <a:extLst>
+                  <a:ext uri="{0D108BD9-81ED-4DB2-BD59-A6C34878D82A}">
+                    <a16:rowId xmlns:a16="http://schemas.microsoft.com/office/drawing/2014/main" val="316164352"/>
+                  </a:ext>
+                </a:extLst>
+              </a:tr>
+              <a:tr h="370840">
+                <a:tc>
+                  <a:txBody>
+                    <a:bodyPr/>
+                    <a:lstStyle/>
+                    <a:p>
+                      <a:r>
+                        <a:rPr lang="en-US" dirty="0"/>
+                        <a:t>2</a:t>
+                      </a:r>
+                    </a:p>
+                  </a:txBody>
+                  <a:tcPr/>
+                </a:tc>
+                <a:tc>
+                  <a:txBody>
+                    <a:bodyPr/>
+                    <a:lstStyle/>
+                    <a:p>
+                      <a:r>
+                        <a:rPr lang="en-US" dirty="0"/>
+                        <a:t>LOW</a:t>
+                      </a:r>
+                    </a:p>
+                  </a:txBody>
+                  <a:tcPr/>
+                </a:tc>
+                <a:tc>
+                  <a:txBody>
+                    <a:bodyPr/>
+                    <a:lstStyle/>
+                    <a:p>
+                      <a:r>
+                        <a:rPr lang="en-US" dirty="0"/>
+                        <a:t>medium</a:t>
+                      </a:r>
+                    </a:p>
+                  </a:txBody>
+                  <a:tcPr/>
+                </a:tc>
+                <a:extLst>
+                  <a:ext uri="{0D108BD9-81ED-4DB2-BD59-A6C34878D82A}">
+                    <a16:rowId xmlns:a16="http://schemas.microsoft.com/office/drawing/2014/main" val="3430008300"/>
+                  </a:ext>
+                </a:extLst>
+              </a:tr>
+              <a:tr h="370840">
+                <a:tc>
+                  <a:txBody>
+                    <a:bodyPr/>
+                    <a:lstStyle/>
+                    <a:p>
+                      <a:r>
+                        <a:rPr lang="en-US" dirty="0"/>
+                        <a:t>3</a:t>
+                      </a:r>
+                    </a:p>
+                  </a:txBody>
+                  <a:tcPr/>
+                </a:tc>
+                <a:tc>
+                  <a:txBody>
+                    <a:bodyPr/>
+                    <a:lstStyle/>
+                    <a:p>
+                      <a:r>
+                        <a:rPr lang="en-US" dirty="0"/>
+                        <a:t>LOW</a:t>
+                      </a:r>
+                    </a:p>
+                  </a:txBody>
+                  <a:tcPr/>
+                </a:tc>
+                <a:tc>
+                  <a:txBody>
+                    <a:bodyPr/>
+                    <a:lstStyle/>
+                    <a:p>
+                      <a:r>
+                        <a:rPr lang="en-US" dirty="0"/>
+                        <a:t>high</a:t>
+                      </a:r>
+                    </a:p>
+                  </a:txBody>
+                  <a:tcPr/>
+                </a:tc>
+                <a:extLst>
+                  <a:ext uri="{0D108BD9-81ED-4DB2-BD59-A6C34878D82A}">
+                    <a16:rowId xmlns:a16="http://schemas.microsoft.com/office/drawing/2014/main" val="2694787773"/>
+                  </a:ext>
+                </a:extLst>
+              </a:tr>
+              <a:tr h="370840">
+                <a:tc>
+                  <a:txBody>
+                    <a:bodyPr/>
+                    <a:lstStyle/>
+                    <a:p>
+                      <a:r>
+                        <a:rPr lang="en-US" dirty="0"/>
+                        <a:t>6</a:t>
+                      </a:r>
+                    </a:p>
+                  </a:txBody>
+                  <a:tcPr/>
+                </a:tc>
+                <a:tc>
+                  <a:txBody>
+                    <a:bodyPr/>
+                    <a:lstStyle/>
+                    <a:p>
+                      <a:endParaRPr lang="en-US"/>
+                    </a:p>
+                  </a:txBody>
+                  <a:tcPr/>
+                </a:tc>
+                <a:tc>
+                  <a:txBody>
+                    <a:bodyPr/>
+                    <a:lstStyle/>
+                    <a:p>
+                      <a:endParaRPr lang="en-US" dirty="0"/>
+                    </a:p>
+                  </a:txBody>
+                  <a:tcPr/>
+                </a:tc>
+                <a:extLst>
+                  <a:ext uri="{0D108BD9-81ED-4DB2-BD59-A6C34878D82A}">
+                    <a16:rowId xmlns:a16="http://schemas.microsoft.com/office/drawing/2014/main" val="1542663843"/>
+                  </a:ext>
+                </a:extLst>
+              </a:tr>
+            </a:tbl>
+          </a:graphicData>
+        </a:graphic>
+      </p:graphicFrame>
     </p:spTree>
     <p:extLst>
       <p:ext uri="{BB962C8B-B14F-4D97-AF65-F5344CB8AC3E}">
         <p14:creationId xmlns:p14="http://schemas.microsoft.com/office/powerpoint/2010/main" val="2507408026"/>
-      </p:ext>
-    </p:extLst>
-  </p:cSld>
-  <p:clrMapOvr>
-    <a:masterClrMapping/>
-  </p:clrMapOvr>
-</p:sld>
-</file>
-
-<file path=ppt/slides/slide56.xml><?xml version="1.0" encoding="utf-8"?>
-<p:sld xmlns:a="http://schemas.openxmlformats.org/drawingml/2006/main" xmlns:r="http://schemas.openxmlformats.org/officeDocument/2006/relationships" xmlns:p="http://schemas.openxmlformats.org/presentationml/2006/main">
-  <p:cSld>
-    <p:spTree>
-      <p:nvGrpSpPr>
-        <p:cNvPr id="1" name=""/>
-        <p:cNvGrpSpPr/>
-        <p:nvPr/>
-      </p:nvGrpSpPr>
-      <p:grpSpPr>
-        <a:xfrm>
-          <a:off x="0" y="0"/>
-          <a:ext cx="0" cy="0"/>
-          <a:chOff x="0" y="0"/>
-          <a:chExt cx="0" cy="0"/>
-        </a:xfrm>
-      </p:grpSpPr>
-      <p:sp>
-        <p:nvSpPr>
-          <p:cNvPr id="2" name="Title 1"/>
-          <p:cNvSpPr>
-            <a:spLocks noGrp="1"/>
-          </p:cNvSpPr>
-          <p:nvPr>
-            <p:ph type="title"/>
-          </p:nvPr>
-        </p:nvSpPr>
-        <p:spPr/>
-        <p:txBody>
-          <a:bodyPr/>
-          <a:lstStyle/>
-          <a:p>
-            <a:r>
-              <a:rPr lang="en-US" dirty="0"/>
-              <a:t>Note that</a:t>
-            </a:r>
-          </a:p>
-        </p:txBody>
-      </p:sp>
-      <p:sp>
-        <p:nvSpPr>
-          <p:cNvPr id="3" name="Content Placeholder 2"/>
-          <p:cNvSpPr>
-            <a:spLocks noGrp="1"/>
-          </p:cNvSpPr>
-          <p:nvPr>
-            <p:ph idx="1"/>
-          </p:nvPr>
-        </p:nvSpPr>
-        <p:spPr/>
-        <p:txBody>
-          <a:bodyPr/>
-          <a:lstStyle/>
-          <a:p>
-            <a:r>
-              <a:rPr lang="en-US" dirty="0"/>
-              <a:t>Cohesion makes us want: </a:t>
-            </a:r>
-          </a:p>
-          <a:p>
-            <a:pPr lvl="1"/>
-            <a:r>
-              <a:rPr lang="en-US" dirty="0"/>
-              <a:t>Many smaller classes</a:t>
-            </a:r>
-          </a:p>
-          <a:p>
-            <a:pPr lvl="1"/>
-            <a:r>
-              <a:rPr lang="en-US" dirty="0"/>
-              <a:t>Classes that do only one thing well</a:t>
-            </a:r>
-          </a:p>
-          <a:p>
-            <a:r>
-              <a:rPr lang="en-US" dirty="0"/>
-              <a:t>If classes are too small</a:t>
-            </a:r>
-          </a:p>
-          <a:p>
-            <a:pPr lvl="1"/>
-            <a:r>
-              <a:rPr lang="en-US" dirty="0"/>
-              <a:t>Tend to need to depend on each other</a:t>
-            </a:r>
-          </a:p>
-          <a:p>
-            <a:pPr lvl="1"/>
-            <a:r>
-              <a:rPr lang="en-US" dirty="0"/>
-              <a:t>Coupling rises</a:t>
-            </a:r>
-          </a:p>
-          <a:p>
-            <a:r>
-              <a:rPr lang="en-US" dirty="0"/>
-              <a:t>Want “Goldilocks” design</a:t>
-            </a:r>
-          </a:p>
-        </p:txBody>
-      </p:sp>
-    </p:spTree>
-    <p:extLst>
-      <p:ext uri="{BB962C8B-B14F-4D97-AF65-F5344CB8AC3E}">
-        <p14:creationId xmlns:p14="http://schemas.microsoft.com/office/powerpoint/2010/main" val="2484767416"/>
       </p:ext>
     </p:extLst>
   </p:cSld>
@@ -27877,6 +29407,459 @@
           <a:p>
             <a:r>
               <a:rPr lang="en-US" dirty="0"/>
+              <a:t>Note that</a:t>
+            </a:r>
+          </a:p>
+        </p:txBody>
+      </p:sp>
+      <p:sp>
+        <p:nvSpPr>
+          <p:cNvPr id="3" name="Content Placeholder 2"/>
+          <p:cNvSpPr>
+            <a:spLocks noGrp="1"/>
+          </p:cNvSpPr>
+          <p:nvPr>
+            <p:ph idx="1"/>
+          </p:nvPr>
+        </p:nvSpPr>
+        <p:spPr/>
+        <p:txBody>
+          <a:bodyPr/>
+          <a:lstStyle/>
+          <a:p>
+            <a:r>
+              <a:rPr lang="en-US" dirty="0"/>
+              <a:t>Cohesion makes us want: </a:t>
+            </a:r>
+          </a:p>
+          <a:p>
+            <a:pPr lvl="1"/>
+            <a:r>
+              <a:rPr lang="en-US" dirty="0"/>
+              <a:t>Many smaller classes</a:t>
+            </a:r>
+          </a:p>
+          <a:p>
+            <a:pPr lvl="1"/>
+            <a:r>
+              <a:rPr lang="en-US" dirty="0"/>
+              <a:t>Classes that do only one thing well</a:t>
+            </a:r>
+          </a:p>
+          <a:p>
+            <a:r>
+              <a:rPr lang="en-US" dirty="0"/>
+              <a:t>If classes are too small</a:t>
+            </a:r>
+          </a:p>
+          <a:p>
+            <a:pPr lvl="1"/>
+            <a:r>
+              <a:rPr lang="en-US" dirty="0"/>
+              <a:t>Tend to need to depend on each other</a:t>
+            </a:r>
+          </a:p>
+          <a:p>
+            <a:pPr lvl="1"/>
+            <a:r>
+              <a:rPr lang="en-US" dirty="0"/>
+              <a:t>Coupling rises</a:t>
+            </a:r>
+          </a:p>
+          <a:p>
+            <a:r>
+              <a:rPr lang="en-US" dirty="0"/>
+              <a:t>Want “Goldilocks” design</a:t>
+            </a:r>
+          </a:p>
+        </p:txBody>
+      </p:sp>
+      <p:graphicFrame>
+        <p:nvGraphicFramePr>
+          <p:cNvPr id="4" name="Table 4">
+            <a:extLst>
+              <a:ext uri="{FF2B5EF4-FFF2-40B4-BE49-F238E27FC236}">
+                <a16:creationId xmlns:a16="http://schemas.microsoft.com/office/drawing/2014/main" id="{D9EEAE21-ED8F-4A3E-A90B-7DEC5CEA7BAF}"/>
+              </a:ext>
+            </a:extLst>
+          </p:cNvPr>
+          <p:cNvGraphicFramePr>
+            <a:graphicFrameLocks noGrp="1"/>
+          </p:cNvGraphicFramePr>
+          <p:nvPr>
+            <p:extLst>
+              <p:ext uri="{D42A27DB-BD31-4B8C-83A1-F6EECF244321}">
+                <p14:modId xmlns:p14="http://schemas.microsoft.com/office/powerpoint/2010/main" val="3197130656"/>
+              </p:ext>
+            </p:extLst>
+          </p:nvPr>
+        </p:nvGraphicFramePr>
+        <p:xfrm>
+          <a:off x="5181600" y="4739536"/>
+          <a:ext cx="3657600" cy="1854200"/>
+        </p:xfrm>
+        <a:graphic>
+          <a:graphicData uri="http://schemas.openxmlformats.org/drawingml/2006/table">
+            <a:tbl>
+              <a:tblPr firstRow="1" bandRow="1">
+                <a:tableStyleId>{5C22544A-7EE6-4342-B048-85BDC9FD1C3A}</a:tableStyleId>
+              </a:tblPr>
+              <a:tblGrid>
+                <a:gridCol w="1143000">
+                  <a:extLst>
+                    <a:ext uri="{9D8B030D-6E8A-4147-A177-3AD203B41FA5}">
+                      <a16:colId xmlns:a16="http://schemas.microsoft.com/office/drawing/2014/main" val="179180197"/>
+                    </a:ext>
+                  </a:extLst>
+                </a:gridCol>
+                <a:gridCol w="1066800">
+                  <a:extLst>
+                    <a:ext uri="{9D8B030D-6E8A-4147-A177-3AD203B41FA5}">
+                      <a16:colId xmlns:a16="http://schemas.microsoft.com/office/drawing/2014/main" val="1809103759"/>
+                    </a:ext>
+                  </a:extLst>
+                </a:gridCol>
+                <a:gridCol w="1447800">
+                  <a:extLst>
+                    <a:ext uri="{9D8B030D-6E8A-4147-A177-3AD203B41FA5}">
+                      <a16:colId xmlns:a16="http://schemas.microsoft.com/office/drawing/2014/main" val="927569678"/>
+                    </a:ext>
+                  </a:extLst>
+                </a:gridCol>
+              </a:tblGrid>
+              <a:tr h="370840">
+                <a:tc>
+                  <a:txBody>
+                    <a:bodyPr/>
+                    <a:lstStyle/>
+                    <a:p>
+                      <a:r>
+                        <a:rPr lang="en-US" dirty="0"/>
+                        <a:t># classes</a:t>
+                      </a:r>
+                    </a:p>
+                  </a:txBody>
+                  <a:tcPr/>
+                </a:tc>
+                <a:tc>
+                  <a:txBody>
+                    <a:bodyPr/>
+                    <a:lstStyle/>
+                    <a:p>
+                      <a:r>
+                        <a:rPr lang="en-US" dirty="0"/>
+                        <a:t>coupling</a:t>
+                      </a:r>
+                    </a:p>
+                  </a:txBody>
+                  <a:tcPr/>
+                </a:tc>
+                <a:tc>
+                  <a:txBody>
+                    <a:bodyPr/>
+                    <a:lstStyle/>
+                    <a:p>
+                      <a:r>
+                        <a:rPr lang="en-US" dirty="0"/>
+                        <a:t>cohesion</a:t>
+                      </a:r>
+                    </a:p>
+                  </a:txBody>
+                  <a:tcPr/>
+                </a:tc>
+                <a:extLst>
+                  <a:ext uri="{0D108BD9-81ED-4DB2-BD59-A6C34878D82A}">
+                    <a16:rowId xmlns:a16="http://schemas.microsoft.com/office/drawing/2014/main" val="770469869"/>
+                  </a:ext>
+                </a:extLst>
+              </a:tr>
+              <a:tr h="370840">
+                <a:tc>
+                  <a:txBody>
+                    <a:bodyPr/>
+                    <a:lstStyle/>
+                    <a:p>
+                      <a:r>
+                        <a:rPr lang="en-US" dirty="0"/>
+                        <a:t>1</a:t>
+                      </a:r>
+                    </a:p>
+                  </a:txBody>
+                  <a:tcPr/>
+                </a:tc>
+                <a:tc>
+                  <a:txBody>
+                    <a:bodyPr/>
+                    <a:lstStyle/>
+                    <a:p>
+                      <a:r>
+                        <a:rPr lang="en-US" dirty="0"/>
+                        <a:t>ZERO</a:t>
+                      </a:r>
+                    </a:p>
+                  </a:txBody>
+                  <a:tcPr/>
+                </a:tc>
+                <a:tc>
+                  <a:txBody>
+                    <a:bodyPr/>
+                    <a:lstStyle/>
+                    <a:p>
+                      <a:r>
+                        <a:rPr lang="en-US" dirty="0"/>
+                        <a:t>LOW</a:t>
+                      </a:r>
+                    </a:p>
+                  </a:txBody>
+                  <a:tcPr/>
+                </a:tc>
+                <a:extLst>
+                  <a:ext uri="{0D108BD9-81ED-4DB2-BD59-A6C34878D82A}">
+                    <a16:rowId xmlns:a16="http://schemas.microsoft.com/office/drawing/2014/main" val="316164352"/>
+                  </a:ext>
+                </a:extLst>
+              </a:tr>
+              <a:tr h="370840">
+                <a:tc>
+                  <a:txBody>
+                    <a:bodyPr/>
+                    <a:lstStyle/>
+                    <a:p>
+                      <a:r>
+                        <a:rPr lang="en-US" dirty="0"/>
+                        <a:t>2</a:t>
+                      </a:r>
+                    </a:p>
+                  </a:txBody>
+                  <a:tcPr/>
+                </a:tc>
+                <a:tc>
+                  <a:txBody>
+                    <a:bodyPr/>
+                    <a:lstStyle/>
+                    <a:p>
+                      <a:r>
+                        <a:rPr lang="en-US" dirty="0"/>
+                        <a:t>LOW</a:t>
+                      </a:r>
+                    </a:p>
+                  </a:txBody>
+                  <a:tcPr/>
+                </a:tc>
+                <a:tc>
+                  <a:txBody>
+                    <a:bodyPr/>
+                    <a:lstStyle/>
+                    <a:p>
+                      <a:r>
+                        <a:rPr lang="en-US" dirty="0"/>
+                        <a:t>medium</a:t>
+                      </a:r>
+                    </a:p>
+                  </a:txBody>
+                  <a:tcPr/>
+                </a:tc>
+                <a:extLst>
+                  <a:ext uri="{0D108BD9-81ED-4DB2-BD59-A6C34878D82A}">
+                    <a16:rowId xmlns:a16="http://schemas.microsoft.com/office/drawing/2014/main" val="3430008300"/>
+                  </a:ext>
+                </a:extLst>
+              </a:tr>
+              <a:tr h="370840">
+                <a:tc>
+                  <a:txBody>
+                    <a:bodyPr/>
+                    <a:lstStyle/>
+                    <a:p>
+                      <a:r>
+                        <a:rPr lang="en-US" dirty="0"/>
+                        <a:t>3</a:t>
+                      </a:r>
+                    </a:p>
+                  </a:txBody>
+                  <a:tcPr/>
+                </a:tc>
+                <a:tc>
+                  <a:txBody>
+                    <a:bodyPr/>
+                    <a:lstStyle/>
+                    <a:p>
+                      <a:r>
+                        <a:rPr lang="en-US" dirty="0"/>
+                        <a:t>LOW</a:t>
+                      </a:r>
+                    </a:p>
+                  </a:txBody>
+                  <a:tcPr/>
+                </a:tc>
+                <a:tc>
+                  <a:txBody>
+                    <a:bodyPr/>
+                    <a:lstStyle/>
+                    <a:p>
+                      <a:r>
+                        <a:rPr lang="en-US" dirty="0"/>
+                        <a:t>high</a:t>
+                      </a:r>
+                    </a:p>
+                  </a:txBody>
+                  <a:tcPr/>
+                </a:tc>
+                <a:extLst>
+                  <a:ext uri="{0D108BD9-81ED-4DB2-BD59-A6C34878D82A}">
+                    <a16:rowId xmlns:a16="http://schemas.microsoft.com/office/drawing/2014/main" val="2694787773"/>
+                  </a:ext>
+                </a:extLst>
+              </a:tr>
+              <a:tr h="370840">
+                <a:tc>
+                  <a:txBody>
+                    <a:bodyPr/>
+                    <a:lstStyle/>
+                    <a:p>
+                      <a:r>
+                        <a:rPr lang="en-US" dirty="0"/>
+                        <a:t>6</a:t>
+                      </a:r>
+                    </a:p>
+                  </a:txBody>
+                  <a:tcPr/>
+                </a:tc>
+                <a:tc>
+                  <a:txBody>
+                    <a:bodyPr/>
+                    <a:lstStyle/>
+                    <a:p>
+                      <a:r>
+                        <a:rPr lang="en-US" dirty="0"/>
+                        <a:t>HIGH</a:t>
+                      </a:r>
+                    </a:p>
+                  </a:txBody>
+                  <a:tcPr/>
+                </a:tc>
+                <a:tc>
+                  <a:txBody>
+                    <a:bodyPr/>
+                    <a:lstStyle/>
+                    <a:p>
+                      <a:r>
+                        <a:rPr lang="en-US" dirty="0"/>
+                        <a:t>HIGH</a:t>
+                      </a:r>
+                    </a:p>
+                  </a:txBody>
+                  <a:tcPr/>
+                </a:tc>
+                <a:extLst>
+                  <a:ext uri="{0D108BD9-81ED-4DB2-BD59-A6C34878D82A}">
+                    <a16:rowId xmlns:a16="http://schemas.microsoft.com/office/drawing/2014/main" val="1542663843"/>
+                  </a:ext>
+                </a:extLst>
+              </a:tr>
+            </a:tbl>
+          </a:graphicData>
+        </a:graphic>
+      </p:graphicFrame>
+      <p:sp>
+        <p:nvSpPr>
+          <p:cNvPr id="5" name="Rectangle: Rounded Corners 4">
+            <a:extLst>
+              <a:ext uri="{FF2B5EF4-FFF2-40B4-BE49-F238E27FC236}">
+                <a16:creationId xmlns:a16="http://schemas.microsoft.com/office/drawing/2014/main" id="{DB51FEE8-4995-4F7B-A941-12763EEB19D2}"/>
+              </a:ext>
+            </a:extLst>
+          </p:cNvPr>
+          <p:cNvSpPr/>
+          <p:nvPr/>
+        </p:nvSpPr>
+        <p:spPr>
+          <a:xfrm>
+            <a:off x="5181600" y="5410200"/>
+            <a:ext cx="3733800" cy="838200"/>
+          </a:xfrm>
+          <a:prstGeom prst="roundRect">
+            <a:avLst/>
+          </a:prstGeom>
+          <a:noFill/>
+          <a:ln>
+            <a:solidFill>
+              <a:srgbClr val="FF0000"/>
+            </a:solidFill>
+          </a:ln>
+        </p:spPr>
+        <p:style>
+          <a:lnRef idx="2">
+            <a:schemeClr val="accent1">
+              <a:shade val="50000"/>
+            </a:schemeClr>
+          </a:lnRef>
+          <a:fillRef idx="1">
+            <a:schemeClr val="accent1"/>
+          </a:fillRef>
+          <a:effectRef idx="0">
+            <a:schemeClr val="accent1"/>
+          </a:effectRef>
+          <a:fontRef idx="minor">
+            <a:schemeClr val="lt1"/>
+          </a:fontRef>
+        </p:style>
+        <p:txBody>
+          <a:bodyPr rtlCol="0" anchor="ctr"/>
+          <a:lstStyle/>
+          <a:p>
+            <a:pPr algn="ctr"/>
+            <a:endParaRPr lang="en-US"/>
+          </a:p>
+        </p:txBody>
+      </p:sp>
+    </p:spTree>
+    <p:extLst>
+      <p:ext uri="{BB962C8B-B14F-4D97-AF65-F5344CB8AC3E}">
+        <p14:creationId xmlns:p14="http://schemas.microsoft.com/office/powerpoint/2010/main" val="2484767416"/>
+      </p:ext>
+    </p:extLst>
+  </p:cSld>
+  <p:clrMapOvr>
+    <a:masterClrMapping/>
+  </p:clrMapOvr>
+</p:sld>
+</file>
+
+<file path=ppt/slides/slide58.xml><?xml version="1.0" encoding="utf-8"?>
+<p:sld xmlns:a="http://schemas.openxmlformats.org/drawingml/2006/main" xmlns:r="http://schemas.openxmlformats.org/officeDocument/2006/relationships" xmlns:p="http://schemas.openxmlformats.org/presentationml/2006/main">
+  <p:cSld>
+    <p:spTree>
+      <p:nvGrpSpPr>
+        <p:cNvPr id="1" name=""/>
+        <p:cNvGrpSpPr/>
+        <p:nvPr/>
+      </p:nvGrpSpPr>
+      <p:grpSpPr>
+        <a:xfrm>
+          <a:off x="0" y="0"/>
+          <a:ext cx="0" cy="0"/>
+          <a:chOff x="0" y="0"/>
+          <a:chExt cx="0" cy="0"/>
+        </a:xfrm>
+      </p:grpSpPr>
+      <p:sp>
+        <p:nvSpPr>
+          <p:cNvPr id="2" name="Title 1"/>
+          <p:cNvSpPr>
+            <a:spLocks noGrp="1"/>
+          </p:cNvSpPr>
+          <p:nvPr>
+            <p:ph type="title"/>
+          </p:nvPr>
+        </p:nvSpPr>
+        <p:spPr/>
+        <p:txBody>
+          <a:bodyPr/>
+          <a:lstStyle/>
+          <a:p>
+            <a:r>
+              <a:rPr lang="en-US" dirty="0"/>
               <a:t>Reminder</a:t>
             </a:r>
           </a:p>
@@ -27961,6 +29944,229 @@
 </file>
 
 <file path=ppt/slides/slide6.xml><?xml version="1.0" encoding="utf-8"?>
+<p:sld xmlns:a="http://schemas.openxmlformats.org/drawingml/2006/main" xmlns:r="http://schemas.openxmlformats.org/officeDocument/2006/relationships" xmlns:p="http://schemas.openxmlformats.org/presentationml/2006/main">
+  <p:cSld>
+    <p:spTree>
+      <p:nvGrpSpPr>
+        <p:cNvPr id="1" name=""/>
+        <p:cNvGrpSpPr/>
+        <p:nvPr/>
+      </p:nvGrpSpPr>
+      <p:grpSpPr>
+        <a:xfrm>
+          <a:off x="0" y="0"/>
+          <a:ext cx="0" cy="0"/>
+          <a:chOff x="0" y="0"/>
+          <a:chExt cx="0" cy="0"/>
+        </a:xfrm>
+      </p:grpSpPr>
+      <p:sp>
+        <p:nvSpPr>
+          <p:cNvPr id="5" name="Rectangle 4"/>
+          <p:cNvSpPr/>
+          <p:nvPr/>
+        </p:nvSpPr>
+        <p:spPr>
+          <a:xfrm>
+            <a:off x="76200" y="152400"/>
+            <a:ext cx="8839200" cy="2308324"/>
+          </a:xfrm>
+          <a:prstGeom prst="rect">
+            <a:avLst/>
+          </a:prstGeom>
+        </p:spPr>
+        <p:txBody>
+          <a:bodyPr wrap="square">
+            <a:spAutoFit/>
+          </a:bodyPr>
+          <a:lstStyle/>
+          <a:p>
+            <a:r>
+              <a:rPr lang="en-US" b="1" dirty="0">
+                <a:solidFill>
+                  <a:srgbClr val="000000"/>
+                </a:solidFill>
+                <a:latin typeface="Arial" panose="020B0604020202020204" pitchFamily="34" charset="0"/>
+              </a:rPr>
+              <a:t>Employee Hour Tracker Problem</a:t>
+            </a:r>
+            <a:r>
+              <a:rPr lang="en-US" dirty="0">
+                <a:solidFill>
+                  <a:srgbClr val="000000"/>
+                </a:solidFill>
+                <a:latin typeface="Arial" panose="020B0604020202020204" pitchFamily="34" charset="0"/>
+              </a:rPr>
+              <a:t>: A system tracks employee hours at a particular company.  Every time any employee starts work and stops work, the system must log it so the employee can be paid correctly and so management knows who was working when.  The system must also print out a weekly pay report for each employee which includes total hours, the employee's name, social security number, and employee id.</a:t>
+            </a:r>
+            <a:endParaRPr lang="en-US" dirty="0"/>
+          </a:p>
+          <a:p>
+            <a:br>
+              <a:rPr lang="en-US" dirty="0"/>
+            </a:br>
+            <a:endParaRPr lang="en-US" dirty="0"/>
+          </a:p>
+        </p:txBody>
+      </p:sp>
+      <p:pic>
+        <p:nvPicPr>
+          <p:cNvPr id="1028" name="Picture 4" descr="https://lh6.googleusercontent.com/I386rjyYmFDd_Ln3ujOTcIgnlVxeH-rcie-CGlD1glhMmS0MDbjaT8HkyidiqwQ58i2uJm3QXFrnQK3A22_U6tE23ErPwclKKyfNyeMwjR-kLOV7yGW7YBn8DxD21xrF2IBk1vAo">
+            <a:hlinkClick r:id="rId2"/>
+          </p:cNvPr>
+          <p:cNvPicPr>
+            <a:picLocks noChangeAspect="1" noChangeArrowheads="1"/>
+          </p:cNvPicPr>
+          <p:nvPr/>
+        </p:nvPicPr>
+        <p:blipFill>
+          <a:blip r:embed="rId3">
+            <a:extLst>
+              <a:ext uri="{28A0092B-C50C-407E-A947-70E740481C1C}">
+                <a14:useLocalDpi xmlns:a14="http://schemas.microsoft.com/office/drawing/2010/main" val="0"/>
+              </a:ext>
+            </a:extLst>
+          </a:blip>
+          <a:srcRect/>
+          <a:stretch>
+            <a:fillRect/>
+          </a:stretch>
+        </p:blipFill>
+        <p:spPr bwMode="auto">
+          <a:xfrm>
+            <a:off x="228600" y="1981200"/>
+            <a:ext cx="8305800" cy="1876793"/>
+          </a:xfrm>
+          <a:prstGeom prst="rect">
+            <a:avLst/>
+          </a:prstGeom>
+          <a:noFill/>
+          <a:extLst>
+            <a:ext uri="{909E8E84-426E-40DD-AFC4-6F175D3DCCD1}">
+              <a14:hiddenFill xmlns:a14="http://schemas.microsoft.com/office/drawing/2010/main">
+                <a:solidFill>
+                  <a:srgbClr val="FFFFFF"/>
+                </a:solidFill>
+              </a14:hiddenFill>
+            </a:ext>
+          </a:extLst>
+        </p:spPr>
+      </p:pic>
+      <p:pic>
+        <p:nvPicPr>
+          <p:cNvPr id="1032" name="Picture 8" descr="https://lh5.googleusercontent.com/FnI619sPRC6cODebnhDmq3aB3FmsphAKH4jOVgyoZTsMudHgQ_NG-yTnPJicwH-dv7k0nr0h1_qyYaacZGwRWVtY5qyw5wcQ5jx_MkvhRnHPPHMivCbjqIFs2kuifWVpRG-5-uLh">
+            <a:hlinkClick r:id="rId4"/>
+          </p:cNvPr>
+          <p:cNvPicPr>
+            <a:picLocks noChangeAspect="1" noChangeArrowheads="1"/>
+          </p:cNvPicPr>
+          <p:nvPr/>
+        </p:nvPicPr>
+        <p:blipFill>
+          <a:blip r:embed="rId5">
+            <a:extLst>
+              <a:ext uri="{28A0092B-C50C-407E-A947-70E740481C1C}">
+                <a14:useLocalDpi xmlns:a14="http://schemas.microsoft.com/office/drawing/2010/main" val="0"/>
+              </a:ext>
+            </a:extLst>
+          </a:blip>
+          <a:srcRect/>
+          <a:stretch>
+            <a:fillRect/>
+          </a:stretch>
+        </p:blipFill>
+        <p:spPr bwMode="auto">
+          <a:xfrm>
+            <a:off x="228600" y="4210260"/>
+            <a:ext cx="8327751" cy="2362200"/>
+          </a:xfrm>
+          <a:prstGeom prst="rect">
+            <a:avLst/>
+          </a:prstGeom>
+          <a:noFill/>
+          <a:extLst>
+            <a:ext uri="{909E8E84-426E-40DD-AFC4-6F175D3DCCD1}">
+              <a14:hiddenFill xmlns:a14="http://schemas.microsoft.com/office/drawing/2010/main">
+                <a:solidFill>
+                  <a:srgbClr val="FFFFFF"/>
+                </a:solidFill>
+              </a14:hiddenFill>
+            </a:ext>
+          </a:extLst>
+        </p:spPr>
+      </p:pic>
+      <p:sp>
+        <p:nvSpPr>
+          <p:cNvPr id="6" name="TextBox 5"/>
+          <p:cNvSpPr txBox="1"/>
+          <p:nvPr/>
+        </p:nvSpPr>
+        <p:spPr>
+          <a:xfrm>
+            <a:off x="228600" y="1798128"/>
+            <a:ext cx="2826415" cy="369332"/>
+          </a:xfrm>
+          <a:prstGeom prst="rect">
+            <a:avLst/>
+          </a:prstGeom>
+          <a:noFill/>
+        </p:spPr>
+        <p:txBody>
+          <a:bodyPr wrap="none" rtlCol="0">
+            <a:spAutoFit/>
+          </a:bodyPr>
+          <a:lstStyle/>
+          <a:p>
+            <a:r>
+              <a:rPr lang="en-US" b="1"/>
+              <a:t>Less Dependencies Solution</a:t>
+            </a:r>
+          </a:p>
+        </p:txBody>
+      </p:sp>
+      <p:sp>
+        <p:nvSpPr>
+          <p:cNvPr id="11" name="TextBox 10"/>
+          <p:cNvSpPr txBox="1"/>
+          <p:nvPr/>
+        </p:nvSpPr>
+        <p:spPr>
+          <a:xfrm>
+            <a:off x="234696" y="4087309"/>
+            <a:ext cx="2950488" cy="369332"/>
+          </a:xfrm>
+          <a:prstGeom prst="rect">
+            <a:avLst/>
+          </a:prstGeom>
+          <a:noFill/>
+        </p:spPr>
+        <p:txBody>
+          <a:bodyPr wrap="none" rtlCol="0">
+            <a:spAutoFit/>
+          </a:bodyPr>
+          <a:lstStyle/>
+          <a:p>
+            <a:r>
+              <a:rPr lang="en-US" b="1"/>
+              <a:t>More Dependencies Solution</a:t>
+            </a:r>
+          </a:p>
+        </p:txBody>
+      </p:sp>
+    </p:spTree>
+    <p:extLst>
+      <p:ext uri="{BB962C8B-B14F-4D97-AF65-F5344CB8AC3E}">
+        <p14:creationId xmlns:p14="http://schemas.microsoft.com/office/powerpoint/2010/main" val="1528258860"/>
+      </p:ext>
+    </p:extLst>
+  </p:cSld>
+  <p:clrMapOvr>
+    <a:masterClrMapping/>
+  </p:clrMapOvr>
+</p:sld>
+</file>
+
+<file path=ppt/slides/slide7.xml><?xml version="1.0" encoding="utf-8"?>
 <p:sld xmlns:a="http://schemas.openxmlformats.org/drawingml/2006/main" xmlns:r="http://schemas.openxmlformats.org/officeDocument/2006/relationships" xmlns:p="http://schemas.openxmlformats.org/presentationml/2006/main">
   <p:cSld>
     <p:spTree>
@@ -28441,7 +30647,7 @@
 </p:sld>
 </file>
 
-<file path=ppt/slides/slide7.xml><?xml version="1.0" encoding="utf-8"?>
+<file path=ppt/slides/slide8.xml><?xml version="1.0" encoding="utf-8"?>
 <p:sld xmlns:a="http://schemas.openxmlformats.org/drawingml/2006/main" xmlns:r="http://schemas.openxmlformats.org/officeDocument/2006/relationships" xmlns:p="http://schemas.openxmlformats.org/presentationml/2006/main">
   <p:cSld>
     <p:spTree>
@@ -28762,7 +30968,7 @@
 </p:sld>
 </file>
 
-<file path=ppt/slides/slide8.xml><?xml version="1.0" encoding="utf-8"?>
+<file path=ppt/slides/slide9.xml><?xml version="1.0" encoding="utf-8"?>
 <p:sld xmlns:a="http://schemas.openxmlformats.org/drawingml/2006/main" xmlns:r="http://schemas.openxmlformats.org/officeDocument/2006/relationships" xmlns:p="http://schemas.openxmlformats.org/presentationml/2006/main">
   <p:cSld>
     <p:spTree>
@@ -28870,132 +31076,6 @@
     <p:extLst>
       <p:ext uri="{BB962C8B-B14F-4D97-AF65-F5344CB8AC3E}">
         <p14:creationId xmlns:p14="http://schemas.microsoft.com/office/powerpoint/2010/main" val="4151074467"/>
-      </p:ext>
-    </p:extLst>
-  </p:cSld>
-  <p:clrMapOvr>
-    <a:masterClrMapping/>
-  </p:clrMapOvr>
-</p:sld>
-</file>
-
-<file path=ppt/slides/slide9.xml><?xml version="1.0" encoding="utf-8"?>
-<p:sld xmlns:a="http://schemas.openxmlformats.org/drawingml/2006/main" xmlns:r="http://schemas.openxmlformats.org/officeDocument/2006/relationships" xmlns:p="http://schemas.openxmlformats.org/presentationml/2006/main">
-  <p:cSld>
-    <p:spTree>
-      <p:nvGrpSpPr>
-        <p:cNvPr id="1" name=""/>
-        <p:cNvGrpSpPr/>
-        <p:nvPr/>
-      </p:nvGrpSpPr>
-      <p:grpSpPr>
-        <a:xfrm>
-          <a:off x="0" y="0"/>
-          <a:ext cx="0" cy="0"/>
-          <a:chOff x="0" y="0"/>
-          <a:chExt cx="0" cy="0"/>
-        </a:xfrm>
-      </p:grpSpPr>
-      <p:sp>
-        <p:nvSpPr>
-          <p:cNvPr id="2" name="Title 1"/>
-          <p:cNvSpPr>
-            <a:spLocks noGrp="1"/>
-          </p:cNvSpPr>
-          <p:nvPr>
-            <p:ph type="title"/>
-          </p:nvPr>
-        </p:nvSpPr>
-        <p:spPr/>
-        <p:txBody>
-          <a:bodyPr/>
-          <a:lstStyle/>
-          <a:p>
-            <a:r>
-              <a:rPr lang="en-US" dirty="0"/>
-              <a:t>Today’s topic – </a:t>
-            </a:r>
-            <a:r>
-              <a:rPr lang="en-US" b="1" i="1" dirty="0"/>
-              <a:t>Tell Don’t Ask</a:t>
-            </a:r>
-          </a:p>
-        </p:txBody>
-      </p:sp>
-      <p:sp>
-        <p:nvSpPr>
-          <p:cNvPr id="3" name="Content Placeholder 2"/>
-          <p:cNvSpPr>
-            <a:spLocks noGrp="1"/>
-          </p:cNvSpPr>
-          <p:nvPr>
-            <p:ph idx="1"/>
-          </p:nvPr>
-        </p:nvSpPr>
-        <p:spPr/>
-        <p:txBody>
-          <a:bodyPr/>
-          <a:lstStyle/>
-          <a:p>
-            <a:pPr fontAlgn="base"/>
-            <a:r>
-              <a:rPr lang="en-US" b="1" dirty="0"/>
-              <a:t>Minimize dependencies</a:t>
-            </a:r>
-            <a:r>
-              <a:rPr lang="en-US" dirty="0"/>
-              <a:t> between objects when it does not disrupt usability or </a:t>
-            </a:r>
-            <a:r>
-              <a:rPr lang="en-US" dirty="0" err="1"/>
-              <a:t>extendability</a:t>
-            </a:r>
-            <a:endParaRPr lang="en-US" dirty="0"/>
-          </a:p>
-          <a:p>
-            <a:pPr lvl="1" fontAlgn="base"/>
-            <a:r>
-              <a:rPr lang="en-US" dirty="0"/>
-              <a:t>If you can see a simpler design that works, use it</a:t>
-            </a:r>
-          </a:p>
-          <a:p>
-            <a:pPr lvl="1" fontAlgn="base"/>
-            <a:r>
-              <a:rPr lang="en-US" dirty="0"/>
-              <a:t>But if you can’t see a simpler design than the one that you have, at least ensure that you:</a:t>
-            </a:r>
-          </a:p>
-          <a:p>
-            <a:pPr lvl="2" fontAlgn="base"/>
-            <a:r>
-              <a:rPr lang="en-US" sz="2800" dirty="0">
-                <a:solidFill>
-                  <a:schemeClr val="accent2"/>
-                </a:solidFill>
-              </a:rPr>
-              <a:t>Tell don't ask</a:t>
-            </a:r>
-          </a:p>
-          <a:p>
-            <a:pPr lvl="2" fontAlgn="base"/>
-            <a:r>
-              <a:rPr lang="en-US" sz="2800" dirty="0"/>
-              <a:t>Don't have message chains</a:t>
-            </a:r>
-          </a:p>
-          <a:p>
-            <a:pPr marL="0" indent="0">
-              <a:buNone/>
-            </a:pPr>
-            <a:endParaRPr lang="en-US" dirty="0"/>
-          </a:p>
-        </p:txBody>
-      </p:sp>
-    </p:spTree>
-    <p:extLst>
-      <p:ext uri="{BB962C8B-B14F-4D97-AF65-F5344CB8AC3E}">
-        <p14:creationId xmlns:p14="http://schemas.microsoft.com/office/powerpoint/2010/main" val="2691170345"/>
       </p:ext>
     </p:extLst>
   </p:cSld>
